--- a/Assignment 1/Assignment Presentation.pptx
+++ b/Assignment 1/Assignment Presentation.pptx
@@ -5,51 +5,53 @@
     <p:sldMasterId id="2147483718" r:id="rId1"/>
   </p:sldMasterIdLst>
   <p:sldIdLst>
-    <p:sldId id="271" r:id="rId2"/>
-    <p:sldId id="290" r:id="rId3"/>
-    <p:sldId id="291" r:id="rId4"/>
-    <p:sldId id="292" r:id="rId5"/>
-    <p:sldId id="293" r:id="rId6"/>
-    <p:sldId id="294" r:id="rId7"/>
-    <p:sldId id="295" r:id="rId8"/>
-    <p:sldId id="296" r:id="rId9"/>
-    <p:sldId id="297" r:id="rId10"/>
-    <p:sldId id="298" r:id="rId11"/>
-    <p:sldId id="299" r:id="rId12"/>
-    <p:sldId id="300" r:id="rId13"/>
-    <p:sldId id="301" r:id="rId14"/>
-    <p:sldId id="303" r:id="rId15"/>
-    <p:sldId id="304" r:id="rId16"/>
-    <p:sldId id="305" r:id="rId17"/>
-    <p:sldId id="289" r:id="rId18"/>
-    <p:sldId id="257" r:id="rId19"/>
-    <p:sldId id="259" r:id="rId20"/>
-    <p:sldId id="260" r:id="rId21"/>
-    <p:sldId id="261" r:id="rId22"/>
-    <p:sldId id="272" r:id="rId23"/>
-    <p:sldId id="258" r:id="rId24"/>
-    <p:sldId id="273" r:id="rId25"/>
-    <p:sldId id="275" r:id="rId26"/>
-    <p:sldId id="263" r:id="rId27"/>
-    <p:sldId id="264" r:id="rId28"/>
-    <p:sldId id="276" r:id="rId29"/>
-    <p:sldId id="267" r:id="rId30"/>
-    <p:sldId id="268" r:id="rId31"/>
-    <p:sldId id="269" r:id="rId32"/>
-    <p:sldId id="270" r:id="rId33"/>
-    <p:sldId id="277" r:id="rId34"/>
-    <p:sldId id="266" r:id="rId35"/>
-    <p:sldId id="278" r:id="rId36"/>
-    <p:sldId id="279" r:id="rId37"/>
-    <p:sldId id="280" r:id="rId38"/>
-    <p:sldId id="281" r:id="rId39"/>
-    <p:sldId id="282" r:id="rId40"/>
-    <p:sldId id="283" r:id="rId41"/>
-    <p:sldId id="284" r:id="rId42"/>
-    <p:sldId id="285" r:id="rId43"/>
-    <p:sldId id="286" r:id="rId44"/>
-    <p:sldId id="287" r:id="rId45"/>
-    <p:sldId id="288" r:id="rId46"/>
+    <p:sldId id="306" r:id="rId2"/>
+    <p:sldId id="307" r:id="rId3"/>
+    <p:sldId id="271" r:id="rId4"/>
+    <p:sldId id="290" r:id="rId5"/>
+    <p:sldId id="291" r:id="rId6"/>
+    <p:sldId id="292" r:id="rId7"/>
+    <p:sldId id="293" r:id="rId8"/>
+    <p:sldId id="294" r:id="rId9"/>
+    <p:sldId id="295" r:id="rId10"/>
+    <p:sldId id="296" r:id="rId11"/>
+    <p:sldId id="297" r:id="rId12"/>
+    <p:sldId id="298" r:id="rId13"/>
+    <p:sldId id="299" r:id="rId14"/>
+    <p:sldId id="300" r:id="rId15"/>
+    <p:sldId id="301" r:id="rId16"/>
+    <p:sldId id="303" r:id="rId17"/>
+    <p:sldId id="304" r:id="rId18"/>
+    <p:sldId id="305" r:id="rId19"/>
+    <p:sldId id="289" r:id="rId20"/>
+    <p:sldId id="257" r:id="rId21"/>
+    <p:sldId id="259" r:id="rId22"/>
+    <p:sldId id="260" r:id="rId23"/>
+    <p:sldId id="261" r:id="rId24"/>
+    <p:sldId id="272" r:id="rId25"/>
+    <p:sldId id="258" r:id="rId26"/>
+    <p:sldId id="273" r:id="rId27"/>
+    <p:sldId id="275" r:id="rId28"/>
+    <p:sldId id="263" r:id="rId29"/>
+    <p:sldId id="264" r:id="rId30"/>
+    <p:sldId id="276" r:id="rId31"/>
+    <p:sldId id="267" r:id="rId32"/>
+    <p:sldId id="268" r:id="rId33"/>
+    <p:sldId id="269" r:id="rId34"/>
+    <p:sldId id="270" r:id="rId35"/>
+    <p:sldId id="277" r:id="rId36"/>
+    <p:sldId id="266" r:id="rId37"/>
+    <p:sldId id="278" r:id="rId38"/>
+    <p:sldId id="279" r:id="rId39"/>
+    <p:sldId id="280" r:id="rId40"/>
+    <p:sldId id="281" r:id="rId41"/>
+    <p:sldId id="282" r:id="rId42"/>
+    <p:sldId id="283" r:id="rId43"/>
+    <p:sldId id="284" r:id="rId44"/>
+    <p:sldId id="285" r:id="rId45"/>
+    <p:sldId id="286" r:id="rId46"/>
+    <p:sldId id="287" r:id="rId47"/>
+    <p:sldId id="288" r:id="rId48"/>
   </p:sldIdLst>
   <p:sldSz cx="12192000" cy="6858000"/>
   <p:notesSz cx="6858000" cy="9144000"/>
@@ -160,7 +162,7 @@
 <p1510:revInfo xmlns:a="http://schemas.openxmlformats.org/drawingml/2006/main" xmlns:r="http://schemas.openxmlformats.org/officeDocument/2006/relationships" xmlns:p1510="http://schemas.microsoft.com/office/powerpoint/2015/10/main">
   <p1510:revLst>
     <p1510:client id="{B5950655-B52F-4C4A-8D4C-2CA8B2A214A1}" v="2005" dt="2021-04-06T19:15:56.565"/>
-    <p1510:client id="{BA04AB18-81BA-44F6-8A17-E30D392E2E82}" v="1558" dt="2021-04-06T18:25:11.796"/>
+    <p1510:client id="{BA04AB18-81BA-44F6-8A17-E30D392E2E82}" v="1561" dt="2021-04-06T19:31:10.425"/>
   </p1510:revLst>
 </p1510:revInfo>
 </file>
@@ -1798,6 +1800,124 @@
       </pc:sldChg>
     </pc:docChg>
   </pc:docChgLst>
+  <pc:docChgLst>
+    <pc:chgData name="Abhiroop Mukherjee" userId="5fbc6062963ca2c0" providerId="LiveId" clId="{BA04AB18-81BA-44F6-8A17-E30D392E2E82}"/>
+    <pc:docChg chg="undo custSel addSld delSld modSld sldOrd">
+      <pc:chgData name="Abhiroop Mukherjee" userId="5fbc6062963ca2c0" providerId="LiveId" clId="{BA04AB18-81BA-44F6-8A17-E30D392E2E82}" dt="2021-04-06T19:31:27.740" v="333" actId="26606"/>
+      <pc:docMkLst>
+        <pc:docMk/>
+      </pc:docMkLst>
+      <pc:sldChg chg="addSp modSp new mod ord setBg addAnim">
+        <pc:chgData name="Abhiroop Mukherjee" userId="5fbc6062963ca2c0" providerId="LiveId" clId="{BA04AB18-81BA-44F6-8A17-E30D392E2E82}" dt="2021-04-06T19:27:29.745" v="62" actId="20577"/>
+        <pc:sldMkLst>
+          <pc:docMk/>
+          <pc:sldMk cId="3312262878" sldId="306"/>
+        </pc:sldMkLst>
+        <pc:spChg chg="mod">
+          <ac:chgData name="Abhiroop Mukherjee" userId="5fbc6062963ca2c0" providerId="LiveId" clId="{BA04AB18-81BA-44F6-8A17-E30D392E2E82}" dt="2021-04-06T19:27:21.127" v="58" actId="26606"/>
+          <ac:spMkLst>
+            <pc:docMk/>
+            <pc:sldMk cId="3312262878" sldId="306"/>
+            <ac:spMk id="2" creationId="{9C1DFF1A-73D2-4BD9-BA32-272CB40BD1E8}"/>
+          </ac:spMkLst>
+        </pc:spChg>
+        <pc:spChg chg="mod">
+          <ac:chgData name="Abhiroop Mukherjee" userId="5fbc6062963ca2c0" providerId="LiveId" clId="{BA04AB18-81BA-44F6-8A17-E30D392E2E82}" dt="2021-04-06T19:27:29.745" v="62" actId="20577"/>
+          <ac:spMkLst>
+            <pc:docMk/>
+            <pc:sldMk cId="3312262878" sldId="306"/>
+            <ac:spMk id="3" creationId="{CD58D14C-9D18-4AE9-BC9C-72022FBE3579}"/>
+          </ac:spMkLst>
+        </pc:spChg>
+        <pc:spChg chg="add">
+          <ac:chgData name="Abhiroop Mukherjee" userId="5fbc6062963ca2c0" providerId="LiveId" clId="{BA04AB18-81BA-44F6-8A17-E30D392E2E82}" dt="2021-04-06T19:27:21.127" v="58" actId="26606"/>
+          <ac:spMkLst>
+            <pc:docMk/>
+            <pc:sldMk cId="3312262878" sldId="306"/>
+            <ac:spMk id="11" creationId="{1C520CBD-F82E-44E4-BDA5-128716AD79C8}"/>
+          </ac:spMkLst>
+        </pc:spChg>
+        <pc:spChg chg="add">
+          <ac:chgData name="Abhiroop Mukherjee" userId="5fbc6062963ca2c0" providerId="LiveId" clId="{BA04AB18-81BA-44F6-8A17-E30D392E2E82}" dt="2021-04-06T19:27:21.127" v="58" actId="26606"/>
+          <ac:spMkLst>
+            <pc:docMk/>
+            <pc:sldMk cId="3312262878" sldId="306"/>
+            <ac:spMk id="13" creationId="{4618AE32-A526-42FC-A854-732740BD38DA}"/>
+          </ac:spMkLst>
+        </pc:spChg>
+        <pc:picChg chg="add">
+          <ac:chgData name="Abhiroop Mukherjee" userId="5fbc6062963ca2c0" providerId="LiveId" clId="{BA04AB18-81BA-44F6-8A17-E30D392E2E82}" dt="2021-04-06T19:27:21.127" v="58" actId="26606"/>
+          <ac:picMkLst>
+            <pc:docMk/>
+            <pc:sldMk cId="3312262878" sldId="306"/>
+            <ac:picMk id="5" creationId="{584D4EB5-3CB4-4969-A913-4F386E99146B}"/>
+          </ac:picMkLst>
+        </pc:picChg>
+        <pc:cxnChg chg="add">
+          <ac:chgData name="Abhiroop Mukherjee" userId="5fbc6062963ca2c0" providerId="LiveId" clId="{BA04AB18-81BA-44F6-8A17-E30D392E2E82}" dt="2021-04-06T19:27:21.127" v="58" actId="26606"/>
+          <ac:cxnSpMkLst>
+            <pc:docMk/>
+            <pc:sldMk cId="3312262878" sldId="306"/>
+            <ac:cxnSpMk id="9" creationId="{77AB95BF-57D0-4E49-9EF2-408B47C8D40D}"/>
+          </ac:cxnSpMkLst>
+        </pc:cxnChg>
+      </pc:sldChg>
+      <pc:sldChg chg="addSp modSp new mod ord setBg">
+        <pc:chgData name="Abhiroop Mukherjee" userId="5fbc6062963ca2c0" providerId="LiveId" clId="{BA04AB18-81BA-44F6-8A17-E30D392E2E82}" dt="2021-04-06T19:31:27.740" v="333" actId="26606"/>
+        <pc:sldMkLst>
+          <pc:docMk/>
+          <pc:sldMk cId="2033051608" sldId="307"/>
+        </pc:sldMkLst>
+        <pc:spChg chg="mod">
+          <ac:chgData name="Abhiroop Mukherjee" userId="5fbc6062963ca2c0" providerId="LiveId" clId="{BA04AB18-81BA-44F6-8A17-E30D392E2E82}" dt="2021-04-06T19:31:27.740" v="333" actId="26606"/>
+          <ac:spMkLst>
+            <pc:docMk/>
+            <pc:sldMk cId="2033051608" sldId="307"/>
+            <ac:spMk id="2" creationId="{0A5E5C2A-12AE-4F2F-83F8-338BB786D2C1}"/>
+          </ac:spMkLst>
+        </pc:spChg>
+        <pc:spChg chg="mod">
+          <ac:chgData name="Abhiroop Mukherjee" userId="5fbc6062963ca2c0" providerId="LiveId" clId="{BA04AB18-81BA-44F6-8A17-E30D392E2E82}" dt="2021-04-06T19:31:27.740" v="333" actId="26606"/>
+          <ac:spMkLst>
+            <pc:docMk/>
+            <pc:sldMk cId="2033051608" sldId="307"/>
+            <ac:spMk id="3" creationId="{CE63FD34-36DF-4637-839F-A62E8F2F2E9B}"/>
+          </ac:spMkLst>
+        </pc:spChg>
+        <pc:spChg chg="add">
+          <ac:chgData name="Abhiroop Mukherjee" userId="5fbc6062963ca2c0" providerId="LiveId" clId="{BA04AB18-81BA-44F6-8A17-E30D392E2E82}" dt="2021-04-06T19:31:27.740" v="333" actId="26606"/>
+          <ac:spMkLst>
+            <pc:docMk/>
+            <pc:sldMk cId="2033051608" sldId="307"/>
+            <ac:spMk id="8" creationId="{3741B58E-3B65-4A01-A276-975AB2CF8A08}"/>
+          </ac:spMkLst>
+        </pc:spChg>
+        <pc:spChg chg="add">
+          <ac:chgData name="Abhiroop Mukherjee" userId="5fbc6062963ca2c0" providerId="LiveId" clId="{BA04AB18-81BA-44F6-8A17-E30D392E2E82}" dt="2021-04-06T19:31:27.740" v="333" actId="26606"/>
+          <ac:spMkLst>
+            <pc:docMk/>
+            <pc:sldMk cId="2033051608" sldId="307"/>
+            <ac:spMk id="10" creationId="{7AAC67C3-831B-4AB1-A259-DFB839CAFAFC}"/>
+          </ac:spMkLst>
+        </pc:spChg>
+        <pc:spChg chg="add">
+          <ac:chgData name="Abhiroop Mukherjee" userId="5fbc6062963ca2c0" providerId="LiveId" clId="{BA04AB18-81BA-44F6-8A17-E30D392E2E82}" dt="2021-04-06T19:31:27.740" v="333" actId="26606"/>
+          <ac:spMkLst>
+            <pc:docMk/>
+            <pc:sldMk cId="2033051608" sldId="307"/>
+            <ac:spMk id="12" creationId="{054B3F04-9EAC-45C0-B3CE-0387EEA10A0C}"/>
+          </ac:spMkLst>
+        </pc:spChg>
+      </pc:sldChg>
+      <pc:sldChg chg="new del">
+        <pc:chgData name="Abhiroop Mukherjee" userId="5fbc6062963ca2c0" providerId="LiveId" clId="{BA04AB18-81BA-44F6-8A17-E30D392E2E82}" dt="2021-04-06T19:28:02.888" v="64" actId="2696"/>
+        <pc:sldMkLst>
+          <pc:docMk/>
+          <pc:sldMk cId="2997176504" sldId="307"/>
+        </pc:sldMkLst>
+      </pc:sldChg>
+    </pc:docChg>
+  </pc:docChgLst>
 </pc:chgInfo>
 </file>
 
@@ -12678,7 +12798,7 @@
           <a:p>
             <a:fld id="{5CDD0EB6-9244-451F-A95F-81BE28026E49}" type="datetimeFigureOut">
               <a:rPr lang="en-IN" smtClean="0"/>
-              <a:t>06-04-2021</a:t>
+              <a:t>07-04-2021</a:t>
             </a:fld>
             <a:endParaRPr lang="en-IN" dirty="0"/>
           </a:p>
@@ -12886,7 +13006,7 @@
           <a:p>
             <a:fld id="{5CDD0EB6-9244-451F-A95F-81BE28026E49}" type="datetimeFigureOut">
               <a:rPr lang="en-IN" smtClean="0"/>
-              <a:t>06-04-2021</a:t>
+              <a:t>07-04-2021</a:t>
             </a:fld>
             <a:endParaRPr lang="en-IN" dirty="0"/>
           </a:p>
@@ -13142,7 +13262,7 @@
           <a:p>
             <a:fld id="{5CDD0EB6-9244-451F-A95F-81BE28026E49}" type="datetimeFigureOut">
               <a:rPr lang="en-IN" smtClean="0"/>
-              <a:t>06-04-2021</a:t>
+              <a:t>07-04-2021</a:t>
             </a:fld>
             <a:endParaRPr lang="en-IN" dirty="0"/>
           </a:p>
@@ -13316,7 +13436,7 @@
           <a:p>
             <a:fld id="{5CDD0EB6-9244-451F-A95F-81BE28026E49}" type="datetimeFigureOut">
               <a:rPr lang="en-IN" smtClean="0"/>
-              <a:t>06-04-2021</a:t>
+              <a:t>07-04-2021</a:t>
             </a:fld>
             <a:endParaRPr lang="en-IN" dirty="0"/>
           </a:p>
@@ -13659,7 +13779,7 @@
           <a:p>
             <a:fld id="{5CDD0EB6-9244-451F-A95F-81BE28026E49}" type="datetimeFigureOut">
               <a:rPr lang="en-IN" smtClean="0"/>
-              <a:t>06-04-2021</a:t>
+              <a:t>07-04-2021</a:t>
             </a:fld>
             <a:endParaRPr lang="en-IN" dirty="0"/>
           </a:p>
@@ -13934,7 +14054,7 @@
           <a:p>
             <a:fld id="{5CDD0EB6-9244-451F-A95F-81BE28026E49}" type="datetimeFigureOut">
               <a:rPr lang="en-IN" smtClean="0"/>
-              <a:t>06-04-2021</a:t>
+              <a:t>07-04-2021</a:t>
             </a:fld>
             <a:endParaRPr lang="en-IN" dirty="0"/>
           </a:p>
@@ -14313,7 +14433,7 @@
           <a:p>
             <a:fld id="{5CDD0EB6-9244-451F-A95F-81BE28026E49}" type="datetimeFigureOut">
               <a:rPr lang="en-IN" smtClean="0"/>
-              <a:t>06-04-2021</a:t>
+              <a:t>07-04-2021</a:t>
             </a:fld>
             <a:endParaRPr lang="en-IN" dirty="0"/>
           </a:p>
@@ -14431,7 +14551,7 @@
           <a:p>
             <a:fld id="{5CDD0EB6-9244-451F-A95F-81BE28026E49}" type="datetimeFigureOut">
               <a:rPr lang="en-IN" smtClean="0"/>
-              <a:t>06-04-2021</a:t>
+              <a:t>07-04-2021</a:t>
             </a:fld>
             <a:endParaRPr lang="en-IN" dirty="0"/>
           </a:p>
@@ -14602,7 +14722,7 @@
           <a:p>
             <a:fld id="{5CDD0EB6-9244-451F-A95F-81BE28026E49}" type="datetimeFigureOut">
               <a:rPr lang="en-IN" smtClean="0"/>
-              <a:t>06-04-2021</a:t>
+              <a:t>07-04-2021</a:t>
             </a:fld>
             <a:endParaRPr lang="en-IN" dirty="0"/>
           </a:p>
@@ -14956,7 +15076,7 @@
           <a:p>
             <a:fld id="{5CDD0EB6-9244-451F-A95F-81BE28026E49}" type="datetimeFigureOut">
               <a:rPr lang="en-IN" smtClean="0"/>
-              <a:t>06-04-2021</a:t>
+              <a:t>07-04-2021</a:t>
             </a:fld>
             <a:endParaRPr lang="en-IN" dirty="0"/>
           </a:p>
@@ -15337,7 +15457,7 @@
           <a:p>
             <a:fld id="{5CDD0EB6-9244-451F-A95F-81BE28026E49}" type="datetimeFigureOut">
               <a:rPr lang="en-IN" smtClean="0"/>
-              <a:t>06-04-2021</a:t>
+              <a:t>07-04-2021</a:t>
             </a:fld>
             <a:endParaRPr lang="en-IN" dirty="0"/>
           </a:p>
@@ -15624,7 +15744,7 @@
           <a:p>
             <a:fld id="{5CDD0EB6-9244-451F-A95F-81BE28026E49}" type="datetimeFigureOut">
               <a:rPr lang="en-IN" smtClean="0"/>
-              <a:t>06-04-2021</a:t>
+              <a:t>07-04-2021</a:t>
             </a:fld>
             <a:endParaRPr lang="en-IN" dirty="0"/>
           </a:p>
@@ -16158,10 +16278,10 @@
       </p:grpSpPr>
       <p:pic>
         <p:nvPicPr>
-          <p:cNvPr id="5" name="Picture 4" descr="Many question marks on black background">
+          <p:cNvPr id="5" name="Picture 4" descr="Exclamation mark on a yellow background">
             <a:extLst>
               <a:ext uri="{FF2B5EF4-FFF2-40B4-BE49-F238E27FC236}">
-                <a16:creationId xmlns:a16="http://schemas.microsoft.com/office/drawing/2014/main" id="{ADB0B3D9-43BA-44C0-B7D2-B552C20F9567}"/>
+                <a16:creationId xmlns:a16="http://schemas.microsoft.com/office/drawing/2014/main" id="{584D4EB5-3CB4-4969-A913-4F386E99146B}"/>
               </a:ext>
             </a:extLst>
           </p:cNvPr>
@@ -16181,7 +16301,7 @@
             </a:duotone>
             <a:alphaModFix amt="35000"/>
           </a:blip>
-          <a:srcRect t="7787"/>
+          <a:srcRect t="25000"/>
           <a:stretch/>
         </p:blipFill>
         <p:spPr>
@@ -16199,7 +16319,7 @@
           <p:cNvPr id="2" name="Title 1">
             <a:extLst>
               <a:ext uri="{FF2B5EF4-FFF2-40B4-BE49-F238E27FC236}">
-                <a16:creationId xmlns:a16="http://schemas.microsoft.com/office/drawing/2014/main" id="{4A52C5C3-42CA-4234-833A-76AB208648C9}"/>
+                <a16:creationId xmlns:a16="http://schemas.microsoft.com/office/drawing/2014/main" id="{9C1DFF1A-73D2-4BD9-BA32-272CB40BD1E8}"/>
               </a:ext>
             </a:extLst>
           </p:cNvPr>
@@ -16224,7 +16344,7 @@
           <a:p>
             <a:r>
               <a:rPr lang="en-IN" dirty="0"/>
-              <a:t>Question 1A</a:t>
+              <a:t>ASSIGNMENT 1</a:t>
             </a:r>
           </a:p>
         </p:txBody>
@@ -16234,7 +16354,7 @@
           <p:cNvPr id="3" name="Subtitle 2">
             <a:extLst>
               <a:ext uri="{FF2B5EF4-FFF2-40B4-BE49-F238E27FC236}">
-                <a16:creationId xmlns:a16="http://schemas.microsoft.com/office/drawing/2014/main" id="{418B9C51-389E-47E6-B0A9-41747AF0C1BE}"/>
+                <a16:creationId xmlns:a16="http://schemas.microsoft.com/office/drawing/2014/main" id="{CD58D14C-9D18-4AE9-BC9C-72022FBE3579}"/>
               </a:ext>
             </a:extLst>
           </p:cNvPr>
@@ -16258,7 +16378,7 @@
           <a:lstStyle/>
           <a:p>
             <a:r>
-              <a:rPr lang="en-US" b="1" dirty="0">
+              <a:rPr lang="en-IN" dirty="0">
                 <a:solidFill>
                   <a:schemeClr val="tx1">
                     <a:lumMod val="85000"/>
@@ -16266,22 +16386,14 @@
                   </a:schemeClr>
                 </a:solidFill>
               </a:rPr>
-              <a:t>Construct large data sets taking random numbers from uniform distribution (UD)…</a:t>
+              <a:t>Algorithm Lab (CS2271)</a:t>
             </a:r>
-            <a:endParaRPr lang="en-IN" b="1" dirty="0">
-              <a:solidFill>
-                <a:schemeClr val="tx1">
-                  <a:lumMod val="85000"/>
-                  <a:lumOff val="15000"/>
-                </a:schemeClr>
-              </a:solidFill>
-            </a:endParaRPr>
           </a:p>
         </p:txBody>
       </p:sp>
       <p:cxnSp>
         <p:nvCxnSpPr>
-          <p:cNvPr id="27" name="Straight Connector 26">
+          <p:cNvPr id="9" name="Straight Connector 8">
             <a:extLst>
               <a:ext uri="{FF2B5EF4-FFF2-40B4-BE49-F238E27FC236}">
                 <a16:creationId xmlns:a16="http://schemas.microsoft.com/office/drawing/2014/main" id="{77AB95BF-57D0-4E49-9EF2-408B47C8D40D}"/>
@@ -16335,7 +16447,7 @@
       </p:cxnSp>
       <p:sp>
         <p:nvSpPr>
-          <p:cNvPr id="29" name="Rectangle 28">
+          <p:cNvPr id="11" name="Rectangle 10">
             <a:extLst>
               <a:ext uri="{FF2B5EF4-FFF2-40B4-BE49-F238E27FC236}">
                 <a16:creationId xmlns:a16="http://schemas.microsoft.com/office/drawing/2014/main" id="{1C520CBD-F82E-44E4-BDA5-128716AD79C8}"/>
@@ -16390,7 +16502,7 @@
       </p:sp>
       <p:sp>
         <p:nvSpPr>
-          <p:cNvPr id="31" name="Rectangle 30">
+          <p:cNvPr id="13" name="Rectangle 12">
             <a:extLst>
               <a:ext uri="{FF2B5EF4-FFF2-40B4-BE49-F238E27FC236}">
                 <a16:creationId xmlns:a16="http://schemas.microsoft.com/office/drawing/2014/main" id="{4618AE32-A526-42FC-A854-732740BD38DA}"/>
@@ -16446,7 +16558,7 @@
     </p:spTree>
     <p:extLst>
       <p:ext uri="{BB962C8B-B14F-4D97-AF65-F5344CB8AC3E}">
-        <p14:creationId xmlns:p14="http://schemas.microsoft.com/office/powerpoint/2010/main" val="961655752"/>
+        <p14:creationId xmlns:p14="http://schemas.microsoft.com/office/powerpoint/2010/main" val="3312262878"/>
       </p:ext>
     </p:extLst>
   </p:cSld>
@@ -16479,9 +16591,9 @@
                               <p:par>
                                 <p:cTn id="5" presetID="10" presetClass="entr" presetSubtype="0" fill="hold" grpId="0" nodeType="withEffect">
                                   <p:stCondLst>
-                                    <p:cond delay="1500"/>
+                                    <p:cond delay="2000"/>
                                   </p:stCondLst>
-                                  <p:iterate>
+                                  <p:iterate type="lt">
                                     <p:tmPct val="10000"/>
                                   </p:iterate>
                                   <p:childTnLst>
@@ -16509,7 +16621,7 @@
                                     </p:set>
                                     <p:animEffect transition="in" filter="fade">
                                       <p:cBhvr>
-                                        <p:cTn id="7" dur="700"/>
+                                        <p:cTn id="7" dur="400"/>
                                         <p:tgtEl>
                                           <p:spTgt spid="3">
                                             <p:txEl>
@@ -16527,7 +16639,7 @@
                                   <p:stCondLst>
                                     <p:cond delay="1000"/>
                                   </p:stCondLst>
-                                  <p:iterate>
+                                  <p:iterate type="lt">
                                     <p:tmPct val="10000"/>
                                   </p:iterate>
                                   <p:childTnLst>
@@ -16551,7 +16663,7 @@
                                     </p:set>
                                     <p:animEffect transition="in" filter="fade">
                                       <p:cBhvr>
-                                        <p:cTn id="10" dur="700"/>
+                                        <p:cTn id="10" dur="400"/>
                                         <p:tgtEl>
                                           <p:spTgt spid="2"/>
                                         </p:tgtEl>
@@ -16596,6 +16708,1109 @@
 </file>
 
 <file path=ppt/slides/slide10.xml><?xml version="1.0" encoding="utf-8"?>
+<p:sld xmlns:a="http://schemas.openxmlformats.org/drawingml/2006/main" xmlns:r="http://schemas.openxmlformats.org/officeDocument/2006/relationships" xmlns:p="http://schemas.openxmlformats.org/presentationml/2006/main">
+  <p:cSld>
+    <p:bg>
+      <p:bgPr>
+        <a:solidFill>
+          <a:schemeClr val="bg1"/>
+        </a:solidFill>
+        <a:effectLst/>
+      </p:bgPr>
+    </p:bg>
+    <p:spTree>
+      <p:nvGrpSpPr>
+        <p:cNvPr id="1" name=""/>
+        <p:cNvGrpSpPr/>
+        <p:nvPr/>
+      </p:nvGrpSpPr>
+      <p:grpSpPr>
+        <a:xfrm>
+          <a:off x="0" y="0"/>
+          <a:ext cx="0" cy="0"/>
+          <a:chOff x="0" y="0"/>
+          <a:chExt cx="0" cy="0"/>
+        </a:xfrm>
+      </p:grpSpPr>
+      <p:sp useBgFill="1">
+        <p:nvSpPr>
+          <p:cNvPr id="52" name="Rectangle 44">
+            <a:extLst>
+              <a:ext uri="{FF2B5EF4-FFF2-40B4-BE49-F238E27FC236}">
+                <a16:creationId xmlns:a16="http://schemas.microsoft.com/office/drawing/2014/main" id="{3741B58E-3B65-4A01-A276-975AB2CF8A08}"/>
+              </a:ext>
+              <a:ext uri="{C183D7F6-B498-43B3-948B-1728B52AA6E4}">
+                <adec:decorative xmlns:adec="http://schemas.microsoft.com/office/drawing/2017/decorative" val="1"/>
+              </a:ext>
+            </a:extLst>
+          </p:cNvPr>
+          <p:cNvSpPr>
+            <a:spLocks noGrp="1" noRot="1" noChangeAspect="1" noMove="1" noResize="1" noEditPoints="1" noAdjustHandles="1" noChangeArrowheads="1" noChangeShapeType="1" noTextEdit="1"/>
+          </p:cNvSpPr>
+          <p:nvPr>
+            <p:extLst>
+              <p:ext uri="{386F3935-93C4-4BCD-93E2-E3B085C9AB24}">
+                <p16:designElem xmlns:p16="http://schemas.microsoft.com/office/powerpoint/2015/main" val="1"/>
+              </p:ext>
+            </p:extLst>
+          </p:nvPr>
+        </p:nvSpPr>
+        <p:spPr>
+          <a:xfrm>
+            <a:off x="0" y="0"/>
+            <a:ext cx="12186315" cy="6858000"/>
+          </a:xfrm>
+          <a:prstGeom prst="rect">
+            <a:avLst/>
+          </a:prstGeom>
+          <a:ln>
+            <a:noFill/>
+          </a:ln>
+        </p:spPr>
+        <p:style>
+          <a:lnRef idx="2">
+            <a:schemeClr val="accent6">
+              <a:shade val="50000"/>
+            </a:schemeClr>
+          </a:lnRef>
+          <a:fillRef idx="1001">
+            <a:schemeClr val="lt1"/>
+          </a:fillRef>
+          <a:effectRef idx="0">
+            <a:schemeClr val="accent6"/>
+          </a:effectRef>
+          <a:fontRef idx="minor">
+            <a:schemeClr val="lt1"/>
+          </a:fontRef>
+        </p:style>
+        <p:txBody>
+          <a:bodyPr rtlCol="0" anchor="ctr"/>
+          <a:lstStyle/>
+          <a:p>
+            <a:pPr algn="ctr"/>
+            <a:endParaRPr lang="en-US" dirty="0"/>
+          </a:p>
+        </p:txBody>
+      </p:sp>
+      <p:sp>
+        <p:nvSpPr>
+          <p:cNvPr id="53" name="Rectangle 46">
+            <a:extLst>
+              <a:ext uri="{FF2B5EF4-FFF2-40B4-BE49-F238E27FC236}">
+                <a16:creationId xmlns:a16="http://schemas.microsoft.com/office/drawing/2014/main" id="{7AAC67C3-831B-4AB1-A259-DFB839CAFAFC}"/>
+              </a:ext>
+              <a:ext uri="{C183D7F6-B498-43B3-948B-1728B52AA6E4}">
+                <adec:decorative xmlns:adec="http://schemas.microsoft.com/office/drawing/2017/decorative" val="1"/>
+              </a:ext>
+            </a:extLst>
+          </p:cNvPr>
+          <p:cNvSpPr>
+            <a:spLocks noGrp="1" noRot="1" noChangeAspect="1" noMove="1" noResize="1" noEditPoints="1" noAdjustHandles="1" noChangeArrowheads="1" noChangeShapeType="1" noTextEdit="1"/>
+          </p:cNvSpPr>
+          <p:nvPr>
+            <p:extLst>
+              <p:ext uri="{386F3935-93C4-4BCD-93E2-E3B085C9AB24}">
+                <p16:designElem xmlns:p16="http://schemas.microsoft.com/office/powerpoint/2015/main" val="1"/>
+              </p:ext>
+            </p:extLst>
+          </p:nvPr>
+        </p:nvSpPr>
+        <p:spPr>
+          <a:xfrm>
+            <a:off x="16" y="0"/>
+            <a:ext cx="4050791" cy="6858000"/>
+          </a:xfrm>
+          <a:prstGeom prst="rect">
+            <a:avLst/>
+          </a:prstGeom>
+          <a:solidFill>
+            <a:schemeClr val="accent2"/>
+          </a:solidFill>
+          <a:ln>
+            <a:noFill/>
+          </a:ln>
+        </p:spPr>
+        <p:style>
+          <a:lnRef idx="2">
+            <a:schemeClr val="accent1">
+              <a:shade val="50000"/>
+            </a:schemeClr>
+          </a:lnRef>
+          <a:fillRef idx="1">
+            <a:schemeClr val="accent1"/>
+          </a:fillRef>
+          <a:effectRef idx="0">
+            <a:schemeClr val="accent1"/>
+          </a:effectRef>
+          <a:fontRef idx="minor">
+            <a:schemeClr val="lt1"/>
+          </a:fontRef>
+        </p:style>
+      </p:sp>
+      <p:sp>
+        <p:nvSpPr>
+          <p:cNvPr id="2" name="Title 1">
+            <a:extLst>
+              <a:ext uri="{FF2B5EF4-FFF2-40B4-BE49-F238E27FC236}">
+                <a16:creationId xmlns:a16="http://schemas.microsoft.com/office/drawing/2014/main" id="{1771E5D7-26CB-4F5E-9EFD-797FFC8241CF}"/>
+              </a:ext>
+            </a:extLst>
+          </p:cNvPr>
+          <p:cNvSpPr>
+            <a:spLocks noGrp="1"/>
+          </p:cNvSpPr>
+          <p:nvPr>
+            <p:ph type="title"/>
+          </p:nvPr>
+        </p:nvSpPr>
+        <p:spPr>
+          <a:xfrm>
+            <a:off x="492370" y="605896"/>
+            <a:ext cx="3084844" cy="5646208"/>
+          </a:xfrm>
+        </p:spPr>
+        <p:txBody>
+          <a:bodyPr anchor="ctr">
+            <a:normAutofit/>
+          </a:bodyPr>
+          <a:lstStyle/>
+          <a:p>
+            <a:r>
+              <a:rPr lang="en-IN" sz="3600" b="1" dirty="0">
+                <a:solidFill>
+                  <a:srgbClr val="FFFFFF"/>
+                </a:solidFill>
+              </a:rPr>
+              <a:t>What is </a:t>
+            </a:r>
+            <a:r>
+              <a:rPr lang="en-IN" sz="3600" b="1" i="0" dirty="0">
+                <a:solidFill>
+                  <a:srgbClr val="FFFFFF"/>
+                </a:solidFill>
+                <a:effectLst/>
+                <a:latin typeface="sofia-pro"/>
+              </a:rPr>
+              <a:t>Merge Sort</a:t>
+            </a:r>
+            <a:endParaRPr lang="en-IN" sz="3600" b="1" dirty="0">
+              <a:solidFill>
+                <a:srgbClr val="FFFFFF"/>
+              </a:solidFill>
+            </a:endParaRPr>
+          </a:p>
+        </p:txBody>
+      </p:sp>
+      <p:sp>
+        <p:nvSpPr>
+          <p:cNvPr id="54" name="Rectangle 48">
+            <a:extLst>
+              <a:ext uri="{FF2B5EF4-FFF2-40B4-BE49-F238E27FC236}">
+                <a16:creationId xmlns:a16="http://schemas.microsoft.com/office/drawing/2014/main" id="{054B3F04-9EAC-45C0-B3CE-0387EEA10A0C}"/>
+              </a:ext>
+              <a:ext uri="{C183D7F6-B498-43B3-948B-1728B52AA6E4}">
+                <adec:decorative xmlns:adec="http://schemas.microsoft.com/office/drawing/2017/decorative" val="1"/>
+              </a:ext>
+            </a:extLst>
+          </p:cNvPr>
+          <p:cNvSpPr>
+            <a:spLocks noGrp="1" noRot="1" noChangeAspect="1" noMove="1" noResize="1" noEditPoints="1" noAdjustHandles="1" noChangeArrowheads="1" noChangeShapeType="1" noTextEdit="1"/>
+          </p:cNvSpPr>
+          <p:nvPr>
+            <p:extLst>
+              <p:ext uri="{386F3935-93C4-4BCD-93E2-E3B085C9AB24}">
+                <p16:designElem xmlns:p16="http://schemas.microsoft.com/office/powerpoint/2015/main" val="1"/>
+              </p:ext>
+            </p:extLst>
+          </p:nvPr>
+        </p:nvSpPr>
+        <p:spPr>
+          <a:xfrm>
+            <a:off x="4040071" y="0"/>
+            <a:ext cx="64008" cy="6858000"/>
+          </a:xfrm>
+          <a:prstGeom prst="rect">
+            <a:avLst/>
+          </a:prstGeom>
+          <a:solidFill>
+            <a:schemeClr val="accent1"/>
+          </a:solidFill>
+          <a:ln>
+            <a:noFill/>
+          </a:ln>
+        </p:spPr>
+        <p:style>
+          <a:lnRef idx="2">
+            <a:schemeClr val="accent1">
+              <a:shade val="50000"/>
+            </a:schemeClr>
+          </a:lnRef>
+          <a:fillRef idx="1">
+            <a:schemeClr val="accent1"/>
+          </a:fillRef>
+          <a:effectRef idx="0">
+            <a:schemeClr val="accent1"/>
+          </a:effectRef>
+          <a:fontRef idx="minor">
+            <a:schemeClr val="lt1"/>
+          </a:fontRef>
+        </p:style>
+      </p:sp>
+      <mc:AlternateContent xmlns:mc="http://schemas.openxmlformats.org/markup-compatibility/2006" xmlns:a14="http://schemas.microsoft.com/office/drawing/2010/main">
+        <mc:Choice Requires="a14">
+          <p:sp>
+            <p:nvSpPr>
+              <p:cNvPr id="3" name="Content Placeholder 2">
+                <a:extLst>
+                  <a:ext uri="{FF2B5EF4-FFF2-40B4-BE49-F238E27FC236}">
+                    <a16:creationId xmlns:a16="http://schemas.microsoft.com/office/drawing/2014/main" id="{8C1A0A05-7284-47B2-BB30-FCEB6D32D7EB}"/>
+                  </a:ext>
+                </a:extLst>
+              </p:cNvPr>
+              <p:cNvSpPr>
+                <a:spLocks noGrp="1"/>
+              </p:cNvSpPr>
+              <p:nvPr>
+                <p:ph idx="1"/>
+              </p:nvPr>
+            </p:nvSpPr>
+            <p:spPr>
+              <a:xfrm>
+                <a:off x="4742016" y="605896"/>
+                <a:ext cx="6413663" cy="5646208"/>
+              </a:xfrm>
+            </p:spPr>
+            <p:txBody>
+              <a:bodyPr anchor="ctr">
+                <a:normAutofit/>
+              </a:bodyPr>
+              <a:lstStyle/>
+              <a:p>
+                <a:r>
+                  <a:rPr lang="en-IN" dirty="0"/>
+                  <a:t>The Merge sort is a “Divide and Conquer” Algorithm which works as follows:</a:t>
+                </a:r>
+              </a:p>
+              <a:p>
+                <a:pPr marL="544068" lvl="1" indent="-342900">
+                  <a:buFont typeface="+mj-lt"/>
+                  <a:buAutoNum type="arabicPeriod"/>
+                </a:pPr>
+                <a:r>
+                  <a:rPr lang="en-US" u="sng" dirty="0"/>
+                  <a:t>Divide</a:t>
+                </a:r>
+                <a:r>
+                  <a:rPr lang="en-US" dirty="0"/>
+                  <a:t> n-element sequence into n/2 elements in two subsequences. [</a:t>
+                </a:r>
+                <a14:m>
+                  <m:oMath xmlns:m="http://schemas.openxmlformats.org/officeDocument/2006/math">
+                    <m:r>
+                      <a:rPr lang="en-IN" b="0" i="1" smtClean="0">
+                        <a:latin typeface="Cambria Math" panose="02040503050406030204" pitchFamily="18" charset="0"/>
+                      </a:rPr>
+                      <m:t>𝑂</m:t>
+                    </m:r>
+                    <m:r>
+                      <a:rPr lang="en-IN" b="0" i="1" smtClean="0">
+                        <a:latin typeface="Cambria Math" panose="02040503050406030204" pitchFamily="18" charset="0"/>
+                      </a:rPr>
+                      <m:t>(1)</m:t>
+                    </m:r>
+                  </m:oMath>
+                </a14:m>
+                <a:r>
+                  <a:rPr lang="en-US" dirty="0"/>
+                  <a:t>, divides into two parts]</a:t>
+                </a:r>
+              </a:p>
+              <a:p>
+                <a:pPr marL="544068" lvl="1" indent="-342900">
+                  <a:buFont typeface="+mj-lt"/>
+                  <a:buAutoNum type="arabicPeriod"/>
+                </a:pPr>
+                <a:r>
+                  <a:rPr lang="en-US" u="sng" dirty="0"/>
+                  <a:t>CONQUER</a:t>
+                </a:r>
+                <a:r>
+                  <a:rPr lang="en-US" dirty="0"/>
+                  <a:t>: sort the two subsequences recursively.</a:t>
+                </a:r>
+              </a:p>
+              <a:p>
+                <a:pPr marL="544068" lvl="1" indent="-342900">
+                  <a:buFont typeface="+mj-lt"/>
+                  <a:buAutoNum type="arabicPeriod"/>
+                </a:pPr>
+                <a:r>
+                  <a:rPr lang="en-US" u="sng" dirty="0"/>
+                  <a:t>COMBINE</a:t>
+                </a:r>
+                <a:r>
+                  <a:rPr lang="en-US" dirty="0"/>
+                  <a:t>: MERGE the two subsequences. [</a:t>
+                </a:r>
+                <a14:m>
+                  <m:oMath xmlns:m="http://schemas.openxmlformats.org/officeDocument/2006/math">
+                    <m:r>
+                      <a:rPr lang="en-IN" b="0" i="1" smtClean="0">
+                        <a:latin typeface="Cambria Math" panose="02040503050406030204" pitchFamily="18" charset="0"/>
+                      </a:rPr>
+                      <m:t>𝑂</m:t>
+                    </m:r>
+                    <m:r>
+                      <a:rPr lang="en-IN" b="0" i="1" smtClean="0">
+                        <a:latin typeface="Cambria Math" panose="02040503050406030204" pitchFamily="18" charset="0"/>
+                      </a:rPr>
+                      <m:t>(</m:t>
+                    </m:r>
+                    <m:r>
+                      <a:rPr lang="en-IN" b="0" i="1" smtClean="0">
+                        <a:latin typeface="Cambria Math" panose="02040503050406030204" pitchFamily="18" charset="0"/>
+                      </a:rPr>
+                      <m:t>𝑛</m:t>
+                    </m:r>
+                    <m:r>
+                      <a:rPr lang="en-IN" b="0" i="1" smtClean="0">
+                        <a:latin typeface="Cambria Math" panose="02040503050406030204" pitchFamily="18" charset="0"/>
+                      </a:rPr>
+                      <m:t>)</m:t>
+                    </m:r>
+                  </m:oMath>
+                </a14:m>
+                <a:r>
+                  <a:rPr lang="en-US" dirty="0"/>
+                  <a:t>]</a:t>
+                </a:r>
+              </a:p>
+              <a:p>
+                <a:pPr marL="544068" lvl="1" indent="-342900">
+                  <a:buFont typeface="+mj-lt"/>
+                  <a:buAutoNum type="arabicPeriod"/>
+                </a:pPr>
+                <a:endParaRPr lang="en-US" dirty="0"/>
+              </a:p>
+              <a:p>
+                <a:pPr marL="201168" lvl="1" indent="0">
+                  <a:buNone/>
+                </a:pPr>
+                <a:r>
+                  <a:rPr lang="en-US" dirty="0"/>
+                  <a:t>This method gives the following recurrence relation:</a:t>
+                </a:r>
+              </a:p>
+              <a:p>
+                <a:pPr marL="201168" lvl="1" indent="0">
+                  <a:buNone/>
+                </a:pPr>
+                <a14:m>
+                  <m:oMathPara xmlns:m="http://schemas.openxmlformats.org/officeDocument/2006/math">
+                    <m:oMathParaPr>
+                      <m:jc m:val="centerGroup"/>
+                    </m:oMathParaPr>
+                    <m:oMath xmlns:m="http://schemas.openxmlformats.org/officeDocument/2006/math">
+                      <m:r>
+                        <a:rPr lang="en-IN" b="0" i="1" smtClean="0">
+                          <a:latin typeface="Cambria Math" panose="02040503050406030204" pitchFamily="18" charset="0"/>
+                        </a:rPr>
+                        <m:t>𝑇</m:t>
+                      </m:r>
+                      <m:d>
+                        <m:dPr>
+                          <m:ctrlPr>
+                            <a:rPr lang="en-IN" b="0" i="1" smtClean="0">
+                              <a:latin typeface="Cambria Math" panose="02040503050406030204" pitchFamily="18" charset="0"/>
+                            </a:rPr>
+                          </m:ctrlPr>
+                        </m:dPr>
+                        <m:e>
+                          <m:r>
+                            <a:rPr lang="en-IN" b="0" i="1" smtClean="0">
+                              <a:latin typeface="Cambria Math" panose="02040503050406030204" pitchFamily="18" charset="0"/>
+                            </a:rPr>
+                            <m:t>𝑛</m:t>
+                          </m:r>
+                        </m:e>
+                      </m:d>
+                      <m:r>
+                        <a:rPr lang="en-IN" b="0" i="1" smtClean="0">
+                          <a:latin typeface="Cambria Math" panose="02040503050406030204" pitchFamily="18" charset="0"/>
+                        </a:rPr>
+                        <m:t>=2 </m:t>
+                      </m:r>
+                      <m:r>
+                        <a:rPr lang="en-IN" b="0" i="1" smtClean="0">
+                          <a:latin typeface="Cambria Math" panose="02040503050406030204" pitchFamily="18" charset="0"/>
+                        </a:rPr>
+                        <m:t>𝑇</m:t>
+                      </m:r>
+                      <m:d>
+                        <m:dPr>
+                          <m:ctrlPr>
+                            <a:rPr lang="en-IN" b="0" i="1" smtClean="0">
+                              <a:latin typeface="Cambria Math" panose="02040503050406030204" pitchFamily="18" charset="0"/>
+                            </a:rPr>
+                          </m:ctrlPr>
+                        </m:dPr>
+                        <m:e>
+                          <m:f>
+                            <m:fPr>
+                              <m:ctrlPr>
+                                <a:rPr lang="en-IN" b="0" i="1" smtClean="0">
+                                  <a:latin typeface="Cambria Math" panose="02040503050406030204" pitchFamily="18" charset="0"/>
+                                </a:rPr>
+                              </m:ctrlPr>
+                            </m:fPr>
+                            <m:num>
+                              <m:r>
+                                <a:rPr lang="en-IN" b="0" i="1" smtClean="0">
+                                  <a:latin typeface="Cambria Math" panose="02040503050406030204" pitchFamily="18" charset="0"/>
+                                </a:rPr>
+                                <m:t>𝑛</m:t>
+                              </m:r>
+                            </m:num>
+                            <m:den>
+                              <m:r>
+                                <a:rPr lang="en-IN" b="0" i="1" smtClean="0">
+                                  <a:latin typeface="Cambria Math" panose="02040503050406030204" pitchFamily="18" charset="0"/>
+                                </a:rPr>
+                                <m:t>2</m:t>
+                              </m:r>
+                            </m:den>
+                          </m:f>
+                        </m:e>
+                      </m:d>
+                      <m:r>
+                        <a:rPr lang="en-IN" b="0" i="1" smtClean="0">
+                          <a:latin typeface="Cambria Math" panose="02040503050406030204" pitchFamily="18" charset="0"/>
+                        </a:rPr>
+                        <m:t>+</m:t>
+                      </m:r>
+                      <m:r>
+                        <a:rPr lang="en-IN" b="0" i="1" smtClean="0">
+                          <a:latin typeface="Cambria Math" panose="02040503050406030204" pitchFamily="18" charset="0"/>
+                        </a:rPr>
+                        <m:t>𝑂</m:t>
+                      </m:r>
+                      <m:r>
+                        <a:rPr lang="en-IN" b="0" i="1" smtClean="0">
+                          <a:latin typeface="Cambria Math" panose="02040503050406030204" pitchFamily="18" charset="0"/>
+                        </a:rPr>
+                        <m:t>(</m:t>
+                      </m:r>
+                      <m:r>
+                        <a:rPr lang="en-IN" b="0" i="1" smtClean="0">
+                          <a:latin typeface="Cambria Math" panose="02040503050406030204" pitchFamily="18" charset="0"/>
+                        </a:rPr>
+                        <m:t>𝑛</m:t>
+                      </m:r>
+                      <m:r>
+                        <a:rPr lang="en-IN" b="0" i="1" smtClean="0">
+                          <a:latin typeface="Cambria Math" panose="02040503050406030204" pitchFamily="18" charset="0"/>
+                        </a:rPr>
+                        <m:t>)</m:t>
+                      </m:r>
+                    </m:oMath>
+                  </m:oMathPara>
+                </a14:m>
+                <a:endParaRPr lang="en-US" dirty="0"/>
+              </a:p>
+              <a:p>
+                <a:pPr marL="544068" lvl="1" indent="-342900">
+                  <a:buFont typeface="+mj-lt"/>
+                  <a:buAutoNum type="arabicPeriod"/>
+                </a:pPr>
+                <a:endParaRPr lang="en-US" dirty="0"/>
+              </a:p>
+              <a:p>
+                <a:pPr lvl="1"/>
+                <a:endParaRPr lang="en-IN" dirty="0"/>
+              </a:p>
+            </p:txBody>
+          </p:sp>
+        </mc:Choice>
+        <mc:Fallback xmlns="">
+          <p:sp>
+            <p:nvSpPr>
+              <p:cNvPr id="3" name="Content Placeholder 2">
+                <a:extLst>
+                  <a:ext uri="{FF2B5EF4-FFF2-40B4-BE49-F238E27FC236}">
+                    <a16:creationId xmlns:a16="http://schemas.microsoft.com/office/drawing/2014/main" id="{8C1A0A05-7284-47B2-BB30-FCEB6D32D7EB}"/>
+                  </a:ext>
+                </a:extLst>
+              </p:cNvPr>
+              <p:cNvSpPr>
+                <a:spLocks noGrp="1" noRot="1" noChangeAspect="1" noMove="1" noResize="1" noEditPoints="1" noAdjustHandles="1" noChangeArrowheads="1" noChangeShapeType="1" noTextEdit="1"/>
+              </p:cNvSpPr>
+              <p:nvPr>
+                <p:ph idx="1"/>
+              </p:nvPr>
+            </p:nvSpPr>
+            <p:spPr>
+              <a:xfrm>
+                <a:off x="4742016" y="605896"/>
+                <a:ext cx="6413663" cy="5646208"/>
+              </a:xfrm>
+              <a:blipFill>
+                <a:blip r:embed="rId2"/>
+                <a:stretch>
+                  <a:fillRect l="-1046"/>
+                </a:stretch>
+              </a:blipFill>
+            </p:spPr>
+            <p:txBody>
+              <a:bodyPr/>
+              <a:lstStyle/>
+              <a:p>
+                <a:r>
+                  <a:rPr lang="en-IN">
+                    <a:noFill/>
+                  </a:rPr>
+                  <a:t> </a:t>
+                </a:r>
+              </a:p>
+            </p:txBody>
+          </p:sp>
+        </mc:Fallback>
+      </mc:AlternateContent>
+    </p:spTree>
+    <p:extLst>
+      <p:ext uri="{BB962C8B-B14F-4D97-AF65-F5344CB8AC3E}">
+        <p14:creationId xmlns:p14="http://schemas.microsoft.com/office/powerpoint/2010/main" val="3373383176"/>
+      </p:ext>
+    </p:extLst>
+  </p:cSld>
+  <p:clrMapOvr>
+    <a:masterClrMapping/>
+  </p:clrMapOvr>
+</p:sld>
+</file>
+
+<file path=ppt/slides/slide11.xml><?xml version="1.0" encoding="utf-8"?>
+<p:sld xmlns:a="http://schemas.openxmlformats.org/drawingml/2006/main" xmlns:r="http://schemas.openxmlformats.org/officeDocument/2006/relationships" xmlns:p="http://schemas.openxmlformats.org/presentationml/2006/main">
+  <p:cSld>
+    <p:bg>
+      <p:bgPr>
+        <a:solidFill>
+          <a:schemeClr val="bg1"/>
+        </a:solidFill>
+        <a:effectLst/>
+      </p:bgPr>
+    </p:bg>
+    <p:spTree>
+      <p:nvGrpSpPr>
+        <p:cNvPr id="1" name=""/>
+        <p:cNvGrpSpPr/>
+        <p:nvPr/>
+      </p:nvGrpSpPr>
+      <p:grpSpPr>
+        <a:xfrm>
+          <a:off x="0" y="0"/>
+          <a:ext cx="0" cy="0"/>
+          <a:chOff x="0" y="0"/>
+          <a:chExt cx="0" cy="0"/>
+        </a:xfrm>
+      </p:grpSpPr>
+      <p:sp useBgFill="1">
+        <p:nvSpPr>
+          <p:cNvPr id="17" name="Rectangle 7">
+            <a:extLst>
+              <a:ext uri="{FF2B5EF4-FFF2-40B4-BE49-F238E27FC236}">
+                <a16:creationId xmlns:a16="http://schemas.microsoft.com/office/drawing/2014/main" id="{3741B58E-3B65-4A01-A276-975AB2CF8A08}"/>
+              </a:ext>
+              <a:ext uri="{C183D7F6-B498-43B3-948B-1728B52AA6E4}">
+                <adec:decorative xmlns:adec="http://schemas.microsoft.com/office/drawing/2017/decorative" val="1"/>
+              </a:ext>
+            </a:extLst>
+          </p:cNvPr>
+          <p:cNvSpPr>
+            <a:spLocks noGrp="1" noRot="1" noChangeAspect="1" noMove="1" noResize="1" noEditPoints="1" noAdjustHandles="1" noChangeArrowheads="1" noChangeShapeType="1" noTextEdit="1"/>
+          </p:cNvSpPr>
+          <p:nvPr>
+            <p:extLst>
+              <p:ext uri="{386F3935-93C4-4BCD-93E2-E3B085C9AB24}">
+                <p16:designElem xmlns:p16="http://schemas.microsoft.com/office/powerpoint/2015/main" val="1"/>
+              </p:ext>
+            </p:extLst>
+          </p:nvPr>
+        </p:nvSpPr>
+        <p:spPr>
+          <a:xfrm>
+            <a:off x="0" y="0"/>
+            <a:ext cx="12186315" cy="6858000"/>
+          </a:xfrm>
+          <a:prstGeom prst="rect">
+            <a:avLst/>
+          </a:prstGeom>
+          <a:ln>
+            <a:noFill/>
+          </a:ln>
+        </p:spPr>
+        <p:style>
+          <a:lnRef idx="2">
+            <a:schemeClr val="accent6">
+              <a:shade val="50000"/>
+            </a:schemeClr>
+          </a:lnRef>
+          <a:fillRef idx="1001">
+            <a:schemeClr val="lt1"/>
+          </a:fillRef>
+          <a:effectRef idx="0">
+            <a:schemeClr val="accent6"/>
+          </a:effectRef>
+          <a:fontRef idx="minor">
+            <a:schemeClr val="lt1"/>
+          </a:fontRef>
+        </p:style>
+        <p:txBody>
+          <a:bodyPr rtlCol="0" anchor="ctr"/>
+          <a:lstStyle/>
+          <a:p>
+            <a:pPr algn="ctr"/>
+            <a:endParaRPr lang="en-US" dirty="0"/>
+          </a:p>
+        </p:txBody>
+      </p:sp>
+      <p:sp>
+        <p:nvSpPr>
+          <p:cNvPr id="18" name="Rectangle 9">
+            <a:extLst>
+              <a:ext uri="{FF2B5EF4-FFF2-40B4-BE49-F238E27FC236}">
+                <a16:creationId xmlns:a16="http://schemas.microsoft.com/office/drawing/2014/main" id="{7AAC67C3-831B-4AB1-A259-DFB839CAFAFC}"/>
+              </a:ext>
+              <a:ext uri="{C183D7F6-B498-43B3-948B-1728B52AA6E4}">
+                <adec:decorative xmlns:adec="http://schemas.microsoft.com/office/drawing/2017/decorative" val="1"/>
+              </a:ext>
+            </a:extLst>
+          </p:cNvPr>
+          <p:cNvSpPr>
+            <a:spLocks noGrp="1" noRot="1" noChangeAspect="1" noMove="1" noResize="1" noEditPoints="1" noAdjustHandles="1" noChangeArrowheads="1" noChangeShapeType="1" noTextEdit="1"/>
+          </p:cNvSpPr>
+          <p:nvPr>
+            <p:extLst>
+              <p:ext uri="{386F3935-93C4-4BCD-93E2-E3B085C9AB24}">
+                <p16:designElem xmlns:p16="http://schemas.microsoft.com/office/powerpoint/2015/main" val="1"/>
+              </p:ext>
+            </p:extLst>
+          </p:nvPr>
+        </p:nvSpPr>
+        <p:spPr>
+          <a:xfrm>
+            <a:off x="16" y="0"/>
+            <a:ext cx="4050791" cy="6858000"/>
+          </a:xfrm>
+          <a:prstGeom prst="rect">
+            <a:avLst/>
+          </a:prstGeom>
+          <a:solidFill>
+            <a:schemeClr val="accent2"/>
+          </a:solidFill>
+          <a:ln>
+            <a:noFill/>
+          </a:ln>
+        </p:spPr>
+        <p:style>
+          <a:lnRef idx="2">
+            <a:schemeClr val="accent1">
+              <a:shade val="50000"/>
+            </a:schemeClr>
+          </a:lnRef>
+          <a:fillRef idx="1">
+            <a:schemeClr val="accent1"/>
+          </a:fillRef>
+          <a:effectRef idx="0">
+            <a:schemeClr val="accent1"/>
+          </a:effectRef>
+          <a:fontRef idx="minor">
+            <a:schemeClr val="lt1"/>
+          </a:fontRef>
+        </p:style>
+      </p:sp>
+      <p:sp>
+        <p:nvSpPr>
+          <p:cNvPr id="2" name="Title 1">
+            <a:extLst>
+              <a:ext uri="{FF2B5EF4-FFF2-40B4-BE49-F238E27FC236}">
+                <a16:creationId xmlns:a16="http://schemas.microsoft.com/office/drawing/2014/main" id="{7F59974E-C66C-41AE-A68A-C87B8E5E5CD4}"/>
+              </a:ext>
+            </a:extLst>
+          </p:cNvPr>
+          <p:cNvSpPr>
+            <a:spLocks noGrp="1"/>
+          </p:cNvSpPr>
+          <p:nvPr>
+            <p:ph type="title"/>
+          </p:nvPr>
+        </p:nvSpPr>
+        <p:spPr>
+          <a:xfrm>
+            <a:off x="492370" y="605896"/>
+            <a:ext cx="3084844" cy="5646208"/>
+          </a:xfrm>
+        </p:spPr>
+        <p:txBody>
+          <a:bodyPr anchor="ctr">
+            <a:normAutofit/>
+          </a:bodyPr>
+          <a:lstStyle/>
+          <a:p>
+            <a:r>
+              <a:rPr lang="en-IN" sz="3600" b="1" dirty="0">
+                <a:solidFill>
+                  <a:srgbClr val="FFFFFF"/>
+                </a:solidFill>
+              </a:rPr>
+              <a:t>Merge Sort Algorithm</a:t>
+            </a:r>
+          </a:p>
+        </p:txBody>
+      </p:sp>
+      <p:sp>
+        <p:nvSpPr>
+          <p:cNvPr id="19" name="Rectangle 11">
+            <a:extLst>
+              <a:ext uri="{FF2B5EF4-FFF2-40B4-BE49-F238E27FC236}">
+                <a16:creationId xmlns:a16="http://schemas.microsoft.com/office/drawing/2014/main" id="{054B3F04-9EAC-45C0-B3CE-0387EEA10A0C}"/>
+              </a:ext>
+              <a:ext uri="{C183D7F6-B498-43B3-948B-1728B52AA6E4}">
+                <adec:decorative xmlns:adec="http://schemas.microsoft.com/office/drawing/2017/decorative" val="1"/>
+              </a:ext>
+            </a:extLst>
+          </p:cNvPr>
+          <p:cNvSpPr>
+            <a:spLocks noGrp="1" noRot="1" noChangeAspect="1" noMove="1" noResize="1" noEditPoints="1" noAdjustHandles="1" noChangeArrowheads="1" noChangeShapeType="1" noTextEdit="1"/>
+          </p:cNvSpPr>
+          <p:nvPr>
+            <p:extLst>
+              <p:ext uri="{386F3935-93C4-4BCD-93E2-E3B085C9AB24}">
+                <p16:designElem xmlns:p16="http://schemas.microsoft.com/office/powerpoint/2015/main" val="1"/>
+              </p:ext>
+            </p:extLst>
+          </p:nvPr>
+        </p:nvSpPr>
+        <p:spPr>
+          <a:xfrm>
+            <a:off x="4040071" y="0"/>
+            <a:ext cx="64008" cy="6858000"/>
+          </a:xfrm>
+          <a:prstGeom prst="rect">
+            <a:avLst/>
+          </a:prstGeom>
+          <a:solidFill>
+            <a:schemeClr val="accent1"/>
+          </a:solidFill>
+          <a:ln>
+            <a:noFill/>
+          </a:ln>
+        </p:spPr>
+        <p:style>
+          <a:lnRef idx="2">
+            <a:schemeClr val="accent1">
+              <a:shade val="50000"/>
+            </a:schemeClr>
+          </a:lnRef>
+          <a:fillRef idx="1">
+            <a:schemeClr val="accent1"/>
+          </a:fillRef>
+          <a:effectRef idx="0">
+            <a:schemeClr val="accent1"/>
+          </a:effectRef>
+          <a:fontRef idx="minor">
+            <a:schemeClr val="lt1"/>
+          </a:fontRef>
+        </p:style>
+      </p:sp>
+      <p:sp>
+        <p:nvSpPr>
+          <p:cNvPr id="3" name="Content Placeholder 2">
+            <a:extLst>
+              <a:ext uri="{FF2B5EF4-FFF2-40B4-BE49-F238E27FC236}">
+                <a16:creationId xmlns:a16="http://schemas.microsoft.com/office/drawing/2014/main" id="{05B31696-451C-47F5-B098-7B66985B305E}"/>
+              </a:ext>
+            </a:extLst>
+          </p:cNvPr>
+          <p:cNvSpPr>
+            <a:spLocks noGrp="1"/>
+          </p:cNvSpPr>
+          <p:nvPr>
+            <p:ph idx="1"/>
+          </p:nvPr>
+        </p:nvSpPr>
+        <p:spPr>
+          <a:xfrm>
+            <a:off x="4742016" y="605896"/>
+            <a:ext cx="6413663" cy="5646208"/>
+          </a:xfrm>
+        </p:spPr>
+        <p:txBody>
+          <a:bodyPr anchor="ctr">
+            <a:normAutofit/>
+          </a:bodyPr>
+          <a:lstStyle/>
+          <a:p>
+            <a:pPr marL="0" indent="0">
+              <a:lnSpc>
+                <a:spcPct val="110000"/>
+              </a:lnSpc>
+              <a:buNone/>
+            </a:pPr>
+            <a:r>
+              <a:rPr lang="en-US" sz="1400" dirty="0">
+                <a:latin typeface="Courier New" panose="02070309020205020404" pitchFamily="49" charset="0"/>
+                <a:cs typeface="Courier New" panose="02070309020205020404" pitchFamily="49" charset="0"/>
+              </a:rPr>
+              <a:t>MergeSort(arr[ ], l,  r)</a:t>
+            </a:r>
+            <a:r>
+              <a:rPr lang="en-US" sz="1400" dirty="0">
+                <a:solidFill>
+                  <a:srgbClr val="FF0000"/>
+                </a:solidFill>
+                <a:latin typeface="Courier New" panose="02070309020205020404" pitchFamily="49" charset="0"/>
+                <a:cs typeface="Courier New" panose="02070309020205020404" pitchFamily="49" charset="0"/>
+              </a:rPr>
+              <a:t>{</a:t>
+            </a:r>
+          </a:p>
+          <a:p>
+            <a:pPr marL="0" indent="0">
+              <a:lnSpc>
+                <a:spcPct val="110000"/>
+              </a:lnSpc>
+              <a:buNone/>
+            </a:pPr>
+            <a:r>
+              <a:rPr lang="en-US" sz="1400" dirty="0">
+                <a:latin typeface="Courier New" panose="02070309020205020404" pitchFamily="49" charset="0"/>
+                <a:cs typeface="Courier New" panose="02070309020205020404" pitchFamily="49" charset="0"/>
+              </a:rPr>
+              <a:t>If (r &gt; l) </a:t>
+            </a:r>
+            <a:r>
+              <a:rPr lang="en-US" sz="1400" dirty="0">
+                <a:solidFill>
+                  <a:srgbClr val="0070C0"/>
+                </a:solidFill>
+                <a:latin typeface="Courier New" panose="02070309020205020404" pitchFamily="49" charset="0"/>
+                <a:cs typeface="Courier New" panose="02070309020205020404" pitchFamily="49" charset="0"/>
+              </a:rPr>
+              <a:t>{</a:t>
+            </a:r>
+          </a:p>
+          <a:p>
+            <a:pPr marL="0" indent="0">
+              <a:lnSpc>
+                <a:spcPct val="110000"/>
+              </a:lnSpc>
+              <a:buNone/>
+            </a:pPr>
+            <a:r>
+              <a:rPr lang="en-US" sz="1400" dirty="0">
+                <a:latin typeface="Courier New" panose="02070309020205020404" pitchFamily="49" charset="0"/>
+                <a:cs typeface="Courier New" panose="02070309020205020404" pitchFamily="49" charset="0"/>
+              </a:rPr>
+              <a:t>     </a:t>
+            </a:r>
+            <a:r>
+              <a:rPr lang="en-US" sz="1400" dirty="0">
+                <a:solidFill>
+                  <a:srgbClr val="00B050"/>
+                </a:solidFill>
+                <a:latin typeface="Courier New" panose="02070309020205020404" pitchFamily="49" charset="0"/>
+                <a:cs typeface="Courier New" panose="02070309020205020404" pitchFamily="49" charset="0"/>
+              </a:rPr>
+              <a:t>// Find the middle point to divide the array into two halves </a:t>
+            </a:r>
+          </a:p>
+          <a:p>
+            <a:pPr marL="0" indent="0">
+              <a:lnSpc>
+                <a:spcPct val="110000"/>
+              </a:lnSpc>
+              <a:buNone/>
+            </a:pPr>
+            <a:r>
+              <a:rPr lang="en-US" sz="1400" dirty="0">
+                <a:latin typeface="Courier New" panose="02070309020205020404" pitchFamily="49" charset="0"/>
+                <a:cs typeface="Courier New" panose="02070309020205020404" pitchFamily="49" charset="0"/>
+              </a:rPr>
+              <a:t>	middle m = (l+r)/2 ;</a:t>
+            </a:r>
+          </a:p>
+          <a:p>
+            <a:pPr marL="0" indent="0">
+              <a:lnSpc>
+                <a:spcPct val="110000"/>
+              </a:lnSpc>
+              <a:buNone/>
+            </a:pPr>
+            <a:r>
+              <a:rPr lang="en-US" sz="1400" dirty="0">
+                <a:latin typeface="Courier New" panose="02070309020205020404" pitchFamily="49" charset="0"/>
+                <a:cs typeface="Courier New" panose="02070309020205020404" pitchFamily="49" charset="0"/>
+              </a:rPr>
+              <a:t>     </a:t>
+            </a:r>
+            <a:r>
+              <a:rPr lang="en-US" sz="1400" dirty="0">
+                <a:solidFill>
+                  <a:srgbClr val="00B050"/>
+                </a:solidFill>
+                <a:latin typeface="Courier New" panose="02070309020205020404" pitchFamily="49" charset="0"/>
+                <a:cs typeface="Courier New" panose="02070309020205020404" pitchFamily="49" charset="0"/>
+              </a:rPr>
+              <a:t>// Call Merge Sort for first half   </a:t>
+            </a:r>
+          </a:p>
+          <a:p>
+            <a:pPr marL="0" indent="0">
+              <a:lnSpc>
+                <a:spcPct val="110000"/>
+              </a:lnSpc>
+              <a:buNone/>
+            </a:pPr>
+            <a:r>
+              <a:rPr lang="en-US" sz="1400" dirty="0">
+                <a:latin typeface="Courier New" panose="02070309020205020404" pitchFamily="49" charset="0"/>
+                <a:cs typeface="Courier New" panose="02070309020205020404" pitchFamily="49" charset="0"/>
+              </a:rPr>
+              <a:t>	MergeSort(arr, l, m) ;</a:t>
+            </a:r>
+          </a:p>
+          <a:p>
+            <a:pPr marL="0" indent="0">
+              <a:lnSpc>
+                <a:spcPct val="110000"/>
+              </a:lnSpc>
+              <a:buNone/>
+            </a:pPr>
+            <a:r>
+              <a:rPr lang="en-US" sz="1400" dirty="0">
+                <a:latin typeface="Courier New" panose="02070309020205020404" pitchFamily="49" charset="0"/>
+                <a:cs typeface="Courier New" panose="02070309020205020404" pitchFamily="49" charset="0"/>
+              </a:rPr>
+              <a:t>     </a:t>
+            </a:r>
+            <a:r>
+              <a:rPr lang="en-US" sz="1400" dirty="0">
+                <a:solidFill>
+                  <a:srgbClr val="00B050"/>
+                </a:solidFill>
+                <a:latin typeface="Courier New" panose="02070309020205020404" pitchFamily="49" charset="0"/>
+                <a:cs typeface="Courier New" panose="02070309020205020404" pitchFamily="49" charset="0"/>
+              </a:rPr>
+              <a:t>// Call merge Sort for second half</a:t>
+            </a:r>
+          </a:p>
+          <a:p>
+            <a:pPr marL="0" indent="0">
+              <a:lnSpc>
+                <a:spcPct val="110000"/>
+              </a:lnSpc>
+              <a:buNone/>
+            </a:pPr>
+            <a:r>
+              <a:rPr lang="en-US" sz="1400" dirty="0">
+                <a:latin typeface="Courier New" panose="02070309020205020404" pitchFamily="49" charset="0"/>
+                <a:cs typeface="Courier New" panose="02070309020205020404" pitchFamily="49" charset="0"/>
+              </a:rPr>
+              <a:t>	MergeSort(arr, m+1, r) ;</a:t>
+            </a:r>
+          </a:p>
+          <a:p>
+            <a:pPr marL="0" indent="0">
+              <a:lnSpc>
+                <a:spcPct val="110000"/>
+              </a:lnSpc>
+              <a:buNone/>
+            </a:pPr>
+            <a:r>
+              <a:rPr lang="en-US" sz="1400" dirty="0">
+                <a:solidFill>
+                  <a:srgbClr val="00B050"/>
+                </a:solidFill>
+                <a:latin typeface="Courier New" panose="02070309020205020404" pitchFamily="49" charset="0"/>
+                <a:cs typeface="Courier New" panose="02070309020205020404" pitchFamily="49" charset="0"/>
+              </a:rPr>
+              <a:t>     // Merge the two halves sorted </a:t>
+            </a:r>
+          </a:p>
+          <a:p>
+            <a:pPr marL="0" indent="0">
+              <a:lnSpc>
+                <a:spcPct val="110000"/>
+              </a:lnSpc>
+              <a:buNone/>
+            </a:pPr>
+            <a:r>
+              <a:rPr lang="en-US" sz="1400" dirty="0">
+                <a:latin typeface="Courier New" panose="02070309020205020404" pitchFamily="49" charset="0"/>
+                <a:cs typeface="Courier New" panose="02070309020205020404" pitchFamily="49" charset="0"/>
+              </a:rPr>
+              <a:t>	Merge(arr, l, m, r) ;</a:t>
+            </a:r>
+          </a:p>
+          <a:p>
+            <a:pPr marL="0" indent="0">
+              <a:lnSpc>
+                <a:spcPct val="110000"/>
+              </a:lnSpc>
+              <a:buNone/>
+            </a:pPr>
+            <a:r>
+              <a:rPr lang="en-US" sz="1400" dirty="0">
+                <a:latin typeface="Courier New" panose="02070309020205020404" pitchFamily="49" charset="0"/>
+                <a:cs typeface="Courier New" panose="02070309020205020404" pitchFamily="49" charset="0"/>
+              </a:rPr>
+              <a:t>	</a:t>
+            </a:r>
+            <a:r>
+              <a:rPr lang="en-US" sz="1400" dirty="0">
+                <a:solidFill>
+                  <a:srgbClr val="0070C0"/>
+                </a:solidFill>
+                <a:latin typeface="Courier New" panose="02070309020205020404" pitchFamily="49" charset="0"/>
+                <a:cs typeface="Courier New" panose="02070309020205020404" pitchFamily="49" charset="0"/>
+              </a:rPr>
+              <a:t>}</a:t>
+            </a:r>
+          </a:p>
+          <a:p>
+            <a:pPr marL="0" indent="0">
+              <a:lnSpc>
+                <a:spcPct val="110000"/>
+              </a:lnSpc>
+              <a:buNone/>
+            </a:pPr>
+            <a:r>
+              <a:rPr lang="en-US" sz="1400" dirty="0">
+                <a:solidFill>
+                  <a:srgbClr val="FF0000"/>
+                </a:solidFill>
+                <a:latin typeface="Courier New" panose="02070309020205020404" pitchFamily="49" charset="0"/>
+                <a:cs typeface="Courier New" panose="02070309020205020404" pitchFamily="49" charset="0"/>
+              </a:rPr>
+              <a:t>}</a:t>
+            </a:r>
+          </a:p>
+        </p:txBody>
+      </p:sp>
+    </p:spTree>
+    <p:extLst>
+      <p:ext uri="{BB962C8B-B14F-4D97-AF65-F5344CB8AC3E}">
+        <p14:creationId xmlns:p14="http://schemas.microsoft.com/office/powerpoint/2010/main" val="4229386091"/>
+      </p:ext>
+    </p:extLst>
+  </p:cSld>
+  <p:clrMapOvr>
+    <a:masterClrMapping/>
+  </p:clrMapOvr>
+</p:sld>
+</file>
+
+<file path=ppt/slides/slide12.xml><?xml version="1.0" encoding="utf-8"?>
 <p:sld xmlns:a="http://schemas.openxmlformats.org/drawingml/2006/main" xmlns:r="http://schemas.openxmlformats.org/officeDocument/2006/relationships" xmlns:p="http://schemas.openxmlformats.org/presentationml/2006/main">
   <p:cSld>
     <p:bg>
@@ -17059,7 +18274,7 @@
 </p:sld>
 </file>
 
-<file path=ppt/slides/slide11.xml><?xml version="1.0" encoding="utf-8"?>
+<file path=ppt/slides/slide13.xml><?xml version="1.0" encoding="utf-8"?>
 <p:sld xmlns:a="http://schemas.openxmlformats.org/drawingml/2006/main" xmlns:r="http://schemas.openxmlformats.org/officeDocument/2006/relationships" xmlns:p="http://schemas.openxmlformats.org/presentationml/2006/main">
   <p:cSld>
     <p:bg>
@@ -17308,8 +18523,8 @@
           </a:fontRef>
         </p:style>
       </p:sp>
-      <mc:AlternateContent xmlns:mc="http://schemas.openxmlformats.org/markup-compatibility/2006">
-        <mc:Choice xmlns:a14="http://schemas.microsoft.com/office/drawing/2010/main" Requires="a14">
+      <mc:AlternateContent xmlns:mc="http://schemas.openxmlformats.org/markup-compatibility/2006" xmlns:a14="http://schemas.microsoft.com/office/drawing/2010/main">
+        <mc:Choice Requires="a14">
           <p:sp>
             <p:nvSpPr>
               <p:cNvPr id="3" name="Content Placeholder 2">
@@ -17599,7 +18814,7 @@
             </p:txBody>
           </p:sp>
         </mc:Choice>
-        <mc:Fallback>
+        <mc:Fallback xmlns="">
           <p:sp>
             <p:nvSpPr>
               <p:cNvPr id="3" name="Content Placeholder 2">
@@ -17656,7 +18871,7 @@
 </p:sld>
 </file>
 
-<file path=ppt/slides/slide12.xml><?xml version="1.0" encoding="utf-8"?>
+<file path=ppt/slides/slide14.xml><?xml version="1.0" encoding="utf-8"?>
 <p:sld xmlns:a="http://schemas.openxmlformats.org/drawingml/2006/main" xmlns:r="http://schemas.openxmlformats.org/officeDocument/2006/relationships" xmlns:p="http://schemas.openxmlformats.org/presentationml/2006/main">
   <p:cSld>
     <p:bg>
@@ -18278,7 +19493,7 @@
 </p:sld>
 </file>
 
-<file path=ppt/slides/slide13.xml><?xml version="1.0" encoding="utf-8"?>
+<file path=ppt/slides/slide15.xml><?xml version="1.0" encoding="utf-8"?>
 <p:sld xmlns:a="http://schemas.openxmlformats.org/drawingml/2006/main" xmlns:r="http://schemas.openxmlformats.org/officeDocument/2006/relationships" xmlns:p="http://schemas.openxmlformats.org/presentationml/2006/main">
   <p:cSld>
     <p:bg>
@@ -18742,7 +19957,7 @@
 </p:sld>
 </file>
 
-<file path=ppt/slides/slide14.xml><?xml version="1.0" encoding="utf-8"?>
+<file path=ppt/slides/slide16.xml><?xml version="1.0" encoding="utf-8"?>
 <p:sld xmlns:a="http://schemas.openxmlformats.org/drawingml/2006/main" xmlns:r="http://schemas.openxmlformats.org/officeDocument/2006/relationships" xmlns:p="http://schemas.openxmlformats.org/presentationml/2006/main">
   <p:cSld>
     <p:bg>
@@ -18976,8 +20191,8 @@
           </a:fontRef>
         </p:style>
       </p:sp>
-      <mc:AlternateContent xmlns:mc="http://schemas.openxmlformats.org/markup-compatibility/2006">
-        <mc:Choice xmlns:a14="http://schemas.microsoft.com/office/drawing/2010/main" Requires="a14">
+      <mc:AlternateContent xmlns:mc="http://schemas.openxmlformats.org/markup-compatibility/2006" xmlns:a14="http://schemas.microsoft.com/office/drawing/2010/main">
+        <mc:Choice Requires="a14">
           <p:sp>
             <p:nvSpPr>
               <p:cNvPr id="3" name="Content Placeholder 2">
@@ -19312,7 +20527,7 @@
             </p:txBody>
           </p:sp>
         </mc:Choice>
-        <mc:Fallback>
+        <mc:Fallback xmlns="">
           <p:sp>
             <p:nvSpPr>
               <p:cNvPr id="3" name="Content Placeholder 2">
@@ -19369,7 +20584,7 @@
 </p:sld>
 </file>
 
-<file path=ppt/slides/slide15.xml><?xml version="1.0" encoding="utf-8"?>
+<file path=ppt/slides/slide17.xml><?xml version="1.0" encoding="utf-8"?>
 <p:sld xmlns:a="http://schemas.openxmlformats.org/drawingml/2006/main" xmlns:r="http://schemas.openxmlformats.org/officeDocument/2006/relationships" xmlns:p="http://schemas.openxmlformats.org/presentationml/2006/main">
   <p:cSld>
     <p:bg>
@@ -19580,8 +20795,8 @@
           </a:fontRef>
         </p:style>
       </p:cxnSp>
-      <mc:AlternateContent xmlns:mc="http://schemas.openxmlformats.org/markup-compatibility/2006">
-        <mc:Choice xmlns:a14="http://schemas.microsoft.com/office/drawing/2010/main" Requires="a14">
+      <mc:AlternateContent xmlns:mc="http://schemas.openxmlformats.org/markup-compatibility/2006" xmlns:a14="http://schemas.microsoft.com/office/drawing/2010/main">
+        <mc:Choice Requires="a14">
           <p:sp>
             <p:nvSpPr>
               <p:cNvPr id="10" name="Content Placeholder 8">
@@ -19657,7 +20872,7 @@
             </p:txBody>
           </p:sp>
         </mc:Choice>
-        <mc:Fallback>
+        <mc:Fallback xmlns="">
           <p:sp>
             <p:nvSpPr>
               <p:cNvPr id="10" name="Content Placeholder 8">
@@ -19824,7 +21039,7 @@
 </p:sld>
 </file>
 
-<file path=ppt/slides/slide16.xml><?xml version="1.0" encoding="utf-8"?>
+<file path=ppt/slides/slide18.xml><?xml version="1.0" encoding="utf-8"?>
 <p:sld xmlns:a="http://schemas.openxmlformats.org/drawingml/2006/main" xmlns:r="http://schemas.openxmlformats.org/officeDocument/2006/relationships" xmlns:p="http://schemas.openxmlformats.org/presentationml/2006/main">
   <p:cSld>
     <p:bg>
@@ -20035,8 +21250,8 @@
           </a:fontRef>
         </p:style>
       </p:cxnSp>
-      <mc:AlternateContent xmlns:mc="http://schemas.openxmlformats.org/markup-compatibility/2006">
-        <mc:Choice xmlns:a14="http://schemas.microsoft.com/office/drawing/2010/main" Requires="a14">
+      <mc:AlternateContent xmlns:mc="http://schemas.openxmlformats.org/markup-compatibility/2006" xmlns:a14="http://schemas.microsoft.com/office/drawing/2010/main">
+        <mc:Choice Requires="a14">
           <p:sp>
             <p:nvSpPr>
               <p:cNvPr id="10" name="Content Placeholder 8">
@@ -20142,7 +21357,7 @@
             </p:txBody>
           </p:sp>
         </mc:Choice>
-        <mc:Fallback>
+        <mc:Fallback xmlns="">
           <p:sp>
             <p:nvSpPr>
               <p:cNvPr id="10" name="Content Placeholder 8">
@@ -20309,7 +21524,7 @@
 </p:sld>
 </file>
 
-<file path=ppt/slides/slide17.xml><?xml version="1.0" encoding="utf-8"?>
+<file path=ppt/slides/slide19.xml><?xml version="1.0" encoding="utf-8"?>
 <p:sld xmlns:a="http://schemas.openxmlformats.org/drawingml/2006/main" xmlns:r="http://schemas.openxmlformats.org/officeDocument/2006/relationships" xmlns:p="http://schemas.openxmlformats.org/presentationml/2006/main">
   <p:cSld>
     <p:bg>
@@ -20797,771 +22012,6 @@
 </p:sld>
 </file>
 
-<file path=ppt/slides/slide18.xml><?xml version="1.0" encoding="utf-8"?>
-<p:sld xmlns:a="http://schemas.openxmlformats.org/drawingml/2006/main" xmlns:r="http://schemas.openxmlformats.org/officeDocument/2006/relationships" xmlns:p="http://schemas.openxmlformats.org/presentationml/2006/main">
-  <p:cSld>
-    <p:bg>
-      <p:bgPr>
-        <a:solidFill>
-          <a:schemeClr val="bg1"/>
-        </a:solidFill>
-        <a:effectLst/>
-      </p:bgPr>
-    </p:bg>
-    <p:spTree>
-      <p:nvGrpSpPr>
-        <p:cNvPr id="1" name=""/>
-        <p:cNvGrpSpPr/>
-        <p:nvPr/>
-      </p:nvGrpSpPr>
-      <p:grpSpPr>
-        <a:xfrm>
-          <a:off x="0" y="0"/>
-          <a:ext cx="0" cy="0"/>
-          <a:chOff x="0" y="0"/>
-          <a:chExt cx="0" cy="0"/>
-        </a:xfrm>
-      </p:grpSpPr>
-      <p:sp useBgFill="1">
-        <p:nvSpPr>
-          <p:cNvPr id="18" name="Rectangle 17">
-            <a:extLst>
-              <a:ext uri="{FF2B5EF4-FFF2-40B4-BE49-F238E27FC236}">
-                <a16:creationId xmlns:a16="http://schemas.microsoft.com/office/drawing/2014/main" id="{311973C2-EB8B-452A-A698-4A252FD3AE28}"/>
-              </a:ext>
-              <a:ext uri="{C183D7F6-B498-43B3-948B-1728B52AA6E4}">
-                <adec:decorative xmlns:adec="http://schemas.microsoft.com/office/drawing/2017/decorative" val="1"/>
-              </a:ext>
-            </a:extLst>
-          </p:cNvPr>
-          <p:cNvSpPr>
-            <a:spLocks noGrp="1" noRot="1" noChangeAspect="1" noMove="1" noResize="1" noEditPoints="1" noAdjustHandles="1" noChangeArrowheads="1" noChangeShapeType="1" noTextEdit="1"/>
-          </p:cNvSpPr>
-          <p:nvPr>
-            <p:extLst>
-              <p:ext uri="{386F3935-93C4-4BCD-93E2-E3B085C9AB24}">
-                <p16:designElem xmlns:p16="http://schemas.microsoft.com/office/powerpoint/2015/main" val="1"/>
-              </p:ext>
-            </p:extLst>
-          </p:nvPr>
-        </p:nvSpPr>
-        <p:spPr>
-          <a:xfrm>
-            <a:off x="0" y="1"/>
-            <a:ext cx="12192000" cy="6857999"/>
-          </a:xfrm>
-          <a:prstGeom prst="rect">
-            <a:avLst/>
-          </a:prstGeom>
-          <a:ln>
-            <a:noFill/>
-          </a:ln>
-        </p:spPr>
-        <p:style>
-          <a:lnRef idx="2">
-            <a:schemeClr val="accent1">
-              <a:shade val="50000"/>
-            </a:schemeClr>
-          </a:lnRef>
-          <a:fillRef idx="1">
-            <a:schemeClr val="accent1"/>
-          </a:fillRef>
-          <a:effectRef idx="0">
-            <a:schemeClr val="accent1"/>
-          </a:effectRef>
-          <a:fontRef idx="minor">
-            <a:schemeClr val="lt1"/>
-          </a:fontRef>
-        </p:style>
-        <p:txBody>
-          <a:bodyPr rtlCol="0" anchor="ctr"/>
-          <a:lstStyle/>
-          <a:p>
-            <a:pPr algn="ctr"/>
-            <a:endParaRPr lang="en-US" dirty="0"/>
-          </a:p>
-        </p:txBody>
-      </p:sp>
-      <p:sp useBgFill="1">
-        <p:nvSpPr>
-          <p:cNvPr id="20" name="Rectangle 19">
-            <a:extLst>
-              <a:ext uri="{FF2B5EF4-FFF2-40B4-BE49-F238E27FC236}">
-                <a16:creationId xmlns:a16="http://schemas.microsoft.com/office/drawing/2014/main" id="{10162E77-11AD-44A7-84EC-40C59EEFBD2E}"/>
-              </a:ext>
-              <a:ext uri="{C183D7F6-B498-43B3-948B-1728B52AA6E4}">
-                <adec:decorative xmlns:adec="http://schemas.microsoft.com/office/drawing/2017/decorative" val="1"/>
-              </a:ext>
-            </a:extLst>
-          </p:cNvPr>
-          <p:cNvSpPr>
-            <a:spLocks noGrp="1" noRot="1" noChangeAspect="1" noMove="1" noResize="1" noEditPoints="1" noAdjustHandles="1" noChangeArrowheads="1" noChangeShapeType="1" noTextEdit="1"/>
-          </p:cNvSpPr>
-          <p:nvPr>
-            <p:extLst>
-              <p:ext uri="{386F3935-93C4-4BCD-93E2-E3B085C9AB24}">
-                <p16:designElem xmlns:p16="http://schemas.microsoft.com/office/powerpoint/2015/main" val="1"/>
-              </p:ext>
-            </p:extLst>
-          </p:nvPr>
-        </p:nvSpPr>
-        <p:spPr>
-          <a:xfrm>
-            <a:off x="0" y="0"/>
-            <a:ext cx="12192001" cy="6334316"/>
-          </a:xfrm>
-          <a:prstGeom prst="rect">
-            <a:avLst/>
-          </a:prstGeom>
-          <a:ln>
-            <a:noFill/>
-          </a:ln>
-        </p:spPr>
-        <p:style>
-          <a:lnRef idx="2">
-            <a:schemeClr val="accent1">
-              <a:shade val="50000"/>
-            </a:schemeClr>
-          </a:lnRef>
-          <a:fillRef idx="1">
-            <a:schemeClr val="accent1"/>
-          </a:fillRef>
-          <a:effectRef idx="0">
-            <a:schemeClr val="accent1"/>
-          </a:effectRef>
-          <a:fontRef idx="minor">
-            <a:schemeClr val="lt1"/>
-          </a:fontRef>
-        </p:style>
-        <p:txBody>
-          <a:bodyPr rtlCol="0" anchor="ctr"/>
-          <a:lstStyle/>
-          <a:p>
-            <a:pPr algn="ctr"/>
-            <a:endParaRPr lang="en-US" dirty="0"/>
-          </a:p>
-        </p:txBody>
-      </p:sp>
-      <p:sp>
-        <p:nvSpPr>
-          <p:cNvPr id="2" name="Title 1">
-            <a:extLst>
-              <a:ext uri="{FF2B5EF4-FFF2-40B4-BE49-F238E27FC236}">
-                <a16:creationId xmlns:a16="http://schemas.microsoft.com/office/drawing/2014/main" id="{5FE3044E-9604-401E-8287-B8C8BB536344}"/>
-              </a:ext>
-            </a:extLst>
-          </p:cNvPr>
-          <p:cNvSpPr>
-            <a:spLocks noGrp="1"/>
-          </p:cNvSpPr>
-          <p:nvPr>
-            <p:ph type="title"/>
-          </p:nvPr>
-        </p:nvSpPr>
-        <p:spPr>
-          <a:xfrm>
-            <a:off x="5181601" y="634946"/>
-            <a:ext cx="6368142" cy="1450757"/>
-          </a:xfrm>
-        </p:spPr>
-        <p:txBody>
-          <a:bodyPr>
-            <a:normAutofit/>
-          </a:bodyPr>
-          <a:lstStyle/>
-          <a:p>
-            <a:r>
-              <a:rPr lang="en-US" b="1" dirty="0"/>
-              <a:t>What is a Randomized Algorithm?</a:t>
-            </a:r>
-            <a:endParaRPr lang="en-IN" b="1" dirty="0"/>
-          </a:p>
-        </p:txBody>
-      </p:sp>
-      <p:pic>
-        <p:nvPicPr>
-          <p:cNvPr id="14" name="Picture 13" descr="Programming data on computer monitor">
-            <a:extLst>
-              <a:ext uri="{FF2B5EF4-FFF2-40B4-BE49-F238E27FC236}">
-                <a16:creationId xmlns:a16="http://schemas.microsoft.com/office/drawing/2014/main" id="{A5401174-E511-4482-8CCA-B31A2A782B73}"/>
-              </a:ext>
-            </a:extLst>
-          </p:cNvPr>
-          <p:cNvPicPr>
-            <a:picLocks noChangeAspect="1"/>
-          </p:cNvPicPr>
-          <p:nvPr/>
-        </p:nvPicPr>
-        <p:blipFill rotWithShape="1">
-          <a:blip r:embed="rId2"/>
-          <a:srcRect l="32361" r="22418" b="1"/>
-          <a:stretch/>
-        </p:blipFill>
-        <p:spPr>
-          <a:xfrm>
-            <a:off x="20" y="-12128"/>
-            <a:ext cx="4654276" cy="6870127"/>
-          </a:xfrm>
-          <a:prstGeom prst="rect">
-            <a:avLst/>
-          </a:prstGeom>
-        </p:spPr>
-      </p:pic>
-      <p:cxnSp>
-        <p:nvCxnSpPr>
-          <p:cNvPr id="22" name="Straight Connector 21">
-            <a:extLst>
-              <a:ext uri="{FF2B5EF4-FFF2-40B4-BE49-F238E27FC236}">
-                <a16:creationId xmlns:a16="http://schemas.microsoft.com/office/drawing/2014/main" id="{5AB158E9-1B40-4CD6-95F0-95CA11DF7B7A}"/>
-              </a:ext>
-              <a:ext uri="{C183D7F6-B498-43B3-948B-1728B52AA6E4}">
-                <adec:decorative xmlns:adec="http://schemas.microsoft.com/office/drawing/2017/decorative" val="1"/>
-              </a:ext>
-            </a:extLst>
-          </p:cNvPr>
-          <p:cNvCxnSpPr>
-            <a:cxnSpLocks noGrp="1" noRot="1" noChangeAspect="1" noMove="1" noResize="1" noEditPoints="1" noAdjustHandles="1" noChangeArrowheads="1" noChangeShapeType="1"/>
-          </p:cNvCxnSpPr>
-          <p:nvPr>
-            <p:extLst>
-              <p:ext uri="{386F3935-93C4-4BCD-93E2-E3B085C9AB24}">
-                <p16:designElem xmlns:p16="http://schemas.microsoft.com/office/powerpoint/2015/main" val="1"/>
-              </p:ext>
-            </p:extLst>
-          </p:nvPr>
-        </p:nvCxnSpPr>
-        <p:spPr>
-          <a:xfrm>
-            <a:off x="5287617" y="2085703"/>
-            <a:ext cx="6170686" cy="0"/>
-          </a:xfrm>
-          <a:prstGeom prst="line">
-            <a:avLst/>
-          </a:prstGeom>
-          <a:ln w="6350">
-            <a:solidFill>
-              <a:schemeClr val="tx1">
-                <a:lumMod val="50000"/>
-                <a:lumOff val="50000"/>
-                <a:alpha val="90000"/>
-              </a:schemeClr>
-            </a:solidFill>
-          </a:ln>
-        </p:spPr>
-        <p:style>
-          <a:lnRef idx="1">
-            <a:schemeClr val="accent1"/>
-          </a:lnRef>
-          <a:fillRef idx="0">
-            <a:schemeClr val="accent1"/>
-          </a:fillRef>
-          <a:effectRef idx="0">
-            <a:schemeClr val="accent1"/>
-          </a:effectRef>
-          <a:fontRef idx="minor">
-            <a:schemeClr val="tx1"/>
-          </a:fontRef>
-        </p:style>
-      </p:cxnSp>
-      <p:sp>
-        <p:nvSpPr>
-          <p:cNvPr id="3" name="Content Placeholder 2">
-            <a:extLst>
-              <a:ext uri="{FF2B5EF4-FFF2-40B4-BE49-F238E27FC236}">
-                <a16:creationId xmlns:a16="http://schemas.microsoft.com/office/drawing/2014/main" id="{0F603280-40D6-4502-989A-156C1552597E}"/>
-              </a:ext>
-            </a:extLst>
-          </p:cNvPr>
-          <p:cNvSpPr>
-            <a:spLocks noGrp="1"/>
-          </p:cNvSpPr>
-          <p:nvPr>
-            <p:ph idx="1"/>
-          </p:nvPr>
-        </p:nvSpPr>
-        <p:spPr>
-          <a:xfrm>
-            <a:off x="5181601" y="2198914"/>
-            <a:ext cx="6368142" cy="3670180"/>
-          </a:xfrm>
-        </p:spPr>
-        <p:txBody>
-          <a:bodyPr>
-            <a:normAutofit/>
-          </a:bodyPr>
-          <a:lstStyle/>
-          <a:p>
-            <a:r>
-              <a:rPr lang="en-US" dirty="0"/>
-              <a:t>An algorithm that uses random numbers to decide what to do next anywhere in its logic is called a Randomized Algorithm. For example, in Randomized Quick Sort, we use a random number to pick the next pivot (or we randomly shuffle the array). And in Karger’s algorithm, we randomly pick an edge. </a:t>
-            </a:r>
-            <a:endParaRPr lang="en-IN" dirty="0"/>
-          </a:p>
-        </p:txBody>
-      </p:sp>
-    </p:spTree>
-    <p:extLst>
-      <p:ext uri="{BB962C8B-B14F-4D97-AF65-F5344CB8AC3E}">
-        <p14:creationId xmlns:p14="http://schemas.microsoft.com/office/powerpoint/2010/main" val="4239192329"/>
-      </p:ext>
-    </p:extLst>
-  </p:cSld>
-  <p:clrMapOvr>
-    <a:masterClrMapping/>
-  </p:clrMapOvr>
-</p:sld>
-</file>
-
-<file path=ppt/slides/slide19.xml><?xml version="1.0" encoding="utf-8"?>
-<p:sld xmlns:a="http://schemas.openxmlformats.org/drawingml/2006/main" xmlns:r="http://schemas.openxmlformats.org/officeDocument/2006/relationships" xmlns:p="http://schemas.openxmlformats.org/presentationml/2006/main">
-  <p:cSld>
-    <p:bg>
-      <p:bgPr>
-        <a:solidFill>
-          <a:schemeClr val="bg1"/>
-        </a:solidFill>
-        <a:effectLst/>
-      </p:bgPr>
-    </p:bg>
-    <p:spTree>
-      <p:nvGrpSpPr>
-        <p:cNvPr id="1" name=""/>
-        <p:cNvGrpSpPr/>
-        <p:nvPr/>
-      </p:nvGrpSpPr>
-      <p:grpSpPr>
-        <a:xfrm>
-          <a:off x="0" y="0"/>
-          <a:ext cx="0" cy="0"/>
-          <a:chOff x="0" y="0"/>
-          <a:chExt cx="0" cy="0"/>
-        </a:xfrm>
-      </p:grpSpPr>
-      <p:sp>
-        <p:nvSpPr>
-          <p:cNvPr id="10" name="Rectangle 9">
-            <a:extLst>
-              <a:ext uri="{FF2B5EF4-FFF2-40B4-BE49-F238E27FC236}">
-                <a16:creationId xmlns:a16="http://schemas.microsoft.com/office/drawing/2014/main" id="{4E4490D0-3672-446A-AC12-B4830333BDDD}"/>
-              </a:ext>
-              <a:ext uri="{C183D7F6-B498-43B3-948B-1728B52AA6E4}">
-                <adec:decorative xmlns:adec="http://schemas.microsoft.com/office/drawing/2017/decorative" val="1"/>
-              </a:ext>
-            </a:extLst>
-          </p:cNvPr>
-          <p:cNvSpPr>
-            <a:spLocks noGrp="1" noRot="1" noChangeAspect="1" noMove="1" noResize="1" noEditPoints="1" noAdjustHandles="1" noChangeArrowheads="1" noChangeShapeType="1" noTextEdit="1"/>
-          </p:cNvSpPr>
-          <p:nvPr>
-            <p:extLst>
-              <p:ext uri="{386F3935-93C4-4BCD-93E2-E3B085C9AB24}">
-                <p16:designElem xmlns:p16="http://schemas.microsoft.com/office/powerpoint/2015/main" val="1"/>
-              </p:ext>
-            </p:extLst>
-          </p:nvPr>
-        </p:nvSpPr>
-        <p:spPr>
-          <a:xfrm>
-            <a:off x="3175" y="6400800"/>
-            <a:ext cx="12188825" cy="457200"/>
-          </a:xfrm>
-          <a:prstGeom prst="rect">
-            <a:avLst/>
-          </a:prstGeom>
-          <a:solidFill>
-            <a:schemeClr val="accent2"/>
-          </a:solidFill>
-          <a:ln>
-            <a:noFill/>
-          </a:ln>
-        </p:spPr>
-        <p:style>
-          <a:lnRef idx="2">
-            <a:schemeClr val="accent1">
-              <a:shade val="50000"/>
-            </a:schemeClr>
-          </a:lnRef>
-          <a:fillRef idx="1">
-            <a:schemeClr val="accent1"/>
-          </a:fillRef>
-          <a:effectRef idx="0">
-            <a:schemeClr val="accent1"/>
-          </a:effectRef>
-          <a:fontRef idx="minor">
-            <a:schemeClr val="lt1"/>
-          </a:fontRef>
-        </p:style>
-      </p:sp>
-      <p:sp>
-        <p:nvSpPr>
-          <p:cNvPr id="12" name="Rectangle 11">
-            <a:extLst>
-              <a:ext uri="{FF2B5EF4-FFF2-40B4-BE49-F238E27FC236}">
-                <a16:creationId xmlns:a16="http://schemas.microsoft.com/office/drawing/2014/main" id="{39CB82C2-DF65-4EC1-8280-F201D50F570B}"/>
-              </a:ext>
-              <a:ext uri="{C183D7F6-B498-43B3-948B-1728B52AA6E4}">
-                <adec:decorative xmlns:adec="http://schemas.microsoft.com/office/drawing/2017/decorative" val="1"/>
-              </a:ext>
-            </a:extLst>
-          </p:cNvPr>
-          <p:cNvSpPr>
-            <a:spLocks noGrp="1" noRot="1" noChangeAspect="1" noMove="1" noResize="1" noEditPoints="1" noAdjustHandles="1" noChangeArrowheads="1" noChangeShapeType="1" noTextEdit="1"/>
-          </p:cNvSpPr>
-          <p:nvPr>
-            <p:extLst>
-              <p:ext uri="{386F3935-93C4-4BCD-93E2-E3B085C9AB24}">
-                <p16:designElem xmlns:p16="http://schemas.microsoft.com/office/powerpoint/2015/main" val="1"/>
-              </p:ext>
-            </p:extLst>
-          </p:nvPr>
-        </p:nvSpPr>
-        <p:spPr>
-          <a:xfrm>
-            <a:off x="15" y="6334316"/>
-            <a:ext cx="12188825" cy="64008"/>
-          </a:xfrm>
-          <a:prstGeom prst="rect">
-            <a:avLst/>
-          </a:prstGeom>
-          <a:solidFill>
-            <a:schemeClr val="accent1"/>
-          </a:solidFill>
-          <a:ln>
-            <a:noFill/>
-          </a:ln>
-        </p:spPr>
-        <p:style>
-          <a:lnRef idx="2">
-            <a:schemeClr val="accent1">
-              <a:shade val="50000"/>
-            </a:schemeClr>
-          </a:lnRef>
-          <a:fillRef idx="1">
-            <a:schemeClr val="accent1"/>
-          </a:fillRef>
-          <a:effectRef idx="0">
-            <a:schemeClr val="accent1"/>
-          </a:effectRef>
-          <a:fontRef idx="minor">
-            <a:schemeClr val="lt1"/>
-          </a:fontRef>
-        </p:style>
-      </p:sp>
-      <p:cxnSp>
-        <p:nvCxnSpPr>
-          <p:cNvPr id="14" name="Straight Connector 13">
-            <a:extLst>
-              <a:ext uri="{FF2B5EF4-FFF2-40B4-BE49-F238E27FC236}">
-                <a16:creationId xmlns:a16="http://schemas.microsoft.com/office/drawing/2014/main" id="{7E1D4427-852B-4B37-8E76-0E9F1810BA2A}"/>
-              </a:ext>
-              <a:ext uri="{C183D7F6-B498-43B3-948B-1728B52AA6E4}">
-                <adec:decorative xmlns:adec="http://schemas.microsoft.com/office/drawing/2017/decorative" val="1"/>
-              </a:ext>
-            </a:extLst>
-          </p:cNvPr>
-          <p:cNvCxnSpPr>
-            <a:cxnSpLocks noGrp="1" noRot="1" noChangeAspect="1" noMove="1" noResize="1" noEditPoints="1" noAdjustHandles="1" noChangeArrowheads="1" noChangeShapeType="1"/>
-          </p:cNvCxnSpPr>
-          <p:nvPr>
-            <p:extLst>
-              <p:ext uri="{386F3935-93C4-4BCD-93E2-E3B085C9AB24}">
-                <p16:designElem xmlns:p16="http://schemas.microsoft.com/office/powerpoint/2015/main" val="1"/>
-              </p:ext>
-            </p:extLst>
-          </p:nvPr>
-        </p:nvCxnSpPr>
-        <p:spPr>
-          <a:xfrm>
-            <a:off x="1207658" y="4343400"/>
-            <a:ext cx="9875520" cy="0"/>
-          </a:xfrm>
-          <a:prstGeom prst="line">
-            <a:avLst/>
-          </a:prstGeom>
-          <a:ln w="6350">
-            <a:solidFill>
-              <a:schemeClr val="tx1">
-                <a:lumMod val="50000"/>
-                <a:lumOff val="50000"/>
-              </a:schemeClr>
-            </a:solidFill>
-          </a:ln>
-        </p:spPr>
-        <p:style>
-          <a:lnRef idx="1">
-            <a:schemeClr val="accent1"/>
-          </a:lnRef>
-          <a:fillRef idx="0">
-            <a:schemeClr val="accent1"/>
-          </a:fillRef>
-          <a:effectRef idx="0">
-            <a:schemeClr val="accent1"/>
-          </a:effectRef>
-          <a:fontRef idx="minor">
-            <a:schemeClr val="tx1"/>
-          </a:fontRef>
-        </p:style>
-      </p:cxnSp>
-      <p:sp useBgFill="1">
-        <p:nvSpPr>
-          <p:cNvPr id="16" name="Rectangle 15">
-            <a:extLst>
-              <a:ext uri="{FF2B5EF4-FFF2-40B4-BE49-F238E27FC236}">
-                <a16:creationId xmlns:a16="http://schemas.microsoft.com/office/drawing/2014/main" id="{5A1B47C8-47A0-4A88-8830-6DEA3B5DE392}"/>
-              </a:ext>
-              <a:ext uri="{C183D7F6-B498-43B3-948B-1728B52AA6E4}">
-                <adec:decorative xmlns:adec="http://schemas.microsoft.com/office/drawing/2017/decorative" val="1"/>
-              </a:ext>
-            </a:extLst>
-          </p:cNvPr>
-          <p:cNvSpPr>
-            <a:spLocks noGrp="1" noRot="1" noChangeAspect="1" noMove="1" noResize="1" noEditPoints="1" noAdjustHandles="1" noChangeArrowheads="1" noChangeShapeType="1" noTextEdit="1"/>
-          </p:cNvSpPr>
-          <p:nvPr>
-            <p:extLst>
-              <p:ext uri="{386F3935-93C4-4BCD-93E2-E3B085C9AB24}">
-                <p16:designElem xmlns:p16="http://schemas.microsoft.com/office/powerpoint/2015/main" val="1"/>
-              </p:ext>
-            </p:extLst>
-          </p:nvPr>
-        </p:nvSpPr>
-        <p:spPr>
-          <a:xfrm>
-            <a:off x="0" y="0"/>
-            <a:ext cx="12192000" cy="6858000"/>
-          </a:xfrm>
-          <a:prstGeom prst="rect">
-            <a:avLst/>
-          </a:prstGeom>
-          <a:ln>
-            <a:noFill/>
-          </a:ln>
-        </p:spPr>
-        <p:style>
-          <a:lnRef idx="2">
-            <a:schemeClr val="accent1">
-              <a:shade val="50000"/>
-            </a:schemeClr>
-          </a:lnRef>
-          <a:fillRef idx="1001">
-            <a:schemeClr val="lt1"/>
-          </a:fillRef>
-          <a:effectRef idx="0">
-            <a:schemeClr val="accent1"/>
-          </a:effectRef>
-          <a:fontRef idx="minor">
-            <a:schemeClr val="lt1"/>
-          </a:fontRef>
-        </p:style>
-        <p:txBody>
-          <a:bodyPr rtlCol="0" anchor="ctr"/>
-          <a:lstStyle/>
-          <a:p>
-            <a:pPr algn="ctr"/>
-            <a:endParaRPr lang="en-US" dirty="0"/>
-          </a:p>
-        </p:txBody>
-      </p:sp>
-      <p:pic>
-        <p:nvPicPr>
-          <p:cNvPr id="5" name="Content Placeholder 4">
-            <a:extLst>
-              <a:ext uri="{FF2B5EF4-FFF2-40B4-BE49-F238E27FC236}">
-                <a16:creationId xmlns:a16="http://schemas.microsoft.com/office/drawing/2014/main" id="{9771C469-CC3F-46C4-9154-993AD58B8889}"/>
-              </a:ext>
-            </a:extLst>
-          </p:cNvPr>
-          <p:cNvPicPr>
-            <a:picLocks noGrp="1" noChangeAspect="1"/>
-          </p:cNvPicPr>
-          <p:nvPr>
-            <p:ph idx="1"/>
-          </p:nvPr>
-        </p:nvPicPr>
-        <p:blipFill>
-          <a:blip r:embed="rId2">
-            <a:extLst>
-              <a:ext uri="{28A0092B-C50C-407E-A947-70E740481C1C}">
-                <a14:useLocalDpi xmlns:a14="http://schemas.microsoft.com/office/drawing/2010/main" val="0"/>
-              </a:ext>
-            </a:extLst>
-          </a:blip>
-          <a:stretch>
-            <a:fillRect/>
-          </a:stretch>
-        </p:blipFill>
-        <p:spPr>
-          <a:xfrm>
-            <a:off x="633999" y="1075625"/>
-            <a:ext cx="6275667" cy="4706750"/>
-          </a:xfrm>
-          <a:prstGeom prst="rect">
-            <a:avLst/>
-          </a:prstGeom>
-        </p:spPr>
-      </p:pic>
-      <p:sp>
-        <p:nvSpPr>
-          <p:cNvPr id="18" name="Rectangle 17">
-            <a:extLst>
-              <a:ext uri="{FF2B5EF4-FFF2-40B4-BE49-F238E27FC236}">
-                <a16:creationId xmlns:a16="http://schemas.microsoft.com/office/drawing/2014/main" id="{984BBFDD-E720-4805-A9C8-129FBBF6DD70}"/>
-              </a:ext>
-              <a:ext uri="{C183D7F6-B498-43B3-948B-1728B52AA6E4}">
-                <adec:decorative xmlns:adec="http://schemas.microsoft.com/office/drawing/2017/decorative" val="1"/>
-              </a:ext>
-            </a:extLst>
-          </p:cNvPr>
-          <p:cNvSpPr>
-            <a:spLocks noGrp="1" noRot="1" noChangeAspect="1" noMove="1" noResize="1" noEditPoints="1" noAdjustHandles="1" noChangeArrowheads="1" noChangeShapeType="1" noTextEdit="1"/>
-          </p:cNvSpPr>
-          <p:nvPr>
-            <p:extLst>
-              <p:ext uri="{386F3935-93C4-4BCD-93E2-E3B085C9AB24}">
-                <p16:designElem xmlns:p16="http://schemas.microsoft.com/office/powerpoint/2015/main" val="1"/>
-              </p:ext>
-            </p:extLst>
-          </p:nvPr>
-        </p:nvSpPr>
-        <p:spPr bwMode="white">
-          <a:xfrm>
-            <a:off x="7613486" y="0"/>
-            <a:ext cx="4584734" cy="6858000"/>
-          </a:xfrm>
-          <a:prstGeom prst="rect">
-            <a:avLst/>
-          </a:prstGeom>
-          <a:solidFill>
-            <a:schemeClr val="accent2"/>
-          </a:solidFill>
-          <a:ln>
-            <a:noFill/>
-          </a:ln>
-        </p:spPr>
-        <p:style>
-          <a:lnRef idx="2">
-            <a:schemeClr val="accent1">
-              <a:shade val="50000"/>
-            </a:schemeClr>
-          </a:lnRef>
-          <a:fillRef idx="1">
-            <a:schemeClr val="accent1"/>
-          </a:fillRef>
-          <a:effectRef idx="0">
-            <a:schemeClr val="accent1"/>
-          </a:effectRef>
-          <a:fontRef idx="minor">
-            <a:schemeClr val="lt1"/>
-          </a:fontRef>
-        </p:style>
-      </p:sp>
-      <p:sp>
-        <p:nvSpPr>
-          <p:cNvPr id="2" name="Title 1">
-            <a:extLst>
-              <a:ext uri="{FF2B5EF4-FFF2-40B4-BE49-F238E27FC236}">
-                <a16:creationId xmlns:a16="http://schemas.microsoft.com/office/drawing/2014/main" id="{09AE7E40-FDFA-4D38-A02B-B969CB6ADF17}"/>
-              </a:ext>
-            </a:extLst>
-          </p:cNvPr>
-          <p:cNvSpPr>
-            <a:spLocks noGrp="1"/>
-          </p:cNvSpPr>
-          <p:nvPr>
-            <p:ph type="title"/>
-          </p:nvPr>
-        </p:nvSpPr>
-        <p:spPr>
-          <a:xfrm>
-            <a:off x="8096885" y="640080"/>
-            <a:ext cx="3659246" cy="2926080"/>
-          </a:xfrm>
-        </p:spPr>
-        <p:txBody>
-          <a:bodyPr vert="horz" lIns="91440" tIns="45720" rIns="91440" bIns="45720" rtlCol="0" anchor="b">
-            <a:normAutofit/>
-          </a:bodyPr>
-          <a:lstStyle/>
-          <a:p>
-            <a:r>
-              <a:rPr lang="en-US" sz="4400" b="1" dirty="0">
-                <a:solidFill>
-                  <a:srgbClr val="FFFFFF"/>
-                </a:solidFill>
-              </a:rPr>
-              <a:t>Randomized Quicksort Algorithm</a:t>
-            </a:r>
-          </a:p>
-        </p:txBody>
-      </p:sp>
-      <p:sp>
-        <p:nvSpPr>
-          <p:cNvPr id="20" name="Rectangle 19">
-            <a:extLst>
-              <a:ext uri="{FF2B5EF4-FFF2-40B4-BE49-F238E27FC236}">
-                <a16:creationId xmlns:a16="http://schemas.microsoft.com/office/drawing/2014/main" id="{5AC4BE46-4A77-42FE-9D15-065CDB2F847C}"/>
-              </a:ext>
-              <a:ext uri="{C183D7F6-B498-43B3-948B-1728B52AA6E4}">
-                <adec:decorative xmlns:adec="http://schemas.microsoft.com/office/drawing/2017/decorative" val="1"/>
-              </a:ext>
-            </a:extLst>
-          </p:cNvPr>
-          <p:cNvSpPr>
-            <a:spLocks noGrp="1" noRot="1" noChangeAspect="1" noMove="1" noResize="1" noEditPoints="1" noAdjustHandles="1" noChangeArrowheads="1" noChangeShapeType="1" noTextEdit="1"/>
-          </p:cNvSpPr>
-          <p:nvPr>
-            <p:extLst>
-              <p:ext uri="{386F3935-93C4-4BCD-93E2-E3B085C9AB24}">
-                <p16:designElem xmlns:p16="http://schemas.microsoft.com/office/powerpoint/2015/main" val="1"/>
-              </p:ext>
-            </p:extLst>
-          </p:nvPr>
-        </p:nvSpPr>
-        <p:spPr>
-          <a:xfrm>
-            <a:off x="7556906" y="0"/>
-            <a:ext cx="64008" cy="6858000"/>
-          </a:xfrm>
-          <a:prstGeom prst="rect">
-            <a:avLst/>
-          </a:prstGeom>
-          <a:solidFill>
-            <a:schemeClr val="accent1"/>
-          </a:solidFill>
-          <a:ln>
-            <a:noFill/>
-          </a:ln>
-        </p:spPr>
-        <p:style>
-          <a:lnRef idx="2">
-            <a:schemeClr val="accent1">
-              <a:shade val="50000"/>
-            </a:schemeClr>
-          </a:lnRef>
-          <a:fillRef idx="1">
-            <a:schemeClr val="accent1"/>
-          </a:fillRef>
-          <a:effectRef idx="0">
-            <a:schemeClr val="accent1"/>
-          </a:effectRef>
-          <a:fontRef idx="minor">
-            <a:schemeClr val="lt1"/>
-          </a:fontRef>
-        </p:style>
-      </p:sp>
-    </p:spTree>
-    <p:extLst>
-      <p:ext uri="{BB962C8B-B14F-4D97-AF65-F5344CB8AC3E}">
-        <p14:creationId xmlns:p14="http://schemas.microsoft.com/office/powerpoint/2010/main" val="1348764931"/>
-      </p:ext>
-    </p:extLst>
-  </p:cSld>
-  <p:clrMapOvr>
-    <a:masterClrMapping/>
-  </p:clrMapOvr>
-</p:sld>
-</file>
-
 <file path=ppt/slides/slide2.xml><?xml version="1.0" encoding="utf-8"?>
 <p:sld xmlns:a="http://schemas.openxmlformats.org/drawingml/2006/main" xmlns:r="http://schemas.openxmlformats.org/officeDocument/2006/relationships" xmlns:p="http://schemas.openxmlformats.org/presentationml/2006/main">
   <p:cSld>
@@ -21589,7 +22039,7 @@
       </p:grpSpPr>
       <p:sp useBgFill="1">
         <p:nvSpPr>
-          <p:cNvPr id="17" name="Rectangle 16">
+          <p:cNvPr id="8" name="Rectangle 7">
             <a:extLst>
               <a:ext uri="{FF2B5EF4-FFF2-40B4-BE49-F238E27FC236}">
                 <a16:creationId xmlns:a16="http://schemas.microsoft.com/office/drawing/2014/main" id="{3741B58E-3B65-4A01-A276-975AB2CF8A08}"/>
@@ -21643,13 +22093,13 @@
           <a:lstStyle/>
           <a:p>
             <a:pPr algn="ctr"/>
-            <a:endParaRPr lang="en-US" dirty="0"/>
+            <a:endParaRPr lang="en-US"/>
           </a:p>
         </p:txBody>
       </p:sp>
       <p:sp>
         <p:nvSpPr>
-          <p:cNvPr id="19" name="Rectangle 18">
+          <p:cNvPr id="10" name="Rectangle 9">
             <a:extLst>
               <a:ext uri="{FF2B5EF4-FFF2-40B4-BE49-F238E27FC236}">
                 <a16:creationId xmlns:a16="http://schemas.microsoft.com/office/drawing/2014/main" id="{7AAC67C3-831B-4AB1-A259-DFB839CAFAFC}"/>
@@ -21707,7 +22157,7 @@
           <p:cNvPr id="2" name="Title 1">
             <a:extLst>
               <a:ext uri="{FF2B5EF4-FFF2-40B4-BE49-F238E27FC236}">
-                <a16:creationId xmlns:a16="http://schemas.microsoft.com/office/drawing/2014/main" id="{D595B95A-705A-4D49-A704-0108F2F33E09}"/>
+                <a16:creationId xmlns:a16="http://schemas.microsoft.com/office/drawing/2014/main" id="{0A5E5C2A-12AE-4F2F-83F8-338BB786D2C1}"/>
               </a:ext>
             </a:extLst>
           </p:cNvPr>
@@ -21731,19 +22181,19 @@
           <a:lstStyle/>
           <a:p>
             <a:r>
-              <a:rPr lang="en-IN" sz="3600" b="1" dirty="0">
+              <a:rPr lang="en-IN" sz="3600">
                 <a:solidFill>
                   <a:srgbClr val="FFFFFF"/>
                 </a:solidFill>
               </a:rPr>
-              <a:t>Procedure</a:t>
+              <a:t>Introduction</a:t>
             </a:r>
           </a:p>
         </p:txBody>
       </p:sp>
       <p:sp>
         <p:nvSpPr>
-          <p:cNvPr id="21" name="Rectangle 20">
+          <p:cNvPr id="12" name="Rectangle 11">
             <a:extLst>
               <a:ext uri="{FF2B5EF4-FFF2-40B4-BE49-F238E27FC236}">
                 <a16:creationId xmlns:a16="http://schemas.microsoft.com/office/drawing/2014/main" id="{054B3F04-9EAC-45C0-B3CE-0387EEA10A0C}"/>
@@ -21796,191 +22246,90 @@
           </a:fontRef>
         </p:style>
       </p:sp>
-      <mc:AlternateContent xmlns:mc="http://schemas.openxmlformats.org/markup-compatibility/2006" xmlns:a14="http://schemas.microsoft.com/office/drawing/2010/main">
-        <mc:Choice Requires="a14">
-          <p:sp>
-            <p:nvSpPr>
-              <p:cNvPr id="3" name="Content Placeholder 2">
-                <a:extLst>
-                  <a:ext uri="{FF2B5EF4-FFF2-40B4-BE49-F238E27FC236}">
-                    <a16:creationId xmlns:a16="http://schemas.microsoft.com/office/drawing/2014/main" id="{4B817802-A38C-4038-895E-B8B15F8D564B}"/>
-                  </a:ext>
-                </a:extLst>
-              </p:cNvPr>
-              <p:cNvSpPr>
-                <a:spLocks noGrp="1"/>
-              </p:cNvSpPr>
-              <p:nvPr>
-                <p:ph idx="1"/>
-              </p:nvPr>
-            </p:nvSpPr>
-            <p:spPr>
-              <a:xfrm>
-                <a:off x="4742016" y="605896"/>
-                <a:ext cx="6413663" cy="5646208"/>
-              </a:xfrm>
-            </p:spPr>
-            <p:txBody>
-              <a:bodyPr anchor="ctr">
-                <a:normAutofit/>
-              </a:bodyPr>
-              <a:lstStyle/>
-              <a:p>
-                <a:pPr lvl="1">
-                  <a:buFont typeface="Arial" panose="020B0604020202020204" pitchFamily="34" charset="0"/>
-                  <a:buChar char="•"/>
-                </a:pPr>
-                <a:r>
-                  <a:rPr lang="en-IN" dirty="0"/>
-                  <a:t>The inbuilt C function </a:t>
-                </a:r>
-                <a:r>
-                  <a:rPr lang="en-IN" dirty="0">
-                    <a:latin typeface="Courier New" panose="02070309020205020404" pitchFamily="49" charset="0"/>
-                    <a:cs typeface="Courier New" panose="02070309020205020404" pitchFamily="49" charset="0"/>
-                  </a:rPr>
-                  <a:t>rand()</a:t>
-                </a:r>
-                <a:r>
-                  <a:rPr lang="en-IN" dirty="0">
-                    <a:cs typeface="Courier New" panose="02070309020205020404" pitchFamily="49" charset="0"/>
-                  </a:rPr>
-                  <a:t>generates random numbers distributed uniformly.</a:t>
-                </a:r>
-              </a:p>
-              <a:p>
-                <a:pPr lvl="1">
-                  <a:buFont typeface="Arial" panose="020B0604020202020204" pitchFamily="34" charset="0"/>
-                  <a:buChar char="•"/>
-                </a:pPr>
-                <a:r>
-                  <a:rPr lang="en-IN" dirty="0">
-                    <a:cs typeface="Courier New" panose="02070309020205020404" pitchFamily="49" charset="0"/>
-                  </a:rPr>
-                  <a:t>Using </a:t>
-                </a:r>
-                <a:r>
-                  <a:rPr lang="en-IN" dirty="0">
-                    <a:latin typeface="Courier New" panose="02070309020205020404" pitchFamily="49" charset="0"/>
-                    <a:cs typeface="Courier New" panose="02070309020205020404" pitchFamily="49" charset="0"/>
-                  </a:rPr>
-                  <a:t>rand()</a:t>
-                </a:r>
-                <a:r>
-                  <a:rPr lang="en-IN" dirty="0">
-                    <a:cs typeface="Courier New" panose="02070309020205020404" pitchFamily="49" charset="0"/>
-                  </a:rPr>
-                  <a:t> we generated </a:t>
-                </a:r>
-                <a14:m>
-                  <m:oMath xmlns:m="http://schemas.openxmlformats.org/officeDocument/2006/math">
-                    <m:sSup>
-                      <m:sSupPr>
-                        <m:ctrlPr>
-                          <a:rPr lang="en-IN" i="1" smtClean="0">
-                            <a:latin typeface="Cambria Math" panose="02040503050406030204" pitchFamily="18" charset="0"/>
-                            <a:cs typeface="Courier New" panose="02070309020205020404" pitchFamily="49" charset="0"/>
-                          </a:rPr>
-                        </m:ctrlPr>
-                      </m:sSupPr>
-                      <m:e>
-                        <m:r>
-                          <a:rPr lang="en-IN" b="0" i="1" smtClean="0">
-                            <a:latin typeface="Cambria Math" panose="02040503050406030204" pitchFamily="18" charset="0"/>
-                            <a:cs typeface="Courier New" panose="02070309020205020404" pitchFamily="49" charset="0"/>
-                          </a:rPr>
-                          <m:t>10</m:t>
-                        </m:r>
-                      </m:e>
-                      <m:sup>
-                        <m:r>
-                          <a:rPr lang="en-IN" b="0" i="1" smtClean="0">
-                            <a:latin typeface="Cambria Math" panose="02040503050406030204" pitchFamily="18" charset="0"/>
-                            <a:cs typeface="Courier New" panose="02070309020205020404" pitchFamily="49" charset="0"/>
-                          </a:rPr>
-                          <m:t>6</m:t>
-                        </m:r>
-                      </m:sup>
-                    </m:sSup>
-                  </m:oMath>
-                </a14:m>
-                <a:r>
-                  <a:rPr lang="en-IN" dirty="0"/>
-                  <a:t> uniformly distributed random numbers between 0 to 100 and stored it in </a:t>
-                </a:r>
-                <a:r>
-                  <a:rPr lang="en-IN" dirty="0">
-                    <a:latin typeface="Courier New" panose="02070309020205020404" pitchFamily="49" charset="0"/>
-                    <a:cs typeface="Courier New" panose="02070309020205020404" pitchFamily="49" charset="0"/>
-                  </a:rPr>
-                  <a:t>uniform_distribution.csv </a:t>
-                </a:r>
-                <a:r>
-                  <a:rPr lang="en-IN" dirty="0"/>
-                  <a:t>which will act as uniformly distributed dataset for further works.</a:t>
-                </a:r>
-              </a:p>
-              <a:p>
-                <a:pPr lvl="1">
-                  <a:buFont typeface="Arial" panose="020B0604020202020204" pitchFamily="34" charset="0"/>
-                  <a:buChar char="•"/>
-                </a:pPr>
-                <a:r>
-                  <a:rPr lang="en-IN" dirty="0"/>
-                  <a:t>We also plotted a histogram of the dataset to make sure that the dataset generation worked well or not…</a:t>
-                </a:r>
-              </a:p>
-            </p:txBody>
-          </p:sp>
-        </mc:Choice>
-        <mc:Fallback xmlns="">
-          <p:sp>
-            <p:nvSpPr>
-              <p:cNvPr id="3" name="Content Placeholder 2">
-                <a:extLst>
-                  <a:ext uri="{FF2B5EF4-FFF2-40B4-BE49-F238E27FC236}">
-                    <a16:creationId xmlns:a16="http://schemas.microsoft.com/office/drawing/2014/main" id="{4B817802-A38C-4038-895E-B8B15F8D564B}"/>
-                  </a:ext>
-                </a:extLst>
-              </p:cNvPr>
-              <p:cNvSpPr>
-                <a:spLocks noGrp="1" noRot="1" noChangeAspect="1" noMove="1" noResize="1" noEditPoints="1" noAdjustHandles="1" noChangeArrowheads="1" noChangeShapeType="1" noTextEdit="1"/>
-              </p:cNvSpPr>
-              <p:nvPr>
-                <p:ph idx="1"/>
-              </p:nvPr>
-            </p:nvSpPr>
-            <p:spPr>
-              <a:xfrm>
-                <a:off x="4742016" y="605896"/>
-                <a:ext cx="6413663" cy="5646208"/>
-              </a:xfrm>
-              <a:blipFill>
-                <a:blip r:embed="rId2"/>
-                <a:stretch>
-                  <a:fillRect r="-2567"/>
-                </a:stretch>
-              </a:blipFill>
-            </p:spPr>
-            <p:txBody>
-              <a:bodyPr/>
-              <a:lstStyle/>
-              <a:p>
-                <a:r>
-                  <a:rPr lang="en-IN">
-                    <a:noFill/>
-                  </a:rPr>
-                  <a:t> </a:t>
-                </a:r>
-              </a:p>
-            </p:txBody>
-          </p:sp>
-        </mc:Fallback>
-      </mc:AlternateContent>
+      <p:sp>
+        <p:nvSpPr>
+          <p:cNvPr id="3" name="Content Placeholder 2">
+            <a:extLst>
+              <a:ext uri="{FF2B5EF4-FFF2-40B4-BE49-F238E27FC236}">
+                <a16:creationId xmlns:a16="http://schemas.microsoft.com/office/drawing/2014/main" id="{CE63FD34-36DF-4637-839F-A62E8F2F2E9B}"/>
+              </a:ext>
+            </a:extLst>
+          </p:cNvPr>
+          <p:cNvSpPr>
+            <a:spLocks noGrp="1"/>
+          </p:cNvSpPr>
+          <p:nvPr>
+            <p:ph idx="1"/>
+          </p:nvPr>
+        </p:nvSpPr>
+        <p:spPr>
+          <a:xfrm>
+            <a:off x="4742016" y="605896"/>
+            <a:ext cx="6413663" cy="5646208"/>
+          </a:xfrm>
+        </p:spPr>
+        <p:txBody>
+          <a:bodyPr anchor="ctr">
+            <a:normAutofit/>
+          </a:bodyPr>
+          <a:lstStyle/>
+          <a:p>
+            <a:r>
+              <a:rPr lang="en-IN" dirty="0"/>
+              <a:t>This Report is Made By:</a:t>
+            </a:r>
+          </a:p>
+          <a:p>
+            <a:pPr lvl="1"/>
+            <a:r>
+              <a:rPr lang="en-IN" dirty="0"/>
+              <a:t>Abhiroop Mukherjee 	(510519109)</a:t>
+            </a:r>
+          </a:p>
+          <a:p>
+            <a:pPr lvl="1"/>
+            <a:r>
+              <a:rPr lang="en-IN" dirty="0"/>
+              <a:t>Hritick Sharma 		(510519114)</a:t>
+            </a:r>
+          </a:p>
+          <a:p>
+            <a:pPr lvl="1"/>
+            <a:r>
+              <a:rPr lang="en-IN" dirty="0"/>
+              <a:t>Sayak Rana		(510519108)</a:t>
+            </a:r>
+          </a:p>
+          <a:p>
+            <a:pPr lvl="1"/>
+            <a:endParaRPr lang="en-IN" dirty="0"/>
+          </a:p>
+          <a:p>
+            <a:pPr marL="201168" lvl="1" indent="0">
+              <a:buNone/>
+            </a:pPr>
+            <a:r>
+              <a:rPr lang="en-IN" dirty="0"/>
+              <a:t>The Source codes for all the Assignments can be found here</a:t>
+            </a:r>
+            <a:r>
+              <a:rPr lang="en-IN"/>
+              <a:t>: </a:t>
+            </a:r>
+            <a:r>
+              <a:rPr lang="en-IN">
+                <a:hlinkClick r:id="rId2"/>
+              </a:rPr>
+              <a:t>https://github.com/Abhiroop25902/CS-2271-Algo-Lab</a:t>
+            </a:r>
+            <a:endParaRPr lang="en-IN" dirty="0"/>
+          </a:p>
+        </p:txBody>
+      </p:sp>
     </p:spTree>
     <p:extLst>
       <p:ext uri="{BB962C8B-B14F-4D97-AF65-F5344CB8AC3E}">
-        <p14:creationId xmlns:p14="http://schemas.microsoft.com/office/powerpoint/2010/main" val="2594329012"/>
+        <p14:creationId xmlns:p14="http://schemas.microsoft.com/office/powerpoint/2010/main" val="2033051608"/>
       </p:ext>
     </p:extLst>
   </p:cSld>
@@ -21991,6 +22340,771 @@
 </file>
 
 <file path=ppt/slides/slide20.xml><?xml version="1.0" encoding="utf-8"?>
+<p:sld xmlns:a="http://schemas.openxmlformats.org/drawingml/2006/main" xmlns:r="http://schemas.openxmlformats.org/officeDocument/2006/relationships" xmlns:p="http://schemas.openxmlformats.org/presentationml/2006/main">
+  <p:cSld>
+    <p:bg>
+      <p:bgPr>
+        <a:solidFill>
+          <a:schemeClr val="bg1"/>
+        </a:solidFill>
+        <a:effectLst/>
+      </p:bgPr>
+    </p:bg>
+    <p:spTree>
+      <p:nvGrpSpPr>
+        <p:cNvPr id="1" name=""/>
+        <p:cNvGrpSpPr/>
+        <p:nvPr/>
+      </p:nvGrpSpPr>
+      <p:grpSpPr>
+        <a:xfrm>
+          <a:off x="0" y="0"/>
+          <a:ext cx="0" cy="0"/>
+          <a:chOff x="0" y="0"/>
+          <a:chExt cx="0" cy="0"/>
+        </a:xfrm>
+      </p:grpSpPr>
+      <p:sp useBgFill="1">
+        <p:nvSpPr>
+          <p:cNvPr id="18" name="Rectangle 17">
+            <a:extLst>
+              <a:ext uri="{FF2B5EF4-FFF2-40B4-BE49-F238E27FC236}">
+                <a16:creationId xmlns:a16="http://schemas.microsoft.com/office/drawing/2014/main" id="{311973C2-EB8B-452A-A698-4A252FD3AE28}"/>
+              </a:ext>
+              <a:ext uri="{C183D7F6-B498-43B3-948B-1728B52AA6E4}">
+                <adec:decorative xmlns:adec="http://schemas.microsoft.com/office/drawing/2017/decorative" val="1"/>
+              </a:ext>
+            </a:extLst>
+          </p:cNvPr>
+          <p:cNvSpPr>
+            <a:spLocks noGrp="1" noRot="1" noChangeAspect="1" noMove="1" noResize="1" noEditPoints="1" noAdjustHandles="1" noChangeArrowheads="1" noChangeShapeType="1" noTextEdit="1"/>
+          </p:cNvSpPr>
+          <p:nvPr>
+            <p:extLst>
+              <p:ext uri="{386F3935-93C4-4BCD-93E2-E3B085C9AB24}">
+                <p16:designElem xmlns:p16="http://schemas.microsoft.com/office/powerpoint/2015/main" val="1"/>
+              </p:ext>
+            </p:extLst>
+          </p:nvPr>
+        </p:nvSpPr>
+        <p:spPr>
+          <a:xfrm>
+            <a:off x="0" y="1"/>
+            <a:ext cx="12192000" cy="6857999"/>
+          </a:xfrm>
+          <a:prstGeom prst="rect">
+            <a:avLst/>
+          </a:prstGeom>
+          <a:ln>
+            <a:noFill/>
+          </a:ln>
+        </p:spPr>
+        <p:style>
+          <a:lnRef idx="2">
+            <a:schemeClr val="accent1">
+              <a:shade val="50000"/>
+            </a:schemeClr>
+          </a:lnRef>
+          <a:fillRef idx="1">
+            <a:schemeClr val="accent1"/>
+          </a:fillRef>
+          <a:effectRef idx="0">
+            <a:schemeClr val="accent1"/>
+          </a:effectRef>
+          <a:fontRef idx="minor">
+            <a:schemeClr val="lt1"/>
+          </a:fontRef>
+        </p:style>
+        <p:txBody>
+          <a:bodyPr rtlCol="0" anchor="ctr"/>
+          <a:lstStyle/>
+          <a:p>
+            <a:pPr algn="ctr"/>
+            <a:endParaRPr lang="en-US" dirty="0"/>
+          </a:p>
+        </p:txBody>
+      </p:sp>
+      <p:sp useBgFill="1">
+        <p:nvSpPr>
+          <p:cNvPr id="20" name="Rectangle 19">
+            <a:extLst>
+              <a:ext uri="{FF2B5EF4-FFF2-40B4-BE49-F238E27FC236}">
+                <a16:creationId xmlns:a16="http://schemas.microsoft.com/office/drawing/2014/main" id="{10162E77-11AD-44A7-84EC-40C59EEFBD2E}"/>
+              </a:ext>
+              <a:ext uri="{C183D7F6-B498-43B3-948B-1728B52AA6E4}">
+                <adec:decorative xmlns:adec="http://schemas.microsoft.com/office/drawing/2017/decorative" val="1"/>
+              </a:ext>
+            </a:extLst>
+          </p:cNvPr>
+          <p:cNvSpPr>
+            <a:spLocks noGrp="1" noRot="1" noChangeAspect="1" noMove="1" noResize="1" noEditPoints="1" noAdjustHandles="1" noChangeArrowheads="1" noChangeShapeType="1" noTextEdit="1"/>
+          </p:cNvSpPr>
+          <p:nvPr>
+            <p:extLst>
+              <p:ext uri="{386F3935-93C4-4BCD-93E2-E3B085C9AB24}">
+                <p16:designElem xmlns:p16="http://schemas.microsoft.com/office/powerpoint/2015/main" val="1"/>
+              </p:ext>
+            </p:extLst>
+          </p:nvPr>
+        </p:nvSpPr>
+        <p:spPr>
+          <a:xfrm>
+            <a:off x="0" y="0"/>
+            <a:ext cx="12192001" cy="6334316"/>
+          </a:xfrm>
+          <a:prstGeom prst="rect">
+            <a:avLst/>
+          </a:prstGeom>
+          <a:ln>
+            <a:noFill/>
+          </a:ln>
+        </p:spPr>
+        <p:style>
+          <a:lnRef idx="2">
+            <a:schemeClr val="accent1">
+              <a:shade val="50000"/>
+            </a:schemeClr>
+          </a:lnRef>
+          <a:fillRef idx="1">
+            <a:schemeClr val="accent1"/>
+          </a:fillRef>
+          <a:effectRef idx="0">
+            <a:schemeClr val="accent1"/>
+          </a:effectRef>
+          <a:fontRef idx="minor">
+            <a:schemeClr val="lt1"/>
+          </a:fontRef>
+        </p:style>
+        <p:txBody>
+          <a:bodyPr rtlCol="0" anchor="ctr"/>
+          <a:lstStyle/>
+          <a:p>
+            <a:pPr algn="ctr"/>
+            <a:endParaRPr lang="en-US" dirty="0"/>
+          </a:p>
+        </p:txBody>
+      </p:sp>
+      <p:sp>
+        <p:nvSpPr>
+          <p:cNvPr id="2" name="Title 1">
+            <a:extLst>
+              <a:ext uri="{FF2B5EF4-FFF2-40B4-BE49-F238E27FC236}">
+                <a16:creationId xmlns:a16="http://schemas.microsoft.com/office/drawing/2014/main" id="{5FE3044E-9604-401E-8287-B8C8BB536344}"/>
+              </a:ext>
+            </a:extLst>
+          </p:cNvPr>
+          <p:cNvSpPr>
+            <a:spLocks noGrp="1"/>
+          </p:cNvSpPr>
+          <p:nvPr>
+            <p:ph type="title"/>
+          </p:nvPr>
+        </p:nvSpPr>
+        <p:spPr>
+          <a:xfrm>
+            <a:off x="5181601" y="634946"/>
+            <a:ext cx="6368142" cy="1450757"/>
+          </a:xfrm>
+        </p:spPr>
+        <p:txBody>
+          <a:bodyPr>
+            <a:normAutofit/>
+          </a:bodyPr>
+          <a:lstStyle/>
+          <a:p>
+            <a:r>
+              <a:rPr lang="en-US" b="1" dirty="0"/>
+              <a:t>What is a Randomized Algorithm?</a:t>
+            </a:r>
+            <a:endParaRPr lang="en-IN" b="1" dirty="0"/>
+          </a:p>
+        </p:txBody>
+      </p:sp>
+      <p:pic>
+        <p:nvPicPr>
+          <p:cNvPr id="14" name="Picture 13" descr="Programming data on computer monitor">
+            <a:extLst>
+              <a:ext uri="{FF2B5EF4-FFF2-40B4-BE49-F238E27FC236}">
+                <a16:creationId xmlns:a16="http://schemas.microsoft.com/office/drawing/2014/main" id="{A5401174-E511-4482-8CCA-B31A2A782B73}"/>
+              </a:ext>
+            </a:extLst>
+          </p:cNvPr>
+          <p:cNvPicPr>
+            <a:picLocks noChangeAspect="1"/>
+          </p:cNvPicPr>
+          <p:nvPr/>
+        </p:nvPicPr>
+        <p:blipFill rotWithShape="1">
+          <a:blip r:embed="rId2"/>
+          <a:srcRect l="32361" r="22418" b="1"/>
+          <a:stretch/>
+        </p:blipFill>
+        <p:spPr>
+          <a:xfrm>
+            <a:off x="20" y="-12128"/>
+            <a:ext cx="4654276" cy="6870127"/>
+          </a:xfrm>
+          <a:prstGeom prst="rect">
+            <a:avLst/>
+          </a:prstGeom>
+        </p:spPr>
+      </p:pic>
+      <p:cxnSp>
+        <p:nvCxnSpPr>
+          <p:cNvPr id="22" name="Straight Connector 21">
+            <a:extLst>
+              <a:ext uri="{FF2B5EF4-FFF2-40B4-BE49-F238E27FC236}">
+                <a16:creationId xmlns:a16="http://schemas.microsoft.com/office/drawing/2014/main" id="{5AB158E9-1B40-4CD6-95F0-95CA11DF7B7A}"/>
+              </a:ext>
+              <a:ext uri="{C183D7F6-B498-43B3-948B-1728B52AA6E4}">
+                <adec:decorative xmlns:adec="http://schemas.microsoft.com/office/drawing/2017/decorative" val="1"/>
+              </a:ext>
+            </a:extLst>
+          </p:cNvPr>
+          <p:cNvCxnSpPr>
+            <a:cxnSpLocks noGrp="1" noRot="1" noChangeAspect="1" noMove="1" noResize="1" noEditPoints="1" noAdjustHandles="1" noChangeArrowheads="1" noChangeShapeType="1"/>
+          </p:cNvCxnSpPr>
+          <p:nvPr>
+            <p:extLst>
+              <p:ext uri="{386F3935-93C4-4BCD-93E2-E3B085C9AB24}">
+                <p16:designElem xmlns:p16="http://schemas.microsoft.com/office/powerpoint/2015/main" val="1"/>
+              </p:ext>
+            </p:extLst>
+          </p:nvPr>
+        </p:nvCxnSpPr>
+        <p:spPr>
+          <a:xfrm>
+            <a:off x="5287617" y="2085703"/>
+            <a:ext cx="6170686" cy="0"/>
+          </a:xfrm>
+          <a:prstGeom prst="line">
+            <a:avLst/>
+          </a:prstGeom>
+          <a:ln w="6350">
+            <a:solidFill>
+              <a:schemeClr val="tx1">
+                <a:lumMod val="50000"/>
+                <a:lumOff val="50000"/>
+                <a:alpha val="90000"/>
+              </a:schemeClr>
+            </a:solidFill>
+          </a:ln>
+        </p:spPr>
+        <p:style>
+          <a:lnRef idx="1">
+            <a:schemeClr val="accent1"/>
+          </a:lnRef>
+          <a:fillRef idx="0">
+            <a:schemeClr val="accent1"/>
+          </a:fillRef>
+          <a:effectRef idx="0">
+            <a:schemeClr val="accent1"/>
+          </a:effectRef>
+          <a:fontRef idx="minor">
+            <a:schemeClr val="tx1"/>
+          </a:fontRef>
+        </p:style>
+      </p:cxnSp>
+      <p:sp>
+        <p:nvSpPr>
+          <p:cNvPr id="3" name="Content Placeholder 2">
+            <a:extLst>
+              <a:ext uri="{FF2B5EF4-FFF2-40B4-BE49-F238E27FC236}">
+                <a16:creationId xmlns:a16="http://schemas.microsoft.com/office/drawing/2014/main" id="{0F603280-40D6-4502-989A-156C1552597E}"/>
+              </a:ext>
+            </a:extLst>
+          </p:cNvPr>
+          <p:cNvSpPr>
+            <a:spLocks noGrp="1"/>
+          </p:cNvSpPr>
+          <p:nvPr>
+            <p:ph idx="1"/>
+          </p:nvPr>
+        </p:nvSpPr>
+        <p:spPr>
+          <a:xfrm>
+            <a:off x="5181601" y="2198914"/>
+            <a:ext cx="6368142" cy="3670180"/>
+          </a:xfrm>
+        </p:spPr>
+        <p:txBody>
+          <a:bodyPr>
+            <a:normAutofit/>
+          </a:bodyPr>
+          <a:lstStyle/>
+          <a:p>
+            <a:r>
+              <a:rPr lang="en-US" dirty="0"/>
+              <a:t>An algorithm that uses random numbers to decide what to do next anywhere in its logic is called a Randomized Algorithm. For example, in Randomized Quick Sort, we use a random number to pick the next pivot (or we randomly shuffle the array). And in Karger’s algorithm, we randomly pick an edge. </a:t>
+            </a:r>
+            <a:endParaRPr lang="en-IN" dirty="0"/>
+          </a:p>
+        </p:txBody>
+      </p:sp>
+    </p:spTree>
+    <p:extLst>
+      <p:ext uri="{BB962C8B-B14F-4D97-AF65-F5344CB8AC3E}">
+        <p14:creationId xmlns:p14="http://schemas.microsoft.com/office/powerpoint/2010/main" val="4239192329"/>
+      </p:ext>
+    </p:extLst>
+  </p:cSld>
+  <p:clrMapOvr>
+    <a:masterClrMapping/>
+  </p:clrMapOvr>
+</p:sld>
+</file>
+
+<file path=ppt/slides/slide21.xml><?xml version="1.0" encoding="utf-8"?>
+<p:sld xmlns:a="http://schemas.openxmlformats.org/drawingml/2006/main" xmlns:r="http://schemas.openxmlformats.org/officeDocument/2006/relationships" xmlns:p="http://schemas.openxmlformats.org/presentationml/2006/main">
+  <p:cSld>
+    <p:bg>
+      <p:bgPr>
+        <a:solidFill>
+          <a:schemeClr val="bg1"/>
+        </a:solidFill>
+        <a:effectLst/>
+      </p:bgPr>
+    </p:bg>
+    <p:spTree>
+      <p:nvGrpSpPr>
+        <p:cNvPr id="1" name=""/>
+        <p:cNvGrpSpPr/>
+        <p:nvPr/>
+      </p:nvGrpSpPr>
+      <p:grpSpPr>
+        <a:xfrm>
+          <a:off x="0" y="0"/>
+          <a:ext cx="0" cy="0"/>
+          <a:chOff x="0" y="0"/>
+          <a:chExt cx="0" cy="0"/>
+        </a:xfrm>
+      </p:grpSpPr>
+      <p:sp>
+        <p:nvSpPr>
+          <p:cNvPr id="10" name="Rectangle 9">
+            <a:extLst>
+              <a:ext uri="{FF2B5EF4-FFF2-40B4-BE49-F238E27FC236}">
+                <a16:creationId xmlns:a16="http://schemas.microsoft.com/office/drawing/2014/main" id="{4E4490D0-3672-446A-AC12-B4830333BDDD}"/>
+              </a:ext>
+              <a:ext uri="{C183D7F6-B498-43B3-948B-1728B52AA6E4}">
+                <adec:decorative xmlns:adec="http://schemas.microsoft.com/office/drawing/2017/decorative" val="1"/>
+              </a:ext>
+            </a:extLst>
+          </p:cNvPr>
+          <p:cNvSpPr>
+            <a:spLocks noGrp="1" noRot="1" noChangeAspect="1" noMove="1" noResize="1" noEditPoints="1" noAdjustHandles="1" noChangeArrowheads="1" noChangeShapeType="1" noTextEdit="1"/>
+          </p:cNvSpPr>
+          <p:nvPr>
+            <p:extLst>
+              <p:ext uri="{386F3935-93C4-4BCD-93E2-E3B085C9AB24}">
+                <p16:designElem xmlns:p16="http://schemas.microsoft.com/office/powerpoint/2015/main" val="1"/>
+              </p:ext>
+            </p:extLst>
+          </p:nvPr>
+        </p:nvSpPr>
+        <p:spPr>
+          <a:xfrm>
+            <a:off x="3175" y="6400800"/>
+            <a:ext cx="12188825" cy="457200"/>
+          </a:xfrm>
+          <a:prstGeom prst="rect">
+            <a:avLst/>
+          </a:prstGeom>
+          <a:solidFill>
+            <a:schemeClr val="accent2"/>
+          </a:solidFill>
+          <a:ln>
+            <a:noFill/>
+          </a:ln>
+        </p:spPr>
+        <p:style>
+          <a:lnRef idx="2">
+            <a:schemeClr val="accent1">
+              <a:shade val="50000"/>
+            </a:schemeClr>
+          </a:lnRef>
+          <a:fillRef idx="1">
+            <a:schemeClr val="accent1"/>
+          </a:fillRef>
+          <a:effectRef idx="0">
+            <a:schemeClr val="accent1"/>
+          </a:effectRef>
+          <a:fontRef idx="minor">
+            <a:schemeClr val="lt1"/>
+          </a:fontRef>
+        </p:style>
+      </p:sp>
+      <p:sp>
+        <p:nvSpPr>
+          <p:cNvPr id="12" name="Rectangle 11">
+            <a:extLst>
+              <a:ext uri="{FF2B5EF4-FFF2-40B4-BE49-F238E27FC236}">
+                <a16:creationId xmlns:a16="http://schemas.microsoft.com/office/drawing/2014/main" id="{39CB82C2-DF65-4EC1-8280-F201D50F570B}"/>
+              </a:ext>
+              <a:ext uri="{C183D7F6-B498-43B3-948B-1728B52AA6E4}">
+                <adec:decorative xmlns:adec="http://schemas.microsoft.com/office/drawing/2017/decorative" val="1"/>
+              </a:ext>
+            </a:extLst>
+          </p:cNvPr>
+          <p:cNvSpPr>
+            <a:spLocks noGrp="1" noRot="1" noChangeAspect="1" noMove="1" noResize="1" noEditPoints="1" noAdjustHandles="1" noChangeArrowheads="1" noChangeShapeType="1" noTextEdit="1"/>
+          </p:cNvSpPr>
+          <p:nvPr>
+            <p:extLst>
+              <p:ext uri="{386F3935-93C4-4BCD-93E2-E3B085C9AB24}">
+                <p16:designElem xmlns:p16="http://schemas.microsoft.com/office/powerpoint/2015/main" val="1"/>
+              </p:ext>
+            </p:extLst>
+          </p:nvPr>
+        </p:nvSpPr>
+        <p:spPr>
+          <a:xfrm>
+            <a:off x="15" y="6334316"/>
+            <a:ext cx="12188825" cy="64008"/>
+          </a:xfrm>
+          <a:prstGeom prst="rect">
+            <a:avLst/>
+          </a:prstGeom>
+          <a:solidFill>
+            <a:schemeClr val="accent1"/>
+          </a:solidFill>
+          <a:ln>
+            <a:noFill/>
+          </a:ln>
+        </p:spPr>
+        <p:style>
+          <a:lnRef idx="2">
+            <a:schemeClr val="accent1">
+              <a:shade val="50000"/>
+            </a:schemeClr>
+          </a:lnRef>
+          <a:fillRef idx="1">
+            <a:schemeClr val="accent1"/>
+          </a:fillRef>
+          <a:effectRef idx="0">
+            <a:schemeClr val="accent1"/>
+          </a:effectRef>
+          <a:fontRef idx="minor">
+            <a:schemeClr val="lt1"/>
+          </a:fontRef>
+        </p:style>
+      </p:sp>
+      <p:cxnSp>
+        <p:nvCxnSpPr>
+          <p:cNvPr id="14" name="Straight Connector 13">
+            <a:extLst>
+              <a:ext uri="{FF2B5EF4-FFF2-40B4-BE49-F238E27FC236}">
+                <a16:creationId xmlns:a16="http://schemas.microsoft.com/office/drawing/2014/main" id="{7E1D4427-852B-4B37-8E76-0E9F1810BA2A}"/>
+              </a:ext>
+              <a:ext uri="{C183D7F6-B498-43B3-948B-1728B52AA6E4}">
+                <adec:decorative xmlns:adec="http://schemas.microsoft.com/office/drawing/2017/decorative" val="1"/>
+              </a:ext>
+            </a:extLst>
+          </p:cNvPr>
+          <p:cNvCxnSpPr>
+            <a:cxnSpLocks noGrp="1" noRot="1" noChangeAspect="1" noMove="1" noResize="1" noEditPoints="1" noAdjustHandles="1" noChangeArrowheads="1" noChangeShapeType="1"/>
+          </p:cNvCxnSpPr>
+          <p:nvPr>
+            <p:extLst>
+              <p:ext uri="{386F3935-93C4-4BCD-93E2-E3B085C9AB24}">
+                <p16:designElem xmlns:p16="http://schemas.microsoft.com/office/powerpoint/2015/main" val="1"/>
+              </p:ext>
+            </p:extLst>
+          </p:nvPr>
+        </p:nvCxnSpPr>
+        <p:spPr>
+          <a:xfrm>
+            <a:off x="1207658" y="4343400"/>
+            <a:ext cx="9875520" cy="0"/>
+          </a:xfrm>
+          <a:prstGeom prst="line">
+            <a:avLst/>
+          </a:prstGeom>
+          <a:ln w="6350">
+            <a:solidFill>
+              <a:schemeClr val="tx1">
+                <a:lumMod val="50000"/>
+                <a:lumOff val="50000"/>
+              </a:schemeClr>
+            </a:solidFill>
+          </a:ln>
+        </p:spPr>
+        <p:style>
+          <a:lnRef idx="1">
+            <a:schemeClr val="accent1"/>
+          </a:lnRef>
+          <a:fillRef idx="0">
+            <a:schemeClr val="accent1"/>
+          </a:fillRef>
+          <a:effectRef idx="0">
+            <a:schemeClr val="accent1"/>
+          </a:effectRef>
+          <a:fontRef idx="minor">
+            <a:schemeClr val="tx1"/>
+          </a:fontRef>
+        </p:style>
+      </p:cxnSp>
+      <p:sp useBgFill="1">
+        <p:nvSpPr>
+          <p:cNvPr id="16" name="Rectangle 15">
+            <a:extLst>
+              <a:ext uri="{FF2B5EF4-FFF2-40B4-BE49-F238E27FC236}">
+                <a16:creationId xmlns:a16="http://schemas.microsoft.com/office/drawing/2014/main" id="{5A1B47C8-47A0-4A88-8830-6DEA3B5DE392}"/>
+              </a:ext>
+              <a:ext uri="{C183D7F6-B498-43B3-948B-1728B52AA6E4}">
+                <adec:decorative xmlns:adec="http://schemas.microsoft.com/office/drawing/2017/decorative" val="1"/>
+              </a:ext>
+            </a:extLst>
+          </p:cNvPr>
+          <p:cNvSpPr>
+            <a:spLocks noGrp="1" noRot="1" noChangeAspect="1" noMove="1" noResize="1" noEditPoints="1" noAdjustHandles="1" noChangeArrowheads="1" noChangeShapeType="1" noTextEdit="1"/>
+          </p:cNvSpPr>
+          <p:nvPr>
+            <p:extLst>
+              <p:ext uri="{386F3935-93C4-4BCD-93E2-E3B085C9AB24}">
+                <p16:designElem xmlns:p16="http://schemas.microsoft.com/office/powerpoint/2015/main" val="1"/>
+              </p:ext>
+            </p:extLst>
+          </p:nvPr>
+        </p:nvSpPr>
+        <p:spPr>
+          <a:xfrm>
+            <a:off x="0" y="0"/>
+            <a:ext cx="12192000" cy="6858000"/>
+          </a:xfrm>
+          <a:prstGeom prst="rect">
+            <a:avLst/>
+          </a:prstGeom>
+          <a:ln>
+            <a:noFill/>
+          </a:ln>
+        </p:spPr>
+        <p:style>
+          <a:lnRef idx="2">
+            <a:schemeClr val="accent1">
+              <a:shade val="50000"/>
+            </a:schemeClr>
+          </a:lnRef>
+          <a:fillRef idx="1001">
+            <a:schemeClr val="lt1"/>
+          </a:fillRef>
+          <a:effectRef idx="0">
+            <a:schemeClr val="accent1"/>
+          </a:effectRef>
+          <a:fontRef idx="minor">
+            <a:schemeClr val="lt1"/>
+          </a:fontRef>
+        </p:style>
+        <p:txBody>
+          <a:bodyPr rtlCol="0" anchor="ctr"/>
+          <a:lstStyle/>
+          <a:p>
+            <a:pPr algn="ctr"/>
+            <a:endParaRPr lang="en-US" dirty="0"/>
+          </a:p>
+        </p:txBody>
+      </p:sp>
+      <p:pic>
+        <p:nvPicPr>
+          <p:cNvPr id="5" name="Content Placeholder 4">
+            <a:extLst>
+              <a:ext uri="{FF2B5EF4-FFF2-40B4-BE49-F238E27FC236}">
+                <a16:creationId xmlns:a16="http://schemas.microsoft.com/office/drawing/2014/main" id="{9771C469-CC3F-46C4-9154-993AD58B8889}"/>
+              </a:ext>
+            </a:extLst>
+          </p:cNvPr>
+          <p:cNvPicPr>
+            <a:picLocks noGrp="1" noChangeAspect="1"/>
+          </p:cNvPicPr>
+          <p:nvPr>
+            <p:ph idx="1"/>
+          </p:nvPr>
+        </p:nvPicPr>
+        <p:blipFill>
+          <a:blip r:embed="rId2">
+            <a:extLst>
+              <a:ext uri="{28A0092B-C50C-407E-A947-70E740481C1C}">
+                <a14:useLocalDpi xmlns:a14="http://schemas.microsoft.com/office/drawing/2010/main" val="0"/>
+              </a:ext>
+            </a:extLst>
+          </a:blip>
+          <a:stretch>
+            <a:fillRect/>
+          </a:stretch>
+        </p:blipFill>
+        <p:spPr>
+          <a:xfrm>
+            <a:off x="633999" y="1075625"/>
+            <a:ext cx="6275667" cy="4706750"/>
+          </a:xfrm>
+          <a:prstGeom prst="rect">
+            <a:avLst/>
+          </a:prstGeom>
+        </p:spPr>
+      </p:pic>
+      <p:sp>
+        <p:nvSpPr>
+          <p:cNvPr id="18" name="Rectangle 17">
+            <a:extLst>
+              <a:ext uri="{FF2B5EF4-FFF2-40B4-BE49-F238E27FC236}">
+                <a16:creationId xmlns:a16="http://schemas.microsoft.com/office/drawing/2014/main" id="{984BBFDD-E720-4805-A9C8-129FBBF6DD70}"/>
+              </a:ext>
+              <a:ext uri="{C183D7F6-B498-43B3-948B-1728B52AA6E4}">
+                <adec:decorative xmlns:adec="http://schemas.microsoft.com/office/drawing/2017/decorative" val="1"/>
+              </a:ext>
+            </a:extLst>
+          </p:cNvPr>
+          <p:cNvSpPr>
+            <a:spLocks noGrp="1" noRot="1" noChangeAspect="1" noMove="1" noResize="1" noEditPoints="1" noAdjustHandles="1" noChangeArrowheads="1" noChangeShapeType="1" noTextEdit="1"/>
+          </p:cNvSpPr>
+          <p:nvPr>
+            <p:extLst>
+              <p:ext uri="{386F3935-93C4-4BCD-93E2-E3B085C9AB24}">
+                <p16:designElem xmlns:p16="http://schemas.microsoft.com/office/powerpoint/2015/main" val="1"/>
+              </p:ext>
+            </p:extLst>
+          </p:nvPr>
+        </p:nvSpPr>
+        <p:spPr bwMode="white">
+          <a:xfrm>
+            <a:off x="7613486" y="0"/>
+            <a:ext cx="4584734" cy="6858000"/>
+          </a:xfrm>
+          <a:prstGeom prst="rect">
+            <a:avLst/>
+          </a:prstGeom>
+          <a:solidFill>
+            <a:schemeClr val="accent2"/>
+          </a:solidFill>
+          <a:ln>
+            <a:noFill/>
+          </a:ln>
+        </p:spPr>
+        <p:style>
+          <a:lnRef idx="2">
+            <a:schemeClr val="accent1">
+              <a:shade val="50000"/>
+            </a:schemeClr>
+          </a:lnRef>
+          <a:fillRef idx="1">
+            <a:schemeClr val="accent1"/>
+          </a:fillRef>
+          <a:effectRef idx="0">
+            <a:schemeClr val="accent1"/>
+          </a:effectRef>
+          <a:fontRef idx="minor">
+            <a:schemeClr val="lt1"/>
+          </a:fontRef>
+        </p:style>
+      </p:sp>
+      <p:sp>
+        <p:nvSpPr>
+          <p:cNvPr id="2" name="Title 1">
+            <a:extLst>
+              <a:ext uri="{FF2B5EF4-FFF2-40B4-BE49-F238E27FC236}">
+                <a16:creationId xmlns:a16="http://schemas.microsoft.com/office/drawing/2014/main" id="{09AE7E40-FDFA-4D38-A02B-B969CB6ADF17}"/>
+              </a:ext>
+            </a:extLst>
+          </p:cNvPr>
+          <p:cNvSpPr>
+            <a:spLocks noGrp="1"/>
+          </p:cNvSpPr>
+          <p:nvPr>
+            <p:ph type="title"/>
+          </p:nvPr>
+        </p:nvSpPr>
+        <p:spPr>
+          <a:xfrm>
+            <a:off x="8096885" y="640080"/>
+            <a:ext cx="3659246" cy="2926080"/>
+          </a:xfrm>
+        </p:spPr>
+        <p:txBody>
+          <a:bodyPr vert="horz" lIns="91440" tIns="45720" rIns="91440" bIns="45720" rtlCol="0" anchor="b">
+            <a:normAutofit/>
+          </a:bodyPr>
+          <a:lstStyle/>
+          <a:p>
+            <a:r>
+              <a:rPr lang="en-US" sz="4400" b="1" dirty="0">
+                <a:solidFill>
+                  <a:srgbClr val="FFFFFF"/>
+                </a:solidFill>
+              </a:rPr>
+              <a:t>Randomized Quicksort Algorithm</a:t>
+            </a:r>
+          </a:p>
+        </p:txBody>
+      </p:sp>
+      <p:sp>
+        <p:nvSpPr>
+          <p:cNvPr id="20" name="Rectangle 19">
+            <a:extLst>
+              <a:ext uri="{FF2B5EF4-FFF2-40B4-BE49-F238E27FC236}">
+                <a16:creationId xmlns:a16="http://schemas.microsoft.com/office/drawing/2014/main" id="{5AC4BE46-4A77-42FE-9D15-065CDB2F847C}"/>
+              </a:ext>
+              <a:ext uri="{C183D7F6-B498-43B3-948B-1728B52AA6E4}">
+                <adec:decorative xmlns:adec="http://schemas.microsoft.com/office/drawing/2017/decorative" val="1"/>
+              </a:ext>
+            </a:extLst>
+          </p:cNvPr>
+          <p:cNvSpPr>
+            <a:spLocks noGrp="1" noRot="1" noChangeAspect="1" noMove="1" noResize="1" noEditPoints="1" noAdjustHandles="1" noChangeArrowheads="1" noChangeShapeType="1" noTextEdit="1"/>
+          </p:cNvSpPr>
+          <p:nvPr>
+            <p:extLst>
+              <p:ext uri="{386F3935-93C4-4BCD-93E2-E3B085C9AB24}">
+                <p16:designElem xmlns:p16="http://schemas.microsoft.com/office/powerpoint/2015/main" val="1"/>
+              </p:ext>
+            </p:extLst>
+          </p:nvPr>
+        </p:nvSpPr>
+        <p:spPr>
+          <a:xfrm>
+            <a:off x="7556906" y="0"/>
+            <a:ext cx="64008" cy="6858000"/>
+          </a:xfrm>
+          <a:prstGeom prst="rect">
+            <a:avLst/>
+          </a:prstGeom>
+          <a:solidFill>
+            <a:schemeClr val="accent1"/>
+          </a:solidFill>
+          <a:ln>
+            <a:noFill/>
+          </a:ln>
+        </p:spPr>
+        <p:style>
+          <a:lnRef idx="2">
+            <a:schemeClr val="accent1">
+              <a:shade val="50000"/>
+            </a:schemeClr>
+          </a:lnRef>
+          <a:fillRef idx="1">
+            <a:schemeClr val="accent1"/>
+          </a:fillRef>
+          <a:effectRef idx="0">
+            <a:schemeClr val="accent1"/>
+          </a:effectRef>
+          <a:fontRef idx="minor">
+            <a:schemeClr val="lt1"/>
+          </a:fontRef>
+        </p:style>
+      </p:sp>
+    </p:spTree>
+    <p:extLst>
+      <p:ext uri="{BB962C8B-B14F-4D97-AF65-F5344CB8AC3E}">
+        <p14:creationId xmlns:p14="http://schemas.microsoft.com/office/powerpoint/2010/main" val="1348764931"/>
+      </p:ext>
+    </p:extLst>
+  </p:cSld>
+  <p:clrMapOvr>
+    <a:masterClrMapping/>
+  </p:clrMapOvr>
+</p:sld>
+</file>
+
+<file path=ppt/slides/slide22.xml><?xml version="1.0" encoding="utf-8"?>
 <p:sld xmlns:a="http://schemas.openxmlformats.org/drawingml/2006/main" xmlns:r="http://schemas.openxmlformats.org/officeDocument/2006/relationships" xmlns:p="http://schemas.openxmlformats.org/presentationml/2006/main">
   <p:cSld>
     <p:bg>
@@ -22445,7 +23559,7 @@
 </p:sld>
 </file>
 
-<file path=ppt/slides/slide21.xml><?xml version="1.0" encoding="utf-8"?>
+<file path=ppt/slides/slide23.xml><?xml version="1.0" encoding="utf-8"?>
 <p:sld xmlns:a="http://schemas.openxmlformats.org/drawingml/2006/main" xmlns:r="http://schemas.openxmlformats.org/officeDocument/2006/relationships" xmlns:p="http://schemas.openxmlformats.org/presentationml/2006/main">
   <p:cSld>
     <p:bg>
@@ -22860,7 +23974,7 @@
 </p:sld>
 </file>
 
-<file path=ppt/slides/slide22.xml><?xml version="1.0" encoding="utf-8"?>
+<file path=ppt/slides/slide24.xml><?xml version="1.0" encoding="utf-8"?>
 <p:sld xmlns:a="http://schemas.openxmlformats.org/drawingml/2006/main" xmlns:r="http://schemas.openxmlformats.org/officeDocument/2006/relationships" xmlns:p="http://schemas.openxmlformats.org/presentationml/2006/main">
   <p:cSld>
     <p:bg>
@@ -23497,7 +24611,7 @@
 </p:sld>
 </file>
 
-<file path=ppt/slides/slide23.xml><?xml version="1.0" encoding="utf-8"?>
+<file path=ppt/slides/slide25.xml><?xml version="1.0" encoding="utf-8"?>
 <p:sld xmlns:a="http://schemas.openxmlformats.org/drawingml/2006/main" xmlns:r="http://schemas.openxmlformats.org/officeDocument/2006/relationships" xmlns:p="http://schemas.openxmlformats.org/presentationml/2006/main">
   <p:cSld>
     <p:bg>
@@ -23968,7 +25082,7 @@
 </p:sld>
 </file>
 
-<file path=ppt/slides/slide24.xml><?xml version="1.0" encoding="utf-8"?>
+<file path=ppt/slides/slide26.xml><?xml version="1.0" encoding="utf-8"?>
 <p:sld xmlns:a="http://schemas.openxmlformats.org/drawingml/2006/main" xmlns:r="http://schemas.openxmlformats.org/officeDocument/2006/relationships" xmlns:p="http://schemas.openxmlformats.org/presentationml/2006/main">
   <p:cSld>
     <p:bg>
@@ -24432,7 +25546,7 @@
 </p:sld>
 </file>
 
-<file path=ppt/slides/slide25.xml><?xml version="1.0" encoding="utf-8"?>
+<file path=ppt/slides/slide27.xml><?xml version="1.0" encoding="utf-8"?>
 <p:sld xmlns:a="http://schemas.openxmlformats.org/drawingml/2006/main" xmlns:r="http://schemas.openxmlformats.org/officeDocument/2006/relationships" xmlns:p="http://schemas.openxmlformats.org/presentationml/2006/main">
   <p:cSld>
     <p:bg>
@@ -24844,7 +25958,7 @@
 </p:sld>
 </file>
 
-<file path=ppt/slides/slide26.xml><?xml version="1.0" encoding="utf-8"?>
+<file path=ppt/slides/slide28.xml><?xml version="1.0" encoding="utf-8"?>
 <p:sld xmlns:a="http://schemas.openxmlformats.org/drawingml/2006/main" xmlns:r="http://schemas.openxmlformats.org/officeDocument/2006/relationships" xmlns:p="http://schemas.openxmlformats.org/presentationml/2006/main">
   <p:cSld>
     <p:bg>
@@ -25222,7 +26336,7 @@
 </p:sld>
 </file>
 
-<file path=ppt/slides/slide27.xml><?xml version="1.0" encoding="utf-8"?>
+<file path=ppt/slides/slide29.xml><?xml version="1.0" encoding="utf-8"?>
 <p:sld xmlns:a="http://schemas.openxmlformats.org/drawingml/2006/main" xmlns:r="http://schemas.openxmlformats.org/officeDocument/2006/relationships" xmlns:p="http://schemas.openxmlformats.org/presentationml/2006/main">
   <p:cSld>
     <p:bg>
@@ -25603,7 +26717,471 @@
 </p:sld>
 </file>
 
-<file path=ppt/slides/slide28.xml><?xml version="1.0" encoding="utf-8"?>
+<file path=ppt/slides/slide3.xml><?xml version="1.0" encoding="utf-8"?>
+<p:sld xmlns:a="http://schemas.openxmlformats.org/drawingml/2006/main" xmlns:r="http://schemas.openxmlformats.org/officeDocument/2006/relationships" xmlns:p="http://schemas.openxmlformats.org/presentationml/2006/main">
+  <p:cSld>
+    <p:bg>
+      <p:bgPr>
+        <a:solidFill>
+          <a:schemeClr val="bg1"/>
+        </a:solidFill>
+        <a:effectLst/>
+      </p:bgPr>
+    </p:bg>
+    <p:spTree>
+      <p:nvGrpSpPr>
+        <p:cNvPr id="1" name=""/>
+        <p:cNvGrpSpPr/>
+        <p:nvPr/>
+      </p:nvGrpSpPr>
+      <p:grpSpPr>
+        <a:xfrm>
+          <a:off x="0" y="0"/>
+          <a:ext cx="0" cy="0"/>
+          <a:chOff x="0" y="0"/>
+          <a:chExt cx="0" cy="0"/>
+        </a:xfrm>
+      </p:grpSpPr>
+      <p:pic>
+        <p:nvPicPr>
+          <p:cNvPr id="5" name="Picture 4" descr="Many question marks on black background">
+            <a:extLst>
+              <a:ext uri="{FF2B5EF4-FFF2-40B4-BE49-F238E27FC236}">
+                <a16:creationId xmlns:a16="http://schemas.microsoft.com/office/drawing/2014/main" id="{ADB0B3D9-43BA-44C0-B7D2-B552C20F9567}"/>
+              </a:ext>
+            </a:extLst>
+          </p:cNvPr>
+          <p:cNvPicPr>
+            <a:picLocks noChangeAspect="1"/>
+          </p:cNvPicPr>
+          <p:nvPr/>
+        </p:nvPicPr>
+        <p:blipFill rotWithShape="1">
+          <a:blip r:embed="rId2">
+            <a:duotone>
+              <a:schemeClr val="bg2">
+                <a:shade val="45000"/>
+                <a:satMod val="135000"/>
+              </a:schemeClr>
+              <a:prstClr val="white"/>
+            </a:duotone>
+            <a:alphaModFix amt="35000"/>
+          </a:blip>
+          <a:srcRect t="7787"/>
+          <a:stretch/>
+        </p:blipFill>
+        <p:spPr>
+          <a:xfrm>
+            <a:off x="20" y="10"/>
+            <a:ext cx="12191980" cy="6857990"/>
+          </a:xfrm>
+          <a:prstGeom prst="rect">
+            <a:avLst/>
+          </a:prstGeom>
+        </p:spPr>
+      </p:pic>
+      <p:sp>
+        <p:nvSpPr>
+          <p:cNvPr id="2" name="Title 1">
+            <a:extLst>
+              <a:ext uri="{FF2B5EF4-FFF2-40B4-BE49-F238E27FC236}">
+                <a16:creationId xmlns:a16="http://schemas.microsoft.com/office/drawing/2014/main" id="{4A52C5C3-42CA-4234-833A-76AB208648C9}"/>
+              </a:ext>
+            </a:extLst>
+          </p:cNvPr>
+          <p:cNvSpPr>
+            <a:spLocks noGrp="1"/>
+          </p:cNvSpPr>
+          <p:nvPr>
+            <p:ph type="ctrTitle"/>
+          </p:nvPr>
+        </p:nvSpPr>
+        <p:spPr>
+          <a:xfrm>
+            <a:off x="1097280" y="758952"/>
+            <a:ext cx="10058400" cy="3566160"/>
+          </a:xfrm>
+        </p:spPr>
+        <p:txBody>
+          <a:bodyPr>
+            <a:normAutofit/>
+          </a:bodyPr>
+          <a:lstStyle/>
+          <a:p>
+            <a:r>
+              <a:rPr lang="en-IN" dirty="0"/>
+              <a:t>Question 1A</a:t>
+            </a:r>
+          </a:p>
+        </p:txBody>
+      </p:sp>
+      <p:sp>
+        <p:nvSpPr>
+          <p:cNvPr id="3" name="Subtitle 2">
+            <a:extLst>
+              <a:ext uri="{FF2B5EF4-FFF2-40B4-BE49-F238E27FC236}">
+                <a16:creationId xmlns:a16="http://schemas.microsoft.com/office/drawing/2014/main" id="{418B9C51-389E-47E6-B0A9-41747AF0C1BE}"/>
+              </a:ext>
+            </a:extLst>
+          </p:cNvPr>
+          <p:cNvSpPr>
+            <a:spLocks noGrp="1"/>
+          </p:cNvSpPr>
+          <p:nvPr>
+            <p:ph type="subTitle" idx="1"/>
+          </p:nvPr>
+        </p:nvSpPr>
+        <p:spPr>
+          <a:xfrm>
+            <a:off x="1100051" y="4455620"/>
+            <a:ext cx="10058400" cy="1143000"/>
+          </a:xfrm>
+        </p:spPr>
+        <p:txBody>
+          <a:bodyPr>
+            <a:normAutofit/>
+          </a:bodyPr>
+          <a:lstStyle/>
+          <a:p>
+            <a:r>
+              <a:rPr lang="en-US" b="1" dirty="0">
+                <a:solidFill>
+                  <a:schemeClr val="tx1">
+                    <a:lumMod val="85000"/>
+                    <a:lumOff val="15000"/>
+                  </a:schemeClr>
+                </a:solidFill>
+              </a:rPr>
+              <a:t>Construct large data sets taking random numbers from uniform distribution (UD)…</a:t>
+            </a:r>
+            <a:endParaRPr lang="en-IN" b="1" dirty="0">
+              <a:solidFill>
+                <a:schemeClr val="tx1">
+                  <a:lumMod val="85000"/>
+                  <a:lumOff val="15000"/>
+                </a:schemeClr>
+              </a:solidFill>
+            </a:endParaRPr>
+          </a:p>
+        </p:txBody>
+      </p:sp>
+      <p:cxnSp>
+        <p:nvCxnSpPr>
+          <p:cNvPr id="27" name="Straight Connector 26">
+            <a:extLst>
+              <a:ext uri="{FF2B5EF4-FFF2-40B4-BE49-F238E27FC236}">
+                <a16:creationId xmlns:a16="http://schemas.microsoft.com/office/drawing/2014/main" id="{77AB95BF-57D0-4E49-9EF2-408B47C8D40D}"/>
+              </a:ext>
+              <a:ext uri="{C183D7F6-B498-43B3-948B-1728B52AA6E4}">
+                <adec:decorative xmlns:adec="http://schemas.microsoft.com/office/drawing/2017/decorative" val="1"/>
+              </a:ext>
+            </a:extLst>
+          </p:cNvPr>
+          <p:cNvCxnSpPr>
+            <a:cxnSpLocks noGrp="1" noRot="1" noChangeAspect="1" noMove="1" noResize="1" noEditPoints="1" noAdjustHandles="1" noChangeArrowheads="1" noChangeShapeType="1"/>
+          </p:cNvCxnSpPr>
+          <p:nvPr>
+            <p:extLst>
+              <p:ext uri="{386F3935-93C4-4BCD-93E2-E3B085C9AB24}">
+                <p16:designElem xmlns:p16="http://schemas.microsoft.com/office/powerpoint/2015/main" val="1"/>
+              </p:ext>
+            </p:extLst>
+          </p:nvPr>
+        </p:nvCxnSpPr>
+        <p:spPr>
+          <a:xfrm>
+            <a:off x="1207658" y="4343400"/>
+            <a:ext cx="9875520" cy="0"/>
+          </a:xfrm>
+          <a:prstGeom prst="line">
+            <a:avLst/>
+          </a:prstGeom>
+          <a:ln w="6350">
+            <a:solidFill>
+              <a:schemeClr val="tx2">
+                <a:alpha val="90000"/>
+              </a:schemeClr>
+            </a:solidFill>
+          </a:ln>
+        </p:spPr>
+        <p:style>
+          <a:lnRef idx="1">
+            <a:schemeClr val="accent1"/>
+          </a:lnRef>
+          <a:fillRef idx="0">
+            <a:schemeClr val="accent1"/>
+          </a:fillRef>
+          <a:effectRef idx="0">
+            <a:schemeClr val="accent1"/>
+          </a:effectRef>
+          <a:fontRef idx="minor">
+            <a:schemeClr val="tx1"/>
+          </a:fontRef>
+        </p:style>
+      </p:cxnSp>
+      <p:sp>
+        <p:nvSpPr>
+          <p:cNvPr id="29" name="Rectangle 28">
+            <a:extLst>
+              <a:ext uri="{FF2B5EF4-FFF2-40B4-BE49-F238E27FC236}">
+                <a16:creationId xmlns:a16="http://schemas.microsoft.com/office/drawing/2014/main" id="{1C520CBD-F82E-44E4-BDA5-128716AD79C8}"/>
+              </a:ext>
+              <a:ext uri="{C183D7F6-B498-43B3-948B-1728B52AA6E4}">
+                <adec:decorative xmlns:adec="http://schemas.microsoft.com/office/drawing/2017/decorative" val="1"/>
+              </a:ext>
+            </a:extLst>
+          </p:cNvPr>
+          <p:cNvSpPr>
+            <a:spLocks noGrp="1" noRot="1" noChangeAspect="1" noMove="1" noResize="1" noEditPoints="1" noAdjustHandles="1" noChangeArrowheads="1" noChangeShapeType="1" noTextEdit="1"/>
+          </p:cNvSpPr>
+          <p:nvPr>
+            <p:extLst>
+              <p:ext uri="{386F3935-93C4-4BCD-93E2-E3B085C9AB24}">
+                <p16:designElem xmlns:p16="http://schemas.microsoft.com/office/powerpoint/2015/main" val="1"/>
+              </p:ext>
+            </p:extLst>
+          </p:nvPr>
+        </p:nvSpPr>
+        <p:spPr>
+          <a:xfrm>
+            <a:off x="15" y="6334316"/>
+            <a:ext cx="12191985" cy="66484"/>
+          </a:xfrm>
+          <a:prstGeom prst="rect">
+            <a:avLst/>
+          </a:prstGeom>
+          <a:solidFill>
+            <a:schemeClr val="accent1"/>
+          </a:solidFill>
+          <a:ln>
+            <a:noFill/>
+          </a:ln>
+        </p:spPr>
+        <p:style>
+          <a:lnRef idx="2">
+            <a:schemeClr val="accent1">
+              <a:shade val="50000"/>
+            </a:schemeClr>
+          </a:lnRef>
+          <a:fillRef idx="1">
+            <a:schemeClr val="accent1"/>
+          </a:fillRef>
+          <a:effectRef idx="0">
+            <a:schemeClr val="accent1"/>
+          </a:effectRef>
+          <a:fontRef idx="minor">
+            <a:schemeClr val="lt1"/>
+          </a:fontRef>
+        </p:style>
+      </p:sp>
+      <p:sp>
+        <p:nvSpPr>
+          <p:cNvPr id="31" name="Rectangle 30">
+            <a:extLst>
+              <a:ext uri="{FF2B5EF4-FFF2-40B4-BE49-F238E27FC236}">
+                <a16:creationId xmlns:a16="http://schemas.microsoft.com/office/drawing/2014/main" id="{4618AE32-A526-42FC-A854-732740BD38DA}"/>
+              </a:ext>
+              <a:ext uri="{C183D7F6-B498-43B3-948B-1728B52AA6E4}">
+                <adec:decorative xmlns:adec="http://schemas.microsoft.com/office/drawing/2017/decorative" val="1"/>
+              </a:ext>
+            </a:extLst>
+          </p:cNvPr>
+          <p:cNvSpPr>
+            <a:spLocks noGrp="1" noRot="1" noChangeAspect="1" noMove="1" noResize="1" noEditPoints="1" noAdjustHandles="1" noChangeArrowheads="1" noChangeShapeType="1" noTextEdit="1"/>
+          </p:cNvSpPr>
+          <p:nvPr>
+            <p:extLst>
+              <p:ext uri="{386F3935-93C4-4BCD-93E2-E3B085C9AB24}">
+                <p16:designElem xmlns:p16="http://schemas.microsoft.com/office/powerpoint/2015/main" val="1"/>
+              </p:ext>
+            </p:extLst>
+          </p:nvPr>
+        </p:nvSpPr>
+        <p:spPr>
+          <a:xfrm>
+            <a:off x="1" y="6400800"/>
+            <a:ext cx="12192000" cy="457200"/>
+          </a:xfrm>
+          <a:prstGeom prst="rect">
+            <a:avLst/>
+          </a:prstGeom>
+          <a:solidFill>
+            <a:schemeClr val="accent2"/>
+          </a:solidFill>
+          <a:ln>
+            <a:noFill/>
+          </a:ln>
+        </p:spPr>
+        <p:style>
+          <a:lnRef idx="2">
+            <a:schemeClr val="accent1">
+              <a:shade val="50000"/>
+            </a:schemeClr>
+          </a:lnRef>
+          <a:fillRef idx="1">
+            <a:schemeClr val="accent1"/>
+          </a:fillRef>
+          <a:effectRef idx="0">
+            <a:schemeClr val="accent1"/>
+          </a:effectRef>
+          <a:fontRef idx="minor">
+            <a:schemeClr val="lt1"/>
+          </a:fontRef>
+        </p:style>
+      </p:sp>
+    </p:spTree>
+    <p:extLst>
+      <p:ext uri="{BB962C8B-B14F-4D97-AF65-F5344CB8AC3E}">
+        <p14:creationId xmlns:p14="http://schemas.microsoft.com/office/powerpoint/2010/main" val="961655752"/>
+      </p:ext>
+    </p:extLst>
+  </p:cSld>
+  <p:clrMapOvr>
+    <a:masterClrMapping/>
+  </p:clrMapOvr>
+  <p:timing>
+    <p:tnLst>
+      <p:par>
+        <p:cTn id="1" dur="indefinite" restart="never" nodeType="tmRoot">
+          <p:childTnLst>
+            <p:seq concurrent="1" nextAc="seek">
+              <p:cTn id="2" dur="indefinite" nodeType="mainSeq">
+                <p:childTnLst>
+                  <p:par>
+                    <p:cTn id="3" fill="hold">
+                      <p:stCondLst>
+                        <p:cond delay="indefinite"/>
+                        <p:cond evt="onBegin" delay="0">
+                          <p:tn val="2"/>
+                        </p:cond>
+                      </p:stCondLst>
+                      <p:childTnLst>
+                        <p:par>
+                          <p:cTn id="4" fill="hold">
+                            <p:stCondLst>
+                              <p:cond delay="0"/>
+                            </p:stCondLst>
+                            <p:childTnLst>
+                              <p:par>
+                                <p:cTn id="5" presetID="10" presetClass="entr" presetSubtype="0" fill="hold" grpId="0" nodeType="withEffect">
+                                  <p:stCondLst>
+                                    <p:cond delay="1500"/>
+                                  </p:stCondLst>
+                                  <p:iterate>
+                                    <p:tmPct val="10000"/>
+                                  </p:iterate>
+                                  <p:childTnLst>
+                                    <p:set>
+                                      <p:cBhvr>
+                                        <p:cTn id="6" dur="1" fill="hold">
+                                          <p:stCondLst>
+                                            <p:cond delay="0"/>
+                                          </p:stCondLst>
+                                        </p:cTn>
+                                        <p:tgtEl>
+                                          <p:spTgt spid="3">
+                                            <p:txEl>
+                                              <p:pRg st="0" end="0"/>
+                                            </p:txEl>
+                                          </p:spTgt>
+                                        </p:tgtEl>
+                                        <p:attrNameLst>
+                                          <p:attrName>style.visibility</p:attrName>
+                                        </p:attrNameLst>
+                                      </p:cBhvr>
+                                      <p:to>
+                                        <p:strVal val="visible"/>
+                                      </p:to>
+                                    </p:set>
+                                    <p:animEffect transition="in" filter="fade">
+                                      <p:cBhvr>
+                                        <p:cTn id="7" dur="700"/>
+                                        <p:tgtEl>
+                                          <p:spTgt spid="3">
+                                            <p:txEl>
+                                              <p:pRg st="0" end="0"/>
+                                            </p:txEl>
+                                          </p:spTgt>
+                                        </p:tgtEl>
+                                      </p:cBhvr>
+                                    </p:animEffect>
+                                  </p:childTnLst>
+                                </p:cTn>
+                              </p:par>
+                              <p:par>
+                                <p:cTn id="8" presetID="10" presetClass="entr" presetSubtype="0" fill="hold" grpId="0" nodeType="withEffect">
+                                  <p:stCondLst>
+                                    <p:cond delay="1000"/>
+                                  </p:stCondLst>
+                                  <p:iterate>
+                                    <p:tmPct val="10000"/>
+                                  </p:iterate>
+                                  <p:childTnLst>
+                                    <p:set>
+                                      <p:cBhvr>
+                                        <p:cTn id="9" dur="1" fill="hold">
+                                          <p:stCondLst>
+                                            <p:cond delay="0"/>
+                                          </p:stCondLst>
+                                        </p:cTn>
+                                        <p:tgtEl>
+                                          <p:spTgt spid="2"/>
+                                        </p:tgtEl>
+                                        <p:attrNameLst>
+                                          <p:attrName>style.visibility</p:attrName>
+                                        </p:attrNameLst>
+                                      </p:cBhvr>
+                                      <p:to>
+                                        <p:strVal val="visible"/>
+                                      </p:to>
+                                    </p:set>
+                                    <p:animEffect transition="in" filter="fade">
+                                      <p:cBhvr>
+                                        <p:cTn id="10" dur="700"/>
+                                        <p:tgtEl>
+                                          <p:spTgt spid="2"/>
+                                        </p:tgtEl>
+                                      </p:cBhvr>
+                                    </p:animEffect>
+                                  </p:childTnLst>
+                                </p:cTn>
+                              </p:par>
+                            </p:childTnLst>
+                          </p:cTn>
+                        </p:par>
+                      </p:childTnLst>
+                    </p:cTn>
+                  </p:par>
+                </p:childTnLst>
+              </p:cTn>
+              <p:prevCondLst>
+                <p:cond evt="onPrev" delay="0">
+                  <p:tgtEl>
+                    <p:sldTgt/>
+                  </p:tgtEl>
+                </p:cond>
+              </p:prevCondLst>
+              <p:nextCondLst>
+                <p:cond evt="onNext" delay="0">
+                  <p:tgtEl>
+                    <p:sldTgt/>
+                  </p:tgtEl>
+                </p:cond>
+              </p:nextCondLst>
+            </p:seq>
+          </p:childTnLst>
+        </p:cTn>
+      </p:par>
+    </p:tnLst>
+    <p:bldLst>
+      <p:bldP spid="2" grpId="0"/>
+      <p:bldP spid="3" grpId="0" build="p"/>
+    </p:bldLst>
+  </p:timing>
+</p:sld>
+</file>
+
+<file path=ppt/slides/slide30.xml><?xml version="1.0" encoding="utf-8"?>
 <p:sld xmlns:a="http://schemas.openxmlformats.org/drawingml/2006/main" xmlns:r="http://schemas.openxmlformats.org/officeDocument/2006/relationships" xmlns:p="http://schemas.openxmlformats.org/presentationml/2006/main">
   <p:cSld>
     <p:bg>
@@ -26067,7 +27645,7 @@
 </p:sld>
 </file>
 
-<file path=ppt/slides/slide29.xml><?xml version="1.0" encoding="utf-8"?>
+<file path=ppt/slides/slide31.xml><?xml version="1.0" encoding="utf-8"?>
 <p:sld xmlns:a="http://schemas.openxmlformats.org/drawingml/2006/main" xmlns:r="http://schemas.openxmlformats.org/officeDocument/2006/relationships" xmlns:p="http://schemas.openxmlformats.org/presentationml/2006/main">
   <p:cSld>
     <p:bg>
@@ -26449,379 +28027,7 @@
 </p:sld>
 </file>
 
-<file path=ppt/slides/slide3.xml><?xml version="1.0" encoding="utf-8"?>
-<p:sld xmlns:a="http://schemas.openxmlformats.org/drawingml/2006/main" xmlns:r="http://schemas.openxmlformats.org/officeDocument/2006/relationships" xmlns:p="http://schemas.openxmlformats.org/presentationml/2006/main">
-  <p:cSld>
-    <p:bg>
-      <p:bgPr>
-        <a:solidFill>
-          <a:schemeClr val="bg1"/>
-        </a:solidFill>
-        <a:effectLst/>
-      </p:bgPr>
-    </p:bg>
-    <p:spTree>
-      <p:nvGrpSpPr>
-        <p:cNvPr id="1" name=""/>
-        <p:cNvGrpSpPr/>
-        <p:nvPr/>
-      </p:nvGrpSpPr>
-      <p:grpSpPr>
-        <a:xfrm>
-          <a:off x="0" y="0"/>
-          <a:ext cx="0" cy="0"/>
-          <a:chOff x="0" y="0"/>
-          <a:chExt cx="0" cy="0"/>
-        </a:xfrm>
-      </p:grpSpPr>
-      <p:sp useBgFill="1">
-        <p:nvSpPr>
-          <p:cNvPr id="76" name="Rectangle 75">
-            <a:extLst>
-              <a:ext uri="{FF2B5EF4-FFF2-40B4-BE49-F238E27FC236}">
-                <a16:creationId xmlns:a16="http://schemas.microsoft.com/office/drawing/2014/main" id="{284B70D5-875B-433D-BDBD-1522A85D6C1D}"/>
-              </a:ext>
-              <a:ext uri="{C183D7F6-B498-43B3-948B-1728B52AA6E4}">
-                <adec:decorative xmlns:adec="http://schemas.microsoft.com/office/drawing/2017/decorative" val="1"/>
-              </a:ext>
-            </a:extLst>
-          </p:cNvPr>
-          <p:cNvSpPr>
-            <a:spLocks noGrp="1" noRot="1" noChangeAspect="1" noMove="1" noResize="1" noEditPoints="1" noAdjustHandles="1" noChangeArrowheads="1" noChangeShapeType="1" noTextEdit="1"/>
-          </p:cNvSpPr>
-          <p:nvPr>
-            <p:extLst>
-              <p:ext uri="{386F3935-93C4-4BCD-93E2-E3B085C9AB24}">
-                <p16:designElem xmlns:p16="http://schemas.microsoft.com/office/powerpoint/2015/main" val="1"/>
-              </p:ext>
-            </p:extLst>
-          </p:nvPr>
-        </p:nvSpPr>
-        <p:spPr>
-          <a:xfrm>
-            <a:off x="0" y="0"/>
-            <a:ext cx="12192001" cy="6334316"/>
-          </a:xfrm>
-          <a:prstGeom prst="rect">
-            <a:avLst/>
-          </a:prstGeom>
-          <a:ln>
-            <a:noFill/>
-          </a:ln>
-        </p:spPr>
-        <p:style>
-          <a:lnRef idx="2">
-            <a:schemeClr val="accent1">
-              <a:shade val="50000"/>
-            </a:schemeClr>
-          </a:lnRef>
-          <a:fillRef idx="1">
-            <a:schemeClr val="accent1"/>
-          </a:fillRef>
-          <a:effectRef idx="0">
-            <a:schemeClr val="accent1"/>
-          </a:effectRef>
-          <a:fontRef idx="minor">
-            <a:schemeClr val="lt1"/>
-          </a:fontRef>
-        </p:style>
-        <p:txBody>
-          <a:bodyPr rtlCol="0" anchor="ctr"/>
-          <a:lstStyle/>
-          <a:p>
-            <a:pPr algn="ctr"/>
-            <a:endParaRPr lang="en-US" dirty="0"/>
-          </a:p>
-        </p:txBody>
-      </p:sp>
-      <p:sp>
-        <p:nvSpPr>
-          <p:cNvPr id="2" name="Title 1">
-            <a:extLst>
-              <a:ext uri="{FF2B5EF4-FFF2-40B4-BE49-F238E27FC236}">
-                <a16:creationId xmlns:a16="http://schemas.microsoft.com/office/drawing/2014/main" id="{A2E81D72-EC99-4091-AA2C-660CCFAC39B6}"/>
-              </a:ext>
-            </a:extLst>
-          </p:cNvPr>
-          <p:cNvSpPr>
-            <a:spLocks noGrp="1"/>
-          </p:cNvSpPr>
-          <p:nvPr>
-            <p:ph type="title"/>
-          </p:nvPr>
-        </p:nvSpPr>
-        <p:spPr>
-          <a:xfrm>
-            <a:off x="7859485" y="634946"/>
-            <a:ext cx="3690257" cy="1450757"/>
-          </a:xfrm>
-        </p:spPr>
-        <p:txBody>
-          <a:bodyPr>
-            <a:normAutofit/>
-          </a:bodyPr>
-          <a:lstStyle/>
-          <a:p>
-            <a:r>
-              <a:rPr lang="en-IN" b="1" dirty="0"/>
-              <a:t>Observation</a:t>
-            </a:r>
-          </a:p>
-        </p:txBody>
-      </p:sp>
-      <p:pic>
-        <p:nvPicPr>
-          <p:cNvPr id="5" name="Content Placeholder 4">
-            <a:extLst>
-              <a:ext uri="{FF2B5EF4-FFF2-40B4-BE49-F238E27FC236}">
-                <a16:creationId xmlns:a16="http://schemas.microsoft.com/office/drawing/2014/main" id="{99059347-F5D1-41F7-B30A-23EE2BA4D650}"/>
-              </a:ext>
-            </a:extLst>
-          </p:cNvPr>
-          <p:cNvPicPr>
-            <a:picLocks noChangeAspect="1"/>
-          </p:cNvPicPr>
-          <p:nvPr/>
-        </p:nvPicPr>
-        <p:blipFill>
-          <a:blip r:embed="rId2">
-            <a:extLst>
-              <a:ext uri="{28A0092B-C50C-407E-A947-70E740481C1C}">
-                <a14:useLocalDpi xmlns:a14="http://schemas.microsoft.com/office/drawing/2010/main" val="0"/>
-              </a:ext>
-            </a:extLst>
-          </a:blip>
-          <a:stretch/>
-        </p:blipFill>
-        <p:spPr>
-          <a:xfrm>
-            <a:off x="633999" y="706109"/>
-            <a:ext cx="6909801" cy="5182350"/>
-          </a:xfrm>
-          <a:prstGeom prst="rect">
-            <a:avLst/>
-          </a:prstGeom>
-        </p:spPr>
-      </p:pic>
-      <p:cxnSp>
-        <p:nvCxnSpPr>
-          <p:cNvPr id="78" name="Straight Connector 77">
-            <a:extLst>
-              <a:ext uri="{FF2B5EF4-FFF2-40B4-BE49-F238E27FC236}">
-                <a16:creationId xmlns:a16="http://schemas.microsoft.com/office/drawing/2014/main" id="{C947DF4A-614C-4B4C-8B80-E5B9D8E8CFED}"/>
-              </a:ext>
-              <a:ext uri="{C183D7F6-B498-43B3-948B-1728B52AA6E4}">
-                <adec:decorative xmlns:adec="http://schemas.microsoft.com/office/drawing/2017/decorative" val="1"/>
-              </a:ext>
-            </a:extLst>
-          </p:cNvPr>
-          <p:cNvCxnSpPr>
-            <a:cxnSpLocks noGrp="1" noRot="1" noChangeAspect="1" noMove="1" noResize="1" noEditPoints="1" noAdjustHandles="1" noChangeArrowheads="1" noChangeShapeType="1"/>
-          </p:cNvCxnSpPr>
-          <p:nvPr>
-            <p:extLst>
-              <p:ext uri="{386F3935-93C4-4BCD-93E2-E3B085C9AB24}">
-                <p16:designElem xmlns:p16="http://schemas.microsoft.com/office/powerpoint/2015/main" val="1"/>
-              </p:ext>
-            </p:extLst>
-          </p:nvPr>
-        </p:nvCxnSpPr>
-        <p:spPr>
-          <a:xfrm>
-            <a:off x="7892143" y="2085703"/>
-            <a:ext cx="3566160" cy="0"/>
-          </a:xfrm>
-          <a:prstGeom prst="line">
-            <a:avLst/>
-          </a:prstGeom>
-          <a:ln w="6350">
-            <a:solidFill>
-              <a:schemeClr val="tx1">
-                <a:lumMod val="50000"/>
-                <a:lumOff val="50000"/>
-                <a:alpha val="90000"/>
-              </a:schemeClr>
-            </a:solidFill>
-          </a:ln>
-        </p:spPr>
-        <p:style>
-          <a:lnRef idx="1">
-            <a:schemeClr val="accent1"/>
-          </a:lnRef>
-          <a:fillRef idx="0">
-            <a:schemeClr val="accent1"/>
-          </a:fillRef>
-          <a:effectRef idx="0">
-            <a:schemeClr val="accent1"/>
-          </a:effectRef>
-          <a:fontRef idx="minor">
-            <a:schemeClr val="tx1"/>
-          </a:fontRef>
-        </p:style>
-      </p:cxnSp>
-      <p:sp>
-        <p:nvSpPr>
-          <p:cNvPr id="10" name="Content Placeholder 8">
-            <a:extLst>
-              <a:ext uri="{FF2B5EF4-FFF2-40B4-BE49-F238E27FC236}">
-                <a16:creationId xmlns:a16="http://schemas.microsoft.com/office/drawing/2014/main" id="{B0DBBD15-5CB7-4758-94C6-9FCA6E3AA552}"/>
-              </a:ext>
-            </a:extLst>
-          </p:cNvPr>
-          <p:cNvSpPr>
-            <a:spLocks noGrp="1"/>
-          </p:cNvSpPr>
-          <p:nvPr>
-            <p:ph idx="1"/>
-          </p:nvPr>
-        </p:nvSpPr>
-        <p:spPr>
-          <a:xfrm>
-            <a:off x="7859485" y="2198914"/>
-            <a:ext cx="3690257" cy="3670180"/>
-          </a:xfrm>
-        </p:spPr>
-        <p:txBody>
-          <a:bodyPr>
-            <a:normAutofit/>
-          </a:bodyPr>
-          <a:lstStyle/>
-          <a:p>
-            <a:pPr lvl="1">
-              <a:buFont typeface="Arial" panose="020B0604020202020204" pitchFamily="34" charset="0"/>
-              <a:buChar char="•"/>
-            </a:pPr>
-            <a:r>
-              <a:rPr lang="en-US" dirty="0"/>
-              <a:t>We see from the histogram of the dataset that every numbers has almost equal number of occurrence, which shows that the numbers are uniformly distributed.</a:t>
-            </a:r>
-          </a:p>
-        </p:txBody>
-      </p:sp>
-      <p:sp>
-        <p:nvSpPr>
-          <p:cNvPr id="80" name="Rectangle 79">
-            <a:extLst>
-              <a:ext uri="{FF2B5EF4-FFF2-40B4-BE49-F238E27FC236}">
-                <a16:creationId xmlns:a16="http://schemas.microsoft.com/office/drawing/2014/main" id="{1E299956-A9E7-4FC1-A0B1-D590CA9730E8}"/>
-              </a:ext>
-              <a:ext uri="{C183D7F6-B498-43B3-948B-1728B52AA6E4}">
-                <adec:decorative xmlns:adec="http://schemas.microsoft.com/office/drawing/2017/decorative" val="1"/>
-              </a:ext>
-            </a:extLst>
-          </p:cNvPr>
-          <p:cNvSpPr>
-            <a:spLocks noGrp="1" noRot="1" noChangeAspect="1" noMove="1" noResize="1" noEditPoints="1" noAdjustHandles="1" noChangeArrowheads="1" noChangeShapeType="1" noTextEdit="1"/>
-          </p:cNvSpPr>
-          <p:nvPr>
-            <p:extLst>
-              <p:ext uri="{386F3935-93C4-4BCD-93E2-E3B085C9AB24}">
-                <p16:designElem xmlns:p16="http://schemas.microsoft.com/office/powerpoint/2015/main" val="1"/>
-              </p:ext>
-            </p:extLst>
-          </p:nvPr>
-        </p:nvSpPr>
-        <p:spPr>
-          <a:xfrm>
-            <a:off x="15" y="6334316"/>
-            <a:ext cx="12191985" cy="66484"/>
-          </a:xfrm>
-          <a:prstGeom prst="rect">
-            <a:avLst/>
-          </a:prstGeom>
-          <a:solidFill>
-            <a:schemeClr val="accent1"/>
-          </a:solidFill>
-          <a:ln>
-            <a:noFill/>
-          </a:ln>
-        </p:spPr>
-        <p:style>
-          <a:lnRef idx="2">
-            <a:schemeClr val="accent1">
-              <a:shade val="50000"/>
-            </a:schemeClr>
-          </a:lnRef>
-          <a:fillRef idx="1">
-            <a:schemeClr val="accent1"/>
-          </a:fillRef>
-          <a:effectRef idx="0">
-            <a:schemeClr val="accent1"/>
-          </a:effectRef>
-          <a:fontRef idx="minor">
-            <a:schemeClr val="lt1"/>
-          </a:fontRef>
-        </p:style>
-      </p:sp>
-      <p:sp>
-        <p:nvSpPr>
-          <p:cNvPr id="82" name="Rectangle 81">
-            <a:extLst>
-              <a:ext uri="{FF2B5EF4-FFF2-40B4-BE49-F238E27FC236}">
-                <a16:creationId xmlns:a16="http://schemas.microsoft.com/office/drawing/2014/main" id="{17FC539C-B783-4B03-9F9E-D13430F3F64F}"/>
-              </a:ext>
-              <a:ext uri="{C183D7F6-B498-43B3-948B-1728B52AA6E4}">
-                <adec:decorative xmlns:adec="http://schemas.microsoft.com/office/drawing/2017/decorative" val="1"/>
-              </a:ext>
-            </a:extLst>
-          </p:cNvPr>
-          <p:cNvSpPr>
-            <a:spLocks noGrp="1" noRot="1" noChangeAspect="1" noMove="1" noResize="1" noEditPoints="1" noAdjustHandles="1" noChangeArrowheads="1" noChangeShapeType="1" noTextEdit="1"/>
-          </p:cNvSpPr>
-          <p:nvPr>
-            <p:extLst>
-              <p:ext uri="{386F3935-93C4-4BCD-93E2-E3B085C9AB24}">
-                <p16:designElem xmlns:p16="http://schemas.microsoft.com/office/powerpoint/2015/main" val="1"/>
-              </p:ext>
-            </p:extLst>
-          </p:nvPr>
-        </p:nvSpPr>
-        <p:spPr>
-          <a:xfrm>
-            <a:off x="1" y="6400800"/>
-            <a:ext cx="12192000" cy="457200"/>
-          </a:xfrm>
-          <a:prstGeom prst="rect">
-            <a:avLst/>
-          </a:prstGeom>
-          <a:solidFill>
-            <a:schemeClr val="accent2"/>
-          </a:solidFill>
-          <a:ln>
-            <a:noFill/>
-          </a:ln>
-        </p:spPr>
-        <p:style>
-          <a:lnRef idx="2">
-            <a:schemeClr val="accent1">
-              <a:shade val="50000"/>
-            </a:schemeClr>
-          </a:lnRef>
-          <a:fillRef idx="1">
-            <a:schemeClr val="accent1"/>
-          </a:fillRef>
-          <a:effectRef idx="0">
-            <a:schemeClr val="accent1"/>
-          </a:effectRef>
-          <a:fontRef idx="minor">
-            <a:schemeClr val="lt1"/>
-          </a:fontRef>
-        </p:style>
-      </p:sp>
-    </p:spTree>
-    <p:extLst>
-      <p:ext uri="{BB962C8B-B14F-4D97-AF65-F5344CB8AC3E}">
-        <p14:creationId xmlns:p14="http://schemas.microsoft.com/office/powerpoint/2010/main" val="3151025541"/>
-      </p:ext>
-    </p:extLst>
-  </p:cSld>
-  <p:clrMapOvr>
-    <a:masterClrMapping/>
-  </p:clrMapOvr>
-</p:sld>
-</file>
-
-<file path=ppt/slides/slide30.xml><?xml version="1.0" encoding="utf-8"?>
+<file path=ppt/slides/slide32.xml><?xml version="1.0" encoding="utf-8"?>
 <p:sld xmlns:a="http://schemas.openxmlformats.org/drawingml/2006/main" xmlns:r="http://schemas.openxmlformats.org/officeDocument/2006/relationships" xmlns:p="http://schemas.openxmlformats.org/presentationml/2006/main">
   <p:cSld>
     <p:bg>
@@ -27103,7 +28309,7 @@
 </p:sld>
 </file>
 
-<file path=ppt/slides/slide31.xml><?xml version="1.0" encoding="utf-8"?>
+<file path=ppt/slides/slide33.xml><?xml version="1.0" encoding="utf-8"?>
 <p:sld xmlns:a="http://schemas.openxmlformats.org/drawingml/2006/main" xmlns:r="http://schemas.openxmlformats.org/officeDocument/2006/relationships" xmlns:p="http://schemas.openxmlformats.org/presentationml/2006/main">
   <p:cSld>
     <p:bg>
@@ -27564,7 +28770,7 @@
 </p:sld>
 </file>
 
-<file path=ppt/slides/slide32.xml><?xml version="1.0" encoding="utf-8"?>
+<file path=ppt/slides/slide34.xml><?xml version="1.0" encoding="utf-8"?>
 <p:sld xmlns:a="http://schemas.openxmlformats.org/drawingml/2006/main" xmlns:r="http://schemas.openxmlformats.org/officeDocument/2006/relationships" xmlns:p="http://schemas.openxmlformats.org/presentationml/2006/main">
   <p:cSld>
     <p:bg>
@@ -27891,7 +29097,7 @@
 </p:sld>
 </file>
 
-<file path=ppt/slides/slide33.xml><?xml version="1.0" encoding="utf-8"?>
+<file path=ppt/slides/slide35.xml><?xml version="1.0" encoding="utf-8"?>
 <p:sld xmlns:a="http://schemas.openxmlformats.org/drawingml/2006/main" xmlns:r="http://schemas.openxmlformats.org/officeDocument/2006/relationships" xmlns:p="http://schemas.openxmlformats.org/presentationml/2006/main">
   <p:cSld>
     <p:bg>
@@ -28517,7 +29723,7 @@
 </p:sld>
 </file>
 
-<file path=ppt/slides/slide34.xml><?xml version="1.0" encoding="utf-8"?>
+<file path=ppt/slides/slide36.xml><?xml version="1.0" encoding="utf-8"?>
 <p:sld xmlns:a="http://schemas.openxmlformats.org/drawingml/2006/main" xmlns:r="http://schemas.openxmlformats.org/officeDocument/2006/relationships" xmlns:p="http://schemas.openxmlformats.org/presentationml/2006/main">
   <p:cSld>
     <p:bg>
@@ -29062,7 +30268,7 @@
 </p:sld>
 </file>
 
-<file path=ppt/slides/slide35.xml><?xml version="1.0" encoding="utf-8"?>
+<file path=ppt/slides/slide37.xml><?xml version="1.0" encoding="utf-8"?>
 <p:sld xmlns:a="http://schemas.openxmlformats.org/drawingml/2006/main" xmlns:r="http://schemas.openxmlformats.org/officeDocument/2006/relationships" xmlns:p="http://schemas.openxmlformats.org/presentationml/2006/main">
   <p:cSld>
     <p:bg>
@@ -29526,7 +30732,7 @@
 </p:sld>
 </file>
 
-<file path=ppt/slides/slide36.xml><?xml version="1.0" encoding="utf-8"?>
+<file path=ppt/slides/slide38.xml><?xml version="1.0" encoding="utf-8"?>
 <p:sld xmlns:a="http://schemas.openxmlformats.org/drawingml/2006/main" xmlns:r="http://schemas.openxmlformats.org/officeDocument/2006/relationships" xmlns:p="http://schemas.openxmlformats.org/presentationml/2006/main">
   <p:cSld>
     <p:bg>
@@ -30028,7 +31234,7 @@
 </p:sld>
 </file>
 
-<file path=ppt/slides/slide37.xml><?xml version="1.0" encoding="utf-8"?>
+<file path=ppt/slides/slide39.xml><?xml version="1.0" encoding="utf-8"?>
 <p:sld xmlns:a="http://schemas.openxmlformats.org/drawingml/2006/main" xmlns:r="http://schemas.openxmlformats.org/officeDocument/2006/relationships" xmlns:p="http://schemas.openxmlformats.org/presentationml/2006/main">
   <p:cSld>
     <p:bg>
@@ -30601,7 +31807,435 @@
 </p:sld>
 </file>
 
-<file path=ppt/slides/slide38.xml><?xml version="1.0" encoding="utf-8"?>
+<file path=ppt/slides/slide4.xml><?xml version="1.0" encoding="utf-8"?>
+<p:sld xmlns:a="http://schemas.openxmlformats.org/drawingml/2006/main" xmlns:r="http://schemas.openxmlformats.org/officeDocument/2006/relationships" xmlns:p="http://schemas.openxmlformats.org/presentationml/2006/main">
+  <p:cSld>
+    <p:bg>
+      <p:bgPr>
+        <a:solidFill>
+          <a:schemeClr val="bg1"/>
+        </a:solidFill>
+        <a:effectLst/>
+      </p:bgPr>
+    </p:bg>
+    <p:spTree>
+      <p:nvGrpSpPr>
+        <p:cNvPr id="1" name=""/>
+        <p:cNvGrpSpPr/>
+        <p:nvPr/>
+      </p:nvGrpSpPr>
+      <p:grpSpPr>
+        <a:xfrm>
+          <a:off x="0" y="0"/>
+          <a:ext cx="0" cy="0"/>
+          <a:chOff x="0" y="0"/>
+          <a:chExt cx="0" cy="0"/>
+        </a:xfrm>
+      </p:grpSpPr>
+      <p:sp useBgFill="1">
+        <p:nvSpPr>
+          <p:cNvPr id="17" name="Rectangle 16">
+            <a:extLst>
+              <a:ext uri="{FF2B5EF4-FFF2-40B4-BE49-F238E27FC236}">
+                <a16:creationId xmlns:a16="http://schemas.microsoft.com/office/drawing/2014/main" id="{3741B58E-3B65-4A01-A276-975AB2CF8A08}"/>
+              </a:ext>
+              <a:ext uri="{C183D7F6-B498-43B3-948B-1728B52AA6E4}">
+                <adec:decorative xmlns:adec="http://schemas.microsoft.com/office/drawing/2017/decorative" val="1"/>
+              </a:ext>
+            </a:extLst>
+          </p:cNvPr>
+          <p:cNvSpPr>
+            <a:spLocks noGrp="1" noRot="1" noChangeAspect="1" noMove="1" noResize="1" noEditPoints="1" noAdjustHandles="1" noChangeArrowheads="1" noChangeShapeType="1" noTextEdit="1"/>
+          </p:cNvSpPr>
+          <p:nvPr>
+            <p:extLst>
+              <p:ext uri="{386F3935-93C4-4BCD-93E2-E3B085C9AB24}">
+                <p16:designElem xmlns:p16="http://schemas.microsoft.com/office/powerpoint/2015/main" val="1"/>
+              </p:ext>
+            </p:extLst>
+          </p:nvPr>
+        </p:nvSpPr>
+        <p:spPr>
+          <a:xfrm>
+            <a:off x="0" y="0"/>
+            <a:ext cx="12186315" cy="6858000"/>
+          </a:xfrm>
+          <a:prstGeom prst="rect">
+            <a:avLst/>
+          </a:prstGeom>
+          <a:ln>
+            <a:noFill/>
+          </a:ln>
+        </p:spPr>
+        <p:style>
+          <a:lnRef idx="2">
+            <a:schemeClr val="accent6">
+              <a:shade val="50000"/>
+            </a:schemeClr>
+          </a:lnRef>
+          <a:fillRef idx="1001">
+            <a:schemeClr val="lt1"/>
+          </a:fillRef>
+          <a:effectRef idx="0">
+            <a:schemeClr val="accent6"/>
+          </a:effectRef>
+          <a:fontRef idx="minor">
+            <a:schemeClr val="lt1"/>
+          </a:fontRef>
+        </p:style>
+        <p:txBody>
+          <a:bodyPr rtlCol="0" anchor="ctr"/>
+          <a:lstStyle/>
+          <a:p>
+            <a:pPr algn="ctr"/>
+            <a:endParaRPr lang="en-US" dirty="0"/>
+          </a:p>
+        </p:txBody>
+      </p:sp>
+      <p:sp>
+        <p:nvSpPr>
+          <p:cNvPr id="19" name="Rectangle 18">
+            <a:extLst>
+              <a:ext uri="{FF2B5EF4-FFF2-40B4-BE49-F238E27FC236}">
+                <a16:creationId xmlns:a16="http://schemas.microsoft.com/office/drawing/2014/main" id="{7AAC67C3-831B-4AB1-A259-DFB839CAFAFC}"/>
+              </a:ext>
+              <a:ext uri="{C183D7F6-B498-43B3-948B-1728B52AA6E4}">
+                <adec:decorative xmlns:adec="http://schemas.microsoft.com/office/drawing/2017/decorative" val="1"/>
+              </a:ext>
+            </a:extLst>
+          </p:cNvPr>
+          <p:cNvSpPr>
+            <a:spLocks noGrp="1" noRot="1" noChangeAspect="1" noMove="1" noResize="1" noEditPoints="1" noAdjustHandles="1" noChangeArrowheads="1" noChangeShapeType="1" noTextEdit="1"/>
+          </p:cNvSpPr>
+          <p:nvPr>
+            <p:extLst>
+              <p:ext uri="{386F3935-93C4-4BCD-93E2-E3B085C9AB24}">
+                <p16:designElem xmlns:p16="http://schemas.microsoft.com/office/powerpoint/2015/main" val="1"/>
+              </p:ext>
+            </p:extLst>
+          </p:nvPr>
+        </p:nvSpPr>
+        <p:spPr>
+          <a:xfrm>
+            <a:off x="16" y="0"/>
+            <a:ext cx="4050791" cy="6858000"/>
+          </a:xfrm>
+          <a:prstGeom prst="rect">
+            <a:avLst/>
+          </a:prstGeom>
+          <a:solidFill>
+            <a:schemeClr val="accent2"/>
+          </a:solidFill>
+          <a:ln>
+            <a:noFill/>
+          </a:ln>
+        </p:spPr>
+        <p:style>
+          <a:lnRef idx="2">
+            <a:schemeClr val="accent1">
+              <a:shade val="50000"/>
+            </a:schemeClr>
+          </a:lnRef>
+          <a:fillRef idx="1">
+            <a:schemeClr val="accent1"/>
+          </a:fillRef>
+          <a:effectRef idx="0">
+            <a:schemeClr val="accent1"/>
+          </a:effectRef>
+          <a:fontRef idx="minor">
+            <a:schemeClr val="lt1"/>
+          </a:fontRef>
+        </p:style>
+      </p:sp>
+      <p:sp>
+        <p:nvSpPr>
+          <p:cNvPr id="2" name="Title 1">
+            <a:extLst>
+              <a:ext uri="{FF2B5EF4-FFF2-40B4-BE49-F238E27FC236}">
+                <a16:creationId xmlns:a16="http://schemas.microsoft.com/office/drawing/2014/main" id="{D595B95A-705A-4D49-A704-0108F2F33E09}"/>
+              </a:ext>
+            </a:extLst>
+          </p:cNvPr>
+          <p:cNvSpPr>
+            <a:spLocks noGrp="1"/>
+          </p:cNvSpPr>
+          <p:nvPr>
+            <p:ph type="title"/>
+          </p:nvPr>
+        </p:nvSpPr>
+        <p:spPr>
+          <a:xfrm>
+            <a:off x="492370" y="605896"/>
+            <a:ext cx="3084844" cy="5646208"/>
+          </a:xfrm>
+        </p:spPr>
+        <p:txBody>
+          <a:bodyPr anchor="ctr">
+            <a:normAutofit/>
+          </a:bodyPr>
+          <a:lstStyle/>
+          <a:p>
+            <a:r>
+              <a:rPr lang="en-IN" sz="3600" b="1" dirty="0">
+                <a:solidFill>
+                  <a:srgbClr val="FFFFFF"/>
+                </a:solidFill>
+              </a:rPr>
+              <a:t>Procedure</a:t>
+            </a:r>
+          </a:p>
+        </p:txBody>
+      </p:sp>
+      <p:sp>
+        <p:nvSpPr>
+          <p:cNvPr id="21" name="Rectangle 20">
+            <a:extLst>
+              <a:ext uri="{FF2B5EF4-FFF2-40B4-BE49-F238E27FC236}">
+                <a16:creationId xmlns:a16="http://schemas.microsoft.com/office/drawing/2014/main" id="{054B3F04-9EAC-45C0-B3CE-0387EEA10A0C}"/>
+              </a:ext>
+              <a:ext uri="{C183D7F6-B498-43B3-948B-1728B52AA6E4}">
+                <adec:decorative xmlns:adec="http://schemas.microsoft.com/office/drawing/2017/decorative" val="1"/>
+              </a:ext>
+            </a:extLst>
+          </p:cNvPr>
+          <p:cNvSpPr>
+            <a:spLocks noGrp="1" noRot="1" noChangeAspect="1" noMove="1" noResize="1" noEditPoints="1" noAdjustHandles="1" noChangeArrowheads="1" noChangeShapeType="1" noTextEdit="1"/>
+          </p:cNvSpPr>
+          <p:nvPr>
+            <p:extLst>
+              <p:ext uri="{386F3935-93C4-4BCD-93E2-E3B085C9AB24}">
+                <p16:designElem xmlns:p16="http://schemas.microsoft.com/office/powerpoint/2015/main" val="1"/>
+              </p:ext>
+            </p:extLst>
+          </p:nvPr>
+        </p:nvSpPr>
+        <p:spPr>
+          <a:xfrm>
+            <a:off x="4040071" y="0"/>
+            <a:ext cx="64008" cy="6858000"/>
+          </a:xfrm>
+          <a:prstGeom prst="rect">
+            <a:avLst/>
+          </a:prstGeom>
+          <a:solidFill>
+            <a:schemeClr val="accent1"/>
+          </a:solidFill>
+          <a:ln>
+            <a:noFill/>
+          </a:ln>
+        </p:spPr>
+        <p:style>
+          <a:lnRef idx="2">
+            <a:schemeClr val="accent1">
+              <a:shade val="50000"/>
+            </a:schemeClr>
+          </a:lnRef>
+          <a:fillRef idx="1">
+            <a:schemeClr val="accent1"/>
+          </a:fillRef>
+          <a:effectRef idx="0">
+            <a:schemeClr val="accent1"/>
+          </a:effectRef>
+          <a:fontRef idx="minor">
+            <a:schemeClr val="lt1"/>
+          </a:fontRef>
+        </p:style>
+      </p:sp>
+      <mc:AlternateContent xmlns:mc="http://schemas.openxmlformats.org/markup-compatibility/2006" xmlns:a14="http://schemas.microsoft.com/office/drawing/2010/main">
+        <mc:Choice Requires="a14">
+          <p:sp>
+            <p:nvSpPr>
+              <p:cNvPr id="3" name="Content Placeholder 2">
+                <a:extLst>
+                  <a:ext uri="{FF2B5EF4-FFF2-40B4-BE49-F238E27FC236}">
+                    <a16:creationId xmlns:a16="http://schemas.microsoft.com/office/drawing/2014/main" id="{4B817802-A38C-4038-895E-B8B15F8D564B}"/>
+                  </a:ext>
+                </a:extLst>
+              </p:cNvPr>
+              <p:cNvSpPr>
+                <a:spLocks noGrp="1"/>
+              </p:cNvSpPr>
+              <p:nvPr>
+                <p:ph idx="1"/>
+              </p:nvPr>
+            </p:nvSpPr>
+            <p:spPr>
+              <a:xfrm>
+                <a:off x="4742016" y="605896"/>
+                <a:ext cx="6413663" cy="5646208"/>
+              </a:xfrm>
+            </p:spPr>
+            <p:txBody>
+              <a:bodyPr anchor="ctr">
+                <a:normAutofit/>
+              </a:bodyPr>
+              <a:lstStyle/>
+              <a:p>
+                <a:pPr lvl="1">
+                  <a:buFont typeface="Arial" panose="020B0604020202020204" pitchFamily="34" charset="0"/>
+                  <a:buChar char="•"/>
+                </a:pPr>
+                <a:r>
+                  <a:rPr lang="en-IN" dirty="0"/>
+                  <a:t>The inbuilt C function </a:t>
+                </a:r>
+                <a:r>
+                  <a:rPr lang="en-IN" dirty="0">
+                    <a:latin typeface="Courier New" panose="02070309020205020404" pitchFamily="49" charset="0"/>
+                    <a:cs typeface="Courier New" panose="02070309020205020404" pitchFamily="49" charset="0"/>
+                  </a:rPr>
+                  <a:t>rand()</a:t>
+                </a:r>
+                <a:r>
+                  <a:rPr lang="en-IN" dirty="0">
+                    <a:cs typeface="Courier New" panose="02070309020205020404" pitchFamily="49" charset="0"/>
+                  </a:rPr>
+                  <a:t>generates random numbers distributed uniformly.</a:t>
+                </a:r>
+              </a:p>
+              <a:p>
+                <a:pPr lvl="1">
+                  <a:buFont typeface="Arial" panose="020B0604020202020204" pitchFamily="34" charset="0"/>
+                  <a:buChar char="•"/>
+                </a:pPr>
+                <a:r>
+                  <a:rPr lang="en-IN" dirty="0">
+                    <a:cs typeface="Courier New" panose="02070309020205020404" pitchFamily="49" charset="0"/>
+                  </a:rPr>
+                  <a:t>Using </a:t>
+                </a:r>
+                <a:r>
+                  <a:rPr lang="en-IN" dirty="0">
+                    <a:latin typeface="Courier New" panose="02070309020205020404" pitchFamily="49" charset="0"/>
+                    <a:cs typeface="Courier New" panose="02070309020205020404" pitchFamily="49" charset="0"/>
+                  </a:rPr>
+                  <a:t>rand()</a:t>
+                </a:r>
+                <a:r>
+                  <a:rPr lang="en-IN" dirty="0">
+                    <a:cs typeface="Courier New" panose="02070309020205020404" pitchFamily="49" charset="0"/>
+                  </a:rPr>
+                  <a:t> we generated </a:t>
+                </a:r>
+                <a14:m>
+                  <m:oMath xmlns:m="http://schemas.openxmlformats.org/officeDocument/2006/math">
+                    <m:sSup>
+                      <m:sSupPr>
+                        <m:ctrlPr>
+                          <a:rPr lang="en-IN" i="1" smtClean="0">
+                            <a:latin typeface="Cambria Math" panose="02040503050406030204" pitchFamily="18" charset="0"/>
+                            <a:cs typeface="Courier New" panose="02070309020205020404" pitchFamily="49" charset="0"/>
+                          </a:rPr>
+                        </m:ctrlPr>
+                      </m:sSupPr>
+                      <m:e>
+                        <m:r>
+                          <a:rPr lang="en-IN" b="0" i="1" smtClean="0">
+                            <a:latin typeface="Cambria Math" panose="02040503050406030204" pitchFamily="18" charset="0"/>
+                            <a:cs typeface="Courier New" panose="02070309020205020404" pitchFamily="49" charset="0"/>
+                          </a:rPr>
+                          <m:t>10</m:t>
+                        </m:r>
+                      </m:e>
+                      <m:sup>
+                        <m:r>
+                          <a:rPr lang="en-IN" b="0" i="1" smtClean="0">
+                            <a:latin typeface="Cambria Math" panose="02040503050406030204" pitchFamily="18" charset="0"/>
+                            <a:cs typeface="Courier New" panose="02070309020205020404" pitchFamily="49" charset="0"/>
+                          </a:rPr>
+                          <m:t>6</m:t>
+                        </m:r>
+                      </m:sup>
+                    </m:sSup>
+                  </m:oMath>
+                </a14:m>
+                <a:r>
+                  <a:rPr lang="en-IN" dirty="0"/>
+                  <a:t> uniformly distributed random numbers between 0 to 100 and stored it in </a:t>
+                </a:r>
+                <a:r>
+                  <a:rPr lang="en-IN" dirty="0">
+                    <a:latin typeface="Courier New" panose="02070309020205020404" pitchFamily="49" charset="0"/>
+                    <a:cs typeface="Courier New" panose="02070309020205020404" pitchFamily="49" charset="0"/>
+                  </a:rPr>
+                  <a:t>uniform_distribution.csv </a:t>
+                </a:r>
+                <a:r>
+                  <a:rPr lang="en-IN" dirty="0"/>
+                  <a:t>which will act as uniformly distributed dataset for further works.</a:t>
+                </a:r>
+              </a:p>
+              <a:p>
+                <a:pPr lvl="1">
+                  <a:buFont typeface="Arial" panose="020B0604020202020204" pitchFamily="34" charset="0"/>
+                  <a:buChar char="•"/>
+                </a:pPr>
+                <a:r>
+                  <a:rPr lang="en-IN" dirty="0"/>
+                  <a:t>We also plotted a histogram of the dataset to make sure that the dataset generation worked well or not…</a:t>
+                </a:r>
+              </a:p>
+            </p:txBody>
+          </p:sp>
+        </mc:Choice>
+        <mc:Fallback xmlns="">
+          <p:sp>
+            <p:nvSpPr>
+              <p:cNvPr id="3" name="Content Placeholder 2">
+                <a:extLst>
+                  <a:ext uri="{FF2B5EF4-FFF2-40B4-BE49-F238E27FC236}">
+                    <a16:creationId xmlns:a16="http://schemas.microsoft.com/office/drawing/2014/main" id="{4B817802-A38C-4038-895E-B8B15F8D564B}"/>
+                  </a:ext>
+                </a:extLst>
+              </p:cNvPr>
+              <p:cNvSpPr>
+                <a:spLocks noGrp="1" noRot="1" noChangeAspect="1" noMove="1" noResize="1" noEditPoints="1" noAdjustHandles="1" noChangeArrowheads="1" noChangeShapeType="1" noTextEdit="1"/>
+              </p:cNvSpPr>
+              <p:nvPr>
+                <p:ph idx="1"/>
+              </p:nvPr>
+            </p:nvSpPr>
+            <p:spPr>
+              <a:xfrm>
+                <a:off x="4742016" y="605896"/>
+                <a:ext cx="6413663" cy="5646208"/>
+              </a:xfrm>
+              <a:blipFill>
+                <a:blip r:embed="rId2"/>
+                <a:stretch>
+                  <a:fillRect r="-2567"/>
+                </a:stretch>
+              </a:blipFill>
+            </p:spPr>
+            <p:txBody>
+              <a:bodyPr/>
+              <a:lstStyle/>
+              <a:p>
+                <a:r>
+                  <a:rPr lang="en-IN">
+                    <a:noFill/>
+                  </a:rPr>
+                  <a:t> </a:t>
+                </a:r>
+              </a:p>
+            </p:txBody>
+          </p:sp>
+        </mc:Fallback>
+      </mc:AlternateContent>
+    </p:spTree>
+    <p:extLst>
+      <p:ext uri="{BB962C8B-B14F-4D97-AF65-F5344CB8AC3E}">
+        <p14:creationId xmlns:p14="http://schemas.microsoft.com/office/powerpoint/2010/main" val="2594329012"/>
+      </p:ext>
+    </p:extLst>
+  </p:cSld>
+  <p:clrMapOvr>
+    <a:masterClrMapping/>
+  </p:clrMapOvr>
+</p:sld>
+</file>
+
+<file path=ppt/slides/slide40.xml><?xml version="1.0" encoding="utf-8"?>
 <p:sld xmlns:a="http://schemas.openxmlformats.org/drawingml/2006/main" xmlns:r="http://schemas.openxmlformats.org/officeDocument/2006/relationships" xmlns:p="http://schemas.openxmlformats.org/presentationml/2006/main">
   <p:cSld>
     <p:bg>
@@ -30928,7 +32562,7 @@
 </p:sld>
 </file>
 
-<file path=ppt/slides/slide39.xml><?xml version="1.0" encoding="utf-8"?>
+<file path=ppt/slides/slide41.xml><?xml version="1.0" encoding="utf-8"?>
 <p:sld xmlns:a="http://schemas.openxmlformats.org/drawingml/2006/main" xmlns:r="http://schemas.openxmlformats.org/officeDocument/2006/relationships" xmlns:p="http://schemas.openxmlformats.org/presentationml/2006/main">
   <p:cSld>
     <p:bg>
@@ -31392,471 +33026,7 @@
 </p:sld>
 </file>
 
-<file path=ppt/slides/slide4.xml><?xml version="1.0" encoding="utf-8"?>
-<p:sld xmlns:a="http://schemas.openxmlformats.org/drawingml/2006/main" xmlns:r="http://schemas.openxmlformats.org/officeDocument/2006/relationships" xmlns:p="http://schemas.openxmlformats.org/presentationml/2006/main">
-  <p:cSld>
-    <p:bg>
-      <p:bgPr>
-        <a:solidFill>
-          <a:schemeClr val="bg1"/>
-        </a:solidFill>
-        <a:effectLst/>
-      </p:bgPr>
-    </p:bg>
-    <p:spTree>
-      <p:nvGrpSpPr>
-        <p:cNvPr id="1" name=""/>
-        <p:cNvGrpSpPr/>
-        <p:nvPr/>
-      </p:nvGrpSpPr>
-      <p:grpSpPr>
-        <a:xfrm>
-          <a:off x="0" y="0"/>
-          <a:ext cx="0" cy="0"/>
-          <a:chOff x="0" y="0"/>
-          <a:chExt cx="0" cy="0"/>
-        </a:xfrm>
-      </p:grpSpPr>
-      <p:pic>
-        <p:nvPicPr>
-          <p:cNvPr id="5" name="Picture 4" descr="Many question marks on black background">
-            <a:extLst>
-              <a:ext uri="{FF2B5EF4-FFF2-40B4-BE49-F238E27FC236}">
-                <a16:creationId xmlns:a16="http://schemas.microsoft.com/office/drawing/2014/main" id="{ADB0B3D9-43BA-44C0-B7D2-B552C20F9567}"/>
-              </a:ext>
-            </a:extLst>
-          </p:cNvPr>
-          <p:cNvPicPr>
-            <a:picLocks noChangeAspect="1"/>
-          </p:cNvPicPr>
-          <p:nvPr/>
-        </p:nvPicPr>
-        <p:blipFill rotWithShape="1">
-          <a:blip r:embed="rId2">
-            <a:duotone>
-              <a:schemeClr val="bg2">
-                <a:shade val="45000"/>
-                <a:satMod val="135000"/>
-              </a:schemeClr>
-              <a:prstClr val="white"/>
-            </a:duotone>
-            <a:alphaModFix amt="35000"/>
-          </a:blip>
-          <a:srcRect t="7787"/>
-          <a:stretch/>
-        </p:blipFill>
-        <p:spPr>
-          <a:xfrm>
-            <a:off x="20" y="10"/>
-            <a:ext cx="12191980" cy="6857990"/>
-          </a:xfrm>
-          <a:prstGeom prst="rect">
-            <a:avLst/>
-          </a:prstGeom>
-        </p:spPr>
-      </p:pic>
-      <p:sp>
-        <p:nvSpPr>
-          <p:cNvPr id="2" name="Title 1">
-            <a:extLst>
-              <a:ext uri="{FF2B5EF4-FFF2-40B4-BE49-F238E27FC236}">
-                <a16:creationId xmlns:a16="http://schemas.microsoft.com/office/drawing/2014/main" id="{4A52C5C3-42CA-4234-833A-76AB208648C9}"/>
-              </a:ext>
-            </a:extLst>
-          </p:cNvPr>
-          <p:cNvSpPr>
-            <a:spLocks noGrp="1"/>
-          </p:cNvSpPr>
-          <p:nvPr>
-            <p:ph type="ctrTitle"/>
-          </p:nvPr>
-        </p:nvSpPr>
-        <p:spPr>
-          <a:xfrm>
-            <a:off x="1097280" y="758952"/>
-            <a:ext cx="10058400" cy="3566160"/>
-          </a:xfrm>
-        </p:spPr>
-        <p:txBody>
-          <a:bodyPr>
-            <a:normAutofit/>
-          </a:bodyPr>
-          <a:lstStyle/>
-          <a:p>
-            <a:r>
-              <a:rPr lang="en-IN" dirty="0"/>
-              <a:t>Question 1B</a:t>
-            </a:r>
-          </a:p>
-        </p:txBody>
-      </p:sp>
-      <p:sp>
-        <p:nvSpPr>
-          <p:cNvPr id="3" name="Subtitle 2">
-            <a:extLst>
-              <a:ext uri="{FF2B5EF4-FFF2-40B4-BE49-F238E27FC236}">
-                <a16:creationId xmlns:a16="http://schemas.microsoft.com/office/drawing/2014/main" id="{418B9C51-389E-47E6-B0A9-41747AF0C1BE}"/>
-              </a:ext>
-            </a:extLst>
-          </p:cNvPr>
-          <p:cNvSpPr>
-            <a:spLocks noGrp="1"/>
-          </p:cNvSpPr>
-          <p:nvPr>
-            <p:ph type="subTitle" idx="1"/>
-          </p:nvPr>
-        </p:nvSpPr>
-        <p:spPr>
-          <a:xfrm>
-            <a:off x="1100051" y="4455620"/>
-            <a:ext cx="10058400" cy="1143000"/>
-          </a:xfrm>
-        </p:spPr>
-        <p:txBody>
-          <a:bodyPr>
-            <a:normAutofit/>
-          </a:bodyPr>
-          <a:lstStyle/>
-          <a:p>
-            <a:r>
-              <a:rPr lang="en-US" b="1" dirty="0">
-                <a:solidFill>
-                  <a:schemeClr val="tx1">
-                    <a:lumMod val="85000"/>
-                    <a:lumOff val="15000"/>
-                  </a:schemeClr>
-                </a:solidFill>
-              </a:rPr>
-              <a:t>Construct large data sets taking random numbers from normal distribution (ND)…</a:t>
-            </a:r>
-            <a:endParaRPr lang="en-IN" b="1" dirty="0">
-              <a:solidFill>
-                <a:schemeClr val="tx1">
-                  <a:lumMod val="85000"/>
-                  <a:lumOff val="15000"/>
-                </a:schemeClr>
-              </a:solidFill>
-            </a:endParaRPr>
-          </a:p>
-        </p:txBody>
-      </p:sp>
-      <p:cxnSp>
-        <p:nvCxnSpPr>
-          <p:cNvPr id="36" name="Straight Connector 35">
-            <a:extLst>
-              <a:ext uri="{FF2B5EF4-FFF2-40B4-BE49-F238E27FC236}">
-                <a16:creationId xmlns:a16="http://schemas.microsoft.com/office/drawing/2014/main" id="{77AB95BF-57D0-4E49-9EF2-408B47C8D40D}"/>
-              </a:ext>
-              <a:ext uri="{C183D7F6-B498-43B3-948B-1728B52AA6E4}">
-                <adec:decorative xmlns:adec="http://schemas.microsoft.com/office/drawing/2017/decorative" val="1"/>
-              </a:ext>
-            </a:extLst>
-          </p:cNvPr>
-          <p:cNvCxnSpPr>
-            <a:cxnSpLocks noGrp="1" noRot="1" noChangeAspect="1" noMove="1" noResize="1" noEditPoints="1" noAdjustHandles="1" noChangeArrowheads="1" noChangeShapeType="1"/>
-          </p:cNvCxnSpPr>
-          <p:nvPr>
-            <p:extLst>
-              <p:ext uri="{386F3935-93C4-4BCD-93E2-E3B085C9AB24}">
-                <p16:designElem xmlns:p16="http://schemas.microsoft.com/office/powerpoint/2015/main" val="1"/>
-              </p:ext>
-            </p:extLst>
-          </p:nvPr>
-        </p:nvCxnSpPr>
-        <p:spPr>
-          <a:xfrm>
-            <a:off x="1207658" y="4343400"/>
-            <a:ext cx="9875520" cy="0"/>
-          </a:xfrm>
-          <a:prstGeom prst="line">
-            <a:avLst/>
-          </a:prstGeom>
-          <a:ln w="6350">
-            <a:solidFill>
-              <a:schemeClr val="tx2">
-                <a:alpha val="90000"/>
-              </a:schemeClr>
-            </a:solidFill>
-          </a:ln>
-        </p:spPr>
-        <p:style>
-          <a:lnRef idx="1">
-            <a:schemeClr val="accent1"/>
-          </a:lnRef>
-          <a:fillRef idx="0">
-            <a:schemeClr val="accent1"/>
-          </a:fillRef>
-          <a:effectRef idx="0">
-            <a:schemeClr val="accent1"/>
-          </a:effectRef>
-          <a:fontRef idx="minor">
-            <a:schemeClr val="tx1"/>
-          </a:fontRef>
-        </p:style>
-      </p:cxnSp>
-      <p:sp>
-        <p:nvSpPr>
-          <p:cNvPr id="38" name="Rectangle 37">
-            <a:extLst>
-              <a:ext uri="{FF2B5EF4-FFF2-40B4-BE49-F238E27FC236}">
-                <a16:creationId xmlns:a16="http://schemas.microsoft.com/office/drawing/2014/main" id="{1C520CBD-F82E-44E4-BDA5-128716AD79C8}"/>
-              </a:ext>
-              <a:ext uri="{C183D7F6-B498-43B3-948B-1728B52AA6E4}">
-                <adec:decorative xmlns:adec="http://schemas.microsoft.com/office/drawing/2017/decorative" val="1"/>
-              </a:ext>
-            </a:extLst>
-          </p:cNvPr>
-          <p:cNvSpPr>
-            <a:spLocks noGrp="1" noRot="1" noChangeAspect="1" noMove="1" noResize="1" noEditPoints="1" noAdjustHandles="1" noChangeArrowheads="1" noChangeShapeType="1" noTextEdit="1"/>
-          </p:cNvSpPr>
-          <p:nvPr>
-            <p:extLst>
-              <p:ext uri="{386F3935-93C4-4BCD-93E2-E3B085C9AB24}">
-                <p16:designElem xmlns:p16="http://schemas.microsoft.com/office/powerpoint/2015/main" val="1"/>
-              </p:ext>
-            </p:extLst>
-          </p:nvPr>
-        </p:nvSpPr>
-        <p:spPr>
-          <a:xfrm>
-            <a:off x="15" y="6334316"/>
-            <a:ext cx="12191985" cy="66484"/>
-          </a:xfrm>
-          <a:prstGeom prst="rect">
-            <a:avLst/>
-          </a:prstGeom>
-          <a:solidFill>
-            <a:schemeClr val="accent1"/>
-          </a:solidFill>
-          <a:ln>
-            <a:noFill/>
-          </a:ln>
-        </p:spPr>
-        <p:style>
-          <a:lnRef idx="2">
-            <a:schemeClr val="accent1">
-              <a:shade val="50000"/>
-            </a:schemeClr>
-          </a:lnRef>
-          <a:fillRef idx="1">
-            <a:schemeClr val="accent1"/>
-          </a:fillRef>
-          <a:effectRef idx="0">
-            <a:schemeClr val="accent1"/>
-          </a:effectRef>
-          <a:fontRef idx="minor">
-            <a:schemeClr val="lt1"/>
-          </a:fontRef>
-        </p:style>
-      </p:sp>
-      <p:sp>
-        <p:nvSpPr>
-          <p:cNvPr id="40" name="Rectangle 39">
-            <a:extLst>
-              <a:ext uri="{FF2B5EF4-FFF2-40B4-BE49-F238E27FC236}">
-                <a16:creationId xmlns:a16="http://schemas.microsoft.com/office/drawing/2014/main" id="{4618AE32-A526-42FC-A854-732740BD38DA}"/>
-              </a:ext>
-              <a:ext uri="{C183D7F6-B498-43B3-948B-1728B52AA6E4}">
-                <adec:decorative xmlns:adec="http://schemas.microsoft.com/office/drawing/2017/decorative" val="1"/>
-              </a:ext>
-            </a:extLst>
-          </p:cNvPr>
-          <p:cNvSpPr>
-            <a:spLocks noGrp="1" noRot="1" noChangeAspect="1" noMove="1" noResize="1" noEditPoints="1" noAdjustHandles="1" noChangeArrowheads="1" noChangeShapeType="1" noTextEdit="1"/>
-          </p:cNvSpPr>
-          <p:nvPr>
-            <p:extLst>
-              <p:ext uri="{386F3935-93C4-4BCD-93E2-E3B085C9AB24}">
-                <p16:designElem xmlns:p16="http://schemas.microsoft.com/office/powerpoint/2015/main" val="1"/>
-              </p:ext>
-            </p:extLst>
-          </p:nvPr>
-        </p:nvSpPr>
-        <p:spPr>
-          <a:xfrm>
-            <a:off x="1" y="6400800"/>
-            <a:ext cx="12192000" cy="457200"/>
-          </a:xfrm>
-          <a:prstGeom prst="rect">
-            <a:avLst/>
-          </a:prstGeom>
-          <a:solidFill>
-            <a:schemeClr val="accent2"/>
-          </a:solidFill>
-          <a:ln>
-            <a:noFill/>
-          </a:ln>
-        </p:spPr>
-        <p:style>
-          <a:lnRef idx="2">
-            <a:schemeClr val="accent1">
-              <a:shade val="50000"/>
-            </a:schemeClr>
-          </a:lnRef>
-          <a:fillRef idx="1">
-            <a:schemeClr val="accent1"/>
-          </a:fillRef>
-          <a:effectRef idx="0">
-            <a:schemeClr val="accent1"/>
-          </a:effectRef>
-          <a:fontRef idx="minor">
-            <a:schemeClr val="lt1"/>
-          </a:fontRef>
-        </p:style>
-      </p:sp>
-    </p:spTree>
-    <p:extLst>
-      <p:ext uri="{BB962C8B-B14F-4D97-AF65-F5344CB8AC3E}">
-        <p14:creationId xmlns:p14="http://schemas.microsoft.com/office/powerpoint/2010/main" val="2573236318"/>
-      </p:ext>
-    </p:extLst>
-  </p:cSld>
-  <p:clrMapOvr>
-    <a:masterClrMapping/>
-  </p:clrMapOvr>
-  <p:timing>
-    <p:tnLst>
-      <p:par>
-        <p:cTn id="1" dur="indefinite" restart="never" nodeType="tmRoot">
-          <p:childTnLst>
-            <p:seq concurrent="1" nextAc="seek">
-              <p:cTn id="2" dur="indefinite" nodeType="mainSeq">
-                <p:childTnLst>
-                  <p:par>
-                    <p:cTn id="3" fill="hold">
-                      <p:stCondLst>
-                        <p:cond delay="indefinite"/>
-                        <p:cond evt="onBegin" delay="0">
-                          <p:tn val="2"/>
-                        </p:cond>
-                      </p:stCondLst>
-                      <p:childTnLst>
-                        <p:par>
-                          <p:cTn id="4" fill="hold">
-                            <p:stCondLst>
-                              <p:cond delay="0"/>
-                            </p:stCondLst>
-                            <p:childTnLst>
-                              <p:par>
-                                <p:cTn id="5" presetID="10" presetClass="entr" presetSubtype="0" fill="hold" grpId="0" nodeType="withEffect">
-                                  <p:stCondLst>
-                                    <p:cond delay="1500"/>
-                                  </p:stCondLst>
-                                  <p:iterate>
-                                    <p:tmPct val="10000"/>
-                                  </p:iterate>
-                                  <p:childTnLst>
-                                    <p:set>
-                                      <p:cBhvr>
-                                        <p:cTn id="6" dur="1" fill="hold">
-                                          <p:stCondLst>
-                                            <p:cond delay="0"/>
-                                          </p:stCondLst>
-                                        </p:cTn>
-                                        <p:tgtEl>
-                                          <p:spTgt spid="3">
-                                            <p:txEl>
-                                              <p:pRg st="0" end="0"/>
-                                            </p:txEl>
-                                          </p:spTgt>
-                                        </p:tgtEl>
-                                        <p:attrNameLst>
-                                          <p:attrName>style.visibility</p:attrName>
-                                        </p:attrNameLst>
-                                      </p:cBhvr>
-                                      <p:to>
-                                        <p:strVal val="visible"/>
-                                      </p:to>
-                                    </p:set>
-                                    <p:animEffect transition="in" filter="fade">
-                                      <p:cBhvr>
-                                        <p:cTn id="7" dur="700"/>
-                                        <p:tgtEl>
-                                          <p:spTgt spid="3">
-                                            <p:txEl>
-                                              <p:pRg st="0" end="0"/>
-                                            </p:txEl>
-                                          </p:spTgt>
-                                        </p:tgtEl>
-                                      </p:cBhvr>
-                                    </p:animEffect>
-                                  </p:childTnLst>
-                                </p:cTn>
-                              </p:par>
-                              <p:par>
-                                <p:cTn id="8" presetID="10" presetClass="entr" presetSubtype="0" fill="hold" grpId="0" nodeType="withEffect">
-                                  <p:stCondLst>
-                                    <p:cond delay="1000"/>
-                                  </p:stCondLst>
-                                  <p:iterate>
-                                    <p:tmPct val="10000"/>
-                                  </p:iterate>
-                                  <p:childTnLst>
-                                    <p:set>
-                                      <p:cBhvr>
-                                        <p:cTn id="9" dur="1" fill="hold">
-                                          <p:stCondLst>
-                                            <p:cond delay="0"/>
-                                          </p:stCondLst>
-                                        </p:cTn>
-                                        <p:tgtEl>
-                                          <p:spTgt spid="2"/>
-                                        </p:tgtEl>
-                                        <p:attrNameLst>
-                                          <p:attrName>style.visibility</p:attrName>
-                                        </p:attrNameLst>
-                                      </p:cBhvr>
-                                      <p:to>
-                                        <p:strVal val="visible"/>
-                                      </p:to>
-                                    </p:set>
-                                    <p:animEffect transition="in" filter="fade">
-                                      <p:cBhvr>
-                                        <p:cTn id="10" dur="700"/>
-                                        <p:tgtEl>
-                                          <p:spTgt spid="2"/>
-                                        </p:tgtEl>
-                                      </p:cBhvr>
-                                    </p:animEffect>
-                                  </p:childTnLst>
-                                </p:cTn>
-                              </p:par>
-                            </p:childTnLst>
-                          </p:cTn>
-                        </p:par>
-                      </p:childTnLst>
-                    </p:cTn>
-                  </p:par>
-                </p:childTnLst>
-              </p:cTn>
-              <p:prevCondLst>
-                <p:cond evt="onPrev" delay="0">
-                  <p:tgtEl>
-                    <p:sldTgt/>
-                  </p:tgtEl>
-                </p:cond>
-              </p:prevCondLst>
-              <p:nextCondLst>
-                <p:cond evt="onNext" delay="0">
-                  <p:tgtEl>
-                    <p:sldTgt/>
-                  </p:tgtEl>
-                </p:cond>
-              </p:nextCondLst>
-            </p:seq>
-          </p:childTnLst>
-        </p:cTn>
-      </p:par>
-    </p:tnLst>
-    <p:bldLst>
-      <p:bldP spid="2" grpId="0"/>
-      <p:bldP spid="3" grpId="0" build="p"/>
-    </p:bldLst>
-  </p:timing>
-</p:sld>
-</file>
-
-<file path=ppt/slides/slide40.xml><?xml version="1.0" encoding="utf-8"?>
+<file path=ppt/slides/slide42.xml><?xml version="1.0" encoding="utf-8"?>
 <p:sld xmlns:a="http://schemas.openxmlformats.org/drawingml/2006/main" xmlns:r="http://schemas.openxmlformats.org/officeDocument/2006/relationships" xmlns:p="http://schemas.openxmlformats.org/presentationml/2006/main">
   <p:cSld>
     <p:bg>
@@ -32271,7 +33441,7 @@
 </p:sld>
 </file>
 
-<file path=ppt/slides/slide41.xml><?xml version="1.0" encoding="utf-8"?>
+<file path=ppt/slides/slide43.xml><?xml version="1.0" encoding="utf-8"?>
 <p:sld xmlns:a="http://schemas.openxmlformats.org/drawingml/2006/main" xmlns:r="http://schemas.openxmlformats.org/officeDocument/2006/relationships" xmlns:p="http://schemas.openxmlformats.org/presentationml/2006/main">
   <p:cSld>
     <p:bg>
@@ -32642,7 +33812,7 @@
 </p:sld>
 </file>
 
-<file path=ppt/slides/slide42.xml><?xml version="1.0" encoding="utf-8"?>
+<file path=ppt/slides/slide44.xml><?xml version="1.0" encoding="utf-8"?>
 <p:sld xmlns:a="http://schemas.openxmlformats.org/drawingml/2006/main" xmlns:r="http://schemas.openxmlformats.org/officeDocument/2006/relationships" xmlns:p="http://schemas.openxmlformats.org/presentationml/2006/main">
   <p:cSld>
     <p:bg>
@@ -33106,7 +34276,7 @@
 </p:sld>
 </file>
 
-<file path=ppt/slides/slide43.xml><?xml version="1.0" encoding="utf-8"?>
+<file path=ppt/slides/slide45.xml><?xml version="1.0" encoding="utf-8"?>
 <p:sld xmlns:a="http://schemas.openxmlformats.org/drawingml/2006/main" xmlns:r="http://schemas.openxmlformats.org/officeDocument/2006/relationships" xmlns:p="http://schemas.openxmlformats.org/presentationml/2006/main">
   <p:cSld>
     <p:bg>
@@ -33564,7 +34734,7 @@
 </p:sld>
 </file>
 
-<file path=ppt/slides/slide44.xml><?xml version="1.0" encoding="utf-8"?>
+<file path=ppt/slides/slide46.xml><?xml version="1.0" encoding="utf-8"?>
 <p:sld xmlns:a="http://schemas.openxmlformats.org/drawingml/2006/main" xmlns:r="http://schemas.openxmlformats.org/officeDocument/2006/relationships" xmlns:p="http://schemas.openxmlformats.org/presentationml/2006/main">
   <p:cSld>
     <p:bg>
@@ -34062,7 +35232,7 @@
 </p:sld>
 </file>
 
-<file path=ppt/slides/slide45.xml><?xml version="1.0" encoding="utf-8"?>
+<file path=ppt/slides/slide47.xml><?xml version="1.0" encoding="utf-8"?>
 <p:sld xmlns:a="http://schemas.openxmlformats.org/drawingml/2006/main" xmlns:r="http://schemas.openxmlformats.org/officeDocument/2006/relationships" xmlns:p="http://schemas.openxmlformats.org/presentationml/2006/main">
   <p:cSld>
     <p:bg>
@@ -34649,6 +35819,842 @@
       </p:grpSpPr>
       <p:sp useBgFill="1">
         <p:nvSpPr>
+          <p:cNvPr id="76" name="Rectangle 75">
+            <a:extLst>
+              <a:ext uri="{FF2B5EF4-FFF2-40B4-BE49-F238E27FC236}">
+                <a16:creationId xmlns:a16="http://schemas.microsoft.com/office/drawing/2014/main" id="{284B70D5-875B-433D-BDBD-1522A85D6C1D}"/>
+              </a:ext>
+              <a:ext uri="{C183D7F6-B498-43B3-948B-1728B52AA6E4}">
+                <adec:decorative xmlns:adec="http://schemas.microsoft.com/office/drawing/2017/decorative" val="1"/>
+              </a:ext>
+            </a:extLst>
+          </p:cNvPr>
+          <p:cNvSpPr>
+            <a:spLocks noGrp="1" noRot="1" noChangeAspect="1" noMove="1" noResize="1" noEditPoints="1" noAdjustHandles="1" noChangeArrowheads="1" noChangeShapeType="1" noTextEdit="1"/>
+          </p:cNvSpPr>
+          <p:nvPr>
+            <p:extLst>
+              <p:ext uri="{386F3935-93C4-4BCD-93E2-E3B085C9AB24}">
+                <p16:designElem xmlns:p16="http://schemas.microsoft.com/office/powerpoint/2015/main" val="1"/>
+              </p:ext>
+            </p:extLst>
+          </p:nvPr>
+        </p:nvSpPr>
+        <p:spPr>
+          <a:xfrm>
+            <a:off x="0" y="0"/>
+            <a:ext cx="12192001" cy="6334316"/>
+          </a:xfrm>
+          <a:prstGeom prst="rect">
+            <a:avLst/>
+          </a:prstGeom>
+          <a:ln>
+            <a:noFill/>
+          </a:ln>
+        </p:spPr>
+        <p:style>
+          <a:lnRef idx="2">
+            <a:schemeClr val="accent1">
+              <a:shade val="50000"/>
+            </a:schemeClr>
+          </a:lnRef>
+          <a:fillRef idx="1">
+            <a:schemeClr val="accent1"/>
+          </a:fillRef>
+          <a:effectRef idx="0">
+            <a:schemeClr val="accent1"/>
+          </a:effectRef>
+          <a:fontRef idx="minor">
+            <a:schemeClr val="lt1"/>
+          </a:fontRef>
+        </p:style>
+        <p:txBody>
+          <a:bodyPr rtlCol="0" anchor="ctr"/>
+          <a:lstStyle/>
+          <a:p>
+            <a:pPr algn="ctr"/>
+            <a:endParaRPr lang="en-US" dirty="0"/>
+          </a:p>
+        </p:txBody>
+      </p:sp>
+      <p:sp>
+        <p:nvSpPr>
+          <p:cNvPr id="2" name="Title 1">
+            <a:extLst>
+              <a:ext uri="{FF2B5EF4-FFF2-40B4-BE49-F238E27FC236}">
+                <a16:creationId xmlns:a16="http://schemas.microsoft.com/office/drawing/2014/main" id="{A2E81D72-EC99-4091-AA2C-660CCFAC39B6}"/>
+              </a:ext>
+            </a:extLst>
+          </p:cNvPr>
+          <p:cNvSpPr>
+            <a:spLocks noGrp="1"/>
+          </p:cNvSpPr>
+          <p:nvPr>
+            <p:ph type="title"/>
+          </p:nvPr>
+        </p:nvSpPr>
+        <p:spPr>
+          <a:xfrm>
+            <a:off x="7859485" y="634946"/>
+            <a:ext cx="3690257" cy="1450757"/>
+          </a:xfrm>
+        </p:spPr>
+        <p:txBody>
+          <a:bodyPr>
+            <a:normAutofit/>
+          </a:bodyPr>
+          <a:lstStyle/>
+          <a:p>
+            <a:r>
+              <a:rPr lang="en-IN" b="1" dirty="0"/>
+              <a:t>Observation</a:t>
+            </a:r>
+          </a:p>
+        </p:txBody>
+      </p:sp>
+      <p:pic>
+        <p:nvPicPr>
+          <p:cNvPr id="5" name="Content Placeholder 4">
+            <a:extLst>
+              <a:ext uri="{FF2B5EF4-FFF2-40B4-BE49-F238E27FC236}">
+                <a16:creationId xmlns:a16="http://schemas.microsoft.com/office/drawing/2014/main" id="{99059347-F5D1-41F7-B30A-23EE2BA4D650}"/>
+              </a:ext>
+            </a:extLst>
+          </p:cNvPr>
+          <p:cNvPicPr>
+            <a:picLocks noChangeAspect="1"/>
+          </p:cNvPicPr>
+          <p:nvPr/>
+        </p:nvPicPr>
+        <p:blipFill>
+          <a:blip r:embed="rId2">
+            <a:extLst>
+              <a:ext uri="{28A0092B-C50C-407E-A947-70E740481C1C}">
+                <a14:useLocalDpi xmlns:a14="http://schemas.microsoft.com/office/drawing/2010/main" val="0"/>
+              </a:ext>
+            </a:extLst>
+          </a:blip>
+          <a:stretch/>
+        </p:blipFill>
+        <p:spPr>
+          <a:xfrm>
+            <a:off x="633999" y="706109"/>
+            <a:ext cx="6909801" cy="5182350"/>
+          </a:xfrm>
+          <a:prstGeom prst="rect">
+            <a:avLst/>
+          </a:prstGeom>
+        </p:spPr>
+      </p:pic>
+      <p:cxnSp>
+        <p:nvCxnSpPr>
+          <p:cNvPr id="78" name="Straight Connector 77">
+            <a:extLst>
+              <a:ext uri="{FF2B5EF4-FFF2-40B4-BE49-F238E27FC236}">
+                <a16:creationId xmlns:a16="http://schemas.microsoft.com/office/drawing/2014/main" id="{C947DF4A-614C-4B4C-8B80-E5B9D8E8CFED}"/>
+              </a:ext>
+              <a:ext uri="{C183D7F6-B498-43B3-948B-1728B52AA6E4}">
+                <adec:decorative xmlns:adec="http://schemas.microsoft.com/office/drawing/2017/decorative" val="1"/>
+              </a:ext>
+            </a:extLst>
+          </p:cNvPr>
+          <p:cNvCxnSpPr>
+            <a:cxnSpLocks noGrp="1" noRot="1" noChangeAspect="1" noMove="1" noResize="1" noEditPoints="1" noAdjustHandles="1" noChangeArrowheads="1" noChangeShapeType="1"/>
+          </p:cNvCxnSpPr>
+          <p:nvPr>
+            <p:extLst>
+              <p:ext uri="{386F3935-93C4-4BCD-93E2-E3B085C9AB24}">
+                <p16:designElem xmlns:p16="http://schemas.microsoft.com/office/powerpoint/2015/main" val="1"/>
+              </p:ext>
+            </p:extLst>
+          </p:nvPr>
+        </p:nvCxnSpPr>
+        <p:spPr>
+          <a:xfrm>
+            <a:off x="7892143" y="2085703"/>
+            <a:ext cx="3566160" cy="0"/>
+          </a:xfrm>
+          <a:prstGeom prst="line">
+            <a:avLst/>
+          </a:prstGeom>
+          <a:ln w="6350">
+            <a:solidFill>
+              <a:schemeClr val="tx1">
+                <a:lumMod val="50000"/>
+                <a:lumOff val="50000"/>
+                <a:alpha val="90000"/>
+              </a:schemeClr>
+            </a:solidFill>
+          </a:ln>
+        </p:spPr>
+        <p:style>
+          <a:lnRef idx="1">
+            <a:schemeClr val="accent1"/>
+          </a:lnRef>
+          <a:fillRef idx="0">
+            <a:schemeClr val="accent1"/>
+          </a:fillRef>
+          <a:effectRef idx="0">
+            <a:schemeClr val="accent1"/>
+          </a:effectRef>
+          <a:fontRef idx="minor">
+            <a:schemeClr val="tx1"/>
+          </a:fontRef>
+        </p:style>
+      </p:cxnSp>
+      <p:sp>
+        <p:nvSpPr>
+          <p:cNvPr id="10" name="Content Placeholder 8">
+            <a:extLst>
+              <a:ext uri="{FF2B5EF4-FFF2-40B4-BE49-F238E27FC236}">
+                <a16:creationId xmlns:a16="http://schemas.microsoft.com/office/drawing/2014/main" id="{B0DBBD15-5CB7-4758-94C6-9FCA6E3AA552}"/>
+              </a:ext>
+            </a:extLst>
+          </p:cNvPr>
+          <p:cNvSpPr>
+            <a:spLocks noGrp="1"/>
+          </p:cNvSpPr>
+          <p:nvPr>
+            <p:ph idx="1"/>
+          </p:nvPr>
+        </p:nvSpPr>
+        <p:spPr>
+          <a:xfrm>
+            <a:off x="7859485" y="2198914"/>
+            <a:ext cx="3690257" cy="3670180"/>
+          </a:xfrm>
+        </p:spPr>
+        <p:txBody>
+          <a:bodyPr>
+            <a:normAutofit/>
+          </a:bodyPr>
+          <a:lstStyle/>
+          <a:p>
+            <a:pPr lvl="1">
+              <a:buFont typeface="Arial" panose="020B0604020202020204" pitchFamily="34" charset="0"/>
+              <a:buChar char="•"/>
+            </a:pPr>
+            <a:r>
+              <a:rPr lang="en-US" dirty="0"/>
+              <a:t>We see from the histogram of the dataset that every numbers has almost equal number of occurrence, which shows that the numbers are uniformly distributed.</a:t>
+            </a:r>
+          </a:p>
+        </p:txBody>
+      </p:sp>
+      <p:sp>
+        <p:nvSpPr>
+          <p:cNvPr id="80" name="Rectangle 79">
+            <a:extLst>
+              <a:ext uri="{FF2B5EF4-FFF2-40B4-BE49-F238E27FC236}">
+                <a16:creationId xmlns:a16="http://schemas.microsoft.com/office/drawing/2014/main" id="{1E299956-A9E7-4FC1-A0B1-D590CA9730E8}"/>
+              </a:ext>
+              <a:ext uri="{C183D7F6-B498-43B3-948B-1728B52AA6E4}">
+                <adec:decorative xmlns:adec="http://schemas.microsoft.com/office/drawing/2017/decorative" val="1"/>
+              </a:ext>
+            </a:extLst>
+          </p:cNvPr>
+          <p:cNvSpPr>
+            <a:spLocks noGrp="1" noRot="1" noChangeAspect="1" noMove="1" noResize="1" noEditPoints="1" noAdjustHandles="1" noChangeArrowheads="1" noChangeShapeType="1" noTextEdit="1"/>
+          </p:cNvSpPr>
+          <p:nvPr>
+            <p:extLst>
+              <p:ext uri="{386F3935-93C4-4BCD-93E2-E3B085C9AB24}">
+                <p16:designElem xmlns:p16="http://schemas.microsoft.com/office/powerpoint/2015/main" val="1"/>
+              </p:ext>
+            </p:extLst>
+          </p:nvPr>
+        </p:nvSpPr>
+        <p:spPr>
+          <a:xfrm>
+            <a:off x="15" y="6334316"/>
+            <a:ext cx="12191985" cy="66484"/>
+          </a:xfrm>
+          <a:prstGeom prst="rect">
+            <a:avLst/>
+          </a:prstGeom>
+          <a:solidFill>
+            <a:schemeClr val="accent1"/>
+          </a:solidFill>
+          <a:ln>
+            <a:noFill/>
+          </a:ln>
+        </p:spPr>
+        <p:style>
+          <a:lnRef idx="2">
+            <a:schemeClr val="accent1">
+              <a:shade val="50000"/>
+            </a:schemeClr>
+          </a:lnRef>
+          <a:fillRef idx="1">
+            <a:schemeClr val="accent1"/>
+          </a:fillRef>
+          <a:effectRef idx="0">
+            <a:schemeClr val="accent1"/>
+          </a:effectRef>
+          <a:fontRef idx="minor">
+            <a:schemeClr val="lt1"/>
+          </a:fontRef>
+        </p:style>
+      </p:sp>
+      <p:sp>
+        <p:nvSpPr>
+          <p:cNvPr id="82" name="Rectangle 81">
+            <a:extLst>
+              <a:ext uri="{FF2B5EF4-FFF2-40B4-BE49-F238E27FC236}">
+                <a16:creationId xmlns:a16="http://schemas.microsoft.com/office/drawing/2014/main" id="{17FC539C-B783-4B03-9F9E-D13430F3F64F}"/>
+              </a:ext>
+              <a:ext uri="{C183D7F6-B498-43B3-948B-1728B52AA6E4}">
+                <adec:decorative xmlns:adec="http://schemas.microsoft.com/office/drawing/2017/decorative" val="1"/>
+              </a:ext>
+            </a:extLst>
+          </p:cNvPr>
+          <p:cNvSpPr>
+            <a:spLocks noGrp="1" noRot="1" noChangeAspect="1" noMove="1" noResize="1" noEditPoints="1" noAdjustHandles="1" noChangeArrowheads="1" noChangeShapeType="1" noTextEdit="1"/>
+          </p:cNvSpPr>
+          <p:nvPr>
+            <p:extLst>
+              <p:ext uri="{386F3935-93C4-4BCD-93E2-E3B085C9AB24}">
+                <p16:designElem xmlns:p16="http://schemas.microsoft.com/office/powerpoint/2015/main" val="1"/>
+              </p:ext>
+            </p:extLst>
+          </p:nvPr>
+        </p:nvSpPr>
+        <p:spPr>
+          <a:xfrm>
+            <a:off x="1" y="6400800"/>
+            <a:ext cx="12192000" cy="457200"/>
+          </a:xfrm>
+          <a:prstGeom prst="rect">
+            <a:avLst/>
+          </a:prstGeom>
+          <a:solidFill>
+            <a:schemeClr val="accent2"/>
+          </a:solidFill>
+          <a:ln>
+            <a:noFill/>
+          </a:ln>
+        </p:spPr>
+        <p:style>
+          <a:lnRef idx="2">
+            <a:schemeClr val="accent1">
+              <a:shade val="50000"/>
+            </a:schemeClr>
+          </a:lnRef>
+          <a:fillRef idx="1">
+            <a:schemeClr val="accent1"/>
+          </a:fillRef>
+          <a:effectRef idx="0">
+            <a:schemeClr val="accent1"/>
+          </a:effectRef>
+          <a:fontRef idx="minor">
+            <a:schemeClr val="lt1"/>
+          </a:fontRef>
+        </p:style>
+      </p:sp>
+    </p:spTree>
+    <p:extLst>
+      <p:ext uri="{BB962C8B-B14F-4D97-AF65-F5344CB8AC3E}">
+        <p14:creationId xmlns:p14="http://schemas.microsoft.com/office/powerpoint/2010/main" val="3151025541"/>
+      </p:ext>
+    </p:extLst>
+  </p:cSld>
+  <p:clrMapOvr>
+    <a:masterClrMapping/>
+  </p:clrMapOvr>
+</p:sld>
+</file>
+
+<file path=ppt/slides/slide6.xml><?xml version="1.0" encoding="utf-8"?>
+<p:sld xmlns:a="http://schemas.openxmlformats.org/drawingml/2006/main" xmlns:r="http://schemas.openxmlformats.org/officeDocument/2006/relationships" xmlns:p="http://schemas.openxmlformats.org/presentationml/2006/main">
+  <p:cSld>
+    <p:bg>
+      <p:bgPr>
+        <a:solidFill>
+          <a:schemeClr val="bg1"/>
+        </a:solidFill>
+        <a:effectLst/>
+      </p:bgPr>
+    </p:bg>
+    <p:spTree>
+      <p:nvGrpSpPr>
+        <p:cNvPr id="1" name=""/>
+        <p:cNvGrpSpPr/>
+        <p:nvPr/>
+      </p:nvGrpSpPr>
+      <p:grpSpPr>
+        <a:xfrm>
+          <a:off x="0" y="0"/>
+          <a:ext cx="0" cy="0"/>
+          <a:chOff x="0" y="0"/>
+          <a:chExt cx="0" cy="0"/>
+        </a:xfrm>
+      </p:grpSpPr>
+      <p:pic>
+        <p:nvPicPr>
+          <p:cNvPr id="5" name="Picture 4" descr="Many question marks on black background">
+            <a:extLst>
+              <a:ext uri="{FF2B5EF4-FFF2-40B4-BE49-F238E27FC236}">
+                <a16:creationId xmlns:a16="http://schemas.microsoft.com/office/drawing/2014/main" id="{ADB0B3D9-43BA-44C0-B7D2-B552C20F9567}"/>
+              </a:ext>
+            </a:extLst>
+          </p:cNvPr>
+          <p:cNvPicPr>
+            <a:picLocks noChangeAspect="1"/>
+          </p:cNvPicPr>
+          <p:nvPr/>
+        </p:nvPicPr>
+        <p:blipFill rotWithShape="1">
+          <a:blip r:embed="rId2">
+            <a:duotone>
+              <a:schemeClr val="bg2">
+                <a:shade val="45000"/>
+                <a:satMod val="135000"/>
+              </a:schemeClr>
+              <a:prstClr val="white"/>
+            </a:duotone>
+            <a:alphaModFix amt="35000"/>
+          </a:blip>
+          <a:srcRect t="7787"/>
+          <a:stretch/>
+        </p:blipFill>
+        <p:spPr>
+          <a:xfrm>
+            <a:off x="20" y="10"/>
+            <a:ext cx="12191980" cy="6857990"/>
+          </a:xfrm>
+          <a:prstGeom prst="rect">
+            <a:avLst/>
+          </a:prstGeom>
+        </p:spPr>
+      </p:pic>
+      <p:sp>
+        <p:nvSpPr>
+          <p:cNvPr id="2" name="Title 1">
+            <a:extLst>
+              <a:ext uri="{FF2B5EF4-FFF2-40B4-BE49-F238E27FC236}">
+                <a16:creationId xmlns:a16="http://schemas.microsoft.com/office/drawing/2014/main" id="{4A52C5C3-42CA-4234-833A-76AB208648C9}"/>
+              </a:ext>
+            </a:extLst>
+          </p:cNvPr>
+          <p:cNvSpPr>
+            <a:spLocks noGrp="1"/>
+          </p:cNvSpPr>
+          <p:nvPr>
+            <p:ph type="ctrTitle"/>
+          </p:nvPr>
+        </p:nvSpPr>
+        <p:spPr>
+          <a:xfrm>
+            <a:off x="1097280" y="758952"/>
+            <a:ext cx="10058400" cy="3566160"/>
+          </a:xfrm>
+        </p:spPr>
+        <p:txBody>
+          <a:bodyPr>
+            <a:normAutofit/>
+          </a:bodyPr>
+          <a:lstStyle/>
+          <a:p>
+            <a:r>
+              <a:rPr lang="en-IN" dirty="0"/>
+              <a:t>Question 1B</a:t>
+            </a:r>
+          </a:p>
+        </p:txBody>
+      </p:sp>
+      <p:sp>
+        <p:nvSpPr>
+          <p:cNvPr id="3" name="Subtitle 2">
+            <a:extLst>
+              <a:ext uri="{FF2B5EF4-FFF2-40B4-BE49-F238E27FC236}">
+                <a16:creationId xmlns:a16="http://schemas.microsoft.com/office/drawing/2014/main" id="{418B9C51-389E-47E6-B0A9-41747AF0C1BE}"/>
+              </a:ext>
+            </a:extLst>
+          </p:cNvPr>
+          <p:cNvSpPr>
+            <a:spLocks noGrp="1"/>
+          </p:cNvSpPr>
+          <p:nvPr>
+            <p:ph type="subTitle" idx="1"/>
+          </p:nvPr>
+        </p:nvSpPr>
+        <p:spPr>
+          <a:xfrm>
+            <a:off x="1100051" y="4455620"/>
+            <a:ext cx="10058400" cy="1143000"/>
+          </a:xfrm>
+        </p:spPr>
+        <p:txBody>
+          <a:bodyPr>
+            <a:normAutofit/>
+          </a:bodyPr>
+          <a:lstStyle/>
+          <a:p>
+            <a:r>
+              <a:rPr lang="en-US" b="1" dirty="0">
+                <a:solidFill>
+                  <a:schemeClr val="tx1">
+                    <a:lumMod val="85000"/>
+                    <a:lumOff val="15000"/>
+                  </a:schemeClr>
+                </a:solidFill>
+              </a:rPr>
+              <a:t>Construct large data sets taking random numbers from normal distribution (ND)…</a:t>
+            </a:r>
+            <a:endParaRPr lang="en-IN" b="1" dirty="0">
+              <a:solidFill>
+                <a:schemeClr val="tx1">
+                  <a:lumMod val="85000"/>
+                  <a:lumOff val="15000"/>
+                </a:schemeClr>
+              </a:solidFill>
+            </a:endParaRPr>
+          </a:p>
+        </p:txBody>
+      </p:sp>
+      <p:cxnSp>
+        <p:nvCxnSpPr>
+          <p:cNvPr id="36" name="Straight Connector 35">
+            <a:extLst>
+              <a:ext uri="{FF2B5EF4-FFF2-40B4-BE49-F238E27FC236}">
+                <a16:creationId xmlns:a16="http://schemas.microsoft.com/office/drawing/2014/main" id="{77AB95BF-57D0-4E49-9EF2-408B47C8D40D}"/>
+              </a:ext>
+              <a:ext uri="{C183D7F6-B498-43B3-948B-1728B52AA6E4}">
+                <adec:decorative xmlns:adec="http://schemas.microsoft.com/office/drawing/2017/decorative" val="1"/>
+              </a:ext>
+            </a:extLst>
+          </p:cNvPr>
+          <p:cNvCxnSpPr>
+            <a:cxnSpLocks noGrp="1" noRot="1" noChangeAspect="1" noMove="1" noResize="1" noEditPoints="1" noAdjustHandles="1" noChangeArrowheads="1" noChangeShapeType="1"/>
+          </p:cNvCxnSpPr>
+          <p:nvPr>
+            <p:extLst>
+              <p:ext uri="{386F3935-93C4-4BCD-93E2-E3B085C9AB24}">
+                <p16:designElem xmlns:p16="http://schemas.microsoft.com/office/powerpoint/2015/main" val="1"/>
+              </p:ext>
+            </p:extLst>
+          </p:nvPr>
+        </p:nvCxnSpPr>
+        <p:spPr>
+          <a:xfrm>
+            <a:off x="1207658" y="4343400"/>
+            <a:ext cx="9875520" cy="0"/>
+          </a:xfrm>
+          <a:prstGeom prst="line">
+            <a:avLst/>
+          </a:prstGeom>
+          <a:ln w="6350">
+            <a:solidFill>
+              <a:schemeClr val="tx2">
+                <a:alpha val="90000"/>
+              </a:schemeClr>
+            </a:solidFill>
+          </a:ln>
+        </p:spPr>
+        <p:style>
+          <a:lnRef idx="1">
+            <a:schemeClr val="accent1"/>
+          </a:lnRef>
+          <a:fillRef idx="0">
+            <a:schemeClr val="accent1"/>
+          </a:fillRef>
+          <a:effectRef idx="0">
+            <a:schemeClr val="accent1"/>
+          </a:effectRef>
+          <a:fontRef idx="minor">
+            <a:schemeClr val="tx1"/>
+          </a:fontRef>
+        </p:style>
+      </p:cxnSp>
+      <p:sp>
+        <p:nvSpPr>
+          <p:cNvPr id="38" name="Rectangle 37">
+            <a:extLst>
+              <a:ext uri="{FF2B5EF4-FFF2-40B4-BE49-F238E27FC236}">
+                <a16:creationId xmlns:a16="http://schemas.microsoft.com/office/drawing/2014/main" id="{1C520CBD-F82E-44E4-BDA5-128716AD79C8}"/>
+              </a:ext>
+              <a:ext uri="{C183D7F6-B498-43B3-948B-1728B52AA6E4}">
+                <adec:decorative xmlns:adec="http://schemas.microsoft.com/office/drawing/2017/decorative" val="1"/>
+              </a:ext>
+            </a:extLst>
+          </p:cNvPr>
+          <p:cNvSpPr>
+            <a:spLocks noGrp="1" noRot="1" noChangeAspect="1" noMove="1" noResize="1" noEditPoints="1" noAdjustHandles="1" noChangeArrowheads="1" noChangeShapeType="1" noTextEdit="1"/>
+          </p:cNvSpPr>
+          <p:nvPr>
+            <p:extLst>
+              <p:ext uri="{386F3935-93C4-4BCD-93E2-E3B085C9AB24}">
+                <p16:designElem xmlns:p16="http://schemas.microsoft.com/office/powerpoint/2015/main" val="1"/>
+              </p:ext>
+            </p:extLst>
+          </p:nvPr>
+        </p:nvSpPr>
+        <p:spPr>
+          <a:xfrm>
+            <a:off x="15" y="6334316"/>
+            <a:ext cx="12191985" cy="66484"/>
+          </a:xfrm>
+          <a:prstGeom prst="rect">
+            <a:avLst/>
+          </a:prstGeom>
+          <a:solidFill>
+            <a:schemeClr val="accent1"/>
+          </a:solidFill>
+          <a:ln>
+            <a:noFill/>
+          </a:ln>
+        </p:spPr>
+        <p:style>
+          <a:lnRef idx="2">
+            <a:schemeClr val="accent1">
+              <a:shade val="50000"/>
+            </a:schemeClr>
+          </a:lnRef>
+          <a:fillRef idx="1">
+            <a:schemeClr val="accent1"/>
+          </a:fillRef>
+          <a:effectRef idx="0">
+            <a:schemeClr val="accent1"/>
+          </a:effectRef>
+          <a:fontRef idx="minor">
+            <a:schemeClr val="lt1"/>
+          </a:fontRef>
+        </p:style>
+      </p:sp>
+      <p:sp>
+        <p:nvSpPr>
+          <p:cNvPr id="40" name="Rectangle 39">
+            <a:extLst>
+              <a:ext uri="{FF2B5EF4-FFF2-40B4-BE49-F238E27FC236}">
+                <a16:creationId xmlns:a16="http://schemas.microsoft.com/office/drawing/2014/main" id="{4618AE32-A526-42FC-A854-732740BD38DA}"/>
+              </a:ext>
+              <a:ext uri="{C183D7F6-B498-43B3-948B-1728B52AA6E4}">
+                <adec:decorative xmlns:adec="http://schemas.microsoft.com/office/drawing/2017/decorative" val="1"/>
+              </a:ext>
+            </a:extLst>
+          </p:cNvPr>
+          <p:cNvSpPr>
+            <a:spLocks noGrp="1" noRot="1" noChangeAspect="1" noMove="1" noResize="1" noEditPoints="1" noAdjustHandles="1" noChangeArrowheads="1" noChangeShapeType="1" noTextEdit="1"/>
+          </p:cNvSpPr>
+          <p:nvPr>
+            <p:extLst>
+              <p:ext uri="{386F3935-93C4-4BCD-93E2-E3B085C9AB24}">
+                <p16:designElem xmlns:p16="http://schemas.microsoft.com/office/powerpoint/2015/main" val="1"/>
+              </p:ext>
+            </p:extLst>
+          </p:nvPr>
+        </p:nvSpPr>
+        <p:spPr>
+          <a:xfrm>
+            <a:off x="1" y="6400800"/>
+            <a:ext cx="12192000" cy="457200"/>
+          </a:xfrm>
+          <a:prstGeom prst="rect">
+            <a:avLst/>
+          </a:prstGeom>
+          <a:solidFill>
+            <a:schemeClr val="accent2"/>
+          </a:solidFill>
+          <a:ln>
+            <a:noFill/>
+          </a:ln>
+        </p:spPr>
+        <p:style>
+          <a:lnRef idx="2">
+            <a:schemeClr val="accent1">
+              <a:shade val="50000"/>
+            </a:schemeClr>
+          </a:lnRef>
+          <a:fillRef idx="1">
+            <a:schemeClr val="accent1"/>
+          </a:fillRef>
+          <a:effectRef idx="0">
+            <a:schemeClr val="accent1"/>
+          </a:effectRef>
+          <a:fontRef idx="minor">
+            <a:schemeClr val="lt1"/>
+          </a:fontRef>
+        </p:style>
+      </p:sp>
+    </p:spTree>
+    <p:extLst>
+      <p:ext uri="{BB962C8B-B14F-4D97-AF65-F5344CB8AC3E}">
+        <p14:creationId xmlns:p14="http://schemas.microsoft.com/office/powerpoint/2010/main" val="2573236318"/>
+      </p:ext>
+    </p:extLst>
+  </p:cSld>
+  <p:clrMapOvr>
+    <a:masterClrMapping/>
+  </p:clrMapOvr>
+  <p:timing>
+    <p:tnLst>
+      <p:par>
+        <p:cTn id="1" dur="indefinite" restart="never" nodeType="tmRoot">
+          <p:childTnLst>
+            <p:seq concurrent="1" nextAc="seek">
+              <p:cTn id="2" dur="indefinite" nodeType="mainSeq">
+                <p:childTnLst>
+                  <p:par>
+                    <p:cTn id="3" fill="hold">
+                      <p:stCondLst>
+                        <p:cond delay="indefinite"/>
+                        <p:cond evt="onBegin" delay="0">
+                          <p:tn val="2"/>
+                        </p:cond>
+                      </p:stCondLst>
+                      <p:childTnLst>
+                        <p:par>
+                          <p:cTn id="4" fill="hold">
+                            <p:stCondLst>
+                              <p:cond delay="0"/>
+                            </p:stCondLst>
+                            <p:childTnLst>
+                              <p:par>
+                                <p:cTn id="5" presetID="10" presetClass="entr" presetSubtype="0" fill="hold" grpId="0" nodeType="withEffect">
+                                  <p:stCondLst>
+                                    <p:cond delay="1500"/>
+                                  </p:stCondLst>
+                                  <p:iterate>
+                                    <p:tmPct val="10000"/>
+                                  </p:iterate>
+                                  <p:childTnLst>
+                                    <p:set>
+                                      <p:cBhvr>
+                                        <p:cTn id="6" dur="1" fill="hold">
+                                          <p:stCondLst>
+                                            <p:cond delay="0"/>
+                                          </p:stCondLst>
+                                        </p:cTn>
+                                        <p:tgtEl>
+                                          <p:spTgt spid="3">
+                                            <p:txEl>
+                                              <p:pRg st="0" end="0"/>
+                                            </p:txEl>
+                                          </p:spTgt>
+                                        </p:tgtEl>
+                                        <p:attrNameLst>
+                                          <p:attrName>style.visibility</p:attrName>
+                                        </p:attrNameLst>
+                                      </p:cBhvr>
+                                      <p:to>
+                                        <p:strVal val="visible"/>
+                                      </p:to>
+                                    </p:set>
+                                    <p:animEffect transition="in" filter="fade">
+                                      <p:cBhvr>
+                                        <p:cTn id="7" dur="700"/>
+                                        <p:tgtEl>
+                                          <p:spTgt spid="3">
+                                            <p:txEl>
+                                              <p:pRg st="0" end="0"/>
+                                            </p:txEl>
+                                          </p:spTgt>
+                                        </p:tgtEl>
+                                      </p:cBhvr>
+                                    </p:animEffect>
+                                  </p:childTnLst>
+                                </p:cTn>
+                              </p:par>
+                              <p:par>
+                                <p:cTn id="8" presetID="10" presetClass="entr" presetSubtype="0" fill="hold" grpId="0" nodeType="withEffect">
+                                  <p:stCondLst>
+                                    <p:cond delay="1000"/>
+                                  </p:stCondLst>
+                                  <p:iterate>
+                                    <p:tmPct val="10000"/>
+                                  </p:iterate>
+                                  <p:childTnLst>
+                                    <p:set>
+                                      <p:cBhvr>
+                                        <p:cTn id="9" dur="1" fill="hold">
+                                          <p:stCondLst>
+                                            <p:cond delay="0"/>
+                                          </p:stCondLst>
+                                        </p:cTn>
+                                        <p:tgtEl>
+                                          <p:spTgt spid="2"/>
+                                        </p:tgtEl>
+                                        <p:attrNameLst>
+                                          <p:attrName>style.visibility</p:attrName>
+                                        </p:attrNameLst>
+                                      </p:cBhvr>
+                                      <p:to>
+                                        <p:strVal val="visible"/>
+                                      </p:to>
+                                    </p:set>
+                                    <p:animEffect transition="in" filter="fade">
+                                      <p:cBhvr>
+                                        <p:cTn id="10" dur="700"/>
+                                        <p:tgtEl>
+                                          <p:spTgt spid="2"/>
+                                        </p:tgtEl>
+                                      </p:cBhvr>
+                                    </p:animEffect>
+                                  </p:childTnLst>
+                                </p:cTn>
+                              </p:par>
+                            </p:childTnLst>
+                          </p:cTn>
+                        </p:par>
+                      </p:childTnLst>
+                    </p:cTn>
+                  </p:par>
+                </p:childTnLst>
+              </p:cTn>
+              <p:prevCondLst>
+                <p:cond evt="onPrev" delay="0">
+                  <p:tgtEl>
+                    <p:sldTgt/>
+                  </p:tgtEl>
+                </p:cond>
+              </p:prevCondLst>
+              <p:nextCondLst>
+                <p:cond evt="onNext" delay="0">
+                  <p:tgtEl>
+                    <p:sldTgt/>
+                  </p:tgtEl>
+                </p:cond>
+              </p:nextCondLst>
+            </p:seq>
+          </p:childTnLst>
+        </p:cTn>
+      </p:par>
+    </p:tnLst>
+    <p:bldLst>
+      <p:bldP spid="2" grpId="0"/>
+      <p:bldP spid="3" grpId="0" build="p"/>
+    </p:bldLst>
+  </p:timing>
+</p:sld>
+</file>
+
+<file path=ppt/slides/slide7.xml><?xml version="1.0" encoding="utf-8"?>
+<p:sld xmlns:a="http://schemas.openxmlformats.org/drawingml/2006/main" xmlns:r="http://schemas.openxmlformats.org/officeDocument/2006/relationships" xmlns:p="http://schemas.openxmlformats.org/presentationml/2006/main">
+  <p:cSld>
+    <p:bg>
+      <p:bgPr>
+        <a:solidFill>
+          <a:schemeClr val="bg1"/>
+        </a:solidFill>
+        <a:effectLst/>
+      </p:bgPr>
+    </p:bg>
+    <p:spTree>
+      <p:nvGrpSpPr>
+        <p:cNvPr id="1" name=""/>
+        <p:cNvGrpSpPr/>
+        <p:nvPr/>
+      </p:nvGrpSpPr>
+      <p:grpSpPr>
+        <a:xfrm>
+          <a:off x="0" y="0"/>
+          <a:ext cx="0" cy="0"/>
+          <a:chOff x="0" y="0"/>
+          <a:chExt cx="0" cy="0"/>
+        </a:xfrm>
+      </p:grpSpPr>
+      <p:sp useBgFill="1">
+        <p:nvSpPr>
           <p:cNvPr id="26" name="Rectangle 25">
             <a:extLst>
               <a:ext uri="{FF2B5EF4-FFF2-40B4-BE49-F238E27FC236}">
@@ -34856,8 +36862,8 @@
           </a:fontRef>
         </p:style>
       </p:sp>
-      <mc:AlternateContent xmlns:mc="http://schemas.openxmlformats.org/markup-compatibility/2006">
-        <mc:Choice xmlns:a14="http://schemas.microsoft.com/office/drawing/2010/main" Requires="a14">
+      <mc:AlternateContent xmlns:mc="http://schemas.openxmlformats.org/markup-compatibility/2006" xmlns:a14="http://schemas.microsoft.com/office/drawing/2010/main">
+        <mc:Choice Requires="a14">
           <p:sp>
             <p:nvSpPr>
               <p:cNvPr id="3" name="Content Placeholder 2">
@@ -35043,7 +37049,7 @@
             </p:txBody>
           </p:sp>
         </mc:Choice>
-        <mc:Fallback>
+        <mc:Fallback xmlns="">
           <p:sp>
             <p:nvSpPr>
               <p:cNvPr id="3" name="Content Placeholder 2">
@@ -35100,7 +37106,7 @@
 </p:sld>
 </file>
 
-<file path=ppt/slides/slide6.xml><?xml version="1.0" encoding="utf-8"?>
+<file path=ppt/slides/slide8.xml><?xml version="1.0" encoding="utf-8"?>
 <p:sld xmlns:a="http://schemas.openxmlformats.org/drawingml/2006/main" xmlns:r="http://schemas.openxmlformats.org/officeDocument/2006/relationships" xmlns:p="http://schemas.openxmlformats.org/presentationml/2006/main">
   <p:cSld>
     <p:bg>
@@ -35483,7 +37489,7 @@
 </p:sld>
 </file>
 
-<file path=ppt/slides/slide7.xml><?xml version="1.0" encoding="utf-8"?>
+<file path=ppt/slides/slide9.xml><?xml version="1.0" encoding="utf-8"?>
 <p:sld xmlns:a="http://schemas.openxmlformats.org/drawingml/2006/main" xmlns:r="http://schemas.openxmlformats.org/officeDocument/2006/relationships" xmlns:p="http://schemas.openxmlformats.org/presentationml/2006/main">
   <p:cSld>
     <p:bg>
@@ -35944,1109 +37950,6 @@
       <p:bldP spid="3" grpId="0" build="p"/>
     </p:bldLst>
   </p:timing>
-</p:sld>
-</file>
-
-<file path=ppt/slides/slide8.xml><?xml version="1.0" encoding="utf-8"?>
-<p:sld xmlns:a="http://schemas.openxmlformats.org/drawingml/2006/main" xmlns:r="http://schemas.openxmlformats.org/officeDocument/2006/relationships" xmlns:p="http://schemas.openxmlformats.org/presentationml/2006/main">
-  <p:cSld>
-    <p:bg>
-      <p:bgPr>
-        <a:solidFill>
-          <a:schemeClr val="bg1"/>
-        </a:solidFill>
-        <a:effectLst/>
-      </p:bgPr>
-    </p:bg>
-    <p:spTree>
-      <p:nvGrpSpPr>
-        <p:cNvPr id="1" name=""/>
-        <p:cNvGrpSpPr/>
-        <p:nvPr/>
-      </p:nvGrpSpPr>
-      <p:grpSpPr>
-        <a:xfrm>
-          <a:off x="0" y="0"/>
-          <a:ext cx="0" cy="0"/>
-          <a:chOff x="0" y="0"/>
-          <a:chExt cx="0" cy="0"/>
-        </a:xfrm>
-      </p:grpSpPr>
-      <p:sp useBgFill="1">
-        <p:nvSpPr>
-          <p:cNvPr id="52" name="Rectangle 44">
-            <a:extLst>
-              <a:ext uri="{FF2B5EF4-FFF2-40B4-BE49-F238E27FC236}">
-                <a16:creationId xmlns:a16="http://schemas.microsoft.com/office/drawing/2014/main" id="{3741B58E-3B65-4A01-A276-975AB2CF8A08}"/>
-              </a:ext>
-              <a:ext uri="{C183D7F6-B498-43B3-948B-1728B52AA6E4}">
-                <adec:decorative xmlns:adec="http://schemas.microsoft.com/office/drawing/2017/decorative" val="1"/>
-              </a:ext>
-            </a:extLst>
-          </p:cNvPr>
-          <p:cNvSpPr>
-            <a:spLocks noGrp="1" noRot="1" noChangeAspect="1" noMove="1" noResize="1" noEditPoints="1" noAdjustHandles="1" noChangeArrowheads="1" noChangeShapeType="1" noTextEdit="1"/>
-          </p:cNvSpPr>
-          <p:nvPr>
-            <p:extLst>
-              <p:ext uri="{386F3935-93C4-4BCD-93E2-E3B085C9AB24}">
-                <p16:designElem xmlns:p16="http://schemas.microsoft.com/office/powerpoint/2015/main" val="1"/>
-              </p:ext>
-            </p:extLst>
-          </p:nvPr>
-        </p:nvSpPr>
-        <p:spPr>
-          <a:xfrm>
-            <a:off x="0" y="0"/>
-            <a:ext cx="12186315" cy="6858000"/>
-          </a:xfrm>
-          <a:prstGeom prst="rect">
-            <a:avLst/>
-          </a:prstGeom>
-          <a:ln>
-            <a:noFill/>
-          </a:ln>
-        </p:spPr>
-        <p:style>
-          <a:lnRef idx="2">
-            <a:schemeClr val="accent6">
-              <a:shade val="50000"/>
-            </a:schemeClr>
-          </a:lnRef>
-          <a:fillRef idx="1001">
-            <a:schemeClr val="lt1"/>
-          </a:fillRef>
-          <a:effectRef idx="0">
-            <a:schemeClr val="accent6"/>
-          </a:effectRef>
-          <a:fontRef idx="minor">
-            <a:schemeClr val="lt1"/>
-          </a:fontRef>
-        </p:style>
-        <p:txBody>
-          <a:bodyPr rtlCol="0" anchor="ctr"/>
-          <a:lstStyle/>
-          <a:p>
-            <a:pPr algn="ctr"/>
-            <a:endParaRPr lang="en-US" dirty="0"/>
-          </a:p>
-        </p:txBody>
-      </p:sp>
-      <p:sp>
-        <p:nvSpPr>
-          <p:cNvPr id="53" name="Rectangle 46">
-            <a:extLst>
-              <a:ext uri="{FF2B5EF4-FFF2-40B4-BE49-F238E27FC236}">
-                <a16:creationId xmlns:a16="http://schemas.microsoft.com/office/drawing/2014/main" id="{7AAC67C3-831B-4AB1-A259-DFB839CAFAFC}"/>
-              </a:ext>
-              <a:ext uri="{C183D7F6-B498-43B3-948B-1728B52AA6E4}">
-                <adec:decorative xmlns:adec="http://schemas.microsoft.com/office/drawing/2017/decorative" val="1"/>
-              </a:ext>
-            </a:extLst>
-          </p:cNvPr>
-          <p:cNvSpPr>
-            <a:spLocks noGrp="1" noRot="1" noChangeAspect="1" noMove="1" noResize="1" noEditPoints="1" noAdjustHandles="1" noChangeArrowheads="1" noChangeShapeType="1" noTextEdit="1"/>
-          </p:cNvSpPr>
-          <p:nvPr>
-            <p:extLst>
-              <p:ext uri="{386F3935-93C4-4BCD-93E2-E3B085C9AB24}">
-                <p16:designElem xmlns:p16="http://schemas.microsoft.com/office/powerpoint/2015/main" val="1"/>
-              </p:ext>
-            </p:extLst>
-          </p:nvPr>
-        </p:nvSpPr>
-        <p:spPr>
-          <a:xfrm>
-            <a:off x="16" y="0"/>
-            <a:ext cx="4050791" cy="6858000"/>
-          </a:xfrm>
-          <a:prstGeom prst="rect">
-            <a:avLst/>
-          </a:prstGeom>
-          <a:solidFill>
-            <a:schemeClr val="accent2"/>
-          </a:solidFill>
-          <a:ln>
-            <a:noFill/>
-          </a:ln>
-        </p:spPr>
-        <p:style>
-          <a:lnRef idx="2">
-            <a:schemeClr val="accent1">
-              <a:shade val="50000"/>
-            </a:schemeClr>
-          </a:lnRef>
-          <a:fillRef idx="1">
-            <a:schemeClr val="accent1"/>
-          </a:fillRef>
-          <a:effectRef idx="0">
-            <a:schemeClr val="accent1"/>
-          </a:effectRef>
-          <a:fontRef idx="minor">
-            <a:schemeClr val="lt1"/>
-          </a:fontRef>
-        </p:style>
-      </p:sp>
-      <p:sp>
-        <p:nvSpPr>
-          <p:cNvPr id="2" name="Title 1">
-            <a:extLst>
-              <a:ext uri="{FF2B5EF4-FFF2-40B4-BE49-F238E27FC236}">
-                <a16:creationId xmlns:a16="http://schemas.microsoft.com/office/drawing/2014/main" id="{1771E5D7-26CB-4F5E-9EFD-797FFC8241CF}"/>
-              </a:ext>
-            </a:extLst>
-          </p:cNvPr>
-          <p:cNvSpPr>
-            <a:spLocks noGrp="1"/>
-          </p:cNvSpPr>
-          <p:nvPr>
-            <p:ph type="title"/>
-          </p:nvPr>
-        </p:nvSpPr>
-        <p:spPr>
-          <a:xfrm>
-            <a:off x="492370" y="605896"/>
-            <a:ext cx="3084844" cy="5646208"/>
-          </a:xfrm>
-        </p:spPr>
-        <p:txBody>
-          <a:bodyPr anchor="ctr">
-            <a:normAutofit/>
-          </a:bodyPr>
-          <a:lstStyle/>
-          <a:p>
-            <a:r>
-              <a:rPr lang="en-IN" sz="3600" b="1" dirty="0">
-                <a:solidFill>
-                  <a:srgbClr val="FFFFFF"/>
-                </a:solidFill>
-              </a:rPr>
-              <a:t>What is </a:t>
-            </a:r>
-            <a:r>
-              <a:rPr lang="en-IN" sz="3600" b="1" i="0" dirty="0">
-                <a:solidFill>
-                  <a:srgbClr val="FFFFFF"/>
-                </a:solidFill>
-                <a:effectLst/>
-                <a:latin typeface="sofia-pro"/>
-              </a:rPr>
-              <a:t>Merge Sort</a:t>
-            </a:r>
-            <a:endParaRPr lang="en-IN" sz="3600" b="1" dirty="0">
-              <a:solidFill>
-                <a:srgbClr val="FFFFFF"/>
-              </a:solidFill>
-            </a:endParaRPr>
-          </a:p>
-        </p:txBody>
-      </p:sp>
-      <p:sp>
-        <p:nvSpPr>
-          <p:cNvPr id="54" name="Rectangle 48">
-            <a:extLst>
-              <a:ext uri="{FF2B5EF4-FFF2-40B4-BE49-F238E27FC236}">
-                <a16:creationId xmlns:a16="http://schemas.microsoft.com/office/drawing/2014/main" id="{054B3F04-9EAC-45C0-B3CE-0387EEA10A0C}"/>
-              </a:ext>
-              <a:ext uri="{C183D7F6-B498-43B3-948B-1728B52AA6E4}">
-                <adec:decorative xmlns:adec="http://schemas.microsoft.com/office/drawing/2017/decorative" val="1"/>
-              </a:ext>
-            </a:extLst>
-          </p:cNvPr>
-          <p:cNvSpPr>
-            <a:spLocks noGrp="1" noRot="1" noChangeAspect="1" noMove="1" noResize="1" noEditPoints="1" noAdjustHandles="1" noChangeArrowheads="1" noChangeShapeType="1" noTextEdit="1"/>
-          </p:cNvSpPr>
-          <p:nvPr>
-            <p:extLst>
-              <p:ext uri="{386F3935-93C4-4BCD-93E2-E3B085C9AB24}">
-                <p16:designElem xmlns:p16="http://schemas.microsoft.com/office/powerpoint/2015/main" val="1"/>
-              </p:ext>
-            </p:extLst>
-          </p:nvPr>
-        </p:nvSpPr>
-        <p:spPr>
-          <a:xfrm>
-            <a:off x="4040071" y="0"/>
-            <a:ext cx="64008" cy="6858000"/>
-          </a:xfrm>
-          <a:prstGeom prst="rect">
-            <a:avLst/>
-          </a:prstGeom>
-          <a:solidFill>
-            <a:schemeClr val="accent1"/>
-          </a:solidFill>
-          <a:ln>
-            <a:noFill/>
-          </a:ln>
-        </p:spPr>
-        <p:style>
-          <a:lnRef idx="2">
-            <a:schemeClr val="accent1">
-              <a:shade val="50000"/>
-            </a:schemeClr>
-          </a:lnRef>
-          <a:fillRef idx="1">
-            <a:schemeClr val="accent1"/>
-          </a:fillRef>
-          <a:effectRef idx="0">
-            <a:schemeClr val="accent1"/>
-          </a:effectRef>
-          <a:fontRef idx="minor">
-            <a:schemeClr val="lt1"/>
-          </a:fontRef>
-        </p:style>
-      </p:sp>
-      <mc:AlternateContent xmlns:mc="http://schemas.openxmlformats.org/markup-compatibility/2006">
-        <mc:Choice xmlns:a14="http://schemas.microsoft.com/office/drawing/2010/main" Requires="a14">
-          <p:sp>
-            <p:nvSpPr>
-              <p:cNvPr id="3" name="Content Placeholder 2">
-                <a:extLst>
-                  <a:ext uri="{FF2B5EF4-FFF2-40B4-BE49-F238E27FC236}">
-                    <a16:creationId xmlns:a16="http://schemas.microsoft.com/office/drawing/2014/main" id="{8C1A0A05-7284-47B2-BB30-FCEB6D32D7EB}"/>
-                  </a:ext>
-                </a:extLst>
-              </p:cNvPr>
-              <p:cNvSpPr>
-                <a:spLocks noGrp="1"/>
-              </p:cNvSpPr>
-              <p:nvPr>
-                <p:ph idx="1"/>
-              </p:nvPr>
-            </p:nvSpPr>
-            <p:spPr>
-              <a:xfrm>
-                <a:off x="4742016" y="605896"/>
-                <a:ext cx="6413663" cy="5646208"/>
-              </a:xfrm>
-            </p:spPr>
-            <p:txBody>
-              <a:bodyPr anchor="ctr">
-                <a:normAutofit/>
-              </a:bodyPr>
-              <a:lstStyle/>
-              <a:p>
-                <a:r>
-                  <a:rPr lang="en-IN" dirty="0"/>
-                  <a:t>The Merge sort is a “Divide and Conquer” Algorithm which works as follows:</a:t>
-                </a:r>
-              </a:p>
-              <a:p>
-                <a:pPr marL="544068" lvl="1" indent="-342900">
-                  <a:buFont typeface="+mj-lt"/>
-                  <a:buAutoNum type="arabicPeriod"/>
-                </a:pPr>
-                <a:r>
-                  <a:rPr lang="en-US" u="sng" dirty="0"/>
-                  <a:t>Divide</a:t>
-                </a:r>
-                <a:r>
-                  <a:rPr lang="en-US" dirty="0"/>
-                  <a:t> n-element sequence into n/2 elements in two subsequences. [</a:t>
-                </a:r>
-                <a14:m>
-                  <m:oMath xmlns:m="http://schemas.openxmlformats.org/officeDocument/2006/math">
-                    <m:r>
-                      <a:rPr lang="en-IN" b="0" i="1" smtClean="0">
-                        <a:latin typeface="Cambria Math" panose="02040503050406030204" pitchFamily="18" charset="0"/>
-                      </a:rPr>
-                      <m:t>𝑂</m:t>
-                    </m:r>
-                    <m:r>
-                      <a:rPr lang="en-IN" b="0" i="1" smtClean="0">
-                        <a:latin typeface="Cambria Math" panose="02040503050406030204" pitchFamily="18" charset="0"/>
-                      </a:rPr>
-                      <m:t>(1)</m:t>
-                    </m:r>
-                  </m:oMath>
-                </a14:m>
-                <a:r>
-                  <a:rPr lang="en-US" dirty="0"/>
-                  <a:t>, divides into two parts]</a:t>
-                </a:r>
-              </a:p>
-              <a:p>
-                <a:pPr marL="544068" lvl="1" indent="-342900">
-                  <a:buFont typeface="+mj-lt"/>
-                  <a:buAutoNum type="arabicPeriod"/>
-                </a:pPr>
-                <a:r>
-                  <a:rPr lang="en-US" u="sng" dirty="0"/>
-                  <a:t>CONQUER</a:t>
-                </a:r>
-                <a:r>
-                  <a:rPr lang="en-US" dirty="0"/>
-                  <a:t>: sort the two subsequences recursively.</a:t>
-                </a:r>
-              </a:p>
-              <a:p>
-                <a:pPr marL="544068" lvl="1" indent="-342900">
-                  <a:buFont typeface="+mj-lt"/>
-                  <a:buAutoNum type="arabicPeriod"/>
-                </a:pPr>
-                <a:r>
-                  <a:rPr lang="en-US" u="sng" dirty="0"/>
-                  <a:t>COMBINE</a:t>
-                </a:r>
-                <a:r>
-                  <a:rPr lang="en-US" dirty="0"/>
-                  <a:t>: MERGE the two subsequences. [</a:t>
-                </a:r>
-                <a14:m>
-                  <m:oMath xmlns:m="http://schemas.openxmlformats.org/officeDocument/2006/math">
-                    <m:r>
-                      <a:rPr lang="en-IN" b="0" i="1" smtClean="0">
-                        <a:latin typeface="Cambria Math" panose="02040503050406030204" pitchFamily="18" charset="0"/>
-                      </a:rPr>
-                      <m:t>𝑂</m:t>
-                    </m:r>
-                    <m:r>
-                      <a:rPr lang="en-IN" b="0" i="1" smtClean="0">
-                        <a:latin typeface="Cambria Math" panose="02040503050406030204" pitchFamily="18" charset="0"/>
-                      </a:rPr>
-                      <m:t>(</m:t>
-                    </m:r>
-                    <m:r>
-                      <a:rPr lang="en-IN" b="0" i="1" smtClean="0">
-                        <a:latin typeface="Cambria Math" panose="02040503050406030204" pitchFamily="18" charset="0"/>
-                      </a:rPr>
-                      <m:t>𝑛</m:t>
-                    </m:r>
-                    <m:r>
-                      <a:rPr lang="en-IN" b="0" i="1" smtClean="0">
-                        <a:latin typeface="Cambria Math" panose="02040503050406030204" pitchFamily="18" charset="0"/>
-                      </a:rPr>
-                      <m:t>)</m:t>
-                    </m:r>
-                  </m:oMath>
-                </a14:m>
-                <a:r>
-                  <a:rPr lang="en-US" dirty="0"/>
-                  <a:t>]</a:t>
-                </a:r>
-              </a:p>
-              <a:p>
-                <a:pPr marL="544068" lvl="1" indent="-342900">
-                  <a:buFont typeface="+mj-lt"/>
-                  <a:buAutoNum type="arabicPeriod"/>
-                </a:pPr>
-                <a:endParaRPr lang="en-US" dirty="0"/>
-              </a:p>
-              <a:p>
-                <a:pPr marL="201168" lvl="1" indent="0">
-                  <a:buNone/>
-                </a:pPr>
-                <a:r>
-                  <a:rPr lang="en-US" dirty="0"/>
-                  <a:t>This method gives the following recurrence relation:</a:t>
-                </a:r>
-              </a:p>
-              <a:p>
-                <a:pPr marL="201168" lvl="1" indent="0">
-                  <a:buNone/>
-                </a:pPr>
-                <a14:m>
-                  <m:oMathPara xmlns:m="http://schemas.openxmlformats.org/officeDocument/2006/math">
-                    <m:oMathParaPr>
-                      <m:jc m:val="centerGroup"/>
-                    </m:oMathParaPr>
-                    <m:oMath xmlns:m="http://schemas.openxmlformats.org/officeDocument/2006/math">
-                      <m:r>
-                        <a:rPr lang="en-IN" b="0" i="1" smtClean="0">
-                          <a:latin typeface="Cambria Math" panose="02040503050406030204" pitchFamily="18" charset="0"/>
-                        </a:rPr>
-                        <m:t>𝑇</m:t>
-                      </m:r>
-                      <m:d>
-                        <m:dPr>
-                          <m:ctrlPr>
-                            <a:rPr lang="en-IN" b="0" i="1" smtClean="0">
-                              <a:latin typeface="Cambria Math" panose="02040503050406030204" pitchFamily="18" charset="0"/>
-                            </a:rPr>
-                          </m:ctrlPr>
-                        </m:dPr>
-                        <m:e>
-                          <m:r>
-                            <a:rPr lang="en-IN" b="0" i="1" smtClean="0">
-                              <a:latin typeface="Cambria Math" panose="02040503050406030204" pitchFamily="18" charset="0"/>
-                            </a:rPr>
-                            <m:t>𝑛</m:t>
-                          </m:r>
-                        </m:e>
-                      </m:d>
-                      <m:r>
-                        <a:rPr lang="en-IN" b="0" i="1" smtClean="0">
-                          <a:latin typeface="Cambria Math" panose="02040503050406030204" pitchFamily="18" charset="0"/>
-                        </a:rPr>
-                        <m:t>=2 </m:t>
-                      </m:r>
-                      <m:r>
-                        <a:rPr lang="en-IN" b="0" i="1" smtClean="0">
-                          <a:latin typeface="Cambria Math" panose="02040503050406030204" pitchFamily="18" charset="0"/>
-                        </a:rPr>
-                        <m:t>𝑇</m:t>
-                      </m:r>
-                      <m:d>
-                        <m:dPr>
-                          <m:ctrlPr>
-                            <a:rPr lang="en-IN" b="0" i="1" smtClean="0">
-                              <a:latin typeface="Cambria Math" panose="02040503050406030204" pitchFamily="18" charset="0"/>
-                            </a:rPr>
-                          </m:ctrlPr>
-                        </m:dPr>
-                        <m:e>
-                          <m:f>
-                            <m:fPr>
-                              <m:ctrlPr>
-                                <a:rPr lang="en-IN" b="0" i="1" smtClean="0">
-                                  <a:latin typeface="Cambria Math" panose="02040503050406030204" pitchFamily="18" charset="0"/>
-                                </a:rPr>
-                              </m:ctrlPr>
-                            </m:fPr>
-                            <m:num>
-                              <m:r>
-                                <a:rPr lang="en-IN" b="0" i="1" smtClean="0">
-                                  <a:latin typeface="Cambria Math" panose="02040503050406030204" pitchFamily="18" charset="0"/>
-                                </a:rPr>
-                                <m:t>𝑛</m:t>
-                              </m:r>
-                            </m:num>
-                            <m:den>
-                              <m:r>
-                                <a:rPr lang="en-IN" b="0" i="1" smtClean="0">
-                                  <a:latin typeface="Cambria Math" panose="02040503050406030204" pitchFamily="18" charset="0"/>
-                                </a:rPr>
-                                <m:t>2</m:t>
-                              </m:r>
-                            </m:den>
-                          </m:f>
-                        </m:e>
-                      </m:d>
-                      <m:r>
-                        <a:rPr lang="en-IN" b="0" i="1" smtClean="0">
-                          <a:latin typeface="Cambria Math" panose="02040503050406030204" pitchFamily="18" charset="0"/>
-                        </a:rPr>
-                        <m:t>+</m:t>
-                      </m:r>
-                      <m:r>
-                        <a:rPr lang="en-IN" b="0" i="1" smtClean="0">
-                          <a:latin typeface="Cambria Math" panose="02040503050406030204" pitchFamily="18" charset="0"/>
-                        </a:rPr>
-                        <m:t>𝑂</m:t>
-                      </m:r>
-                      <m:r>
-                        <a:rPr lang="en-IN" b="0" i="1" smtClean="0">
-                          <a:latin typeface="Cambria Math" panose="02040503050406030204" pitchFamily="18" charset="0"/>
-                        </a:rPr>
-                        <m:t>(</m:t>
-                      </m:r>
-                      <m:r>
-                        <a:rPr lang="en-IN" b="0" i="1" smtClean="0">
-                          <a:latin typeface="Cambria Math" panose="02040503050406030204" pitchFamily="18" charset="0"/>
-                        </a:rPr>
-                        <m:t>𝑛</m:t>
-                      </m:r>
-                      <m:r>
-                        <a:rPr lang="en-IN" b="0" i="1" smtClean="0">
-                          <a:latin typeface="Cambria Math" panose="02040503050406030204" pitchFamily="18" charset="0"/>
-                        </a:rPr>
-                        <m:t>)</m:t>
-                      </m:r>
-                    </m:oMath>
-                  </m:oMathPara>
-                </a14:m>
-                <a:endParaRPr lang="en-US" dirty="0"/>
-              </a:p>
-              <a:p>
-                <a:pPr marL="544068" lvl="1" indent="-342900">
-                  <a:buFont typeface="+mj-lt"/>
-                  <a:buAutoNum type="arabicPeriod"/>
-                </a:pPr>
-                <a:endParaRPr lang="en-US" dirty="0"/>
-              </a:p>
-              <a:p>
-                <a:pPr lvl="1"/>
-                <a:endParaRPr lang="en-IN" dirty="0"/>
-              </a:p>
-            </p:txBody>
-          </p:sp>
-        </mc:Choice>
-        <mc:Fallback>
-          <p:sp>
-            <p:nvSpPr>
-              <p:cNvPr id="3" name="Content Placeholder 2">
-                <a:extLst>
-                  <a:ext uri="{FF2B5EF4-FFF2-40B4-BE49-F238E27FC236}">
-                    <a16:creationId xmlns:a16="http://schemas.microsoft.com/office/drawing/2014/main" id="{8C1A0A05-7284-47B2-BB30-FCEB6D32D7EB}"/>
-                  </a:ext>
-                </a:extLst>
-              </p:cNvPr>
-              <p:cNvSpPr>
-                <a:spLocks noGrp="1" noRot="1" noChangeAspect="1" noMove="1" noResize="1" noEditPoints="1" noAdjustHandles="1" noChangeArrowheads="1" noChangeShapeType="1" noTextEdit="1"/>
-              </p:cNvSpPr>
-              <p:nvPr>
-                <p:ph idx="1"/>
-              </p:nvPr>
-            </p:nvSpPr>
-            <p:spPr>
-              <a:xfrm>
-                <a:off x="4742016" y="605896"/>
-                <a:ext cx="6413663" cy="5646208"/>
-              </a:xfrm>
-              <a:blipFill>
-                <a:blip r:embed="rId2"/>
-                <a:stretch>
-                  <a:fillRect l="-1046"/>
-                </a:stretch>
-              </a:blipFill>
-            </p:spPr>
-            <p:txBody>
-              <a:bodyPr/>
-              <a:lstStyle/>
-              <a:p>
-                <a:r>
-                  <a:rPr lang="en-IN">
-                    <a:noFill/>
-                  </a:rPr>
-                  <a:t> </a:t>
-                </a:r>
-              </a:p>
-            </p:txBody>
-          </p:sp>
-        </mc:Fallback>
-      </mc:AlternateContent>
-    </p:spTree>
-    <p:extLst>
-      <p:ext uri="{BB962C8B-B14F-4D97-AF65-F5344CB8AC3E}">
-        <p14:creationId xmlns:p14="http://schemas.microsoft.com/office/powerpoint/2010/main" val="3373383176"/>
-      </p:ext>
-    </p:extLst>
-  </p:cSld>
-  <p:clrMapOvr>
-    <a:masterClrMapping/>
-  </p:clrMapOvr>
-</p:sld>
-</file>
-
-<file path=ppt/slides/slide9.xml><?xml version="1.0" encoding="utf-8"?>
-<p:sld xmlns:a="http://schemas.openxmlformats.org/drawingml/2006/main" xmlns:r="http://schemas.openxmlformats.org/officeDocument/2006/relationships" xmlns:p="http://schemas.openxmlformats.org/presentationml/2006/main">
-  <p:cSld>
-    <p:bg>
-      <p:bgPr>
-        <a:solidFill>
-          <a:schemeClr val="bg1"/>
-        </a:solidFill>
-        <a:effectLst/>
-      </p:bgPr>
-    </p:bg>
-    <p:spTree>
-      <p:nvGrpSpPr>
-        <p:cNvPr id="1" name=""/>
-        <p:cNvGrpSpPr/>
-        <p:nvPr/>
-      </p:nvGrpSpPr>
-      <p:grpSpPr>
-        <a:xfrm>
-          <a:off x="0" y="0"/>
-          <a:ext cx="0" cy="0"/>
-          <a:chOff x="0" y="0"/>
-          <a:chExt cx="0" cy="0"/>
-        </a:xfrm>
-      </p:grpSpPr>
-      <p:sp useBgFill="1">
-        <p:nvSpPr>
-          <p:cNvPr id="17" name="Rectangle 7">
-            <a:extLst>
-              <a:ext uri="{FF2B5EF4-FFF2-40B4-BE49-F238E27FC236}">
-                <a16:creationId xmlns:a16="http://schemas.microsoft.com/office/drawing/2014/main" id="{3741B58E-3B65-4A01-A276-975AB2CF8A08}"/>
-              </a:ext>
-              <a:ext uri="{C183D7F6-B498-43B3-948B-1728B52AA6E4}">
-                <adec:decorative xmlns:adec="http://schemas.microsoft.com/office/drawing/2017/decorative" val="1"/>
-              </a:ext>
-            </a:extLst>
-          </p:cNvPr>
-          <p:cNvSpPr>
-            <a:spLocks noGrp="1" noRot="1" noChangeAspect="1" noMove="1" noResize="1" noEditPoints="1" noAdjustHandles="1" noChangeArrowheads="1" noChangeShapeType="1" noTextEdit="1"/>
-          </p:cNvSpPr>
-          <p:nvPr>
-            <p:extLst>
-              <p:ext uri="{386F3935-93C4-4BCD-93E2-E3B085C9AB24}">
-                <p16:designElem xmlns:p16="http://schemas.microsoft.com/office/powerpoint/2015/main" val="1"/>
-              </p:ext>
-            </p:extLst>
-          </p:nvPr>
-        </p:nvSpPr>
-        <p:spPr>
-          <a:xfrm>
-            <a:off x="0" y="0"/>
-            <a:ext cx="12186315" cy="6858000"/>
-          </a:xfrm>
-          <a:prstGeom prst="rect">
-            <a:avLst/>
-          </a:prstGeom>
-          <a:ln>
-            <a:noFill/>
-          </a:ln>
-        </p:spPr>
-        <p:style>
-          <a:lnRef idx="2">
-            <a:schemeClr val="accent6">
-              <a:shade val="50000"/>
-            </a:schemeClr>
-          </a:lnRef>
-          <a:fillRef idx="1001">
-            <a:schemeClr val="lt1"/>
-          </a:fillRef>
-          <a:effectRef idx="0">
-            <a:schemeClr val="accent6"/>
-          </a:effectRef>
-          <a:fontRef idx="minor">
-            <a:schemeClr val="lt1"/>
-          </a:fontRef>
-        </p:style>
-        <p:txBody>
-          <a:bodyPr rtlCol="0" anchor="ctr"/>
-          <a:lstStyle/>
-          <a:p>
-            <a:pPr algn="ctr"/>
-            <a:endParaRPr lang="en-US" dirty="0"/>
-          </a:p>
-        </p:txBody>
-      </p:sp>
-      <p:sp>
-        <p:nvSpPr>
-          <p:cNvPr id="18" name="Rectangle 9">
-            <a:extLst>
-              <a:ext uri="{FF2B5EF4-FFF2-40B4-BE49-F238E27FC236}">
-                <a16:creationId xmlns:a16="http://schemas.microsoft.com/office/drawing/2014/main" id="{7AAC67C3-831B-4AB1-A259-DFB839CAFAFC}"/>
-              </a:ext>
-              <a:ext uri="{C183D7F6-B498-43B3-948B-1728B52AA6E4}">
-                <adec:decorative xmlns:adec="http://schemas.microsoft.com/office/drawing/2017/decorative" val="1"/>
-              </a:ext>
-            </a:extLst>
-          </p:cNvPr>
-          <p:cNvSpPr>
-            <a:spLocks noGrp="1" noRot="1" noChangeAspect="1" noMove="1" noResize="1" noEditPoints="1" noAdjustHandles="1" noChangeArrowheads="1" noChangeShapeType="1" noTextEdit="1"/>
-          </p:cNvSpPr>
-          <p:nvPr>
-            <p:extLst>
-              <p:ext uri="{386F3935-93C4-4BCD-93E2-E3B085C9AB24}">
-                <p16:designElem xmlns:p16="http://schemas.microsoft.com/office/powerpoint/2015/main" val="1"/>
-              </p:ext>
-            </p:extLst>
-          </p:nvPr>
-        </p:nvSpPr>
-        <p:spPr>
-          <a:xfrm>
-            <a:off x="16" y="0"/>
-            <a:ext cx="4050791" cy="6858000"/>
-          </a:xfrm>
-          <a:prstGeom prst="rect">
-            <a:avLst/>
-          </a:prstGeom>
-          <a:solidFill>
-            <a:schemeClr val="accent2"/>
-          </a:solidFill>
-          <a:ln>
-            <a:noFill/>
-          </a:ln>
-        </p:spPr>
-        <p:style>
-          <a:lnRef idx="2">
-            <a:schemeClr val="accent1">
-              <a:shade val="50000"/>
-            </a:schemeClr>
-          </a:lnRef>
-          <a:fillRef idx="1">
-            <a:schemeClr val="accent1"/>
-          </a:fillRef>
-          <a:effectRef idx="0">
-            <a:schemeClr val="accent1"/>
-          </a:effectRef>
-          <a:fontRef idx="minor">
-            <a:schemeClr val="lt1"/>
-          </a:fontRef>
-        </p:style>
-      </p:sp>
-      <p:sp>
-        <p:nvSpPr>
-          <p:cNvPr id="2" name="Title 1">
-            <a:extLst>
-              <a:ext uri="{FF2B5EF4-FFF2-40B4-BE49-F238E27FC236}">
-                <a16:creationId xmlns:a16="http://schemas.microsoft.com/office/drawing/2014/main" id="{7F59974E-C66C-41AE-A68A-C87B8E5E5CD4}"/>
-              </a:ext>
-            </a:extLst>
-          </p:cNvPr>
-          <p:cNvSpPr>
-            <a:spLocks noGrp="1"/>
-          </p:cNvSpPr>
-          <p:nvPr>
-            <p:ph type="title"/>
-          </p:nvPr>
-        </p:nvSpPr>
-        <p:spPr>
-          <a:xfrm>
-            <a:off x="492370" y="605896"/>
-            <a:ext cx="3084844" cy="5646208"/>
-          </a:xfrm>
-        </p:spPr>
-        <p:txBody>
-          <a:bodyPr anchor="ctr">
-            <a:normAutofit/>
-          </a:bodyPr>
-          <a:lstStyle/>
-          <a:p>
-            <a:r>
-              <a:rPr lang="en-IN" sz="3600" b="1" dirty="0">
-                <a:solidFill>
-                  <a:srgbClr val="FFFFFF"/>
-                </a:solidFill>
-              </a:rPr>
-              <a:t>Merge Sort Algorithm</a:t>
-            </a:r>
-          </a:p>
-        </p:txBody>
-      </p:sp>
-      <p:sp>
-        <p:nvSpPr>
-          <p:cNvPr id="19" name="Rectangle 11">
-            <a:extLst>
-              <a:ext uri="{FF2B5EF4-FFF2-40B4-BE49-F238E27FC236}">
-                <a16:creationId xmlns:a16="http://schemas.microsoft.com/office/drawing/2014/main" id="{054B3F04-9EAC-45C0-B3CE-0387EEA10A0C}"/>
-              </a:ext>
-              <a:ext uri="{C183D7F6-B498-43B3-948B-1728B52AA6E4}">
-                <adec:decorative xmlns:adec="http://schemas.microsoft.com/office/drawing/2017/decorative" val="1"/>
-              </a:ext>
-            </a:extLst>
-          </p:cNvPr>
-          <p:cNvSpPr>
-            <a:spLocks noGrp="1" noRot="1" noChangeAspect="1" noMove="1" noResize="1" noEditPoints="1" noAdjustHandles="1" noChangeArrowheads="1" noChangeShapeType="1" noTextEdit="1"/>
-          </p:cNvSpPr>
-          <p:nvPr>
-            <p:extLst>
-              <p:ext uri="{386F3935-93C4-4BCD-93E2-E3B085C9AB24}">
-                <p16:designElem xmlns:p16="http://schemas.microsoft.com/office/powerpoint/2015/main" val="1"/>
-              </p:ext>
-            </p:extLst>
-          </p:nvPr>
-        </p:nvSpPr>
-        <p:spPr>
-          <a:xfrm>
-            <a:off x="4040071" y="0"/>
-            <a:ext cx="64008" cy="6858000"/>
-          </a:xfrm>
-          <a:prstGeom prst="rect">
-            <a:avLst/>
-          </a:prstGeom>
-          <a:solidFill>
-            <a:schemeClr val="accent1"/>
-          </a:solidFill>
-          <a:ln>
-            <a:noFill/>
-          </a:ln>
-        </p:spPr>
-        <p:style>
-          <a:lnRef idx="2">
-            <a:schemeClr val="accent1">
-              <a:shade val="50000"/>
-            </a:schemeClr>
-          </a:lnRef>
-          <a:fillRef idx="1">
-            <a:schemeClr val="accent1"/>
-          </a:fillRef>
-          <a:effectRef idx="0">
-            <a:schemeClr val="accent1"/>
-          </a:effectRef>
-          <a:fontRef idx="minor">
-            <a:schemeClr val="lt1"/>
-          </a:fontRef>
-        </p:style>
-      </p:sp>
-      <p:sp>
-        <p:nvSpPr>
-          <p:cNvPr id="3" name="Content Placeholder 2">
-            <a:extLst>
-              <a:ext uri="{FF2B5EF4-FFF2-40B4-BE49-F238E27FC236}">
-                <a16:creationId xmlns:a16="http://schemas.microsoft.com/office/drawing/2014/main" id="{05B31696-451C-47F5-B098-7B66985B305E}"/>
-              </a:ext>
-            </a:extLst>
-          </p:cNvPr>
-          <p:cNvSpPr>
-            <a:spLocks noGrp="1"/>
-          </p:cNvSpPr>
-          <p:nvPr>
-            <p:ph idx="1"/>
-          </p:nvPr>
-        </p:nvSpPr>
-        <p:spPr>
-          <a:xfrm>
-            <a:off x="4742016" y="605896"/>
-            <a:ext cx="6413663" cy="5646208"/>
-          </a:xfrm>
-        </p:spPr>
-        <p:txBody>
-          <a:bodyPr anchor="ctr">
-            <a:normAutofit/>
-          </a:bodyPr>
-          <a:lstStyle/>
-          <a:p>
-            <a:pPr marL="0" indent="0">
-              <a:lnSpc>
-                <a:spcPct val="110000"/>
-              </a:lnSpc>
-              <a:buNone/>
-            </a:pPr>
-            <a:r>
-              <a:rPr lang="en-US" sz="1400" dirty="0">
-                <a:latin typeface="Courier New" panose="02070309020205020404" pitchFamily="49" charset="0"/>
-                <a:cs typeface="Courier New" panose="02070309020205020404" pitchFamily="49" charset="0"/>
-              </a:rPr>
-              <a:t>MergeSort(arr[ ], l,  r)</a:t>
-            </a:r>
-            <a:r>
-              <a:rPr lang="en-US" sz="1400" dirty="0">
-                <a:solidFill>
-                  <a:srgbClr val="FF0000"/>
-                </a:solidFill>
-                <a:latin typeface="Courier New" panose="02070309020205020404" pitchFamily="49" charset="0"/>
-                <a:cs typeface="Courier New" panose="02070309020205020404" pitchFamily="49" charset="0"/>
-              </a:rPr>
-              <a:t>{</a:t>
-            </a:r>
-          </a:p>
-          <a:p>
-            <a:pPr marL="0" indent="0">
-              <a:lnSpc>
-                <a:spcPct val="110000"/>
-              </a:lnSpc>
-              <a:buNone/>
-            </a:pPr>
-            <a:r>
-              <a:rPr lang="en-US" sz="1400" dirty="0">
-                <a:latin typeface="Courier New" panose="02070309020205020404" pitchFamily="49" charset="0"/>
-                <a:cs typeface="Courier New" panose="02070309020205020404" pitchFamily="49" charset="0"/>
-              </a:rPr>
-              <a:t>If (r &gt; l) </a:t>
-            </a:r>
-            <a:r>
-              <a:rPr lang="en-US" sz="1400" dirty="0">
-                <a:solidFill>
-                  <a:srgbClr val="0070C0"/>
-                </a:solidFill>
-                <a:latin typeface="Courier New" panose="02070309020205020404" pitchFamily="49" charset="0"/>
-                <a:cs typeface="Courier New" panose="02070309020205020404" pitchFamily="49" charset="0"/>
-              </a:rPr>
-              <a:t>{</a:t>
-            </a:r>
-          </a:p>
-          <a:p>
-            <a:pPr marL="0" indent="0">
-              <a:lnSpc>
-                <a:spcPct val="110000"/>
-              </a:lnSpc>
-              <a:buNone/>
-            </a:pPr>
-            <a:r>
-              <a:rPr lang="en-US" sz="1400" dirty="0">
-                <a:latin typeface="Courier New" panose="02070309020205020404" pitchFamily="49" charset="0"/>
-                <a:cs typeface="Courier New" panose="02070309020205020404" pitchFamily="49" charset="0"/>
-              </a:rPr>
-              <a:t>     </a:t>
-            </a:r>
-            <a:r>
-              <a:rPr lang="en-US" sz="1400" dirty="0">
-                <a:solidFill>
-                  <a:srgbClr val="00B050"/>
-                </a:solidFill>
-                <a:latin typeface="Courier New" panose="02070309020205020404" pitchFamily="49" charset="0"/>
-                <a:cs typeface="Courier New" panose="02070309020205020404" pitchFamily="49" charset="0"/>
-              </a:rPr>
-              <a:t>// Find the middle point to divide the array into two halves </a:t>
-            </a:r>
-          </a:p>
-          <a:p>
-            <a:pPr marL="0" indent="0">
-              <a:lnSpc>
-                <a:spcPct val="110000"/>
-              </a:lnSpc>
-              <a:buNone/>
-            </a:pPr>
-            <a:r>
-              <a:rPr lang="en-US" sz="1400" dirty="0">
-                <a:latin typeface="Courier New" panose="02070309020205020404" pitchFamily="49" charset="0"/>
-                <a:cs typeface="Courier New" panose="02070309020205020404" pitchFamily="49" charset="0"/>
-              </a:rPr>
-              <a:t>	middle m = (l+r)/2 ;</a:t>
-            </a:r>
-          </a:p>
-          <a:p>
-            <a:pPr marL="0" indent="0">
-              <a:lnSpc>
-                <a:spcPct val="110000"/>
-              </a:lnSpc>
-              <a:buNone/>
-            </a:pPr>
-            <a:r>
-              <a:rPr lang="en-US" sz="1400" dirty="0">
-                <a:latin typeface="Courier New" panose="02070309020205020404" pitchFamily="49" charset="0"/>
-                <a:cs typeface="Courier New" panose="02070309020205020404" pitchFamily="49" charset="0"/>
-              </a:rPr>
-              <a:t>     </a:t>
-            </a:r>
-            <a:r>
-              <a:rPr lang="en-US" sz="1400" dirty="0">
-                <a:solidFill>
-                  <a:srgbClr val="00B050"/>
-                </a:solidFill>
-                <a:latin typeface="Courier New" panose="02070309020205020404" pitchFamily="49" charset="0"/>
-                <a:cs typeface="Courier New" panose="02070309020205020404" pitchFamily="49" charset="0"/>
-              </a:rPr>
-              <a:t>// Call Merge Sort for first half   </a:t>
-            </a:r>
-          </a:p>
-          <a:p>
-            <a:pPr marL="0" indent="0">
-              <a:lnSpc>
-                <a:spcPct val="110000"/>
-              </a:lnSpc>
-              <a:buNone/>
-            </a:pPr>
-            <a:r>
-              <a:rPr lang="en-US" sz="1400" dirty="0">
-                <a:latin typeface="Courier New" panose="02070309020205020404" pitchFamily="49" charset="0"/>
-                <a:cs typeface="Courier New" panose="02070309020205020404" pitchFamily="49" charset="0"/>
-              </a:rPr>
-              <a:t>	MergeSort(arr, l, m) ;</a:t>
-            </a:r>
-          </a:p>
-          <a:p>
-            <a:pPr marL="0" indent="0">
-              <a:lnSpc>
-                <a:spcPct val="110000"/>
-              </a:lnSpc>
-              <a:buNone/>
-            </a:pPr>
-            <a:r>
-              <a:rPr lang="en-US" sz="1400" dirty="0">
-                <a:latin typeface="Courier New" panose="02070309020205020404" pitchFamily="49" charset="0"/>
-                <a:cs typeface="Courier New" panose="02070309020205020404" pitchFamily="49" charset="0"/>
-              </a:rPr>
-              <a:t>     </a:t>
-            </a:r>
-            <a:r>
-              <a:rPr lang="en-US" sz="1400" dirty="0">
-                <a:solidFill>
-                  <a:srgbClr val="00B050"/>
-                </a:solidFill>
-                <a:latin typeface="Courier New" panose="02070309020205020404" pitchFamily="49" charset="0"/>
-                <a:cs typeface="Courier New" panose="02070309020205020404" pitchFamily="49" charset="0"/>
-              </a:rPr>
-              <a:t>// Call merge Sort for second half</a:t>
-            </a:r>
-          </a:p>
-          <a:p>
-            <a:pPr marL="0" indent="0">
-              <a:lnSpc>
-                <a:spcPct val="110000"/>
-              </a:lnSpc>
-              <a:buNone/>
-            </a:pPr>
-            <a:r>
-              <a:rPr lang="en-US" sz="1400" dirty="0">
-                <a:latin typeface="Courier New" panose="02070309020205020404" pitchFamily="49" charset="0"/>
-                <a:cs typeface="Courier New" panose="02070309020205020404" pitchFamily="49" charset="0"/>
-              </a:rPr>
-              <a:t>	MergeSort(arr, m+1, r) ;</a:t>
-            </a:r>
-          </a:p>
-          <a:p>
-            <a:pPr marL="0" indent="0">
-              <a:lnSpc>
-                <a:spcPct val="110000"/>
-              </a:lnSpc>
-              <a:buNone/>
-            </a:pPr>
-            <a:r>
-              <a:rPr lang="en-US" sz="1400" dirty="0">
-                <a:solidFill>
-                  <a:srgbClr val="00B050"/>
-                </a:solidFill>
-                <a:latin typeface="Courier New" panose="02070309020205020404" pitchFamily="49" charset="0"/>
-                <a:cs typeface="Courier New" panose="02070309020205020404" pitchFamily="49" charset="0"/>
-              </a:rPr>
-              <a:t>     // Merge the two halves sorted </a:t>
-            </a:r>
-          </a:p>
-          <a:p>
-            <a:pPr marL="0" indent="0">
-              <a:lnSpc>
-                <a:spcPct val="110000"/>
-              </a:lnSpc>
-              <a:buNone/>
-            </a:pPr>
-            <a:r>
-              <a:rPr lang="en-US" sz="1400" dirty="0">
-                <a:latin typeface="Courier New" panose="02070309020205020404" pitchFamily="49" charset="0"/>
-                <a:cs typeface="Courier New" panose="02070309020205020404" pitchFamily="49" charset="0"/>
-              </a:rPr>
-              <a:t>	Merge(arr, l, m, r) ;</a:t>
-            </a:r>
-          </a:p>
-          <a:p>
-            <a:pPr marL="0" indent="0">
-              <a:lnSpc>
-                <a:spcPct val="110000"/>
-              </a:lnSpc>
-              <a:buNone/>
-            </a:pPr>
-            <a:r>
-              <a:rPr lang="en-US" sz="1400" dirty="0">
-                <a:latin typeface="Courier New" panose="02070309020205020404" pitchFamily="49" charset="0"/>
-                <a:cs typeface="Courier New" panose="02070309020205020404" pitchFamily="49" charset="0"/>
-              </a:rPr>
-              <a:t>	</a:t>
-            </a:r>
-            <a:r>
-              <a:rPr lang="en-US" sz="1400" dirty="0">
-                <a:solidFill>
-                  <a:srgbClr val="0070C0"/>
-                </a:solidFill>
-                <a:latin typeface="Courier New" panose="02070309020205020404" pitchFamily="49" charset="0"/>
-                <a:cs typeface="Courier New" panose="02070309020205020404" pitchFamily="49" charset="0"/>
-              </a:rPr>
-              <a:t>}</a:t>
-            </a:r>
-          </a:p>
-          <a:p>
-            <a:pPr marL="0" indent="0">
-              <a:lnSpc>
-                <a:spcPct val="110000"/>
-              </a:lnSpc>
-              <a:buNone/>
-            </a:pPr>
-            <a:r>
-              <a:rPr lang="en-US" sz="1400" dirty="0">
-                <a:solidFill>
-                  <a:srgbClr val="FF0000"/>
-                </a:solidFill>
-                <a:latin typeface="Courier New" panose="02070309020205020404" pitchFamily="49" charset="0"/>
-                <a:cs typeface="Courier New" panose="02070309020205020404" pitchFamily="49" charset="0"/>
-              </a:rPr>
-              <a:t>}</a:t>
-            </a:r>
-          </a:p>
-        </p:txBody>
-      </p:sp>
-    </p:spTree>
-    <p:extLst>
-      <p:ext uri="{BB962C8B-B14F-4D97-AF65-F5344CB8AC3E}">
-        <p14:creationId xmlns:p14="http://schemas.microsoft.com/office/powerpoint/2010/main" val="4229386091"/>
-      </p:ext>
-    </p:extLst>
-  </p:cSld>
-  <p:clrMapOvr>
-    <a:masterClrMapping/>
-  </p:clrMapOvr>
 </p:sld>
 </file>
 

--- a/Assignment 1/Assignment Presentation.pptx
+++ b/Assignment 1/Assignment Presentation.pptx
@@ -23,35 +23,37 @@
     <p:sldId id="303" r:id="rId17"/>
     <p:sldId id="304" r:id="rId18"/>
     <p:sldId id="305" r:id="rId19"/>
-    <p:sldId id="289" r:id="rId20"/>
-    <p:sldId id="257" r:id="rId21"/>
-    <p:sldId id="259" r:id="rId22"/>
-    <p:sldId id="260" r:id="rId23"/>
-    <p:sldId id="261" r:id="rId24"/>
-    <p:sldId id="272" r:id="rId25"/>
-    <p:sldId id="258" r:id="rId26"/>
-    <p:sldId id="273" r:id="rId27"/>
-    <p:sldId id="275" r:id="rId28"/>
-    <p:sldId id="263" r:id="rId29"/>
-    <p:sldId id="264" r:id="rId30"/>
-    <p:sldId id="276" r:id="rId31"/>
-    <p:sldId id="267" r:id="rId32"/>
-    <p:sldId id="268" r:id="rId33"/>
-    <p:sldId id="269" r:id="rId34"/>
-    <p:sldId id="270" r:id="rId35"/>
-    <p:sldId id="277" r:id="rId36"/>
-    <p:sldId id="266" r:id="rId37"/>
-    <p:sldId id="278" r:id="rId38"/>
-    <p:sldId id="279" r:id="rId39"/>
-    <p:sldId id="280" r:id="rId40"/>
-    <p:sldId id="281" r:id="rId41"/>
-    <p:sldId id="282" r:id="rId42"/>
-    <p:sldId id="283" r:id="rId43"/>
-    <p:sldId id="284" r:id="rId44"/>
-    <p:sldId id="285" r:id="rId45"/>
-    <p:sldId id="286" r:id="rId46"/>
-    <p:sldId id="287" r:id="rId47"/>
-    <p:sldId id="288" r:id="rId48"/>
+    <p:sldId id="309" r:id="rId20"/>
+    <p:sldId id="310" r:id="rId21"/>
+    <p:sldId id="289" r:id="rId22"/>
+    <p:sldId id="257" r:id="rId23"/>
+    <p:sldId id="259" r:id="rId24"/>
+    <p:sldId id="260" r:id="rId25"/>
+    <p:sldId id="261" r:id="rId26"/>
+    <p:sldId id="272" r:id="rId27"/>
+    <p:sldId id="258" r:id="rId28"/>
+    <p:sldId id="273" r:id="rId29"/>
+    <p:sldId id="275" r:id="rId30"/>
+    <p:sldId id="263" r:id="rId31"/>
+    <p:sldId id="264" r:id="rId32"/>
+    <p:sldId id="276" r:id="rId33"/>
+    <p:sldId id="267" r:id="rId34"/>
+    <p:sldId id="268" r:id="rId35"/>
+    <p:sldId id="269" r:id="rId36"/>
+    <p:sldId id="270" r:id="rId37"/>
+    <p:sldId id="277" r:id="rId38"/>
+    <p:sldId id="266" r:id="rId39"/>
+    <p:sldId id="278" r:id="rId40"/>
+    <p:sldId id="279" r:id="rId41"/>
+    <p:sldId id="280" r:id="rId42"/>
+    <p:sldId id="281" r:id="rId43"/>
+    <p:sldId id="282" r:id="rId44"/>
+    <p:sldId id="283" r:id="rId45"/>
+    <p:sldId id="284" r:id="rId46"/>
+    <p:sldId id="285" r:id="rId47"/>
+    <p:sldId id="286" r:id="rId48"/>
+    <p:sldId id="287" r:id="rId49"/>
+    <p:sldId id="288" r:id="rId50"/>
   </p:sldIdLst>
   <p:sldSz cx="12192000" cy="6858000"/>
   <p:notesSz cx="6858000" cy="9144000"/>
@@ -162,7 +164,7 @@
 <p1510:revInfo xmlns:a="http://schemas.openxmlformats.org/drawingml/2006/main" xmlns:r="http://schemas.openxmlformats.org/officeDocument/2006/relationships" xmlns:p1510="http://schemas.microsoft.com/office/powerpoint/2015/10/main">
   <p1510:revLst>
     <p1510:client id="{B5950655-B52F-4C4A-8D4C-2CA8B2A214A1}" v="2005" dt="2021-04-06T19:15:56.565"/>
-    <p1510:client id="{BA04AB18-81BA-44F6-8A17-E30D392E2E82}" v="1561" dt="2021-04-06T19:31:10.425"/>
+    <p1510:client id="{BA04AB18-81BA-44F6-8A17-E30D392E2E82}" v="1620" dt="2021-04-07T09:43:06.935"/>
   </p1510:revLst>
 </p1510:revInfo>
 </file>
@@ -1803,7 +1805,7 @@
   <pc:docChgLst>
     <pc:chgData name="Abhiroop Mukherjee" userId="5fbc6062963ca2c0" providerId="LiveId" clId="{BA04AB18-81BA-44F6-8A17-E30D392E2E82}"/>
     <pc:docChg chg="undo custSel addSld delSld modSld sldOrd">
-      <pc:chgData name="Abhiroop Mukherjee" userId="5fbc6062963ca2c0" providerId="LiveId" clId="{BA04AB18-81BA-44F6-8A17-E30D392E2E82}" dt="2021-04-06T19:31:27.740" v="333" actId="26606"/>
+      <pc:chgData name="Abhiroop Mukherjee" userId="5fbc6062963ca2c0" providerId="LiveId" clId="{BA04AB18-81BA-44F6-8A17-E30D392E2E82}" dt="2021-04-07T09:43:56.179" v="1612" actId="26606"/>
       <pc:docMkLst>
         <pc:docMk/>
       </pc:docMkLst>
@@ -1914,6 +1916,218 @@
         <pc:sldMkLst>
           <pc:docMk/>
           <pc:sldMk cId="2997176504" sldId="307"/>
+        </pc:sldMkLst>
+      </pc:sldChg>
+      <pc:sldChg chg="modSp add del mod ord">
+        <pc:chgData name="Abhiroop Mukherjee" userId="5fbc6062963ca2c0" providerId="LiveId" clId="{BA04AB18-81BA-44F6-8A17-E30D392E2E82}" dt="2021-04-07T09:35:08.090" v="396" actId="47"/>
+        <pc:sldMkLst>
+          <pc:docMk/>
+          <pc:sldMk cId="1280086815" sldId="308"/>
+        </pc:sldMkLst>
+        <pc:spChg chg="mod">
+          <ac:chgData name="Abhiroop Mukherjee" userId="5fbc6062963ca2c0" providerId="LiveId" clId="{BA04AB18-81BA-44F6-8A17-E30D392E2E82}" dt="2021-04-07T09:34:54.134" v="392" actId="20577"/>
+          <ac:spMkLst>
+            <pc:docMk/>
+            <pc:sldMk cId="1280086815" sldId="308"/>
+            <ac:spMk id="2" creationId="{D595B95A-705A-4D49-A704-0108F2F33E09}"/>
+          </ac:spMkLst>
+        </pc:spChg>
+        <pc:spChg chg="mod">
+          <ac:chgData name="Abhiroop Mukherjee" userId="5fbc6062963ca2c0" providerId="LiveId" clId="{BA04AB18-81BA-44F6-8A17-E30D392E2E82}" dt="2021-04-07T09:34:57.182" v="394" actId="5793"/>
+          <ac:spMkLst>
+            <pc:docMk/>
+            <pc:sldMk cId="1280086815" sldId="308"/>
+            <ac:spMk id="3" creationId="{4B817802-A38C-4038-895E-B8B15F8D564B}"/>
+          </ac:spMkLst>
+        </pc:spChg>
+      </pc:sldChg>
+      <pc:sldChg chg="addSp delSp modSp add del mod">
+        <pc:chgData name="Abhiroop Mukherjee" userId="5fbc6062963ca2c0" providerId="LiveId" clId="{BA04AB18-81BA-44F6-8A17-E30D392E2E82}" dt="2021-04-07T09:40:26.523" v="1120" actId="47"/>
+        <pc:sldMkLst>
+          <pc:docMk/>
+          <pc:sldMk cId="1023645759" sldId="309"/>
+        </pc:sldMkLst>
+        <pc:spChg chg="mod">
+          <ac:chgData name="Abhiroop Mukherjee" userId="5fbc6062963ca2c0" providerId="LiveId" clId="{BA04AB18-81BA-44F6-8A17-E30D392E2E82}" dt="2021-04-07T09:39:40.975" v="1115" actId="26606"/>
+          <ac:spMkLst>
+            <pc:docMk/>
+            <pc:sldMk cId="1023645759" sldId="309"/>
+            <ac:spMk id="2" creationId="{A2E81D72-EC99-4091-AA2C-660CCFAC39B6}"/>
+          </ac:spMkLst>
+        </pc:spChg>
+        <pc:spChg chg="mod">
+          <ac:chgData name="Abhiroop Mukherjee" userId="5fbc6062963ca2c0" providerId="LiveId" clId="{BA04AB18-81BA-44F6-8A17-E30D392E2E82}" dt="2021-04-07T09:39:40.975" v="1115" actId="26606"/>
+          <ac:spMkLst>
+            <pc:docMk/>
+            <pc:sldMk cId="1023645759" sldId="309"/>
+            <ac:spMk id="10" creationId="{B0DBBD15-5CB7-4758-94C6-9FCA6E3AA552}"/>
+          </ac:spMkLst>
+        </pc:spChg>
+        <pc:spChg chg="del">
+          <ac:chgData name="Abhiroop Mukherjee" userId="5fbc6062963ca2c0" providerId="LiveId" clId="{BA04AB18-81BA-44F6-8A17-E30D392E2E82}" dt="2021-04-07T09:39:40.975" v="1115" actId="26606"/>
+          <ac:spMkLst>
+            <pc:docMk/>
+            <pc:sldMk cId="1023645759" sldId="309"/>
+            <ac:spMk id="80" creationId="{10162E77-11AD-44A7-84EC-40C59EEFBD2E}"/>
+          </ac:spMkLst>
+        </pc:spChg>
+        <pc:spChg chg="del">
+          <ac:chgData name="Abhiroop Mukherjee" userId="5fbc6062963ca2c0" providerId="LiveId" clId="{BA04AB18-81BA-44F6-8A17-E30D392E2E82}" dt="2021-04-07T09:39:40.975" v="1115" actId="26606"/>
+          <ac:spMkLst>
+            <pc:docMk/>
+            <pc:sldMk cId="1023645759" sldId="309"/>
+            <ac:spMk id="82" creationId="{6329CBCE-21AE-419D-AC1F-8ACF510A6670}"/>
+          </ac:spMkLst>
+        </pc:spChg>
+        <pc:spChg chg="del">
+          <ac:chgData name="Abhiroop Mukherjee" userId="5fbc6062963ca2c0" providerId="LiveId" clId="{BA04AB18-81BA-44F6-8A17-E30D392E2E82}" dt="2021-04-07T09:39:40.975" v="1115" actId="26606"/>
+          <ac:spMkLst>
+            <pc:docMk/>
+            <pc:sldMk cId="1023645759" sldId="309"/>
+            <ac:spMk id="83" creationId="{FF2DA012-1414-493D-888F-5D99D0BDA322}"/>
+          </ac:spMkLst>
+        </pc:spChg>
+        <pc:spChg chg="add">
+          <ac:chgData name="Abhiroop Mukherjee" userId="5fbc6062963ca2c0" providerId="LiveId" clId="{BA04AB18-81BA-44F6-8A17-E30D392E2E82}" dt="2021-04-07T09:39:40.975" v="1115" actId="26606"/>
+          <ac:spMkLst>
+            <pc:docMk/>
+            <pc:sldMk cId="1023645759" sldId="309"/>
+            <ac:spMk id="88" creationId="{284B70D5-875B-433D-BDBD-1522A85D6C1D}"/>
+          </ac:spMkLst>
+        </pc:spChg>
+        <pc:spChg chg="add">
+          <ac:chgData name="Abhiroop Mukherjee" userId="5fbc6062963ca2c0" providerId="LiveId" clId="{BA04AB18-81BA-44F6-8A17-E30D392E2E82}" dt="2021-04-07T09:39:40.975" v="1115" actId="26606"/>
+          <ac:spMkLst>
+            <pc:docMk/>
+            <pc:sldMk cId="1023645759" sldId="309"/>
+            <ac:spMk id="92" creationId="{1E299956-A9E7-4FC1-A0B1-D590CA9730E8}"/>
+          </ac:spMkLst>
+        </pc:spChg>
+        <pc:spChg chg="add">
+          <ac:chgData name="Abhiroop Mukherjee" userId="5fbc6062963ca2c0" providerId="LiveId" clId="{BA04AB18-81BA-44F6-8A17-E30D392E2E82}" dt="2021-04-07T09:39:40.975" v="1115" actId="26606"/>
+          <ac:spMkLst>
+            <pc:docMk/>
+            <pc:sldMk cId="1023645759" sldId="309"/>
+            <ac:spMk id="94" creationId="{17FC539C-B783-4B03-9F9E-D13430F3F64F}"/>
+          </ac:spMkLst>
+        </pc:spChg>
+        <pc:picChg chg="mod">
+          <ac:chgData name="Abhiroop Mukherjee" userId="5fbc6062963ca2c0" providerId="LiveId" clId="{BA04AB18-81BA-44F6-8A17-E30D392E2E82}" dt="2021-04-07T09:39:40.975" v="1115" actId="26606"/>
+          <ac:picMkLst>
+            <pc:docMk/>
+            <pc:sldMk cId="1023645759" sldId="309"/>
+            <ac:picMk id="5" creationId="{99059347-F5D1-41F7-B30A-23EE2BA4D650}"/>
+          </ac:picMkLst>
+        </pc:picChg>
+        <pc:cxnChg chg="del">
+          <ac:chgData name="Abhiroop Mukherjee" userId="5fbc6062963ca2c0" providerId="LiveId" clId="{BA04AB18-81BA-44F6-8A17-E30D392E2E82}" dt="2021-04-07T09:39:40.975" v="1115" actId="26606"/>
+          <ac:cxnSpMkLst>
+            <pc:docMk/>
+            <pc:sldMk cId="1023645759" sldId="309"/>
+            <ac:cxnSpMk id="81" creationId="{5AB158E9-1B40-4CD6-95F0-95CA11DF7B7A}"/>
+          </ac:cxnSpMkLst>
+        </pc:cxnChg>
+        <pc:cxnChg chg="add">
+          <ac:chgData name="Abhiroop Mukherjee" userId="5fbc6062963ca2c0" providerId="LiveId" clId="{BA04AB18-81BA-44F6-8A17-E30D392E2E82}" dt="2021-04-07T09:39:40.975" v="1115" actId="26606"/>
+          <ac:cxnSpMkLst>
+            <pc:docMk/>
+            <pc:sldMk cId="1023645759" sldId="309"/>
+            <ac:cxnSpMk id="90" creationId="{C947DF4A-614C-4B4C-8B80-E5B9D8E8CFED}"/>
+          </ac:cxnSpMkLst>
+        </pc:cxnChg>
+      </pc:sldChg>
+      <pc:sldChg chg="addSp delSp modSp add mod">
+        <pc:chgData name="Abhiroop Mukherjee" userId="5fbc6062963ca2c0" providerId="LiveId" clId="{BA04AB18-81BA-44F6-8A17-E30D392E2E82}" dt="2021-04-07T09:43:56.179" v="1612" actId="26606"/>
+        <pc:sldMkLst>
+          <pc:docMk/>
+          <pc:sldMk cId="898223925" sldId="310"/>
+        </pc:sldMkLst>
+        <pc:spChg chg="mod">
+          <ac:chgData name="Abhiroop Mukherjee" userId="5fbc6062963ca2c0" providerId="LiveId" clId="{BA04AB18-81BA-44F6-8A17-E30D392E2E82}" dt="2021-04-07T09:43:56.179" v="1612" actId="26606"/>
+          <ac:spMkLst>
+            <pc:docMk/>
+            <pc:sldMk cId="898223925" sldId="310"/>
+            <ac:spMk id="2" creationId="{A2E81D72-EC99-4091-AA2C-660CCFAC39B6}"/>
+          </ac:spMkLst>
+        </pc:spChg>
+        <pc:spChg chg="mod">
+          <ac:chgData name="Abhiroop Mukherjee" userId="5fbc6062963ca2c0" providerId="LiveId" clId="{BA04AB18-81BA-44F6-8A17-E30D392E2E82}" dt="2021-04-07T09:43:56.179" v="1612" actId="26606"/>
+          <ac:spMkLst>
+            <pc:docMk/>
+            <pc:sldMk cId="898223925" sldId="310"/>
+            <ac:spMk id="10" creationId="{B0DBBD15-5CB7-4758-94C6-9FCA6E3AA552}"/>
+          </ac:spMkLst>
+        </pc:spChg>
+        <pc:spChg chg="del">
+          <ac:chgData name="Abhiroop Mukherjee" userId="5fbc6062963ca2c0" providerId="LiveId" clId="{BA04AB18-81BA-44F6-8A17-E30D392E2E82}" dt="2021-04-07T09:43:56.179" v="1612" actId="26606"/>
+          <ac:spMkLst>
+            <pc:docMk/>
+            <pc:sldMk cId="898223925" sldId="310"/>
+            <ac:spMk id="88" creationId="{284B70D5-875B-433D-BDBD-1522A85D6C1D}"/>
+          </ac:spMkLst>
+        </pc:spChg>
+        <pc:spChg chg="del">
+          <ac:chgData name="Abhiroop Mukherjee" userId="5fbc6062963ca2c0" providerId="LiveId" clId="{BA04AB18-81BA-44F6-8A17-E30D392E2E82}" dt="2021-04-07T09:43:56.179" v="1612" actId="26606"/>
+          <ac:spMkLst>
+            <pc:docMk/>
+            <pc:sldMk cId="898223925" sldId="310"/>
+            <ac:spMk id="92" creationId="{1E299956-A9E7-4FC1-A0B1-D590CA9730E8}"/>
+          </ac:spMkLst>
+        </pc:spChg>
+        <pc:spChg chg="del">
+          <ac:chgData name="Abhiroop Mukherjee" userId="5fbc6062963ca2c0" providerId="LiveId" clId="{BA04AB18-81BA-44F6-8A17-E30D392E2E82}" dt="2021-04-07T09:43:56.179" v="1612" actId="26606"/>
+          <ac:spMkLst>
+            <pc:docMk/>
+            <pc:sldMk cId="898223925" sldId="310"/>
+            <ac:spMk id="94" creationId="{17FC539C-B783-4B03-9F9E-D13430F3F64F}"/>
+          </ac:spMkLst>
+        </pc:spChg>
+        <pc:spChg chg="add">
+          <ac:chgData name="Abhiroop Mukherjee" userId="5fbc6062963ca2c0" providerId="LiveId" clId="{BA04AB18-81BA-44F6-8A17-E30D392E2E82}" dt="2021-04-07T09:43:56.179" v="1612" actId="26606"/>
+          <ac:spMkLst>
+            <pc:docMk/>
+            <pc:sldMk cId="898223925" sldId="310"/>
+            <ac:spMk id="99" creationId="{284B70D5-875B-433D-BDBD-1522A85D6C1D}"/>
+          </ac:spMkLst>
+        </pc:spChg>
+        <pc:spChg chg="add">
+          <ac:chgData name="Abhiroop Mukherjee" userId="5fbc6062963ca2c0" providerId="LiveId" clId="{BA04AB18-81BA-44F6-8A17-E30D392E2E82}" dt="2021-04-07T09:43:56.179" v="1612" actId="26606"/>
+          <ac:spMkLst>
+            <pc:docMk/>
+            <pc:sldMk cId="898223925" sldId="310"/>
+            <ac:spMk id="103" creationId="{1E299956-A9E7-4FC1-A0B1-D590CA9730E8}"/>
+          </ac:spMkLst>
+        </pc:spChg>
+        <pc:spChg chg="add">
+          <ac:chgData name="Abhiroop Mukherjee" userId="5fbc6062963ca2c0" providerId="LiveId" clId="{BA04AB18-81BA-44F6-8A17-E30D392E2E82}" dt="2021-04-07T09:43:56.179" v="1612" actId="26606"/>
+          <ac:spMkLst>
+            <pc:docMk/>
+            <pc:sldMk cId="898223925" sldId="310"/>
+            <ac:spMk id="105" creationId="{17FC539C-B783-4B03-9F9E-D13430F3F64F}"/>
+          </ac:spMkLst>
+        </pc:spChg>
+        <pc:cxnChg chg="del">
+          <ac:chgData name="Abhiroop Mukherjee" userId="5fbc6062963ca2c0" providerId="LiveId" clId="{BA04AB18-81BA-44F6-8A17-E30D392E2E82}" dt="2021-04-07T09:43:56.179" v="1612" actId="26606"/>
+          <ac:cxnSpMkLst>
+            <pc:docMk/>
+            <pc:sldMk cId="898223925" sldId="310"/>
+            <ac:cxnSpMk id="90" creationId="{C947DF4A-614C-4B4C-8B80-E5B9D8E8CFED}"/>
+          </ac:cxnSpMkLst>
+        </pc:cxnChg>
+        <pc:cxnChg chg="add">
+          <ac:chgData name="Abhiroop Mukherjee" userId="5fbc6062963ca2c0" providerId="LiveId" clId="{BA04AB18-81BA-44F6-8A17-E30D392E2E82}" dt="2021-04-07T09:43:56.179" v="1612" actId="26606"/>
+          <ac:cxnSpMkLst>
+            <pc:docMk/>
+            <pc:sldMk cId="898223925" sldId="310"/>
+            <ac:cxnSpMk id="101" creationId="{C947DF4A-614C-4B4C-8B80-E5B9D8E8CFED}"/>
+          </ac:cxnSpMkLst>
+        </pc:cxnChg>
+      </pc:sldChg>
+      <pc:sldChg chg="add del ord">
+        <pc:chgData name="Abhiroop Mukherjee" userId="5fbc6062963ca2c0" providerId="LiveId" clId="{BA04AB18-81BA-44F6-8A17-E30D392E2E82}" dt="2021-04-07T09:40:30.597" v="1121" actId="47"/>
+        <pc:sldMkLst>
+          <pc:docMk/>
+          <pc:sldMk cId="1772457837" sldId="310"/>
         </pc:sldMkLst>
       </pc:sldChg>
     </pc:docChg>
@@ -21549,6 +21763,1188 @@
           <a:chExt cx="0" cy="0"/>
         </a:xfrm>
       </p:grpSpPr>
+      <p:sp useBgFill="1">
+        <p:nvSpPr>
+          <p:cNvPr id="88" name="Rectangle 87">
+            <a:extLst>
+              <a:ext uri="{FF2B5EF4-FFF2-40B4-BE49-F238E27FC236}">
+                <a16:creationId xmlns:a16="http://schemas.microsoft.com/office/drawing/2014/main" id="{284B70D5-875B-433D-BDBD-1522A85D6C1D}"/>
+              </a:ext>
+              <a:ext uri="{C183D7F6-B498-43B3-948B-1728B52AA6E4}">
+                <adec:decorative xmlns:adec="http://schemas.microsoft.com/office/drawing/2017/decorative" val="1"/>
+              </a:ext>
+            </a:extLst>
+          </p:cNvPr>
+          <p:cNvSpPr>
+            <a:spLocks noGrp="1" noRot="1" noChangeAspect="1" noMove="1" noResize="1" noEditPoints="1" noAdjustHandles="1" noChangeArrowheads="1" noChangeShapeType="1" noTextEdit="1"/>
+          </p:cNvSpPr>
+          <p:nvPr>
+            <p:extLst>
+              <p:ext uri="{386F3935-93C4-4BCD-93E2-E3B085C9AB24}">
+                <p16:designElem xmlns:p16="http://schemas.microsoft.com/office/powerpoint/2015/main" val="1"/>
+              </p:ext>
+            </p:extLst>
+          </p:nvPr>
+        </p:nvSpPr>
+        <p:spPr>
+          <a:xfrm>
+            <a:off x="0" y="0"/>
+            <a:ext cx="12192001" cy="6334316"/>
+          </a:xfrm>
+          <a:prstGeom prst="rect">
+            <a:avLst/>
+          </a:prstGeom>
+          <a:ln>
+            <a:noFill/>
+          </a:ln>
+        </p:spPr>
+        <p:style>
+          <a:lnRef idx="2">
+            <a:schemeClr val="accent1">
+              <a:shade val="50000"/>
+            </a:schemeClr>
+          </a:lnRef>
+          <a:fillRef idx="1">
+            <a:schemeClr val="accent1"/>
+          </a:fillRef>
+          <a:effectRef idx="0">
+            <a:schemeClr val="accent1"/>
+          </a:effectRef>
+          <a:fontRef idx="minor">
+            <a:schemeClr val="lt1"/>
+          </a:fontRef>
+        </p:style>
+        <p:txBody>
+          <a:bodyPr rtlCol="0" anchor="ctr"/>
+          <a:lstStyle/>
+          <a:p>
+            <a:pPr algn="ctr"/>
+            <a:endParaRPr lang="en-US"/>
+          </a:p>
+        </p:txBody>
+      </p:sp>
+      <p:sp>
+        <p:nvSpPr>
+          <p:cNvPr id="2" name="Title 1">
+            <a:extLst>
+              <a:ext uri="{FF2B5EF4-FFF2-40B4-BE49-F238E27FC236}">
+                <a16:creationId xmlns:a16="http://schemas.microsoft.com/office/drawing/2014/main" id="{A2E81D72-EC99-4091-AA2C-660CCFAC39B6}"/>
+              </a:ext>
+            </a:extLst>
+          </p:cNvPr>
+          <p:cNvSpPr>
+            <a:spLocks noGrp="1"/>
+          </p:cNvSpPr>
+          <p:nvPr>
+            <p:ph type="title"/>
+          </p:nvPr>
+        </p:nvSpPr>
+        <p:spPr>
+          <a:xfrm>
+            <a:off x="7859485" y="634946"/>
+            <a:ext cx="3690257" cy="1450757"/>
+          </a:xfrm>
+        </p:spPr>
+        <p:txBody>
+          <a:bodyPr>
+            <a:normAutofit/>
+          </a:bodyPr>
+          <a:lstStyle/>
+          <a:p>
+            <a:r>
+              <a:rPr lang="en-IN" sz="3700" b="1" dirty="0"/>
+              <a:t>Comparison  Analysis Quicksort </a:t>
+            </a:r>
+          </a:p>
+        </p:txBody>
+      </p:sp>
+      <p:pic>
+        <p:nvPicPr>
+          <p:cNvPr id="5" name="Content Placeholder 4">
+            <a:extLst>
+              <a:ext uri="{FF2B5EF4-FFF2-40B4-BE49-F238E27FC236}">
+                <a16:creationId xmlns:a16="http://schemas.microsoft.com/office/drawing/2014/main" id="{99059347-F5D1-41F7-B30A-23EE2BA4D650}"/>
+              </a:ext>
+            </a:extLst>
+          </p:cNvPr>
+          <p:cNvPicPr>
+            <a:picLocks noChangeAspect="1"/>
+          </p:cNvPicPr>
+          <p:nvPr/>
+        </p:nvPicPr>
+        <p:blipFill rotWithShape="1">
+          <a:blip r:embed="rId2">
+            <a:extLst>
+              <a:ext uri="{28A0092B-C50C-407E-A947-70E740481C1C}">
+                <a14:useLocalDpi xmlns:a14="http://schemas.microsoft.com/office/drawing/2010/main" val="0"/>
+              </a:ext>
+            </a:extLst>
+          </a:blip>
+          <a:srcRect l="621" r="7641" b="2"/>
+          <a:stretch/>
+        </p:blipFill>
+        <p:spPr>
+          <a:xfrm>
+            <a:off x="633999" y="943549"/>
+            <a:ext cx="6909801" cy="4707470"/>
+          </a:xfrm>
+          <a:prstGeom prst="rect">
+            <a:avLst/>
+          </a:prstGeom>
+        </p:spPr>
+      </p:pic>
+      <p:cxnSp>
+        <p:nvCxnSpPr>
+          <p:cNvPr id="90" name="Straight Connector 89">
+            <a:extLst>
+              <a:ext uri="{FF2B5EF4-FFF2-40B4-BE49-F238E27FC236}">
+                <a16:creationId xmlns:a16="http://schemas.microsoft.com/office/drawing/2014/main" id="{C947DF4A-614C-4B4C-8B80-E5B9D8E8CFED}"/>
+              </a:ext>
+              <a:ext uri="{C183D7F6-B498-43B3-948B-1728B52AA6E4}">
+                <adec:decorative xmlns:adec="http://schemas.microsoft.com/office/drawing/2017/decorative" val="1"/>
+              </a:ext>
+            </a:extLst>
+          </p:cNvPr>
+          <p:cNvCxnSpPr>
+            <a:cxnSpLocks noGrp="1" noRot="1" noChangeAspect="1" noMove="1" noResize="1" noEditPoints="1" noAdjustHandles="1" noChangeArrowheads="1" noChangeShapeType="1"/>
+          </p:cNvCxnSpPr>
+          <p:nvPr>
+            <p:extLst>
+              <p:ext uri="{386F3935-93C4-4BCD-93E2-E3B085C9AB24}">
+                <p16:designElem xmlns:p16="http://schemas.microsoft.com/office/powerpoint/2015/main" val="1"/>
+              </p:ext>
+            </p:extLst>
+          </p:nvPr>
+        </p:nvCxnSpPr>
+        <p:spPr>
+          <a:xfrm>
+            <a:off x="7892143" y="2085703"/>
+            <a:ext cx="3566160" cy="0"/>
+          </a:xfrm>
+          <a:prstGeom prst="line">
+            <a:avLst/>
+          </a:prstGeom>
+          <a:ln w="6350">
+            <a:solidFill>
+              <a:schemeClr val="tx1">
+                <a:lumMod val="50000"/>
+                <a:lumOff val="50000"/>
+                <a:alpha val="90000"/>
+              </a:schemeClr>
+            </a:solidFill>
+          </a:ln>
+        </p:spPr>
+        <p:style>
+          <a:lnRef idx="1">
+            <a:schemeClr val="accent1"/>
+          </a:lnRef>
+          <a:fillRef idx="0">
+            <a:schemeClr val="accent1"/>
+          </a:fillRef>
+          <a:effectRef idx="0">
+            <a:schemeClr val="accent1"/>
+          </a:effectRef>
+          <a:fontRef idx="minor">
+            <a:schemeClr val="tx1"/>
+          </a:fontRef>
+        </p:style>
+      </p:cxnSp>
+      <p:sp>
+        <p:nvSpPr>
+          <p:cNvPr id="10" name="Content Placeholder 8">
+            <a:extLst>
+              <a:ext uri="{FF2B5EF4-FFF2-40B4-BE49-F238E27FC236}">
+                <a16:creationId xmlns:a16="http://schemas.microsoft.com/office/drawing/2014/main" id="{B0DBBD15-5CB7-4758-94C6-9FCA6E3AA552}"/>
+              </a:ext>
+            </a:extLst>
+          </p:cNvPr>
+          <p:cNvSpPr>
+            <a:spLocks noGrp="1"/>
+          </p:cNvSpPr>
+          <p:nvPr>
+            <p:ph idx="1"/>
+          </p:nvPr>
+        </p:nvSpPr>
+        <p:spPr>
+          <a:xfrm>
+            <a:off x="7859485" y="2198914"/>
+            <a:ext cx="3690257" cy="3670180"/>
+          </a:xfrm>
+        </p:spPr>
+        <p:txBody>
+          <a:bodyPr>
+            <a:normAutofit/>
+          </a:bodyPr>
+          <a:lstStyle/>
+          <a:p>
+            <a:r>
+              <a:rPr lang="en-US" sz="1900"/>
+              <a:t>For Normal Distribution, there is higher chance for a pivot to be near median, which makes more chances for 1:1 Partitions.</a:t>
+            </a:r>
+          </a:p>
+          <a:p>
+            <a:r>
+              <a:rPr lang="en-US" sz="1900"/>
+              <a:t>And the more 1:1 partition we get, more the less sub partitions will be formed, resulting in less no. of comparisons.</a:t>
+            </a:r>
+          </a:p>
+          <a:p>
+            <a:r>
+              <a:rPr lang="en-US" sz="1900"/>
+              <a:t>Due to this property, we see a smaller number of comparisons for normal, when compared to uniform distribution</a:t>
+            </a:r>
+          </a:p>
+          <a:p>
+            <a:endParaRPr lang="en-US" sz="1900"/>
+          </a:p>
+        </p:txBody>
+      </p:sp>
+      <p:sp>
+        <p:nvSpPr>
+          <p:cNvPr id="92" name="Rectangle 91">
+            <a:extLst>
+              <a:ext uri="{FF2B5EF4-FFF2-40B4-BE49-F238E27FC236}">
+                <a16:creationId xmlns:a16="http://schemas.microsoft.com/office/drawing/2014/main" id="{1E299956-A9E7-4FC1-A0B1-D590CA9730E8}"/>
+              </a:ext>
+              <a:ext uri="{C183D7F6-B498-43B3-948B-1728B52AA6E4}">
+                <adec:decorative xmlns:adec="http://schemas.microsoft.com/office/drawing/2017/decorative" val="1"/>
+              </a:ext>
+            </a:extLst>
+          </p:cNvPr>
+          <p:cNvSpPr>
+            <a:spLocks noGrp="1" noRot="1" noChangeAspect="1" noMove="1" noResize="1" noEditPoints="1" noAdjustHandles="1" noChangeArrowheads="1" noChangeShapeType="1" noTextEdit="1"/>
+          </p:cNvSpPr>
+          <p:nvPr>
+            <p:extLst>
+              <p:ext uri="{386F3935-93C4-4BCD-93E2-E3B085C9AB24}">
+                <p16:designElem xmlns:p16="http://schemas.microsoft.com/office/powerpoint/2015/main" val="1"/>
+              </p:ext>
+            </p:extLst>
+          </p:nvPr>
+        </p:nvSpPr>
+        <p:spPr>
+          <a:xfrm>
+            <a:off x="15" y="6334316"/>
+            <a:ext cx="12191985" cy="66484"/>
+          </a:xfrm>
+          <a:prstGeom prst="rect">
+            <a:avLst/>
+          </a:prstGeom>
+          <a:solidFill>
+            <a:schemeClr val="accent1"/>
+          </a:solidFill>
+          <a:ln>
+            <a:noFill/>
+          </a:ln>
+        </p:spPr>
+        <p:style>
+          <a:lnRef idx="2">
+            <a:schemeClr val="accent1">
+              <a:shade val="50000"/>
+            </a:schemeClr>
+          </a:lnRef>
+          <a:fillRef idx="1">
+            <a:schemeClr val="accent1"/>
+          </a:fillRef>
+          <a:effectRef idx="0">
+            <a:schemeClr val="accent1"/>
+          </a:effectRef>
+          <a:fontRef idx="minor">
+            <a:schemeClr val="lt1"/>
+          </a:fontRef>
+        </p:style>
+      </p:sp>
+      <p:sp>
+        <p:nvSpPr>
+          <p:cNvPr id="94" name="Rectangle 93">
+            <a:extLst>
+              <a:ext uri="{FF2B5EF4-FFF2-40B4-BE49-F238E27FC236}">
+                <a16:creationId xmlns:a16="http://schemas.microsoft.com/office/drawing/2014/main" id="{17FC539C-B783-4B03-9F9E-D13430F3F64F}"/>
+              </a:ext>
+              <a:ext uri="{C183D7F6-B498-43B3-948B-1728B52AA6E4}">
+                <adec:decorative xmlns:adec="http://schemas.microsoft.com/office/drawing/2017/decorative" val="1"/>
+              </a:ext>
+            </a:extLst>
+          </p:cNvPr>
+          <p:cNvSpPr>
+            <a:spLocks noGrp="1" noRot="1" noChangeAspect="1" noMove="1" noResize="1" noEditPoints="1" noAdjustHandles="1" noChangeArrowheads="1" noChangeShapeType="1" noTextEdit="1"/>
+          </p:cNvSpPr>
+          <p:nvPr>
+            <p:extLst>
+              <p:ext uri="{386F3935-93C4-4BCD-93E2-E3B085C9AB24}">
+                <p16:designElem xmlns:p16="http://schemas.microsoft.com/office/powerpoint/2015/main" val="1"/>
+              </p:ext>
+            </p:extLst>
+          </p:nvPr>
+        </p:nvSpPr>
+        <p:spPr>
+          <a:xfrm>
+            <a:off x="1" y="6400800"/>
+            <a:ext cx="12192000" cy="457200"/>
+          </a:xfrm>
+          <a:prstGeom prst="rect">
+            <a:avLst/>
+          </a:prstGeom>
+          <a:solidFill>
+            <a:schemeClr val="accent2"/>
+          </a:solidFill>
+          <a:ln>
+            <a:noFill/>
+          </a:ln>
+        </p:spPr>
+        <p:style>
+          <a:lnRef idx="2">
+            <a:schemeClr val="accent1">
+              <a:shade val="50000"/>
+            </a:schemeClr>
+          </a:lnRef>
+          <a:fillRef idx="1">
+            <a:schemeClr val="accent1"/>
+          </a:fillRef>
+          <a:effectRef idx="0">
+            <a:schemeClr val="accent1"/>
+          </a:effectRef>
+          <a:fontRef idx="minor">
+            <a:schemeClr val="lt1"/>
+          </a:fontRef>
+        </p:style>
+      </p:sp>
+    </p:spTree>
+    <p:extLst>
+      <p:ext uri="{BB962C8B-B14F-4D97-AF65-F5344CB8AC3E}">
+        <p14:creationId xmlns:p14="http://schemas.microsoft.com/office/powerpoint/2010/main" val="1023645759"/>
+      </p:ext>
+    </p:extLst>
+  </p:cSld>
+  <p:clrMapOvr>
+    <a:masterClrMapping/>
+  </p:clrMapOvr>
+</p:sld>
+</file>
+
+<file path=ppt/slides/slide2.xml><?xml version="1.0" encoding="utf-8"?>
+<p:sld xmlns:a="http://schemas.openxmlformats.org/drawingml/2006/main" xmlns:r="http://schemas.openxmlformats.org/officeDocument/2006/relationships" xmlns:p="http://schemas.openxmlformats.org/presentationml/2006/main">
+  <p:cSld>
+    <p:bg>
+      <p:bgPr>
+        <a:solidFill>
+          <a:schemeClr val="bg1"/>
+        </a:solidFill>
+        <a:effectLst/>
+      </p:bgPr>
+    </p:bg>
+    <p:spTree>
+      <p:nvGrpSpPr>
+        <p:cNvPr id="1" name=""/>
+        <p:cNvGrpSpPr/>
+        <p:nvPr/>
+      </p:nvGrpSpPr>
+      <p:grpSpPr>
+        <a:xfrm>
+          <a:off x="0" y="0"/>
+          <a:ext cx="0" cy="0"/>
+          <a:chOff x="0" y="0"/>
+          <a:chExt cx="0" cy="0"/>
+        </a:xfrm>
+      </p:grpSpPr>
+      <p:sp useBgFill="1">
+        <p:nvSpPr>
+          <p:cNvPr id="8" name="Rectangle 7">
+            <a:extLst>
+              <a:ext uri="{FF2B5EF4-FFF2-40B4-BE49-F238E27FC236}">
+                <a16:creationId xmlns:a16="http://schemas.microsoft.com/office/drawing/2014/main" id="{3741B58E-3B65-4A01-A276-975AB2CF8A08}"/>
+              </a:ext>
+              <a:ext uri="{C183D7F6-B498-43B3-948B-1728B52AA6E4}">
+                <adec:decorative xmlns:adec="http://schemas.microsoft.com/office/drawing/2017/decorative" val="1"/>
+              </a:ext>
+            </a:extLst>
+          </p:cNvPr>
+          <p:cNvSpPr>
+            <a:spLocks noGrp="1" noRot="1" noChangeAspect="1" noMove="1" noResize="1" noEditPoints="1" noAdjustHandles="1" noChangeArrowheads="1" noChangeShapeType="1" noTextEdit="1"/>
+          </p:cNvSpPr>
+          <p:nvPr>
+            <p:extLst>
+              <p:ext uri="{386F3935-93C4-4BCD-93E2-E3B085C9AB24}">
+                <p16:designElem xmlns:p16="http://schemas.microsoft.com/office/powerpoint/2015/main" val="1"/>
+              </p:ext>
+            </p:extLst>
+          </p:nvPr>
+        </p:nvSpPr>
+        <p:spPr>
+          <a:xfrm>
+            <a:off x="0" y="0"/>
+            <a:ext cx="12186315" cy="6858000"/>
+          </a:xfrm>
+          <a:prstGeom prst="rect">
+            <a:avLst/>
+          </a:prstGeom>
+          <a:ln>
+            <a:noFill/>
+          </a:ln>
+        </p:spPr>
+        <p:style>
+          <a:lnRef idx="2">
+            <a:schemeClr val="accent6">
+              <a:shade val="50000"/>
+            </a:schemeClr>
+          </a:lnRef>
+          <a:fillRef idx="1001">
+            <a:schemeClr val="lt1"/>
+          </a:fillRef>
+          <a:effectRef idx="0">
+            <a:schemeClr val="accent6"/>
+          </a:effectRef>
+          <a:fontRef idx="minor">
+            <a:schemeClr val="lt1"/>
+          </a:fontRef>
+        </p:style>
+        <p:txBody>
+          <a:bodyPr rtlCol="0" anchor="ctr"/>
+          <a:lstStyle/>
+          <a:p>
+            <a:pPr algn="ctr"/>
+            <a:endParaRPr lang="en-US"/>
+          </a:p>
+        </p:txBody>
+      </p:sp>
+      <p:sp>
+        <p:nvSpPr>
+          <p:cNvPr id="10" name="Rectangle 9">
+            <a:extLst>
+              <a:ext uri="{FF2B5EF4-FFF2-40B4-BE49-F238E27FC236}">
+                <a16:creationId xmlns:a16="http://schemas.microsoft.com/office/drawing/2014/main" id="{7AAC67C3-831B-4AB1-A259-DFB839CAFAFC}"/>
+              </a:ext>
+              <a:ext uri="{C183D7F6-B498-43B3-948B-1728B52AA6E4}">
+                <adec:decorative xmlns:adec="http://schemas.microsoft.com/office/drawing/2017/decorative" val="1"/>
+              </a:ext>
+            </a:extLst>
+          </p:cNvPr>
+          <p:cNvSpPr>
+            <a:spLocks noGrp="1" noRot="1" noChangeAspect="1" noMove="1" noResize="1" noEditPoints="1" noAdjustHandles="1" noChangeArrowheads="1" noChangeShapeType="1" noTextEdit="1"/>
+          </p:cNvSpPr>
+          <p:nvPr>
+            <p:extLst>
+              <p:ext uri="{386F3935-93C4-4BCD-93E2-E3B085C9AB24}">
+                <p16:designElem xmlns:p16="http://schemas.microsoft.com/office/powerpoint/2015/main" val="1"/>
+              </p:ext>
+            </p:extLst>
+          </p:nvPr>
+        </p:nvSpPr>
+        <p:spPr>
+          <a:xfrm>
+            <a:off x="16" y="0"/>
+            <a:ext cx="4050791" cy="6858000"/>
+          </a:xfrm>
+          <a:prstGeom prst="rect">
+            <a:avLst/>
+          </a:prstGeom>
+          <a:solidFill>
+            <a:schemeClr val="accent2"/>
+          </a:solidFill>
+          <a:ln>
+            <a:noFill/>
+          </a:ln>
+        </p:spPr>
+        <p:style>
+          <a:lnRef idx="2">
+            <a:schemeClr val="accent1">
+              <a:shade val="50000"/>
+            </a:schemeClr>
+          </a:lnRef>
+          <a:fillRef idx="1">
+            <a:schemeClr val="accent1"/>
+          </a:fillRef>
+          <a:effectRef idx="0">
+            <a:schemeClr val="accent1"/>
+          </a:effectRef>
+          <a:fontRef idx="minor">
+            <a:schemeClr val="lt1"/>
+          </a:fontRef>
+        </p:style>
+      </p:sp>
+      <p:sp>
+        <p:nvSpPr>
+          <p:cNvPr id="2" name="Title 1">
+            <a:extLst>
+              <a:ext uri="{FF2B5EF4-FFF2-40B4-BE49-F238E27FC236}">
+                <a16:creationId xmlns:a16="http://schemas.microsoft.com/office/drawing/2014/main" id="{0A5E5C2A-12AE-4F2F-83F8-338BB786D2C1}"/>
+              </a:ext>
+            </a:extLst>
+          </p:cNvPr>
+          <p:cNvSpPr>
+            <a:spLocks noGrp="1"/>
+          </p:cNvSpPr>
+          <p:nvPr>
+            <p:ph type="title"/>
+          </p:nvPr>
+        </p:nvSpPr>
+        <p:spPr>
+          <a:xfrm>
+            <a:off x="492370" y="605896"/>
+            <a:ext cx="3084844" cy="5646208"/>
+          </a:xfrm>
+        </p:spPr>
+        <p:txBody>
+          <a:bodyPr anchor="ctr">
+            <a:normAutofit/>
+          </a:bodyPr>
+          <a:lstStyle/>
+          <a:p>
+            <a:r>
+              <a:rPr lang="en-IN" sz="3600">
+                <a:solidFill>
+                  <a:srgbClr val="FFFFFF"/>
+                </a:solidFill>
+              </a:rPr>
+              <a:t>Introduction</a:t>
+            </a:r>
+          </a:p>
+        </p:txBody>
+      </p:sp>
+      <p:sp>
+        <p:nvSpPr>
+          <p:cNvPr id="12" name="Rectangle 11">
+            <a:extLst>
+              <a:ext uri="{FF2B5EF4-FFF2-40B4-BE49-F238E27FC236}">
+                <a16:creationId xmlns:a16="http://schemas.microsoft.com/office/drawing/2014/main" id="{054B3F04-9EAC-45C0-B3CE-0387EEA10A0C}"/>
+              </a:ext>
+              <a:ext uri="{C183D7F6-B498-43B3-948B-1728B52AA6E4}">
+                <adec:decorative xmlns:adec="http://schemas.microsoft.com/office/drawing/2017/decorative" val="1"/>
+              </a:ext>
+            </a:extLst>
+          </p:cNvPr>
+          <p:cNvSpPr>
+            <a:spLocks noGrp="1" noRot="1" noChangeAspect="1" noMove="1" noResize="1" noEditPoints="1" noAdjustHandles="1" noChangeArrowheads="1" noChangeShapeType="1" noTextEdit="1"/>
+          </p:cNvSpPr>
+          <p:nvPr>
+            <p:extLst>
+              <p:ext uri="{386F3935-93C4-4BCD-93E2-E3B085C9AB24}">
+                <p16:designElem xmlns:p16="http://schemas.microsoft.com/office/powerpoint/2015/main" val="1"/>
+              </p:ext>
+            </p:extLst>
+          </p:nvPr>
+        </p:nvSpPr>
+        <p:spPr>
+          <a:xfrm>
+            <a:off x="4040071" y="0"/>
+            <a:ext cx="64008" cy="6858000"/>
+          </a:xfrm>
+          <a:prstGeom prst="rect">
+            <a:avLst/>
+          </a:prstGeom>
+          <a:solidFill>
+            <a:schemeClr val="accent1"/>
+          </a:solidFill>
+          <a:ln>
+            <a:noFill/>
+          </a:ln>
+        </p:spPr>
+        <p:style>
+          <a:lnRef idx="2">
+            <a:schemeClr val="accent1">
+              <a:shade val="50000"/>
+            </a:schemeClr>
+          </a:lnRef>
+          <a:fillRef idx="1">
+            <a:schemeClr val="accent1"/>
+          </a:fillRef>
+          <a:effectRef idx="0">
+            <a:schemeClr val="accent1"/>
+          </a:effectRef>
+          <a:fontRef idx="minor">
+            <a:schemeClr val="lt1"/>
+          </a:fontRef>
+        </p:style>
+      </p:sp>
+      <p:sp>
+        <p:nvSpPr>
+          <p:cNvPr id="3" name="Content Placeholder 2">
+            <a:extLst>
+              <a:ext uri="{FF2B5EF4-FFF2-40B4-BE49-F238E27FC236}">
+                <a16:creationId xmlns:a16="http://schemas.microsoft.com/office/drawing/2014/main" id="{CE63FD34-36DF-4637-839F-A62E8F2F2E9B}"/>
+              </a:ext>
+            </a:extLst>
+          </p:cNvPr>
+          <p:cNvSpPr>
+            <a:spLocks noGrp="1"/>
+          </p:cNvSpPr>
+          <p:nvPr>
+            <p:ph idx="1"/>
+          </p:nvPr>
+        </p:nvSpPr>
+        <p:spPr>
+          <a:xfrm>
+            <a:off x="4742016" y="605896"/>
+            <a:ext cx="6413663" cy="5646208"/>
+          </a:xfrm>
+        </p:spPr>
+        <p:txBody>
+          <a:bodyPr anchor="ctr">
+            <a:normAutofit/>
+          </a:bodyPr>
+          <a:lstStyle/>
+          <a:p>
+            <a:r>
+              <a:rPr lang="en-IN" dirty="0"/>
+              <a:t>This Report is Made By:</a:t>
+            </a:r>
+          </a:p>
+          <a:p>
+            <a:pPr lvl="1"/>
+            <a:r>
+              <a:rPr lang="en-IN" dirty="0"/>
+              <a:t>Abhiroop Mukherjee 	(510519109)</a:t>
+            </a:r>
+          </a:p>
+          <a:p>
+            <a:pPr lvl="1"/>
+            <a:r>
+              <a:rPr lang="en-IN" dirty="0"/>
+              <a:t>Hritick Sharma 		(510519114)</a:t>
+            </a:r>
+          </a:p>
+          <a:p>
+            <a:pPr lvl="1"/>
+            <a:r>
+              <a:rPr lang="en-IN" dirty="0"/>
+              <a:t>Sayak Rana		(510519108)</a:t>
+            </a:r>
+          </a:p>
+          <a:p>
+            <a:pPr lvl="1"/>
+            <a:endParaRPr lang="en-IN" dirty="0"/>
+          </a:p>
+          <a:p>
+            <a:pPr marL="201168" lvl="1" indent="0">
+              <a:buNone/>
+            </a:pPr>
+            <a:r>
+              <a:rPr lang="en-IN" dirty="0"/>
+              <a:t>The Source codes for all the Assignments can be found here</a:t>
+            </a:r>
+            <a:r>
+              <a:rPr lang="en-IN"/>
+              <a:t>: </a:t>
+            </a:r>
+            <a:r>
+              <a:rPr lang="en-IN">
+                <a:hlinkClick r:id="rId2"/>
+              </a:rPr>
+              <a:t>https://github.com/Abhiroop25902/CS-2271-Algo-Lab</a:t>
+            </a:r>
+            <a:endParaRPr lang="en-IN" dirty="0"/>
+          </a:p>
+        </p:txBody>
+      </p:sp>
+    </p:spTree>
+    <p:extLst>
+      <p:ext uri="{BB962C8B-B14F-4D97-AF65-F5344CB8AC3E}">
+        <p14:creationId xmlns:p14="http://schemas.microsoft.com/office/powerpoint/2010/main" val="2033051608"/>
+      </p:ext>
+    </p:extLst>
+  </p:cSld>
+  <p:clrMapOvr>
+    <a:masterClrMapping/>
+  </p:clrMapOvr>
+</p:sld>
+</file>
+
+<file path=ppt/slides/slide20.xml><?xml version="1.0" encoding="utf-8"?>
+<p:sld xmlns:a="http://schemas.openxmlformats.org/drawingml/2006/main" xmlns:r="http://schemas.openxmlformats.org/officeDocument/2006/relationships" xmlns:p="http://schemas.openxmlformats.org/presentationml/2006/main">
+  <p:cSld>
+    <p:bg>
+      <p:bgPr>
+        <a:solidFill>
+          <a:schemeClr val="bg1"/>
+        </a:solidFill>
+        <a:effectLst/>
+      </p:bgPr>
+    </p:bg>
+    <p:spTree>
+      <p:nvGrpSpPr>
+        <p:cNvPr id="1" name=""/>
+        <p:cNvGrpSpPr/>
+        <p:nvPr/>
+      </p:nvGrpSpPr>
+      <p:grpSpPr>
+        <a:xfrm>
+          <a:off x="0" y="0"/>
+          <a:ext cx="0" cy="0"/>
+          <a:chOff x="0" y="0"/>
+          <a:chExt cx="0" cy="0"/>
+        </a:xfrm>
+      </p:grpSpPr>
+      <p:sp useBgFill="1">
+        <p:nvSpPr>
+          <p:cNvPr id="99" name="Rectangle 98">
+            <a:extLst>
+              <a:ext uri="{FF2B5EF4-FFF2-40B4-BE49-F238E27FC236}">
+                <a16:creationId xmlns:a16="http://schemas.microsoft.com/office/drawing/2014/main" id="{284B70D5-875B-433D-BDBD-1522A85D6C1D}"/>
+              </a:ext>
+              <a:ext uri="{C183D7F6-B498-43B3-948B-1728B52AA6E4}">
+                <adec:decorative xmlns:adec="http://schemas.microsoft.com/office/drawing/2017/decorative" val="1"/>
+              </a:ext>
+            </a:extLst>
+          </p:cNvPr>
+          <p:cNvSpPr>
+            <a:spLocks noGrp="1" noRot="1" noChangeAspect="1" noMove="1" noResize="1" noEditPoints="1" noAdjustHandles="1" noChangeArrowheads="1" noChangeShapeType="1" noTextEdit="1"/>
+          </p:cNvSpPr>
+          <p:nvPr>
+            <p:extLst>
+              <p:ext uri="{386F3935-93C4-4BCD-93E2-E3B085C9AB24}">
+                <p16:designElem xmlns:p16="http://schemas.microsoft.com/office/powerpoint/2015/main" val="1"/>
+              </p:ext>
+            </p:extLst>
+          </p:nvPr>
+        </p:nvSpPr>
+        <p:spPr>
+          <a:xfrm>
+            <a:off x="0" y="0"/>
+            <a:ext cx="12192001" cy="6334316"/>
+          </a:xfrm>
+          <a:prstGeom prst="rect">
+            <a:avLst/>
+          </a:prstGeom>
+          <a:ln>
+            <a:noFill/>
+          </a:ln>
+        </p:spPr>
+        <p:style>
+          <a:lnRef idx="2">
+            <a:schemeClr val="accent1">
+              <a:shade val="50000"/>
+            </a:schemeClr>
+          </a:lnRef>
+          <a:fillRef idx="1">
+            <a:schemeClr val="accent1"/>
+          </a:fillRef>
+          <a:effectRef idx="0">
+            <a:schemeClr val="accent1"/>
+          </a:effectRef>
+          <a:fontRef idx="minor">
+            <a:schemeClr val="lt1"/>
+          </a:fontRef>
+        </p:style>
+        <p:txBody>
+          <a:bodyPr rtlCol="0" anchor="ctr"/>
+          <a:lstStyle/>
+          <a:p>
+            <a:pPr algn="ctr"/>
+            <a:endParaRPr lang="en-US"/>
+          </a:p>
+        </p:txBody>
+      </p:sp>
+      <p:sp>
+        <p:nvSpPr>
+          <p:cNvPr id="2" name="Title 1">
+            <a:extLst>
+              <a:ext uri="{FF2B5EF4-FFF2-40B4-BE49-F238E27FC236}">
+                <a16:creationId xmlns:a16="http://schemas.microsoft.com/office/drawing/2014/main" id="{A2E81D72-EC99-4091-AA2C-660CCFAC39B6}"/>
+              </a:ext>
+            </a:extLst>
+          </p:cNvPr>
+          <p:cNvSpPr>
+            <a:spLocks noGrp="1"/>
+          </p:cNvSpPr>
+          <p:nvPr>
+            <p:ph type="title"/>
+          </p:nvPr>
+        </p:nvSpPr>
+        <p:spPr>
+          <a:xfrm>
+            <a:off x="7859485" y="634946"/>
+            <a:ext cx="3690257" cy="1450757"/>
+          </a:xfrm>
+        </p:spPr>
+        <p:txBody>
+          <a:bodyPr>
+            <a:normAutofit/>
+          </a:bodyPr>
+          <a:lstStyle/>
+          <a:p>
+            <a:r>
+              <a:rPr lang="en-IN" b="1"/>
+              <a:t>Time Analysis Quicksort </a:t>
+            </a:r>
+          </a:p>
+        </p:txBody>
+      </p:sp>
+      <p:pic>
+        <p:nvPicPr>
+          <p:cNvPr id="5" name="Content Placeholder 4">
+            <a:extLst>
+              <a:ext uri="{FF2B5EF4-FFF2-40B4-BE49-F238E27FC236}">
+                <a16:creationId xmlns:a16="http://schemas.microsoft.com/office/drawing/2014/main" id="{99059347-F5D1-41F7-B30A-23EE2BA4D650}"/>
+              </a:ext>
+            </a:extLst>
+          </p:cNvPr>
+          <p:cNvPicPr>
+            <a:picLocks noChangeAspect="1"/>
+          </p:cNvPicPr>
+          <p:nvPr/>
+        </p:nvPicPr>
+        <p:blipFill rotWithShape="1">
+          <a:blip r:embed="rId2">
+            <a:extLst>
+              <a:ext uri="{28A0092B-C50C-407E-A947-70E740481C1C}">
+                <a14:useLocalDpi xmlns:a14="http://schemas.microsoft.com/office/drawing/2010/main" val="0"/>
+              </a:ext>
+            </a:extLst>
+          </a:blip>
+          <a:srcRect l="621" r="7641" b="2"/>
+          <a:stretch/>
+        </p:blipFill>
+        <p:spPr>
+          <a:xfrm>
+            <a:off x="633999" y="943549"/>
+            <a:ext cx="6909801" cy="4707470"/>
+          </a:xfrm>
+          <a:prstGeom prst="rect">
+            <a:avLst/>
+          </a:prstGeom>
+        </p:spPr>
+      </p:pic>
+      <p:cxnSp>
+        <p:nvCxnSpPr>
+          <p:cNvPr id="101" name="Straight Connector 100">
+            <a:extLst>
+              <a:ext uri="{FF2B5EF4-FFF2-40B4-BE49-F238E27FC236}">
+                <a16:creationId xmlns:a16="http://schemas.microsoft.com/office/drawing/2014/main" id="{C947DF4A-614C-4B4C-8B80-E5B9D8E8CFED}"/>
+              </a:ext>
+              <a:ext uri="{C183D7F6-B498-43B3-948B-1728B52AA6E4}">
+                <adec:decorative xmlns:adec="http://schemas.microsoft.com/office/drawing/2017/decorative" val="1"/>
+              </a:ext>
+            </a:extLst>
+          </p:cNvPr>
+          <p:cNvCxnSpPr>
+            <a:cxnSpLocks noGrp="1" noRot="1" noChangeAspect="1" noMove="1" noResize="1" noEditPoints="1" noAdjustHandles="1" noChangeArrowheads="1" noChangeShapeType="1"/>
+          </p:cNvCxnSpPr>
+          <p:nvPr>
+            <p:extLst>
+              <p:ext uri="{386F3935-93C4-4BCD-93E2-E3B085C9AB24}">
+                <p16:designElem xmlns:p16="http://schemas.microsoft.com/office/powerpoint/2015/main" val="1"/>
+              </p:ext>
+            </p:extLst>
+          </p:nvPr>
+        </p:nvCxnSpPr>
+        <p:spPr>
+          <a:xfrm>
+            <a:off x="7892143" y="2085703"/>
+            <a:ext cx="3566160" cy="0"/>
+          </a:xfrm>
+          <a:prstGeom prst="line">
+            <a:avLst/>
+          </a:prstGeom>
+          <a:ln w="6350">
+            <a:solidFill>
+              <a:schemeClr val="tx1">
+                <a:lumMod val="50000"/>
+                <a:lumOff val="50000"/>
+                <a:alpha val="90000"/>
+              </a:schemeClr>
+            </a:solidFill>
+          </a:ln>
+        </p:spPr>
+        <p:style>
+          <a:lnRef idx="1">
+            <a:schemeClr val="accent1"/>
+          </a:lnRef>
+          <a:fillRef idx="0">
+            <a:schemeClr val="accent1"/>
+          </a:fillRef>
+          <a:effectRef idx="0">
+            <a:schemeClr val="accent1"/>
+          </a:effectRef>
+          <a:fontRef idx="minor">
+            <a:schemeClr val="tx1"/>
+          </a:fontRef>
+        </p:style>
+      </p:cxnSp>
+      <mc:AlternateContent xmlns:mc="http://schemas.openxmlformats.org/markup-compatibility/2006">
+        <mc:Choice xmlns:a14="http://schemas.microsoft.com/office/drawing/2010/main" Requires="a14">
+          <p:sp>
+            <p:nvSpPr>
+              <p:cNvPr id="10" name="Content Placeholder 8">
+                <a:extLst>
+                  <a:ext uri="{FF2B5EF4-FFF2-40B4-BE49-F238E27FC236}">
+                    <a16:creationId xmlns:a16="http://schemas.microsoft.com/office/drawing/2014/main" id="{B0DBBD15-5CB7-4758-94C6-9FCA6E3AA552}"/>
+                  </a:ext>
+                </a:extLst>
+              </p:cNvPr>
+              <p:cNvSpPr>
+                <a:spLocks noGrp="1"/>
+              </p:cNvSpPr>
+              <p:nvPr>
+                <p:ph idx="1"/>
+              </p:nvPr>
+            </p:nvSpPr>
+            <p:spPr>
+              <a:xfrm>
+                <a:off x="7859485" y="2198914"/>
+                <a:ext cx="3690257" cy="3670180"/>
+              </a:xfrm>
+            </p:spPr>
+            <p:txBody>
+              <a:bodyPr>
+                <a:normAutofit/>
+              </a:bodyPr>
+              <a:lstStyle/>
+              <a:p>
+                <a:r>
+                  <a:rPr lang="en-US" sz="1700" dirty="0"/>
+                  <a:t>Here we see very strange observations:</a:t>
+                </a:r>
+              </a:p>
+              <a:p>
+                <a:pPr marL="457200" indent="-457200">
+                  <a:buFont typeface="+mj-lt"/>
+                  <a:buAutoNum type="arabicPeriod"/>
+                </a:pPr>
+                <a:r>
+                  <a:rPr lang="en-US" sz="1700" dirty="0"/>
+                  <a:t>Even though Normal Distribution takes less comparison, it takes more time than Uniform. This could be since Time taken for comparison in Normal is more than that of Uniform</a:t>
+                </a:r>
+              </a:p>
+              <a:p>
+                <a:pPr marL="457200" indent="-457200">
+                  <a:buFont typeface="+mj-lt"/>
+                  <a:buAutoNum type="arabicPeriod"/>
+                </a:pPr>
+                <a:r>
+                  <a:rPr lang="en-US" sz="1700" dirty="0"/>
+                  <a:t>As array size goes too high, we see time taken by  algorithm breaks the </a:t>
+                </a:r>
+                <a14:m>
+                  <m:oMath xmlns:m="http://schemas.openxmlformats.org/officeDocument/2006/math">
+                    <m:r>
+                      <a:rPr lang="en-IN" sz="1700" b="0" i="1" smtClean="0">
+                        <a:latin typeface="Cambria Math" panose="02040503050406030204" pitchFamily="18" charset="0"/>
+                      </a:rPr>
+                      <m:t>𝑂</m:t>
+                    </m:r>
+                    <m:r>
+                      <a:rPr lang="en-IN" sz="1700" b="0" i="1" smtClean="0">
+                        <a:latin typeface="Cambria Math" panose="02040503050406030204" pitchFamily="18" charset="0"/>
+                      </a:rPr>
+                      <m:t>(</m:t>
+                    </m:r>
+                    <m:r>
+                      <a:rPr lang="en-IN" sz="1700" b="0" i="1" smtClean="0">
+                        <a:latin typeface="Cambria Math" panose="02040503050406030204" pitchFamily="18" charset="0"/>
+                      </a:rPr>
+                      <m:t>𝑛𝑙𝑔𝑛</m:t>
+                    </m:r>
+                    <m:r>
+                      <a:rPr lang="en-IN" sz="1700" b="0" i="1" smtClean="0">
+                        <a:latin typeface="Cambria Math" panose="02040503050406030204" pitchFamily="18" charset="0"/>
+                      </a:rPr>
+                      <m:t>)</m:t>
+                    </m:r>
+                  </m:oMath>
+                </a14:m>
+                <a:r>
+                  <a:rPr lang="en-US" sz="1700" dirty="0"/>
+                  <a:t> complexity, we don’t have any idea why this is happening </a:t>
+                </a:r>
+              </a:p>
+              <a:p>
+                <a:endParaRPr lang="en-US" sz="1700" dirty="0"/>
+              </a:p>
+            </p:txBody>
+          </p:sp>
+        </mc:Choice>
+        <mc:Fallback>
+          <p:sp>
+            <p:nvSpPr>
+              <p:cNvPr id="10" name="Content Placeholder 8">
+                <a:extLst>
+                  <a:ext uri="{FF2B5EF4-FFF2-40B4-BE49-F238E27FC236}">
+                    <a16:creationId xmlns:a16="http://schemas.microsoft.com/office/drawing/2014/main" id="{B0DBBD15-5CB7-4758-94C6-9FCA6E3AA552}"/>
+                  </a:ext>
+                </a:extLst>
+              </p:cNvPr>
+              <p:cNvSpPr>
+                <a:spLocks noGrp="1" noRot="1" noChangeAspect="1" noMove="1" noResize="1" noEditPoints="1" noAdjustHandles="1" noChangeArrowheads="1" noChangeShapeType="1" noTextEdit="1"/>
+              </p:cNvSpPr>
+              <p:nvPr>
+                <p:ph idx="1"/>
+              </p:nvPr>
+            </p:nvSpPr>
+            <p:spPr>
+              <a:xfrm>
+                <a:off x="7859485" y="2198914"/>
+                <a:ext cx="3690257" cy="3670180"/>
+              </a:xfrm>
+              <a:blipFill>
+                <a:blip r:embed="rId3"/>
+                <a:stretch>
+                  <a:fillRect l="-3465" t="-1329" r="-2805"/>
+                </a:stretch>
+              </a:blipFill>
+            </p:spPr>
+            <p:txBody>
+              <a:bodyPr/>
+              <a:lstStyle/>
+              <a:p>
+                <a:r>
+                  <a:rPr lang="en-IN">
+                    <a:noFill/>
+                  </a:rPr>
+                  <a:t> </a:t>
+                </a:r>
+              </a:p>
+            </p:txBody>
+          </p:sp>
+        </mc:Fallback>
+      </mc:AlternateContent>
+      <p:sp>
+        <p:nvSpPr>
+          <p:cNvPr id="103" name="Rectangle 102">
+            <a:extLst>
+              <a:ext uri="{FF2B5EF4-FFF2-40B4-BE49-F238E27FC236}">
+                <a16:creationId xmlns:a16="http://schemas.microsoft.com/office/drawing/2014/main" id="{1E299956-A9E7-4FC1-A0B1-D590CA9730E8}"/>
+              </a:ext>
+              <a:ext uri="{C183D7F6-B498-43B3-948B-1728B52AA6E4}">
+                <adec:decorative xmlns:adec="http://schemas.microsoft.com/office/drawing/2017/decorative" val="1"/>
+              </a:ext>
+            </a:extLst>
+          </p:cNvPr>
+          <p:cNvSpPr>
+            <a:spLocks noGrp="1" noRot="1" noChangeAspect="1" noMove="1" noResize="1" noEditPoints="1" noAdjustHandles="1" noChangeArrowheads="1" noChangeShapeType="1" noTextEdit="1"/>
+          </p:cNvSpPr>
+          <p:nvPr>
+            <p:extLst>
+              <p:ext uri="{386F3935-93C4-4BCD-93E2-E3B085C9AB24}">
+                <p16:designElem xmlns:p16="http://schemas.microsoft.com/office/powerpoint/2015/main" val="1"/>
+              </p:ext>
+            </p:extLst>
+          </p:nvPr>
+        </p:nvSpPr>
+        <p:spPr>
+          <a:xfrm>
+            <a:off x="15" y="6334316"/>
+            <a:ext cx="12191985" cy="66484"/>
+          </a:xfrm>
+          <a:prstGeom prst="rect">
+            <a:avLst/>
+          </a:prstGeom>
+          <a:solidFill>
+            <a:schemeClr val="accent1"/>
+          </a:solidFill>
+          <a:ln>
+            <a:noFill/>
+          </a:ln>
+        </p:spPr>
+        <p:style>
+          <a:lnRef idx="2">
+            <a:schemeClr val="accent1">
+              <a:shade val="50000"/>
+            </a:schemeClr>
+          </a:lnRef>
+          <a:fillRef idx="1">
+            <a:schemeClr val="accent1"/>
+          </a:fillRef>
+          <a:effectRef idx="0">
+            <a:schemeClr val="accent1"/>
+          </a:effectRef>
+          <a:fontRef idx="minor">
+            <a:schemeClr val="lt1"/>
+          </a:fontRef>
+        </p:style>
+      </p:sp>
+      <p:sp>
+        <p:nvSpPr>
+          <p:cNvPr id="105" name="Rectangle 104">
+            <a:extLst>
+              <a:ext uri="{FF2B5EF4-FFF2-40B4-BE49-F238E27FC236}">
+                <a16:creationId xmlns:a16="http://schemas.microsoft.com/office/drawing/2014/main" id="{17FC539C-B783-4B03-9F9E-D13430F3F64F}"/>
+              </a:ext>
+              <a:ext uri="{C183D7F6-B498-43B3-948B-1728B52AA6E4}">
+                <adec:decorative xmlns:adec="http://schemas.microsoft.com/office/drawing/2017/decorative" val="1"/>
+              </a:ext>
+            </a:extLst>
+          </p:cNvPr>
+          <p:cNvSpPr>
+            <a:spLocks noGrp="1" noRot="1" noChangeAspect="1" noMove="1" noResize="1" noEditPoints="1" noAdjustHandles="1" noChangeArrowheads="1" noChangeShapeType="1" noTextEdit="1"/>
+          </p:cNvSpPr>
+          <p:nvPr>
+            <p:extLst>
+              <p:ext uri="{386F3935-93C4-4BCD-93E2-E3B085C9AB24}">
+                <p16:designElem xmlns:p16="http://schemas.microsoft.com/office/powerpoint/2015/main" val="1"/>
+              </p:ext>
+            </p:extLst>
+          </p:nvPr>
+        </p:nvSpPr>
+        <p:spPr>
+          <a:xfrm>
+            <a:off x="1" y="6400800"/>
+            <a:ext cx="12192000" cy="457200"/>
+          </a:xfrm>
+          <a:prstGeom prst="rect">
+            <a:avLst/>
+          </a:prstGeom>
+          <a:solidFill>
+            <a:schemeClr val="accent2"/>
+          </a:solidFill>
+          <a:ln>
+            <a:noFill/>
+          </a:ln>
+        </p:spPr>
+        <p:style>
+          <a:lnRef idx="2">
+            <a:schemeClr val="accent1">
+              <a:shade val="50000"/>
+            </a:schemeClr>
+          </a:lnRef>
+          <a:fillRef idx="1">
+            <a:schemeClr val="accent1"/>
+          </a:fillRef>
+          <a:effectRef idx="0">
+            <a:schemeClr val="accent1"/>
+          </a:effectRef>
+          <a:fontRef idx="minor">
+            <a:schemeClr val="lt1"/>
+          </a:fontRef>
+        </p:style>
+      </p:sp>
+    </p:spTree>
+    <p:extLst>
+      <p:ext uri="{BB962C8B-B14F-4D97-AF65-F5344CB8AC3E}">
+        <p14:creationId xmlns:p14="http://schemas.microsoft.com/office/powerpoint/2010/main" val="898223925"/>
+      </p:ext>
+    </p:extLst>
+  </p:cSld>
+  <p:clrMapOvr>
+    <a:masterClrMapping/>
+  </p:clrMapOvr>
+</p:sld>
+</file>
+
+<file path=ppt/slides/slide21.xml><?xml version="1.0" encoding="utf-8"?>
+<p:sld xmlns:a="http://schemas.openxmlformats.org/drawingml/2006/main" xmlns:r="http://schemas.openxmlformats.org/officeDocument/2006/relationships" xmlns:p="http://schemas.openxmlformats.org/presentationml/2006/main">
+  <p:cSld>
+    <p:bg>
+      <p:bgPr>
+        <a:solidFill>
+          <a:schemeClr val="bg1"/>
+        </a:solidFill>
+        <a:effectLst/>
+      </p:bgPr>
+    </p:bg>
+    <p:spTree>
+      <p:nvGrpSpPr>
+        <p:cNvPr id="1" name=""/>
+        <p:cNvGrpSpPr/>
+        <p:nvPr/>
+      </p:nvGrpSpPr>
+      <p:grpSpPr>
+        <a:xfrm>
+          <a:off x="0" y="0"/>
+          <a:ext cx="0" cy="0"/>
+          <a:chOff x="0" y="0"/>
+          <a:chExt cx="0" cy="0"/>
+        </a:xfrm>
+      </p:grpSpPr>
       <p:pic>
         <p:nvPicPr>
           <p:cNvPr id="5" name="Picture 4" descr="Many question marks on black background">
@@ -22012,334 +23408,7 @@
 </p:sld>
 </file>
 
-<file path=ppt/slides/slide2.xml><?xml version="1.0" encoding="utf-8"?>
-<p:sld xmlns:a="http://schemas.openxmlformats.org/drawingml/2006/main" xmlns:r="http://schemas.openxmlformats.org/officeDocument/2006/relationships" xmlns:p="http://schemas.openxmlformats.org/presentationml/2006/main">
-  <p:cSld>
-    <p:bg>
-      <p:bgPr>
-        <a:solidFill>
-          <a:schemeClr val="bg1"/>
-        </a:solidFill>
-        <a:effectLst/>
-      </p:bgPr>
-    </p:bg>
-    <p:spTree>
-      <p:nvGrpSpPr>
-        <p:cNvPr id="1" name=""/>
-        <p:cNvGrpSpPr/>
-        <p:nvPr/>
-      </p:nvGrpSpPr>
-      <p:grpSpPr>
-        <a:xfrm>
-          <a:off x="0" y="0"/>
-          <a:ext cx="0" cy="0"/>
-          <a:chOff x="0" y="0"/>
-          <a:chExt cx="0" cy="0"/>
-        </a:xfrm>
-      </p:grpSpPr>
-      <p:sp useBgFill="1">
-        <p:nvSpPr>
-          <p:cNvPr id="8" name="Rectangle 7">
-            <a:extLst>
-              <a:ext uri="{FF2B5EF4-FFF2-40B4-BE49-F238E27FC236}">
-                <a16:creationId xmlns:a16="http://schemas.microsoft.com/office/drawing/2014/main" id="{3741B58E-3B65-4A01-A276-975AB2CF8A08}"/>
-              </a:ext>
-              <a:ext uri="{C183D7F6-B498-43B3-948B-1728B52AA6E4}">
-                <adec:decorative xmlns:adec="http://schemas.microsoft.com/office/drawing/2017/decorative" val="1"/>
-              </a:ext>
-            </a:extLst>
-          </p:cNvPr>
-          <p:cNvSpPr>
-            <a:spLocks noGrp="1" noRot="1" noChangeAspect="1" noMove="1" noResize="1" noEditPoints="1" noAdjustHandles="1" noChangeArrowheads="1" noChangeShapeType="1" noTextEdit="1"/>
-          </p:cNvSpPr>
-          <p:nvPr>
-            <p:extLst>
-              <p:ext uri="{386F3935-93C4-4BCD-93E2-E3B085C9AB24}">
-                <p16:designElem xmlns:p16="http://schemas.microsoft.com/office/powerpoint/2015/main" val="1"/>
-              </p:ext>
-            </p:extLst>
-          </p:nvPr>
-        </p:nvSpPr>
-        <p:spPr>
-          <a:xfrm>
-            <a:off x="0" y="0"/>
-            <a:ext cx="12186315" cy="6858000"/>
-          </a:xfrm>
-          <a:prstGeom prst="rect">
-            <a:avLst/>
-          </a:prstGeom>
-          <a:ln>
-            <a:noFill/>
-          </a:ln>
-        </p:spPr>
-        <p:style>
-          <a:lnRef idx="2">
-            <a:schemeClr val="accent6">
-              <a:shade val="50000"/>
-            </a:schemeClr>
-          </a:lnRef>
-          <a:fillRef idx="1001">
-            <a:schemeClr val="lt1"/>
-          </a:fillRef>
-          <a:effectRef idx="0">
-            <a:schemeClr val="accent6"/>
-          </a:effectRef>
-          <a:fontRef idx="minor">
-            <a:schemeClr val="lt1"/>
-          </a:fontRef>
-        </p:style>
-        <p:txBody>
-          <a:bodyPr rtlCol="0" anchor="ctr"/>
-          <a:lstStyle/>
-          <a:p>
-            <a:pPr algn="ctr"/>
-            <a:endParaRPr lang="en-US"/>
-          </a:p>
-        </p:txBody>
-      </p:sp>
-      <p:sp>
-        <p:nvSpPr>
-          <p:cNvPr id="10" name="Rectangle 9">
-            <a:extLst>
-              <a:ext uri="{FF2B5EF4-FFF2-40B4-BE49-F238E27FC236}">
-                <a16:creationId xmlns:a16="http://schemas.microsoft.com/office/drawing/2014/main" id="{7AAC67C3-831B-4AB1-A259-DFB839CAFAFC}"/>
-              </a:ext>
-              <a:ext uri="{C183D7F6-B498-43B3-948B-1728B52AA6E4}">
-                <adec:decorative xmlns:adec="http://schemas.microsoft.com/office/drawing/2017/decorative" val="1"/>
-              </a:ext>
-            </a:extLst>
-          </p:cNvPr>
-          <p:cNvSpPr>
-            <a:spLocks noGrp="1" noRot="1" noChangeAspect="1" noMove="1" noResize="1" noEditPoints="1" noAdjustHandles="1" noChangeArrowheads="1" noChangeShapeType="1" noTextEdit="1"/>
-          </p:cNvSpPr>
-          <p:nvPr>
-            <p:extLst>
-              <p:ext uri="{386F3935-93C4-4BCD-93E2-E3B085C9AB24}">
-                <p16:designElem xmlns:p16="http://schemas.microsoft.com/office/powerpoint/2015/main" val="1"/>
-              </p:ext>
-            </p:extLst>
-          </p:nvPr>
-        </p:nvSpPr>
-        <p:spPr>
-          <a:xfrm>
-            <a:off x="16" y="0"/>
-            <a:ext cx="4050791" cy="6858000"/>
-          </a:xfrm>
-          <a:prstGeom prst="rect">
-            <a:avLst/>
-          </a:prstGeom>
-          <a:solidFill>
-            <a:schemeClr val="accent2"/>
-          </a:solidFill>
-          <a:ln>
-            <a:noFill/>
-          </a:ln>
-        </p:spPr>
-        <p:style>
-          <a:lnRef idx="2">
-            <a:schemeClr val="accent1">
-              <a:shade val="50000"/>
-            </a:schemeClr>
-          </a:lnRef>
-          <a:fillRef idx="1">
-            <a:schemeClr val="accent1"/>
-          </a:fillRef>
-          <a:effectRef idx="0">
-            <a:schemeClr val="accent1"/>
-          </a:effectRef>
-          <a:fontRef idx="minor">
-            <a:schemeClr val="lt1"/>
-          </a:fontRef>
-        </p:style>
-      </p:sp>
-      <p:sp>
-        <p:nvSpPr>
-          <p:cNvPr id="2" name="Title 1">
-            <a:extLst>
-              <a:ext uri="{FF2B5EF4-FFF2-40B4-BE49-F238E27FC236}">
-                <a16:creationId xmlns:a16="http://schemas.microsoft.com/office/drawing/2014/main" id="{0A5E5C2A-12AE-4F2F-83F8-338BB786D2C1}"/>
-              </a:ext>
-            </a:extLst>
-          </p:cNvPr>
-          <p:cNvSpPr>
-            <a:spLocks noGrp="1"/>
-          </p:cNvSpPr>
-          <p:nvPr>
-            <p:ph type="title"/>
-          </p:nvPr>
-        </p:nvSpPr>
-        <p:spPr>
-          <a:xfrm>
-            <a:off x="492370" y="605896"/>
-            <a:ext cx="3084844" cy="5646208"/>
-          </a:xfrm>
-        </p:spPr>
-        <p:txBody>
-          <a:bodyPr anchor="ctr">
-            <a:normAutofit/>
-          </a:bodyPr>
-          <a:lstStyle/>
-          <a:p>
-            <a:r>
-              <a:rPr lang="en-IN" sz="3600">
-                <a:solidFill>
-                  <a:srgbClr val="FFFFFF"/>
-                </a:solidFill>
-              </a:rPr>
-              <a:t>Introduction</a:t>
-            </a:r>
-          </a:p>
-        </p:txBody>
-      </p:sp>
-      <p:sp>
-        <p:nvSpPr>
-          <p:cNvPr id="12" name="Rectangle 11">
-            <a:extLst>
-              <a:ext uri="{FF2B5EF4-FFF2-40B4-BE49-F238E27FC236}">
-                <a16:creationId xmlns:a16="http://schemas.microsoft.com/office/drawing/2014/main" id="{054B3F04-9EAC-45C0-B3CE-0387EEA10A0C}"/>
-              </a:ext>
-              <a:ext uri="{C183D7F6-B498-43B3-948B-1728B52AA6E4}">
-                <adec:decorative xmlns:adec="http://schemas.microsoft.com/office/drawing/2017/decorative" val="1"/>
-              </a:ext>
-            </a:extLst>
-          </p:cNvPr>
-          <p:cNvSpPr>
-            <a:spLocks noGrp="1" noRot="1" noChangeAspect="1" noMove="1" noResize="1" noEditPoints="1" noAdjustHandles="1" noChangeArrowheads="1" noChangeShapeType="1" noTextEdit="1"/>
-          </p:cNvSpPr>
-          <p:nvPr>
-            <p:extLst>
-              <p:ext uri="{386F3935-93C4-4BCD-93E2-E3B085C9AB24}">
-                <p16:designElem xmlns:p16="http://schemas.microsoft.com/office/powerpoint/2015/main" val="1"/>
-              </p:ext>
-            </p:extLst>
-          </p:nvPr>
-        </p:nvSpPr>
-        <p:spPr>
-          <a:xfrm>
-            <a:off x="4040071" y="0"/>
-            <a:ext cx="64008" cy="6858000"/>
-          </a:xfrm>
-          <a:prstGeom prst="rect">
-            <a:avLst/>
-          </a:prstGeom>
-          <a:solidFill>
-            <a:schemeClr val="accent1"/>
-          </a:solidFill>
-          <a:ln>
-            <a:noFill/>
-          </a:ln>
-        </p:spPr>
-        <p:style>
-          <a:lnRef idx="2">
-            <a:schemeClr val="accent1">
-              <a:shade val="50000"/>
-            </a:schemeClr>
-          </a:lnRef>
-          <a:fillRef idx="1">
-            <a:schemeClr val="accent1"/>
-          </a:fillRef>
-          <a:effectRef idx="0">
-            <a:schemeClr val="accent1"/>
-          </a:effectRef>
-          <a:fontRef idx="minor">
-            <a:schemeClr val="lt1"/>
-          </a:fontRef>
-        </p:style>
-      </p:sp>
-      <p:sp>
-        <p:nvSpPr>
-          <p:cNvPr id="3" name="Content Placeholder 2">
-            <a:extLst>
-              <a:ext uri="{FF2B5EF4-FFF2-40B4-BE49-F238E27FC236}">
-                <a16:creationId xmlns:a16="http://schemas.microsoft.com/office/drawing/2014/main" id="{CE63FD34-36DF-4637-839F-A62E8F2F2E9B}"/>
-              </a:ext>
-            </a:extLst>
-          </p:cNvPr>
-          <p:cNvSpPr>
-            <a:spLocks noGrp="1"/>
-          </p:cNvSpPr>
-          <p:nvPr>
-            <p:ph idx="1"/>
-          </p:nvPr>
-        </p:nvSpPr>
-        <p:spPr>
-          <a:xfrm>
-            <a:off x="4742016" y="605896"/>
-            <a:ext cx="6413663" cy="5646208"/>
-          </a:xfrm>
-        </p:spPr>
-        <p:txBody>
-          <a:bodyPr anchor="ctr">
-            <a:normAutofit/>
-          </a:bodyPr>
-          <a:lstStyle/>
-          <a:p>
-            <a:r>
-              <a:rPr lang="en-IN" dirty="0"/>
-              <a:t>This Report is Made By:</a:t>
-            </a:r>
-          </a:p>
-          <a:p>
-            <a:pPr lvl="1"/>
-            <a:r>
-              <a:rPr lang="en-IN" dirty="0"/>
-              <a:t>Abhiroop Mukherjee 	(510519109)</a:t>
-            </a:r>
-          </a:p>
-          <a:p>
-            <a:pPr lvl="1"/>
-            <a:r>
-              <a:rPr lang="en-IN" dirty="0"/>
-              <a:t>Hritick Sharma 		(510519114)</a:t>
-            </a:r>
-          </a:p>
-          <a:p>
-            <a:pPr lvl="1"/>
-            <a:r>
-              <a:rPr lang="en-IN" dirty="0"/>
-              <a:t>Sayak Rana		(510519108)</a:t>
-            </a:r>
-          </a:p>
-          <a:p>
-            <a:pPr lvl="1"/>
-            <a:endParaRPr lang="en-IN" dirty="0"/>
-          </a:p>
-          <a:p>
-            <a:pPr marL="201168" lvl="1" indent="0">
-              <a:buNone/>
-            </a:pPr>
-            <a:r>
-              <a:rPr lang="en-IN" dirty="0"/>
-              <a:t>The Source codes for all the Assignments can be found here</a:t>
-            </a:r>
-            <a:r>
-              <a:rPr lang="en-IN"/>
-              <a:t>: </a:t>
-            </a:r>
-            <a:r>
-              <a:rPr lang="en-IN">
-                <a:hlinkClick r:id="rId2"/>
-              </a:rPr>
-              <a:t>https://github.com/Abhiroop25902/CS-2271-Algo-Lab</a:t>
-            </a:r>
-            <a:endParaRPr lang="en-IN" dirty="0"/>
-          </a:p>
-        </p:txBody>
-      </p:sp>
-    </p:spTree>
-    <p:extLst>
-      <p:ext uri="{BB962C8B-B14F-4D97-AF65-F5344CB8AC3E}">
-        <p14:creationId xmlns:p14="http://schemas.microsoft.com/office/powerpoint/2010/main" val="2033051608"/>
-      </p:ext>
-    </p:extLst>
-  </p:cSld>
-  <p:clrMapOvr>
-    <a:masterClrMapping/>
-  </p:clrMapOvr>
-</p:sld>
-</file>
-
-<file path=ppt/slides/slide20.xml><?xml version="1.0" encoding="utf-8"?>
+<file path=ppt/slides/slide22.xml><?xml version="1.0" encoding="utf-8"?>
 <p:sld xmlns:a="http://schemas.openxmlformats.org/drawingml/2006/main" xmlns:r="http://schemas.openxmlformats.org/officeDocument/2006/relationships" xmlns:p="http://schemas.openxmlformats.org/presentationml/2006/main">
   <p:cSld>
     <p:bg>
@@ -22654,7 +23723,7 @@
 </p:sld>
 </file>
 
-<file path=ppt/slides/slide21.xml><?xml version="1.0" encoding="utf-8"?>
+<file path=ppt/slides/slide23.xml><?xml version="1.0" encoding="utf-8"?>
 <p:sld xmlns:a="http://schemas.openxmlformats.org/drawingml/2006/main" xmlns:r="http://schemas.openxmlformats.org/officeDocument/2006/relationships" xmlns:p="http://schemas.openxmlformats.org/presentationml/2006/main">
   <p:cSld>
     <p:bg>
@@ -23104,7 +24173,7 @@
 </p:sld>
 </file>
 
-<file path=ppt/slides/slide22.xml><?xml version="1.0" encoding="utf-8"?>
+<file path=ppt/slides/slide24.xml><?xml version="1.0" encoding="utf-8"?>
 <p:sld xmlns:a="http://schemas.openxmlformats.org/drawingml/2006/main" xmlns:r="http://schemas.openxmlformats.org/officeDocument/2006/relationships" xmlns:p="http://schemas.openxmlformats.org/presentationml/2006/main">
   <p:cSld>
     <p:bg>
@@ -23559,7 +24628,7 @@
 </p:sld>
 </file>
 
-<file path=ppt/slides/slide23.xml><?xml version="1.0" encoding="utf-8"?>
+<file path=ppt/slides/slide25.xml><?xml version="1.0" encoding="utf-8"?>
 <p:sld xmlns:a="http://schemas.openxmlformats.org/drawingml/2006/main" xmlns:r="http://schemas.openxmlformats.org/officeDocument/2006/relationships" xmlns:p="http://schemas.openxmlformats.org/presentationml/2006/main">
   <p:cSld>
     <p:bg>
@@ -23974,7 +25043,7 @@
 </p:sld>
 </file>
 
-<file path=ppt/slides/slide24.xml><?xml version="1.0" encoding="utf-8"?>
+<file path=ppt/slides/slide26.xml><?xml version="1.0" encoding="utf-8"?>
 <p:sld xmlns:a="http://schemas.openxmlformats.org/drawingml/2006/main" xmlns:r="http://schemas.openxmlformats.org/officeDocument/2006/relationships" xmlns:p="http://schemas.openxmlformats.org/presentationml/2006/main">
   <p:cSld>
     <p:bg>
@@ -24611,7 +25680,7 @@
 </p:sld>
 </file>
 
-<file path=ppt/slides/slide25.xml><?xml version="1.0" encoding="utf-8"?>
+<file path=ppt/slides/slide27.xml><?xml version="1.0" encoding="utf-8"?>
 <p:sld xmlns:a="http://schemas.openxmlformats.org/drawingml/2006/main" xmlns:r="http://schemas.openxmlformats.org/officeDocument/2006/relationships" xmlns:p="http://schemas.openxmlformats.org/presentationml/2006/main">
   <p:cSld>
     <p:bg>
@@ -25082,7 +26151,7 @@
 </p:sld>
 </file>
 
-<file path=ppt/slides/slide26.xml><?xml version="1.0" encoding="utf-8"?>
+<file path=ppt/slides/slide28.xml><?xml version="1.0" encoding="utf-8"?>
 <p:sld xmlns:a="http://schemas.openxmlformats.org/drawingml/2006/main" xmlns:r="http://schemas.openxmlformats.org/officeDocument/2006/relationships" xmlns:p="http://schemas.openxmlformats.org/presentationml/2006/main">
   <p:cSld>
     <p:bg>
@@ -25546,7 +26615,7 @@
 </p:sld>
 </file>
 
-<file path=ppt/slides/slide27.xml><?xml version="1.0" encoding="utf-8"?>
+<file path=ppt/slides/slide29.xml><?xml version="1.0" encoding="utf-8"?>
 <p:sld xmlns:a="http://schemas.openxmlformats.org/drawingml/2006/main" xmlns:r="http://schemas.openxmlformats.org/officeDocument/2006/relationships" xmlns:p="http://schemas.openxmlformats.org/presentationml/2006/main">
   <p:cSld>
     <p:bg>
@@ -25949,765 +27018,6 @@
     <p:extLst>
       <p:ext uri="{BB962C8B-B14F-4D97-AF65-F5344CB8AC3E}">
         <p14:creationId xmlns:p14="http://schemas.microsoft.com/office/powerpoint/2010/main" val="699669138"/>
-      </p:ext>
-    </p:extLst>
-  </p:cSld>
-  <p:clrMapOvr>
-    <a:masterClrMapping/>
-  </p:clrMapOvr>
-</p:sld>
-</file>
-
-<file path=ppt/slides/slide28.xml><?xml version="1.0" encoding="utf-8"?>
-<p:sld xmlns:a="http://schemas.openxmlformats.org/drawingml/2006/main" xmlns:r="http://schemas.openxmlformats.org/officeDocument/2006/relationships" xmlns:p="http://schemas.openxmlformats.org/presentationml/2006/main">
-  <p:cSld>
-    <p:bg>
-      <p:bgPr>
-        <a:solidFill>
-          <a:schemeClr val="bg1"/>
-        </a:solidFill>
-        <a:effectLst/>
-      </p:bgPr>
-    </p:bg>
-    <p:spTree>
-      <p:nvGrpSpPr>
-        <p:cNvPr id="1" name=""/>
-        <p:cNvGrpSpPr/>
-        <p:nvPr/>
-      </p:nvGrpSpPr>
-      <p:grpSpPr>
-        <a:xfrm>
-          <a:off x="0" y="0"/>
-          <a:ext cx="0" cy="0"/>
-          <a:chOff x="0" y="0"/>
-          <a:chExt cx="0" cy="0"/>
-        </a:xfrm>
-      </p:grpSpPr>
-      <p:sp useBgFill="1">
-        <p:nvSpPr>
-          <p:cNvPr id="50" name="Rectangle 49">
-            <a:extLst>
-              <a:ext uri="{FF2B5EF4-FFF2-40B4-BE49-F238E27FC236}">
-                <a16:creationId xmlns:a16="http://schemas.microsoft.com/office/drawing/2014/main" id="{284B70D5-875B-433D-BDBD-1522A85D6C1D}"/>
-              </a:ext>
-              <a:ext uri="{C183D7F6-B498-43B3-948B-1728B52AA6E4}">
-                <adec:decorative xmlns:adec="http://schemas.microsoft.com/office/drawing/2017/decorative" val="1"/>
-              </a:ext>
-            </a:extLst>
-          </p:cNvPr>
-          <p:cNvSpPr>
-            <a:spLocks noGrp="1" noRot="1" noChangeAspect="1" noMove="1" noResize="1" noEditPoints="1" noAdjustHandles="1" noChangeArrowheads="1" noChangeShapeType="1" noTextEdit="1"/>
-          </p:cNvSpPr>
-          <p:nvPr>
-            <p:extLst>
-              <p:ext uri="{386F3935-93C4-4BCD-93E2-E3B085C9AB24}">
-                <p16:designElem xmlns:p16="http://schemas.microsoft.com/office/powerpoint/2015/main" val="1"/>
-              </p:ext>
-            </p:extLst>
-          </p:nvPr>
-        </p:nvSpPr>
-        <p:spPr>
-          <a:xfrm>
-            <a:off x="0" y="0"/>
-            <a:ext cx="12192001" cy="6334316"/>
-          </a:xfrm>
-          <a:prstGeom prst="rect">
-            <a:avLst/>
-          </a:prstGeom>
-          <a:ln>
-            <a:noFill/>
-          </a:ln>
-        </p:spPr>
-        <p:style>
-          <a:lnRef idx="2">
-            <a:schemeClr val="accent1">
-              <a:shade val="50000"/>
-            </a:schemeClr>
-          </a:lnRef>
-          <a:fillRef idx="1">
-            <a:schemeClr val="accent1"/>
-          </a:fillRef>
-          <a:effectRef idx="0">
-            <a:schemeClr val="accent1"/>
-          </a:effectRef>
-          <a:fontRef idx="minor">
-            <a:schemeClr val="lt1"/>
-          </a:fontRef>
-        </p:style>
-        <p:txBody>
-          <a:bodyPr rtlCol="0" anchor="ctr"/>
-          <a:lstStyle/>
-          <a:p>
-            <a:pPr algn="ctr"/>
-            <a:endParaRPr lang="en-US" dirty="0"/>
-          </a:p>
-        </p:txBody>
-      </p:sp>
-      <p:sp>
-        <p:nvSpPr>
-          <p:cNvPr id="2" name="Title 1">
-            <a:extLst>
-              <a:ext uri="{FF2B5EF4-FFF2-40B4-BE49-F238E27FC236}">
-                <a16:creationId xmlns:a16="http://schemas.microsoft.com/office/drawing/2014/main" id="{6601A21F-EC20-448F-BB0A-CBF3B5067773}"/>
-              </a:ext>
-            </a:extLst>
-          </p:cNvPr>
-          <p:cNvSpPr>
-            <a:spLocks noGrp="1"/>
-          </p:cNvSpPr>
-          <p:nvPr>
-            <p:ph type="title"/>
-          </p:nvPr>
-        </p:nvSpPr>
-        <p:spPr>
-          <a:xfrm>
-            <a:off x="7859485" y="634946"/>
-            <a:ext cx="3690257" cy="1450757"/>
-          </a:xfrm>
-        </p:spPr>
-        <p:txBody>
-          <a:bodyPr vert="horz" lIns="91440" tIns="45720" rIns="91440" bIns="45720" rtlCol="0">
-            <a:normAutofit/>
-          </a:bodyPr>
-          <a:lstStyle/>
-          <a:p>
-            <a:r>
-              <a:rPr lang="en-US" sz="4400" b="1" dirty="0"/>
-              <a:t>Histogram for Normal Dataset</a:t>
-            </a:r>
-          </a:p>
-        </p:txBody>
-      </p:sp>
-      <p:pic>
-        <p:nvPicPr>
-          <p:cNvPr id="5" name="Content Placeholder 4">
-            <a:extLst>
-              <a:ext uri="{FF2B5EF4-FFF2-40B4-BE49-F238E27FC236}">
-                <a16:creationId xmlns:a16="http://schemas.microsoft.com/office/drawing/2014/main" id="{62BA1612-2B79-4CA5-A537-9B08501E3E45}"/>
-              </a:ext>
-            </a:extLst>
-          </p:cNvPr>
-          <p:cNvPicPr>
-            <a:picLocks noChangeAspect="1"/>
-          </p:cNvPicPr>
-          <p:nvPr/>
-        </p:nvPicPr>
-        <p:blipFill>
-          <a:blip r:embed="rId2">
-            <a:extLst>
-              <a:ext uri="{28A0092B-C50C-407E-A947-70E740481C1C}">
-                <a14:useLocalDpi xmlns:a14="http://schemas.microsoft.com/office/drawing/2010/main" val="0"/>
-              </a:ext>
-            </a:extLst>
-          </a:blip>
-          <a:stretch>
-            <a:fillRect/>
-          </a:stretch>
-        </p:blipFill>
-        <p:spPr>
-          <a:xfrm>
-            <a:off x="633999" y="1224344"/>
-            <a:ext cx="6909801" cy="4145880"/>
-          </a:xfrm>
-          <a:prstGeom prst="rect">
-            <a:avLst/>
-          </a:prstGeom>
-        </p:spPr>
-      </p:pic>
-      <p:cxnSp>
-        <p:nvCxnSpPr>
-          <p:cNvPr id="52" name="Straight Connector 51">
-            <a:extLst>
-              <a:ext uri="{FF2B5EF4-FFF2-40B4-BE49-F238E27FC236}">
-                <a16:creationId xmlns:a16="http://schemas.microsoft.com/office/drawing/2014/main" id="{C947DF4A-614C-4B4C-8B80-E5B9D8E8CFED}"/>
-              </a:ext>
-              <a:ext uri="{C183D7F6-B498-43B3-948B-1728B52AA6E4}">
-                <adec:decorative xmlns:adec="http://schemas.microsoft.com/office/drawing/2017/decorative" val="1"/>
-              </a:ext>
-            </a:extLst>
-          </p:cNvPr>
-          <p:cNvCxnSpPr>
-            <a:cxnSpLocks noGrp="1" noRot="1" noChangeAspect="1" noMove="1" noResize="1" noEditPoints="1" noAdjustHandles="1" noChangeArrowheads="1" noChangeShapeType="1"/>
-          </p:cNvCxnSpPr>
-          <p:nvPr>
-            <p:extLst>
-              <p:ext uri="{386F3935-93C4-4BCD-93E2-E3B085C9AB24}">
-                <p16:designElem xmlns:p16="http://schemas.microsoft.com/office/powerpoint/2015/main" val="1"/>
-              </p:ext>
-            </p:extLst>
-          </p:nvPr>
-        </p:nvCxnSpPr>
-        <p:spPr>
-          <a:xfrm>
-            <a:off x="7892143" y="2085703"/>
-            <a:ext cx="3566160" cy="0"/>
-          </a:xfrm>
-          <a:prstGeom prst="line">
-            <a:avLst/>
-          </a:prstGeom>
-          <a:ln w="6350">
-            <a:solidFill>
-              <a:schemeClr val="tx1">
-                <a:lumMod val="50000"/>
-                <a:lumOff val="50000"/>
-                <a:alpha val="90000"/>
-              </a:schemeClr>
-            </a:solidFill>
-          </a:ln>
-        </p:spPr>
-        <p:style>
-          <a:lnRef idx="1">
-            <a:schemeClr val="accent1"/>
-          </a:lnRef>
-          <a:fillRef idx="0">
-            <a:schemeClr val="accent1"/>
-          </a:fillRef>
-          <a:effectRef idx="0">
-            <a:schemeClr val="accent1"/>
-          </a:effectRef>
-          <a:fontRef idx="minor">
-            <a:schemeClr val="tx1"/>
-          </a:fontRef>
-        </p:style>
-      </p:cxnSp>
-      <p:sp>
-        <p:nvSpPr>
-          <p:cNvPr id="38" name="Content Placeholder 37">
-            <a:extLst>
-              <a:ext uri="{FF2B5EF4-FFF2-40B4-BE49-F238E27FC236}">
-                <a16:creationId xmlns:a16="http://schemas.microsoft.com/office/drawing/2014/main" id="{8459FDD1-3BEF-4EF5-80CC-3D5238454933}"/>
-              </a:ext>
-            </a:extLst>
-          </p:cNvPr>
-          <p:cNvSpPr>
-            <a:spLocks noGrp="1"/>
-          </p:cNvSpPr>
-          <p:nvPr>
-            <p:ph idx="1"/>
-          </p:nvPr>
-        </p:nvSpPr>
-        <p:spPr>
-          <a:xfrm>
-            <a:off x="7859485" y="2198914"/>
-            <a:ext cx="3690257" cy="3670180"/>
-          </a:xfrm>
-        </p:spPr>
-        <p:txBody>
-          <a:bodyPr>
-            <a:normAutofit/>
-          </a:bodyPr>
-          <a:lstStyle/>
-          <a:p>
-            <a:pPr lvl="1"/>
-            <a:r>
-              <a:rPr lang="en-US" dirty="0"/>
-              <a:t>As Expected, the histogram has the “bell” curve and max value of the dataset goes to 1.</a:t>
-            </a:r>
-          </a:p>
-          <a:p>
-            <a:pPr lvl="1"/>
-            <a:r>
-              <a:rPr lang="en-US" dirty="0"/>
-              <a:t>Hence, our conversion was successful</a:t>
-            </a:r>
-          </a:p>
-        </p:txBody>
-      </p:sp>
-      <p:sp>
-        <p:nvSpPr>
-          <p:cNvPr id="54" name="Rectangle 53">
-            <a:extLst>
-              <a:ext uri="{FF2B5EF4-FFF2-40B4-BE49-F238E27FC236}">
-                <a16:creationId xmlns:a16="http://schemas.microsoft.com/office/drawing/2014/main" id="{1E299956-A9E7-4FC1-A0B1-D590CA9730E8}"/>
-              </a:ext>
-              <a:ext uri="{C183D7F6-B498-43B3-948B-1728B52AA6E4}">
-                <adec:decorative xmlns:adec="http://schemas.microsoft.com/office/drawing/2017/decorative" val="1"/>
-              </a:ext>
-            </a:extLst>
-          </p:cNvPr>
-          <p:cNvSpPr>
-            <a:spLocks noGrp="1" noRot="1" noChangeAspect="1" noMove="1" noResize="1" noEditPoints="1" noAdjustHandles="1" noChangeArrowheads="1" noChangeShapeType="1" noTextEdit="1"/>
-          </p:cNvSpPr>
-          <p:nvPr>
-            <p:extLst>
-              <p:ext uri="{386F3935-93C4-4BCD-93E2-E3B085C9AB24}">
-                <p16:designElem xmlns:p16="http://schemas.microsoft.com/office/powerpoint/2015/main" val="1"/>
-              </p:ext>
-            </p:extLst>
-          </p:nvPr>
-        </p:nvSpPr>
-        <p:spPr>
-          <a:xfrm>
-            <a:off x="15" y="6334316"/>
-            <a:ext cx="12191985" cy="66484"/>
-          </a:xfrm>
-          <a:prstGeom prst="rect">
-            <a:avLst/>
-          </a:prstGeom>
-          <a:solidFill>
-            <a:schemeClr val="accent1"/>
-          </a:solidFill>
-          <a:ln>
-            <a:noFill/>
-          </a:ln>
-        </p:spPr>
-        <p:style>
-          <a:lnRef idx="2">
-            <a:schemeClr val="accent1">
-              <a:shade val="50000"/>
-            </a:schemeClr>
-          </a:lnRef>
-          <a:fillRef idx="1">
-            <a:schemeClr val="accent1"/>
-          </a:fillRef>
-          <a:effectRef idx="0">
-            <a:schemeClr val="accent1"/>
-          </a:effectRef>
-          <a:fontRef idx="minor">
-            <a:schemeClr val="lt1"/>
-          </a:fontRef>
-        </p:style>
-      </p:sp>
-      <p:sp>
-        <p:nvSpPr>
-          <p:cNvPr id="56" name="Rectangle 55">
-            <a:extLst>
-              <a:ext uri="{FF2B5EF4-FFF2-40B4-BE49-F238E27FC236}">
-                <a16:creationId xmlns:a16="http://schemas.microsoft.com/office/drawing/2014/main" id="{17FC539C-B783-4B03-9F9E-D13430F3F64F}"/>
-              </a:ext>
-              <a:ext uri="{C183D7F6-B498-43B3-948B-1728B52AA6E4}">
-                <adec:decorative xmlns:adec="http://schemas.microsoft.com/office/drawing/2017/decorative" val="1"/>
-              </a:ext>
-            </a:extLst>
-          </p:cNvPr>
-          <p:cNvSpPr>
-            <a:spLocks noGrp="1" noRot="1" noChangeAspect="1" noMove="1" noResize="1" noEditPoints="1" noAdjustHandles="1" noChangeArrowheads="1" noChangeShapeType="1" noTextEdit="1"/>
-          </p:cNvSpPr>
-          <p:nvPr>
-            <p:extLst>
-              <p:ext uri="{386F3935-93C4-4BCD-93E2-E3B085C9AB24}">
-                <p16:designElem xmlns:p16="http://schemas.microsoft.com/office/powerpoint/2015/main" val="1"/>
-              </p:ext>
-            </p:extLst>
-          </p:nvPr>
-        </p:nvSpPr>
-        <p:spPr>
-          <a:xfrm>
-            <a:off x="1" y="6400800"/>
-            <a:ext cx="12192000" cy="457200"/>
-          </a:xfrm>
-          <a:prstGeom prst="rect">
-            <a:avLst/>
-          </a:prstGeom>
-          <a:solidFill>
-            <a:schemeClr val="accent2"/>
-          </a:solidFill>
-          <a:ln>
-            <a:noFill/>
-          </a:ln>
-        </p:spPr>
-        <p:style>
-          <a:lnRef idx="2">
-            <a:schemeClr val="accent1">
-              <a:shade val="50000"/>
-            </a:schemeClr>
-          </a:lnRef>
-          <a:fillRef idx="1">
-            <a:schemeClr val="accent1"/>
-          </a:fillRef>
-          <a:effectRef idx="0">
-            <a:schemeClr val="accent1"/>
-          </a:effectRef>
-          <a:fontRef idx="minor">
-            <a:schemeClr val="lt1"/>
-          </a:fontRef>
-        </p:style>
-      </p:sp>
-    </p:spTree>
-    <p:extLst>
-      <p:ext uri="{BB962C8B-B14F-4D97-AF65-F5344CB8AC3E}">
-        <p14:creationId xmlns:p14="http://schemas.microsoft.com/office/powerpoint/2010/main" val="3232898989"/>
-      </p:ext>
-    </p:extLst>
-  </p:cSld>
-  <p:clrMapOvr>
-    <a:masterClrMapping/>
-  </p:clrMapOvr>
-</p:sld>
-</file>
-
-<file path=ppt/slides/slide29.xml><?xml version="1.0" encoding="utf-8"?>
-<p:sld xmlns:a="http://schemas.openxmlformats.org/drawingml/2006/main" xmlns:r="http://schemas.openxmlformats.org/officeDocument/2006/relationships" xmlns:p="http://schemas.openxmlformats.org/presentationml/2006/main">
-  <p:cSld>
-    <p:bg>
-      <p:bgPr>
-        <a:solidFill>
-          <a:schemeClr val="bg1"/>
-        </a:solidFill>
-        <a:effectLst/>
-      </p:bgPr>
-    </p:bg>
-    <p:spTree>
-      <p:nvGrpSpPr>
-        <p:cNvPr id="1" name=""/>
-        <p:cNvGrpSpPr/>
-        <p:nvPr/>
-      </p:nvGrpSpPr>
-      <p:grpSpPr>
-        <a:xfrm>
-          <a:off x="0" y="0"/>
-          <a:ext cx="0" cy="0"/>
-          <a:chOff x="0" y="0"/>
-          <a:chExt cx="0" cy="0"/>
-        </a:xfrm>
-      </p:grpSpPr>
-      <p:sp useBgFill="1">
-        <p:nvSpPr>
-          <p:cNvPr id="29" name="Rectangle 28">
-            <a:extLst>
-              <a:ext uri="{FF2B5EF4-FFF2-40B4-BE49-F238E27FC236}">
-                <a16:creationId xmlns:a16="http://schemas.microsoft.com/office/drawing/2014/main" id="{284B70D5-875B-433D-BDBD-1522A85D6C1D}"/>
-              </a:ext>
-              <a:ext uri="{C183D7F6-B498-43B3-948B-1728B52AA6E4}">
-                <adec:decorative xmlns:adec="http://schemas.microsoft.com/office/drawing/2017/decorative" val="1"/>
-              </a:ext>
-            </a:extLst>
-          </p:cNvPr>
-          <p:cNvSpPr>
-            <a:spLocks noGrp="1" noRot="1" noChangeAspect="1" noMove="1" noResize="1" noEditPoints="1" noAdjustHandles="1" noChangeArrowheads="1" noChangeShapeType="1" noTextEdit="1"/>
-          </p:cNvSpPr>
-          <p:nvPr>
-            <p:extLst>
-              <p:ext uri="{386F3935-93C4-4BCD-93E2-E3B085C9AB24}">
-                <p16:designElem xmlns:p16="http://schemas.microsoft.com/office/powerpoint/2015/main" val="1"/>
-              </p:ext>
-            </p:extLst>
-          </p:nvPr>
-        </p:nvSpPr>
-        <p:spPr>
-          <a:xfrm>
-            <a:off x="0" y="0"/>
-            <a:ext cx="12192001" cy="6334316"/>
-          </a:xfrm>
-          <a:prstGeom prst="rect">
-            <a:avLst/>
-          </a:prstGeom>
-          <a:ln>
-            <a:noFill/>
-          </a:ln>
-        </p:spPr>
-        <p:style>
-          <a:lnRef idx="2">
-            <a:schemeClr val="accent1">
-              <a:shade val="50000"/>
-            </a:schemeClr>
-          </a:lnRef>
-          <a:fillRef idx="1">
-            <a:schemeClr val="accent1"/>
-          </a:fillRef>
-          <a:effectRef idx="0">
-            <a:schemeClr val="accent1"/>
-          </a:effectRef>
-          <a:fontRef idx="minor">
-            <a:schemeClr val="lt1"/>
-          </a:fontRef>
-        </p:style>
-        <p:txBody>
-          <a:bodyPr rtlCol="0" anchor="ctr"/>
-          <a:lstStyle/>
-          <a:p>
-            <a:pPr algn="ctr"/>
-            <a:endParaRPr lang="en-US" dirty="0"/>
-          </a:p>
-        </p:txBody>
-      </p:sp>
-      <p:sp>
-        <p:nvSpPr>
-          <p:cNvPr id="2" name="Title 1">
-            <a:extLst>
-              <a:ext uri="{FF2B5EF4-FFF2-40B4-BE49-F238E27FC236}">
-                <a16:creationId xmlns:a16="http://schemas.microsoft.com/office/drawing/2014/main" id="{599A5827-52EB-4503-B93E-93FDF28C294E}"/>
-              </a:ext>
-            </a:extLst>
-          </p:cNvPr>
-          <p:cNvSpPr>
-            <a:spLocks noGrp="1"/>
-          </p:cNvSpPr>
-          <p:nvPr>
-            <p:ph type="title"/>
-          </p:nvPr>
-        </p:nvSpPr>
-        <p:spPr>
-          <a:xfrm>
-            <a:off x="7859485" y="634946"/>
-            <a:ext cx="3690257" cy="1450757"/>
-          </a:xfrm>
-        </p:spPr>
-        <p:txBody>
-          <a:bodyPr vert="horz" lIns="91440" tIns="45720" rIns="91440" bIns="45720" rtlCol="0">
-            <a:normAutofit/>
-          </a:bodyPr>
-          <a:lstStyle/>
-          <a:p>
-            <a:r>
-              <a:rPr lang="en-US" sz="4100" b="1" dirty="0"/>
-              <a:t>Histogram for Uniform Dataset</a:t>
-            </a:r>
-          </a:p>
-        </p:txBody>
-      </p:sp>
-      <p:pic>
-        <p:nvPicPr>
-          <p:cNvPr id="5" name="Content Placeholder 4">
-            <a:extLst>
-              <a:ext uri="{FF2B5EF4-FFF2-40B4-BE49-F238E27FC236}">
-                <a16:creationId xmlns:a16="http://schemas.microsoft.com/office/drawing/2014/main" id="{4C497ACA-DC67-4A9F-A0B8-459EE13FC699}"/>
-              </a:ext>
-            </a:extLst>
-          </p:cNvPr>
-          <p:cNvPicPr>
-            <a:picLocks noChangeAspect="1"/>
-          </p:cNvPicPr>
-          <p:nvPr/>
-        </p:nvPicPr>
-        <p:blipFill>
-          <a:blip r:embed="rId2">
-            <a:extLst>
-              <a:ext uri="{28A0092B-C50C-407E-A947-70E740481C1C}">
-                <a14:useLocalDpi xmlns:a14="http://schemas.microsoft.com/office/drawing/2010/main" val="0"/>
-              </a:ext>
-            </a:extLst>
-          </a:blip>
-          <a:stretch>
-            <a:fillRect/>
-          </a:stretch>
-        </p:blipFill>
-        <p:spPr>
-          <a:xfrm>
-            <a:off x="633999" y="1224344"/>
-            <a:ext cx="6909801" cy="4145880"/>
-          </a:xfrm>
-          <a:prstGeom prst="rect">
-            <a:avLst/>
-          </a:prstGeom>
-        </p:spPr>
-      </p:pic>
-      <p:cxnSp>
-        <p:nvCxnSpPr>
-          <p:cNvPr id="31" name="Straight Connector 30">
-            <a:extLst>
-              <a:ext uri="{FF2B5EF4-FFF2-40B4-BE49-F238E27FC236}">
-                <a16:creationId xmlns:a16="http://schemas.microsoft.com/office/drawing/2014/main" id="{C947DF4A-614C-4B4C-8B80-E5B9D8E8CFED}"/>
-              </a:ext>
-              <a:ext uri="{C183D7F6-B498-43B3-948B-1728B52AA6E4}">
-                <adec:decorative xmlns:adec="http://schemas.microsoft.com/office/drawing/2017/decorative" val="1"/>
-              </a:ext>
-            </a:extLst>
-          </p:cNvPr>
-          <p:cNvCxnSpPr>
-            <a:cxnSpLocks noGrp="1" noRot="1" noChangeAspect="1" noMove="1" noResize="1" noEditPoints="1" noAdjustHandles="1" noChangeArrowheads="1" noChangeShapeType="1"/>
-          </p:cNvCxnSpPr>
-          <p:nvPr>
-            <p:extLst>
-              <p:ext uri="{386F3935-93C4-4BCD-93E2-E3B085C9AB24}">
-                <p16:designElem xmlns:p16="http://schemas.microsoft.com/office/powerpoint/2015/main" val="1"/>
-              </p:ext>
-            </p:extLst>
-          </p:nvPr>
-        </p:nvCxnSpPr>
-        <p:spPr>
-          <a:xfrm>
-            <a:off x="7892143" y="2085703"/>
-            <a:ext cx="3566160" cy="0"/>
-          </a:xfrm>
-          <a:prstGeom prst="line">
-            <a:avLst/>
-          </a:prstGeom>
-          <a:ln w="6350">
-            <a:solidFill>
-              <a:schemeClr val="tx1">
-                <a:lumMod val="50000"/>
-                <a:lumOff val="50000"/>
-                <a:alpha val="90000"/>
-              </a:schemeClr>
-            </a:solidFill>
-          </a:ln>
-        </p:spPr>
-        <p:style>
-          <a:lnRef idx="1">
-            <a:schemeClr val="accent1"/>
-          </a:lnRef>
-          <a:fillRef idx="0">
-            <a:schemeClr val="accent1"/>
-          </a:fillRef>
-          <a:effectRef idx="0">
-            <a:schemeClr val="accent1"/>
-          </a:effectRef>
-          <a:fontRef idx="minor">
-            <a:schemeClr val="tx1"/>
-          </a:fontRef>
-        </p:style>
-      </p:cxnSp>
-      <p:sp>
-        <p:nvSpPr>
-          <p:cNvPr id="26" name="Content Placeholder 25">
-            <a:extLst>
-              <a:ext uri="{FF2B5EF4-FFF2-40B4-BE49-F238E27FC236}">
-                <a16:creationId xmlns:a16="http://schemas.microsoft.com/office/drawing/2014/main" id="{EB8091F3-6CBE-47DB-8651-DD9C298B089F}"/>
-              </a:ext>
-            </a:extLst>
-          </p:cNvPr>
-          <p:cNvSpPr>
-            <a:spLocks noGrp="1"/>
-          </p:cNvSpPr>
-          <p:nvPr>
-            <p:ph idx="1"/>
-          </p:nvPr>
-        </p:nvSpPr>
-        <p:spPr>
-          <a:xfrm>
-            <a:off x="7859485" y="2198914"/>
-            <a:ext cx="3690257" cy="3670180"/>
-          </a:xfrm>
-        </p:spPr>
-        <p:txBody>
-          <a:bodyPr>
-            <a:normAutofit/>
-          </a:bodyPr>
-          <a:lstStyle/>
-          <a:p>
-            <a:pPr lvl="1"/>
-            <a:r>
-              <a:rPr lang="en-US" dirty="0"/>
-              <a:t>As Expected, the histogram has the same number of occurrences for every numbers range and max value of the dataset goes to 1.</a:t>
-            </a:r>
-          </a:p>
-          <a:p>
-            <a:pPr lvl="1"/>
-            <a:r>
-              <a:rPr lang="en-US" dirty="0"/>
-              <a:t>Hence, our conversion was successful</a:t>
-            </a:r>
-          </a:p>
-          <a:p>
-            <a:endParaRPr lang="en-US" dirty="0"/>
-          </a:p>
-        </p:txBody>
-      </p:sp>
-      <p:sp>
-        <p:nvSpPr>
-          <p:cNvPr id="33" name="Rectangle 32">
-            <a:extLst>
-              <a:ext uri="{FF2B5EF4-FFF2-40B4-BE49-F238E27FC236}">
-                <a16:creationId xmlns:a16="http://schemas.microsoft.com/office/drawing/2014/main" id="{1E299956-A9E7-4FC1-A0B1-D590CA9730E8}"/>
-              </a:ext>
-              <a:ext uri="{C183D7F6-B498-43B3-948B-1728B52AA6E4}">
-                <adec:decorative xmlns:adec="http://schemas.microsoft.com/office/drawing/2017/decorative" val="1"/>
-              </a:ext>
-            </a:extLst>
-          </p:cNvPr>
-          <p:cNvSpPr>
-            <a:spLocks noGrp="1" noRot="1" noChangeAspect="1" noMove="1" noResize="1" noEditPoints="1" noAdjustHandles="1" noChangeArrowheads="1" noChangeShapeType="1" noTextEdit="1"/>
-          </p:cNvSpPr>
-          <p:nvPr>
-            <p:extLst>
-              <p:ext uri="{386F3935-93C4-4BCD-93E2-E3B085C9AB24}">
-                <p16:designElem xmlns:p16="http://schemas.microsoft.com/office/powerpoint/2015/main" val="1"/>
-              </p:ext>
-            </p:extLst>
-          </p:nvPr>
-        </p:nvSpPr>
-        <p:spPr>
-          <a:xfrm>
-            <a:off x="15" y="6334316"/>
-            <a:ext cx="12191985" cy="66484"/>
-          </a:xfrm>
-          <a:prstGeom prst="rect">
-            <a:avLst/>
-          </a:prstGeom>
-          <a:solidFill>
-            <a:schemeClr val="accent1"/>
-          </a:solidFill>
-          <a:ln>
-            <a:noFill/>
-          </a:ln>
-        </p:spPr>
-        <p:style>
-          <a:lnRef idx="2">
-            <a:schemeClr val="accent1">
-              <a:shade val="50000"/>
-            </a:schemeClr>
-          </a:lnRef>
-          <a:fillRef idx="1">
-            <a:schemeClr val="accent1"/>
-          </a:fillRef>
-          <a:effectRef idx="0">
-            <a:schemeClr val="accent1"/>
-          </a:effectRef>
-          <a:fontRef idx="minor">
-            <a:schemeClr val="lt1"/>
-          </a:fontRef>
-        </p:style>
-      </p:sp>
-      <p:sp>
-        <p:nvSpPr>
-          <p:cNvPr id="35" name="Rectangle 34">
-            <a:extLst>
-              <a:ext uri="{FF2B5EF4-FFF2-40B4-BE49-F238E27FC236}">
-                <a16:creationId xmlns:a16="http://schemas.microsoft.com/office/drawing/2014/main" id="{17FC539C-B783-4B03-9F9E-D13430F3F64F}"/>
-              </a:ext>
-              <a:ext uri="{C183D7F6-B498-43B3-948B-1728B52AA6E4}">
-                <adec:decorative xmlns:adec="http://schemas.microsoft.com/office/drawing/2017/decorative" val="1"/>
-              </a:ext>
-            </a:extLst>
-          </p:cNvPr>
-          <p:cNvSpPr>
-            <a:spLocks noGrp="1" noRot="1" noChangeAspect="1" noMove="1" noResize="1" noEditPoints="1" noAdjustHandles="1" noChangeArrowheads="1" noChangeShapeType="1" noTextEdit="1"/>
-          </p:cNvSpPr>
-          <p:nvPr>
-            <p:extLst>
-              <p:ext uri="{386F3935-93C4-4BCD-93E2-E3B085C9AB24}">
-                <p16:designElem xmlns:p16="http://schemas.microsoft.com/office/powerpoint/2015/main" val="1"/>
-              </p:ext>
-            </p:extLst>
-          </p:nvPr>
-        </p:nvSpPr>
-        <p:spPr>
-          <a:xfrm>
-            <a:off x="1" y="6400800"/>
-            <a:ext cx="12192000" cy="457200"/>
-          </a:xfrm>
-          <a:prstGeom prst="rect">
-            <a:avLst/>
-          </a:prstGeom>
-          <a:solidFill>
-            <a:schemeClr val="accent2"/>
-          </a:solidFill>
-          <a:ln>
-            <a:noFill/>
-          </a:ln>
-        </p:spPr>
-        <p:style>
-          <a:lnRef idx="2">
-            <a:schemeClr val="accent1">
-              <a:shade val="50000"/>
-            </a:schemeClr>
-          </a:lnRef>
-          <a:fillRef idx="1">
-            <a:schemeClr val="accent1"/>
-          </a:fillRef>
-          <a:effectRef idx="0">
-            <a:schemeClr val="accent1"/>
-          </a:effectRef>
-          <a:fontRef idx="minor">
-            <a:schemeClr val="lt1"/>
-          </a:fontRef>
-        </p:style>
-      </p:sp>
-    </p:spTree>
-    <p:extLst>
-      <p:ext uri="{BB962C8B-B14F-4D97-AF65-F5344CB8AC3E}">
-        <p14:creationId xmlns:p14="http://schemas.microsoft.com/office/powerpoint/2010/main" val="162693734"/>
       </p:ext>
     </p:extLst>
   </p:cSld>
@@ -27206,6 +27516,765 @@
           <a:chExt cx="0" cy="0"/>
         </a:xfrm>
       </p:grpSpPr>
+      <p:sp useBgFill="1">
+        <p:nvSpPr>
+          <p:cNvPr id="50" name="Rectangle 49">
+            <a:extLst>
+              <a:ext uri="{FF2B5EF4-FFF2-40B4-BE49-F238E27FC236}">
+                <a16:creationId xmlns:a16="http://schemas.microsoft.com/office/drawing/2014/main" id="{284B70D5-875B-433D-BDBD-1522A85D6C1D}"/>
+              </a:ext>
+              <a:ext uri="{C183D7F6-B498-43B3-948B-1728B52AA6E4}">
+                <adec:decorative xmlns:adec="http://schemas.microsoft.com/office/drawing/2017/decorative" val="1"/>
+              </a:ext>
+            </a:extLst>
+          </p:cNvPr>
+          <p:cNvSpPr>
+            <a:spLocks noGrp="1" noRot="1" noChangeAspect="1" noMove="1" noResize="1" noEditPoints="1" noAdjustHandles="1" noChangeArrowheads="1" noChangeShapeType="1" noTextEdit="1"/>
+          </p:cNvSpPr>
+          <p:nvPr>
+            <p:extLst>
+              <p:ext uri="{386F3935-93C4-4BCD-93E2-E3B085C9AB24}">
+                <p16:designElem xmlns:p16="http://schemas.microsoft.com/office/powerpoint/2015/main" val="1"/>
+              </p:ext>
+            </p:extLst>
+          </p:nvPr>
+        </p:nvSpPr>
+        <p:spPr>
+          <a:xfrm>
+            <a:off x="0" y="0"/>
+            <a:ext cx="12192001" cy="6334316"/>
+          </a:xfrm>
+          <a:prstGeom prst="rect">
+            <a:avLst/>
+          </a:prstGeom>
+          <a:ln>
+            <a:noFill/>
+          </a:ln>
+        </p:spPr>
+        <p:style>
+          <a:lnRef idx="2">
+            <a:schemeClr val="accent1">
+              <a:shade val="50000"/>
+            </a:schemeClr>
+          </a:lnRef>
+          <a:fillRef idx="1">
+            <a:schemeClr val="accent1"/>
+          </a:fillRef>
+          <a:effectRef idx="0">
+            <a:schemeClr val="accent1"/>
+          </a:effectRef>
+          <a:fontRef idx="minor">
+            <a:schemeClr val="lt1"/>
+          </a:fontRef>
+        </p:style>
+        <p:txBody>
+          <a:bodyPr rtlCol="0" anchor="ctr"/>
+          <a:lstStyle/>
+          <a:p>
+            <a:pPr algn="ctr"/>
+            <a:endParaRPr lang="en-US" dirty="0"/>
+          </a:p>
+        </p:txBody>
+      </p:sp>
+      <p:sp>
+        <p:nvSpPr>
+          <p:cNvPr id="2" name="Title 1">
+            <a:extLst>
+              <a:ext uri="{FF2B5EF4-FFF2-40B4-BE49-F238E27FC236}">
+                <a16:creationId xmlns:a16="http://schemas.microsoft.com/office/drawing/2014/main" id="{6601A21F-EC20-448F-BB0A-CBF3B5067773}"/>
+              </a:ext>
+            </a:extLst>
+          </p:cNvPr>
+          <p:cNvSpPr>
+            <a:spLocks noGrp="1"/>
+          </p:cNvSpPr>
+          <p:nvPr>
+            <p:ph type="title"/>
+          </p:nvPr>
+        </p:nvSpPr>
+        <p:spPr>
+          <a:xfrm>
+            <a:off x="7859485" y="634946"/>
+            <a:ext cx="3690257" cy="1450757"/>
+          </a:xfrm>
+        </p:spPr>
+        <p:txBody>
+          <a:bodyPr vert="horz" lIns="91440" tIns="45720" rIns="91440" bIns="45720" rtlCol="0">
+            <a:normAutofit/>
+          </a:bodyPr>
+          <a:lstStyle/>
+          <a:p>
+            <a:r>
+              <a:rPr lang="en-US" sz="4400" b="1" dirty="0"/>
+              <a:t>Histogram for Normal Dataset</a:t>
+            </a:r>
+          </a:p>
+        </p:txBody>
+      </p:sp>
+      <p:pic>
+        <p:nvPicPr>
+          <p:cNvPr id="5" name="Content Placeholder 4">
+            <a:extLst>
+              <a:ext uri="{FF2B5EF4-FFF2-40B4-BE49-F238E27FC236}">
+                <a16:creationId xmlns:a16="http://schemas.microsoft.com/office/drawing/2014/main" id="{62BA1612-2B79-4CA5-A537-9B08501E3E45}"/>
+              </a:ext>
+            </a:extLst>
+          </p:cNvPr>
+          <p:cNvPicPr>
+            <a:picLocks noChangeAspect="1"/>
+          </p:cNvPicPr>
+          <p:nvPr/>
+        </p:nvPicPr>
+        <p:blipFill>
+          <a:blip r:embed="rId2">
+            <a:extLst>
+              <a:ext uri="{28A0092B-C50C-407E-A947-70E740481C1C}">
+                <a14:useLocalDpi xmlns:a14="http://schemas.microsoft.com/office/drawing/2010/main" val="0"/>
+              </a:ext>
+            </a:extLst>
+          </a:blip>
+          <a:stretch>
+            <a:fillRect/>
+          </a:stretch>
+        </p:blipFill>
+        <p:spPr>
+          <a:xfrm>
+            <a:off x="633999" y="1224344"/>
+            <a:ext cx="6909801" cy="4145880"/>
+          </a:xfrm>
+          <a:prstGeom prst="rect">
+            <a:avLst/>
+          </a:prstGeom>
+        </p:spPr>
+      </p:pic>
+      <p:cxnSp>
+        <p:nvCxnSpPr>
+          <p:cNvPr id="52" name="Straight Connector 51">
+            <a:extLst>
+              <a:ext uri="{FF2B5EF4-FFF2-40B4-BE49-F238E27FC236}">
+                <a16:creationId xmlns:a16="http://schemas.microsoft.com/office/drawing/2014/main" id="{C947DF4A-614C-4B4C-8B80-E5B9D8E8CFED}"/>
+              </a:ext>
+              <a:ext uri="{C183D7F6-B498-43B3-948B-1728B52AA6E4}">
+                <adec:decorative xmlns:adec="http://schemas.microsoft.com/office/drawing/2017/decorative" val="1"/>
+              </a:ext>
+            </a:extLst>
+          </p:cNvPr>
+          <p:cNvCxnSpPr>
+            <a:cxnSpLocks noGrp="1" noRot="1" noChangeAspect="1" noMove="1" noResize="1" noEditPoints="1" noAdjustHandles="1" noChangeArrowheads="1" noChangeShapeType="1"/>
+          </p:cNvCxnSpPr>
+          <p:nvPr>
+            <p:extLst>
+              <p:ext uri="{386F3935-93C4-4BCD-93E2-E3B085C9AB24}">
+                <p16:designElem xmlns:p16="http://schemas.microsoft.com/office/powerpoint/2015/main" val="1"/>
+              </p:ext>
+            </p:extLst>
+          </p:nvPr>
+        </p:nvCxnSpPr>
+        <p:spPr>
+          <a:xfrm>
+            <a:off x="7892143" y="2085703"/>
+            <a:ext cx="3566160" cy="0"/>
+          </a:xfrm>
+          <a:prstGeom prst="line">
+            <a:avLst/>
+          </a:prstGeom>
+          <a:ln w="6350">
+            <a:solidFill>
+              <a:schemeClr val="tx1">
+                <a:lumMod val="50000"/>
+                <a:lumOff val="50000"/>
+                <a:alpha val="90000"/>
+              </a:schemeClr>
+            </a:solidFill>
+          </a:ln>
+        </p:spPr>
+        <p:style>
+          <a:lnRef idx="1">
+            <a:schemeClr val="accent1"/>
+          </a:lnRef>
+          <a:fillRef idx="0">
+            <a:schemeClr val="accent1"/>
+          </a:fillRef>
+          <a:effectRef idx="0">
+            <a:schemeClr val="accent1"/>
+          </a:effectRef>
+          <a:fontRef idx="minor">
+            <a:schemeClr val="tx1"/>
+          </a:fontRef>
+        </p:style>
+      </p:cxnSp>
+      <p:sp>
+        <p:nvSpPr>
+          <p:cNvPr id="38" name="Content Placeholder 37">
+            <a:extLst>
+              <a:ext uri="{FF2B5EF4-FFF2-40B4-BE49-F238E27FC236}">
+                <a16:creationId xmlns:a16="http://schemas.microsoft.com/office/drawing/2014/main" id="{8459FDD1-3BEF-4EF5-80CC-3D5238454933}"/>
+              </a:ext>
+            </a:extLst>
+          </p:cNvPr>
+          <p:cNvSpPr>
+            <a:spLocks noGrp="1"/>
+          </p:cNvSpPr>
+          <p:nvPr>
+            <p:ph idx="1"/>
+          </p:nvPr>
+        </p:nvSpPr>
+        <p:spPr>
+          <a:xfrm>
+            <a:off x="7859485" y="2198914"/>
+            <a:ext cx="3690257" cy="3670180"/>
+          </a:xfrm>
+        </p:spPr>
+        <p:txBody>
+          <a:bodyPr>
+            <a:normAutofit/>
+          </a:bodyPr>
+          <a:lstStyle/>
+          <a:p>
+            <a:pPr lvl="1"/>
+            <a:r>
+              <a:rPr lang="en-US" dirty="0"/>
+              <a:t>As Expected, the histogram has the “bell” curve and max value of the dataset goes to 1.</a:t>
+            </a:r>
+          </a:p>
+          <a:p>
+            <a:pPr lvl="1"/>
+            <a:r>
+              <a:rPr lang="en-US" dirty="0"/>
+              <a:t>Hence, our conversion was successful</a:t>
+            </a:r>
+          </a:p>
+        </p:txBody>
+      </p:sp>
+      <p:sp>
+        <p:nvSpPr>
+          <p:cNvPr id="54" name="Rectangle 53">
+            <a:extLst>
+              <a:ext uri="{FF2B5EF4-FFF2-40B4-BE49-F238E27FC236}">
+                <a16:creationId xmlns:a16="http://schemas.microsoft.com/office/drawing/2014/main" id="{1E299956-A9E7-4FC1-A0B1-D590CA9730E8}"/>
+              </a:ext>
+              <a:ext uri="{C183D7F6-B498-43B3-948B-1728B52AA6E4}">
+                <adec:decorative xmlns:adec="http://schemas.microsoft.com/office/drawing/2017/decorative" val="1"/>
+              </a:ext>
+            </a:extLst>
+          </p:cNvPr>
+          <p:cNvSpPr>
+            <a:spLocks noGrp="1" noRot="1" noChangeAspect="1" noMove="1" noResize="1" noEditPoints="1" noAdjustHandles="1" noChangeArrowheads="1" noChangeShapeType="1" noTextEdit="1"/>
+          </p:cNvSpPr>
+          <p:nvPr>
+            <p:extLst>
+              <p:ext uri="{386F3935-93C4-4BCD-93E2-E3B085C9AB24}">
+                <p16:designElem xmlns:p16="http://schemas.microsoft.com/office/powerpoint/2015/main" val="1"/>
+              </p:ext>
+            </p:extLst>
+          </p:nvPr>
+        </p:nvSpPr>
+        <p:spPr>
+          <a:xfrm>
+            <a:off x="15" y="6334316"/>
+            <a:ext cx="12191985" cy="66484"/>
+          </a:xfrm>
+          <a:prstGeom prst="rect">
+            <a:avLst/>
+          </a:prstGeom>
+          <a:solidFill>
+            <a:schemeClr val="accent1"/>
+          </a:solidFill>
+          <a:ln>
+            <a:noFill/>
+          </a:ln>
+        </p:spPr>
+        <p:style>
+          <a:lnRef idx="2">
+            <a:schemeClr val="accent1">
+              <a:shade val="50000"/>
+            </a:schemeClr>
+          </a:lnRef>
+          <a:fillRef idx="1">
+            <a:schemeClr val="accent1"/>
+          </a:fillRef>
+          <a:effectRef idx="0">
+            <a:schemeClr val="accent1"/>
+          </a:effectRef>
+          <a:fontRef idx="minor">
+            <a:schemeClr val="lt1"/>
+          </a:fontRef>
+        </p:style>
+      </p:sp>
+      <p:sp>
+        <p:nvSpPr>
+          <p:cNvPr id="56" name="Rectangle 55">
+            <a:extLst>
+              <a:ext uri="{FF2B5EF4-FFF2-40B4-BE49-F238E27FC236}">
+                <a16:creationId xmlns:a16="http://schemas.microsoft.com/office/drawing/2014/main" id="{17FC539C-B783-4B03-9F9E-D13430F3F64F}"/>
+              </a:ext>
+              <a:ext uri="{C183D7F6-B498-43B3-948B-1728B52AA6E4}">
+                <adec:decorative xmlns:adec="http://schemas.microsoft.com/office/drawing/2017/decorative" val="1"/>
+              </a:ext>
+            </a:extLst>
+          </p:cNvPr>
+          <p:cNvSpPr>
+            <a:spLocks noGrp="1" noRot="1" noChangeAspect="1" noMove="1" noResize="1" noEditPoints="1" noAdjustHandles="1" noChangeArrowheads="1" noChangeShapeType="1" noTextEdit="1"/>
+          </p:cNvSpPr>
+          <p:nvPr>
+            <p:extLst>
+              <p:ext uri="{386F3935-93C4-4BCD-93E2-E3B085C9AB24}">
+                <p16:designElem xmlns:p16="http://schemas.microsoft.com/office/powerpoint/2015/main" val="1"/>
+              </p:ext>
+            </p:extLst>
+          </p:nvPr>
+        </p:nvSpPr>
+        <p:spPr>
+          <a:xfrm>
+            <a:off x="1" y="6400800"/>
+            <a:ext cx="12192000" cy="457200"/>
+          </a:xfrm>
+          <a:prstGeom prst="rect">
+            <a:avLst/>
+          </a:prstGeom>
+          <a:solidFill>
+            <a:schemeClr val="accent2"/>
+          </a:solidFill>
+          <a:ln>
+            <a:noFill/>
+          </a:ln>
+        </p:spPr>
+        <p:style>
+          <a:lnRef idx="2">
+            <a:schemeClr val="accent1">
+              <a:shade val="50000"/>
+            </a:schemeClr>
+          </a:lnRef>
+          <a:fillRef idx="1">
+            <a:schemeClr val="accent1"/>
+          </a:fillRef>
+          <a:effectRef idx="0">
+            <a:schemeClr val="accent1"/>
+          </a:effectRef>
+          <a:fontRef idx="minor">
+            <a:schemeClr val="lt1"/>
+          </a:fontRef>
+        </p:style>
+      </p:sp>
+    </p:spTree>
+    <p:extLst>
+      <p:ext uri="{BB962C8B-B14F-4D97-AF65-F5344CB8AC3E}">
+        <p14:creationId xmlns:p14="http://schemas.microsoft.com/office/powerpoint/2010/main" val="3232898989"/>
+      </p:ext>
+    </p:extLst>
+  </p:cSld>
+  <p:clrMapOvr>
+    <a:masterClrMapping/>
+  </p:clrMapOvr>
+</p:sld>
+</file>
+
+<file path=ppt/slides/slide31.xml><?xml version="1.0" encoding="utf-8"?>
+<p:sld xmlns:a="http://schemas.openxmlformats.org/drawingml/2006/main" xmlns:r="http://schemas.openxmlformats.org/officeDocument/2006/relationships" xmlns:p="http://schemas.openxmlformats.org/presentationml/2006/main">
+  <p:cSld>
+    <p:bg>
+      <p:bgPr>
+        <a:solidFill>
+          <a:schemeClr val="bg1"/>
+        </a:solidFill>
+        <a:effectLst/>
+      </p:bgPr>
+    </p:bg>
+    <p:spTree>
+      <p:nvGrpSpPr>
+        <p:cNvPr id="1" name=""/>
+        <p:cNvGrpSpPr/>
+        <p:nvPr/>
+      </p:nvGrpSpPr>
+      <p:grpSpPr>
+        <a:xfrm>
+          <a:off x="0" y="0"/>
+          <a:ext cx="0" cy="0"/>
+          <a:chOff x="0" y="0"/>
+          <a:chExt cx="0" cy="0"/>
+        </a:xfrm>
+      </p:grpSpPr>
+      <p:sp useBgFill="1">
+        <p:nvSpPr>
+          <p:cNvPr id="29" name="Rectangle 28">
+            <a:extLst>
+              <a:ext uri="{FF2B5EF4-FFF2-40B4-BE49-F238E27FC236}">
+                <a16:creationId xmlns:a16="http://schemas.microsoft.com/office/drawing/2014/main" id="{284B70D5-875B-433D-BDBD-1522A85D6C1D}"/>
+              </a:ext>
+              <a:ext uri="{C183D7F6-B498-43B3-948B-1728B52AA6E4}">
+                <adec:decorative xmlns:adec="http://schemas.microsoft.com/office/drawing/2017/decorative" val="1"/>
+              </a:ext>
+            </a:extLst>
+          </p:cNvPr>
+          <p:cNvSpPr>
+            <a:spLocks noGrp="1" noRot="1" noChangeAspect="1" noMove="1" noResize="1" noEditPoints="1" noAdjustHandles="1" noChangeArrowheads="1" noChangeShapeType="1" noTextEdit="1"/>
+          </p:cNvSpPr>
+          <p:nvPr>
+            <p:extLst>
+              <p:ext uri="{386F3935-93C4-4BCD-93E2-E3B085C9AB24}">
+                <p16:designElem xmlns:p16="http://schemas.microsoft.com/office/powerpoint/2015/main" val="1"/>
+              </p:ext>
+            </p:extLst>
+          </p:nvPr>
+        </p:nvSpPr>
+        <p:spPr>
+          <a:xfrm>
+            <a:off x="0" y="0"/>
+            <a:ext cx="12192001" cy="6334316"/>
+          </a:xfrm>
+          <a:prstGeom prst="rect">
+            <a:avLst/>
+          </a:prstGeom>
+          <a:ln>
+            <a:noFill/>
+          </a:ln>
+        </p:spPr>
+        <p:style>
+          <a:lnRef idx="2">
+            <a:schemeClr val="accent1">
+              <a:shade val="50000"/>
+            </a:schemeClr>
+          </a:lnRef>
+          <a:fillRef idx="1">
+            <a:schemeClr val="accent1"/>
+          </a:fillRef>
+          <a:effectRef idx="0">
+            <a:schemeClr val="accent1"/>
+          </a:effectRef>
+          <a:fontRef idx="minor">
+            <a:schemeClr val="lt1"/>
+          </a:fontRef>
+        </p:style>
+        <p:txBody>
+          <a:bodyPr rtlCol="0" anchor="ctr"/>
+          <a:lstStyle/>
+          <a:p>
+            <a:pPr algn="ctr"/>
+            <a:endParaRPr lang="en-US" dirty="0"/>
+          </a:p>
+        </p:txBody>
+      </p:sp>
+      <p:sp>
+        <p:nvSpPr>
+          <p:cNvPr id="2" name="Title 1">
+            <a:extLst>
+              <a:ext uri="{FF2B5EF4-FFF2-40B4-BE49-F238E27FC236}">
+                <a16:creationId xmlns:a16="http://schemas.microsoft.com/office/drawing/2014/main" id="{599A5827-52EB-4503-B93E-93FDF28C294E}"/>
+              </a:ext>
+            </a:extLst>
+          </p:cNvPr>
+          <p:cNvSpPr>
+            <a:spLocks noGrp="1"/>
+          </p:cNvSpPr>
+          <p:nvPr>
+            <p:ph type="title"/>
+          </p:nvPr>
+        </p:nvSpPr>
+        <p:spPr>
+          <a:xfrm>
+            <a:off x="7859485" y="634946"/>
+            <a:ext cx="3690257" cy="1450757"/>
+          </a:xfrm>
+        </p:spPr>
+        <p:txBody>
+          <a:bodyPr vert="horz" lIns="91440" tIns="45720" rIns="91440" bIns="45720" rtlCol="0">
+            <a:normAutofit/>
+          </a:bodyPr>
+          <a:lstStyle/>
+          <a:p>
+            <a:r>
+              <a:rPr lang="en-US" sz="4100" b="1" dirty="0"/>
+              <a:t>Histogram for Uniform Dataset</a:t>
+            </a:r>
+          </a:p>
+        </p:txBody>
+      </p:sp>
+      <p:pic>
+        <p:nvPicPr>
+          <p:cNvPr id="5" name="Content Placeholder 4">
+            <a:extLst>
+              <a:ext uri="{FF2B5EF4-FFF2-40B4-BE49-F238E27FC236}">
+                <a16:creationId xmlns:a16="http://schemas.microsoft.com/office/drawing/2014/main" id="{4C497ACA-DC67-4A9F-A0B8-459EE13FC699}"/>
+              </a:ext>
+            </a:extLst>
+          </p:cNvPr>
+          <p:cNvPicPr>
+            <a:picLocks noChangeAspect="1"/>
+          </p:cNvPicPr>
+          <p:nvPr/>
+        </p:nvPicPr>
+        <p:blipFill>
+          <a:blip r:embed="rId2">
+            <a:extLst>
+              <a:ext uri="{28A0092B-C50C-407E-A947-70E740481C1C}">
+                <a14:useLocalDpi xmlns:a14="http://schemas.microsoft.com/office/drawing/2010/main" val="0"/>
+              </a:ext>
+            </a:extLst>
+          </a:blip>
+          <a:stretch>
+            <a:fillRect/>
+          </a:stretch>
+        </p:blipFill>
+        <p:spPr>
+          <a:xfrm>
+            <a:off x="633999" y="1224344"/>
+            <a:ext cx="6909801" cy="4145880"/>
+          </a:xfrm>
+          <a:prstGeom prst="rect">
+            <a:avLst/>
+          </a:prstGeom>
+        </p:spPr>
+      </p:pic>
+      <p:cxnSp>
+        <p:nvCxnSpPr>
+          <p:cNvPr id="31" name="Straight Connector 30">
+            <a:extLst>
+              <a:ext uri="{FF2B5EF4-FFF2-40B4-BE49-F238E27FC236}">
+                <a16:creationId xmlns:a16="http://schemas.microsoft.com/office/drawing/2014/main" id="{C947DF4A-614C-4B4C-8B80-E5B9D8E8CFED}"/>
+              </a:ext>
+              <a:ext uri="{C183D7F6-B498-43B3-948B-1728B52AA6E4}">
+                <adec:decorative xmlns:adec="http://schemas.microsoft.com/office/drawing/2017/decorative" val="1"/>
+              </a:ext>
+            </a:extLst>
+          </p:cNvPr>
+          <p:cNvCxnSpPr>
+            <a:cxnSpLocks noGrp="1" noRot="1" noChangeAspect="1" noMove="1" noResize="1" noEditPoints="1" noAdjustHandles="1" noChangeArrowheads="1" noChangeShapeType="1"/>
+          </p:cNvCxnSpPr>
+          <p:nvPr>
+            <p:extLst>
+              <p:ext uri="{386F3935-93C4-4BCD-93E2-E3B085C9AB24}">
+                <p16:designElem xmlns:p16="http://schemas.microsoft.com/office/powerpoint/2015/main" val="1"/>
+              </p:ext>
+            </p:extLst>
+          </p:nvPr>
+        </p:nvCxnSpPr>
+        <p:spPr>
+          <a:xfrm>
+            <a:off x="7892143" y="2085703"/>
+            <a:ext cx="3566160" cy="0"/>
+          </a:xfrm>
+          <a:prstGeom prst="line">
+            <a:avLst/>
+          </a:prstGeom>
+          <a:ln w="6350">
+            <a:solidFill>
+              <a:schemeClr val="tx1">
+                <a:lumMod val="50000"/>
+                <a:lumOff val="50000"/>
+                <a:alpha val="90000"/>
+              </a:schemeClr>
+            </a:solidFill>
+          </a:ln>
+        </p:spPr>
+        <p:style>
+          <a:lnRef idx="1">
+            <a:schemeClr val="accent1"/>
+          </a:lnRef>
+          <a:fillRef idx="0">
+            <a:schemeClr val="accent1"/>
+          </a:fillRef>
+          <a:effectRef idx="0">
+            <a:schemeClr val="accent1"/>
+          </a:effectRef>
+          <a:fontRef idx="minor">
+            <a:schemeClr val="tx1"/>
+          </a:fontRef>
+        </p:style>
+      </p:cxnSp>
+      <p:sp>
+        <p:nvSpPr>
+          <p:cNvPr id="26" name="Content Placeholder 25">
+            <a:extLst>
+              <a:ext uri="{FF2B5EF4-FFF2-40B4-BE49-F238E27FC236}">
+                <a16:creationId xmlns:a16="http://schemas.microsoft.com/office/drawing/2014/main" id="{EB8091F3-6CBE-47DB-8651-DD9C298B089F}"/>
+              </a:ext>
+            </a:extLst>
+          </p:cNvPr>
+          <p:cNvSpPr>
+            <a:spLocks noGrp="1"/>
+          </p:cNvSpPr>
+          <p:nvPr>
+            <p:ph idx="1"/>
+          </p:nvPr>
+        </p:nvSpPr>
+        <p:spPr>
+          <a:xfrm>
+            <a:off x="7859485" y="2198914"/>
+            <a:ext cx="3690257" cy="3670180"/>
+          </a:xfrm>
+        </p:spPr>
+        <p:txBody>
+          <a:bodyPr>
+            <a:normAutofit/>
+          </a:bodyPr>
+          <a:lstStyle/>
+          <a:p>
+            <a:pPr lvl="1"/>
+            <a:r>
+              <a:rPr lang="en-US" dirty="0"/>
+              <a:t>As Expected, the histogram has the same number of occurrences for every numbers range and max value of the dataset goes to 1.</a:t>
+            </a:r>
+          </a:p>
+          <a:p>
+            <a:pPr lvl="1"/>
+            <a:r>
+              <a:rPr lang="en-US" dirty="0"/>
+              <a:t>Hence, our conversion was successful</a:t>
+            </a:r>
+          </a:p>
+          <a:p>
+            <a:endParaRPr lang="en-US" dirty="0"/>
+          </a:p>
+        </p:txBody>
+      </p:sp>
+      <p:sp>
+        <p:nvSpPr>
+          <p:cNvPr id="33" name="Rectangle 32">
+            <a:extLst>
+              <a:ext uri="{FF2B5EF4-FFF2-40B4-BE49-F238E27FC236}">
+                <a16:creationId xmlns:a16="http://schemas.microsoft.com/office/drawing/2014/main" id="{1E299956-A9E7-4FC1-A0B1-D590CA9730E8}"/>
+              </a:ext>
+              <a:ext uri="{C183D7F6-B498-43B3-948B-1728B52AA6E4}">
+                <adec:decorative xmlns:adec="http://schemas.microsoft.com/office/drawing/2017/decorative" val="1"/>
+              </a:ext>
+            </a:extLst>
+          </p:cNvPr>
+          <p:cNvSpPr>
+            <a:spLocks noGrp="1" noRot="1" noChangeAspect="1" noMove="1" noResize="1" noEditPoints="1" noAdjustHandles="1" noChangeArrowheads="1" noChangeShapeType="1" noTextEdit="1"/>
+          </p:cNvSpPr>
+          <p:nvPr>
+            <p:extLst>
+              <p:ext uri="{386F3935-93C4-4BCD-93E2-E3B085C9AB24}">
+                <p16:designElem xmlns:p16="http://schemas.microsoft.com/office/powerpoint/2015/main" val="1"/>
+              </p:ext>
+            </p:extLst>
+          </p:nvPr>
+        </p:nvSpPr>
+        <p:spPr>
+          <a:xfrm>
+            <a:off x="15" y="6334316"/>
+            <a:ext cx="12191985" cy="66484"/>
+          </a:xfrm>
+          <a:prstGeom prst="rect">
+            <a:avLst/>
+          </a:prstGeom>
+          <a:solidFill>
+            <a:schemeClr val="accent1"/>
+          </a:solidFill>
+          <a:ln>
+            <a:noFill/>
+          </a:ln>
+        </p:spPr>
+        <p:style>
+          <a:lnRef idx="2">
+            <a:schemeClr val="accent1">
+              <a:shade val="50000"/>
+            </a:schemeClr>
+          </a:lnRef>
+          <a:fillRef idx="1">
+            <a:schemeClr val="accent1"/>
+          </a:fillRef>
+          <a:effectRef idx="0">
+            <a:schemeClr val="accent1"/>
+          </a:effectRef>
+          <a:fontRef idx="minor">
+            <a:schemeClr val="lt1"/>
+          </a:fontRef>
+        </p:style>
+      </p:sp>
+      <p:sp>
+        <p:nvSpPr>
+          <p:cNvPr id="35" name="Rectangle 34">
+            <a:extLst>
+              <a:ext uri="{FF2B5EF4-FFF2-40B4-BE49-F238E27FC236}">
+                <a16:creationId xmlns:a16="http://schemas.microsoft.com/office/drawing/2014/main" id="{17FC539C-B783-4B03-9F9E-D13430F3F64F}"/>
+              </a:ext>
+              <a:ext uri="{C183D7F6-B498-43B3-948B-1728B52AA6E4}">
+                <adec:decorative xmlns:adec="http://schemas.microsoft.com/office/drawing/2017/decorative" val="1"/>
+              </a:ext>
+            </a:extLst>
+          </p:cNvPr>
+          <p:cNvSpPr>
+            <a:spLocks noGrp="1" noRot="1" noChangeAspect="1" noMove="1" noResize="1" noEditPoints="1" noAdjustHandles="1" noChangeArrowheads="1" noChangeShapeType="1" noTextEdit="1"/>
+          </p:cNvSpPr>
+          <p:nvPr>
+            <p:extLst>
+              <p:ext uri="{386F3935-93C4-4BCD-93E2-E3B085C9AB24}">
+                <p16:designElem xmlns:p16="http://schemas.microsoft.com/office/powerpoint/2015/main" val="1"/>
+              </p:ext>
+            </p:extLst>
+          </p:nvPr>
+        </p:nvSpPr>
+        <p:spPr>
+          <a:xfrm>
+            <a:off x="1" y="6400800"/>
+            <a:ext cx="12192000" cy="457200"/>
+          </a:xfrm>
+          <a:prstGeom prst="rect">
+            <a:avLst/>
+          </a:prstGeom>
+          <a:solidFill>
+            <a:schemeClr val="accent2"/>
+          </a:solidFill>
+          <a:ln>
+            <a:noFill/>
+          </a:ln>
+        </p:spPr>
+        <p:style>
+          <a:lnRef idx="2">
+            <a:schemeClr val="accent1">
+              <a:shade val="50000"/>
+            </a:schemeClr>
+          </a:lnRef>
+          <a:fillRef idx="1">
+            <a:schemeClr val="accent1"/>
+          </a:fillRef>
+          <a:effectRef idx="0">
+            <a:schemeClr val="accent1"/>
+          </a:effectRef>
+          <a:fontRef idx="minor">
+            <a:schemeClr val="lt1"/>
+          </a:fontRef>
+        </p:style>
+      </p:sp>
+    </p:spTree>
+    <p:extLst>
+      <p:ext uri="{BB962C8B-B14F-4D97-AF65-F5344CB8AC3E}">
+        <p14:creationId xmlns:p14="http://schemas.microsoft.com/office/powerpoint/2010/main" val="162693734"/>
+      </p:ext>
+    </p:extLst>
+  </p:cSld>
+  <p:clrMapOvr>
+    <a:masterClrMapping/>
+  </p:clrMapOvr>
+</p:sld>
+</file>
+
+<file path=ppt/slides/slide32.xml><?xml version="1.0" encoding="utf-8"?>
+<p:sld xmlns:a="http://schemas.openxmlformats.org/drawingml/2006/main" xmlns:r="http://schemas.openxmlformats.org/officeDocument/2006/relationships" xmlns:p="http://schemas.openxmlformats.org/presentationml/2006/main">
+  <p:cSld>
+    <p:bg>
+      <p:bgPr>
+        <a:solidFill>
+          <a:schemeClr val="bg1"/>
+        </a:solidFill>
+        <a:effectLst/>
+      </p:bgPr>
+    </p:bg>
+    <p:spTree>
+      <p:nvGrpSpPr>
+        <p:cNvPr id="1" name=""/>
+        <p:cNvGrpSpPr/>
+        <p:nvPr/>
+      </p:nvGrpSpPr>
+      <p:grpSpPr>
+        <a:xfrm>
+          <a:off x="0" y="0"/>
+          <a:ext cx="0" cy="0"/>
+          <a:chOff x="0" y="0"/>
+          <a:chExt cx="0" cy="0"/>
+        </a:xfrm>
+      </p:grpSpPr>
       <p:pic>
         <p:nvPicPr>
           <p:cNvPr id="5" name="Picture 4" descr="Many question marks on black background">
@@ -27645,7 +28714,7 @@
 </p:sld>
 </file>
 
-<file path=ppt/slides/slide31.xml><?xml version="1.0" encoding="utf-8"?>
+<file path=ppt/slides/slide33.xml><?xml version="1.0" encoding="utf-8"?>
 <p:sld xmlns:a="http://schemas.openxmlformats.org/drawingml/2006/main" xmlns:r="http://schemas.openxmlformats.org/officeDocument/2006/relationships" xmlns:p="http://schemas.openxmlformats.org/presentationml/2006/main">
   <p:cSld>
     <p:bg>
@@ -28027,7 +29096,7 @@
 </p:sld>
 </file>
 
-<file path=ppt/slides/slide32.xml><?xml version="1.0" encoding="utf-8"?>
+<file path=ppt/slides/slide34.xml><?xml version="1.0" encoding="utf-8"?>
 <p:sld xmlns:a="http://schemas.openxmlformats.org/drawingml/2006/main" xmlns:r="http://schemas.openxmlformats.org/officeDocument/2006/relationships" xmlns:p="http://schemas.openxmlformats.org/presentationml/2006/main">
   <p:cSld>
     <p:bg>
@@ -28309,7 +29378,7 @@
 </p:sld>
 </file>
 
-<file path=ppt/slides/slide33.xml><?xml version="1.0" encoding="utf-8"?>
+<file path=ppt/slides/slide35.xml><?xml version="1.0" encoding="utf-8"?>
 <p:sld xmlns:a="http://schemas.openxmlformats.org/drawingml/2006/main" xmlns:r="http://schemas.openxmlformats.org/officeDocument/2006/relationships" xmlns:p="http://schemas.openxmlformats.org/presentationml/2006/main">
   <p:cSld>
     <p:bg>
@@ -28770,7 +29839,7 @@
 </p:sld>
 </file>
 
-<file path=ppt/slides/slide34.xml><?xml version="1.0" encoding="utf-8"?>
+<file path=ppt/slides/slide36.xml><?xml version="1.0" encoding="utf-8"?>
 <p:sld xmlns:a="http://schemas.openxmlformats.org/drawingml/2006/main" xmlns:r="http://schemas.openxmlformats.org/officeDocument/2006/relationships" xmlns:p="http://schemas.openxmlformats.org/presentationml/2006/main">
   <p:cSld>
     <p:bg>
@@ -29097,7 +30166,7 @@
 </p:sld>
 </file>
 
-<file path=ppt/slides/slide35.xml><?xml version="1.0" encoding="utf-8"?>
+<file path=ppt/slides/slide37.xml><?xml version="1.0" encoding="utf-8"?>
 <p:sld xmlns:a="http://schemas.openxmlformats.org/drawingml/2006/main" xmlns:r="http://schemas.openxmlformats.org/officeDocument/2006/relationships" xmlns:p="http://schemas.openxmlformats.org/presentationml/2006/main">
   <p:cSld>
     <p:bg>
@@ -29723,7 +30792,7 @@
 </p:sld>
 </file>
 
-<file path=ppt/slides/slide36.xml><?xml version="1.0" encoding="utf-8"?>
+<file path=ppt/slides/slide38.xml><?xml version="1.0" encoding="utf-8"?>
 <p:sld xmlns:a="http://schemas.openxmlformats.org/drawingml/2006/main" xmlns:r="http://schemas.openxmlformats.org/officeDocument/2006/relationships" xmlns:p="http://schemas.openxmlformats.org/presentationml/2006/main">
   <p:cSld>
     <p:bg>
@@ -30268,7 +31337,7 @@
 </p:sld>
 </file>
 
-<file path=ppt/slides/slide37.xml><?xml version="1.0" encoding="utf-8"?>
+<file path=ppt/slides/slide39.xml><?xml version="1.0" encoding="utf-8"?>
 <p:sld xmlns:a="http://schemas.openxmlformats.org/drawingml/2006/main" xmlns:r="http://schemas.openxmlformats.org/officeDocument/2006/relationships" xmlns:p="http://schemas.openxmlformats.org/presentationml/2006/main">
   <p:cSld>
     <p:bg>
@@ -30732,7 +31801,435 @@
 </p:sld>
 </file>
 
-<file path=ppt/slides/slide38.xml><?xml version="1.0" encoding="utf-8"?>
+<file path=ppt/slides/slide4.xml><?xml version="1.0" encoding="utf-8"?>
+<p:sld xmlns:a="http://schemas.openxmlformats.org/drawingml/2006/main" xmlns:r="http://schemas.openxmlformats.org/officeDocument/2006/relationships" xmlns:p="http://schemas.openxmlformats.org/presentationml/2006/main">
+  <p:cSld>
+    <p:bg>
+      <p:bgPr>
+        <a:solidFill>
+          <a:schemeClr val="bg1"/>
+        </a:solidFill>
+        <a:effectLst/>
+      </p:bgPr>
+    </p:bg>
+    <p:spTree>
+      <p:nvGrpSpPr>
+        <p:cNvPr id="1" name=""/>
+        <p:cNvGrpSpPr/>
+        <p:nvPr/>
+      </p:nvGrpSpPr>
+      <p:grpSpPr>
+        <a:xfrm>
+          <a:off x="0" y="0"/>
+          <a:ext cx="0" cy="0"/>
+          <a:chOff x="0" y="0"/>
+          <a:chExt cx="0" cy="0"/>
+        </a:xfrm>
+      </p:grpSpPr>
+      <p:sp useBgFill="1">
+        <p:nvSpPr>
+          <p:cNvPr id="17" name="Rectangle 16">
+            <a:extLst>
+              <a:ext uri="{FF2B5EF4-FFF2-40B4-BE49-F238E27FC236}">
+                <a16:creationId xmlns:a16="http://schemas.microsoft.com/office/drawing/2014/main" id="{3741B58E-3B65-4A01-A276-975AB2CF8A08}"/>
+              </a:ext>
+              <a:ext uri="{C183D7F6-B498-43B3-948B-1728B52AA6E4}">
+                <adec:decorative xmlns:adec="http://schemas.microsoft.com/office/drawing/2017/decorative" val="1"/>
+              </a:ext>
+            </a:extLst>
+          </p:cNvPr>
+          <p:cNvSpPr>
+            <a:spLocks noGrp="1" noRot="1" noChangeAspect="1" noMove="1" noResize="1" noEditPoints="1" noAdjustHandles="1" noChangeArrowheads="1" noChangeShapeType="1" noTextEdit="1"/>
+          </p:cNvSpPr>
+          <p:nvPr>
+            <p:extLst>
+              <p:ext uri="{386F3935-93C4-4BCD-93E2-E3B085C9AB24}">
+                <p16:designElem xmlns:p16="http://schemas.microsoft.com/office/powerpoint/2015/main" val="1"/>
+              </p:ext>
+            </p:extLst>
+          </p:nvPr>
+        </p:nvSpPr>
+        <p:spPr>
+          <a:xfrm>
+            <a:off x="0" y="0"/>
+            <a:ext cx="12186315" cy="6858000"/>
+          </a:xfrm>
+          <a:prstGeom prst="rect">
+            <a:avLst/>
+          </a:prstGeom>
+          <a:ln>
+            <a:noFill/>
+          </a:ln>
+        </p:spPr>
+        <p:style>
+          <a:lnRef idx="2">
+            <a:schemeClr val="accent6">
+              <a:shade val="50000"/>
+            </a:schemeClr>
+          </a:lnRef>
+          <a:fillRef idx="1001">
+            <a:schemeClr val="lt1"/>
+          </a:fillRef>
+          <a:effectRef idx="0">
+            <a:schemeClr val="accent6"/>
+          </a:effectRef>
+          <a:fontRef idx="minor">
+            <a:schemeClr val="lt1"/>
+          </a:fontRef>
+        </p:style>
+        <p:txBody>
+          <a:bodyPr rtlCol="0" anchor="ctr"/>
+          <a:lstStyle/>
+          <a:p>
+            <a:pPr algn="ctr"/>
+            <a:endParaRPr lang="en-US" dirty="0"/>
+          </a:p>
+        </p:txBody>
+      </p:sp>
+      <p:sp>
+        <p:nvSpPr>
+          <p:cNvPr id="19" name="Rectangle 18">
+            <a:extLst>
+              <a:ext uri="{FF2B5EF4-FFF2-40B4-BE49-F238E27FC236}">
+                <a16:creationId xmlns:a16="http://schemas.microsoft.com/office/drawing/2014/main" id="{7AAC67C3-831B-4AB1-A259-DFB839CAFAFC}"/>
+              </a:ext>
+              <a:ext uri="{C183D7F6-B498-43B3-948B-1728B52AA6E4}">
+                <adec:decorative xmlns:adec="http://schemas.microsoft.com/office/drawing/2017/decorative" val="1"/>
+              </a:ext>
+            </a:extLst>
+          </p:cNvPr>
+          <p:cNvSpPr>
+            <a:spLocks noGrp="1" noRot="1" noChangeAspect="1" noMove="1" noResize="1" noEditPoints="1" noAdjustHandles="1" noChangeArrowheads="1" noChangeShapeType="1" noTextEdit="1"/>
+          </p:cNvSpPr>
+          <p:nvPr>
+            <p:extLst>
+              <p:ext uri="{386F3935-93C4-4BCD-93E2-E3B085C9AB24}">
+                <p16:designElem xmlns:p16="http://schemas.microsoft.com/office/powerpoint/2015/main" val="1"/>
+              </p:ext>
+            </p:extLst>
+          </p:nvPr>
+        </p:nvSpPr>
+        <p:spPr>
+          <a:xfrm>
+            <a:off x="16" y="0"/>
+            <a:ext cx="4050791" cy="6858000"/>
+          </a:xfrm>
+          <a:prstGeom prst="rect">
+            <a:avLst/>
+          </a:prstGeom>
+          <a:solidFill>
+            <a:schemeClr val="accent2"/>
+          </a:solidFill>
+          <a:ln>
+            <a:noFill/>
+          </a:ln>
+        </p:spPr>
+        <p:style>
+          <a:lnRef idx="2">
+            <a:schemeClr val="accent1">
+              <a:shade val="50000"/>
+            </a:schemeClr>
+          </a:lnRef>
+          <a:fillRef idx="1">
+            <a:schemeClr val="accent1"/>
+          </a:fillRef>
+          <a:effectRef idx="0">
+            <a:schemeClr val="accent1"/>
+          </a:effectRef>
+          <a:fontRef idx="minor">
+            <a:schemeClr val="lt1"/>
+          </a:fontRef>
+        </p:style>
+      </p:sp>
+      <p:sp>
+        <p:nvSpPr>
+          <p:cNvPr id="2" name="Title 1">
+            <a:extLst>
+              <a:ext uri="{FF2B5EF4-FFF2-40B4-BE49-F238E27FC236}">
+                <a16:creationId xmlns:a16="http://schemas.microsoft.com/office/drawing/2014/main" id="{D595B95A-705A-4D49-A704-0108F2F33E09}"/>
+              </a:ext>
+            </a:extLst>
+          </p:cNvPr>
+          <p:cNvSpPr>
+            <a:spLocks noGrp="1"/>
+          </p:cNvSpPr>
+          <p:nvPr>
+            <p:ph type="title"/>
+          </p:nvPr>
+        </p:nvSpPr>
+        <p:spPr>
+          <a:xfrm>
+            <a:off x="492370" y="605896"/>
+            <a:ext cx="3084844" cy="5646208"/>
+          </a:xfrm>
+        </p:spPr>
+        <p:txBody>
+          <a:bodyPr anchor="ctr">
+            <a:normAutofit/>
+          </a:bodyPr>
+          <a:lstStyle/>
+          <a:p>
+            <a:r>
+              <a:rPr lang="en-IN" sz="3600" b="1" dirty="0">
+                <a:solidFill>
+                  <a:srgbClr val="FFFFFF"/>
+                </a:solidFill>
+              </a:rPr>
+              <a:t>Procedure</a:t>
+            </a:r>
+          </a:p>
+        </p:txBody>
+      </p:sp>
+      <p:sp>
+        <p:nvSpPr>
+          <p:cNvPr id="21" name="Rectangle 20">
+            <a:extLst>
+              <a:ext uri="{FF2B5EF4-FFF2-40B4-BE49-F238E27FC236}">
+                <a16:creationId xmlns:a16="http://schemas.microsoft.com/office/drawing/2014/main" id="{054B3F04-9EAC-45C0-B3CE-0387EEA10A0C}"/>
+              </a:ext>
+              <a:ext uri="{C183D7F6-B498-43B3-948B-1728B52AA6E4}">
+                <adec:decorative xmlns:adec="http://schemas.microsoft.com/office/drawing/2017/decorative" val="1"/>
+              </a:ext>
+            </a:extLst>
+          </p:cNvPr>
+          <p:cNvSpPr>
+            <a:spLocks noGrp="1" noRot="1" noChangeAspect="1" noMove="1" noResize="1" noEditPoints="1" noAdjustHandles="1" noChangeArrowheads="1" noChangeShapeType="1" noTextEdit="1"/>
+          </p:cNvSpPr>
+          <p:nvPr>
+            <p:extLst>
+              <p:ext uri="{386F3935-93C4-4BCD-93E2-E3B085C9AB24}">
+                <p16:designElem xmlns:p16="http://schemas.microsoft.com/office/powerpoint/2015/main" val="1"/>
+              </p:ext>
+            </p:extLst>
+          </p:nvPr>
+        </p:nvSpPr>
+        <p:spPr>
+          <a:xfrm>
+            <a:off x="4040071" y="0"/>
+            <a:ext cx="64008" cy="6858000"/>
+          </a:xfrm>
+          <a:prstGeom prst="rect">
+            <a:avLst/>
+          </a:prstGeom>
+          <a:solidFill>
+            <a:schemeClr val="accent1"/>
+          </a:solidFill>
+          <a:ln>
+            <a:noFill/>
+          </a:ln>
+        </p:spPr>
+        <p:style>
+          <a:lnRef idx="2">
+            <a:schemeClr val="accent1">
+              <a:shade val="50000"/>
+            </a:schemeClr>
+          </a:lnRef>
+          <a:fillRef idx="1">
+            <a:schemeClr val="accent1"/>
+          </a:fillRef>
+          <a:effectRef idx="0">
+            <a:schemeClr val="accent1"/>
+          </a:effectRef>
+          <a:fontRef idx="minor">
+            <a:schemeClr val="lt1"/>
+          </a:fontRef>
+        </p:style>
+      </p:sp>
+      <mc:AlternateContent xmlns:mc="http://schemas.openxmlformats.org/markup-compatibility/2006" xmlns:a14="http://schemas.microsoft.com/office/drawing/2010/main">
+        <mc:Choice Requires="a14">
+          <p:sp>
+            <p:nvSpPr>
+              <p:cNvPr id="3" name="Content Placeholder 2">
+                <a:extLst>
+                  <a:ext uri="{FF2B5EF4-FFF2-40B4-BE49-F238E27FC236}">
+                    <a16:creationId xmlns:a16="http://schemas.microsoft.com/office/drawing/2014/main" id="{4B817802-A38C-4038-895E-B8B15F8D564B}"/>
+                  </a:ext>
+                </a:extLst>
+              </p:cNvPr>
+              <p:cNvSpPr>
+                <a:spLocks noGrp="1"/>
+              </p:cNvSpPr>
+              <p:nvPr>
+                <p:ph idx="1"/>
+              </p:nvPr>
+            </p:nvSpPr>
+            <p:spPr>
+              <a:xfrm>
+                <a:off x="4742016" y="605896"/>
+                <a:ext cx="6413663" cy="5646208"/>
+              </a:xfrm>
+            </p:spPr>
+            <p:txBody>
+              <a:bodyPr anchor="ctr">
+                <a:normAutofit/>
+              </a:bodyPr>
+              <a:lstStyle/>
+              <a:p>
+                <a:pPr lvl="1">
+                  <a:buFont typeface="Arial" panose="020B0604020202020204" pitchFamily="34" charset="0"/>
+                  <a:buChar char="•"/>
+                </a:pPr>
+                <a:r>
+                  <a:rPr lang="en-IN" dirty="0"/>
+                  <a:t>The inbuilt C function </a:t>
+                </a:r>
+                <a:r>
+                  <a:rPr lang="en-IN" dirty="0">
+                    <a:latin typeface="Courier New" panose="02070309020205020404" pitchFamily="49" charset="0"/>
+                    <a:cs typeface="Courier New" panose="02070309020205020404" pitchFamily="49" charset="0"/>
+                  </a:rPr>
+                  <a:t>rand()</a:t>
+                </a:r>
+                <a:r>
+                  <a:rPr lang="en-IN" dirty="0">
+                    <a:cs typeface="Courier New" panose="02070309020205020404" pitchFamily="49" charset="0"/>
+                  </a:rPr>
+                  <a:t>generates random numbers distributed uniformly.</a:t>
+                </a:r>
+              </a:p>
+              <a:p>
+                <a:pPr lvl="1">
+                  <a:buFont typeface="Arial" panose="020B0604020202020204" pitchFamily="34" charset="0"/>
+                  <a:buChar char="•"/>
+                </a:pPr>
+                <a:r>
+                  <a:rPr lang="en-IN" dirty="0">
+                    <a:cs typeface="Courier New" panose="02070309020205020404" pitchFamily="49" charset="0"/>
+                  </a:rPr>
+                  <a:t>Using </a:t>
+                </a:r>
+                <a:r>
+                  <a:rPr lang="en-IN" dirty="0">
+                    <a:latin typeface="Courier New" panose="02070309020205020404" pitchFamily="49" charset="0"/>
+                    <a:cs typeface="Courier New" panose="02070309020205020404" pitchFamily="49" charset="0"/>
+                  </a:rPr>
+                  <a:t>rand()</a:t>
+                </a:r>
+                <a:r>
+                  <a:rPr lang="en-IN" dirty="0">
+                    <a:cs typeface="Courier New" panose="02070309020205020404" pitchFamily="49" charset="0"/>
+                  </a:rPr>
+                  <a:t> we generated </a:t>
+                </a:r>
+                <a14:m>
+                  <m:oMath xmlns:m="http://schemas.openxmlformats.org/officeDocument/2006/math">
+                    <m:sSup>
+                      <m:sSupPr>
+                        <m:ctrlPr>
+                          <a:rPr lang="en-IN" i="1" smtClean="0">
+                            <a:latin typeface="Cambria Math" panose="02040503050406030204" pitchFamily="18" charset="0"/>
+                            <a:cs typeface="Courier New" panose="02070309020205020404" pitchFamily="49" charset="0"/>
+                          </a:rPr>
+                        </m:ctrlPr>
+                      </m:sSupPr>
+                      <m:e>
+                        <m:r>
+                          <a:rPr lang="en-IN" b="0" i="1" smtClean="0">
+                            <a:latin typeface="Cambria Math" panose="02040503050406030204" pitchFamily="18" charset="0"/>
+                            <a:cs typeface="Courier New" panose="02070309020205020404" pitchFamily="49" charset="0"/>
+                          </a:rPr>
+                          <m:t>10</m:t>
+                        </m:r>
+                      </m:e>
+                      <m:sup>
+                        <m:r>
+                          <a:rPr lang="en-IN" b="0" i="1" smtClean="0">
+                            <a:latin typeface="Cambria Math" panose="02040503050406030204" pitchFamily="18" charset="0"/>
+                            <a:cs typeface="Courier New" panose="02070309020205020404" pitchFamily="49" charset="0"/>
+                          </a:rPr>
+                          <m:t>6</m:t>
+                        </m:r>
+                      </m:sup>
+                    </m:sSup>
+                  </m:oMath>
+                </a14:m>
+                <a:r>
+                  <a:rPr lang="en-IN" dirty="0"/>
+                  <a:t> uniformly distributed random numbers between 0 to 100 and stored it in </a:t>
+                </a:r>
+                <a:r>
+                  <a:rPr lang="en-IN" dirty="0">
+                    <a:latin typeface="Courier New" panose="02070309020205020404" pitchFamily="49" charset="0"/>
+                    <a:cs typeface="Courier New" panose="02070309020205020404" pitchFamily="49" charset="0"/>
+                  </a:rPr>
+                  <a:t>uniform_distribution.csv </a:t>
+                </a:r>
+                <a:r>
+                  <a:rPr lang="en-IN" dirty="0"/>
+                  <a:t>which will act as uniformly distributed dataset for further works.</a:t>
+                </a:r>
+              </a:p>
+              <a:p>
+                <a:pPr lvl="1">
+                  <a:buFont typeface="Arial" panose="020B0604020202020204" pitchFamily="34" charset="0"/>
+                  <a:buChar char="•"/>
+                </a:pPr>
+                <a:r>
+                  <a:rPr lang="en-IN" dirty="0"/>
+                  <a:t>We also plotted a histogram of the dataset to make sure that the dataset generation worked well or not…</a:t>
+                </a:r>
+              </a:p>
+            </p:txBody>
+          </p:sp>
+        </mc:Choice>
+        <mc:Fallback xmlns="">
+          <p:sp>
+            <p:nvSpPr>
+              <p:cNvPr id="3" name="Content Placeholder 2">
+                <a:extLst>
+                  <a:ext uri="{FF2B5EF4-FFF2-40B4-BE49-F238E27FC236}">
+                    <a16:creationId xmlns:a16="http://schemas.microsoft.com/office/drawing/2014/main" id="{4B817802-A38C-4038-895E-B8B15F8D564B}"/>
+                  </a:ext>
+                </a:extLst>
+              </p:cNvPr>
+              <p:cNvSpPr>
+                <a:spLocks noGrp="1" noRot="1" noChangeAspect="1" noMove="1" noResize="1" noEditPoints="1" noAdjustHandles="1" noChangeArrowheads="1" noChangeShapeType="1" noTextEdit="1"/>
+              </p:cNvSpPr>
+              <p:nvPr>
+                <p:ph idx="1"/>
+              </p:nvPr>
+            </p:nvSpPr>
+            <p:spPr>
+              <a:xfrm>
+                <a:off x="4742016" y="605896"/>
+                <a:ext cx="6413663" cy="5646208"/>
+              </a:xfrm>
+              <a:blipFill>
+                <a:blip r:embed="rId2"/>
+                <a:stretch>
+                  <a:fillRect r="-2567"/>
+                </a:stretch>
+              </a:blipFill>
+            </p:spPr>
+            <p:txBody>
+              <a:bodyPr/>
+              <a:lstStyle/>
+              <a:p>
+                <a:r>
+                  <a:rPr lang="en-IN">
+                    <a:noFill/>
+                  </a:rPr>
+                  <a:t> </a:t>
+                </a:r>
+              </a:p>
+            </p:txBody>
+          </p:sp>
+        </mc:Fallback>
+      </mc:AlternateContent>
+    </p:spTree>
+    <p:extLst>
+      <p:ext uri="{BB962C8B-B14F-4D97-AF65-F5344CB8AC3E}">
+        <p14:creationId xmlns:p14="http://schemas.microsoft.com/office/powerpoint/2010/main" val="2594329012"/>
+      </p:ext>
+    </p:extLst>
+  </p:cSld>
+  <p:clrMapOvr>
+    <a:masterClrMapping/>
+  </p:clrMapOvr>
+</p:sld>
+</file>
+
+<file path=ppt/slides/slide40.xml><?xml version="1.0" encoding="utf-8"?>
 <p:sld xmlns:a="http://schemas.openxmlformats.org/drawingml/2006/main" xmlns:r="http://schemas.openxmlformats.org/officeDocument/2006/relationships" xmlns:p="http://schemas.openxmlformats.org/presentationml/2006/main">
   <p:cSld>
     <p:bg>
@@ -31234,7 +32731,7 @@
 </p:sld>
 </file>
 
-<file path=ppt/slides/slide39.xml><?xml version="1.0" encoding="utf-8"?>
+<file path=ppt/slides/slide41.xml><?xml version="1.0" encoding="utf-8"?>
 <p:sld xmlns:a="http://schemas.openxmlformats.org/drawingml/2006/main" xmlns:r="http://schemas.openxmlformats.org/officeDocument/2006/relationships" xmlns:p="http://schemas.openxmlformats.org/presentationml/2006/main">
   <p:cSld>
     <p:bg>
@@ -31807,435 +33304,7 @@
 </p:sld>
 </file>
 
-<file path=ppt/slides/slide4.xml><?xml version="1.0" encoding="utf-8"?>
-<p:sld xmlns:a="http://schemas.openxmlformats.org/drawingml/2006/main" xmlns:r="http://schemas.openxmlformats.org/officeDocument/2006/relationships" xmlns:p="http://schemas.openxmlformats.org/presentationml/2006/main">
-  <p:cSld>
-    <p:bg>
-      <p:bgPr>
-        <a:solidFill>
-          <a:schemeClr val="bg1"/>
-        </a:solidFill>
-        <a:effectLst/>
-      </p:bgPr>
-    </p:bg>
-    <p:spTree>
-      <p:nvGrpSpPr>
-        <p:cNvPr id="1" name=""/>
-        <p:cNvGrpSpPr/>
-        <p:nvPr/>
-      </p:nvGrpSpPr>
-      <p:grpSpPr>
-        <a:xfrm>
-          <a:off x="0" y="0"/>
-          <a:ext cx="0" cy="0"/>
-          <a:chOff x="0" y="0"/>
-          <a:chExt cx="0" cy="0"/>
-        </a:xfrm>
-      </p:grpSpPr>
-      <p:sp useBgFill="1">
-        <p:nvSpPr>
-          <p:cNvPr id="17" name="Rectangle 16">
-            <a:extLst>
-              <a:ext uri="{FF2B5EF4-FFF2-40B4-BE49-F238E27FC236}">
-                <a16:creationId xmlns:a16="http://schemas.microsoft.com/office/drawing/2014/main" id="{3741B58E-3B65-4A01-A276-975AB2CF8A08}"/>
-              </a:ext>
-              <a:ext uri="{C183D7F6-B498-43B3-948B-1728B52AA6E4}">
-                <adec:decorative xmlns:adec="http://schemas.microsoft.com/office/drawing/2017/decorative" val="1"/>
-              </a:ext>
-            </a:extLst>
-          </p:cNvPr>
-          <p:cNvSpPr>
-            <a:spLocks noGrp="1" noRot="1" noChangeAspect="1" noMove="1" noResize="1" noEditPoints="1" noAdjustHandles="1" noChangeArrowheads="1" noChangeShapeType="1" noTextEdit="1"/>
-          </p:cNvSpPr>
-          <p:nvPr>
-            <p:extLst>
-              <p:ext uri="{386F3935-93C4-4BCD-93E2-E3B085C9AB24}">
-                <p16:designElem xmlns:p16="http://schemas.microsoft.com/office/powerpoint/2015/main" val="1"/>
-              </p:ext>
-            </p:extLst>
-          </p:nvPr>
-        </p:nvSpPr>
-        <p:spPr>
-          <a:xfrm>
-            <a:off x="0" y="0"/>
-            <a:ext cx="12186315" cy="6858000"/>
-          </a:xfrm>
-          <a:prstGeom prst="rect">
-            <a:avLst/>
-          </a:prstGeom>
-          <a:ln>
-            <a:noFill/>
-          </a:ln>
-        </p:spPr>
-        <p:style>
-          <a:lnRef idx="2">
-            <a:schemeClr val="accent6">
-              <a:shade val="50000"/>
-            </a:schemeClr>
-          </a:lnRef>
-          <a:fillRef idx="1001">
-            <a:schemeClr val="lt1"/>
-          </a:fillRef>
-          <a:effectRef idx="0">
-            <a:schemeClr val="accent6"/>
-          </a:effectRef>
-          <a:fontRef idx="minor">
-            <a:schemeClr val="lt1"/>
-          </a:fontRef>
-        </p:style>
-        <p:txBody>
-          <a:bodyPr rtlCol="0" anchor="ctr"/>
-          <a:lstStyle/>
-          <a:p>
-            <a:pPr algn="ctr"/>
-            <a:endParaRPr lang="en-US" dirty="0"/>
-          </a:p>
-        </p:txBody>
-      </p:sp>
-      <p:sp>
-        <p:nvSpPr>
-          <p:cNvPr id="19" name="Rectangle 18">
-            <a:extLst>
-              <a:ext uri="{FF2B5EF4-FFF2-40B4-BE49-F238E27FC236}">
-                <a16:creationId xmlns:a16="http://schemas.microsoft.com/office/drawing/2014/main" id="{7AAC67C3-831B-4AB1-A259-DFB839CAFAFC}"/>
-              </a:ext>
-              <a:ext uri="{C183D7F6-B498-43B3-948B-1728B52AA6E4}">
-                <adec:decorative xmlns:adec="http://schemas.microsoft.com/office/drawing/2017/decorative" val="1"/>
-              </a:ext>
-            </a:extLst>
-          </p:cNvPr>
-          <p:cNvSpPr>
-            <a:spLocks noGrp="1" noRot="1" noChangeAspect="1" noMove="1" noResize="1" noEditPoints="1" noAdjustHandles="1" noChangeArrowheads="1" noChangeShapeType="1" noTextEdit="1"/>
-          </p:cNvSpPr>
-          <p:nvPr>
-            <p:extLst>
-              <p:ext uri="{386F3935-93C4-4BCD-93E2-E3B085C9AB24}">
-                <p16:designElem xmlns:p16="http://schemas.microsoft.com/office/powerpoint/2015/main" val="1"/>
-              </p:ext>
-            </p:extLst>
-          </p:nvPr>
-        </p:nvSpPr>
-        <p:spPr>
-          <a:xfrm>
-            <a:off x="16" y="0"/>
-            <a:ext cx="4050791" cy="6858000"/>
-          </a:xfrm>
-          <a:prstGeom prst="rect">
-            <a:avLst/>
-          </a:prstGeom>
-          <a:solidFill>
-            <a:schemeClr val="accent2"/>
-          </a:solidFill>
-          <a:ln>
-            <a:noFill/>
-          </a:ln>
-        </p:spPr>
-        <p:style>
-          <a:lnRef idx="2">
-            <a:schemeClr val="accent1">
-              <a:shade val="50000"/>
-            </a:schemeClr>
-          </a:lnRef>
-          <a:fillRef idx="1">
-            <a:schemeClr val="accent1"/>
-          </a:fillRef>
-          <a:effectRef idx="0">
-            <a:schemeClr val="accent1"/>
-          </a:effectRef>
-          <a:fontRef idx="minor">
-            <a:schemeClr val="lt1"/>
-          </a:fontRef>
-        </p:style>
-      </p:sp>
-      <p:sp>
-        <p:nvSpPr>
-          <p:cNvPr id="2" name="Title 1">
-            <a:extLst>
-              <a:ext uri="{FF2B5EF4-FFF2-40B4-BE49-F238E27FC236}">
-                <a16:creationId xmlns:a16="http://schemas.microsoft.com/office/drawing/2014/main" id="{D595B95A-705A-4D49-A704-0108F2F33E09}"/>
-              </a:ext>
-            </a:extLst>
-          </p:cNvPr>
-          <p:cNvSpPr>
-            <a:spLocks noGrp="1"/>
-          </p:cNvSpPr>
-          <p:nvPr>
-            <p:ph type="title"/>
-          </p:nvPr>
-        </p:nvSpPr>
-        <p:spPr>
-          <a:xfrm>
-            <a:off x="492370" y="605896"/>
-            <a:ext cx="3084844" cy="5646208"/>
-          </a:xfrm>
-        </p:spPr>
-        <p:txBody>
-          <a:bodyPr anchor="ctr">
-            <a:normAutofit/>
-          </a:bodyPr>
-          <a:lstStyle/>
-          <a:p>
-            <a:r>
-              <a:rPr lang="en-IN" sz="3600" b="1" dirty="0">
-                <a:solidFill>
-                  <a:srgbClr val="FFFFFF"/>
-                </a:solidFill>
-              </a:rPr>
-              <a:t>Procedure</a:t>
-            </a:r>
-          </a:p>
-        </p:txBody>
-      </p:sp>
-      <p:sp>
-        <p:nvSpPr>
-          <p:cNvPr id="21" name="Rectangle 20">
-            <a:extLst>
-              <a:ext uri="{FF2B5EF4-FFF2-40B4-BE49-F238E27FC236}">
-                <a16:creationId xmlns:a16="http://schemas.microsoft.com/office/drawing/2014/main" id="{054B3F04-9EAC-45C0-B3CE-0387EEA10A0C}"/>
-              </a:ext>
-              <a:ext uri="{C183D7F6-B498-43B3-948B-1728B52AA6E4}">
-                <adec:decorative xmlns:adec="http://schemas.microsoft.com/office/drawing/2017/decorative" val="1"/>
-              </a:ext>
-            </a:extLst>
-          </p:cNvPr>
-          <p:cNvSpPr>
-            <a:spLocks noGrp="1" noRot="1" noChangeAspect="1" noMove="1" noResize="1" noEditPoints="1" noAdjustHandles="1" noChangeArrowheads="1" noChangeShapeType="1" noTextEdit="1"/>
-          </p:cNvSpPr>
-          <p:nvPr>
-            <p:extLst>
-              <p:ext uri="{386F3935-93C4-4BCD-93E2-E3B085C9AB24}">
-                <p16:designElem xmlns:p16="http://schemas.microsoft.com/office/powerpoint/2015/main" val="1"/>
-              </p:ext>
-            </p:extLst>
-          </p:nvPr>
-        </p:nvSpPr>
-        <p:spPr>
-          <a:xfrm>
-            <a:off x="4040071" y="0"/>
-            <a:ext cx="64008" cy="6858000"/>
-          </a:xfrm>
-          <a:prstGeom prst="rect">
-            <a:avLst/>
-          </a:prstGeom>
-          <a:solidFill>
-            <a:schemeClr val="accent1"/>
-          </a:solidFill>
-          <a:ln>
-            <a:noFill/>
-          </a:ln>
-        </p:spPr>
-        <p:style>
-          <a:lnRef idx="2">
-            <a:schemeClr val="accent1">
-              <a:shade val="50000"/>
-            </a:schemeClr>
-          </a:lnRef>
-          <a:fillRef idx="1">
-            <a:schemeClr val="accent1"/>
-          </a:fillRef>
-          <a:effectRef idx="0">
-            <a:schemeClr val="accent1"/>
-          </a:effectRef>
-          <a:fontRef idx="minor">
-            <a:schemeClr val="lt1"/>
-          </a:fontRef>
-        </p:style>
-      </p:sp>
-      <mc:AlternateContent xmlns:mc="http://schemas.openxmlformats.org/markup-compatibility/2006" xmlns:a14="http://schemas.microsoft.com/office/drawing/2010/main">
-        <mc:Choice Requires="a14">
-          <p:sp>
-            <p:nvSpPr>
-              <p:cNvPr id="3" name="Content Placeholder 2">
-                <a:extLst>
-                  <a:ext uri="{FF2B5EF4-FFF2-40B4-BE49-F238E27FC236}">
-                    <a16:creationId xmlns:a16="http://schemas.microsoft.com/office/drawing/2014/main" id="{4B817802-A38C-4038-895E-B8B15F8D564B}"/>
-                  </a:ext>
-                </a:extLst>
-              </p:cNvPr>
-              <p:cNvSpPr>
-                <a:spLocks noGrp="1"/>
-              </p:cNvSpPr>
-              <p:nvPr>
-                <p:ph idx="1"/>
-              </p:nvPr>
-            </p:nvSpPr>
-            <p:spPr>
-              <a:xfrm>
-                <a:off x="4742016" y="605896"/>
-                <a:ext cx="6413663" cy="5646208"/>
-              </a:xfrm>
-            </p:spPr>
-            <p:txBody>
-              <a:bodyPr anchor="ctr">
-                <a:normAutofit/>
-              </a:bodyPr>
-              <a:lstStyle/>
-              <a:p>
-                <a:pPr lvl="1">
-                  <a:buFont typeface="Arial" panose="020B0604020202020204" pitchFamily="34" charset="0"/>
-                  <a:buChar char="•"/>
-                </a:pPr>
-                <a:r>
-                  <a:rPr lang="en-IN" dirty="0"/>
-                  <a:t>The inbuilt C function </a:t>
-                </a:r>
-                <a:r>
-                  <a:rPr lang="en-IN" dirty="0">
-                    <a:latin typeface="Courier New" panose="02070309020205020404" pitchFamily="49" charset="0"/>
-                    <a:cs typeface="Courier New" panose="02070309020205020404" pitchFamily="49" charset="0"/>
-                  </a:rPr>
-                  <a:t>rand()</a:t>
-                </a:r>
-                <a:r>
-                  <a:rPr lang="en-IN" dirty="0">
-                    <a:cs typeface="Courier New" panose="02070309020205020404" pitchFamily="49" charset="0"/>
-                  </a:rPr>
-                  <a:t>generates random numbers distributed uniformly.</a:t>
-                </a:r>
-              </a:p>
-              <a:p>
-                <a:pPr lvl="1">
-                  <a:buFont typeface="Arial" panose="020B0604020202020204" pitchFamily="34" charset="0"/>
-                  <a:buChar char="•"/>
-                </a:pPr>
-                <a:r>
-                  <a:rPr lang="en-IN" dirty="0">
-                    <a:cs typeface="Courier New" panose="02070309020205020404" pitchFamily="49" charset="0"/>
-                  </a:rPr>
-                  <a:t>Using </a:t>
-                </a:r>
-                <a:r>
-                  <a:rPr lang="en-IN" dirty="0">
-                    <a:latin typeface="Courier New" panose="02070309020205020404" pitchFamily="49" charset="0"/>
-                    <a:cs typeface="Courier New" panose="02070309020205020404" pitchFamily="49" charset="0"/>
-                  </a:rPr>
-                  <a:t>rand()</a:t>
-                </a:r>
-                <a:r>
-                  <a:rPr lang="en-IN" dirty="0">
-                    <a:cs typeface="Courier New" panose="02070309020205020404" pitchFamily="49" charset="0"/>
-                  </a:rPr>
-                  <a:t> we generated </a:t>
-                </a:r>
-                <a14:m>
-                  <m:oMath xmlns:m="http://schemas.openxmlformats.org/officeDocument/2006/math">
-                    <m:sSup>
-                      <m:sSupPr>
-                        <m:ctrlPr>
-                          <a:rPr lang="en-IN" i="1" smtClean="0">
-                            <a:latin typeface="Cambria Math" panose="02040503050406030204" pitchFamily="18" charset="0"/>
-                            <a:cs typeface="Courier New" panose="02070309020205020404" pitchFamily="49" charset="0"/>
-                          </a:rPr>
-                        </m:ctrlPr>
-                      </m:sSupPr>
-                      <m:e>
-                        <m:r>
-                          <a:rPr lang="en-IN" b="0" i="1" smtClean="0">
-                            <a:latin typeface="Cambria Math" panose="02040503050406030204" pitchFamily="18" charset="0"/>
-                            <a:cs typeface="Courier New" panose="02070309020205020404" pitchFamily="49" charset="0"/>
-                          </a:rPr>
-                          <m:t>10</m:t>
-                        </m:r>
-                      </m:e>
-                      <m:sup>
-                        <m:r>
-                          <a:rPr lang="en-IN" b="0" i="1" smtClean="0">
-                            <a:latin typeface="Cambria Math" panose="02040503050406030204" pitchFamily="18" charset="0"/>
-                            <a:cs typeface="Courier New" panose="02070309020205020404" pitchFamily="49" charset="0"/>
-                          </a:rPr>
-                          <m:t>6</m:t>
-                        </m:r>
-                      </m:sup>
-                    </m:sSup>
-                  </m:oMath>
-                </a14:m>
-                <a:r>
-                  <a:rPr lang="en-IN" dirty="0"/>
-                  <a:t> uniformly distributed random numbers between 0 to 100 and stored it in </a:t>
-                </a:r>
-                <a:r>
-                  <a:rPr lang="en-IN" dirty="0">
-                    <a:latin typeface="Courier New" panose="02070309020205020404" pitchFamily="49" charset="0"/>
-                    <a:cs typeface="Courier New" panose="02070309020205020404" pitchFamily="49" charset="0"/>
-                  </a:rPr>
-                  <a:t>uniform_distribution.csv </a:t>
-                </a:r>
-                <a:r>
-                  <a:rPr lang="en-IN" dirty="0"/>
-                  <a:t>which will act as uniformly distributed dataset for further works.</a:t>
-                </a:r>
-              </a:p>
-              <a:p>
-                <a:pPr lvl="1">
-                  <a:buFont typeface="Arial" panose="020B0604020202020204" pitchFamily="34" charset="0"/>
-                  <a:buChar char="•"/>
-                </a:pPr>
-                <a:r>
-                  <a:rPr lang="en-IN" dirty="0"/>
-                  <a:t>We also plotted a histogram of the dataset to make sure that the dataset generation worked well or not…</a:t>
-                </a:r>
-              </a:p>
-            </p:txBody>
-          </p:sp>
-        </mc:Choice>
-        <mc:Fallback xmlns="">
-          <p:sp>
-            <p:nvSpPr>
-              <p:cNvPr id="3" name="Content Placeholder 2">
-                <a:extLst>
-                  <a:ext uri="{FF2B5EF4-FFF2-40B4-BE49-F238E27FC236}">
-                    <a16:creationId xmlns:a16="http://schemas.microsoft.com/office/drawing/2014/main" id="{4B817802-A38C-4038-895E-B8B15F8D564B}"/>
-                  </a:ext>
-                </a:extLst>
-              </p:cNvPr>
-              <p:cNvSpPr>
-                <a:spLocks noGrp="1" noRot="1" noChangeAspect="1" noMove="1" noResize="1" noEditPoints="1" noAdjustHandles="1" noChangeArrowheads="1" noChangeShapeType="1" noTextEdit="1"/>
-              </p:cNvSpPr>
-              <p:nvPr>
-                <p:ph idx="1"/>
-              </p:nvPr>
-            </p:nvSpPr>
-            <p:spPr>
-              <a:xfrm>
-                <a:off x="4742016" y="605896"/>
-                <a:ext cx="6413663" cy="5646208"/>
-              </a:xfrm>
-              <a:blipFill>
-                <a:blip r:embed="rId2"/>
-                <a:stretch>
-                  <a:fillRect r="-2567"/>
-                </a:stretch>
-              </a:blipFill>
-            </p:spPr>
-            <p:txBody>
-              <a:bodyPr/>
-              <a:lstStyle/>
-              <a:p>
-                <a:r>
-                  <a:rPr lang="en-IN">
-                    <a:noFill/>
-                  </a:rPr>
-                  <a:t> </a:t>
-                </a:r>
-              </a:p>
-            </p:txBody>
-          </p:sp>
-        </mc:Fallback>
-      </mc:AlternateContent>
-    </p:spTree>
-    <p:extLst>
-      <p:ext uri="{BB962C8B-B14F-4D97-AF65-F5344CB8AC3E}">
-        <p14:creationId xmlns:p14="http://schemas.microsoft.com/office/powerpoint/2010/main" val="2594329012"/>
-      </p:ext>
-    </p:extLst>
-  </p:cSld>
-  <p:clrMapOvr>
-    <a:masterClrMapping/>
-  </p:clrMapOvr>
-</p:sld>
-</file>
-
-<file path=ppt/slides/slide40.xml><?xml version="1.0" encoding="utf-8"?>
+<file path=ppt/slides/slide42.xml><?xml version="1.0" encoding="utf-8"?>
 <p:sld xmlns:a="http://schemas.openxmlformats.org/drawingml/2006/main" xmlns:r="http://schemas.openxmlformats.org/officeDocument/2006/relationships" xmlns:p="http://schemas.openxmlformats.org/presentationml/2006/main">
   <p:cSld>
     <p:bg>
@@ -32562,7 +33631,7 @@
 </p:sld>
 </file>
 
-<file path=ppt/slides/slide41.xml><?xml version="1.0" encoding="utf-8"?>
+<file path=ppt/slides/slide43.xml><?xml version="1.0" encoding="utf-8"?>
 <p:sld xmlns:a="http://schemas.openxmlformats.org/drawingml/2006/main" xmlns:r="http://schemas.openxmlformats.org/officeDocument/2006/relationships" xmlns:p="http://schemas.openxmlformats.org/presentationml/2006/main">
   <p:cSld>
     <p:bg>
@@ -33026,7 +34095,7 @@
 </p:sld>
 </file>
 
-<file path=ppt/slides/slide42.xml><?xml version="1.0" encoding="utf-8"?>
+<file path=ppt/slides/slide44.xml><?xml version="1.0" encoding="utf-8"?>
 <p:sld xmlns:a="http://schemas.openxmlformats.org/drawingml/2006/main" xmlns:r="http://schemas.openxmlformats.org/officeDocument/2006/relationships" xmlns:p="http://schemas.openxmlformats.org/presentationml/2006/main">
   <p:cSld>
     <p:bg>
@@ -33441,7 +34510,7 @@
 </p:sld>
 </file>
 
-<file path=ppt/slides/slide43.xml><?xml version="1.0" encoding="utf-8"?>
+<file path=ppt/slides/slide45.xml><?xml version="1.0" encoding="utf-8"?>
 <p:sld xmlns:a="http://schemas.openxmlformats.org/drawingml/2006/main" xmlns:r="http://schemas.openxmlformats.org/officeDocument/2006/relationships" xmlns:p="http://schemas.openxmlformats.org/presentationml/2006/main">
   <p:cSld>
     <p:bg>
@@ -33812,7 +34881,7 @@
 </p:sld>
 </file>
 
-<file path=ppt/slides/slide44.xml><?xml version="1.0" encoding="utf-8"?>
+<file path=ppt/slides/slide46.xml><?xml version="1.0" encoding="utf-8"?>
 <p:sld xmlns:a="http://schemas.openxmlformats.org/drawingml/2006/main" xmlns:r="http://schemas.openxmlformats.org/officeDocument/2006/relationships" xmlns:p="http://schemas.openxmlformats.org/presentationml/2006/main">
   <p:cSld>
     <p:bg>
@@ -34276,7 +35345,7 @@
 </p:sld>
 </file>
 
-<file path=ppt/slides/slide45.xml><?xml version="1.0" encoding="utf-8"?>
+<file path=ppt/slides/slide47.xml><?xml version="1.0" encoding="utf-8"?>
 <p:sld xmlns:a="http://schemas.openxmlformats.org/drawingml/2006/main" xmlns:r="http://schemas.openxmlformats.org/officeDocument/2006/relationships" xmlns:p="http://schemas.openxmlformats.org/presentationml/2006/main">
   <p:cSld>
     <p:bg>
@@ -34734,7 +35803,7 @@
 </p:sld>
 </file>
 
-<file path=ppt/slides/slide46.xml><?xml version="1.0" encoding="utf-8"?>
+<file path=ppt/slides/slide48.xml><?xml version="1.0" encoding="utf-8"?>
 <p:sld xmlns:a="http://schemas.openxmlformats.org/drawingml/2006/main" xmlns:r="http://schemas.openxmlformats.org/officeDocument/2006/relationships" xmlns:p="http://schemas.openxmlformats.org/presentationml/2006/main">
   <p:cSld>
     <p:bg>
@@ -35232,7 +36301,7 @@
 </p:sld>
 </file>
 
-<file path=ppt/slides/slide47.xml><?xml version="1.0" encoding="utf-8"?>
+<file path=ppt/slides/slide49.xml><?xml version="1.0" encoding="utf-8"?>
 <p:sld xmlns:a="http://schemas.openxmlformats.org/drawingml/2006/main" xmlns:r="http://schemas.openxmlformats.org/officeDocument/2006/relationships" xmlns:p="http://schemas.openxmlformats.org/presentationml/2006/main">
   <p:cSld>
     <p:bg>

--- a/Assignment 1/Assignment Presentation.pptx
+++ b/Assignment 1/Assignment Presentation.pptx
@@ -32,28 +32,29 @@
     <p:sldId id="261" r:id="rId26"/>
     <p:sldId id="272" r:id="rId27"/>
     <p:sldId id="258" r:id="rId28"/>
-    <p:sldId id="273" r:id="rId29"/>
-    <p:sldId id="275" r:id="rId30"/>
-    <p:sldId id="263" r:id="rId31"/>
-    <p:sldId id="264" r:id="rId32"/>
-    <p:sldId id="276" r:id="rId33"/>
-    <p:sldId id="267" r:id="rId34"/>
-    <p:sldId id="268" r:id="rId35"/>
-    <p:sldId id="269" r:id="rId36"/>
-    <p:sldId id="270" r:id="rId37"/>
-    <p:sldId id="277" r:id="rId38"/>
-    <p:sldId id="266" r:id="rId39"/>
-    <p:sldId id="278" r:id="rId40"/>
-    <p:sldId id="279" r:id="rId41"/>
-    <p:sldId id="280" r:id="rId42"/>
-    <p:sldId id="281" r:id="rId43"/>
-    <p:sldId id="282" r:id="rId44"/>
-    <p:sldId id="283" r:id="rId45"/>
-    <p:sldId id="284" r:id="rId46"/>
-    <p:sldId id="285" r:id="rId47"/>
-    <p:sldId id="286" r:id="rId48"/>
-    <p:sldId id="287" r:id="rId49"/>
-    <p:sldId id="288" r:id="rId50"/>
+    <p:sldId id="311" r:id="rId29"/>
+    <p:sldId id="273" r:id="rId30"/>
+    <p:sldId id="275" r:id="rId31"/>
+    <p:sldId id="263" r:id="rId32"/>
+    <p:sldId id="264" r:id="rId33"/>
+    <p:sldId id="276" r:id="rId34"/>
+    <p:sldId id="267" r:id="rId35"/>
+    <p:sldId id="268" r:id="rId36"/>
+    <p:sldId id="269" r:id="rId37"/>
+    <p:sldId id="270" r:id="rId38"/>
+    <p:sldId id="277" r:id="rId39"/>
+    <p:sldId id="266" r:id="rId40"/>
+    <p:sldId id="278" r:id="rId41"/>
+    <p:sldId id="279" r:id="rId42"/>
+    <p:sldId id="280" r:id="rId43"/>
+    <p:sldId id="281" r:id="rId44"/>
+    <p:sldId id="282" r:id="rId45"/>
+    <p:sldId id="283" r:id="rId46"/>
+    <p:sldId id="284" r:id="rId47"/>
+    <p:sldId id="285" r:id="rId48"/>
+    <p:sldId id="286" r:id="rId49"/>
+    <p:sldId id="287" r:id="rId50"/>
+    <p:sldId id="288" r:id="rId51"/>
   </p:sldIdLst>
   <p:sldSz cx="12192000" cy="6858000"/>
   <p:notesSz cx="6858000" cy="9144000"/>
@@ -1805,7 +1806,7 @@
   <pc:docChgLst>
     <pc:chgData name="Abhiroop Mukherjee" userId="5fbc6062963ca2c0" providerId="LiveId" clId="{BA04AB18-81BA-44F6-8A17-E30D392E2E82}"/>
     <pc:docChg chg="undo custSel addSld delSld modSld sldOrd">
-      <pc:chgData name="Abhiroop Mukherjee" userId="5fbc6062963ca2c0" providerId="LiveId" clId="{BA04AB18-81BA-44F6-8A17-E30D392E2E82}" dt="2021-04-07T09:43:56.179" v="1612" actId="26606"/>
+      <pc:chgData name="Abhiroop Mukherjee" userId="5fbc6062963ca2c0" providerId="LiveId" clId="{BA04AB18-81BA-44F6-8A17-E30D392E2E82}" dt="2021-04-07T15:44:48.287" v="1831" actId="20577"/>
       <pc:docMkLst>
         <pc:docMk/>
       </pc:docMkLst>
@@ -2129,6 +2130,29 @@
           <pc:docMk/>
           <pc:sldMk cId="1772457837" sldId="310"/>
         </pc:sldMkLst>
+      </pc:sldChg>
+      <pc:sldChg chg="modSp add mod">
+        <pc:chgData name="Abhiroop Mukherjee" userId="5fbc6062963ca2c0" providerId="LiveId" clId="{BA04AB18-81BA-44F6-8A17-E30D392E2E82}" dt="2021-04-07T15:44:48.287" v="1831" actId="20577"/>
+        <pc:sldMkLst>
+          <pc:docMk/>
+          <pc:sldMk cId="2610173227" sldId="311"/>
+        </pc:sldMkLst>
+        <pc:spChg chg="mod">
+          <ac:chgData name="Abhiroop Mukherjee" userId="5fbc6062963ca2c0" providerId="LiveId" clId="{BA04AB18-81BA-44F6-8A17-E30D392E2E82}" dt="2021-04-07T15:44:31.177" v="1793" actId="20577"/>
+          <ac:spMkLst>
+            <pc:docMk/>
+            <pc:sldMk cId="2610173227" sldId="311"/>
+            <ac:spMk id="2" creationId="{A2E81D72-EC99-4091-AA2C-660CCFAC39B6}"/>
+          </ac:spMkLst>
+        </pc:spChg>
+        <pc:spChg chg="mod">
+          <ac:chgData name="Abhiroop Mukherjee" userId="5fbc6062963ca2c0" providerId="LiveId" clId="{BA04AB18-81BA-44F6-8A17-E30D392E2E82}" dt="2021-04-07T15:44:48.287" v="1831" actId="20577"/>
+          <ac:spMkLst>
+            <pc:docMk/>
+            <pc:sldMk cId="2610173227" sldId="311"/>
+            <ac:spMk id="10" creationId="{B0DBBD15-5CB7-4758-94C6-9FCA6E3AA552}"/>
+          </ac:spMkLst>
+        </pc:spChg>
       </pc:sldChg>
     </pc:docChg>
   </pc:docChgLst>
@@ -22660,8 +22684,8 @@
           </a:fontRef>
         </p:style>
       </p:cxnSp>
-      <mc:AlternateContent xmlns:mc="http://schemas.openxmlformats.org/markup-compatibility/2006">
-        <mc:Choice xmlns:a14="http://schemas.microsoft.com/office/drawing/2010/main" Requires="a14">
+      <mc:AlternateContent xmlns:mc="http://schemas.openxmlformats.org/markup-compatibility/2006" xmlns:a14="http://schemas.microsoft.com/office/drawing/2010/main">
+        <mc:Choice Requires="a14">
           <p:sp>
             <p:nvSpPr>
               <p:cNvPr id="10" name="Content Placeholder 8">
@@ -22753,7 +22777,7 @@
             </p:txBody>
           </p:sp>
         </mc:Choice>
-        <mc:Fallback>
+        <mc:Fallback xmlns="">
           <p:sp>
             <p:nvSpPr>
               <p:cNvPr id="10" name="Content Placeholder 8">
@@ -26176,6 +26200,385 @@
           <a:chExt cx="0" cy="0"/>
         </a:xfrm>
       </p:grpSpPr>
+      <p:sp useBgFill="1">
+        <p:nvSpPr>
+          <p:cNvPr id="54" name="Rectangle 53">
+            <a:extLst>
+              <a:ext uri="{FF2B5EF4-FFF2-40B4-BE49-F238E27FC236}">
+                <a16:creationId xmlns:a16="http://schemas.microsoft.com/office/drawing/2014/main" id="{284B70D5-875B-433D-BDBD-1522A85D6C1D}"/>
+              </a:ext>
+              <a:ext uri="{C183D7F6-B498-43B3-948B-1728B52AA6E4}">
+                <adec:decorative xmlns:adec="http://schemas.microsoft.com/office/drawing/2017/decorative" val="1"/>
+              </a:ext>
+            </a:extLst>
+          </p:cNvPr>
+          <p:cNvSpPr>
+            <a:spLocks noGrp="1" noRot="1" noChangeAspect="1" noMove="1" noResize="1" noEditPoints="1" noAdjustHandles="1" noChangeArrowheads="1" noChangeShapeType="1" noTextEdit="1"/>
+          </p:cNvSpPr>
+          <p:nvPr>
+            <p:extLst>
+              <p:ext uri="{386F3935-93C4-4BCD-93E2-E3B085C9AB24}">
+                <p16:designElem xmlns:p16="http://schemas.microsoft.com/office/powerpoint/2015/main" val="1"/>
+              </p:ext>
+            </p:extLst>
+          </p:nvPr>
+        </p:nvSpPr>
+        <p:spPr>
+          <a:xfrm>
+            <a:off x="0" y="0"/>
+            <a:ext cx="12192001" cy="6334316"/>
+          </a:xfrm>
+          <a:prstGeom prst="rect">
+            <a:avLst/>
+          </a:prstGeom>
+          <a:ln>
+            <a:noFill/>
+          </a:ln>
+        </p:spPr>
+        <p:style>
+          <a:lnRef idx="2">
+            <a:schemeClr val="accent1">
+              <a:shade val="50000"/>
+            </a:schemeClr>
+          </a:lnRef>
+          <a:fillRef idx="1">
+            <a:schemeClr val="accent1"/>
+          </a:fillRef>
+          <a:effectRef idx="0">
+            <a:schemeClr val="accent1"/>
+          </a:effectRef>
+          <a:fontRef idx="minor">
+            <a:schemeClr val="lt1"/>
+          </a:fontRef>
+        </p:style>
+        <p:txBody>
+          <a:bodyPr rtlCol="0" anchor="ctr"/>
+          <a:lstStyle/>
+          <a:p>
+            <a:pPr algn="ctr"/>
+            <a:endParaRPr lang="en-US" dirty="0"/>
+          </a:p>
+        </p:txBody>
+      </p:sp>
+      <p:sp>
+        <p:nvSpPr>
+          <p:cNvPr id="2" name="Title 1">
+            <a:extLst>
+              <a:ext uri="{FF2B5EF4-FFF2-40B4-BE49-F238E27FC236}">
+                <a16:creationId xmlns:a16="http://schemas.microsoft.com/office/drawing/2014/main" id="{A2E81D72-EC99-4091-AA2C-660CCFAC39B6}"/>
+              </a:ext>
+            </a:extLst>
+          </p:cNvPr>
+          <p:cNvSpPr>
+            <a:spLocks noGrp="1"/>
+          </p:cNvSpPr>
+          <p:nvPr>
+            <p:ph type="title"/>
+          </p:nvPr>
+        </p:nvSpPr>
+        <p:spPr>
+          <a:xfrm>
+            <a:off x="7859485" y="634946"/>
+            <a:ext cx="3690257" cy="1450757"/>
+          </a:xfrm>
+        </p:spPr>
+        <p:txBody>
+          <a:bodyPr>
+            <a:normAutofit/>
+          </a:bodyPr>
+          <a:lstStyle/>
+          <a:p>
+            <a:r>
+              <a:rPr lang="en-IN" b="1" dirty="0"/>
+              <a:t>Problem and Solution</a:t>
+            </a:r>
+          </a:p>
+        </p:txBody>
+      </p:sp>
+      <p:pic>
+        <p:nvPicPr>
+          <p:cNvPr id="5" name="Content Placeholder 4" descr="Chart, line chart&#10;&#10;Description automatically generated">
+            <a:extLst>
+              <a:ext uri="{FF2B5EF4-FFF2-40B4-BE49-F238E27FC236}">
+                <a16:creationId xmlns:a16="http://schemas.microsoft.com/office/drawing/2014/main" id="{99059347-F5D1-41F7-B30A-23EE2BA4D650}"/>
+              </a:ext>
+            </a:extLst>
+          </p:cNvPr>
+          <p:cNvPicPr>
+            <a:picLocks noChangeAspect="1"/>
+          </p:cNvPicPr>
+          <p:nvPr/>
+        </p:nvPicPr>
+        <p:blipFill>
+          <a:blip r:embed="rId2">
+            <a:extLst>
+              <a:ext uri="{28A0092B-C50C-407E-A947-70E740481C1C}">
+                <a14:useLocalDpi xmlns:a14="http://schemas.microsoft.com/office/drawing/2010/main" val="0"/>
+              </a:ext>
+            </a:extLst>
+          </a:blip>
+          <a:stretch/>
+        </p:blipFill>
+        <p:spPr>
+          <a:xfrm>
+            <a:off x="633999" y="878854"/>
+            <a:ext cx="6909801" cy="4836860"/>
+          </a:xfrm>
+          <a:prstGeom prst="rect">
+            <a:avLst/>
+          </a:prstGeom>
+        </p:spPr>
+      </p:pic>
+      <p:cxnSp>
+        <p:nvCxnSpPr>
+          <p:cNvPr id="56" name="Straight Connector 55">
+            <a:extLst>
+              <a:ext uri="{FF2B5EF4-FFF2-40B4-BE49-F238E27FC236}">
+                <a16:creationId xmlns:a16="http://schemas.microsoft.com/office/drawing/2014/main" id="{C947DF4A-614C-4B4C-8B80-E5B9D8E8CFED}"/>
+              </a:ext>
+              <a:ext uri="{C183D7F6-B498-43B3-948B-1728B52AA6E4}">
+                <adec:decorative xmlns:adec="http://schemas.microsoft.com/office/drawing/2017/decorative" val="1"/>
+              </a:ext>
+            </a:extLst>
+          </p:cNvPr>
+          <p:cNvCxnSpPr>
+            <a:cxnSpLocks noGrp="1" noRot="1" noChangeAspect="1" noMove="1" noResize="1" noEditPoints="1" noAdjustHandles="1" noChangeArrowheads="1" noChangeShapeType="1"/>
+          </p:cNvCxnSpPr>
+          <p:nvPr>
+            <p:extLst>
+              <p:ext uri="{386F3935-93C4-4BCD-93E2-E3B085C9AB24}">
+                <p16:designElem xmlns:p16="http://schemas.microsoft.com/office/powerpoint/2015/main" val="1"/>
+              </p:ext>
+            </p:extLst>
+          </p:nvPr>
+        </p:nvCxnSpPr>
+        <p:spPr>
+          <a:xfrm>
+            <a:off x="7892143" y="2085703"/>
+            <a:ext cx="3566160" cy="0"/>
+          </a:xfrm>
+          <a:prstGeom prst="line">
+            <a:avLst/>
+          </a:prstGeom>
+          <a:ln w="6350">
+            <a:solidFill>
+              <a:schemeClr val="tx1">
+                <a:lumMod val="50000"/>
+                <a:lumOff val="50000"/>
+                <a:alpha val="90000"/>
+              </a:schemeClr>
+            </a:solidFill>
+          </a:ln>
+        </p:spPr>
+        <p:style>
+          <a:lnRef idx="1">
+            <a:schemeClr val="accent1"/>
+          </a:lnRef>
+          <a:fillRef idx="0">
+            <a:schemeClr val="accent1"/>
+          </a:fillRef>
+          <a:effectRef idx="0">
+            <a:schemeClr val="accent1"/>
+          </a:effectRef>
+          <a:fontRef idx="minor">
+            <a:schemeClr val="tx1"/>
+          </a:fontRef>
+        </p:style>
+      </p:cxnSp>
+      <p:sp>
+        <p:nvSpPr>
+          <p:cNvPr id="10" name="Content Placeholder 8">
+            <a:extLst>
+              <a:ext uri="{FF2B5EF4-FFF2-40B4-BE49-F238E27FC236}">
+                <a16:creationId xmlns:a16="http://schemas.microsoft.com/office/drawing/2014/main" id="{B0DBBD15-5CB7-4758-94C6-9FCA6E3AA552}"/>
+              </a:ext>
+            </a:extLst>
+          </p:cNvPr>
+          <p:cNvSpPr>
+            <a:spLocks noGrp="1"/>
+          </p:cNvSpPr>
+          <p:nvPr>
+            <p:ph idx="1"/>
+          </p:nvPr>
+        </p:nvSpPr>
+        <p:spPr>
+          <a:xfrm>
+            <a:off x="7859485" y="2198914"/>
+            <a:ext cx="3690257" cy="3670180"/>
+          </a:xfrm>
+        </p:spPr>
+        <p:txBody>
+          <a:bodyPr>
+            <a:normAutofit/>
+          </a:bodyPr>
+          <a:lstStyle/>
+          <a:p>
+            <a:r>
+              <a:rPr lang="en-IN" dirty="0"/>
+              <a:t>As we can see in the graphs, the observation between Randomized and Non-Randomized Algorithms are near same as we averaged the observation</a:t>
+            </a:r>
+          </a:p>
+          <a:p>
+            <a:r>
+              <a:rPr lang="en-US" dirty="0"/>
+              <a:t>Solution: </a:t>
+            </a:r>
+            <a:r>
+              <a:rPr lang="en-US"/>
+              <a:t>We Test the </a:t>
+            </a:r>
+            <a:endParaRPr lang="en-IN"/>
+          </a:p>
+        </p:txBody>
+      </p:sp>
+      <p:sp>
+        <p:nvSpPr>
+          <p:cNvPr id="58" name="Rectangle 57">
+            <a:extLst>
+              <a:ext uri="{FF2B5EF4-FFF2-40B4-BE49-F238E27FC236}">
+                <a16:creationId xmlns:a16="http://schemas.microsoft.com/office/drawing/2014/main" id="{1E299956-A9E7-4FC1-A0B1-D590CA9730E8}"/>
+              </a:ext>
+              <a:ext uri="{C183D7F6-B498-43B3-948B-1728B52AA6E4}">
+                <adec:decorative xmlns:adec="http://schemas.microsoft.com/office/drawing/2017/decorative" val="1"/>
+              </a:ext>
+            </a:extLst>
+          </p:cNvPr>
+          <p:cNvSpPr>
+            <a:spLocks noGrp="1" noRot="1" noChangeAspect="1" noMove="1" noResize="1" noEditPoints="1" noAdjustHandles="1" noChangeArrowheads="1" noChangeShapeType="1" noTextEdit="1"/>
+          </p:cNvSpPr>
+          <p:nvPr>
+            <p:extLst>
+              <p:ext uri="{386F3935-93C4-4BCD-93E2-E3B085C9AB24}">
+                <p16:designElem xmlns:p16="http://schemas.microsoft.com/office/powerpoint/2015/main" val="1"/>
+              </p:ext>
+            </p:extLst>
+          </p:nvPr>
+        </p:nvSpPr>
+        <p:spPr>
+          <a:xfrm>
+            <a:off x="15" y="6334316"/>
+            <a:ext cx="12191985" cy="66484"/>
+          </a:xfrm>
+          <a:prstGeom prst="rect">
+            <a:avLst/>
+          </a:prstGeom>
+          <a:solidFill>
+            <a:schemeClr val="accent1"/>
+          </a:solidFill>
+          <a:ln>
+            <a:noFill/>
+          </a:ln>
+        </p:spPr>
+        <p:style>
+          <a:lnRef idx="2">
+            <a:schemeClr val="accent1">
+              <a:shade val="50000"/>
+            </a:schemeClr>
+          </a:lnRef>
+          <a:fillRef idx="1">
+            <a:schemeClr val="accent1"/>
+          </a:fillRef>
+          <a:effectRef idx="0">
+            <a:schemeClr val="accent1"/>
+          </a:effectRef>
+          <a:fontRef idx="minor">
+            <a:schemeClr val="lt1"/>
+          </a:fontRef>
+        </p:style>
+      </p:sp>
+      <p:sp>
+        <p:nvSpPr>
+          <p:cNvPr id="60" name="Rectangle 59">
+            <a:extLst>
+              <a:ext uri="{FF2B5EF4-FFF2-40B4-BE49-F238E27FC236}">
+                <a16:creationId xmlns:a16="http://schemas.microsoft.com/office/drawing/2014/main" id="{17FC539C-B783-4B03-9F9E-D13430F3F64F}"/>
+              </a:ext>
+              <a:ext uri="{C183D7F6-B498-43B3-948B-1728B52AA6E4}">
+                <adec:decorative xmlns:adec="http://schemas.microsoft.com/office/drawing/2017/decorative" val="1"/>
+              </a:ext>
+            </a:extLst>
+          </p:cNvPr>
+          <p:cNvSpPr>
+            <a:spLocks noGrp="1" noRot="1" noChangeAspect="1" noMove="1" noResize="1" noEditPoints="1" noAdjustHandles="1" noChangeArrowheads="1" noChangeShapeType="1" noTextEdit="1"/>
+          </p:cNvSpPr>
+          <p:nvPr>
+            <p:extLst>
+              <p:ext uri="{386F3935-93C4-4BCD-93E2-E3B085C9AB24}">
+                <p16:designElem xmlns:p16="http://schemas.microsoft.com/office/powerpoint/2015/main" val="1"/>
+              </p:ext>
+            </p:extLst>
+          </p:nvPr>
+        </p:nvSpPr>
+        <p:spPr>
+          <a:xfrm>
+            <a:off x="1" y="6400800"/>
+            <a:ext cx="12192000" cy="457200"/>
+          </a:xfrm>
+          <a:prstGeom prst="rect">
+            <a:avLst/>
+          </a:prstGeom>
+          <a:solidFill>
+            <a:schemeClr val="accent2"/>
+          </a:solidFill>
+          <a:ln>
+            <a:noFill/>
+          </a:ln>
+        </p:spPr>
+        <p:style>
+          <a:lnRef idx="2">
+            <a:schemeClr val="accent1">
+              <a:shade val="50000"/>
+            </a:schemeClr>
+          </a:lnRef>
+          <a:fillRef idx="1">
+            <a:schemeClr val="accent1"/>
+          </a:fillRef>
+          <a:effectRef idx="0">
+            <a:schemeClr val="accent1"/>
+          </a:effectRef>
+          <a:fontRef idx="minor">
+            <a:schemeClr val="lt1"/>
+          </a:fontRef>
+        </p:style>
+      </p:sp>
+    </p:spTree>
+    <p:extLst>
+      <p:ext uri="{BB962C8B-B14F-4D97-AF65-F5344CB8AC3E}">
+        <p14:creationId xmlns:p14="http://schemas.microsoft.com/office/powerpoint/2010/main" val="2610173227"/>
+      </p:ext>
+    </p:extLst>
+  </p:cSld>
+  <p:clrMapOvr>
+    <a:masterClrMapping/>
+  </p:clrMapOvr>
+</p:sld>
+</file>
+
+<file path=ppt/slides/slide29.xml><?xml version="1.0" encoding="utf-8"?>
+<p:sld xmlns:a="http://schemas.openxmlformats.org/drawingml/2006/main" xmlns:r="http://schemas.openxmlformats.org/officeDocument/2006/relationships" xmlns:p="http://schemas.openxmlformats.org/presentationml/2006/main">
+  <p:cSld>
+    <p:bg>
+      <p:bgPr>
+        <a:solidFill>
+          <a:schemeClr val="bg1"/>
+        </a:solidFill>
+        <a:effectLst/>
+      </p:bgPr>
+    </p:bg>
+    <p:spTree>
+      <p:nvGrpSpPr>
+        <p:cNvPr id="1" name=""/>
+        <p:cNvGrpSpPr/>
+        <p:nvPr/>
+      </p:nvGrpSpPr>
+      <p:grpSpPr>
+        <a:xfrm>
+          <a:off x="0" y="0"/>
+          <a:ext cx="0" cy="0"/>
+          <a:chOff x="0" y="0"/>
+          <a:chExt cx="0" cy="0"/>
+        </a:xfrm>
+      </p:grpSpPr>
       <p:pic>
         <p:nvPicPr>
           <p:cNvPr id="5" name="Picture 4" descr="Many question marks on black background">
@@ -26612,418 +27015,6 @@
       <p:bldP spid="3" grpId="0" build="p"/>
     </p:bldLst>
   </p:timing>
-</p:sld>
-</file>
-
-<file path=ppt/slides/slide29.xml><?xml version="1.0" encoding="utf-8"?>
-<p:sld xmlns:a="http://schemas.openxmlformats.org/drawingml/2006/main" xmlns:r="http://schemas.openxmlformats.org/officeDocument/2006/relationships" xmlns:p="http://schemas.openxmlformats.org/presentationml/2006/main">
-  <p:cSld>
-    <p:bg>
-      <p:bgPr>
-        <a:solidFill>
-          <a:schemeClr val="bg1"/>
-        </a:solidFill>
-        <a:effectLst/>
-      </p:bgPr>
-    </p:bg>
-    <p:spTree>
-      <p:nvGrpSpPr>
-        <p:cNvPr id="1" name=""/>
-        <p:cNvGrpSpPr/>
-        <p:nvPr/>
-      </p:nvGrpSpPr>
-      <p:grpSpPr>
-        <a:xfrm>
-          <a:off x="0" y="0"/>
-          <a:ext cx="0" cy="0"/>
-          <a:chOff x="0" y="0"/>
-          <a:chExt cx="0" cy="0"/>
-        </a:xfrm>
-      </p:grpSpPr>
-      <p:sp useBgFill="1">
-        <p:nvSpPr>
-          <p:cNvPr id="8" name="Rectangle 7">
-            <a:extLst>
-              <a:ext uri="{FF2B5EF4-FFF2-40B4-BE49-F238E27FC236}">
-                <a16:creationId xmlns:a16="http://schemas.microsoft.com/office/drawing/2014/main" id="{3741B58E-3B65-4A01-A276-975AB2CF8A08}"/>
-              </a:ext>
-              <a:ext uri="{C183D7F6-B498-43B3-948B-1728B52AA6E4}">
-                <adec:decorative xmlns:adec="http://schemas.microsoft.com/office/drawing/2017/decorative" val="1"/>
-              </a:ext>
-            </a:extLst>
-          </p:cNvPr>
-          <p:cNvSpPr>
-            <a:spLocks noGrp="1" noRot="1" noChangeAspect="1" noMove="1" noResize="1" noEditPoints="1" noAdjustHandles="1" noChangeArrowheads="1" noChangeShapeType="1" noTextEdit="1"/>
-          </p:cNvSpPr>
-          <p:nvPr>
-            <p:extLst>
-              <p:ext uri="{386F3935-93C4-4BCD-93E2-E3B085C9AB24}">
-                <p16:designElem xmlns:p16="http://schemas.microsoft.com/office/powerpoint/2015/main" val="1"/>
-              </p:ext>
-            </p:extLst>
-          </p:nvPr>
-        </p:nvSpPr>
-        <p:spPr>
-          <a:xfrm>
-            <a:off x="0" y="0"/>
-            <a:ext cx="12186315" cy="6858000"/>
-          </a:xfrm>
-          <a:prstGeom prst="rect">
-            <a:avLst/>
-          </a:prstGeom>
-          <a:ln>
-            <a:noFill/>
-          </a:ln>
-        </p:spPr>
-        <p:style>
-          <a:lnRef idx="2">
-            <a:schemeClr val="accent6">
-              <a:shade val="50000"/>
-            </a:schemeClr>
-          </a:lnRef>
-          <a:fillRef idx="1001">
-            <a:schemeClr val="lt1"/>
-          </a:fillRef>
-          <a:effectRef idx="0">
-            <a:schemeClr val="accent6"/>
-          </a:effectRef>
-          <a:fontRef idx="minor">
-            <a:schemeClr val="lt1"/>
-          </a:fontRef>
-        </p:style>
-        <p:txBody>
-          <a:bodyPr rtlCol="0" anchor="ctr"/>
-          <a:lstStyle/>
-          <a:p>
-            <a:pPr marL="0" marR="0" lvl="0" indent="0" algn="ctr" defTabSz="457200" rtl="0" eaLnBrk="1" fontAlgn="auto" latinLnBrk="0" hangingPunct="1">
-              <a:lnSpc>
-                <a:spcPct val="100000"/>
-              </a:lnSpc>
-              <a:spcBef>
-                <a:spcPts val="0"/>
-              </a:spcBef>
-              <a:spcAft>
-                <a:spcPts val="0"/>
-              </a:spcAft>
-              <a:buClrTx/>
-              <a:buSzTx/>
-              <a:buFontTx/>
-              <a:buNone/>
-              <a:tabLst/>
-              <a:defRPr/>
-            </a:pPr>
-            <a:endParaRPr kumimoji="0" lang="en-US" sz="1800" b="0" i="0" u="none" strike="noStrike" kern="1200" cap="none" spc="0" normalizeH="0" baseline="0" noProof="0" dirty="0">
-              <a:ln>
-                <a:noFill/>
-              </a:ln>
-              <a:solidFill>
-                <a:prstClr val="white"/>
-              </a:solidFill>
-              <a:effectLst/>
-              <a:uLnTx/>
-              <a:uFillTx/>
-              <a:latin typeface="Calibri" panose="020F0502020204030204"/>
-              <a:ea typeface="+mn-ea"/>
-              <a:cs typeface="+mn-cs"/>
-            </a:endParaRPr>
-          </a:p>
-        </p:txBody>
-      </p:sp>
-      <p:sp>
-        <p:nvSpPr>
-          <p:cNvPr id="10" name="Rectangle 9">
-            <a:extLst>
-              <a:ext uri="{FF2B5EF4-FFF2-40B4-BE49-F238E27FC236}">
-                <a16:creationId xmlns:a16="http://schemas.microsoft.com/office/drawing/2014/main" id="{7AAC67C3-831B-4AB1-A259-DFB839CAFAFC}"/>
-              </a:ext>
-              <a:ext uri="{C183D7F6-B498-43B3-948B-1728B52AA6E4}">
-                <adec:decorative xmlns:adec="http://schemas.microsoft.com/office/drawing/2017/decorative" val="1"/>
-              </a:ext>
-            </a:extLst>
-          </p:cNvPr>
-          <p:cNvSpPr>
-            <a:spLocks noGrp="1" noRot="1" noChangeAspect="1" noMove="1" noResize="1" noEditPoints="1" noAdjustHandles="1" noChangeArrowheads="1" noChangeShapeType="1" noTextEdit="1"/>
-          </p:cNvSpPr>
-          <p:nvPr>
-            <p:extLst>
-              <p:ext uri="{386F3935-93C4-4BCD-93E2-E3B085C9AB24}">
-                <p16:designElem xmlns:p16="http://schemas.microsoft.com/office/powerpoint/2015/main" val="1"/>
-              </p:ext>
-            </p:extLst>
-          </p:nvPr>
-        </p:nvSpPr>
-        <p:spPr>
-          <a:xfrm>
-            <a:off x="16" y="0"/>
-            <a:ext cx="4050791" cy="6858000"/>
-          </a:xfrm>
-          <a:prstGeom prst="rect">
-            <a:avLst/>
-          </a:prstGeom>
-          <a:solidFill>
-            <a:schemeClr val="accent2"/>
-          </a:solidFill>
-          <a:ln>
-            <a:noFill/>
-          </a:ln>
-        </p:spPr>
-        <p:style>
-          <a:lnRef idx="2">
-            <a:schemeClr val="accent1">
-              <a:shade val="50000"/>
-            </a:schemeClr>
-          </a:lnRef>
-          <a:fillRef idx="1">
-            <a:schemeClr val="accent1"/>
-          </a:fillRef>
-          <a:effectRef idx="0">
-            <a:schemeClr val="accent1"/>
-          </a:effectRef>
-          <a:fontRef idx="minor">
-            <a:schemeClr val="lt1"/>
-          </a:fontRef>
-        </p:style>
-      </p:sp>
-      <p:sp>
-        <p:nvSpPr>
-          <p:cNvPr id="2" name="Title 1">
-            <a:extLst>
-              <a:ext uri="{FF2B5EF4-FFF2-40B4-BE49-F238E27FC236}">
-                <a16:creationId xmlns:a16="http://schemas.microsoft.com/office/drawing/2014/main" id="{D595B95A-705A-4D49-A704-0108F2F33E09}"/>
-              </a:ext>
-            </a:extLst>
-          </p:cNvPr>
-          <p:cNvSpPr>
-            <a:spLocks noGrp="1"/>
-          </p:cNvSpPr>
-          <p:nvPr>
-            <p:ph type="title"/>
-          </p:nvPr>
-        </p:nvSpPr>
-        <p:spPr>
-          <a:xfrm>
-            <a:off x="492370" y="605896"/>
-            <a:ext cx="3084844" cy="5646208"/>
-          </a:xfrm>
-        </p:spPr>
-        <p:txBody>
-          <a:bodyPr anchor="ctr">
-            <a:normAutofit/>
-          </a:bodyPr>
-          <a:lstStyle/>
-          <a:p>
-            <a:r>
-              <a:rPr lang="en-IN" sz="3600" b="1" dirty="0">
-                <a:solidFill>
-                  <a:srgbClr val="FFFFFF"/>
-                </a:solidFill>
-              </a:rPr>
-              <a:t>Procedure</a:t>
-            </a:r>
-          </a:p>
-        </p:txBody>
-      </p:sp>
-      <p:sp>
-        <p:nvSpPr>
-          <p:cNvPr id="12" name="Rectangle 11">
-            <a:extLst>
-              <a:ext uri="{FF2B5EF4-FFF2-40B4-BE49-F238E27FC236}">
-                <a16:creationId xmlns:a16="http://schemas.microsoft.com/office/drawing/2014/main" id="{054B3F04-9EAC-45C0-B3CE-0387EEA10A0C}"/>
-              </a:ext>
-              <a:ext uri="{C183D7F6-B498-43B3-948B-1728B52AA6E4}">
-                <adec:decorative xmlns:adec="http://schemas.microsoft.com/office/drawing/2017/decorative" val="1"/>
-              </a:ext>
-            </a:extLst>
-          </p:cNvPr>
-          <p:cNvSpPr>
-            <a:spLocks noGrp="1" noRot="1" noChangeAspect="1" noMove="1" noResize="1" noEditPoints="1" noAdjustHandles="1" noChangeArrowheads="1" noChangeShapeType="1" noTextEdit="1"/>
-          </p:cNvSpPr>
-          <p:nvPr>
-            <p:extLst>
-              <p:ext uri="{386F3935-93C4-4BCD-93E2-E3B085C9AB24}">
-                <p16:designElem xmlns:p16="http://schemas.microsoft.com/office/powerpoint/2015/main" val="1"/>
-              </p:ext>
-            </p:extLst>
-          </p:nvPr>
-        </p:nvSpPr>
-        <p:spPr>
-          <a:xfrm>
-            <a:off x="4040071" y="0"/>
-            <a:ext cx="64008" cy="6858000"/>
-          </a:xfrm>
-          <a:prstGeom prst="rect">
-            <a:avLst/>
-          </a:prstGeom>
-          <a:solidFill>
-            <a:schemeClr val="accent1"/>
-          </a:solidFill>
-          <a:ln>
-            <a:noFill/>
-          </a:ln>
-        </p:spPr>
-        <p:style>
-          <a:lnRef idx="2">
-            <a:schemeClr val="accent1">
-              <a:shade val="50000"/>
-            </a:schemeClr>
-          </a:lnRef>
-          <a:fillRef idx="1">
-            <a:schemeClr val="accent1"/>
-          </a:fillRef>
-          <a:effectRef idx="0">
-            <a:schemeClr val="accent1"/>
-          </a:effectRef>
-          <a:fontRef idx="minor">
-            <a:schemeClr val="lt1"/>
-          </a:fontRef>
-        </p:style>
-      </p:sp>
-      <mc:AlternateContent xmlns:mc="http://schemas.openxmlformats.org/markup-compatibility/2006" xmlns:a14="http://schemas.microsoft.com/office/drawing/2010/main">
-        <mc:Choice Requires="a14">
-          <p:sp>
-            <p:nvSpPr>
-              <p:cNvPr id="3" name="Content Placeholder 2">
-                <a:extLst>
-                  <a:ext uri="{FF2B5EF4-FFF2-40B4-BE49-F238E27FC236}">
-                    <a16:creationId xmlns:a16="http://schemas.microsoft.com/office/drawing/2014/main" id="{4B817802-A38C-4038-895E-B8B15F8D564B}"/>
-                  </a:ext>
-                </a:extLst>
-              </p:cNvPr>
-              <p:cNvSpPr>
-                <a:spLocks noGrp="1"/>
-              </p:cNvSpPr>
-              <p:nvPr>
-                <p:ph idx="1"/>
-              </p:nvPr>
-            </p:nvSpPr>
-            <p:spPr>
-              <a:xfrm>
-                <a:off x="4742016" y="605896"/>
-                <a:ext cx="6413663" cy="5646208"/>
-              </a:xfrm>
-            </p:spPr>
-            <p:txBody>
-              <a:bodyPr anchor="ctr">
-                <a:normAutofit/>
-              </a:bodyPr>
-              <a:lstStyle/>
-              <a:p>
-                <a:pPr lvl="1">
-                  <a:buFont typeface="Arial" panose="020B0604020202020204" pitchFamily="34" charset="0"/>
-                  <a:buChar char="•"/>
-                </a:pPr>
-                <a:r>
-                  <a:rPr lang="en-IN" dirty="0"/>
-                  <a:t>As All Values in our dataset was between 0 and 100, we took each value one by one, divided each value by 100, and then saved it to a different files.</a:t>
-                </a:r>
-              </a:p>
-              <a:p>
-                <a:pPr lvl="1">
-                  <a:buFont typeface="Arial" panose="020B0604020202020204" pitchFamily="34" charset="0"/>
-                  <a:buChar char="•"/>
-                </a:pPr>
-                <a:r>
-                  <a:rPr lang="en-IN" dirty="0"/>
-                  <a:t>The no. of data in the dataset was kept same, i.e. </a:t>
-                </a:r>
-                <a14:m>
-                  <m:oMath xmlns:m="http://schemas.openxmlformats.org/officeDocument/2006/math">
-                    <m:sSup>
-                      <m:sSupPr>
-                        <m:ctrlPr>
-                          <a:rPr lang="en-IN" b="0" i="1" smtClean="0">
-                            <a:latin typeface="Cambria Math" panose="02040503050406030204" pitchFamily="18" charset="0"/>
-                          </a:rPr>
-                        </m:ctrlPr>
-                      </m:sSupPr>
-                      <m:e>
-                        <m:r>
-                          <a:rPr lang="en-IN" b="0" i="1" smtClean="0">
-                            <a:latin typeface="Cambria Math" panose="02040503050406030204" pitchFamily="18" charset="0"/>
-                          </a:rPr>
-                          <m:t>10</m:t>
-                        </m:r>
-                      </m:e>
-                      <m:sup>
-                        <m:r>
-                          <a:rPr lang="en-IN" b="0" i="1" smtClean="0">
-                            <a:latin typeface="Cambria Math" panose="02040503050406030204" pitchFamily="18" charset="0"/>
-                          </a:rPr>
-                          <m:t>6</m:t>
-                        </m:r>
-                      </m:sup>
-                    </m:sSup>
-                  </m:oMath>
-                </a14:m>
-                <a:endParaRPr lang="en-IN" dirty="0"/>
-              </a:p>
-              <a:p>
-                <a:pPr lvl="1">
-                  <a:buFont typeface="Arial" panose="020B0604020202020204" pitchFamily="34" charset="0"/>
-                  <a:buChar char="•"/>
-                </a:pPr>
-                <a:r>
-                  <a:rPr lang="en-IN" dirty="0"/>
-                  <a:t>We Then Plotted the histogram of the datasets to make sure the conversion was conversion was correct.</a:t>
-                </a:r>
-              </a:p>
-            </p:txBody>
-          </p:sp>
-        </mc:Choice>
-        <mc:Fallback xmlns="">
-          <p:sp>
-            <p:nvSpPr>
-              <p:cNvPr id="3" name="Content Placeholder 2">
-                <a:extLst>
-                  <a:ext uri="{FF2B5EF4-FFF2-40B4-BE49-F238E27FC236}">
-                    <a16:creationId xmlns:a16="http://schemas.microsoft.com/office/drawing/2014/main" id="{4B817802-A38C-4038-895E-B8B15F8D564B}"/>
-                  </a:ext>
-                </a:extLst>
-              </p:cNvPr>
-              <p:cNvSpPr>
-                <a:spLocks noGrp="1" noRot="1" noChangeAspect="1" noMove="1" noResize="1" noEditPoints="1" noAdjustHandles="1" noChangeArrowheads="1" noChangeShapeType="1" noTextEdit="1"/>
-              </p:cNvSpPr>
-              <p:nvPr>
-                <p:ph idx="1"/>
-              </p:nvPr>
-            </p:nvSpPr>
-            <p:spPr>
-              <a:xfrm>
-                <a:off x="4742016" y="605896"/>
-                <a:ext cx="6413663" cy="5646208"/>
-              </a:xfrm>
-              <a:blipFill>
-                <a:blip r:embed="rId2"/>
-                <a:stretch>
-                  <a:fillRect r="-1806"/>
-                </a:stretch>
-              </a:blipFill>
-            </p:spPr>
-            <p:txBody>
-              <a:bodyPr/>
-              <a:lstStyle/>
-              <a:p>
-                <a:r>
-                  <a:rPr lang="en-IN">
-                    <a:noFill/>
-                  </a:rPr>
-                  <a:t> </a:t>
-                </a:r>
-              </a:p>
-            </p:txBody>
-          </p:sp>
-        </mc:Fallback>
-      </mc:AlternateContent>
-    </p:spTree>
-    <p:extLst>
-      <p:ext uri="{BB962C8B-B14F-4D97-AF65-F5344CB8AC3E}">
-        <p14:creationId xmlns:p14="http://schemas.microsoft.com/office/powerpoint/2010/main" val="699669138"/>
-      </p:ext>
-    </p:extLst>
-  </p:cSld>
-  <p:clrMapOvr>
-    <a:masterClrMapping/>
-  </p:clrMapOvr>
 </p:sld>
 </file>
 
@@ -27518,6 +27509,418 @@
       </p:grpSpPr>
       <p:sp useBgFill="1">
         <p:nvSpPr>
+          <p:cNvPr id="8" name="Rectangle 7">
+            <a:extLst>
+              <a:ext uri="{FF2B5EF4-FFF2-40B4-BE49-F238E27FC236}">
+                <a16:creationId xmlns:a16="http://schemas.microsoft.com/office/drawing/2014/main" id="{3741B58E-3B65-4A01-A276-975AB2CF8A08}"/>
+              </a:ext>
+              <a:ext uri="{C183D7F6-B498-43B3-948B-1728B52AA6E4}">
+                <adec:decorative xmlns:adec="http://schemas.microsoft.com/office/drawing/2017/decorative" val="1"/>
+              </a:ext>
+            </a:extLst>
+          </p:cNvPr>
+          <p:cNvSpPr>
+            <a:spLocks noGrp="1" noRot="1" noChangeAspect="1" noMove="1" noResize="1" noEditPoints="1" noAdjustHandles="1" noChangeArrowheads="1" noChangeShapeType="1" noTextEdit="1"/>
+          </p:cNvSpPr>
+          <p:nvPr>
+            <p:extLst>
+              <p:ext uri="{386F3935-93C4-4BCD-93E2-E3B085C9AB24}">
+                <p16:designElem xmlns:p16="http://schemas.microsoft.com/office/powerpoint/2015/main" val="1"/>
+              </p:ext>
+            </p:extLst>
+          </p:nvPr>
+        </p:nvSpPr>
+        <p:spPr>
+          <a:xfrm>
+            <a:off x="0" y="0"/>
+            <a:ext cx="12186315" cy="6858000"/>
+          </a:xfrm>
+          <a:prstGeom prst="rect">
+            <a:avLst/>
+          </a:prstGeom>
+          <a:ln>
+            <a:noFill/>
+          </a:ln>
+        </p:spPr>
+        <p:style>
+          <a:lnRef idx="2">
+            <a:schemeClr val="accent6">
+              <a:shade val="50000"/>
+            </a:schemeClr>
+          </a:lnRef>
+          <a:fillRef idx="1001">
+            <a:schemeClr val="lt1"/>
+          </a:fillRef>
+          <a:effectRef idx="0">
+            <a:schemeClr val="accent6"/>
+          </a:effectRef>
+          <a:fontRef idx="minor">
+            <a:schemeClr val="lt1"/>
+          </a:fontRef>
+        </p:style>
+        <p:txBody>
+          <a:bodyPr rtlCol="0" anchor="ctr"/>
+          <a:lstStyle/>
+          <a:p>
+            <a:pPr marL="0" marR="0" lvl="0" indent="0" algn="ctr" defTabSz="457200" rtl="0" eaLnBrk="1" fontAlgn="auto" latinLnBrk="0" hangingPunct="1">
+              <a:lnSpc>
+                <a:spcPct val="100000"/>
+              </a:lnSpc>
+              <a:spcBef>
+                <a:spcPts val="0"/>
+              </a:spcBef>
+              <a:spcAft>
+                <a:spcPts val="0"/>
+              </a:spcAft>
+              <a:buClrTx/>
+              <a:buSzTx/>
+              <a:buFontTx/>
+              <a:buNone/>
+              <a:tabLst/>
+              <a:defRPr/>
+            </a:pPr>
+            <a:endParaRPr kumimoji="0" lang="en-US" sz="1800" b="0" i="0" u="none" strike="noStrike" kern="1200" cap="none" spc="0" normalizeH="0" baseline="0" noProof="0" dirty="0">
+              <a:ln>
+                <a:noFill/>
+              </a:ln>
+              <a:solidFill>
+                <a:prstClr val="white"/>
+              </a:solidFill>
+              <a:effectLst/>
+              <a:uLnTx/>
+              <a:uFillTx/>
+              <a:latin typeface="Calibri" panose="020F0502020204030204"/>
+              <a:ea typeface="+mn-ea"/>
+              <a:cs typeface="+mn-cs"/>
+            </a:endParaRPr>
+          </a:p>
+        </p:txBody>
+      </p:sp>
+      <p:sp>
+        <p:nvSpPr>
+          <p:cNvPr id="10" name="Rectangle 9">
+            <a:extLst>
+              <a:ext uri="{FF2B5EF4-FFF2-40B4-BE49-F238E27FC236}">
+                <a16:creationId xmlns:a16="http://schemas.microsoft.com/office/drawing/2014/main" id="{7AAC67C3-831B-4AB1-A259-DFB839CAFAFC}"/>
+              </a:ext>
+              <a:ext uri="{C183D7F6-B498-43B3-948B-1728B52AA6E4}">
+                <adec:decorative xmlns:adec="http://schemas.microsoft.com/office/drawing/2017/decorative" val="1"/>
+              </a:ext>
+            </a:extLst>
+          </p:cNvPr>
+          <p:cNvSpPr>
+            <a:spLocks noGrp="1" noRot="1" noChangeAspect="1" noMove="1" noResize="1" noEditPoints="1" noAdjustHandles="1" noChangeArrowheads="1" noChangeShapeType="1" noTextEdit="1"/>
+          </p:cNvSpPr>
+          <p:nvPr>
+            <p:extLst>
+              <p:ext uri="{386F3935-93C4-4BCD-93E2-E3B085C9AB24}">
+                <p16:designElem xmlns:p16="http://schemas.microsoft.com/office/powerpoint/2015/main" val="1"/>
+              </p:ext>
+            </p:extLst>
+          </p:nvPr>
+        </p:nvSpPr>
+        <p:spPr>
+          <a:xfrm>
+            <a:off x="16" y="0"/>
+            <a:ext cx="4050791" cy="6858000"/>
+          </a:xfrm>
+          <a:prstGeom prst="rect">
+            <a:avLst/>
+          </a:prstGeom>
+          <a:solidFill>
+            <a:schemeClr val="accent2"/>
+          </a:solidFill>
+          <a:ln>
+            <a:noFill/>
+          </a:ln>
+        </p:spPr>
+        <p:style>
+          <a:lnRef idx="2">
+            <a:schemeClr val="accent1">
+              <a:shade val="50000"/>
+            </a:schemeClr>
+          </a:lnRef>
+          <a:fillRef idx="1">
+            <a:schemeClr val="accent1"/>
+          </a:fillRef>
+          <a:effectRef idx="0">
+            <a:schemeClr val="accent1"/>
+          </a:effectRef>
+          <a:fontRef idx="minor">
+            <a:schemeClr val="lt1"/>
+          </a:fontRef>
+        </p:style>
+      </p:sp>
+      <p:sp>
+        <p:nvSpPr>
+          <p:cNvPr id="2" name="Title 1">
+            <a:extLst>
+              <a:ext uri="{FF2B5EF4-FFF2-40B4-BE49-F238E27FC236}">
+                <a16:creationId xmlns:a16="http://schemas.microsoft.com/office/drawing/2014/main" id="{D595B95A-705A-4D49-A704-0108F2F33E09}"/>
+              </a:ext>
+            </a:extLst>
+          </p:cNvPr>
+          <p:cNvSpPr>
+            <a:spLocks noGrp="1"/>
+          </p:cNvSpPr>
+          <p:nvPr>
+            <p:ph type="title"/>
+          </p:nvPr>
+        </p:nvSpPr>
+        <p:spPr>
+          <a:xfrm>
+            <a:off x="492370" y="605896"/>
+            <a:ext cx="3084844" cy="5646208"/>
+          </a:xfrm>
+        </p:spPr>
+        <p:txBody>
+          <a:bodyPr anchor="ctr">
+            <a:normAutofit/>
+          </a:bodyPr>
+          <a:lstStyle/>
+          <a:p>
+            <a:r>
+              <a:rPr lang="en-IN" sz="3600" b="1" dirty="0">
+                <a:solidFill>
+                  <a:srgbClr val="FFFFFF"/>
+                </a:solidFill>
+              </a:rPr>
+              <a:t>Procedure</a:t>
+            </a:r>
+          </a:p>
+        </p:txBody>
+      </p:sp>
+      <p:sp>
+        <p:nvSpPr>
+          <p:cNvPr id="12" name="Rectangle 11">
+            <a:extLst>
+              <a:ext uri="{FF2B5EF4-FFF2-40B4-BE49-F238E27FC236}">
+                <a16:creationId xmlns:a16="http://schemas.microsoft.com/office/drawing/2014/main" id="{054B3F04-9EAC-45C0-B3CE-0387EEA10A0C}"/>
+              </a:ext>
+              <a:ext uri="{C183D7F6-B498-43B3-948B-1728B52AA6E4}">
+                <adec:decorative xmlns:adec="http://schemas.microsoft.com/office/drawing/2017/decorative" val="1"/>
+              </a:ext>
+            </a:extLst>
+          </p:cNvPr>
+          <p:cNvSpPr>
+            <a:spLocks noGrp="1" noRot="1" noChangeAspect="1" noMove="1" noResize="1" noEditPoints="1" noAdjustHandles="1" noChangeArrowheads="1" noChangeShapeType="1" noTextEdit="1"/>
+          </p:cNvSpPr>
+          <p:nvPr>
+            <p:extLst>
+              <p:ext uri="{386F3935-93C4-4BCD-93E2-E3B085C9AB24}">
+                <p16:designElem xmlns:p16="http://schemas.microsoft.com/office/powerpoint/2015/main" val="1"/>
+              </p:ext>
+            </p:extLst>
+          </p:nvPr>
+        </p:nvSpPr>
+        <p:spPr>
+          <a:xfrm>
+            <a:off x="4040071" y="0"/>
+            <a:ext cx="64008" cy="6858000"/>
+          </a:xfrm>
+          <a:prstGeom prst="rect">
+            <a:avLst/>
+          </a:prstGeom>
+          <a:solidFill>
+            <a:schemeClr val="accent1"/>
+          </a:solidFill>
+          <a:ln>
+            <a:noFill/>
+          </a:ln>
+        </p:spPr>
+        <p:style>
+          <a:lnRef idx="2">
+            <a:schemeClr val="accent1">
+              <a:shade val="50000"/>
+            </a:schemeClr>
+          </a:lnRef>
+          <a:fillRef idx="1">
+            <a:schemeClr val="accent1"/>
+          </a:fillRef>
+          <a:effectRef idx="0">
+            <a:schemeClr val="accent1"/>
+          </a:effectRef>
+          <a:fontRef idx="minor">
+            <a:schemeClr val="lt1"/>
+          </a:fontRef>
+        </p:style>
+      </p:sp>
+      <mc:AlternateContent xmlns:mc="http://schemas.openxmlformats.org/markup-compatibility/2006" xmlns:a14="http://schemas.microsoft.com/office/drawing/2010/main">
+        <mc:Choice Requires="a14">
+          <p:sp>
+            <p:nvSpPr>
+              <p:cNvPr id="3" name="Content Placeholder 2">
+                <a:extLst>
+                  <a:ext uri="{FF2B5EF4-FFF2-40B4-BE49-F238E27FC236}">
+                    <a16:creationId xmlns:a16="http://schemas.microsoft.com/office/drawing/2014/main" id="{4B817802-A38C-4038-895E-B8B15F8D564B}"/>
+                  </a:ext>
+                </a:extLst>
+              </p:cNvPr>
+              <p:cNvSpPr>
+                <a:spLocks noGrp="1"/>
+              </p:cNvSpPr>
+              <p:nvPr>
+                <p:ph idx="1"/>
+              </p:nvPr>
+            </p:nvSpPr>
+            <p:spPr>
+              <a:xfrm>
+                <a:off x="4742016" y="605896"/>
+                <a:ext cx="6413663" cy="5646208"/>
+              </a:xfrm>
+            </p:spPr>
+            <p:txBody>
+              <a:bodyPr anchor="ctr">
+                <a:normAutofit/>
+              </a:bodyPr>
+              <a:lstStyle/>
+              <a:p>
+                <a:pPr lvl="1">
+                  <a:buFont typeface="Arial" panose="020B0604020202020204" pitchFamily="34" charset="0"/>
+                  <a:buChar char="•"/>
+                </a:pPr>
+                <a:r>
+                  <a:rPr lang="en-IN" dirty="0"/>
+                  <a:t>As All Values in our dataset was between 0 and 100, we took each value one by one, divided each value by 100, and then saved it to a different files.</a:t>
+                </a:r>
+              </a:p>
+              <a:p>
+                <a:pPr lvl="1">
+                  <a:buFont typeface="Arial" panose="020B0604020202020204" pitchFamily="34" charset="0"/>
+                  <a:buChar char="•"/>
+                </a:pPr>
+                <a:r>
+                  <a:rPr lang="en-IN" dirty="0"/>
+                  <a:t>The no. of data in the dataset was kept same, i.e. </a:t>
+                </a:r>
+                <a14:m>
+                  <m:oMath xmlns:m="http://schemas.openxmlformats.org/officeDocument/2006/math">
+                    <m:sSup>
+                      <m:sSupPr>
+                        <m:ctrlPr>
+                          <a:rPr lang="en-IN" b="0" i="1" smtClean="0">
+                            <a:latin typeface="Cambria Math" panose="02040503050406030204" pitchFamily="18" charset="0"/>
+                          </a:rPr>
+                        </m:ctrlPr>
+                      </m:sSupPr>
+                      <m:e>
+                        <m:r>
+                          <a:rPr lang="en-IN" b="0" i="1" smtClean="0">
+                            <a:latin typeface="Cambria Math" panose="02040503050406030204" pitchFamily="18" charset="0"/>
+                          </a:rPr>
+                          <m:t>10</m:t>
+                        </m:r>
+                      </m:e>
+                      <m:sup>
+                        <m:r>
+                          <a:rPr lang="en-IN" b="0" i="1" smtClean="0">
+                            <a:latin typeface="Cambria Math" panose="02040503050406030204" pitchFamily="18" charset="0"/>
+                          </a:rPr>
+                          <m:t>6</m:t>
+                        </m:r>
+                      </m:sup>
+                    </m:sSup>
+                  </m:oMath>
+                </a14:m>
+                <a:endParaRPr lang="en-IN" dirty="0"/>
+              </a:p>
+              <a:p>
+                <a:pPr lvl="1">
+                  <a:buFont typeface="Arial" panose="020B0604020202020204" pitchFamily="34" charset="0"/>
+                  <a:buChar char="•"/>
+                </a:pPr>
+                <a:r>
+                  <a:rPr lang="en-IN" dirty="0"/>
+                  <a:t>We Then Plotted the histogram of the datasets to make sure the conversion was conversion was correct.</a:t>
+                </a:r>
+              </a:p>
+            </p:txBody>
+          </p:sp>
+        </mc:Choice>
+        <mc:Fallback xmlns="">
+          <p:sp>
+            <p:nvSpPr>
+              <p:cNvPr id="3" name="Content Placeholder 2">
+                <a:extLst>
+                  <a:ext uri="{FF2B5EF4-FFF2-40B4-BE49-F238E27FC236}">
+                    <a16:creationId xmlns:a16="http://schemas.microsoft.com/office/drawing/2014/main" id="{4B817802-A38C-4038-895E-B8B15F8D564B}"/>
+                  </a:ext>
+                </a:extLst>
+              </p:cNvPr>
+              <p:cNvSpPr>
+                <a:spLocks noGrp="1" noRot="1" noChangeAspect="1" noMove="1" noResize="1" noEditPoints="1" noAdjustHandles="1" noChangeArrowheads="1" noChangeShapeType="1" noTextEdit="1"/>
+              </p:cNvSpPr>
+              <p:nvPr>
+                <p:ph idx="1"/>
+              </p:nvPr>
+            </p:nvSpPr>
+            <p:spPr>
+              <a:xfrm>
+                <a:off x="4742016" y="605896"/>
+                <a:ext cx="6413663" cy="5646208"/>
+              </a:xfrm>
+              <a:blipFill>
+                <a:blip r:embed="rId2"/>
+                <a:stretch>
+                  <a:fillRect r="-1806"/>
+                </a:stretch>
+              </a:blipFill>
+            </p:spPr>
+            <p:txBody>
+              <a:bodyPr/>
+              <a:lstStyle/>
+              <a:p>
+                <a:r>
+                  <a:rPr lang="en-IN">
+                    <a:noFill/>
+                  </a:rPr>
+                  <a:t> </a:t>
+                </a:r>
+              </a:p>
+            </p:txBody>
+          </p:sp>
+        </mc:Fallback>
+      </mc:AlternateContent>
+    </p:spTree>
+    <p:extLst>
+      <p:ext uri="{BB962C8B-B14F-4D97-AF65-F5344CB8AC3E}">
+        <p14:creationId xmlns:p14="http://schemas.microsoft.com/office/powerpoint/2010/main" val="699669138"/>
+      </p:ext>
+    </p:extLst>
+  </p:cSld>
+  <p:clrMapOvr>
+    <a:masterClrMapping/>
+  </p:clrMapOvr>
+</p:sld>
+</file>
+
+<file path=ppt/slides/slide31.xml><?xml version="1.0" encoding="utf-8"?>
+<p:sld xmlns:a="http://schemas.openxmlformats.org/drawingml/2006/main" xmlns:r="http://schemas.openxmlformats.org/officeDocument/2006/relationships" xmlns:p="http://schemas.openxmlformats.org/presentationml/2006/main">
+  <p:cSld>
+    <p:bg>
+      <p:bgPr>
+        <a:solidFill>
+          <a:schemeClr val="bg1"/>
+        </a:solidFill>
+        <a:effectLst/>
+      </p:bgPr>
+    </p:bg>
+    <p:spTree>
+      <p:nvGrpSpPr>
+        <p:cNvPr id="1" name=""/>
+        <p:cNvGrpSpPr/>
+        <p:nvPr/>
+      </p:nvGrpSpPr>
+      <p:grpSpPr>
+        <a:xfrm>
+          <a:off x="0" y="0"/>
+          <a:ext cx="0" cy="0"/>
+          <a:chOff x="0" y="0"/>
+          <a:chExt cx="0" cy="0"/>
+        </a:xfrm>
+      </p:grpSpPr>
+      <p:sp useBgFill="1">
+        <p:nvSpPr>
           <p:cNvPr id="50" name="Rectangle 49">
             <a:extLst>
               <a:ext uri="{FF2B5EF4-FFF2-40B4-BE49-F238E27FC236}">
@@ -27869,7 +28272,7 @@
 </p:sld>
 </file>
 
-<file path=ppt/slides/slide31.xml><?xml version="1.0" encoding="utf-8"?>
+<file path=ppt/slides/slide32.xml><?xml version="1.0" encoding="utf-8"?>
 <p:sld xmlns:a="http://schemas.openxmlformats.org/drawingml/2006/main" xmlns:r="http://schemas.openxmlformats.org/officeDocument/2006/relationships" xmlns:p="http://schemas.openxmlformats.org/presentationml/2006/main">
   <p:cSld>
     <p:bg>
@@ -28250,7 +28653,7 @@
 </p:sld>
 </file>
 
-<file path=ppt/slides/slide32.xml><?xml version="1.0" encoding="utf-8"?>
+<file path=ppt/slides/slide33.xml><?xml version="1.0" encoding="utf-8"?>
 <p:sld xmlns:a="http://schemas.openxmlformats.org/drawingml/2006/main" xmlns:r="http://schemas.openxmlformats.org/officeDocument/2006/relationships" xmlns:p="http://schemas.openxmlformats.org/presentationml/2006/main">
   <p:cSld>
     <p:bg>
@@ -28714,7 +29117,7 @@
 </p:sld>
 </file>
 
-<file path=ppt/slides/slide33.xml><?xml version="1.0" encoding="utf-8"?>
+<file path=ppt/slides/slide34.xml><?xml version="1.0" encoding="utf-8"?>
 <p:sld xmlns:a="http://schemas.openxmlformats.org/drawingml/2006/main" xmlns:r="http://schemas.openxmlformats.org/officeDocument/2006/relationships" xmlns:p="http://schemas.openxmlformats.org/presentationml/2006/main">
   <p:cSld>
     <p:bg>
@@ -29096,7 +29499,7 @@
 </p:sld>
 </file>
 
-<file path=ppt/slides/slide34.xml><?xml version="1.0" encoding="utf-8"?>
+<file path=ppt/slides/slide35.xml><?xml version="1.0" encoding="utf-8"?>
 <p:sld xmlns:a="http://schemas.openxmlformats.org/drawingml/2006/main" xmlns:r="http://schemas.openxmlformats.org/officeDocument/2006/relationships" xmlns:p="http://schemas.openxmlformats.org/presentationml/2006/main">
   <p:cSld>
     <p:bg>
@@ -29378,7 +29781,7 @@
 </p:sld>
 </file>
 
-<file path=ppt/slides/slide35.xml><?xml version="1.0" encoding="utf-8"?>
+<file path=ppt/slides/slide36.xml><?xml version="1.0" encoding="utf-8"?>
 <p:sld xmlns:a="http://schemas.openxmlformats.org/drawingml/2006/main" xmlns:r="http://schemas.openxmlformats.org/officeDocument/2006/relationships" xmlns:p="http://schemas.openxmlformats.org/presentationml/2006/main">
   <p:cSld>
     <p:bg>
@@ -29839,7 +30242,7 @@
 </p:sld>
 </file>
 
-<file path=ppt/slides/slide36.xml><?xml version="1.0" encoding="utf-8"?>
+<file path=ppt/slides/slide37.xml><?xml version="1.0" encoding="utf-8"?>
 <p:sld xmlns:a="http://schemas.openxmlformats.org/drawingml/2006/main" xmlns:r="http://schemas.openxmlformats.org/officeDocument/2006/relationships" xmlns:p="http://schemas.openxmlformats.org/presentationml/2006/main">
   <p:cSld>
     <p:bg>
@@ -30166,7 +30569,7 @@
 </p:sld>
 </file>
 
-<file path=ppt/slides/slide37.xml><?xml version="1.0" encoding="utf-8"?>
+<file path=ppt/slides/slide38.xml><?xml version="1.0" encoding="utf-8"?>
 <p:sld xmlns:a="http://schemas.openxmlformats.org/drawingml/2006/main" xmlns:r="http://schemas.openxmlformats.org/officeDocument/2006/relationships" xmlns:p="http://schemas.openxmlformats.org/presentationml/2006/main">
   <p:cSld>
     <p:bg>
@@ -30792,7 +31195,7 @@
 </p:sld>
 </file>
 
-<file path=ppt/slides/slide38.xml><?xml version="1.0" encoding="utf-8"?>
+<file path=ppt/slides/slide39.xml><?xml version="1.0" encoding="utf-8"?>
 <p:sld xmlns:a="http://schemas.openxmlformats.org/drawingml/2006/main" xmlns:r="http://schemas.openxmlformats.org/officeDocument/2006/relationships" xmlns:p="http://schemas.openxmlformats.org/presentationml/2006/main">
   <p:cSld>
     <p:bg>
@@ -31337,470 +31740,6 @@
 </p:sld>
 </file>
 
-<file path=ppt/slides/slide39.xml><?xml version="1.0" encoding="utf-8"?>
-<p:sld xmlns:a="http://schemas.openxmlformats.org/drawingml/2006/main" xmlns:r="http://schemas.openxmlformats.org/officeDocument/2006/relationships" xmlns:p="http://schemas.openxmlformats.org/presentationml/2006/main">
-  <p:cSld>
-    <p:bg>
-      <p:bgPr>
-        <a:solidFill>
-          <a:schemeClr val="bg1"/>
-        </a:solidFill>
-        <a:effectLst/>
-      </p:bgPr>
-    </p:bg>
-    <p:spTree>
-      <p:nvGrpSpPr>
-        <p:cNvPr id="1" name=""/>
-        <p:cNvGrpSpPr/>
-        <p:nvPr/>
-      </p:nvGrpSpPr>
-      <p:grpSpPr>
-        <a:xfrm>
-          <a:off x="0" y="0"/>
-          <a:ext cx="0" cy="0"/>
-          <a:chOff x="0" y="0"/>
-          <a:chExt cx="0" cy="0"/>
-        </a:xfrm>
-      </p:grpSpPr>
-      <p:pic>
-        <p:nvPicPr>
-          <p:cNvPr id="5" name="Picture 4" descr="Many question marks on black background">
-            <a:extLst>
-              <a:ext uri="{FF2B5EF4-FFF2-40B4-BE49-F238E27FC236}">
-                <a16:creationId xmlns:a16="http://schemas.microsoft.com/office/drawing/2014/main" id="{ADB0B3D9-43BA-44C0-B7D2-B552C20F9567}"/>
-              </a:ext>
-            </a:extLst>
-          </p:cNvPr>
-          <p:cNvPicPr>
-            <a:picLocks noChangeAspect="1"/>
-          </p:cNvPicPr>
-          <p:nvPr/>
-        </p:nvPicPr>
-        <p:blipFill rotWithShape="1">
-          <a:blip r:embed="rId2">
-            <a:duotone>
-              <a:schemeClr val="bg2">
-                <a:shade val="45000"/>
-                <a:satMod val="135000"/>
-              </a:schemeClr>
-              <a:prstClr val="white"/>
-            </a:duotone>
-            <a:alphaModFix amt="35000"/>
-          </a:blip>
-          <a:srcRect t="7787"/>
-          <a:stretch/>
-        </p:blipFill>
-        <p:spPr>
-          <a:xfrm>
-            <a:off x="0" y="0"/>
-            <a:ext cx="12191980" cy="6857990"/>
-          </a:xfrm>
-          <a:prstGeom prst="rect">
-            <a:avLst/>
-          </a:prstGeom>
-        </p:spPr>
-      </p:pic>
-      <p:sp>
-        <p:nvSpPr>
-          <p:cNvPr id="2" name="Title 1">
-            <a:extLst>
-              <a:ext uri="{FF2B5EF4-FFF2-40B4-BE49-F238E27FC236}">
-                <a16:creationId xmlns:a16="http://schemas.microsoft.com/office/drawing/2014/main" id="{4A52C5C3-42CA-4234-833A-76AB208648C9}"/>
-              </a:ext>
-            </a:extLst>
-          </p:cNvPr>
-          <p:cNvSpPr>
-            <a:spLocks noGrp="1"/>
-          </p:cNvSpPr>
-          <p:nvPr>
-            <p:ph type="ctrTitle"/>
-          </p:nvPr>
-        </p:nvSpPr>
-        <p:spPr>
-          <a:xfrm>
-            <a:off x="1097280" y="758952"/>
-            <a:ext cx="10058400" cy="3566160"/>
-          </a:xfrm>
-        </p:spPr>
-        <p:txBody>
-          <a:bodyPr>
-            <a:normAutofit/>
-          </a:bodyPr>
-          <a:lstStyle/>
-          <a:p>
-            <a:r>
-              <a:rPr lang="en-IN" dirty="0"/>
-              <a:t>Question 7</a:t>
-            </a:r>
-          </a:p>
-        </p:txBody>
-      </p:sp>
-      <p:sp>
-        <p:nvSpPr>
-          <p:cNvPr id="3" name="Subtitle 2">
-            <a:extLst>
-              <a:ext uri="{FF2B5EF4-FFF2-40B4-BE49-F238E27FC236}">
-                <a16:creationId xmlns:a16="http://schemas.microsoft.com/office/drawing/2014/main" id="{418B9C51-389E-47E6-B0A9-41747AF0C1BE}"/>
-              </a:ext>
-            </a:extLst>
-          </p:cNvPr>
-          <p:cNvSpPr>
-            <a:spLocks noGrp="1"/>
-          </p:cNvSpPr>
-          <p:nvPr>
-            <p:ph type="subTitle" idx="1"/>
-          </p:nvPr>
-        </p:nvSpPr>
-        <p:spPr>
-          <a:xfrm>
-            <a:off x="1100051" y="4455620"/>
-            <a:ext cx="10058400" cy="1143000"/>
-          </a:xfrm>
-        </p:spPr>
-        <p:txBody>
-          <a:bodyPr>
-            <a:normAutofit/>
-          </a:bodyPr>
-          <a:lstStyle/>
-          <a:p>
-            <a:r>
-              <a:rPr lang="en-US" b="1" dirty="0">
-                <a:solidFill>
-                  <a:schemeClr val="tx1">
-                    <a:lumMod val="85000"/>
-                    <a:lumOff val="15000"/>
-                  </a:schemeClr>
-                </a:solidFill>
-              </a:rPr>
-              <a:t>Implement the worst case linear median selection algorithm by taking the median of medians (MoM) as the pivotal element and check for correctness.</a:t>
-            </a:r>
-            <a:endParaRPr lang="en-IN" b="1" dirty="0">
-              <a:solidFill>
-                <a:schemeClr val="tx1">
-                  <a:lumMod val="85000"/>
-                  <a:lumOff val="15000"/>
-                </a:schemeClr>
-              </a:solidFill>
-            </a:endParaRPr>
-          </a:p>
-        </p:txBody>
-      </p:sp>
-      <p:cxnSp>
-        <p:nvCxnSpPr>
-          <p:cNvPr id="10" name="Straight Connector 9">
-            <a:extLst>
-              <a:ext uri="{FF2B5EF4-FFF2-40B4-BE49-F238E27FC236}">
-                <a16:creationId xmlns:a16="http://schemas.microsoft.com/office/drawing/2014/main" id="{77AB95BF-57D0-4E49-9EF2-408B47C8D40D}"/>
-              </a:ext>
-              <a:ext uri="{C183D7F6-B498-43B3-948B-1728B52AA6E4}">
-                <adec:decorative xmlns:adec="http://schemas.microsoft.com/office/drawing/2017/decorative" val="1"/>
-              </a:ext>
-            </a:extLst>
-          </p:cNvPr>
-          <p:cNvCxnSpPr>
-            <a:cxnSpLocks noGrp="1" noRot="1" noChangeAspect="1" noMove="1" noResize="1" noEditPoints="1" noAdjustHandles="1" noChangeArrowheads="1" noChangeShapeType="1"/>
-          </p:cNvCxnSpPr>
-          <p:nvPr>
-            <p:extLst>
-              <p:ext uri="{386F3935-93C4-4BCD-93E2-E3B085C9AB24}">
-                <p16:designElem xmlns:p16="http://schemas.microsoft.com/office/powerpoint/2015/main" val="1"/>
-              </p:ext>
-            </p:extLst>
-          </p:nvPr>
-        </p:nvCxnSpPr>
-        <p:spPr>
-          <a:xfrm>
-            <a:off x="1207658" y="4343400"/>
-            <a:ext cx="9875520" cy="0"/>
-          </a:xfrm>
-          <a:prstGeom prst="line">
-            <a:avLst/>
-          </a:prstGeom>
-          <a:ln w="6350">
-            <a:solidFill>
-              <a:schemeClr val="tx2">
-                <a:alpha val="90000"/>
-              </a:schemeClr>
-            </a:solidFill>
-          </a:ln>
-        </p:spPr>
-        <p:style>
-          <a:lnRef idx="1">
-            <a:schemeClr val="accent1"/>
-          </a:lnRef>
-          <a:fillRef idx="0">
-            <a:schemeClr val="accent1"/>
-          </a:fillRef>
-          <a:effectRef idx="0">
-            <a:schemeClr val="accent1"/>
-          </a:effectRef>
-          <a:fontRef idx="minor">
-            <a:schemeClr val="tx1"/>
-          </a:fontRef>
-        </p:style>
-      </p:cxnSp>
-      <p:sp>
-        <p:nvSpPr>
-          <p:cNvPr id="12" name="Rectangle 11">
-            <a:extLst>
-              <a:ext uri="{FF2B5EF4-FFF2-40B4-BE49-F238E27FC236}">
-                <a16:creationId xmlns:a16="http://schemas.microsoft.com/office/drawing/2014/main" id="{1C520CBD-F82E-44E4-BDA5-128716AD79C8}"/>
-              </a:ext>
-              <a:ext uri="{C183D7F6-B498-43B3-948B-1728B52AA6E4}">
-                <adec:decorative xmlns:adec="http://schemas.microsoft.com/office/drawing/2017/decorative" val="1"/>
-              </a:ext>
-            </a:extLst>
-          </p:cNvPr>
-          <p:cNvSpPr>
-            <a:spLocks noGrp="1" noRot="1" noChangeAspect="1" noMove="1" noResize="1" noEditPoints="1" noAdjustHandles="1" noChangeArrowheads="1" noChangeShapeType="1" noTextEdit="1"/>
-          </p:cNvSpPr>
-          <p:nvPr>
-            <p:extLst>
-              <p:ext uri="{386F3935-93C4-4BCD-93E2-E3B085C9AB24}">
-                <p16:designElem xmlns:p16="http://schemas.microsoft.com/office/powerpoint/2015/main" val="1"/>
-              </p:ext>
-            </p:extLst>
-          </p:nvPr>
-        </p:nvSpPr>
-        <p:spPr>
-          <a:xfrm>
-            <a:off x="15" y="6334316"/>
-            <a:ext cx="12191985" cy="66484"/>
-          </a:xfrm>
-          <a:prstGeom prst="rect">
-            <a:avLst/>
-          </a:prstGeom>
-          <a:solidFill>
-            <a:schemeClr val="accent1"/>
-          </a:solidFill>
-          <a:ln>
-            <a:noFill/>
-          </a:ln>
-        </p:spPr>
-        <p:style>
-          <a:lnRef idx="2">
-            <a:schemeClr val="accent1">
-              <a:shade val="50000"/>
-            </a:schemeClr>
-          </a:lnRef>
-          <a:fillRef idx="1">
-            <a:schemeClr val="accent1"/>
-          </a:fillRef>
-          <a:effectRef idx="0">
-            <a:schemeClr val="accent1"/>
-          </a:effectRef>
-          <a:fontRef idx="minor">
-            <a:schemeClr val="lt1"/>
-          </a:fontRef>
-        </p:style>
-      </p:sp>
-      <p:sp>
-        <p:nvSpPr>
-          <p:cNvPr id="14" name="Rectangle 13">
-            <a:extLst>
-              <a:ext uri="{FF2B5EF4-FFF2-40B4-BE49-F238E27FC236}">
-                <a16:creationId xmlns:a16="http://schemas.microsoft.com/office/drawing/2014/main" id="{4618AE32-A526-42FC-A854-732740BD38DA}"/>
-              </a:ext>
-              <a:ext uri="{C183D7F6-B498-43B3-948B-1728B52AA6E4}">
-                <adec:decorative xmlns:adec="http://schemas.microsoft.com/office/drawing/2017/decorative" val="1"/>
-              </a:ext>
-            </a:extLst>
-          </p:cNvPr>
-          <p:cNvSpPr>
-            <a:spLocks noGrp="1" noRot="1" noChangeAspect="1" noMove="1" noResize="1" noEditPoints="1" noAdjustHandles="1" noChangeArrowheads="1" noChangeShapeType="1" noTextEdit="1"/>
-          </p:cNvSpPr>
-          <p:nvPr>
-            <p:extLst>
-              <p:ext uri="{386F3935-93C4-4BCD-93E2-E3B085C9AB24}">
-                <p16:designElem xmlns:p16="http://schemas.microsoft.com/office/powerpoint/2015/main" val="1"/>
-              </p:ext>
-            </p:extLst>
-          </p:nvPr>
-        </p:nvSpPr>
-        <p:spPr>
-          <a:xfrm>
-            <a:off x="1" y="6400800"/>
-            <a:ext cx="12192000" cy="457200"/>
-          </a:xfrm>
-          <a:prstGeom prst="rect">
-            <a:avLst/>
-          </a:prstGeom>
-          <a:solidFill>
-            <a:schemeClr val="accent2"/>
-          </a:solidFill>
-          <a:ln>
-            <a:noFill/>
-          </a:ln>
-        </p:spPr>
-        <p:style>
-          <a:lnRef idx="2">
-            <a:schemeClr val="accent1">
-              <a:shade val="50000"/>
-            </a:schemeClr>
-          </a:lnRef>
-          <a:fillRef idx="1">
-            <a:schemeClr val="accent1"/>
-          </a:fillRef>
-          <a:effectRef idx="0">
-            <a:schemeClr val="accent1"/>
-          </a:effectRef>
-          <a:fontRef idx="minor">
-            <a:schemeClr val="lt1"/>
-          </a:fontRef>
-        </p:style>
-      </p:sp>
-    </p:spTree>
-    <p:extLst>
-      <p:ext uri="{BB962C8B-B14F-4D97-AF65-F5344CB8AC3E}">
-        <p14:creationId xmlns:p14="http://schemas.microsoft.com/office/powerpoint/2010/main" val="3827753677"/>
-      </p:ext>
-    </p:extLst>
-  </p:cSld>
-  <p:clrMapOvr>
-    <a:masterClrMapping/>
-  </p:clrMapOvr>
-  <p:timing>
-    <p:tnLst>
-      <p:par>
-        <p:cTn id="1" dur="indefinite" restart="never" nodeType="tmRoot">
-          <p:childTnLst>
-            <p:seq concurrent="1" nextAc="seek">
-              <p:cTn id="2" dur="indefinite" nodeType="mainSeq">
-                <p:childTnLst>
-                  <p:par>
-                    <p:cTn id="3" fill="hold">
-                      <p:stCondLst>
-                        <p:cond delay="indefinite"/>
-                        <p:cond evt="onBegin" delay="0">
-                          <p:tn val="2"/>
-                        </p:cond>
-                      </p:stCondLst>
-                      <p:childTnLst>
-                        <p:par>
-                          <p:cTn id="4" fill="hold">
-                            <p:stCondLst>
-                              <p:cond delay="0"/>
-                            </p:stCondLst>
-                            <p:childTnLst>
-                              <p:par>
-                                <p:cTn id="5" presetID="10" presetClass="entr" presetSubtype="0" fill="hold" grpId="0" nodeType="withEffect">
-                                  <p:stCondLst>
-                                    <p:cond delay="1500"/>
-                                  </p:stCondLst>
-                                  <p:iterate>
-                                    <p:tmPct val="10000"/>
-                                  </p:iterate>
-                                  <p:childTnLst>
-                                    <p:set>
-                                      <p:cBhvr>
-                                        <p:cTn id="6" dur="1" fill="hold">
-                                          <p:stCondLst>
-                                            <p:cond delay="0"/>
-                                          </p:stCondLst>
-                                        </p:cTn>
-                                        <p:tgtEl>
-                                          <p:spTgt spid="3">
-                                            <p:txEl>
-                                              <p:pRg st="0" end="0"/>
-                                            </p:txEl>
-                                          </p:spTgt>
-                                        </p:tgtEl>
-                                        <p:attrNameLst>
-                                          <p:attrName>style.visibility</p:attrName>
-                                        </p:attrNameLst>
-                                      </p:cBhvr>
-                                      <p:to>
-                                        <p:strVal val="visible"/>
-                                      </p:to>
-                                    </p:set>
-                                    <p:animEffect transition="in" filter="fade">
-                                      <p:cBhvr>
-                                        <p:cTn id="7" dur="700"/>
-                                        <p:tgtEl>
-                                          <p:spTgt spid="3">
-                                            <p:txEl>
-                                              <p:pRg st="0" end="0"/>
-                                            </p:txEl>
-                                          </p:spTgt>
-                                        </p:tgtEl>
-                                      </p:cBhvr>
-                                    </p:animEffect>
-                                  </p:childTnLst>
-                                </p:cTn>
-                              </p:par>
-                              <p:par>
-                                <p:cTn id="8" presetID="10" presetClass="entr" presetSubtype="0" fill="hold" grpId="0" nodeType="withEffect">
-                                  <p:stCondLst>
-                                    <p:cond delay="1000"/>
-                                  </p:stCondLst>
-                                  <p:iterate>
-                                    <p:tmPct val="10000"/>
-                                  </p:iterate>
-                                  <p:childTnLst>
-                                    <p:set>
-                                      <p:cBhvr>
-                                        <p:cTn id="9" dur="1" fill="hold">
-                                          <p:stCondLst>
-                                            <p:cond delay="0"/>
-                                          </p:stCondLst>
-                                        </p:cTn>
-                                        <p:tgtEl>
-                                          <p:spTgt spid="2"/>
-                                        </p:tgtEl>
-                                        <p:attrNameLst>
-                                          <p:attrName>style.visibility</p:attrName>
-                                        </p:attrNameLst>
-                                      </p:cBhvr>
-                                      <p:to>
-                                        <p:strVal val="visible"/>
-                                      </p:to>
-                                    </p:set>
-                                    <p:animEffect transition="in" filter="fade">
-                                      <p:cBhvr>
-                                        <p:cTn id="10" dur="700"/>
-                                        <p:tgtEl>
-                                          <p:spTgt spid="2"/>
-                                        </p:tgtEl>
-                                      </p:cBhvr>
-                                    </p:animEffect>
-                                  </p:childTnLst>
-                                </p:cTn>
-                              </p:par>
-                            </p:childTnLst>
-                          </p:cTn>
-                        </p:par>
-                      </p:childTnLst>
-                    </p:cTn>
-                  </p:par>
-                </p:childTnLst>
-              </p:cTn>
-              <p:prevCondLst>
-                <p:cond evt="onPrev" delay="0">
-                  <p:tgtEl>
-                    <p:sldTgt/>
-                  </p:tgtEl>
-                </p:cond>
-              </p:prevCondLst>
-              <p:nextCondLst>
-                <p:cond evt="onNext" delay="0">
-                  <p:tgtEl>
-                    <p:sldTgt/>
-                  </p:tgtEl>
-                </p:cond>
-              </p:nextCondLst>
-            </p:seq>
-          </p:childTnLst>
-        </p:cTn>
-      </p:par>
-    </p:tnLst>
-    <p:bldLst>
-      <p:bldP spid="2" grpId="0"/>
-      <p:bldP spid="3" grpId="0" build="p"/>
-    </p:bldLst>
-  </p:timing>
-</p:sld>
-</file>
-
 <file path=ppt/slides/slide4.xml><?xml version="1.0" encoding="utf-8"?>
 <p:sld xmlns:a="http://schemas.openxmlformats.org/drawingml/2006/main" xmlns:r="http://schemas.openxmlformats.org/officeDocument/2006/relationships" xmlns:p="http://schemas.openxmlformats.org/presentationml/2006/main">
   <p:cSld>
@@ -32230,6 +32169,470 @@
 </file>
 
 <file path=ppt/slides/slide40.xml><?xml version="1.0" encoding="utf-8"?>
+<p:sld xmlns:a="http://schemas.openxmlformats.org/drawingml/2006/main" xmlns:r="http://schemas.openxmlformats.org/officeDocument/2006/relationships" xmlns:p="http://schemas.openxmlformats.org/presentationml/2006/main">
+  <p:cSld>
+    <p:bg>
+      <p:bgPr>
+        <a:solidFill>
+          <a:schemeClr val="bg1"/>
+        </a:solidFill>
+        <a:effectLst/>
+      </p:bgPr>
+    </p:bg>
+    <p:spTree>
+      <p:nvGrpSpPr>
+        <p:cNvPr id="1" name=""/>
+        <p:cNvGrpSpPr/>
+        <p:nvPr/>
+      </p:nvGrpSpPr>
+      <p:grpSpPr>
+        <a:xfrm>
+          <a:off x="0" y="0"/>
+          <a:ext cx="0" cy="0"/>
+          <a:chOff x="0" y="0"/>
+          <a:chExt cx="0" cy="0"/>
+        </a:xfrm>
+      </p:grpSpPr>
+      <p:pic>
+        <p:nvPicPr>
+          <p:cNvPr id="5" name="Picture 4" descr="Many question marks on black background">
+            <a:extLst>
+              <a:ext uri="{FF2B5EF4-FFF2-40B4-BE49-F238E27FC236}">
+                <a16:creationId xmlns:a16="http://schemas.microsoft.com/office/drawing/2014/main" id="{ADB0B3D9-43BA-44C0-B7D2-B552C20F9567}"/>
+              </a:ext>
+            </a:extLst>
+          </p:cNvPr>
+          <p:cNvPicPr>
+            <a:picLocks noChangeAspect="1"/>
+          </p:cNvPicPr>
+          <p:nvPr/>
+        </p:nvPicPr>
+        <p:blipFill rotWithShape="1">
+          <a:blip r:embed="rId2">
+            <a:duotone>
+              <a:schemeClr val="bg2">
+                <a:shade val="45000"/>
+                <a:satMod val="135000"/>
+              </a:schemeClr>
+              <a:prstClr val="white"/>
+            </a:duotone>
+            <a:alphaModFix amt="35000"/>
+          </a:blip>
+          <a:srcRect t="7787"/>
+          <a:stretch/>
+        </p:blipFill>
+        <p:spPr>
+          <a:xfrm>
+            <a:off x="0" y="0"/>
+            <a:ext cx="12191980" cy="6857990"/>
+          </a:xfrm>
+          <a:prstGeom prst="rect">
+            <a:avLst/>
+          </a:prstGeom>
+        </p:spPr>
+      </p:pic>
+      <p:sp>
+        <p:nvSpPr>
+          <p:cNvPr id="2" name="Title 1">
+            <a:extLst>
+              <a:ext uri="{FF2B5EF4-FFF2-40B4-BE49-F238E27FC236}">
+                <a16:creationId xmlns:a16="http://schemas.microsoft.com/office/drawing/2014/main" id="{4A52C5C3-42CA-4234-833A-76AB208648C9}"/>
+              </a:ext>
+            </a:extLst>
+          </p:cNvPr>
+          <p:cNvSpPr>
+            <a:spLocks noGrp="1"/>
+          </p:cNvSpPr>
+          <p:nvPr>
+            <p:ph type="ctrTitle"/>
+          </p:nvPr>
+        </p:nvSpPr>
+        <p:spPr>
+          <a:xfrm>
+            <a:off x="1097280" y="758952"/>
+            <a:ext cx="10058400" cy="3566160"/>
+          </a:xfrm>
+        </p:spPr>
+        <p:txBody>
+          <a:bodyPr>
+            <a:normAutofit/>
+          </a:bodyPr>
+          <a:lstStyle/>
+          <a:p>
+            <a:r>
+              <a:rPr lang="en-IN" dirty="0"/>
+              <a:t>Question 7</a:t>
+            </a:r>
+          </a:p>
+        </p:txBody>
+      </p:sp>
+      <p:sp>
+        <p:nvSpPr>
+          <p:cNvPr id="3" name="Subtitle 2">
+            <a:extLst>
+              <a:ext uri="{FF2B5EF4-FFF2-40B4-BE49-F238E27FC236}">
+                <a16:creationId xmlns:a16="http://schemas.microsoft.com/office/drawing/2014/main" id="{418B9C51-389E-47E6-B0A9-41747AF0C1BE}"/>
+              </a:ext>
+            </a:extLst>
+          </p:cNvPr>
+          <p:cNvSpPr>
+            <a:spLocks noGrp="1"/>
+          </p:cNvSpPr>
+          <p:nvPr>
+            <p:ph type="subTitle" idx="1"/>
+          </p:nvPr>
+        </p:nvSpPr>
+        <p:spPr>
+          <a:xfrm>
+            <a:off x="1100051" y="4455620"/>
+            <a:ext cx="10058400" cy="1143000"/>
+          </a:xfrm>
+        </p:spPr>
+        <p:txBody>
+          <a:bodyPr>
+            <a:normAutofit/>
+          </a:bodyPr>
+          <a:lstStyle/>
+          <a:p>
+            <a:r>
+              <a:rPr lang="en-US" b="1" dirty="0">
+                <a:solidFill>
+                  <a:schemeClr val="tx1">
+                    <a:lumMod val="85000"/>
+                    <a:lumOff val="15000"/>
+                  </a:schemeClr>
+                </a:solidFill>
+              </a:rPr>
+              <a:t>Implement the worst case linear median selection algorithm by taking the median of medians (MoM) as the pivotal element and check for correctness.</a:t>
+            </a:r>
+            <a:endParaRPr lang="en-IN" b="1" dirty="0">
+              <a:solidFill>
+                <a:schemeClr val="tx1">
+                  <a:lumMod val="85000"/>
+                  <a:lumOff val="15000"/>
+                </a:schemeClr>
+              </a:solidFill>
+            </a:endParaRPr>
+          </a:p>
+        </p:txBody>
+      </p:sp>
+      <p:cxnSp>
+        <p:nvCxnSpPr>
+          <p:cNvPr id="10" name="Straight Connector 9">
+            <a:extLst>
+              <a:ext uri="{FF2B5EF4-FFF2-40B4-BE49-F238E27FC236}">
+                <a16:creationId xmlns:a16="http://schemas.microsoft.com/office/drawing/2014/main" id="{77AB95BF-57D0-4E49-9EF2-408B47C8D40D}"/>
+              </a:ext>
+              <a:ext uri="{C183D7F6-B498-43B3-948B-1728B52AA6E4}">
+                <adec:decorative xmlns:adec="http://schemas.microsoft.com/office/drawing/2017/decorative" val="1"/>
+              </a:ext>
+            </a:extLst>
+          </p:cNvPr>
+          <p:cNvCxnSpPr>
+            <a:cxnSpLocks noGrp="1" noRot="1" noChangeAspect="1" noMove="1" noResize="1" noEditPoints="1" noAdjustHandles="1" noChangeArrowheads="1" noChangeShapeType="1"/>
+          </p:cNvCxnSpPr>
+          <p:nvPr>
+            <p:extLst>
+              <p:ext uri="{386F3935-93C4-4BCD-93E2-E3B085C9AB24}">
+                <p16:designElem xmlns:p16="http://schemas.microsoft.com/office/powerpoint/2015/main" val="1"/>
+              </p:ext>
+            </p:extLst>
+          </p:nvPr>
+        </p:nvCxnSpPr>
+        <p:spPr>
+          <a:xfrm>
+            <a:off x="1207658" y="4343400"/>
+            <a:ext cx="9875520" cy="0"/>
+          </a:xfrm>
+          <a:prstGeom prst="line">
+            <a:avLst/>
+          </a:prstGeom>
+          <a:ln w="6350">
+            <a:solidFill>
+              <a:schemeClr val="tx2">
+                <a:alpha val="90000"/>
+              </a:schemeClr>
+            </a:solidFill>
+          </a:ln>
+        </p:spPr>
+        <p:style>
+          <a:lnRef idx="1">
+            <a:schemeClr val="accent1"/>
+          </a:lnRef>
+          <a:fillRef idx="0">
+            <a:schemeClr val="accent1"/>
+          </a:fillRef>
+          <a:effectRef idx="0">
+            <a:schemeClr val="accent1"/>
+          </a:effectRef>
+          <a:fontRef idx="minor">
+            <a:schemeClr val="tx1"/>
+          </a:fontRef>
+        </p:style>
+      </p:cxnSp>
+      <p:sp>
+        <p:nvSpPr>
+          <p:cNvPr id="12" name="Rectangle 11">
+            <a:extLst>
+              <a:ext uri="{FF2B5EF4-FFF2-40B4-BE49-F238E27FC236}">
+                <a16:creationId xmlns:a16="http://schemas.microsoft.com/office/drawing/2014/main" id="{1C520CBD-F82E-44E4-BDA5-128716AD79C8}"/>
+              </a:ext>
+              <a:ext uri="{C183D7F6-B498-43B3-948B-1728B52AA6E4}">
+                <adec:decorative xmlns:adec="http://schemas.microsoft.com/office/drawing/2017/decorative" val="1"/>
+              </a:ext>
+            </a:extLst>
+          </p:cNvPr>
+          <p:cNvSpPr>
+            <a:spLocks noGrp="1" noRot="1" noChangeAspect="1" noMove="1" noResize="1" noEditPoints="1" noAdjustHandles="1" noChangeArrowheads="1" noChangeShapeType="1" noTextEdit="1"/>
+          </p:cNvSpPr>
+          <p:nvPr>
+            <p:extLst>
+              <p:ext uri="{386F3935-93C4-4BCD-93E2-E3B085C9AB24}">
+                <p16:designElem xmlns:p16="http://schemas.microsoft.com/office/powerpoint/2015/main" val="1"/>
+              </p:ext>
+            </p:extLst>
+          </p:nvPr>
+        </p:nvSpPr>
+        <p:spPr>
+          <a:xfrm>
+            <a:off x="15" y="6334316"/>
+            <a:ext cx="12191985" cy="66484"/>
+          </a:xfrm>
+          <a:prstGeom prst="rect">
+            <a:avLst/>
+          </a:prstGeom>
+          <a:solidFill>
+            <a:schemeClr val="accent1"/>
+          </a:solidFill>
+          <a:ln>
+            <a:noFill/>
+          </a:ln>
+        </p:spPr>
+        <p:style>
+          <a:lnRef idx="2">
+            <a:schemeClr val="accent1">
+              <a:shade val="50000"/>
+            </a:schemeClr>
+          </a:lnRef>
+          <a:fillRef idx="1">
+            <a:schemeClr val="accent1"/>
+          </a:fillRef>
+          <a:effectRef idx="0">
+            <a:schemeClr val="accent1"/>
+          </a:effectRef>
+          <a:fontRef idx="minor">
+            <a:schemeClr val="lt1"/>
+          </a:fontRef>
+        </p:style>
+      </p:sp>
+      <p:sp>
+        <p:nvSpPr>
+          <p:cNvPr id="14" name="Rectangle 13">
+            <a:extLst>
+              <a:ext uri="{FF2B5EF4-FFF2-40B4-BE49-F238E27FC236}">
+                <a16:creationId xmlns:a16="http://schemas.microsoft.com/office/drawing/2014/main" id="{4618AE32-A526-42FC-A854-732740BD38DA}"/>
+              </a:ext>
+              <a:ext uri="{C183D7F6-B498-43B3-948B-1728B52AA6E4}">
+                <adec:decorative xmlns:adec="http://schemas.microsoft.com/office/drawing/2017/decorative" val="1"/>
+              </a:ext>
+            </a:extLst>
+          </p:cNvPr>
+          <p:cNvSpPr>
+            <a:spLocks noGrp="1" noRot="1" noChangeAspect="1" noMove="1" noResize="1" noEditPoints="1" noAdjustHandles="1" noChangeArrowheads="1" noChangeShapeType="1" noTextEdit="1"/>
+          </p:cNvSpPr>
+          <p:nvPr>
+            <p:extLst>
+              <p:ext uri="{386F3935-93C4-4BCD-93E2-E3B085C9AB24}">
+                <p16:designElem xmlns:p16="http://schemas.microsoft.com/office/powerpoint/2015/main" val="1"/>
+              </p:ext>
+            </p:extLst>
+          </p:nvPr>
+        </p:nvSpPr>
+        <p:spPr>
+          <a:xfrm>
+            <a:off x="1" y="6400800"/>
+            <a:ext cx="12192000" cy="457200"/>
+          </a:xfrm>
+          <a:prstGeom prst="rect">
+            <a:avLst/>
+          </a:prstGeom>
+          <a:solidFill>
+            <a:schemeClr val="accent2"/>
+          </a:solidFill>
+          <a:ln>
+            <a:noFill/>
+          </a:ln>
+        </p:spPr>
+        <p:style>
+          <a:lnRef idx="2">
+            <a:schemeClr val="accent1">
+              <a:shade val="50000"/>
+            </a:schemeClr>
+          </a:lnRef>
+          <a:fillRef idx="1">
+            <a:schemeClr val="accent1"/>
+          </a:fillRef>
+          <a:effectRef idx="0">
+            <a:schemeClr val="accent1"/>
+          </a:effectRef>
+          <a:fontRef idx="minor">
+            <a:schemeClr val="lt1"/>
+          </a:fontRef>
+        </p:style>
+      </p:sp>
+    </p:spTree>
+    <p:extLst>
+      <p:ext uri="{BB962C8B-B14F-4D97-AF65-F5344CB8AC3E}">
+        <p14:creationId xmlns:p14="http://schemas.microsoft.com/office/powerpoint/2010/main" val="3827753677"/>
+      </p:ext>
+    </p:extLst>
+  </p:cSld>
+  <p:clrMapOvr>
+    <a:masterClrMapping/>
+  </p:clrMapOvr>
+  <p:timing>
+    <p:tnLst>
+      <p:par>
+        <p:cTn id="1" dur="indefinite" restart="never" nodeType="tmRoot">
+          <p:childTnLst>
+            <p:seq concurrent="1" nextAc="seek">
+              <p:cTn id="2" dur="indefinite" nodeType="mainSeq">
+                <p:childTnLst>
+                  <p:par>
+                    <p:cTn id="3" fill="hold">
+                      <p:stCondLst>
+                        <p:cond delay="indefinite"/>
+                        <p:cond evt="onBegin" delay="0">
+                          <p:tn val="2"/>
+                        </p:cond>
+                      </p:stCondLst>
+                      <p:childTnLst>
+                        <p:par>
+                          <p:cTn id="4" fill="hold">
+                            <p:stCondLst>
+                              <p:cond delay="0"/>
+                            </p:stCondLst>
+                            <p:childTnLst>
+                              <p:par>
+                                <p:cTn id="5" presetID="10" presetClass="entr" presetSubtype="0" fill="hold" grpId="0" nodeType="withEffect">
+                                  <p:stCondLst>
+                                    <p:cond delay="1500"/>
+                                  </p:stCondLst>
+                                  <p:iterate>
+                                    <p:tmPct val="10000"/>
+                                  </p:iterate>
+                                  <p:childTnLst>
+                                    <p:set>
+                                      <p:cBhvr>
+                                        <p:cTn id="6" dur="1" fill="hold">
+                                          <p:stCondLst>
+                                            <p:cond delay="0"/>
+                                          </p:stCondLst>
+                                        </p:cTn>
+                                        <p:tgtEl>
+                                          <p:spTgt spid="3">
+                                            <p:txEl>
+                                              <p:pRg st="0" end="0"/>
+                                            </p:txEl>
+                                          </p:spTgt>
+                                        </p:tgtEl>
+                                        <p:attrNameLst>
+                                          <p:attrName>style.visibility</p:attrName>
+                                        </p:attrNameLst>
+                                      </p:cBhvr>
+                                      <p:to>
+                                        <p:strVal val="visible"/>
+                                      </p:to>
+                                    </p:set>
+                                    <p:animEffect transition="in" filter="fade">
+                                      <p:cBhvr>
+                                        <p:cTn id="7" dur="700"/>
+                                        <p:tgtEl>
+                                          <p:spTgt spid="3">
+                                            <p:txEl>
+                                              <p:pRg st="0" end="0"/>
+                                            </p:txEl>
+                                          </p:spTgt>
+                                        </p:tgtEl>
+                                      </p:cBhvr>
+                                    </p:animEffect>
+                                  </p:childTnLst>
+                                </p:cTn>
+                              </p:par>
+                              <p:par>
+                                <p:cTn id="8" presetID="10" presetClass="entr" presetSubtype="0" fill="hold" grpId="0" nodeType="withEffect">
+                                  <p:stCondLst>
+                                    <p:cond delay="1000"/>
+                                  </p:stCondLst>
+                                  <p:iterate>
+                                    <p:tmPct val="10000"/>
+                                  </p:iterate>
+                                  <p:childTnLst>
+                                    <p:set>
+                                      <p:cBhvr>
+                                        <p:cTn id="9" dur="1" fill="hold">
+                                          <p:stCondLst>
+                                            <p:cond delay="0"/>
+                                          </p:stCondLst>
+                                        </p:cTn>
+                                        <p:tgtEl>
+                                          <p:spTgt spid="2"/>
+                                        </p:tgtEl>
+                                        <p:attrNameLst>
+                                          <p:attrName>style.visibility</p:attrName>
+                                        </p:attrNameLst>
+                                      </p:cBhvr>
+                                      <p:to>
+                                        <p:strVal val="visible"/>
+                                      </p:to>
+                                    </p:set>
+                                    <p:animEffect transition="in" filter="fade">
+                                      <p:cBhvr>
+                                        <p:cTn id="10" dur="700"/>
+                                        <p:tgtEl>
+                                          <p:spTgt spid="2"/>
+                                        </p:tgtEl>
+                                      </p:cBhvr>
+                                    </p:animEffect>
+                                  </p:childTnLst>
+                                </p:cTn>
+                              </p:par>
+                            </p:childTnLst>
+                          </p:cTn>
+                        </p:par>
+                      </p:childTnLst>
+                    </p:cTn>
+                  </p:par>
+                </p:childTnLst>
+              </p:cTn>
+              <p:prevCondLst>
+                <p:cond evt="onPrev" delay="0">
+                  <p:tgtEl>
+                    <p:sldTgt/>
+                  </p:tgtEl>
+                </p:cond>
+              </p:prevCondLst>
+              <p:nextCondLst>
+                <p:cond evt="onNext" delay="0">
+                  <p:tgtEl>
+                    <p:sldTgt/>
+                  </p:tgtEl>
+                </p:cond>
+              </p:nextCondLst>
+            </p:seq>
+          </p:childTnLst>
+        </p:cTn>
+      </p:par>
+    </p:tnLst>
+    <p:bldLst>
+      <p:bldP spid="2" grpId="0"/>
+      <p:bldP spid="3" grpId="0" build="p"/>
+    </p:bldLst>
+  </p:timing>
+</p:sld>
+</file>
+
+<file path=ppt/slides/slide41.xml><?xml version="1.0" encoding="utf-8"?>
 <p:sld xmlns:a="http://schemas.openxmlformats.org/drawingml/2006/main" xmlns:r="http://schemas.openxmlformats.org/officeDocument/2006/relationships" xmlns:p="http://schemas.openxmlformats.org/presentationml/2006/main">
   <p:cSld>
     <p:bg>
@@ -32731,7 +33134,7 @@
 </p:sld>
 </file>
 
-<file path=ppt/slides/slide41.xml><?xml version="1.0" encoding="utf-8"?>
+<file path=ppt/slides/slide42.xml><?xml version="1.0" encoding="utf-8"?>
 <p:sld xmlns:a="http://schemas.openxmlformats.org/drawingml/2006/main" xmlns:r="http://schemas.openxmlformats.org/officeDocument/2006/relationships" xmlns:p="http://schemas.openxmlformats.org/presentationml/2006/main">
   <p:cSld>
     <p:bg>
@@ -33304,7 +33707,7 @@
 </p:sld>
 </file>
 
-<file path=ppt/slides/slide42.xml><?xml version="1.0" encoding="utf-8"?>
+<file path=ppt/slides/slide43.xml><?xml version="1.0" encoding="utf-8"?>
 <p:sld xmlns:a="http://schemas.openxmlformats.org/drawingml/2006/main" xmlns:r="http://schemas.openxmlformats.org/officeDocument/2006/relationships" xmlns:p="http://schemas.openxmlformats.org/presentationml/2006/main">
   <p:cSld>
     <p:bg>
@@ -33631,7 +34034,7 @@
 </p:sld>
 </file>
 
-<file path=ppt/slides/slide43.xml><?xml version="1.0" encoding="utf-8"?>
+<file path=ppt/slides/slide44.xml><?xml version="1.0" encoding="utf-8"?>
 <p:sld xmlns:a="http://schemas.openxmlformats.org/drawingml/2006/main" xmlns:r="http://schemas.openxmlformats.org/officeDocument/2006/relationships" xmlns:p="http://schemas.openxmlformats.org/presentationml/2006/main">
   <p:cSld>
     <p:bg>
@@ -34095,7 +34498,7 @@
 </p:sld>
 </file>
 
-<file path=ppt/slides/slide44.xml><?xml version="1.0" encoding="utf-8"?>
+<file path=ppt/slides/slide45.xml><?xml version="1.0" encoding="utf-8"?>
 <p:sld xmlns:a="http://schemas.openxmlformats.org/drawingml/2006/main" xmlns:r="http://schemas.openxmlformats.org/officeDocument/2006/relationships" xmlns:p="http://schemas.openxmlformats.org/presentationml/2006/main">
   <p:cSld>
     <p:bg>
@@ -34510,7 +34913,7 @@
 </p:sld>
 </file>
 
-<file path=ppt/slides/slide45.xml><?xml version="1.0" encoding="utf-8"?>
+<file path=ppt/slides/slide46.xml><?xml version="1.0" encoding="utf-8"?>
 <p:sld xmlns:a="http://schemas.openxmlformats.org/drawingml/2006/main" xmlns:r="http://schemas.openxmlformats.org/officeDocument/2006/relationships" xmlns:p="http://schemas.openxmlformats.org/presentationml/2006/main">
   <p:cSld>
     <p:bg>
@@ -34881,7 +35284,7 @@
 </p:sld>
 </file>
 
-<file path=ppt/slides/slide46.xml><?xml version="1.0" encoding="utf-8"?>
+<file path=ppt/slides/slide47.xml><?xml version="1.0" encoding="utf-8"?>
 <p:sld xmlns:a="http://schemas.openxmlformats.org/drawingml/2006/main" xmlns:r="http://schemas.openxmlformats.org/officeDocument/2006/relationships" xmlns:p="http://schemas.openxmlformats.org/presentationml/2006/main">
   <p:cSld>
     <p:bg>
@@ -35345,7 +35748,7 @@
 </p:sld>
 </file>
 
-<file path=ppt/slides/slide47.xml><?xml version="1.0" encoding="utf-8"?>
+<file path=ppt/slides/slide48.xml><?xml version="1.0" encoding="utf-8"?>
 <p:sld xmlns:a="http://schemas.openxmlformats.org/drawingml/2006/main" xmlns:r="http://schemas.openxmlformats.org/officeDocument/2006/relationships" xmlns:p="http://schemas.openxmlformats.org/presentationml/2006/main">
   <p:cSld>
     <p:bg>
@@ -35803,7 +36206,7 @@
 </p:sld>
 </file>
 
-<file path=ppt/slides/slide48.xml><?xml version="1.0" encoding="utf-8"?>
+<file path=ppt/slides/slide49.xml><?xml version="1.0" encoding="utf-8"?>
 <p:sld xmlns:a="http://schemas.openxmlformats.org/drawingml/2006/main" xmlns:r="http://schemas.openxmlformats.org/officeDocument/2006/relationships" xmlns:p="http://schemas.openxmlformats.org/presentationml/2006/main">
   <p:cSld>
     <p:bg>
@@ -36301,7 +36704,379 @@
 </p:sld>
 </file>
 
-<file path=ppt/slides/slide49.xml><?xml version="1.0" encoding="utf-8"?>
+<file path=ppt/slides/slide5.xml><?xml version="1.0" encoding="utf-8"?>
+<p:sld xmlns:a="http://schemas.openxmlformats.org/drawingml/2006/main" xmlns:r="http://schemas.openxmlformats.org/officeDocument/2006/relationships" xmlns:p="http://schemas.openxmlformats.org/presentationml/2006/main">
+  <p:cSld>
+    <p:bg>
+      <p:bgPr>
+        <a:solidFill>
+          <a:schemeClr val="bg1"/>
+        </a:solidFill>
+        <a:effectLst/>
+      </p:bgPr>
+    </p:bg>
+    <p:spTree>
+      <p:nvGrpSpPr>
+        <p:cNvPr id="1" name=""/>
+        <p:cNvGrpSpPr/>
+        <p:nvPr/>
+      </p:nvGrpSpPr>
+      <p:grpSpPr>
+        <a:xfrm>
+          <a:off x="0" y="0"/>
+          <a:ext cx="0" cy="0"/>
+          <a:chOff x="0" y="0"/>
+          <a:chExt cx="0" cy="0"/>
+        </a:xfrm>
+      </p:grpSpPr>
+      <p:sp useBgFill="1">
+        <p:nvSpPr>
+          <p:cNvPr id="76" name="Rectangle 75">
+            <a:extLst>
+              <a:ext uri="{FF2B5EF4-FFF2-40B4-BE49-F238E27FC236}">
+                <a16:creationId xmlns:a16="http://schemas.microsoft.com/office/drawing/2014/main" id="{284B70D5-875B-433D-BDBD-1522A85D6C1D}"/>
+              </a:ext>
+              <a:ext uri="{C183D7F6-B498-43B3-948B-1728B52AA6E4}">
+                <adec:decorative xmlns:adec="http://schemas.microsoft.com/office/drawing/2017/decorative" val="1"/>
+              </a:ext>
+            </a:extLst>
+          </p:cNvPr>
+          <p:cNvSpPr>
+            <a:spLocks noGrp="1" noRot="1" noChangeAspect="1" noMove="1" noResize="1" noEditPoints="1" noAdjustHandles="1" noChangeArrowheads="1" noChangeShapeType="1" noTextEdit="1"/>
+          </p:cNvSpPr>
+          <p:nvPr>
+            <p:extLst>
+              <p:ext uri="{386F3935-93C4-4BCD-93E2-E3B085C9AB24}">
+                <p16:designElem xmlns:p16="http://schemas.microsoft.com/office/powerpoint/2015/main" val="1"/>
+              </p:ext>
+            </p:extLst>
+          </p:nvPr>
+        </p:nvSpPr>
+        <p:spPr>
+          <a:xfrm>
+            <a:off x="0" y="0"/>
+            <a:ext cx="12192001" cy="6334316"/>
+          </a:xfrm>
+          <a:prstGeom prst="rect">
+            <a:avLst/>
+          </a:prstGeom>
+          <a:ln>
+            <a:noFill/>
+          </a:ln>
+        </p:spPr>
+        <p:style>
+          <a:lnRef idx="2">
+            <a:schemeClr val="accent1">
+              <a:shade val="50000"/>
+            </a:schemeClr>
+          </a:lnRef>
+          <a:fillRef idx="1">
+            <a:schemeClr val="accent1"/>
+          </a:fillRef>
+          <a:effectRef idx="0">
+            <a:schemeClr val="accent1"/>
+          </a:effectRef>
+          <a:fontRef idx="minor">
+            <a:schemeClr val="lt1"/>
+          </a:fontRef>
+        </p:style>
+        <p:txBody>
+          <a:bodyPr rtlCol="0" anchor="ctr"/>
+          <a:lstStyle/>
+          <a:p>
+            <a:pPr algn="ctr"/>
+            <a:endParaRPr lang="en-US" dirty="0"/>
+          </a:p>
+        </p:txBody>
+      </p:sp>
+      <p:sp>
+        <p:nvSpPr>
+          <p:cNvPr id="2" name="Title 1">
+            <a:extLst>
+              <a:ext uri="{FF2B5EF4-FFF2-40B4-BE49-F238E27FC236}">
+                <a16:creationId xmlns:a16="http://schemas.microsoft.com/office/drawing/2014/main" id="{A2E81D72-EC99-4091-AA2C-660CCFAC39B6}"/>
+              </a:ext>
+            </a:extLst>
+          </p:cNvPr>
+          <p:cNvSpPr>
+            <a:spLocks noGrp="1"/>
+          </p:cNvSpPr>
+          <p:nvPr>
+            <p:ph type="title"/>
+          </p:nvPr>
+        </p:nvSpPr>
+        <p:spPr>
+          <a:xfrm>
+            <a:off x="7859485" y="634946"/>
+            <a:ext cx="3690257" cy="1450757"/>
+          </a:xfrm>
+        </p:spPr>
+        <p:txBody>
+          <a:bodyPr>
+            <a:normAutofit/>
+          </a:bodyPr>
+          <a:lstStyle/>
+          <a:p>
+            <a:r>
+              <a:rPr lang="en-IN" b="1" dirty="0"/>
+              <a:t>Observation</a:t>
+            </a:r>
+          </a:p>
+        </p:txBody>
+      </p:sp>
+      <p:pic>
+        <p:nvPicPr>
+          <p:cNvPr id="5" name="Content Placeholder 4">
+            <a:extLst>
+              <a:ext uri="{FF2B5EF4-FFF2-40B4-BE49-F238E27FC236}">
+                <a16:creationId xmlns:a16="http://schemas.microsoft.com/office/drawing/2014/main" id="{99059347-F5D1-41F7-B30A-23EE2BA4D650}"/>
+              </a:ext>
+            </a:extLst>
+          </p:cNvPr>
+          <p:cNvPicPr>
+            <a:picLocks noChangeAspect="1"/>
+          </p:cNvPicPr>
+          <p:nvPr/>
+        </p:nvPicPr>
+        <p:blipFill>
+          <a:blip r:embed="rId2">
+            <a:extLst>
+              <a:ext uri="{28A0092B-C50C-407E-A947-70E740481C1C}">
+                <a14:useLocalDpi xmlns:a14="http://schemas.microsoft.com/office/drawing/2010/main" val="0"/>
+              </a:ext>
+            </a:extLst>
+          </a:blip>
+          <a:stretch/>
+        </p:blipFill>
+        <p:spPr>
+          <a:xfrm>
+            <a:off x="633999" y="706109"/>
+            <a:ext cx="6909801" cy="5182350"/>
+          </a:xfrm>
+          <a:prstGeom prst="rect">
+            <a:avLst/>
+          </a:prstGeom>
+        </p:spPr>
+      </p:pic>
+      <p:cxnSp>
+        <p:nvCxnSpPr>
+          <p:cNvPr id="78" name="Straight Connector 77">
+            <a:extLst>
+              <a:ext uri="{FF2B5EF4-FFF2-40B4-BE49-F238E27FC236}">
+                <a16:creationId xmlns:a16="http://schemas.microsoft.com/office/drawing/2014/main" id="{C947DF4A-614C-4B4C-8B80-E5B9D8E8CFED}"/>
+              </a:ext>
+              <a:ext uri="{C183D7F6-B498-43B3-948B-1728B52AA6E4}">
+                <adec:decorative xmlns:adec="http://schemas.microsoft.com/office/drawing/2017/decorative" val="1"/>
+              </a:ext>
+            </a:extLst>
+          </p:cNvPr>
+          <p:cNvCxnSpPr>
+            <a:cxnSpLocks noGrp="1" noRot="1" noChangeAspect="1" noMove="1" noResize="1" noEditPoints="1" noAdjustHandles="1" noChangeArrowheads="1" noChangeShapeType="1"/>
+          </p:cNvCxnSpPr>
+          <p:nvPr>
+            <p:extLst>
+              <p:ext uri="{386F3935-93C4-4BCD-93E2-E3B085C9AB24}">
+                <p16:designElem xmlns:p16="http://schemas.microsoft.com/office/powerpoint/2015/main" val="1"/>
+              </p:ext>
+            </p:extLst>
+          </p:nvPr>
+        </p:nvCxnSpPr>
+        <p:spPr>
+          <a:xfrm>
+            <a:off x="7892143" y="2085703"/>
+            <a:ext cx="3566160" cy="0"/>
+          </a:xfrm>
+          <a:prstGeom prst="line">
+            <a:avLst/>
+          </a:prstGeom>
+          <a:ln w="6350">
+            <a:solidFill>
+              <a:schemeClr val="tx1">
+                <a:lumMod val="50000"/>
+                <a:lumOff val="50000"/>
+                <a:alpha val="90000"/>
+              </a:schemeClr>
+            </a:solidFill>
+          </a:ln>
+        </p:spPr>
+        <p:style>
+          <a:lnRef idx="1">
+            <a:schemeClr val="accent1"/>
+          </a:lnRef>
+          <a:fillRef idx="0">
+            <a:schemeClr val="accent1"/>
+          </a:fillRef>
+          <a:effectRef idx="0">
+            <a:schemeClr val="accent1"/>
+          </a:effectRef>
+          <a:fontRef idx="minor">
+            <a:schemeClr val="tx1"/>
+          </a:fontRef>
+        </p:style>
+      </p:cxnSp>
+      <p:sp>
+        <p:nvSpPr>
+          <p:cNvPr id="10" name="Content Placeholder 8">
+            <a:extLst>
+              <a:ext uri="{FF2B5EF4-FFF2-40B4-BE49-F238E27FC236}">
+                <a16:creationId xmlns:a16="http://schemas.microsoft.com/office/drawing/2014/main" id="{B0DBBD15-5CB7-4758-94C6-9FCA6E3AA552}"/>
+              </a:ext>
+            </a:extLst>
+          </p:cNvPr>
+          <p:cNvSpPr>
+            <a:spLocks noGrp="1"/>
+          </p:cNvSpPr>
+          <p:nvPr>
+            <p:ph idx="1"/>
+          </p:nvPr>
+        </p:nvSpPr>
+        <p:spPr>
+          <a:xfrm>
+            <a:off x="7859485" y="2198914"/>
+            <a:ext cx="3690257" cy="3670180"/>
+          </a:xfrm>
+        </p:spPr>
+        <p:txBody>
+          <a:bodyPr>
+            <a:normAutofit/>
+          </a:bodyPr>
+          <a:lstStyle/>
+          <a:p>
+            <a:pPr lvl="1">
+              <a:buFont typeface="Arial" panose="020B0604020202020204" pitchFamily="34" charset="0"/>
+              <a:buChar char="•"/>
+            </a:pPr>
+            <a:r>
+              <a:rPr lang="en-US" dirty="0"/>
+              <a:t>We see from the histogram of the dataset that every numbers has almost equal number of occurrence, which shows that the numbers are uniformly distributed.</a:t>
+            </a:r>
+          </a:p>
+        </p:txBody>
+      </p:sp>
+      <p:sp>
+        <p:nvSpPr>
+          <p:cNvPr id="80" name="Rectangle 79">
+            <a:extLst>
+              <a:ext uri="{FF2B5EF4-FFF2-40B4-BE49-F238E27FC236}">
+                <a16:creationId xmlns:a16="http://schemas.microsoft.com/office/drawing/2014/main" id="{1E299956-A9E7-4FC1-A0B1-D590CA9730E8}"/>
+              </a:ext>
+              <a:ext uri="{C183D7F6-B498-43B3-948B-1728B52AA6E4}">
+                <adec:decorative xmlns:adec="http://schemas.microsoft.com/office/drawing/2017/decorative" val="1"/>
+              </a:ext>
+            </a:extLst>
+          </p:cNvPr>
+          <p:cNvSpPr>
+            <a:spLocks noGrp="1" noRot="1" noChangeAspect="1" noMove="1" noResize="1" noEditPoints="1" noAdjustHandles="1" noChangeArrowheads="1" noChangeShapeType="1" noTextEdit="1"/>
+          </p:cNvSpPr>
+          <p:nvPr>
+            <p:extLst>
+              <p:ext uri="{386F3935-93C4-4BCD-93E2-E3B085C9AB24}">
+                <p16:designElem xmlns:p16="http://schemas.microsoft.com/office/powerpoint/2015/main" val="1"/>
+              </p:ext>
+            </p:extLst>
+          </p:nvPr>
+        </p:nvSpPr>
+        <p:spPr>
+          <a:xfrm>
+            <a:off x="15" y="6334316"/>
+            <a:ext cx="12191985" cy="66484"/>
+          </a:xfrm>
+          <a:prstGeom prst="rect">
+            <a:avLst/>
+          </a:prstGeom>
+          <a:solidFill>
+            <a:schemeClr val="accent1"/>
+          </a:solidFill>
+          <a:ln>
+            <a:noFill/>
+          </a:ln>
+        </p:spPr>
+        <p:style>
+          <a:lnRef idx="2">
+            <a:schemeClr val="accent1">
+              <a:shade val="50000"/>
+            </a:schemeClr>
+          </a:lnRef>
+          <a:fillRef idx="1">
+            <a:schemeClr val="accent1"/>
+          </a:fillRef>
+          <a:effectRef idx="0">
+            <a:schemeClr val="accent1"/>
+          </a:effectRef>
+          <a:fontRef idx="minor">
+            <a:schemeClr val="lt1"/>
+          </a:fontRef>
+        </p:style>
+      </p:sp>
+      <p:sp>
+        <p:nvSpPr>
+          <p:cNvPr id="82" name="Rectangle 81">
+            <a:extLst>
+              <a:ext uri="{FF2B5EF4-FFF2-40B4-BE49-F238E27FC236}">
+                <a16:creationId xmlns:a16="http://schemas.microsoft.com/office/drawing/2014/main" id="{17FC539C-B783-4B03-9F9E-D13430F3F64F}"/>
+              </a:ext>
+              <a:ext uri="{C183D7F6-B498-43B3-948B-1728B52AA6E4}">
+                <adec:decorative xmlns:adec="http://schemas.microsoft.com/office/drawing/2017/decorative" val="1"/>
+              </a:ext>
+            </a:extLst>
+          </p:cNvPr>
+          <p:cNvSpPr>
+            <a:spLocks noGrp="1" noRot="1" noChangeAspect="1" noMove="1" noResize="1" noEditPoints="1" noAdjustHandles="1" noChangeArrowheads="1" noChangeShapeType="1" noTextEdit="1"/>
+          </p:cNvSpPr>
+          <p:nvPr>
+            <p:extLst>
+              <p:ext uri="{386F3935-93C4-4BCD-93E2-E3B085C9AB24}">
+                <p16:designElem xmlns:p16="http://schemas.microsoft.com/office/powerpoint/2015/main" val="1"/>
+              </p:ext>
+            </p:extLst>
+          </p:nvPr>
+        </p:nvSpPr>
+        <p:spPr>
+          <a:xfrm>
+            <a:off x="1" y="6400800"/>
+            <a:ext cx="12192000" cy="457200"/>
+          </a:xfrm>
+          <a:prstGeom prst="rect">
+            <a:avLst/>
+          </a:prstGeom>
+          <a:solidFill>
+            <a:schemeClr val="accent2"/>
+          </a:solidFill>
+          <a:ln>
+            <a:noFill/>
+          </a:ln>
+        </p:spPr>
+        <p:style>
+          <a:lnRef idx="2">
+            <a:schemeClr val="accent1">
+              <a:shade val="50000"/>
+            </a:schemeClr>
+          </a:lnRef>
+          <a:fillRef idx="1">
+            <a:schemeClr val="accent1"/>
+          </a:fillRef>
+          <a:effectRef idx="0">
+            <a:schemeClr val="accent1"/>
+          </a:effectRef>
+          <a:fontRef idx="minor">
+            <a:schemeClr val="lt1"/>
+          </a:fontRef>
+        </p:style>
+      </p:sp>
+    </p:spTree>
+    <p:extLst>
+      <p:ext uri="{BB962C8B-B14F-4D97-AF65-F5344CB8AC3E}">
+        <p14:creationId xmlns:p14="http://schemas.microsoft.com/office/powerpoint/2010/main" val="3151025541"/>
+      </p:ext>
+    </p:extLst>
+  </p:cSld>
+  <p:clrMapOvr>
+    <a:masterClrMapping/>
+  </p:clrMapOvr>
+</p:sld>
+</file>
+
+<file path=ppt/slides/slide50.xml><?xml version="1.0" encoding="utf-8"?>
 <p:sld xmlns:a="http://schemas.openxmlformats.org/drawingml/2006/main" xmlns:r="http://schemas.openxmlformats.org/officeDocument/2006/relationships" xmlns:p="http://schemas.openxmlformats.org/presentationml/2006/main">
   <p:cSld>
     <p:bg>
@@ -36858,378 +37633,6 @@
       <p:bldP spid="2" grpId="0"/>
     </p:bldLst>
   </p:timing>
-</p:sld>
-</file>
-
-<file path=ppt/slides/slide5.xml><?xml version="1.0" encoding="utf-8"?>
-<p:sld xmlns:a="http://schemas.openxmlformats.org/drawingml/2006/main" xmlns:r="http://schemas.openxmlformats.org/officeDocument/2006/relationships" xmlns:p="http://schemas.openxmlformats.org/presentationml/2006/main">
-  <p:cSld>
-    <p:bg>
-      <p:bgPr>
-        <a:solidFill>
-          <a:schemeClr val="bg1"/>
-        </a:solidFill>
-        <a:effectLst/>
-      </p:bgPr>
-    </p:bg>
-    <p:spTree>
-      <p:nvGrpSpPr>
-        <p:cNvPr id="1" name=""/>
-        <p:cNvGrpSpPr/>
-        <p:nvPr/>
-      </p:nvGrpSpPr>
-      <p:grpSpPr>
-        <a:xfrm>
-          <a:off x="0" y="0"/>
-          <a:ext cx="0" cy="0"/>
-          <a:chOff x="0" y="0"/>
-          <a:chExt cx="0" cy="0"/>
-        </a:xfrm>
-      </p:grpSpPr>
-      <p:sp useBgFill="1">
-        <p:nvSpPr>
-          <p:cNvPr id="76" name="Rectangle 75">
-            <a:extLst>
-              <a:ext uri="{FF2B5EF4-FFF2-40B4-BE49-F238E27FC236}">
-                <a16:creationId xmlns:a16="http://schemas.microsoft.com/office/drawing/2014/main" id="{284B70D5-875B-433D-BDBD-1522A85D6C1D}"/>
-              </a:ext>
-              <a:ext uri="{C183D7F6-B498-43B3-948B-1728B52AA6E4}">
-                <adec:decorative xmlns:adec="http://schemas.microsoft.com/office/drawing/2017/decorative" val="1"/>
-              </a:ext>
-            </a:extLst>
-          </p:cNvPr>
-          <p:cNvSpPr>
-            <a:spLocks noGrp="1" noRot="1" noChangeAspect="1" noMove="1" noResize="1" noEditPoints="1" noAdjustHandles="1" noChangeArrowheads="1" noChangeShapeType="1" noTextEdit="1"/>
-          </p:cNvSpPr>
-          <p:nvPr>
-            <p:extLst>
-              <p:ext uri="{386F3935-93C4-4BCD-93E2-E3B085C9AB24}">
-                <p16:designElem xmlns:p16="http://schemas.microsoft.com/office/powerpoint/2015/main" val="1"/>
-              </p:ext>
-            </p:extLst>
-          </p:nvPr>
-        </p:nvSpPr>
-        <p:spPr>
-          <a:xfrm>
-            <a:off x="0" y="0"/>
-            <a:ext cx="12192001" cy="6334316"/>
-          </a:xfrm>
-          <a:prstGeom prst="rect">
-            <a:avLst/>
-          </a:prstGeom>
-          <a:ln>
-            <a:noFill/>
-          </a:ln>
-        </p:spPr>
-        <p:style>
-          <a:lnRef idx="2">
-            <a:schemeClr val="accent1">
-              <a:shade val="50000"/>
-            </a:schemeClr>
-          </a:lnRef>
-          <a:fillRef idx="1">
-            <a:schemeClr val="accent1"/>
-          </a:fillRef>
-          <a:effectRef idx="0">
-            <a:schemeClr val="accent1"/>
-          </a:effectRef>
-          <a:fontRef idx="minor">
-            <a:schemeClr val="lt1"/>
-          </a:fontRef>
-        </p:style>
-        <p:txBody>
-          <a:bodyPr rtlCol="0" anchor="ctr"/>
-          <a:lstStyle/>
-          <a:p>
-            <a:pPr algn="ctr"/>
-            <a:endParaRPr lang="en-US" dirty="0"/>
-          </a:p>
-        </p:txBody>
-      </p:sp>
-      <p:sp>
-        <p:nvSpPr>
-          <p:cNvPr id="2" name="Title 1">
-            <a:extLst>
-              <a:ext uri="{FF2B5EF4-FFF2-40B4-BE49-F238E27FC236}">
-                <a16:creationId xmlns:a16="http://schemas.microsoft.com/office/drawing/2014/main" id="{A2E81D72-EC99-4091-AA2C-660CCFAC39B6}"/>
-              </a:ext>
-            </a:extLst>
-          </p:cNvPr>
-          <p:cNvSpPr>
-            <a:spLocks noGrp="1"/>
-          </p:cNvSpPr>
-          <p:nvPr>
-            <p:ph type="title"/>
-          </p:nvPr>
-        </p:nvSpPr>
-        <p:spPr>
-          <a:xfrm>
-            <a:off x="7859485" y="634946"/>
-            <a:ext cx="3690257" cy="1450757"/>
-          </a:xfrm>
-        </p:spPr>
-        <p:txBody>
-          <a:bodyPr>
-            <a:normAutofit/>
-          </a:bodyPr>
-          <a:lstStyle/>
-          <a:p>
-            <a:r>
-              <a:rPr lang="en-IN" b="1" dirty="0"/>
-              <a:t>Observation</a:t>
-            </a:r>
-          </a:p>
-        </p:txBody>
-      </p:sp>
-      <p:pic>
-        <p:nvPicPr>
-          <p:cNvPr id="5" name="Content Placeholder 4">
-            <a:extLst>
-              <a:ext uri="{FF2B5EF4-FFF2-40B4-BE49-F238E27FC236}">
-                <a16:creationId xmlns:a16="http://schemas.microsoft.com/office/drawing/2014/main" id="{99059347-F5D1-41F7-B30A-23EE2BA4D650}"/>
-              </a:ext>
-            </a:extLst>
-          </p:cNvPr>
-          <p:cNvPicPr>
-            <a:picLocks noChangeAspect="1"/>
-          </p:cNvPicPr>
-          <p:nvPr/>
-        </p:nvPicPr>
-        <p:blipFill>
-          <a:blip r:embed="rId2">
-            <a:extLst>
-              <a:ext uri="{28A0092B-C50C-407E-A947-70E740481C1C}">
-                <a14:useLocalDpi xmlns:a14="http://schemas.microsoft.com/office/drawing/2010/main" val="0"/>
-              </a:ext>
-            </a:extLst>
-          </a:blip>
-          <a:stretch/>
-        </p:blipFill>
-        <p:spPr>
-          <a:xfrm>
-            <a:off x="633999" y="706109"/>
-            <a:ext cx="6909801" cy="5182350"/>
-          </a:xfrm>
-          <a:prstGeom prst="rect">
-            <a:avLst/>
-          </a:prstGeom>
-        </p:spPr>
-      </p:pic>
-      <p:cxnSp>
-        <p:nvCxnSpPr>
-          <p:cNvPr id="78" name="Straight Connector 77">
-            <a:extLst>
-              <a:ext uri="{FF2B5EF4-FFF2-40B4-BE49-F238E27FC236}">
-                <a16:creationId xmlns:a16="http://schemas.microsoft.com/office/drawing/2014/main" id="{C947DF4A-614C-4B4C-8B80-E5B9D8E8CFED}"/>
-              </a:ext>
-              <a:ext uri="{C183D7F6-B498-43B3-948B-1728B52AA6E4}">
-                <adec:decorative xmlns:adec="http://schemas.microsoft.com/office/drawing/2017/decorative" val="1"/>
-              </a:ext>
-            </a:extLst>
-          </p:cNvPr>
-          <p:cNvCxnSpPr>
-            <a:cxnSpLocks noGrp="1" noRot="1" noChangeAspect="1" noMove="1" noResize="1" noEditPoints="1" noAdjustHandles="1" noChangeArrowheads="1" noChangeShapeType="1"/>
-          </p:cNvCxnSpPr>
-          <p:nvPr>
-            <p:extLst>
-              <p:ext uri="{386F3935-93C4-4BCD-93E2-E3B085C9AB24}">
-                <p16:designElem xmlns:p16="http://schemas.microsoft.com/office/powerpoint/2015/main" val="1"/>
-              </p:ext>
-            </p:extLst>
-          </p:nvPr>
-        </p:nvCxnSpPr>
-        <p:spPr>
-          <a:xfrm>
-            <a:off x="7892143" y="2085703"/>
-            <a:ext cx="3566160" cy="0"/>
-          </a:xfrm>
-          <a:prstGeom prst="line">
-            <a:avLst/>
-          </a:prstGeom>
-          <a:ln w="6350">
-            <a:solidFill>
-              <a:schemeClr val="tx1">
-                <a:lumMod val="50000"/>
-                <a:lumOff val="50000"/>
-                <a:alpha val="90000"/>
-              </a:schemeClr>
-            </a:solidFill>
-          </a:ln>
-        </p:spPr>
-        <p:style>
-          <a:lnRef idx="1">
-            <a:schemeClr val="accent1"/>
-          </a:lnRef>
-          <a:fillRef idx="0">
-            <a:schemeClr val="accent1"/>
-          </a:fillRef>
-          <a:effectRef idx="0">
-            <a:schemeClr val="accent1"/>
-          </a:effectRef>
-          <a:fontRef idx="minor">
-            <a:schemeClr val="tx1"/>
-          </a:fontRef>
-        </p:style>
-      </p:cxnSp>
-      <p:sp>
-        <p:nvSpPr>
-          <p:cNvPr id="10" name="Content Placeholder 8">
-            <a:extLst>
-              <a:ext uri="{FF2B5EF4-FFF2-40B4-BE49-F238E27FC236}">
-                <a16:creationId xmlns:a16="http://schemas.microsoft.com/office/drawing/2014/main" id="{B0DBBD15-5CB7-4758-94C6-9FCA6E3AA552}"/>
-              </a:ext>
-            </a:extLst>
-          </p:cNvPr>
-          <p:cNvSpPr>
-            <a:spLocks noGrp="1"/>
-          </p:cNvSpPr>
-          <p:nvPr>
-            <p:ph idx="1"/>
-          </p:nvPr>
-        </p:nvSpPr>
-        <p:spPr>
-          <a:xfrm>
-            <a:off x="7859485" y="2198914"/>
-            <a:ext cx="3690257" cy="3670180"/>
-          </a:xfrm>
-        </p:spPr>
-        <p:txBody>
-          <a:bodyPr>
-            <a:normAutofit/>
-          </a:bodyPr>
-          <a:lstStyle/>
-          <a:p>
-            <a:pPr lvl="1">
-              <a:buFont typeface="Arial" panose="020B0604020202020204" pitchFamily="34" charset="0"/>
-              <a:buChar char="•"/>
-            </a:pPr>
-            <a:r>
-              <a:rPr lang="en-US" dirty="0"/>
-              <a:t>We see from the histogram of the dataset that every numbers has almost equal number of occurrence, which shows that the numbers are uniformly distributed.</a:t>
-            </a:r>
-          </a:p>
-        </p:txBody>
-      </p:sp>
-      <p:sp>
-        <p:nvSpPr>
-          <p:cNvPr id="80" name="Rectangle 79">
-            <a:extLst>
-              <a:ext uri="{FF2B5EF4-FFF2-40B4-BE49-F238E27FC236}">
-                <a16:creationId xmlns:a16="http://schemas.microsoft.com/office/drawing/2014/main" id="{1E299956-A9E7-4FC1-A0B1-D590CA9730E8}"/>
-              </a:ext>
-              <a:ext uri="{C183D7F6-B498-43B3-948B-1728B52AA6E4}">
-                <adec:decorative xmlns:adec="http://schemas.microsoft.com/office/drawing/2017/decorative" val="1"/>
-              </a:ext>
-            </a:extLst>
-          </p:cNvPr>
-          <p:cNvSpPr>
-            <a:spLocks noGrp="1" noRot="1" noChangeAspect="1" noMove="1" noResize="1" noEditPoints="1" noAdjustHandles="1" noChangeArrowheads="1" noChangeShapeType="1" noTextEdit="1"/>
-          </p:cNvSpPr>
-          <p:nvPr>
-            <p:extLst>
-              <p:ext uri="{386F3935-93C4-4BCD-93E2-E3B085C9AB24}">
-                <p16:designElem xmlns:p16="http://schemas.microsoft.com/office/powerpoint/2015/main" val="1"/>
-              </p:ext>
-            </p:extLst>
-          </p:nvPr>
-        </p:nvSpPr>
-        <p:spPr>
-          <a:xfrm>
-            <a:off x="15" y="6334316"/>
-            <a:ext cx="12191985" cy="66484"/>
-          </a:xfrm>
-          <a:prstGeom prst="rect">
-            <a:avLst/>
-          </a:prstGeom>
-          <a:solidFill>
-            <a:schemeClr val="accent1"/>
-          </a:solidFill>
-          <a:ln>
-            <a:noFill/>
-          </a:ln>
-        </p:spPr>
-        <p:style>
-          <a:lnRef idx="2">
-            <a:schemeClr val="accent1">
-              <a:shade val="50000"/>
-            </a:schemeClr>
-          </a:lnRef>
-          <a:fillRef idx="1">
-            <a:schemeClr val="accent1"/>
-          </a:fillRef>
-          <a:effectRef idx="0">
-            <a:schemeClr val="accent1"/>
-          </a:effectRef>
-          <a:fontRef idx="minor">
-            <a:schemeClr val="lt1"/>
-          </a:fontRef>
-        </p:style>
-      </p:sp>
-      <p:sp>
-        <p:nvSpPr>
-          <p:cNvPr id="82" name="Rectangle 81">
-            <a:extLst>
-              <a:ext uri="{FF2B5EF4-FFF2-40B4-BE49-F238E27FC236}">
-                <a16:creationId xmlns:a16="http://schemas.microsoft.com/office/drawing/2014/main" id="{17FC539C-B783-4B03-9F9E-D13430F3F64F}"/>
-              </a:ext>
-              <a:ext uri="{C183D7F6-B498-43B3-948B-1728B52AA6E4}">
-                <adec:decorative xmlns:adec="http://schemas.microsoft.com/office/drawing/2017/decorative" val="1"/>
-              </a:ext>
-            </a:extLst>
-          </p:cNvPr>
-          <p:cNvSpPr>
-            <a:spLocks noGrp="1" noRot="1" noChangeAspect="1" noMove="1" noResize="1" noEditPoints="1" noAdjustHandles="1" noChangeArrowheads="1" noChangeShapeType="1" noTextEdit="1"/>
-          </p:cNvSpPr>
-          <p:nvPr>
-            <p:extLst>
-              <p:ext uri="{386F3935-93C4-4BCD-93E2-E3B085C9AB24}">
-                <p16:designElem xmlns:p16="http://schemas.microsoft.com/office/powerpoint/2015/main" val="1"/>
-              </p:ext>
-            </p:extLst>
-          </p:nvPr>
-        </p:nvSpPr>
-        <p:spPr>
-          <a:xfrm>
-            <a:off x="1" y="6400800"/>
-            <a:ext cx="12192000" cy="457200"/>
-          </a:xfrm>
-          <a:prstGeom prst="rect">
-            <a:avLst/>
-          </a:prstGeom>
-          <a:solidFill>
-            <a:schemeClr val="accent2"/>
-          </a:solidFill>
-          <a:ln>
-            <a:noFill/>
-          </a:ln>
-        </p:spPr>
-        <p:style>
-          <a:lnRef idx="2">
-            <a:schemeClr val="accent1">
-              <a:shade val="50000"/>
-            </a:schemeClr>
-          </a:lnRef>
-          <a:fillRef idx="1">
-            <a:schemeClr val="accent1"/>
-          </a:fillRef>
-          <a:effectRef idx="0">
-            <a:schemeClr val="accent1"/>
-          </a:effectRef>
-          <a:fontRef idx="minor">
-            <a:schemeClr val="lt1"/>
-          </a:fontRef>
-        </p:style>
-      </p:sp>
-    </p:spTree>
-    <p:extLst>
-      <p:ext uri="{BB962C8B-B14F-4D97-AF65-F5344CB8AC3E}">
-        <p14:creationId xmlns:p14="http://schemas.microsoft.com/office/powerpoint/2010/main" val="3151025541"/>
-      </p:ext>
-    </p:extLst>
-  </p:cSld>
-  <p:clrMapOvr>
-    <a:masterClrMapping/>
-  </p:clrMapOvr>
 </p:sld>
 </file>
 

--- a/Assignment 1/Assignment Presentation.pptx
+++ b/Assignment 1/Assignment Presentation.pptx
@@ -33,28 +33,33 @@
     <p:sldId id="272" r:id="rId27"/>
     <p:sldId id="258" r:id="rId28"/>
     <p:sldId id="311" r:id="rId29"/>
-    <p:sldId id="273" r:id="rId30"/>
-    <p:sldId id="275" r:id="rId31"/>
-    <p:sldId id="263" r:id="rId32"/>
-    <p:sldId id="264" r:id="rId33"/>
-    <p:sldId id="276" r:id="rId34"/>
-    <p:sldId id="267" r:id="rId35"/>
-    <p:sldId id="268" r:id="rId36"/>
-    <p:sldId id="269" r:id="rId37"/>
-    <p:sldId id="270" r:id="rId38"/>
-    <p:sldId id="277" r:id="rId39"/>
-    <p:sldId id="266" r:id="rId40"/>
-    <p:sldId id="278" r:id="rId41"/>
-    <p:sldId id="279" r:id="rId42"/>
-    <p:sldId id="280" r:id="rId43"/>
-    <p:sldId id="281" r:id="rId44"/>
-    <p:sldId id="282" r:id="rId45"/>
-    <p:sldId id="283" r:id="rId46"/>
-    <p:sldId id="284" r:id="rId47"/>
-    <p:sldId id="285" r:id="rId48"/>
-    <p:sldId id="286" r:id="rId49"/>
-    <p:sldId id="287" r:id="rId50"/>
-    <p:sldId id="288" r:id="rId51"/>
+    <p:sldId id="312" r:id="rId30"/>
+    <p:sldId id="313" r:id="rId31"/>
+    <p:sldId id="314" r:id="rId32"/>
+    <p:sldId id="315" r:id="rId33"/>
+    <p:sldId id="316" r:id="rId34"/>
+    <p:sldId id="273" r:id="rId35"/>
+    <p:sldId id="275" r:id="rId36"/>
+    <p:sldId id="263" r:id="rId37"/>
+    <p:sldId id="264" r:id="rId38"/>
+    <p:sldId id="276" r:id="rId39"/>
+    <p:sldId id="267" r:id="rId40"/>
+    <p:sldId id="268" r:id="rId41"/>
+    <p:sldId id="269" r:id="rId42"/>
+    <p:sldId id="270" r:id="rId43"/>
+    <p:sldId id="277" r:id="rId44"/>
+    <p:sldId id="266" r:id="rId45"/>
+    <p:sldId id="278" r:id="rId46"/>
+    <p:sldId id="279" r:id="rId47"/>
+    <p:sldId id="280" r:id="rId48"/>
+    <p:sldId id="281" r:id="rId49"/>
+    <p:sldId id="282" r:id="rId50"/>
+    <p:sldId id="283" r:id="rId51"/>
+    <p:sldId id="284" r:id="rId52"/>
+    <p:sldId id="285" r:id="rId53"/>
+    <p:sldId id="286" r:id="rId54"/>
+    <p:sldId id="287" r:id="rId55"/>
+    <p:sldId id="288" r:id="rId56"/>
   </p:sldIdLst>
   <p:sldSz cx="12192000" cy="6858000"/>
   <p:notesSz cx="6858000" cy="9144000"/>
@@ -165,7 +170,7 @@
 <p1510:revInfo xmlns:a="http://schemas.openxmlformats.org/drawingml/2006/main" xmlns:r="http://schemas.openxmlformats.org/officeDocument/2006/relationships" xmlns:p1510="http://schemas.microsoft.com/office/powerpoint/2015/10/main">
   <p1510:revLst>
     <p1510:client id="{B5950655-B52F-4C4A-8D4C-2CA8B2A214A1}" v="2005" dt="2021-04-06T19:15:56.565"/>
-    <p1510:client id="{BA04AB18-81BA-44F6-8A17-E30D392E2E82}" v="1620" dt="2021-04-07T09:43:06.935"/>
+    <p1510:client id="{BA04AB18-81BA-44F6-8A17-E30D392E2E82}" v="2143" dt="2021-04-07T16:10:53.608"/>
   </p1510:revLst>
 </p1510:revInfo>
 </file>
@@ -1805,11 +1810,162 @@
   </pc:docChgLst>
   <pc:docChgLst>
     <pc:chgData name="Abhiroop Mukherjee" userId="5fbc6062963ca2c0" providerId="LiveId" clId="{BA04AB18-81BA-44F6-8A17-E30D392E2E82}"/>
-    <pc:docChg chg="undo custSel addSld delSld modSld sldOrd">
-      <pc:chgData name="Abhiroop Mukherjee" userId="5fbc6062963ca2c0" providerId="LiveId" clId="{BA04AB18-81BA-44F6-8A17-E30D392E2E82}" dt="2021-04-07T15:44:48.287" v="1831" actId="20577"/>
+    <pc:docChg chg="undo redo custSel addSld delSld modSld sldOrd">
+      <pc:chgData name="Abhiroop Mukherjee" userId="5fbc6062963ca2c0" providerId="LiveId" clId="{BA04AB18-81BA-44F6-8A17-E30D392E2E82}" dt="2021-04-07T16:12:55.338" v="4103" actId="26606"/>
       <pc:docMkLst>
         <pc:docMk/>
       </pc:docMkLst>
+      <pc:sldChg chg="addSp delSp modSp mod">
+        <pc:chgData name="Abhiroop Mukherjee" userId="5fbc6062963ca2c0" providerId="LiveId" clId="{BA04AB18-81BA-44F6-8A17-E30D392E2E82}" dt="2021-04-07T15:48:20.738" v="1838" actId="26606"/>
+        <pc:sldMkLst>
+          <pc:docMk/>
+          <pc:sldMk cId="182507904" sldId="258"/>
+        </pc:sldMkLst>
+        <pc:spChg chg="mod">
+          <ac:chgData name="Abhiroop Mukherjee" userId="5fbc6062963ca2c0" providerId="LiveId" clId="{BA04AB18-81BA-44F6-8A17-E30D392E2E82}" dt="2021-04-07T15:48:20.728" v="1837" actId="26606"/>
+          <ac:spMkLst>
+            <pc:docMk/>
+            <pc:sldMk cId="182507904" sldId="258"/>
+            <ac:spMk id="2" creationId="{A2E81D72-EC99-4091-AA2C-660CCFAC39B6}"/>
+          </ac:spMkLst>
+        </pc:spChg>
+        <pc:spChg chg="mod">
+          <ac:chgData name="Abhiroop Mukherjee" userId="5fbc6062963ca2c0" providerId="LiveId" clId="{BA04AB18-81BA-44F6-8A17-E30D392E2E82}" dt="2021-04-07T15:48:20.728" v="1837" actId="26606"/>
+          <ac:spMkLst>
+            <pc:docMk/>
+            <pc:sldMk cId="182507904" sldId="258"/>
+            <ac:spMk id="10" creationId="{B0DBBD15-5CB7-4758-94C6-9FCA6E3AA552}"/>
+          </ac:spMkLst>
+        </pc:spChg>
+        <pc:spChg chg="add del">
+          <ac:chgData name="Abhiroop Mukherjee" userId="5fbc6062963ca2c0" providerId="LiveId" clId="{BA04AB18-81BA-44F6-8A17-E30D392E2E82}" dt="2021-04-07T15:48:20.738" v="1838" actId="26606"/>
+          <ac:spMkLst>
+            <pc:docMk/>
+            <pc:sldMk cId="182507904" sldId="258"/>
+            <ac:spMk id="54" creationId="{284B70D5-875B-433D-BDBD-1522A85D6C1D}"/>
+          </ac:spMkLst>
+        </pc:spChg>
+        <pc:spChg chg="add del">
+          <ac:chgData name="Abhiroop Mukherjee" userId="5fbc6062963ca2c0" providerId="LiveId" clId="{BA04AB18-81BA-44F6-8A17-E30D392E2E82}" dt="2021-04-07T15:48:20.738" v="1838" actId="26606"/>
+          <ac:spMkLst>
+            <pc:docMk/>
+            <pc:sldMk cId="182507904" sldId="258"/>
+            <ac:spMk id="58" creationId="{1E299956-A9E7-4FC1-A0B1-D590CA9730E8}"/>
+          </ac:spMkLst>
+        </pc:spChg>
+        <pc:spChg chg="add del">
+          <ac:chgData name="Abhiroop Mukherjee" userId="5fbc6062963ca2c0" providerId="LiveId" clId="{BA04AB18-81BA-44F6-8A17-E30D392E2E82}" dt="2021-04-07T15:48:20.738" v="1838" actId="26606"/>
+          <ac:spMkLst>
+            <pc:docMk/>
+            <pc:sldMk cId="182507904" sldId="258"/>
+            <ac:spMk id="60" creationId="{17FC539C-B783-4B03-9F9E-D13430F3F64F}"/>
+          </ac:spMkLst>
+        </pc:spChg>
+        <pc:spChg chg="add del">
+          <ac:chgData name="Abhiroop Mukherjee" userId="5fbc6062963ca2c0" providerId="LiveId" clId="{BA04AB18-81BA-44F6-8A17-E30D392E2E82}" dt="2021-04-07T15:48:18.958" v="1835" actId="26606"/>
+          <ac:spMkLst>
+            <pc:docMk/>
+            <pc:sldMk cId="182507904" sldId="258"/>
+            <ac:spMk id="65" creationId="{44CC594A-A820-450F-B363-C19201FCFEC6}"/>
+          </ac:spMkLst>
+        </pc:spChg>
+        <pc:spChg chg="add del">
+          <ac:chgData name="Abhiroop Mukherjee" userId="5fbc6062963ca2c0" providerId="LiveId" clId="{BA04AB18-81BA-44F6-8A17-E30D392E2E82}" dt="2021-04-07T15:48:18.958" v="1835" actId="26606"/>
+          <ac:spMkLst>
+            <pc:docMk/>
+            <pc:sldMk cId="182507904" sldId="258"/>
+            <ac:spMk id="67" creationId="{59FAB3DA-E9ED-4574-ABCC-378BC0FF1BBC}"/>
+          </ac:spMkLst>
+        </pc:spChg>
+        <pc:spChg chg="add del">
+          <ac:chgData name="Abhiroop Mukherjee" userId="5fbc6062963ca2c0" providerId="LiveId" clId="{BA04AB18-81BA-44F6-8A17-E30D392E2E82}" dt="2021-04-07T15:48:18.958" v="1835" actId="26606"/>
+          <ac:spMkLst>
+            <pc:docMk/>
+            <pc:sldMk cId="182507904" sldId="258"/>
+            <ac:spMk id="69" creationId="{53B8D6B0-55D6-48DC-86D8-FD95D5F118AB}"/>
+          </ac:spMkLst>
+        </pc:spChg>
+        <pc:spChg chg="add del">
+          <ac:chgData name="Abhiroop Mukherjee" userId="5fbc6062963ca2c0" providerId="LiveId" clId="{BA04AB18-81BA-44F6-8A17-E30D392E2E82}" dt="2021-04-07T15:48:20.728" v="1837" actId="26606"/>
+          <ac:spMkLst>
+            <pc:docMk/>
+            <pc:sldMk cId="182507904" sldId="258"/>
+            <ac:spMk id="71" creationId="{82A73093-4B9D-420D-B17E-52293703A1D4}"/>
+          </ac:spMkLst>
+        </pc:spChg>
+        <pc:spChg chg="add del">
+          <ac:chgData name="Abhiroop Mukherjee" userId="5fbc6062963ca2c0" providerId="LiveId" clId="{BA04AB18-81BA-44F6-8A17-E30D392E2E82}" dt="2021-04-07T15:48:20.728" v="1837" actId="26606"/>
+          <ac:spMkLst>
+            <pc:docMk/>
+            <pc:sldMk cId="182507904" sldId="258"/>
+            <ac:spMk id="72" creationId="{52ABB703-2B0E-4C3B-B4A2-F3973548E561}"/>
+          </ac:spMkLst>
+        </pc:spChg>
+        <pc:spChg chg="add del">
+          <ac:chgData name="Abhiroop Mukherjee" userId="5fbc6062963ca2c0" providerId="LiveId" clId="{BA04AB18-81BA-44F6-8A17-E30D392E2E82}" dt="2021-04-07T15:48:20.728" v="1837" actId="26606"/>
+          <ac:spMkLst>
+            <pc:docMk/>
+            <pc:sldMk cId="182507904" sldId="258"/>
+            <ac:spMk id="74" creationId="{E95DA498-D9A2-4DA9-B9DA-B3776E08CF7E}"/>
+          </ac:spMkLst>
+        </pc:spChg>
+        <pc:spChg chg="add">
+          <ac:chgData name="Abhiroop Mukherjee" userId="5fbc6062963ca2c0" providerId="LiveId" clId="{BA04AB18-81BA-44F6-8A17-E30D392E2E82}" dt="2021-04-07T15:48:20.738" v="1838" actId="26606"/>
+          <ac:spMkLst>
+            <pc:docMk/>
+            <pc:sldMk cId="182507904" sldId="258"/>
+            <ac:spMk id="76" creationId="{284B70D5-875B-433D-BDBD-1522A85D6C1D}"/>
+          </ac:spMkLst>
+        </pc:spChg>
+        <pc:spChg chg="add">
+          <ac:chgData name="Abhiroop Mukherjee" userId="5fbc6062963ca2c0" providerId="LiveId" clId="{BA04AB18-81BA-44F6-8A17-E30D392E2E82}" dt="2021-04-07T15:48:20.738" v="1838" actId="26606"/>
+          <ac:spMkLst>
+            <pc:docMk/>
+            <pc:sldMk cId="182507904" sldId="258"/>
+            <ac:spMk id="78" creationId="{1E299956-A9E7-4FC1-A0B1-D590CA9730E8}"/>
+          </ac:spMkLst>
+        </pc:spChg>
+        <pc:spChg chg="add">
+          <ac:chgData name="Abhiroop Mukherjee" userId="5fbc6062963ca2c0" providerId="LiveId" clId="{BA04AB18-81BA-44F6-8A17-E30D392E2E82}" dt="2021-04-07T15:48:20.738" v="1838" actId="26606"/>
+          <ac:spMkLst>
+            <pc:docMk/>
+            <pc:sldMk cId="182507904" sldId="258"/>
+            <ac:spMk id="79" creationId="{17FC539C-B783-4B03-9F9E-D13430F3F64F}"/>
+          </ac:spMkLst>
+        </pc:spChg>
+        <pc:picChg chg="mod ord">
+          <ac:chgData name="Abhiroop Mukherjee" userId="5fbc6062963ca2c0" providerId="LiveId" clId="{BA04AB18-81BA-44F6-8A17-E30D392E2E82}" dt="2021-04-07T15:48:20.738" v="1838" actId="26606"/>
+          <ac:picMkLst>
+            <pc:docMk/>
+            <pc:sldMk cId="182507904" sldId="258"/>
+            <ac:picMk id="5" creationId="{99059347-F5D1-41F7-B30A-23EE2BA4D650}"/>
+          </ac:picMkLst>
+        </pc:picChg>
+        <pc:cxnChg chg="add del">
+          <ac:chgData name="Abhiroop Mukherjee" userId="5fbc6062963ca2c0" providerId="LiveId" clId="{BA04AB18-81BA-44F6-8A17-E30D392E2E82}" dt="2021-04-07T15:48:20.738" v="1838" actId="26606"/>
+          <ac:cxnSpMkLst>
+            <pc:docMk/>
+            <pc:sldMk cId="182507904" sldId="258"/>
+            <ac:cxnSpMk id="56" creationId="{C947DF4A-614C-4B4C-8B80-E5B9D8E8CFED}"/>
+          </ac:cxnSpMkLst>
+        </pc:cxnChg>
+        <pc:cxnChg chg="add del">
+          <ac:chgData name="Abhiroop Mukherjee" userId="5fbc6062963ca2c0" providerId="LiveId" clId="{BA04AB18-81BA-44F6-8A17-E30D392E2E82}" dt="2021-04-07T15:48:20.728" v="1837" actId="26606"/>
+          <ac:cxnSpMkLst>
+            <pc:docMk/>
+            <pc:sldMk cId="182507904" sldId="258"/>
+            <ac:cxnSpMk id="73" creationId="{9C21570E-E159-49A6-9891-FA397B7A92D3}"/>
+          </ac:cxnSpMkLst>
+        </pc:cxnChg>
+        <pc:cxnChg chg="add">
+          <ac:chgData name="Abhiroop Mukherjee" userId="5fbc6062963ca2c0" providerId="LiveId" clId="{BA04AB18-81BA-44F6-8A17-E30D392E2E82}" dt="2021-04-07T15:48:20.738" v="1838" actId="26606"/>
+          <ac:cxnSpMkLst>
+            <pc:docMk/>
+            <pc:sldMk cId="182507904" sldId="258"/>
+            <ac:cxnSpMk id="77" creationId="{C947DF4A-614C-4B4C-8B80-E5B9D8E8CFED}"/>
+          </ac:cxnSpMkLst>
+        </pc:cxnChg>
+      </pc:sldChg>
       <pc:sldChg chg="addSp modSp new mod ord setBg addAnim">
         <pc:chgData name="Abhiroop Mukherjee" userId="5fbc6062963ca2c0" providerId="LiveId" clId="{BA04AB18-81BA-44F6-8A17-E30D392E2E82}" dt="2021-04-06T19:27:29.745" v="62" actId="20577"/>
         <pc:sldMkLst>
@@ -2131,8 +2287,8 @@
           <pc:sldMk cId="1772457837" sldId="310"/>
         </pc:sldMkLst>
       </pc:sldChg>
-      <pc:sldChg chg="modSp add mod">
-        <pc:chgData name="Abhiroop Mukherjee" userId="5fbc6062963ca2c0" providerId="LiveId" clId="{BA04AB18-81BA-44F6-8A17-E30D392E2E82}" dt="2021-04-07T15:44:48.287" v="1831" actId="20577"/>
+      <pc:sldChg chg="addSp delSp modSp add mod">
+        <pc:chgData name="Abhiroop Mukherjee" userId="5fbc6062963ca2c0" providerId="LiveId" clId="{BA04AB18-81BA-44F6-8A17-E30D392E2E82}" dt="2021-04-07T15:51:42.708" v="2028" actId="26606"/>
         <pc:sldMkLst>
           <pc:docMk/>
           <pc:sldMk cId="2610173227" sldId="311"/>
@@ -2146,13 +2302,872 @@
           </ac:spMkLst>
         </pc:spChg>
         <pc:spChg chg="mod">
-          <ac:chgData name="Abhiroop Mukherjee" userId="5fbc6062963ca2c0" providerId="LiveId" clId="{BA04AB18-81BA-44F6-8A17-E30D392E2E82}" dt="2021-04-07T15:44:48.287" v="1831" actId="20577"/>
+          <ac:chgData name="Abhiroop Mukherjee" userId="5fbc6062963ca2c0" providerId="LiveId" clId="{BA04AB18-81BA-44F6-8A17-E30D392E2E82}" dt="2021-04-07T15:51:29.467" v="2027" actId="20577"/>
           <ac:spMkLst>
             <pc:docMk/>
             <pc:sldMk cId="2610173227" sldId="311"/>
             <ac:spMk id="10" creationId="{B0DBBD15-5CB7-4758-94C6-9FCA6E3AA552}"/>
           </ac:spMkLst>
         </pc:spChg>
+        <pc:spChg chg="del">
+          <ac:chgData name="Abhiroop Mukherjee" userId="5fbc6062963ca2c0" providerId="LiveId" clId="{BA04AB18-81BA-44F6-8A17-E30D392E2E82}" dt="2021-04-07T15:51:42.708" v="2028" actId="26606"/>
+          <ac:spMkLst>
+            <pc:docMk/>
+            <pc:sldMk cId="2610173227" sldId="311"/>
+            <ac:spMk id="54" creationId="{284B70D5-875B-433D-BDBD-1522A85D6C1D}"/>
+          </ac:spMkLst>
+        </pc:spChg>
+        <pc:spChg chg="del">
+          <ac:chgData name="Abhiroop Mukherjee" userId="5fbc6062963ca2c0" providerId="LiveId" clId="{BA04AB18-81BA-44F6-8A17-E30D392E2E82}" dt="2021-04-07T15:51:42.708" v="2028" actId="26606"/>
+          <ac:spMkLst>
+            <pc:docMk/>
+            <pc:sldMk cId="2610173227" sldId="311"/>
+            <ac:spMk id="58" creationId="{1E299956-A9E7-4FC1-A0B1-D590CA9730E8}"/>
+          </ac:spMkLst>
+        </pc:spChg>
+        <pc:spChg chg="del">
+          <ac:chgData name="Abhiroop Mukherjee" userId="5fbc6062963ca2c0" providerId="LiveId" clId="{BA04AB18-81BA-44F6-8A17-E30D392E2E82}" dt="2021-04-07T15:51:42.708" v="2028" actId="26606"/>
+          <ac:spMkLst>
+            <pc:docMk/>
+            <pc:sldMk cId="2610173227" sldId="311"/>
+            <ac:spMk id="60" creationId="{17FC539C-B783-4B03-9F9E-D13430F3F64F}"/>
+          </ac:spMkLst>
+        </pc:spChg>
+        <pc:spChg chg="add">
+          <ac:chgData name="Abhiroop Mukherjee" userId="5fbc6062963ca2c0" providerId="LiveId" clId="{BA04AB18-81BA-44F6-8A17-E30D392E2E82}" dt="2021-04-07T15:51:42.708" v="2028" actId="26606"/>
+          <ac:spMkLst>
+            <pc:docMk/>
+            <pc:sldMk cId="2610173227" sldId="311"/>
+            <ac:spMk id="65" creationId="{284B70D5-875B-433D-BDBD-1522A85D6C1D}"/>
+          </ac:spMkLst>
+        </pc:spChg>
+        <pc:spChg chg="add">
+          <ac:chgData name="Abhiroop Mukherjee" userId="5fbc6062963ca2c0" providerId="LiveId" clId="{BA04AB18-81BA-44F6-8A17-E30D392E2E82}" dt="2021-04-07T15:51:42.708" v="2028" actId="26606"/>
+          <ac:spMkLst>
+            <pc:docMk/>
+            <pc:sldMk cId="2610173227" sldId="311"/>
+            <ac:spMk id="69" creationId="{1E299956-A9E7-4FC1-A0B1-D590CA9730E8}"/>
+          </ac:spMkLst>
+        </pc:spChg>
+        <pc:spChg chg="add">
+          <ac:chgData name="Abhiroop Mukherjee" userId="5fbc6062963ca2c0" providerId="LiveId" clId="{BA04AB18-81BA-44F6-8A17-E30D392E2E82}" dt="2021-04-07T15:51:42.708" v="2028" actId="26606"/>
+          <ac:spMkLst>
+            <pc:docMk/>
+            <pc:sldMk cId="2610173227" sldId="311"/>
+            <ac:spMk id="71" creationId="{17FC539C-B783-4B03-9F9E-D13430F3F64F}"/>
+          </ac:spMkLst>
+        </pc:spChg>
+        <pc:picChg chg="mod">
+          <ac:chgData name="Abhiroop Mukherjee" userId="5fbc6062963ca2c0" providerId="LiveId" clId="{BA04AB18-81BA-44F6-8A17-E30D392E2E82}" dt="2021-04-07T15:51:42.708" v="2028" actId="26606"/>
+          <ac:picMkLst>
+            <pc:docMk/>
+            <pc:sldMk cId="2610173227" sldId="311"/>
+            <ac:picMk id="5" creationId="{99059347-F5D1-41F7-B30A-23EE2BA4D650}"/>
+          </ac:picMkLst>
+        </pc:picChg>
+        <pc:cxnChg chg="del">
+          <ac:chgData name="Abhiroop Mukherjee" userId="5fbc6062963ca2c0" providerId="LiveId" clId="{BA04AB18-81BA-44F6-8A17-E30D392E2E82}" dt="2021-04-07T15:51:42.708" v="2028" actId="26606"/>
+          <ac:cxnSpMkLst>
+            <pc:docMk/>
+            <pc:sldMk cId="2610173227" sldId="311"/>
+            <ac:cxnSpMk id="56" creationId="{C947DF4A-614C-4B4C-8B80-E5B9D8E8CFED}"/>
+          </ac:cxnSpMkLst>
+        </pc:cxnChg>
+        <pc:cxnChg chg="add">
+          <ac:chgData name="Abhiroop Mukherjee" userId="5fbc6062963ca2c0" providerId="LiveId" clId="{BA04AB18-81BA-44F6-8A17-E30D392E2E82}" dt="2021-04-07T15:51:42.708" v="2028" actId="26606"/>
+          <ac:cxnSpMkLst>
+            <pc:docMk/>
+            <pc:sldMk cId="2610173227" sldId="311"/>
+            <ac:cxnSpMk id="67" creationId="{C947DF4A-614C-4B4C-8B80-E5B9D8E8CFED}"/>
+          </ac:cxnSpMkLst>
+        </pc:cxnChg>
+      </pc:sldChg>
+      <pc:sldChg chg="addSp delSp modSp new mod setBg setClrOvrMap">
+        <pc:chgData name="Abhiroop Mukherjee" userId="5fbc6062963ca2c0" providerId="LiveId" clId="{BA04AB18-81BA-44F6-8A17-E30D392E2E82}" dt="2021-04-07T15:58:52.558" v="2717" actId="26606"/>
+        <pc:sldMkLst>
+          <pc:docMk/>
+          <pc:sldMk cId="3429303770" sldId="312"/>
+        </pc:sldMkLst>
+        <pc:spChg chg="mod">
+          <ac:chgData name="Abhiroop Mukherjee" userId="5fbc6062963ca2c0" providerId="LiveId" clId="{BA04AB18-81BA-44F6-8A17-E30D392E2E82}" dt="2021-04-07T15:57:59.127" v="2623" actId="26606"/>
+          <ac:spMkLst>
+            <pc:docMk/>
+            <pc:sldMk cId="3429303770" sldId="312"/>
+            <ac:spMk id="2" creationId="{0D8666D5-BB6C-4EF9-AA8A-A61F4629E79E}"/>
+          </ac:spMkLst>
+        </pc:spChg>
+        <pc:spChg chg="mod">
+          <ac:chgData name="Abhiroop Mukherjee" userId="5fbc6062963ca2c0" providerId="LiveId" clId="{BA04AB18-81BA-44F6-8A17-E30D392E2E82}" dt="2021-04-07T15:58:47.297" v="2716" actId="20577"/>
+          <ac:spMkLst>
+            <pc:docMk/>
+            <pc:sldMk cId="3429303770" sldId="312"/>
+            <ac:spMk id="3" creationId="{88E9313C-B6BA-4DB2-8304-DCBDE3D6FD91}"/>
+          </ac:spMkLst>
+        </pc:spChg>
+        <pc:spChg chg="add del">
+          <ac:chgData name="Abhiroop Mukherjee" userId="5fbc6062963ca2c0" providerId="LiveId" clId="{BA04AB18-81BA-44F6-8A17-E30D392E2E82}" dt="2021-04-07T15:58:52.558" v="2717" actId="26606"/>
+          <ac:spMkLst>
+            <pc:docMk/>
+            <pc:sldMk cId="3429303770" sldId="312"/>
+            <ac:spMk id="8" creationId="{3741B58E-3B65-4A01-A276-975AB2CF8A08}"/>
+          </ac:spMkLst>
+        </pc:spChg>
+        <pc:spChg chg="add del">
+          <ac:chgData name="Abhiroop Mukherjee" userId="5fbc6062963ca2c0" providerId="LiveId" clId="{BA04AB18-81BA-44F6-8A17-E30D392E2E82}" dt="2021-04-07T15:57:37.568" v="2616" actId="26606"/>
+          <ac:spMkLst>
+            <pc:docMk/>
+            <pc:sldMk cId="3429303770" sldId="312"/>
+            <ac:spMk id="9" creationId="{311973C2-EB8B-452A-A698-4A252FD3AE28}"/>
+          </ac:spMkLst>
+        </pc:spChg>
+        <pc:spChg chg="add del">
+          <ac:chgData name="Abhiroop Mukherjee" userId="5fbc6062963ca2c0" providerId="LiveId" clId="{BA04AB18-81BA-44F6-8A17-E30D392E2E82}" dt="2021-04-07T15:58:52.558" v="2717" actId="26606"/>
+          <ac:spMkLst>
+            <pc:docMk/>
+            <pc:sldMk cId="3429303770" sldId="312"/>
+            <ac:spMk id="10" creationId="{7AAC67C3-831B-4AB1-A259-DFB839CAFAFC}"/>
+          </ac:spMkLst>
+        </pc:spChg>
+        <pc:spChg chg="add del">
+          <ac:chgData name="Abhiroop Mukherjee" userId="5fbc6062963ca2c0" providerId="LiveId" clId="{BA04AB18-81BA-44F6-8A17-E30D392E2E82}" dt="2021-04-07T15:57:37.568" v="2616" actId="26606"/>
+          <ac:spMkLst>
+            <pc:docMk/>
+            <pc:sldMk cId="3429303770" sldId="312"/>
+            <ac:spMk id="11" creationId="{10162E77-11AD-44A7-84EC-40C59EEFBD2E}"/>
+          </ac:spMkLst>
+        </pc:spChg>
+        <pc:spChg chg="add del">
+          <ac:chgData name="Abhiroop Mukherjee" userId="5fbc6062963ca2c0" providerId="LiveId" clId="{BA04AB18-81BA-44F6-8A17-E30D392E2E82}" dt="2021-04-07T15:58:52.558" v="2717" actId="26606"/>
+          <ac:spMkLst>
+            <pc:docMk/>
+            <pc:sldMk cId="3429303770" sldId="312"/>
+            <ac:spMk id="12" creationId="{054B3F04-9EAC-45C0-B3CE-0387EEA10A0C}"/>
+          </ac:spMkLst>
+        </pc:spChg>
+        <pc:spChg chg="add">
+          <ac:chgData name="Abhiroop Mukherjee" userId="5fbc6062963ca2c0" providerId="LiveId" clId="{BA04AB18-81BA-44F6-8A17-E30D392E2E82}" dt="2021-04-07T15:58:52.558" v="2717" actId="26606"/>
+          <ac:spMkLst>
+            <pc:docMk/>
+            <pc:sldMk cId="3429303770" sldId="312"/>
+            <ac:spMk id="14" creationId="{3741B58E-3B65-4A01-A276-975AB2CF8A08}"/>
+          </ac:spMkLst>
+        </pc:spChg>
+        <pc:spChg chg="add del">
+          <ac:chgData name="Abhiroop Mukherjee" userId="5fbc6062963ca2c0" providerId="LiveId" clId="{BA04AB18-81BA-44F6-8A17-E30D392E2E82}" dt="2021-04-07T15:57:38.827" v="2618" actId="26606"/>
+          <ac:spMkLst>
+            <pc:docMk/>
+            <pc:sldMk cId="3429303770" sldId="312"/>
+            <ac:spMk id="17" creationId="{C609E9FA-BDDE-45C4-8F5E-974D4208D2EA}"/>
+          </ac:spMkLst>
+        </pc:spChg>
+        <pc:spChg chg="add del">
+          <ac:chgData name="Abhiroop Mukherjee" userId="5fbc6062963ca2c0" providerId="LiveId" clId="{BA04AB18-81BA-44F6-8A17-E30D392E2E82}" dt="2021-04-07T15:57:38.827" v="2618" actId="26606"/>
+          <ac:spMkLst>
+            <pc:docMk/>
+            <pc:sldMk cId="3429303770" sldId="312"/>
+            <ac:spMk id="18" creationId="{7737E529-E43B-4948-B3C4-7F6B806FCCFD}"/>
+          </ac:spMkLst>
+        </pc:spChg>
+        <pc:spChg chg="add">
+          <ac:chgData name="Abhiroop Mukherjee" userId="5fbc6062963ca2c0" providerId="LiveId" clId="{BA04AB18-81BA-44F6-8A17-E30D392E2E82}" dt="2021-04-07T15:58:52.558" v="2717" actId="26606"/>
+          <ac:spMkLst>
+            <pc:docMk/>
+            <pc:sldMk cId="3429303770" sldId="312"/>
+            <ac:spMk id="19" creationId="{7AAC67C3-831B-4AB1-A259-DFB839CAFAFC}"/>
+          </ac:spMkLst>
+        </pc:spChg>
+        <pc:spChg chg="add del">
+          <ac:chgData name="Abhiroop Mukherjee" userId="5fbc6062963ca2c0" providerId="LiveId" clId="{BA04AB18-81BA-44F6-8A17-E30D392E2E82}" dt="2021-04-07T15:57:47.638" v="2622" actId="26606"/>
+          <ac:spMkLst>
+            <pc:docMk/>
+            <pc:sldMk cId="3429303770" sldId="312"/>
+            <ac:spMk id="20" creationId="{311973C2-EB8B-452A-A698-4A252FD3AE28}"/>
+          </ac:spMkLst>
+        </pc:spChg>
+        <pc:spChg chg="add del">
+          <ac:chgData name="Abhiroop Mukherjee" userId="5fbc6062963ca2c0" providerId="LiveId" clId="{BA04AB18-81BA-44F6-8A17-E30D392E2E82}" dt="2021-04-07T15:57:47.638" v="2622" actId="26606"/>
+          <ac:spMkLst>
+            <pc:docMk/>
+            <pc:sldMk cId="3429303770" sldId="312"/>
+            <ac:spMk id="21" creationId="{10162E77-11AD-44A7-84EC-40C59EEFBD2E}"/>
+          </ac:spMkLst>
+        </pc:spChg>
+        <pc:spChg chg="add">
+          <ac:chgData name="Abhiroop Mukherjee" userId="5fbc6062963ca2c0" providerId="LiveId" clId="{BA04AB18-81BA-44F6-8A17-E30D392E2E82}" dt="2021-04-07T15:58:52.558" v="2717" actId="26606"/>
+          <ac:spMkLst>
+            <pc:docMk/>
+            <pc:sldMk cId="3429303770" sldId="312"/>
+            <ac:spMk id="24" creationId="{054B3F04-9EAC-45C0-B3CE-0387EEA10A0C}"/>
+          </ac:spMkLst>
+        </pc:spChg>
+        <pc:picChg chg="add del">
+          <ac:chgData name="Abhiroop Mukherjee" userId="5fbc6062963ca2c0" providerId="LiveId" clId="{BA04AB18-81BA-44F6-8A17-E30D392E2E82}" dt="2021-04-07T15:57:37.568" v="2616" actId="26606"/>
+          <ac:picMkLst>
+            <pc:docMk/>
+            <pc:sldMk cId="3429303770" sldId="312"/>
+            <ac:picMk id="5" creationId="{04766453-04D9-4E32-949E-1B7C8D8F193F}"/>
+          </ac:picMkLst>
+        </pc:picChg>
+        <pc:picChg chg="add del">
+          <ac:chgData name="Abhiroop Mukherjee" userId="5fbc6062963ca2c0" providerId="LiveId" clId="{BA04AB18-81BA-44F6-8A17-E30D392E2E82}" dt="2021-04-07T15:57:38.827" v="2618" actId="26606"/>
+          <ac:picMkLst>
+            <pc:docMk/>
+            <pc:sldMk cId="3429303770" sldId="312"/>
+            <ac:picMk id="15" creationId="{678D3308-48A5-4D7C-8A1F-55D978D827A0}"/>
+          </ac:picMkLst>
+        </pc:picChg>
+        <pc:picChg chg="add del">
+          <ac:chgData name="Abhiroop Mukherjee" userId="5fbc6062963ca2c0" providerId="LiveId" clId="{BA04AB18-81BA-44F6-8A17-E30D392E2E82}" dt="2021-04-07T15:57:47.638" v="2622" actId="26606"/>
+          <ac:picMkLst>
+            <pc:docMk/>
+            <pc:sldMk cId="3429303770" sldId="312"/>
+            <ac:picMk id="22" creationId="{04766453-04D9-4E32-949E-1B7C8D8F193F}"/>
+          </ac:picMkLst>
+        </pc:picChg>
+        <pc:cxnChg chg="add del">
+          <ac:chgData name="Abhiroop Mukherjee" userId="5fbc6062963ca2c0" providerId="LiveId" clId="{BA04AB18-81BA-44F6-8A17-E30D392E2E82}" dt="2021-04-07T15:57:37.568" v="2616" actId="26606"/>
+          <ac:cxnSpMkLst>
+            <pc:docMk/>
+            <pc:sldMk cId="3429303770" sldId="312"/>
+            <ac:cxnSpMk id="13" creationId="{5AB158E9-1B40-4CD6-95F0-95CA11DF7B7A}"/>
+          </ac:cxnSpMkLst>
+        </pc:cxnChg>
+        <pc:cxnChg chg="add del">
+          <ac:chgData name="Abhiroop Mukherjee" userId="5fbc6062963ca2c0" providerId="LiveId" clId="{BA04AB18-81BA-44F6-8A17-E30D392E2E82}" dt="2021-04-07T15:57:38.827" v="2618" actId="26606"/>
+          <ac:cxnSpMkLst>
+            <pc:docMk/>
+            <pc:sldMk cId="3429303770" sldId="312"/>
+            <ac:cxnSpMk id="16" creationId="{45549E29-E797-4A00-B030-3AB01640CFDC}"/>
+          </ac:cxnSpMkLst>
+        </pc:cxnChg>
+        <pc:cxnChg chg="add del">
+          <ac:chgData name="Abhiroop Mukherjee" userId="5fbc6062963ca2c0" providerId="LiveId" clId="{BA04AB18-81BA-44F6-8A17-E30D392E2E82}" dt="2021-04-07T15:57:47.638" v="2622" actId="26606"/>
+          <ac:cxnSpMkLst>
+            <pc:docMk/>
+            <pc:sldMk cId="3429303770" sldId="312"/>
+            <ac:cxnSpMk id="23" creationId="{5AB158E9-1B40-4CD6-95F0-95CA11DF7B7A}"/>
+          </ac:cxnSpMkLst>
+        </pc:cxnChg>
+      </pc:sldChg>
+      <pc:sldChg chg="addSp delSp modSp add mod ord">
+        <pc:chgData name="Abhiroop Mukherjee" userId="5fbc6062963ca2c0" providerId="LiveId" clId="{BA04AB18-81BA-44F6-8A17-E30D392E2E82}" dt="2021-04-07T16:06:42.286" v="3405" actId="26606"/>
+        <pc:sldMkLst>
+          <pc:docMk/>
+          <pc:sldMk cId="3949680059" sldId="313"/>
+        </pc:sldMkLst>
+        <pc:spChg chg="mod">
+          <ac:chgData name="Abhiroop Mukherjee" userId="5fbc6062963ca2c0" providerId="LiveId" clId="{BA04AB18-81BA-44F6-8A17-E30D392E2E82}" dt="2021-04-07T16:06:42.277" v="3404" actId="26606"/>
+          <ac:spMkLst>
+            <pc:docMk/>
+            <pc:sldMk cId="3949680059" sldId="313"/>
+            <ac:spMk id="2" creationId="{D595B95A-705A-4D49-A704-0108F2F33E09}"/>
+          </ac:spMkLst>
+        </pc:spChg>
+        <pc:spChg chg="mod">
+          <ac:chgData name="Abhiroop Mukherjee" userId="5fbc6062963ca2c0" providerId="LiveId" clId="{BA04AB18-81BA-44F6-8A17-E30D392E2E82}" dt="2021-04-07T16:06:42.286" v="3405" actId="26606"/>
+          <ac:spMkLst>
+            <pc:docMk/>
+            <pc:sldMk cId="3949680059" sldId="313"/>
+            <ac:spMk id="3" creationId="{4B817802-A38C-4038-895E-B8B15F8D564B}"/>
+          </ac:spMkLst>
+        </pc:spChg>
+        <pc:spChg chg="add del">
+          <ac:chgData name="Abhiroop Mukherjee" userId="5fbc6062963ca2c0" providerId="LiveId" clId="{BA04AB18-81BA-44F6-8A17-E30D392E2E82}" dt="2021-04-07T16:06:42.286" v="3405" actId="26606"/>
+          <ac:spMkLst>
+            <pc:docMk/>
+            <pc:sldMk cId="3949680059" sldId="313"/>
+            <ac:spMk id="8" creationId="{3741B58E-3B65-4A01-A276-975AB2CF8A08}"/>
+          </ac:spMkLst>
+        </pc:spChg>
+        <pc:spChg chg="add del">
+          <ac:chgData name="Abhiroop Mukherjee" userId="5fbc6062963ca2c0" providerId="LiveId" clId="{BA04AB18-81BA-44F6-8A17-E30D392E2E82}" dt="2021-04-07T16:06:42.286" v="3405" actId="26606"/>
+          <ac:spMkLst>
+            <pc:docMk/>
+            <pc:sldMk cId="3949680059" sldId="313"/>
+            <ac:spMk id="10" creationId="{7AAC67C3-831B-4AB1-A259-DFB839CAFAFC}"/>
+          </ac:spMkLst>
+        </pc:spChg>
+        <pc:spChg chg="add del">
+          <ac:chgData name="Abhiroop Mukherjee" userId="5fbc6062963ca2c0" providerId="LiveId" clId="{BA04AB18-81BA-44F6-8A17-E30D392E2E82}" dt="2021-04-07T16:06:42.286" v="3405" actId="26606"/>
+          <ac:spMkLst>
+            <pc:docMk/>
+            <pc:sldMk cId="3949680059" sldId="313"/>
+            <ac:spMk id="12" creationId="{054B3F04-9EAC-45C0-B3CE-0387EEA10A0C}"/>
+          </ac:spMkLst>
+        </pc:spChg>
+        <pc:spChg chg="add del">
+          <ac:chgData name="Abhiroop Mukherjee" userId="5fbc6062963ca2c0" providerId="LiveId" clId="{BA04AB18-81BA-44F6-8A17-E30D392E2E82}" dt="2021-04-07T16:06:41.768" v="3401" actId="26606"/>
+          <ac:spMkLst>
+            <pc:docMk/>
+            <pc:sldMk cId="3949680059" sldId="313"/>
+            <ac:spMk id="17" creationId="{3741B58E-3B65-4A01-A276-975AB2CF8A08}"/>
+          </ac:spMkLst>
+        </pc:spChg>
+        <pc:spChg chg="add del">
+          <ac:chgData name="Abhiroop Mukherjee" userId="5fbc6062963ca2c0" providerId="LiveId" clId="{BA04AB18-81BA-44F6-8A17-E30D392E2E82}" dt="2021-04-07T16:06:41.768" v="3401" actId="26606"/>
+          <ac:spMkLst>
+            <pc:docMk/>
+            <pc:sldMk cId="3949680059" sldId="313"/>
+            <ac:spMk id="19" creationId="{7AAC67C3-831B-4AB1-A259-DFB839CAFAFC}"/>
+          </ac:spMkLst>
+        </pc:spChg>
+        <pc:spChg chg="add del">
+          <ac:chgData name="Abhiroop Mukherjee" userId="5fbc6062963ca2c0" providerId="LiveId" clId="{BA04AB18-81BA-44F6-8A17-E30D392E2E82}" dt="2021-04-07T16:06:41.768" v="3401" actId="26606"/>
+          <ac:spMkLst>
+            <pc:docMk/>
+            <pc:sldMk cId="3949680059" sldId="313"/>
+            <ac:spMk id="21" creationId="{054B3F04-9EAC-45C0-B3CE-0387EEA10A0C}"/>
+          </ac:spMkLst>
+        </pc:spChg>
+        <pc:spChg chg="add del">
+          <ac:chgData name="Abhiroop Mukherjee" userId="5fbc6062963ca2c0" providerId="LiveId" clId="{BA04AB18-81BA-44F6-8A17-E30D392E2E82}" dt="2021-04-07T16:06:42.277" v="3404" actId="26606"/>
+          <ac:spMkLst>
+            <pc:docMk/>
+            <pc:sldMk cId="3949680059" sldId="313"/>
+            <ac:spMk id="23" creationId="{CECF0FC6-D57B-48B6-9036-F4FFD91A4B34}"/>
+          </ac:spMkLst>
+        </pc:spChg>
+        <pc:spChg chg="add del">
+          <ac:chgData name="Abhiroop Mukherjee" userId="5fbc6062963ca2c0" providerId="LiveId" clId="{BA04AB18-81BA-44F6-8A17-E30D392E2E82}" dt="2021-04-07T16:06:42.277" v="3404" actId="26606"/>
+          <ac:spMkLst>
+            <pc:docMk/>
+            <pc:sldMk cId="3949680059" sldId="313"/>
+            <ac:spMk id="24" creationId="{717A211C-5863-4303-AC3D-AEBFDF6D6A4C}"/>
+          </ac:spMkLst>
+        </pc:spChg>
+        <pc:spChg chg="add del">
+          <ac:chgData name="Abhiroop Mukherjee" userId="5fbc6062963ca2c0" providerId="LiveId" clId="{BA04AB18-81BA-44F6-8A17-E30D392E2E82}" dt="2021-04-07T16:06:42.277" v="3404" actId="26606"/>
+          <ac:spMkLst>
+            <pc:docMk/>
+            <pc:sldMk cId="3949680059" sldId="313"/>
+            <ac:spMk id="25" creationId="{087519CD-2FFF-42E3-BB0C-FEAA828BA5DB}"/>
+          </ac:spMkLst>
+        </pc:spChg>
+        <pc:spChg chg="add">
+          <ac:chgData name="Abhiroop Mukherjee" userId="5fbc6062963ca2c0" providerId="LiveId" clId="{BA04AB18-81BA-44F6-8A17-E30D392E2E82}" dt="2021-04-07T16:06:42.286" v="3405" actId="26606"/>
+          <ac:spMkLst>
+            <pc:docMk/>
+            <pc:sldMk cId="3949680059" sldId="313"/>
+            <ac:spMk id="27" creationId="{3741B58E-3B65-4A01-A276-975AB2CF8A08}"/>
+          </ac:spMkLst>
+        </pc:spChg>
+        <pc:spChg chg="add">
+          <ac:chgData name="Abhiroop Mukherjee" userId="5fbc6062963ca2c0" providerId="LiveId" clId="{BA04AB18-81BA-44F6-8A17-E30D392E2E82}" dt="2021-04-07T16:06:42.286" v="3405" actId="26606"/>
+          <ac:spMkLst>
+            <pc:docMk/>
+            <pc:sldMk cId="3949680059" sldId="313"/>
+            <ac:spMk id="28" creationId="{7AAC67C3-831B-4AB1-A259-DFB839CAFAFC}"/>
+          </ac:spMkLst>
+        </pc:spChg>
+        <pc:spChg chg="add">
+          <ac:chgData name="Abhiroop Mukherjee" userId="5fbc6062963ca2c0" providerId="LiveId" clId="{BA04AB18-81BA-44F6-8A17-E30D392E2E82}" dt="2021-04-07T16:06:42.286" v="3405" actId="26606"/>
+          <ac:spMkLst>
+            <pc:docMk/>
+            <pc:sldMk cId="3949680059" sldId="313"/>
+            <ac:spMk id="29" creationId="{054B3F04-9EAC-45C0-B3CE-0387EEA10A0C}"/>
+          </ac:spMkLst>
+        </pc:spChg>
+      </pc:sldChg>
+      <pc:sldChg chg="addSp delSp modSp add mod ord">
+        <pc:chgData name="Abhiroop Mukherjee" userId="5fbc6062963ca2c0" providerId="LiveId" clId="{BA04AB18-81BA-44F6-8A17-E30D392E2E82}" dt="2021-04-07T16:09:43.729" v="3703" actId="732"/>
+        <pc:sldMkLst>
+          <pc:docMk/>
+          <pc:sldMk cId="2517874540" sldId="314"/>
+        </pc:sldMkLst>
+        <pc:spChg chg="mod">
+          <ac:chgData name="Abhiroop Mukherjee" userId="5fbc6062963ca2c0" providerId="LiveId" clId="{BA04AB18-81BA-44F6-8A17-E30D392E2E82}" dt="2021-04-07T16:07:14.807" v="3430"/>
+          <ac:spMkLst>
+            <pc:docMk/>
+            <pc:sldMk cId="2517874540" sldId="314"/>
+            <ac:spMk id="2" creationId="{A2E81D72-EC99-4091-AA2C-660CCFAC39B6}"/>
+          </ac:spMkLst>
+        </pc:spChg>
+        <pc:spChg chg="mod">
+          <ac:chgData name="Abhiroop Mukherjee" userId="5fbc6062963ca2c0" providerId="LiveId" clId="{BA04AB18-81BA-44F6-8A17-E30D392E2E82}" dt="2021-04-07T16:09:35.377" v="3702" actId="26606"/>
+          <ac:spMkLst>
+            <pc:docMk/>
+            <pc:sldMk cId="2517874540" sldId="314"/>
+            <ac:spMk id="10" creationId="{B0DBBD15-5CB7-4758-94C6-9FCA6E3AA552}"/>
+          </ac:spMkLst>
+        </pc:spChg>
+        <pc:spChg chg="add del">
+          <ac:chgData name="Abhiroop Mukherjee" userId="5fbc6062963ca2c0" providerId="LiveId" clId="{BA04AB18-81BA-44F6-8A17-E30D392E2E82}" dt="2021-04-07T16:09:35.377" v="3702" actId="26606"/>
+          <ac:spMkLst>
+            <pc:docMk/>
+            <pc:sldMk cId="2517874540" sldId="314"/>
+            <ac:spMk id="65" creationId="{284B70D5-875B-433D-BDBD-1522A85D6C1D}"/>
+          </ac:spMkLst>
+        </pc:spChg>
+        <pc:spChg chg="add del">
+          <ac:chgData name="Abhiroop Mukherjee" userId="5fbc6062963ca2c0" providerId="LiveId" clId="{BA04AB18-81BA-44F6-8A17-E30D392E2E82}" dt="2021-04-07T16:09:35.377" v="3702" actId="26606"/>
+          <ac:spMkLst>
+            <pc:docMk/>
+            <pc:sldMk cId="2517874540" sldId="314"/>
+            <ac:spMk id="69" creationId="{1E299956-A9E7-4FC1-A0B1-D590CA9730E8}"/>
+          </ac:spMkLst>
+        </pc:spChg>
+        <pc:spChg chg="add del">
+          <ac:chgData name="Abhiroop Mukherjee" userId="5fbc6062963ca2c0" providerId="LiveId" clId="{BA04AB18-81BA-44F6-8A17-E30D392E2E82}" dt="2021-04-07T16:09:35.377" v="3702" actId="26606"/>
+          <ac:spMkLst>
+            <pc:docMk/>
+            <pc:sldMk cId="2517874540" sldId="314"/>
+            <ac:spMk id="71" creationId="{17FC539C-B783-4B03-9F9E-D13430F3F64F}"/>
+          </ac:spMkLst>
+        </pc:spChg>
+        <pc:spChg chg="add del">
+          <ac:chgData name="Abhiroop Mukherjee" userId="5fbc6062963ca2c0" providerId="LiveId" clId="{BA04AB18-81BA-44F6-8A17-E30D392E2E82}" dt="2021-04-07T16:09:35.357" v="3701" actId="26606"/>
+          <ac:spMkLst>
+            <pc:docMk/>
+            <pc:sldMk cId="2517874540" sldId="314"/>
+            <ac:spMk id="76" creationId="{284B70D5-875B-433D-BDBD-1522A85D6C1D}"/>
+          </ac:spMkLst>
+        </pc:spChg>
+        <pc:spChg chg="add del">
+          <ac:chgData name="Abhiroop Mukherjee" userId="5fbc6062963ca2c0" providerId="LiveId" clId="{BA04AB18-81BA-44F6-8A17-E30D392E2E82}" dt="2021-04-07T16:09:35.357" v="3701" actId="26606"/>
+          <ac:spMkLst>
+            <pc:docMk/>
+            <pc:sldMk cId="2517874540" sldId="314"/>
+            <ac:spMk id="80" creationId="{1E299956-A9E7-4FC1-A0B1-D590CA9730E8}"/>
+          </ac:spMkLst>
+        </pc:spChg>
+        <pc:spChg chg="add del">
+          <ac:chgData name="Abhiroop Mukherjee" userId="5fbc6062963ca2c0" providerId="LiveId" clId="{BA04AB18-81BA-44F6-8A17-E30D392E2E82}" dt="2021-04-07T16:09:35.357" v="3701" actId="26606"/>
+          <ac:spMkLst>
+            <pc:docMk/>
+            <pc:sldMk cId="2517874540" sldId="314"/>
+            <ac:spMk id="82" creationId="{17FC539C-B783-4B03-9F9E-D13430F3F64F}"/>
+          </ac:spMkLst>
+        </pc:spChg>
+        <pc:spChg chg="add">
+          <ac:chgData name="Abhiroop Mukherjee" userId="5fbc6062963ca2c0" providerId="LiveId" clId="{BA04AB18-81BA-44F6-8A17-E30D392E2E82}" dt="2021-04-07T16:09:35.377" v="3702" actId="26606"/>
+          <ac:spMkLst>
+            <pc:docMk/>
+            <pc:sldMk cId="2517874540" sldId="314"/>
+            <ac:spMk id="84" creationId="{10162E77-11AD-44A7-84EC-40C59EEFBD2E}"/>
+          </ac:spMkLst>
+        </pc:spChg>
+        <pc:spChg chg="add">
+          <ac:chgData name="Abhiroop Mukherjee" userId="5fbc6062963ca2c0" providerId="LiveId" clId="{BA04AB18-81BA-44F6-8A17-E30D392E2E82}" dt="2021-04-07T16:09:35.377" v="3702" actId="26606"/>
+          <ac:spMkLst>
+            <pc:docMk/>
+            <pc:sldMk cId="2517874540" sldId="314"/>
+            <ac:spMk id="86" creationId="{6329CBCE-21AE-419D-AC1F-8ACF510A6670}"/>
+          </ac:spMkLst>
+        </pc:spChg>
+        <pc:spChg chg="add">
+          <ac:chgData name="Abhiroop Mukherjee" userId="5fbc6062963ca2c0" providerId="LiveId" clId="{BA04AB18-81BA-44F6-8A17-E30D392E2E82}" dt="2021-04-07T16:09:35.377" v="3702" actId="26606"/>
+          <ac:spMkLst>
+            <pc:docMk/>
+            <pc:sldMk cId="2517874540" sldId="314"/>
+            <ac:spMk id="87" creationId="{FF2DA012-1414-493D-888F-5D99D0BDA322}"/>
+          </ac:spMkLst>
+        </pc:spChg>
+        <pc:picChg chg="mod modCrop">
+          <ac:chgData name="Abhiroop Mukherjee" userId="5fbc6062963ca2c0" providerId="LiveId" clId="{BA04AB18-81BA-44F6-8A17-E30D392E2E82}" dt="2021-04-07T16:09:43.729" v="3703" actId="732"/>
+          <ac:picMkLst>
+            <pc:docMk/>
+            <pc:sldMk cId="2517874540" sldId="314"/>
+            <ac:picMk id="5" creationId="{99059347-F5D1-41F7-B30A-23EE2BA4D650}"/>
+          </ac:picMkLst>
+        </pc:picChg>
+        <pc:cxnChg chg="add del">
+          <ac:chgData name="Abhiroop Mukherjee" userId="5fbc6062963ca2c0" providerId="LiveId" clId="{BA04AB18-81BA-44F6-8A17-E30D392E2E82}" dt="2021-04-07T16:09:35.377" v="3702" actId="26606"/>
+          <ac:cxnSpMkLst>
+            <pc:docMk/>
+            <pc:sldMk cId="2517874540" sldId="314"/>
+            <ac:cxnSpMk id="67" creationId="{C947DF4A-614C-4B4C-8B80-E5B9D8E8CFED}"/>
+          </ac:cxnSpMkLst>
+        </pc:cxnChg>
+        <pc:cxnChg chg="add del">
+          <ac:chgData name="Abhiroop Mukherjee" userId="5fbc6062963ca2c0" providerId="LiveId" clId="{BA04AB18-81BA-44F6-8A17-E30D392E2E82}" dt="2021-04-07T16:09:35.357" v="3701" actId="26606"/>
+          <ac:cxnSpMkLst>
+            <pc:docMk/>
+            <pc:sldMk cId="2517874540" sldId="314"/>
+            <ac:cxnSpMk id="78" creationId="{C947DF4A-614C-4B4C-8B80-E5B9D8E8CFED}"/>
+          </ac:cxnSpMkLst>
+        </pc:cxnChg>
+        <pc:cxnChg chg="add">
+          <ac:chgData name="Abhiroop Mukherjee" userId="5fbc6062963ca2c0" providerId="LiveId" clId="{BA04AB18-81BA-44F6-8A17-E30D392E2E82}" dt="2021-04-07T16:09:35.377" v="3702" actId="26606"/>
+          <ac:cxnSpMkLst>
+            <pc:docMk/>
+            <pc:sldMk cId="2517874540" sldId="314"/>
+            <ac:cxnSpMk id="85" creationId="{5AB158E9-1B40-4CD6-95F0-95CA11DF7B7A}"/>
+          </ac:cxnSpMkLst>
+        </pc:cxnChg>
+      </pc:sldChg>
+      <pc:sldChg chg="addSp delSp modSp add del mod">
+        <pc:chgData name="Abhiroop Mukherjee" userId="5fbc6062963ca2c0" providerId="LiveId" clId="{BA04AB18-81BA-44F6-8A17-E30D392E2E82}" dt="2021-04-07T16:10:38.769" v="3767" actId="2696"/>
+        <pc:sldMkLst>
+          <pc:docMk/>
+          <pc:sldMk cId="4103164960" sldId="315"/>
+        </pc:sldMkLst>
+        <pc:spChg chg="mod">
+          <ac:chgData name="Abhiroop Mukherjee" userId="5fbc6062963ca2c0" providerId="LiveId" clId="{BA04AB18-81BA-44F6-8A17-E30D392E2E82}" dt="2021-04-07T16:10:31.678" v="3764" actId="26606"/>
+          <ac:spMkLst>
+            <pc:docMk/>
+            <pc:sldMk cId="4103164960" sldId="315"/>
+            <ac:spMk id="2" creationId="{A2E81D72-EC99-4091-AA2C-660CCFAC39B6}"/>
+          </ac:spMkLst>
+        </pc:spChg>
+        <pc:spChg chg="mod">
+          <ac:chgData name="Abhiroop Mukherjee" userId="5fbc6062963ca2c0" providerId="LiveId" clId="{BA04AB18-81BA-44F6-8A17-E30D392E2E82}" dt="2021-04-07T16:10:31.687" v="3765" actId="26606"/>
+          <ac:spMkLst>
+            <pc:docMk/>
+            <pc:sldMk cId="4103164960" sldId="315"/>
+            <ac:spMk id="10" creationId="{B0DBBD15-5CB7-4758-94C6-9FCA6E3AA552}"/>
+          </ac:spMkLst>
+        </pc:spChg>
+        <pc:spChg chg="add del">
+          <ac:chgData name="Abhiroop Mukherjee" userId="5fbc6062963ca2c0" providerId="LiveId" clId="{BA04AB18-81BA-44F6-8A17-E30D392E2E82}" dt="2021-04-07T16:10:31.687" v="3765" actId="26606"/>
+          <ac:spMkLst>
+            <pc:docMk/>
+            <pc:sldMk cId="4103164960" sldId="315"/>
+            <ac:spMk id="84" creationId="{10162E77-11AD-44A7-84EC-40C59EEFBD2E}"/>
+          </ac:spMkLst>
+        </pc:spChg>
+        <pc:spChg chg="add del">
+          <ac:chgData name="Abhiroop Mukherjee" userId="5fbc6062963ca2c0" providerId="LiveId" clId="{BA04AB18-81BA-44F6-8A17-E30D392E2E82}" dt="2021-04-07T16:10:31.687" v="3765" actId="26606"/>
+          <ac:spMkLst>
+            <pc:docMk/>
+            <pc:sldMk cId="4103164960" sldId="315"/>
+            <ac:spMk id="86" creationId="{6329CBCE-21AE-419D-AC1F-8ACF510A6670}"/>
+          </ac:spMkLst>
+        </pc:spChg>
+        <pc:spChg chg="add del">
+          <ac:chgData name="Abhiroop Mukherjee" userId="5fbc6062963ca2c0" providerId="LiveId" clId="{BA04AB18-81BA-44F6-8A17-E30D392E2E82}" dt="2021-04-07T16:10:31.687" v="3765" actId="26606"/>
+          <ac:spMkLst>
+            <pc:docMk/>
+            <pc:sldMk cId="4103164960" sldId="315"/>
+            <ac:spMk id="87" creationId="{FF2DA012-1414-493D-888F-5D99D0BDA322}"/>
+          </ac:spMkLst>
+        </pc:spChg>
+        <pc:spChg chg="add del">
+          <ac:chgData name="Abhiroop Mukherjee" userId="5fbc6062963ca2c0" providerId="LiveId" clId="{BA04AB18-81BA-44F6-8A17-E30D392E2E82}" dt="2021-04-07T16:10:31.678" v="3764" actId="26606"/>
+          <ac:spMkLst>
+            <pc:docMk/>
+            <pc:sldMk cId="4103164960" sldId="315"/>
+            <ac:spMk id="92" creationId="{4E4490D0-3672-446A-AC12-B4830333BDDD}"/>
+          </ac:spMkLst>
+        </pc:spChg>
+        <pc:spChg chg="add del">
+          <ac:chgData name="Abhiroop Mukherjee" userId="5fbc6062963ca2c0" providerId="LiveId" clId="{BA04AB18-81BA-44F6-8A17-E30D392E2E82}" dt="2021-04-07T16:10:31.678" v="3764" actId="26606"/>
+          <ac:spMkLst>
+            <pc:docMk/>
+            <pc:sldMk cId="4103164960" sldId="315"/>
+            <ac:spMk id="94" creationId="{39CB82C2-DF65-4EC1-8280-F201D50F570B}"/>
+          </ac:spMkLst>
+        </pc:spChg>
+        <pc:spChg chg="add del">
+          <ac:chgData name="Abhiroop Mukherjee" userId="5fbc6062963ca2c0" providerId="LiveId" clId="{BA04AB18-81BA-44F6-8A17-E30D392E2E82}" dt="2021-04-07T16:10:31.678" v="3764" actId="26606"/>
+          <ac:spMkLst>
+            <pc:docMk/>
+            <pc:sldMk cId="4103164960" sldId="315"/>
+            <ac:spMk id="98" creationId="{FA4CD5CB-D209-4D70-8CA4-629731C59219}"/>
+          </ac:spMkLst>
+        </pc:spChg>
+        <pc:spChg chg="add del">
+          <ac:chgData name="Abhiroop Mukherjee" userId="5fbc6062963ca2c0" providerId="LiveId" clId="{BA04AB18-81BA-44F6-8A17-E30D392E2E82}" dt="2021-04-07T16:10:31.678" v="3764" actId="26606"/>
+          <ac:spMkLst>
+            <pc:docMk/>
+            <pc:sldMk cId="4103164960" sldId="315"/>
+            <ac:spMk id="102" creationId="{B4C27B90-DF2B-4D00-BA07-18ED774CD2F1}"/>
+          </ac:spMkLst>
+        </pc:spChg>
+        <pc:spChg chg="add del">
+          <ac:chgData name="Abhiroop Mukherjee" userId="5fbc6062963ca2c0" providerId="LiveId" clId="{BA04AB18-81BA-44F6-8A17-E30D392E2E82}" dt="2021-04-07T16:10:31.678" v="3764" actId="26606"/>
+          <ac:spMkLst>
+            <pc:docMk/>
+            <pc:sldMk cId="4103164960" sldId="315"/>
+            <ac:spMk id="104" creationId="{593ACC25-C262-417A-8AA9-0641C772BDB6}"/>
+          </ac:spMkLst>
+        </pc:spChg>
+        <pc:spChg chg="add">
+          <ac:chgData name="Abhiroop Mukherjee" userId="5fbc6062963ca2c0" providerId="LiveId" clId="{BA04AB18-81BA-44F6-8A17-E30D392E2E82}" dt="2021-04-07T16:10:31.687" v="3765" actId="26606"/>
+          <ac:spMkLst>
+            <pc:docMk/>
+            <pc:sldMk cId="4103164960" sldId="315"/>
+            <ac:spMk id="106" creationId="{284B70D5-875B-433D-BDBD-1522A85D6C1D}"/>
+          </ac:spMkLst>
+        </pc:spChg>
+        <pc:spChg chg="add">
+          <ac:chgData name="Abhiroop Mukherjee" userId="5fbc6062963ca2c0" providerId="LiveId" clId="{BA04AB18-81BA-44F6-8A17-E30D392E2E82}" dt="2021-04-07T16:10:31.687" v="3765" actId="26606"/>
+          <ac:spMkLst>
+            <pc:docMk/>
+            <pc:sldMk cId="4103164960" sldId="315"/>
+            <ac:spMk id="108" creationId="{1E299956-A9E7-4FC1-A0B1-D590CA9730E8}"/>
+          </ac:spMkLst>
+        </pc:spChg>
+        <pc:spChg chg="add">
+          <ac:chgData name="Abhiroop Mukherjee" userId="5fbc6062963ca2c0" providerId="LiveId" clId="{BA04AB18-81BA-44F6-8A17-E30D392E2E82}" dt="2021-04-07T16:10:31.687" v="3765" actId="26606"/>
+          <ac:spMkLst>
+            <pc:docMk/>
+            <pc:sldMk cId="4103164960" sldId="315"/>
+            <ac:spMk id="109" creationId="{17FC539C-B783-4B03-9F9E-D13430F3F64F}"/>
+          </ac:spMkLst>
+        </pc:spChg>
+        <pc:picChg chg="mod ord">
+          <ac:chgData name="Abhiroop Mukherjee" userId="5fbc6062963ca2c0" providerId="LiveId" clId="{BA04AB18-81BA-44F6-8A17-E30D392E2E82}" dt="2021-04-07T16:10:31.687" v="3765" actId="26606"/>
+          <ac:picMkLst>
+            <pc:docMk/>
+            <pc:sldMk cId="4103164960" sldId="315"/>
+            <ac:picMk id="5" creationId="{99059347-F5D1-41F7-B30A-23EE2BA4D650}"/>
+          </ac:picMkLst>
+        </pc:picChg>
+        <pc:cxnChg chg="add del">
+          <ac:chgData name="Abhiroop Mukherjee" userId="5fbc6062963ca2c0" providerId="LiveId" clId="{BA04AB18-81BA-44F6-8A17-E30D392E2E82}" dt="2021-04-07T16:10:31.687" v="3765" actId="26606"/>
+          <ac:cxnSpMkLst>
+            <pc:docMk/>
+            <pc:sldMk cId="4103164960" sldId="315"/>
+            <ac:cxnSpMk id="85" creationId="{5AB158E9-1B40-4CD6-95F0-95CA11DF7B7A}"/>
+          </ac:cxnSpMkLst>
+        </pc:cxnChg>
+        <pc:cxnChg chg="add del">
+          <ac:chgData name="Abhiroop Mukherjee" userId="5fbc6062963ca2c0" providerId="LiveId" clId="{BA04AB18-81BA-44F6-8A17-E30D392E2E82}" dt="2021-04-07T16:10:31.678" v="3764" actId="26606"/>
+          <ac:cxnSpMkLst>
+            <pc:docMk/>
+            <pc:sldMk cId="4103164960" sldId="315"/>
+            <ac:cxnSpMk id="96" creationId="{7E1D4427-852B-4B37-8E76-0E9F1810BA2A}"/>
+          </ac:cxnSpMkLst>
+        </pc:cxnChg>
+        <pc:cxnChg chg="add del">
+          <ac:chgData name="Abhiroop Mukherjee" userId="5fbc6062963ca2c0" providerId="LiveId" clId="{BA04AB18-81BA-44F6-8A17-E30D392E2E82}" dt="2021-04-07T16:10:31.678" v="3764" actId="26606"/>
+          <ac:cxnSpMkLst>
+            <pc:docMk/>
+            <pc:sldMk cId="4103164960" sldId="315"/>
+            <ac:cxnSpMk id="100" creationId="{5C6A2BAE-B461-4B55-8E1F-0722ABDD1393}"/>
+          </ac:cxnSpMkLst>
+        </pc:cxnChg>
+        <pc:cxnChg chg="add">
+          <ac:chgData name="Abhiroop Mukherjee" userId="5fbc6062963ca2c0" providerId="LiveId" clId="{BA04AB18-81BA-44F6-8A17-E30D392E2E82}" dt="2021-04-07T16:10:31.687" v="3765" actId="26606"/>
+          <ac:cxnSpMkLst>
+            <pc:docMk/>
+            <pc:sldMk cId="4103164960" sldId="315"/>
+            <ac:cxnSpMk id="107" creationId="{C947DF4A-614C-4B4C-8B80-E5B9D8E8CFED}"/>
+          </ac:cxnSpMkLst>
+        </pc:cxnChg>
+      </pc:sldChg>
+      <pc:sldChg chg="addSp delSp modSp add mod">
+        <pc:chgData name="Abhiroop Mukherjee" userId="5fbc6062963ca2c0" providerId="LiveId" clId="{BA04AB18-81BA-44F6-8A17-E30D392E2E82}" dt="2021-04-07T16:12:55.338" v="4103" actId="26606"/>
+        <pc:sldMkLst>
+          <pc:docMk/>
+          <pc:sldMk cId="815679008" sldId="316"/>
+        </pc:sldMkLst>
+        <pc:spChg chg="mod">
+          <ac:chgData name="Abhiroop Mukherjee" userId="5fbc6062963ca2c0" providerId="LiveId" clId="{BA04AB18-81BA-44F6-8A17-E30D392E2E82}" dt="2021-04-07T16:12:55.327" v="4102" actId="26606"/>
+          <ac:spMkLst>
+            <pc:docMk/>
+            <pc:sldMk cId="815679008" sldId="316"/>
+            <ac:spMk id="2" creationId="{A2E81D72-EC99-4091-AA2C-660CCFAC39B6}"/>
+          </ac:spMkLst>
+        </pc:spChg>
+        <pc:spChg chg="mod">
+          <ac:chgData name="Abhiroop Mukherjee" userId="5fbc6062963ca2c0" providerId="LiveId" clId="{BA04AB18-81BA-44F6-8A17-E30D392E2E82}" dt="2021-04-07T16:12:55.327" v="4102" actId="26606"/>
+          <ac:spMkLst>
+            <pc:docMk/>
+            <pc:sldMk cId="815679008" sldId="316"/>
+            <ac:spMk id="10" creationId="{B0DBBD15-5CB7-4758-94C6-9FCA6E3AA552}"/>
+          </ac:spMkLst>
+        </pc:spChg>
+        <pc:spChg chg="add del">
+          <ac:chgData name="Abhiroop Mukherjee" userId="5fbc6062963ca2c0" providerId="LiveId" clId="{BA04AB18-81BA-44F6-8A17-E30D392E2E82}" dt="2021-04-07T16:12:49.068" v="4100" actId="26606"/>
+          <ac:spMkLst>
+            <pc:docMk/>
+            <pc:sldMk cId="815679008" sldId="316"/>
+            <ac:spMk id="106" creationId="{284B70D5-875B-433D-BDBD-1522A85D6C1D}"/>
+          </ac:spMkLst>
+        </pc:spChg>
+        <pc:spChg chg="add del">
+          <ac:chgData name="Abhiroop Mukherjee" userId="5fbc6062963ca2c0" providerId="LiveId" clId="{BA04AB18-81BA-44F6-8A17-E30D392E2E82}" dt="2021-04-07T16:12:49.068" v="4100" actId="26606"/>
+          <ac:spMkLst>
+            <pc:docMk/>
+            <pc:sldMk cId="815679008" sldId="316"/>
+            <ac:spMk id="108" creationId="{1E299956-A9E7-4FC1-A0B1-D590CA9730E8}"/>
+          </ac:spMkLst>
+        </pc:spChg>
+        <pc:spChg chg="add del">
+          <ac:chgData name="Abhiroop Mukherjee" userId="5fbc6062963ca2c0" providerId="LiveId" clId="{BA04AB18-81BA-44F6-8A17-E30D392E2E82}" dt="2021-04-07T16:12:49.068" v="4100" actId="26606"/>
+          <ac:spMkLst>
+            <pc:docMk/>
+            <pc:sldMk cId="815679008" sldId="316"/>
+            <ac:spMk id="109" creationId="{17FC539C-B783-4B03-9F9E-D13430F3F64F}"/>
+          </ac:spMkLst>
+        </pc:spChg>
+        <pc:spChg chg="add del">
+          <ac:chgData name="Abhiroop Mukherjee" userId="5fbc6062963ca2c0" providerId="LiveId" clId="{BA04AB18-81BA-44F6-8A17-E30D392E2E82}" dt="2021-04-07T16:12:48.008" v="4097" actId="26606"/>
+          <ac:spMkLst>
+            <pc:docMk/>
+            <pc:sldMk cId="815679008" sldId="316"/>
+            <ac:spMk id="114" creationId="{284B70D5-875B-433D-BDBD-1522A85D6C1D}"/>
+          </ac:spMkLst>
+        </pc:spChg>
+        <pc:spChg chg="add del">
+          <ac:chgData name="Abhiroop Mukherjee" userId="5fbc6062963ca2c0" providerId="LiveId" clId="{BA04AB18-81BA-44F6-8A17-E30D392E2E82}" dt="2021-04-07T16:12:48.008" v="4097" actId="26606"/>
+          <ac:spMkLst>
+            <pc:docMk/>
+            <pc:sldMk cId="815679008" sldId="316"/>
+            <ac:spMk id="118" creationId="{1E299956-A9E7-4FC1-A0B1-D590CA9730E8}"/>
+          </ac:spMkLst>
+        </pc:spChg>
+        <pc:spChg chg="add del">
+          <ac:chgData name="Abhiroop Mukherjee" userId="5fbc6062963ca2c0" providerId="LiveId" clId="{BA04AB18-81BA-44F6-8A17-E30D392E2E82}" dt="2021-04-07T16:12:48.008" v="4097" actId="26606"/>
+          <ac:spMkLst>
+            <pc:docMk/>
+            <pc:sldMk cId="815679008" sldId="316"/>
+            <ac:spMk id="120" creationId="{17FC539C-B783-4B03-9F9E-D13430F3F64F}"/>
+          </ac:spMkLst>
+        </pc:spChg>
+        <pc:spChg chg="add del">
+          <ac:chgData name="Abhiroop Mukherjee" userId="5fbc6062963ca2c0" providerId="LiveId" clId="{BA04AB18-81BA-44F6-8A17-E30D392E2E82}" dt="2021-04-07T16:12:49.057" v="4099" actId="26606"/>
+          <ac:spMkLst>
+            <pc:docMk/>
+            <pc:sldMk cId="815679008" sldId="316"/>
+            <ac:spMk id="122" creationId="{52ABB703-2B0E-4C3B-B4A2-F3973548E561}"/>
+          </ac:spMkLst>
+        </pc:spChg>
+        <pc:spChg chg="add del">
+          <ac:chgData name="Abhiroop Mukherjee" userId="5fbc6062963ca2c0" providerId="LiveId" clId="{BA04AB18-81BA-44F6-8A17-E30D392E2E82}" dt="2021-04-07T16:12:49.057" v="4099" actId="26606"/>
+          <ac:spMkLst>
+            <pc:docMk/>
+            <pc:sldMk cId="815679008" sldId="316"/>
+            <ac:spMk id="124" creationId="{E95DA498-D9A2-4DA9-B9DA-B3776E08CF7E}"/>
+          </ac:spMkLst>
+        </pc:spChg>
+        <pc:spChg chg="add del">
+          <ac:chgData name="Abhiroop Mukherjee" userId="5fbc6062963ca2c0" providerId="LiveId" clId="{BA04AB18-81BA-44F6-8A17-E30D392E2E82}" dt="2021-04-07T16:12:49.057" v="4099" actId="26606"/>
+          <ac:spMkLst>
+            <pc:docMk/>
+            <pc:sldMk cId="815679008" sldId="316"/>
+            <ac:spMk id="125" creationId="{82A73093-4B9D-420D-B17E-52293703A1D4}"/>
+          </ac:spMkLst>
+        </pc:spChg>
+        <pc:spChg chg="add del">
+          <ac:chgData name="Abhiroop Mukherjee" userId="5fbc6062963ca2c0" providerId="LiveId" clId="{BA04AB18-81BA-44F6-8A17-E30D392E2E82}" dt="2021-04-07T16:12:55.338" v="4103" actId="26606"/>
+          <ac:spMkLst>
+            <pc:docMk/>
+            <pc:sldMk cId="815679008" sldId="316"/>
+            <ac:spMk id="127" creationId="{284B70D5-875B-433D-BDBD-1522A85D6C1D}"/>
+          </ac:spMkLst>
+        </pc:spChg>
+        <pc:spChg chg="add del">
+          <ac:chgData name="Abhiroop Mukherjee" userId="5fbc6062963ca2c0" providerId="LiveId" clId="{BA04AB18-81BA-44F6-8A17-E30D392E2E82}" dt="2021-04-07T16:12:55.338" v="4103" actId="26606"/>
+          <ac:spMkLst>
+            <pc:docMk/>
+            <pc:sldMk cId="815679008" sldId="316"/>
+            <ac:spMk id="129" creationId="{1E299956-A9E7-4FC1-A0B1-D590CA9730E8}"/>
+          </ac:spMkLst>
+        </pc:spChg>
+        <pc:spChg chg="add del">
+          <ac:chgData name="Abhiroop Mukherjee" userId="5fbc6062963ca2c0" providerId="LiveId" clId="{BA04AB18-81BA-44F6-8A17-E30D392E2E82}" dt="2021-04-07T16:12:55.338" v="4103" actId="26606"/>
+          <ac:spMkLst>
+            <pc:docMk/>
+            <pc:sldMk cId="815679008" sldId="316"/>
+            <ac:spMk id="130" creationId="{17FC539C-B783-4B03-9F9E-D13430F3F64F}"/>
+          </ac:spMkLst>
+        </pc:spChg>
+        <pc:spChg chg="add del">
+          <ac:chgData name="Abhiroop Mukherjee" userId="5fbc6062963ca2c0" providerId="LiveId" clId="{BA04AB18-81BA-44F6-8A17-E30D392E2E82}" dt="2021-04-07T16:12:55.327" v="4102" actId="26606"/>
+          <ac:spMkLst>
+            <pc:docMk/>
+            <pc:sldMk cId="815679008" sldId="316"/>
+            <ac:spMk id="135" creationId="{C33BF9DD-8A45-4EEE-B231-0A14D322E5F9}"/>
+          </ac:spMkLst>
+        </pc:spChg>
+        <pc:spChg chg="add del">
+          <ac:chgData name="Abhiroop Mukherjee" userId="5fbc6062963ca2c0" providerId="LiveId" clId="{BA04AB18-81BA-44F6-8A17-E30D392E2E82}" dt="2021-04-07T16:12:55.327" v="4102" actId="26606"/>
+          <ac:spMkLst>
+            <pc:docMk/>
+            <pc:sldMk cId="815679008" sldId="316"/>
+            <ac:spMk id="139" creationId="{D5FBCAC9-BD8B-4F3B-AD74-EF37D4211349}"/>
+          </ac:spMkLst>
+        </pc:spChg>
+        <pc:spChg chg="add del">
+          <ac:chgData name="Abhiroop Mukherjee" userId="5fbc6062963ca2c0" providerId="LiveId" clId="{BA04AB18-81BA-44F6-8A17-E30D392E2E82}" dt="2021-04-07T16:12:55.327" v="4102" actId="26606"/>
+          <ac:spMkLst>
+            <pc:docMk/>
+            <pc:sldMk cId="815679008" sldId="316"/>
+            <ac:spMk id="141" creationId="{9556C5A8-AD7E-4CE7-87BE-9EA3B5E1786F}"/>
+          </ac:spMkLst>
+        </pc:spChg>
+        <pc:spChg chg="add">
+          <ac:chgData name="Abhiroop Mukherjee" userId="5fbc6062963ca2c0" providerId="LiveId" clId="{BA04AB18-81BA-44F6-8A17-E30D392E2E82}" dt="2021-04-07T16:12:55.338" v="4103" actId="26606"/>
+          <ac:spMkLst>
+            <pc:docMk/>
+            <pc:sldMk cId="815679008" sldId="316"/>
+            <ac:spMk id="143" creationId="{284B70D5-875B-433D-BDBD-1522A85D6C1D}"/>
+          </ac:spMkLst>
+        </pc:spChg>
+        <pc:spChg chg="add">
+          <ac:chgData name="Abhiroop Mukherjee" userId="5fbc6062963ca2c0" providerId="LiveId" clId="{BA04AB18-81BA-44F6-8A17-E30D392E2E82}" dt="2021-04-07T16:12:55.338" v="4103" actId="26606"/>
+          <ac:spMkLst>
+            <pc:docMk/>
+            <pc:sldMk cId="815679008" sldId="316"/>
+            <ac:spMk id="145" creationId="{1E299956-A9E7-4FC1-A0B1-D590CA9730E8}"/>
+          </ac:spMkLst>
+        </pc:spChg>
+        <pc:spChg chg="add">
+          <ac:chgData name="Abhiroop Mukherjee" userId="5fbc6062963ca2c0" providerId="LiveId" clId="{BA04AB18-81BA-44F6-8A17-E30D392E2E82}" dt="2021-04-07T16:12:55.338" v="4103" actId="26606"/>
+          <ac:spMkLst>
+            <pc:docMk/>
+            <pc:sldMk cId="815679008" sldId="316"/>
+            <ac:spMk id="146" creationId="{17FC539C-B783-4B03-9F9E-D13430F3F64F}"/>
+          </ac:spMkLst>
+        </pc:spChg>
+        <pc:picChg chg="mod">
+          <ac:chgData name="Abhiroop Mukherjee" userId="5fbc6062963ca2c0" providerId="LiveId" clId="{BA04AB18-81BA-44F6-8A17-E30D392E2E82}" dt="2021-04-07T16:12:55.327" v="4102" actId="26606"/>
+          <ac:picMkLst>
+            <pc:docMk/>
+            <pc:sldMk cId="815679008" sldId="316"/>
+            <ac:picMk id="5" creationId="{99059347-F5D1-41F7-B30A-23EE2BA4D650}"/>
+          </ac:picMkLst>
+        </pc:picChg>
+        <pc:cxnChg chg="add del">
+          <ac:chgData name="Abhiroop Mukherjee" userId="5fbc6062963ca2c0" providerId="LiveId" clId="{BA04AB18-81BA-44F6-8A17-E30D392E2E82}" dt="2021-04-07T16:12:49.068" v="4100" actId="26606"/>
+          <ac:cxnSpMkLst>
+            <pc:docMk/>
+            <pc:sldMk cId="815679008" sldId="316"/>
+            <ac:cxnSpMk id="107" creationId="{C947DF4A-614C-4B4C-8B80-E5B9D8E8CFED}"/>
+          </ac:cxnSpMkLst>
+        </pc:cxnChg>
+        <pc:cxnChg chg="add del">
+          <ac:chgData name="Abhiroop Mukherjee" userId="5fbc6062963ca2c0" providerId="LiveId" clId="{BA04AB18-81BA-44F6-8A17-E30D392E2E82}" dt="2021-04-07T16:12:48.008" v="4097" actId="26606"/>
+          <ac:cxnSpMkLst>
+            <pc:docMk/>
+            <pc:sldMk cId="815679008" sldId="316"/>
+            <ac:cxnSpMk id="116" creationId="{C947DF4A-614C-4B4C-8B80-E5B9D8E8CFED}"/>
+          </ac:cxnSpMkLst>
+        </pc:cxnChg>
+        <pc:cxnChg chg="add del">
+          <ac:chgData name="Abhiroop Mukherjee" userId="5fbc6062963ca2c0" providerId="LiveId" clId="{BA04AB18-81BA-44F6-8A17-E30D392E2E82}" dt="2021-04-07T16:12:49.057" v="4099" actId="26606"/>
+          <ac:cxnSpMkLst>
+            <pc:docMk/>
+            <pc:sldMk cId="815679008" sldId="316"/>
+            <ac:cxnSpMk id="123" creationId="{9C21570E-E159-49A6-9891-FA397B7A92D3}"/>
+          </ac:cxnSpMkLst>
+        </pc:cxnChg>
+        <pc:cxnChg chg="add del">
+          <ac:chgData name="Abhiroop Mukherjee" userId="5fbc6062963ca2c0" providerId="LiveId" clId="{BA04AB18-81BA-44F6-8A17-E30D392E2E82}" dt="2021-04-07T16:12:55.338" v="4103" actId="26606"/>
+          <ac:cxnSpMkLst>
+            <pc:docMk/>
+            <pc:sldMk cId="815679008" sldId="316"/>
+            <ac:cxnSpMk id="128" creationId="{C947DF4A-614C-4B4C-8B80-E5B9D8E8CFED}"/>
+          </ac:cxnSpMkLst>
+        </pc:cxnChg>
+        <pc:cxnChg chg="add del">
+          <ac:chgData name="Abhiroop Mukherjee" userId="5fbc6062963ca2c0" providerId="LiveId" clId="{BA04AB18-81BA-44F6-8A17-E30D392E2E82}" dt="2021-04-07T16:12:55.327" v="4102" actId="26606"/>
+          <ac:cxnSpMkLst>
+            <pc:docMk/>
+            <pc:sldMk cId="815679008" sldId="316"/>
+            <ac:cxnSpMk id="137" creationId="{9020DCC9-F851-4562-BB20-1AB3C51BFD08}"/>
+          </ac:cxnSpMkLst>
+        </pc:cxnChg>
+        <pc:cxnChg chg="add">
+          <ac:chgData name="Abhiroop Mukherjee" userId="5fbc6062963ca2c0" providerId="LiveId" clId="{BA04AB18-81BA-44F6-8A17-E30D392E2E82}" dt="2021-04-07T16:12:55.338" v="4103" actId="26606"/>
+          <ac:cxnSpMkLst>
+            <pc:docMk/>
+            <pc:sldMk cId="815679008" sldId="316"/>
+            <ac:cxnSpMk id="144" creationId="{C947DF4A-614C-4B4C-8B80-E5B9D8E8CFED}"/>
+          </ac:cxnSpMkLst>
+        </pc:cxnChg>
       </pc:sldChg>
     </pc:docChg>
   </pc:docChgLst>
@@ -25731,7 +26746,7 @@
       </p:grpSpPr>
       <p:sp useBgFill="1">
         <p:nvSpPr>
-          <p:cNvPr id="54" name="Rectangle 53">
+          <p:cNvPr id="76" name="Rectangle 64">
             <a:extLst>
               <a:ext uri="{FF2B5EF4-FFF2-40B4-BE49-F238E27FC236}">
                 <a16:creationId xmlns:a16="http://schemas.microsoft.com/office/drawing/2014/main" id="{284B70D5-875B-433D-BDBD-1522A85D6C1D}"/>
@@ -25785,7 +26800,7 @@
           <a:lstStyle/>
           <a:p>
             <a:pPr algn="ctr"/>
-            <a:endParaRPr lang="en-US" dirty="0"/>
+            <a:endParaRPr lang="en-US"/>
           </a:p>
         </p:txBody>
       </p:sp>
@@ -25818,15 +26833,16 @@
           <a:lstStyle/>
           <a:p>
             <a:r>
-              <a:rPr lang="en-IN" b="1" dirty="0"/>
+              <a:rPr lang="en-IN" b="1"/>
               <a:t>Observation</a:t>
             </a:r>
+            <a:endParaRPr lang="en-IN" b="1" dirty="0"/>
           </a:p>
         </p:txBody>
       </p:sp>
       <p:pic>
         <p:nvPicPr>
-          <p:cNvPr id="5" name="Content Placeholder 4" descr="Chart, line chart&#10;&#10;Description automatically generated">
+          <p:cNvPr id="5" name="Content Placeholder 4">
             <a:extLst>
               <a:ext uri="{FF2B5EF4-FFF2-40B4-BE49-F238E27FC236}">
                 <a16:creationId xmlns:a16="http://schemas.microsoft.com/office/drawing/2014/main" id="{99059347-F5D1-41F7-B30A-23EE2BA4D650}"/>
@@ -25850,8 +26866,8 @@
         </p:blipFill>
         <p:spPr>
           <a:xfrm>
-            <a:off x="633999" y="878854"/>
-            <a:ext cx="6909801" cy="4836860"/>
+            <a:off x="634000" y="878854"/>
+            <a:ext cx="6909799" cy="4836860"/>
           </a:xfrm>
           <a:prstGeom prst="rect">
             <a:avLst/>
@@ -25860,7 +26876,7 @@
       </p:pic>
       <p:cxnSp>
         <p:nvCxnSpPr>
-          <p:cNvPr id="56" name="Straight Connector 55">
+          <p:cNvPr id="77" name="Straight Connector 66">
             <a:extLst>
               <a:ext uri="{FF2B5EF4-FFF2-40B4-BE49-F238E27FC236}">
                 <a16:creationId xmlns:a16="http://schemas.microsoft.com/office/drawing/2014/main" id="{C947DF4A-614C-4B4C-8B80-E5B9D8E8CFED}"/>
@@ -25914,8 +26930,8 @@
           </a:fontRef>
         </p:style>
       </p:cxnSp>
-      <mc:AlternateContent xmlns:mc="http://schemas.openxmlformats.org/markup-compatibility/2006" xmlns:a14="http://schemas.microsoft.com/office/drawing/2010/main">
-        <mc:Choice Requires="a14">
+      <mc:AlternateContent xmlns:mc="http://schemas.openxmlformats.org/markup-compatibility/2006">
+        <mc:Choice xmlns:a14="http://schemas.microsoft.com/office/drawing/2010/main" Requires="a14">
           <p:sp>
             <p:nvSpPr>
               <p:cNvPr id="10" name="Content Placeholder 8">
@@ -26008,7 +27024,7 @@
             </p:txBody>
           </p:sp>
         </mc:Choice>
-        <mc:Fallback xmlns="">
+        <mc:Fallback>
           <p:sp>
             <p:nvSpPr>
               <p:cNvPr id="10" name="Content Placeholder 8">
@@ -26054,7 +27070,7 @@
       </mc:AlternateContent>
       <p:sp>
         <p:nvSpPr>
-          <p:cNvPr id="58" name="Rectangle 57">
+          <p:cNvPr id="78" name="Rectangle 68">
             <a:extLst>
               <a:ext uri="{FF2B5EF4-FFF2-40B4-BE49-F238E27FC236}">
                 <a16:creationId xmlns:a16="http://schemas.microsoft.com/office/drawing/2014/main" id="{1E299956-A9E7-4FC1-A0B1-D590CA9730E8}"/>
@@ -26109,7 +27125,7 @@
       </p:sp>
       <p:sp>
         <p:nvSpPr>
-          <p:cNvPr id="60" name="Rectangle 59">
+          <p:cNvPr id="79" name="Rectangle 70">
             <a:extLst>
               <a:ext uri="{FF2B5EF4-FFF2-40B4-BE49-F238E27FC236}">
                 <a16:creationId xmlns:a16="http://schemas.microsoft.com/office/drawing/2014/main" id="{17FC539C-B783-4B03-9F9E-D13430F3F64F}"/>
@@ -26202,7 +27218,7 @@
       </p:grpSpPr>
       <p:sp useBgFill="1">
         <p:nvSpPr>
-          <p:cNvPr id="54" name="Rectangle 53">
+          <p:cNvPr id="65" name="Rectangle 64">
             <a:extLst>
               <a:ext uri="{FF2B5EF4-FFF2-40B4-BE49-F238E27FC236}">
                 <a16:creationId xmlns:a16="http://schemas.microsoft.com/office/drawing/2014/main" id="{284B70D5-875B-433D-BDBD-1522A85D6C1D}"/>
@@ -26256,7 +27272,7 @@
           <a:lstStyle/>
           <a:p>
             <a:pPr algn="ctr"/>
-            <a:endParaRPr lang="en-US" dirty="0"/>
+            <a:endParaRPr lang="en-US"/>
           </a:p>
         </p:txBody>
       </p:sp>
@@ -26297,7 +27313,7 @@
       </p:sp>
       <p:pic>
         <p:nvPicPr>
-          <p:cNvPr id="5" name="Content Placeholder 4" descr="Chart, line chart&#10;&#10;Description automatically generated">
+          <p:cNvPr id="5" name="Content Placeholder 4">
             <a:extLst>
               <a:ext uri="{FF2B5EF4-FFF2-40B4-BE49-F238E27FC236}">
                 <a16:creationId xmlns:a16="http://schemas.microsoft.com/office/drawing/2014/main" id="{99059347-F5D1-41F7-B30A-23EE2BA4D650}"/>
@@ -26321,8 +27337,8 @@
         </p:blipFill>
         <p:spPr>
           <a:xfrm>
-            <a:off x="633999" y="878854"/>
-            <a:ext cx="6909801" cy="4836860"/>
+            <a:off x="634000" y="878854"/>
+            <a:ext cx="6909799" cy="4836860"/>
           </a:xfrm>
           <a:prstGeom prst="rect">
             <a:avLst/>
@@ -26331,7 +27347,7 @@
       </p:pic>
       <p:cxnSp>
         <p:nvCxnSpPr>
-          <p:cNvPr id="56" name="Straight Connector 55">
+          <p:cNvPr id="67" name="Straight Connector 66">
             <a:extLst>
               <a:ext uri="{FF2B5EF4-FFF2-40B4-BE49-F238E27FC236}">
                 <a16:creationId xmlns:a16="http://schemas.microsoft.com/office/drawing/2014/main" id="{C947DF4A-614C-4B4C-8B80-E5B9D8E8CFED}"/>
@@ -26421,19 +27437,15 @@
           <a:p>
             <a:r>
               <a:rPr lang="en-US" dirty="0"/>
-              <a:t>Solution: </a:t>
+              <a:t>Solution: We Test the Randomized Quicksort with different deliberately made partition of size other than halves (as randomized tends to go towards 1:1 partition)</a:t>
             </a:r>
-            <a:r>
-              <a:rPr lang="en-US"/>
-              <a:t>We Test the </a:t>
-            </a:r>
-            <a:endParaRPr lang="en-IN"/>
+            <a:endParaRPr lang="en-IN" dirty="0"/>
           </a:p>
         </p:txBody>
       </p:sp>
       <p:sp>
         <p:nvSpPr>
-          <p:cNvPr id="58" name="Rectangle 57">
+          <p:cNvPr id="69" name="Rectangle 68">
             <a:extLst>
               <a:ext uri="{FF2B5EF4-FFF2-40B4-BE49-F238E27FC236}">
                 <a16:creationId xmlns:a16="http://schemas.microsoft.com/office/drawing/2014/main" id="{1E299956-A9E7-4FC1-A0B1-D590CA9730E8}"/>
@@ -26488,7 +27500,7 @@
       </p:sp>
       <p:sp>
         <p:nvSpPr>
-          <p:cNvPr id="60" name="Rectangle 59">
+          <p:cNvPr id="71" name="Rectangle 70">
             <a:extLst>
               <a:ext uri="{FF2B5EF4-FFF2-40B4-BE49-F238E27FC236}">
                 <a16:creationId xmlns:a16="http://schemas.microsoft.com/office/drawing/2014/main" id="{17FC539C-B783-4B03-9F9E-D13430F3F64F}"/>
@@ -26579,189 +27591,12 @@
           <a:chExt cx="0" cy="0"/>
         </a:xfrm>
       </p:grpSpPr>
-      <p:pic>
-        <p:nvPicPr>
-          <p:cNvPr id="5" name="Picture 4" descr="Many question marks on black background">
+      <p:sp useBgFill="1">
+        <p:nvSpPr>
+          <p:cNvPr id="14" name="Rectangle 16">
             <a:extLst>
               <a:ext uri="{FF2B5EF4-FFF2-40B4-BE49-F238E27FC236}">
-                <a16:creationId xmlns:a16="http://schemas.microsoft.com/office/drawing/2014/main" id="{ADB0B3D9-43BA-44C0-B7D2-B552C20F9567}"/>
-              </a:ext>
-            </a:extLst>
-          </p:cNvPr>
-          <p:cNvPicPr>
-            <a:picLocks noChangeAspect="1"/>
-          </p:cNvPicPr>
-          <p:nvPr/>
-        </p:nvPicPr>
-        <p:blipFill rotWithShape="1">
-          <a:blip r:embed="rId2">
-            <a:duotone>
-              <a:schemeClr val="bg2">
-                <a:shade val="45000"/>
-                <a:satMod val="135000"/>
-              </a:schemeClr>
-              <a:prstClr val="white"/>
-            </a:duotone>
-            <a:alphaModFix amt="35000"/>
-          </a:blip>
-          <a:srcRect t="7787"/>
-          <a:stretch/>
-        </p:blipFill>
-        <p:spPr>
-          <a:xfrm>
-            <a:off x="0" y="0"/>
-            <a:ext cx="12191980" cy="6857990"/>
-          </a:xfrm>
-          <a:prstGeom prst="rect">
-            <a:avLst/>
-          </a:prstGeom>
-        </p:spPr>
-      </p:pic>
-      <p:sp>
-        <p:nvSpPr>
-          <p:cNvPr id="2" name="Title 1">
-            <a:extLst>
-              <a:ext uri="{FF2B5EF4-FFF2-40B4-BE49-F238E27FC236}">
-                <a16:creationId xmlns:a16="http://schemas.microsoft.com/office/drawing/2014/main" id="{4A52C5C3-42CA-4234-833A-76AB208648C9}"/>
-              </a:ext>
-            </a:extLst>
-          </p:cNvPr>
-          <p:cNvSpPr>
-            <a:spLocks noGrp="1"/>
-          </p:cNvSpPr>
-          <p:nvPr>
-            <p:ph type="ctrTitle"/>
-          </p:nvPr>
-        </p:nvSpPr>
-        <p:spPr>
-          <a:xfrm>
-            <a:off x="1097280" y="758952"/>
-            <a:ext cx="10058400" cy="3566160"/>
-          </a:xfrm>
-        </p:spPr>
-        <p:txBody>
-          <a:bodyPr>
-            <a:normAutofit/>
-          </a:bodyPr>
-          <a:lstStyle/>
-          <a:p>
-            <a:r>
-              <a:rPr lang="en-IN" dirty="0"/>
-              <a:t>Question 5</a:t>
-            </a:r>
-          </a:p>
-        </p:txBody>
-      </p:sp>
-      <p:sp>
-        <p:nvSpPr>
-          <p:cNvPr id="3" name="Subtitle 2">
-            <a:extLst>
-              <a:ext uri="{FF2B5EF4-FFF2-40B4-BE49-F238E27FC236}">
-                <a16:creationId xmlns:a16="http://schemas.microsoft.com/office/drawing/2014/main" id="{418B9C51-389E-47E6-B0A9-41747AF0C1BE}"/>
-              </a:ext>
-            </a:extLst>
-          </p:cNvPr>
-          <p:cNvSpPr>
-            <a:spLocks noGrp="1"/>
-          </p:cNvSpPr>
-          <p:nvPr>
-            <p:ph type="subTitle" idx="1"/>
-          </p:nvPr>
-        </p:nvSpPr>
-        <p:spPr>
-          <a:xfrm>
-            <a:off x="1100051" y="4455620"/>
-            <a:ext cx="10058400" cy="1143000"/>
-          </a:xfrm>
-        </p:spPr>
-        <p:txBody>
-          <a:bodyPr>
-            <a:normAutofit/>
-          </a:bodyPr>
-          <a:lstStyle/>
-          <a:p>
-            <a:r>
-              <a:rPr lang="en-US" b="1" dirty="0">
-                <a:solidFill>
-                  <a:schemeClr val="tx1">
-                    <a:lumMod val="85000"/>
-                    <a:lumOff val="15000"/>
-                  </a:schemeClr>
-                </a:solidFill>
-              </a:rPr>
-              <a:t>Now normalize both the datasets in the range from 0 to 1 and implement bucket sort (BS) algorithm and check for correctness</a:t>
-            </a:r>
-            <a:endParaRPr lang="en-IN" b="1" dirty="0">
-              <a:solidFill>
-                <a:schemeClr val="tx1">
-                  <a:lumMod val="85000"/>
-                  <a:lumOff val="15000"/>
-                </a:schemeClr>
-              </a:solidFill>
-            </a:endParaRPr>
-          </a:p>
-        </p:txBody>
-      </p:sp>
-      <p:cxnSp>
-        <p:nvCxnSpPr>
-          <p:cNvPr id="10" name="Straight Connector 9">
-            <a:extLst>
-              <a:ext uri="{FF2B5EF4-FFF2-40B4-BE49-F238E27FC236}">
-                <a16:creationId xmlns:a16="http://schemas.microsoft.com/office/drawing/2014/main" id="{77AB95BF-57D0-4E49-9EF2-408B47C8D40D}"/>
-              </a:ext>
-              <a:ext uri="{C183D7F6-B498-43B3-948B-1728B52AA6E4}">
-                <adec:decorative xmlns:adec="http://schemas.microsoft.com/office/drawing/2017/decorative" val="1"/>
-              </a:ext>
-            </a:extLst>
-          </p:cNvPr>
-          <p:cNvCxnSpPr>
-            <a:cxnSpLocks noGrp="1" noRot="1" noChangeAspect="1" noMove="1" noResize="1" noEditPoints="1" noAdjustHandles="1" noChangeArrowheads="1" noChangeShapeType="1"/>
-          </p:cNvCxnSpPr>
-          <p:nvPr>
-            <p:extLst>
-              <p:ext uri="{386F3935-93C4-4BCD-93E2-E3B085C9AB24}">
-                <p16:designElem xmlns:p16="http://schemas.microsoft.com/office/powerpoint/2015/main" val="1"/>
-              </p:ext>
-            </p:extLst>
-          </p:nvPr>
-        </p:nvCxnSpPr>
-        <p:spPr>
-          <a:xfrm>
-            <a:off x="1207658" y="4343400"/>
-            <a:ext cx="9875520" cy="0"/>
-          </a:xfrm>
-          <a:prstGeom prst="line">
-            <a:avLst/>
-          </a:prstGeom>
-          <a:ln w="6350">
-            <a:solidFill>
-              <a:schemeClr val="tx2">
-                <a:alpha val="90000"/>
-              </a:schemeClr>
-            </a:solidFill>
-          </a:ln>
-        </p:spPr>
-        <p:style>
-          <a:lnRef idx="1">
-            <a:schemeClr val="accent1"/>
-          </a:lnRef>
-          <a:fillRef idx="0">
-            <a:schemeClr val="accent1"/>
-          </a:fillRef>
-          <a:effectRef idx="0">
-            <a:schemeClr val="accent1"/>
-          </a:effectRef>
-          <a:fontRef idx="minor">
-            <a:schemeClr val="tx1"/>
-          </a:fontRef>
-        </p:style>
-      </p:cxnSp>
-      <p:sp>
-        <p:nvSpPr>
-          <p:cNvPr id="12" name="Rectangle 11">
-            <a:extLst>
-              <a:ext uri="{FF2B5EF4-FFF2-40B4-BE49-F238E27FC236}">
-                <a16:creationId xmlns:a16="http://schemas.microsoft.com/office/drawing/2014/main" id="{1C520CBD-F82E-44E4-BDA5-128716AD79C8}"/>
+                <a16:creationId xmlns:a16="http://schemas.microsoft.com/office/drawing/2014/main" id="{3741B58E-3B65-4A01-A276-975AB2CF8A08}"/>
               </a:ext>
               <a:ext uri="{C183D7F6-B498-43B3-948B-1728B52AA6E4}">
                 <adec:decorative xmlns:adec="http://schemas.microsoft.com/office/drawing/2017/decorative" val="1"/>
@@ -26781,42 +27616,47 @@
         </p:nvSpPr>
         <p:spPr>
           <a:xfrm>
-            <a:off x="15" y="6334316"/>
-            <a:ext cx="12191985" cy="66484"/>
+            <a:off x="0" y="0"/>
+            <a:ext cx="12186315" cy="6858000"/>
           </a:xfrm>
           <a:prstGeom prst="rect">
             <a:avLst/>
           </a:prstGeom>
-          <a:solidFill>
-            <a:schemeClr val="accent1"/>
-          </a:solidFill>
           <a:ln>
             <a:noFill/>
           </a:ln>
         </p:spPr>
         <p:style>
           <a:lnRef idx="2">
-            <a:schemeClr val="accent1">
+            <a:schemeClr val="accent6">
               <a:shade val="50000"/>
             </a:schemeClr>
           </a:lnRef>
-          <a:fillRef idx="1">
-            <a:schemeClr val="accent1"/>
+          <a:fillRef idx="1001">
+            <a:schemeClr val="lt1"/>
           </a:fillRef>
           <a:effectRef idx="0">
-            <a:schemeClr val="accent1"/>
+            <a:schemeClr val="accent6"/>
           </a:effectRef>
           <a:fontRef idx="minor">
             <a:schemeClr val="lt1"/>
           </a:fontRef>
         </p:style>
+        <p:txBody>
+          <a:bodyPr rtlCol="0" anchor="ctr"/>
+          <a:lstStyle/>
+          <a:p>
+            <a:pPr algn="ctr"/>
+            <a:endParaRPr lang="en-US"/>
+          </a:p>
+        </p:txBody>
       </p:sp>
       <p:sp>
         <p:nvSpPr>
-          <p:cNvPr id="14" name="Rectangle 13">
+          <p:cNvPr id="19" name="Rectangle 18">
             <a:extLst>
               <a:ext uri="{FF2B5EF4-FFF2-40B4-BE49-F238E27FC236}">
-                <a16:creationId xmlns:a16="http://schemas.microsoft.com/office/drawing/2014/main" id="{4618AE32-A526-42FC-A854-732740BD38DA}"/>
+                <a16:creationId xmlns:a16="http://schemas.microsoft.com/office/drawing/2014/main" id="{7AAC67C3-831B-4AB1-A259-DFB839CAFAFC}"/>
               </a:ext>
               <a:ext uri="{C183D7F6-B498-43B3-948B-1728B52AA6E4}">
                 <adec:decorative xmlns:adec="http://schemas.microsoft.com/office/drawing/2017/decorative" val="1"/>
@@ -26836,8 +27676,8 @@
         </p:nvSpPr>
         <p:spPr>
           <a:xfrm>
-            <a:off x="1" y="6400800"/>
-            <a:ext cx="12192000" cy="457200"/>
+            <a:off x="16" y="0"/>
+            <a:ext cx="4050791" cy="6858000"/>
           </a:xfrm>
           <a:prstGeom prst="rect">
             <a:avLst/>
@@ -26866,155 +27706,341 @@
           </a:fontRef>
         </p:style>
       </p:sp>
+      <p:sp>
+        <p:nvSpPr>
+          <p:cNvPr id="2" name="Title 1">
+            <a:extLst>
+              <a:ext uri="{FF2B5EF4-FFF2-40B4-BE49-F238E27FC236}">
+                <a16:creationId xmlns:a16="http://schemas.microsoft.com/office/drawing/2014/main" id="{0D8666D5-BB6C-4EF9-AA8A-A61F4629E79E}"/>
+              </a:ext>
+            </a:extLst>
+          </p:cNvPr>
+          <p:cNvSpPr>
+            <a:spLocks noGrp="1"/>
+          </p:cNvSpPr>
+          <p:nvPr>
+            <p:ph type="title"/>
+          </p:nvPr>
+        </p:nvSpPr>
+        <p:spPr>
+          <a:xfrm>
+            <a:off x="492370" y="605896"/>
+            <a:ext cx="3084844" cy="5646208"/>
+          </a:xfrm>
+        </p:spPr>
+        <p:txBody>
+          <a:bodyPr anchor="ctr">
+            <a:normAutofit/>
+          </a:bodyPr>
+          <a:lstStyle/>
+          <a:p>
+            <a:r>
+              <a:rPr lang="en-IN" sz="3600">
+                <a:solidFill>
+                  <a:srgbClr val="FFFFFF"/>
+                </a:solidFill>
+              </a:rPr>
+              <a:t>How do we make custom size partitions</a:t>
+            </a:r>
+          </a:p>
+        </p:txBody>
+      </p:sp>
+      <p:sp>
+        <p:nvSpPr>
+          <p:cNvPr id="24" name="Rectangle 20">
+            <a:extLst>
+              <a:ext uri="{FF2B5EF4-FFF2-40B4-BE49-F238E27FC236}">
+                <a16:creationId xmlns:a16="http://schemas.microsoft.com/office/drawing/2014/main" id="{054B3F04-9EAC-45C0-B3CE-0387EEA10A0C}"/>
+              </a:ext>
+              <a:ext uri="{C183D7F6-B498-43B3-948B-1728B52AA6E4}">
+                <adec:decorative xmlns:adec="http://schemas.microsoft.com/office/drawing/2017/decorative" val="1"/>
+              </a:ext>
+            </a:extLst>
+          </p:cNvPr>
+          <p:cNvSpPr>
+            <a:spLocks noGrp="1" noRot="1" noChangeAspect="1" noMove="1" noResize="1" noEditPoints="1" noAdjustHandles="1" noChangeArrowheads="1" noChangeShapeType="1" noTextEdit="1"/>
+          </p:cNvSpPr>
+          <p:nvPr>
+            <p:extLst>
+              <p:ext uri="{386F3935-93C4-4BCD-93E2-E3B085C9AB24}">
+                <p16:designElem xmlns:p16="http://schemas.microsoft.com/office/powerpoint/2015/main" val="1"/>
+              </p:ext>
+            </p:extLst>
+          </p:nvPr>
+        </p:nvSpPr>
+        <p:spPr>
+          <a:xfrm>
+            <a:off x="4040071" y="0"/>
+            <a:ext cx="64008" cy="6858000"/>
+          </a:xfrm>
+          <a:prstGeom prst="rect">
+            <a:avLst/>
+          </a:prstGeom>
+          <a:solidFill>
+            <a:schemeClr val="accent1"/>
+          </a:solidFill>
+          <a:ln>
+            <a:noFill/>
+          </a:ln>
+        </p:spPr>
+        <p:style>
+          <a:lnRef idx="2">
+            <a:schemeClr val="accent1">
+              <a:shade val="50000"/>
+            </a:schemeClr>
+          </a:lnRef>
+          <a:fillRef idx="1">
+            <a:schemeClr val="accent1"/>
+          </a:fillRef>
+          <a:effectRef idx="0">
+            <a:schemeClr val="accent1"/>
+          </a:effectRef>
+          <a:fontRef idx="minor">
+            <a:schemeClr val="lt1"/>
+          </a:fontRef>
+        </p:style>
+      </p:sp>
+      <mc:AlternateContent xmlns:mc="http://schemas.openxmlformats.org/markup-compatibility/2006">
+        <mc:Choice xmlns:a14="http://schemas.microsoft.com/office/drawing/2010/main" Requires="a14">
+          <p:sp>
+            <p:nvSpPr>
+              <p:cNvPr id="3" name="Content Placeholder 2">
+                <a:extLst>
+                  <a:ext uri="{FF2B5EF4-FFF2-40B4-BE49-F238E27FC236}">
+                    <a16:creationId xmlns:a16="http://schemas.microsoft.com/office/drawing/2014/main" id="{88E9313C-B6BA-4DB2-8304-DCBDE3D6FD91}"/>
+                  </a:ext>
+                </a:extLst>
+              </p:cNvPr>
+              <p:cNvSpPr>
+                <a:spLocks noGrp="1"/>
+              </p:cNvSpPr>
+              <p:nvPr>
+                <p:ph idx="1"/>
+              </p:nvPr>
+            </p:nvSpPr>
+            <p:spPr>
+              <a:xfrm>
+                <a:off x="4742016" y="605896"/>
+                <a:ext cx="6413663" cy="5646208"/>
+              </a:xfrm>
+            </p:spPr>
+            <p:txBody>
+              <a:bodyPr anchor="ctr">
+                <a:normAutofit/>
+              </a:bodyPr>
+              <a:lstStyle/>
+              <a:p>
+                <a:pPr lvl="1"/>
+                <a:r>
+                  <a:rPr lang="en-IN" dirty="0"/>
+                  <a:t>As we need to make our own size partitions, we need a way to make custom sized partitions</a:t>
+                </a:r>
+              </a:p>
+              <a:p>
+                <a:pPr lvl="1"/>
+                <a:r>
+                  <a:rPr lang="en-IN" dirty="0"/>
+                  <a:t>For this we used </a:t>
+                </a:r>
+                <a:r>
+                  <a:rPr lang="en-IN" dirty="0" err="1">
+                    <a:latin typeface="Courier New" panose="02070309020205020404" pitchFamily="49" charset="0"/>
+                    <a:cs typeface="Courier New" panose="02070309020205020404" pitchFamily="49" charset="0"/>
+                  </a:rPr>
+                  <a:t>randomized_select</a:t>
+                </a:r>
+                <a:r>
+                  <a:rPr lang="en-IN" dirty="0">
+                    <a:latin typeface="Courier New" panose="02070309020205020404" pitchFamily="49" charset="0"/>
+                    <a:cs typeface="Courier New" panose="02070309020205020404" pitchFamily="49" charset="0"/>
+                  </a:rPr>
+                  <a:t>()</a:t>
+                </a:r>
+                <a:r>
+                  <a:rPr lang="en-IN" dirty="0"/>
+                  <a:t> algorithm	</a:t>
+                </a:r>
+              </a:p>
+              <a:p>
+                <a:pPr lvl="1"/>
+                <a:r>
+                  <a:rPr lang="en-IN" dirty="0"/>
+                  <a:t>This function uses same </a:t>
+                </a:r>
+                <a:r>
+                  <a:rPr lang="en-IN" dirty="0" err="1">
+                    <a:latin typeface="Courier New" panose="02070309020205020404" pitchFamily="49" charset="0"/>
+                    <a:cs typeface="Courier New" panose="02070309020205020404" pitchFamily="49" charset="0"/>
+                  </a:rPr>
+                  <a:t>randomized_partition</a:t>
+                </a:r>
+                <a:r>
+                  <a:rPr lang="en-IN" dirty="0">
+                    <a:latin typeface="Courier New" panose="02070309020205020404" pitchFamily="49" charset="0"/>
+                    <a:cs typeface="Courier New" panose="02070309020205020404" pitchFamily="49" charset="0"/>
+                  </a:rPr>
+                  <a:t>()</a:t>
+                </a:r>
+                <a:r>
+                  <a:rPr lang="en-IN" dirty="0"/>
+                  <a:t>  to find </a:t>
+                </a:r>
+                <a14:m>
+                  <m:oMath xmlns:m="http://schemas.openxmlformats.org/officeDocument/2006/math">
+                    <m:sSup>
+                      <m:sSupPr>
+                        <m:ctrlPr>
+                          <a:rPr lang="en-IN" i="1" smtClean="0">
+                            <a:latin typeface="Cambria Math" panose="02040503050406030204" pitchFamily="18" charset="0"/>
+                          </a:rPr>
+                        </m:ctrlPr>
+                      </m:sSupPr>
+                      <m:e>
+                        <m:r>
+                          <a:rPr lang="en-IN" b="0" i="1" smtClean="0">
+                            <a:latin typeface="Cambria Math" panose="02040503050406030204" pitchFamily="18" charset="0"/>
+                          </a:rPr>
+                          <m:t>𝑘</m:t>
+                        </m:r>
+                      </m:e>
+                      <m:sup>
+                        <m:r>
+                          <a:rPr lang="en-IN" b="0" i="1" smtClean="0">
+                            <a:latin typeface="Cambria Math" panose="02040503050406030204" pitchFamily="18" charset="0"/>
+                          </a:rPr>
+                          <m:t>𝑡h</m:t>
+                        </m:r>
+                      </m:sup>
+                    </m:sSup>
+                  </m:oMath>
+                </a14:m>
+                <a:r>
+                  <a:rPr lang="en-IN" dirty="0"/>
+                  <a:t> smallest element of array without sorting the array and does the same in </a:t>
+                </a:r>
+                <a14:m>
+                  <m:oMath xmlns:m="http://schemas.openxmlformats.org/officeDocument/2006/math">
+                    <m:r>
+                      <a:rPr lang="en-IN" b="0" i="1" smtClean="0">
+                        <a:latin typeface="Cambria Math" panose="02040503050406030204" pitchFamily="18" charset="0"/>
+                      </a:rPr>
+                      <m:t>𝑂</m:t>
+                    </m:r>
+                    <m:d>
+                      <m:dPr>
+                        <m:ctrlPr>
+                          <a:rPr lang="en-IN" b="0" i="1" smtClean="0">
+                            <a:latin typeface="Cambria Math" panose="02040503050406030204" pitchFamily="18" charset="0"/>
+                          </a:rPr>
+                        </m:ctrlPr>
+                      </m:dPr>
+                      <m:e>
+                        <m:r>
+                          <a:rPr lang="en-IN" b="0" i="1" smtClean="0">
+                            <a:latin typeface="Cambria Math" panose="02040503050406030204" pitchFamily="18" charset="0"/>
+                          </a:rPr>
+                          <m:t>𝑛</m:t>
+                        </m:r>
+                      </m:e>
+                    </m:d>
+                    <m:r>
+                      <a:rPr lang="en-IN" b="0" i="1" smtClean="0">
+                        <a:latin typeface="Cambria Math" panose="02040503050406030204" pitchFamily="18" charset="0"/>
+                      </a:rPr>
+                      <m:t> </m:t>
+                    </m:r>
+                  </m:oMath>
+                </a14:m>
+                <a:r>
+                  <a:rPr lang="en-IN" dirty="0"/>
+                  <a:t>average time complexity</a:t>
+                </a:r>
+              </a:p>
+              <a:p>
+                <a:pPr lvl="1"/>
+                <a:r>
+                  <a:rPr lang="en-IN" dirty="0"/>
+                  <a:t>We can then use the output of </a:t>
+                </a:r>
+                <a:r>
+                  <a:rPr lang="en-IN" dirty="0" err="1">
+                    <a:latin typeface="Courier New" panose="02070309020205020404" pitchFamily="49" charset="0"/>
+                    <a:cs typeface="Courier New" panose="02070309020205020404" pitchFamily="49" charset="0"/>
+                  </a:rPr>
+                  <a:t>randomized_select</a:t>
+                </a:r>
+                <a:r>
+                  <a:rPr lang="en-IN" dirty="0">
+                    <a:latin typeface="Courier New" panose="02070309020205020404" pitchFamily="49" charset="0"/>
+                    <a:cs typeface="Courier New" panose="02070309020205020404" pitchFamily="49" charset="0"/>
+                  </a:rPr>
+                  <a:t>()</a:t>
+                </a:r>
+                <a:r>
+                  <a:rPr lang="en-IN" dirty="0"/>
+                  <a:t> as pivot to make custom size partitions</a:t>
+                </a:r>
+              </a:p>
+              <a:p>
+                <a:endParaRPr lang="en-IN" dirty="0"/>
+              </a:p>
+            </p:txBody>
+          </p:sp>
+        </mc:Choice>
+        <mc:Fallback>
+          <p:sp>
+            <p:nvSpPr>
+              <p:cNvPr id="3" name="Content Placeholder 2">
+                <a:extLst>
+                  <a:ext uri="{FF2B5EF4-FFF2-40B4-BE49-F238E27FC236}">
+                    <a16:creationId xmlns:a16="http://schemas.microsoft.com/office/drawing/2014/main" id="{88E9313C-B6BA-4DB2-8304-DCBDE3D6FD91}"/>
+                  </a:ext>
+                </a:extLst>
+              </p:cNvPr>
+              <p:cNvSpPr>
+                <a:spLocks noGrp="1" noRot="1" noChangeAspect="1" noMove="1" noResize="1" noEditPoints="1" noAdjustHandles="1" noChangeArrowheads="1" noChangeShapeType="1" noTextEdit="1"/>
+              </p:cNvSpPr>
+              <p:nvPr>
+                <p:ph idx="1"/>
+              </p:nvPr>
+            </p:nvSpPr>
+            <p:spPr>
+              <a:xfrm>
+                <a:off x="4742016" y="605896"/>
+                <a:ext cx="6413663" cy="5646208"/>
+              </a:xfrm>
+              <a:blipFill>
+                <a:blip r:embed="rId2"/>
+                <a:stretch>
+                  <a:fillRect r="-2567"/>
+                </a:stretch>
+              </a:blipFill>
+            </p:spPr>
+            <p:txBody>
+              <a:bodyPr/>
+              <a:lstStyle/>
+              <a:p>
+                <a:r>
+                  <a:rPr lang="en-IN">
+                    <a:noFill/>
+                  </a:rPr>
+                  <a:t> </a:t>
+                </a:r>
+              </a:p>
+            </p:txBody>
+          </p:sp>
+        </mc:Fallback>
+      </mc:AlternateContent>
     </p:spTree>
     <p:extLst>
       <p:ext uri="{BB962C8B-B14F-4D97-AF65-F5344CB8AC3E}">
-        <p14:creationId xmlns:p14="http://schemas.microsoft.com/office/powerpoint/2010/main" val="993646057"/>
+        <p14:creationId xmlns:p14="http://schemas.microsoft.com/office/powerpoint/2010/main" val="3429303770"/>
       </p:ext>
     </p:extLst>
   </p:cSld>
   <p:clrMapOvr>
     <a:masterClrMapping/>
   </p:clrMapOvr>
-  <p:timing>
-    <p:tnLst>
-      <p:par>
-        <p:cTn id="1" dur="indefinite" restart="never" nodeType="tmRoot">
-          <p:childTnLst>
-            <p:seq concurrent="1" nextAc="seek">
-              <p:cTn id="2" dur="indefinite" nodeType="mainSeq">
-                <p:childTnLst>
-                  <p:par>
-                    <p:cTn id="3" fill="hold">
-                      <p:stCondLst>
-                        <p:cond delay="indefinite"/>
-                        <p:cond evt="onBegin" delay="0">
-                          <p:tn val="2"/>
-                        </p:cond>
-                      </p:stCondLst>
-                      <p:childTnLst>
-                        <p:par>
-                          <p:cTn id="4" fill="hold">
-                            <p:stCondLst>
-                              <p:cond delay="0"/>
-                            </p:stCondLst>
-                            <p:childTnLst>
-                              <p:par>
-                                <p:cTn id="5" presetID="10" presetClass="entr" presetSubtype="0" fill="hold" grpId="0" nodeType="withEffect">
-                                  <p:stCondLst>
-                                    <p:cond delay="1500"/>
-                                  </p:stCondLst>
-                                  <p:iterate>
-                                    <p:tmPct val="10000"/>
-                                  </p:iterate>
-                                  <p:childTnLst>
-                                    <p:set>
-                                      <p:cBhvr>
-                                        <p:cTn id="6" dur="1" fill="hold">
-                                          <p:stCondLst>
-                                            <p:cond delay="0"/>
-                                          </p:stCondLst>
-                                        </p:cTn>
-                                        <p:tgtEl>
-                                          <p:spTgt spid="3">
-                                            <p:txEl>
-                                              <p:pRg st="0" end="0"/>
-                                            </p:txEl>
-                                          </p:spTgt>
-                                        </p:tgtEl>
-                                        <p:attrNameLst>
-                                          <p:attrName>style.visibility</p:attrName>
-                                        </p:attrNameLst>
-                                      </p:cBhvr>
-                                      <p:to>
-                                        <p:strVal val="visible"/>
-                                      </p:to>
-                                    </p:set>
-                                    <p:animEffect transition="in" filter="fade">
-                                      <p:cBhvr>
-                                        <p:cTn id="7" dur="700"/>
-                                        <p:tgtEl>
-                                          <p:spTgt spid="3">
-                                            <p:txEl>
-                                              <p:pRg st="0" end="0"/>
-                                            </p:txEl>
-                                          </p:spTgt>
-                                        </p:tgtEl>
-                                      </p:cBhvr>
-                                    </p:animEffect>
-                                  </p:childTnLst>
-                                </p:cTn>
-                              </p:par>
-                              <p:par>
-                                <p:cTn id="8" presetID="10" presetClass="entr" presetSubtype="0" fill="hold" grpId="0" nodeType="withEffect">
-                                  <p:stCondLst>
-                                    <p:cond delay="1000"/>
-                                  </p:stCondLst>
-                                  <p:iterate>
-                                    <p:tmPct val="10000"/>
-                                  </p:iterate>
-                                  <p:childTnLst>
-                                    <p:set>
-                                      <p:cBhvr>
-                                        <p:cTn id="9" dur="1" fill="hold">
-                                          <p:stCondLst>
-                                            <p:cond delay="0"/>
-                                          </p:stCondLst>
-                                        </p:cTn>
-                                        <p:tgtEl>
-                                          <p:spTgt spid="2"/>
-                                        </p:tgtEl>
-                                        <p:attrNameLst>
-                                          <p:attrName>style.visibility</p:attrName>
-                                        </p:attrNameLst>
-                                      </p:cBhvr>
-                                      <p:to>
-                                        <p:strVal val="visible"/>
-                                      </p:to>
-                                    </p:set>
-                                    <p:animEffect transition="in" filter="fade">
-                                      <p:cBhvr>
-                                        <p:cTn id="10" dur="700"/>
-                                        <p:tgtEl>
-                                          <p:spTgt spid="2"/>
-                                        </p:tgtEl>
-                                      </p:cBhvr>
-                                    </p:animEffect>
-                                  </p:childTnLst>
-                                </p:cTn>
-                              </p:par>
-                            </p:childTnLst>
-                          </p:cTn>
-                        </p:par>
-                      </p:childTnLst>
-                    </p:cTn>
-                  </p:par>
-                </p:childTnLst>
-              </p:cTn>
-              <p:prevCondLst>
-                <p:cond evt="onPrev" delay="0">
-                  <p:tgtEl>
-                    <p:sldTgt/>
-                  </p:tgtEl>
-                </p:cond>
-              </p:prevCondLst>
-              <p:nextCondLst>
-                <p:cond evt="onNext" delay="0">
-                  <p:tgtEl>
-                    <p:sldTgt/>
-                  </p:tgtEl>
-                </p:cond>
-              </p:nextCondLst>
-            </p:seq>
-          </p:childTnLst>
-        </p:cTn>
-      </p:par>
-    </p:tnLst>
-    <p:bldLst>
-      <p:bldP spid="2" grpId="0"/>
-      <p:bldP spid="3" grpId="0" build="p"/>
-    </p:bldLst>
-  </p:timing>
 </p:sld>
 </file>
 
@@ -27509,6 +28535,2370 @@
       </p:grpSpPr>
       <p:sp useBgFill="1">
         <p:nvSpPr>
+          <p:cNvPr id="27" name="Rectangle 16">
+            <a:extLst>
+              <a:ext uri="{FF2B5EF4-FFF2-40B4-BE49-F238E27FC236}">
+                <a16:creationId xmlns:a16="http://schemas.microsoft.com/office/drawing/2014/main" id="{3741B58E-3B65-4A01-A276-975AB2CF8A08}"/>
+              </a:ext>
+              <a:ext uri="{C183D7F6-B498-43B3-948B-1728B52AA6E4}">
+                <adec:decorative xmlns:adec="http://schemas.microsoft.com/office/drawing/2017/decorative" val="1"/>
+              </a:ext>
+            </a:extLst>
+          </p:cNvPr>
+          <p:cNvSpPr>
+            <a:spLocks noGrp="1" noRot="1" noChangeAspect="1" noMove="1" noResize="1" noEditPoints="1" noAdjustHandles="1" noChangeArrowheads="1" noChangeShapeType="1" noTextEdit="1"/>
+          </p:cNvSpPr>
+          <p:nvPr>
+            <p:extLst>
+              <p:ext uri="{386F3935-93C4-4BCD-93E2-E3B085C9AB24}">
+                <p16:designElem xmlns:p16="http://schemas.microsoft.com/office/powerpoint/2015/main" val="1"/>
+              </p:ext>
+            </p:extLst>
+          </p:nvPr>
+        </p:nvSpPr>
+        <p:spPr>
+          <a:xfrm>
+            <a:off x="0" y="0"/>
+            <a:ext cx="12186315" cy="6858000"/>
+          </a:xfrm>
+          <a:prstGeom prst="rect">
+            <a:avLst/>
+          </a:prstGeom>
+          <a:ln>
+            <a:noFill/>
+          </a:ln>
+        </p:spPr>
+        <p:style>
+          <a:lnRef idx="2">
+            <a:schemeClr val="accent6">
+              <a:shade val="50000"/>
+            </a:schemeClr>
+          </a:lnRef>
+          <a:fillRef idx="1001">
+            <a:schemeClr val="lt1"/>
+          </a:fillRef>
+          <a:effectRef idx="0">
+            <a:schemeClr val="accent6"/>
+          </a:effectRef>
+          <a:fontRef idx="minor">
+            <a:schemeClr val="lt1"/>
+          </a:fontRef>
+        </p:style>
+        <p:txBody>
+          <a:bodyPr rtlCol="0" anchor="ctr"/>
+          <a:lstStyle/>
+          <a:p>
+            <a:pPr algn="ctr"/>
+            <a:endParaRPr lang="en-US"/>
+          </a:p>
+        </p:txBody>
+      </p:sp>
+      <p:sp>
+        <p:nvSpPr>
+          <p:cNvPr id="28" name="Rectangle 18">
+            <a:extLst>
+              <a:ext uri="{FF2B5EF4-FFF2-40B4-BE49-F238E27FC236}">
+                <a16:creationId xmlns:a16="http://schemas.microsoft.com/office/drawing/2014/main" id="{7AAC67C3-831B-4AB1-A259-DFB839CAFAFC}"/>
+              </a:ext>
+              <a:ext uri="{C183D7F6-B498-43B3-948B-1728B52AA6E4}">
+                <adec:decorative xmlns:adec="http://schemas.microsoft.com/office/drawing/2017/decorative" val="1"/>
+              </a:ext>
+            </a:extLst>
+          </p:cNvPr>
+          <p:cNvSpPr>
+            <a:spLocks noGrp="1" noRot="1" noChangeAspect="1" noMove="1" noResize="1" noEditPoints="1" noAdjustHandles="1" noChangeArrowheads="1" noChangeShapeType="1" noTextEdit="1"/>
+          </p:cNvSpPr>
+          <p:nvPr>
+            <p:extLst>
+              <p:ext uri="{386F3935-93C4-4BCD-93E2-E3B085C9AB24}">
+                <p16:designElem xmlns:p16="http://schemas.microsoft.com/office/powerpoint/2015/main" val="1"/>
+              </p:ext>
+            </p:extLst>
+          </p:nvPr>
+        </p:nvSpPr>
+        <p:spPr>
+          <a:xfrm>
+            <a:off x="16" y="0"/>
+            <a:ext cx="4050791" cy="6858000"/>
+          </a:xfrm>
+          <a:prstGeom prst="rect">
+            <a:avLst/>
+          </a:prstGeom>
+          <a:solidFill>
+            <a:schemeClr val="accent2"/>
+          </a:solidFill>
+          <a:ln>
+            <a:noFill/>
+          </a:ln>
+        </p:spPr>
+        <p:style>
+          <a:lnRef idx="2">
+            <a:schemeClr val="accent1">
+              <a:shade val="50000"/>
+            </a:schemeClr>
+          </a:lnRef>
+          <a:fillRef idx="1">
+            <a:schemeClr val="accent1"/>
+          </a:fillRef>
+          <a:effectRef idx="0">
+            <a:schemeClr val="accent1"/>
+          </a:effectRef>
+          <a:fontRef idx="minor">
+            <a:schemeClr val="lt1"/>
+          </a:fontRef>
+        </p:style>
+      </p:sp>
+      <p:sp>
+        <p:nvSpPr>
+          <p:cNvPr id="2" name="Title 1">
+            <a:extLst>
+              <a:ext uri="{FF2B5EF4-FFF2-40B4-BE49-F238E27FC236}">
+                <a16:creationId xmlns:a16="http://schemas.microsoft.com/office/drawing/2014/main" id="{D595B95A-705A-4D49-A704-0108F2F33E09}"/>
+              </a:ext>
+            </a:extLst>
+          </p:cNvPr>
+          <p:cNvSpPr>
+            <a:spLocks noGrp="1"/>
+          </p:cNvSpPr>
+          <p:nvPr>
+            <p:ph type="title"/>
+          </p:nvPr>
+        </p:nvSpPr>
+        <p:spPr>
+          <a:xfrm>
+            <a:off x="492370" y="605896"/>
+            <a:ext cx="3084844" cy="5646208"/>
+          </a:xfrm>
+        </p:spPr>
+        <p:txBody>
+          <a:bodyPr anchor="ctr">
+            <a:normAutofit/>
+          </a:bodyPr>
+          <a:lstStyle/>
+          <a:p>
+            <a:r>
+              <a:rPr lang="en-IN" sz="3600" b="1">
+                <a:solidFill>
+                  <a:srgbClr val="FFFFFF"/>
+                </a:solidFill>
+              </a:rPr>
+              <a:t>Procedure</a:t>
+            </a:r>
+            <a:endParaRPr lang="en-IN" sz="3600" b="1" dirty="0">
+              <a:solidFill>
+                <a:srgbClr val="FFFFFF"/>
+              </a:solidFill>
+            </a:endParaRPr>
+          </a:p>
+        </p:txBody>
+      </p:sp>
+      <p:sp>
+        <p:nvSpPr>
+          <p:cNvPr id="29" name="Rectangle 20">
+            <a:extLst>
+              <a:ext uri="{FF2B5EF4-FFF2-40B4-BE49-F238E27FC236}">
+                <a16:creationId xmlns:a16="http://schemas.microsoft.com/office/drawing/2014/main" id="{054B3F04-9EAC-45C0-B3CE-0387EEA10A0C}"/>
+              </a:ext>
+              <a:ext uri="{C183D7F6-B498-43B3-948B-1728B52AA6E4}">
+                <adec:decorative xmlns:adec="http://schemas.microsoft.com/office/drawing/2017/decorative" val="1"/>
+              </a:ext>
+            </a:extLst>
+          </p:cNvPr>
+          <p:cNvSpPr>
+            <a:spLocks noGrp="1" noRot="1" noChangeAspect="1" noMove="1" noResize="1" noEditPoints="1" noAdjustHandles="1" noChangeArrowheads="1" noChangeShapeType="1" noTextEdit="1"/>
+          </p:cNvSpPr>
+          <p:nvPr>
+            <p:extLst>
+              <p:ext uri="{386F3935-93C4-4BCD-93E2-E3B085C9AB24}">
+                <p16:designElem xmlns:p16="http://schemas.microsoft.com/office/powerpoint/2015/main" val="1"/>
+              </p:ext>
+            </p:extLst>
+          </p:nvPr>
+        </p:nvSpPr>
+        <p:spPr>
+          <a:xfrm>
+            <a:off x="4040071" y="0"/>
+            <a:ext cx="64008" cy="6858000"/>
+          </a:xfrm>
+          <a:prstGeom prst="rect">
+            <a:avLst/>
+          </a:prstGeom>
+          <a:solidFill>
+            <a:schemeClr val="accent1"/>
+          </a:solidFill>
+          <a:ln>
+            <a:noFill/>
+          </a:ln>
+        </p:spPr>
+        <p:style>
+          <a:lnRef idx="2">
+            <a:schemeClr val="accent1">
+              <a:shade val="50000"/>
+            </a:schemeClr>
+          </a:lnRef>
+          <a:fillRef idx="1">
+            <a:schemeClr val="accent1"/>
+          </a:fillRef>
+          <a:effectRef idx="0">
+            <a:schemeClr val="accent1"/>
+          </a:effectRef>
+          <a:fontRef idx="minor">
+            <a:schemeClr val="lt1"/>
+          </a:fontRef>
+        </p:style>
+      </p:sp>
+      <mc:AlternateContent xmlns:mc="http://schemas.openxmlformats.org/markup-compatibility/2006">
+        <mc:Choice xmlns:a14="http://schemas.microsoft.com/office/drawing/2010/main" Requires="a14">
+          <p:sp>
+            <p:nvSpPr>
+              <p:cNvPr id="3" name="Content Placeholder 2">
+                <a:extLst>
+                  <a:ext uri="{FF2B5EF4-FFF2-40B4-BE49-F238E27FC236}">
+                    <a16:creationId xmlns:a16="http://schemas.microsoft.com/office/drawing/2014/main" id="{4B817802-A38C-4038-895E-B8B15F8D564B}"/>
+                  </a:ext>
+                </a:extLst>
+              </p:cNvPr>
+              <p:cNvSpPr>
+                <a:spLocks noGrp="1"/>
+              </p:cNvSpPr>
+              <p:nvPr>
+                <p:ph idx="1"/>
+              </p:nvPr>
+            </p:nvSpPr>
+            <p:spPr>
+              <a:xfrm>
+                <a:off x="4742016" y="605896"/>
+                <a:ext cx="6413663" cy="5646208"/>
+              </a:xfrm>
+            </p:spPr>
+            <p:txBody>
+              <a:bodyPr anchor="ctr">
+                <a:normAutofit/>
+              </a:bodyPr>
+              <a:lstStyle/>
+              <a:p>
+                <a:pPr lvl="1">
+                  <a:buFont typeface="Arial" panose="020B0604020202020204" pitchFamily="34" charset="0"/>
+                  <a:buChar char="•"/>
+                </a:pPr>
+                <a:r>
+                  <a:rPr lang="en-IN" dirty="0"/>
+                  <a:t>We did Randomized Quicksort for different array sizes as before, as well as different partition sizes</a:t>
+                </a:r>
+                <a:r>
+                  <a:rPr lang="en-IN" b="0" dirty="0"/>
+                  <a:t>	</a:t>
+                </a:r>
+                <a:endParaRPr lang="en-IN" dirty="0"/>
+              </a:p>
+              <a:p>
+                <a:pPr lvl="1">
+                  <a:buFont typeface="Arial" panose="020B0604020202020204" pitchFamily="34" charset="0"/>
+                  <a:buChar char="•"/>
+                </a:pPr>
+                <a:r>
+                  <a:rPr lang="en-IN" dirty="0"/>
+                  <a:t>For each array size </a:t>
+                </a:r>
+                <a14:m>
+                  <m:oMath xmlns:m="http://schemas.openxmlformats.org/officeDocument/2006/math">
+                    <m:r>
+                      <a:rPr lang="en-IN" b="0" i="1" smtClean="0">
+                        <a:latin typeface="Cambria Math" panose="02040503050406030204" pitchFamily="18" charset="0"/>
+                      </a:rPr>
+                      <m:t>𝑛</m:t>
+                    </m:r>
+                  </m:oMath>
+                </a14:m>
+                <a:r>
+                  <a:rPr lang="en-IN" dirty="0"/>
+                  <a:t> and partition size, we sorted 10 different arrays of size </a:t>
+                </a:r>
+                <a14:m>
+                  <m:oMath xmlns:m="http://schemas.openxmlformats.org/officeDocument/2006/math">
+                    <m:r>
+                      <a:rPr lang="en-IN" i="1">
+                        <a:latin typeface="Cambria Math" panose="02040503050406030204" pitchFamily="18" charset="0"/>
+                      </a:rPr>
+                      <m:t>𝑛</m:t>
+                    </m:r>
+                  </m:oMath>
+                </a14:m>
+                <a:r>
+                  <a:rPr lang="en-IN" dirty="0"/>
+                  <a:t>, taken from the datasets made in Question 1. Recorded the number of comparison and Time Taken per sort, then took their mean.</a:t>
+                </a:r>
+              </a:p>
+              <a:p>
+                <a:pPr lvl="1">
+                  <a:buFont typeface="Arial" panose="020B0604020202020204" pitchFamily="34" charset="0"/>
+                  <a:buChar char="•"/>
+                </a:pPr>
+                <a:r>
+                  <a:rPr lang="en-IN" dirty="0"/>
+                  <a:t>We then Plotted the following graphs for both datasets</a:t>
+                </a:r>
+              </a:p>
+              <a:p>
+                <a:pPr lvl="2"/>
+                <a14:m>
+                  <m:oMath xmlns:m="http://schemas.openxmlformats.org/officeDocument/2006/math">
+                    <m:r>
+                      <a:rPr lang="en-IN" b="0" i="1" smtClean="0">
+                        <a:latin typeface="Cambria Math" panose="02040503050406030204" pitchFamily="18" charset="0"/>
+                      </a:rPr>
+                      <m:t>𝑐𝑜𝑚𝑝𝑎𝑟𝑖𝑠𝑖𝑜𝑛</m:t>
+                    </m:r>
+                    <m:r>
+                      <a:rPr lang="en-IN" b="0" i="1" smtClean="0">
+                        <a:latin typeface="Cambria Math" panose="02040503050406030204" pitchFamily="18" charset="0"/>
+                      </a:rPr>
+                      <m:t> </m:t>
+                    </m:r>
+                    <m:r>
+                      <a:rPr lang="en-IN" b="0" i="1" smtClean="0">
+                        <a:latin typeface="Cambria Math" panose="02040503050406030204" pitchFamily="18" charset="0"/>
+                      </a:rPr>
+                      <m:t>𝑟𝑎𝑡𝑖𝑜</m:t>
+                    </m:r>
+                    <m:r>
+                      <a:rPr lang="en-IN" b="0" i="1" smtClean="0">
+                        <a:latin typeface="Cambria Math" panose="02040503050406030204" pitchFamily="18" charset="0"/>
+                      </a:rPr>
+                      <m:t>=</m:t>
+                    </m:r>
+                    <m:r>
+                      <a:rPr lang="en-IN" b="0" i="1" smtClean="0">
+                        <a:latin typeface="Cambria Math" panose="02040503050406030204" pitchFamily="18" charset="0"/>
+                      </a:rPr>
+                      <m:t>𝑎𝑣𝑔</m:t>
+                    </m:r>
+                    <m:r>
+                      <a:rPr lang="en-IN" b="0" i="1" smtClean="0">
+                        <a:latin typeface="Cambria Math" panose="02040503050406030204" pitchFamily="18" charset="0"/>
+                      </a:rPr>
+                      <m:t>_</m:t>
+                    </m:r>
+                    <m:r>
+                      <a:rPr lang="en-IN" b="0" i="1" smtClean="0">
+                        <a:latin typeface="Cambria Math" panose="02040503050406030204" pitchFamily="18" charset="0"/>
+                      </a:rPr>
+                      <m:t>𝑐𝑜𝑚𝑝</m:t>
+                    </m:r>
+                  </m:oMath>
+                </a14:m>
+                <a:r>
+                  <a:rPr lang="en-IN" dirty="0"/>
+                  <a:t> vs </a:t>
+                </a:r>
+                <a14:m>
+                  <m:oMath xmlns:m="http://schemas.openxmlformats.org/officeDocument/2006/math">
+                    <m:r>
+                      <a:rPr lang="en-IN" b="0" i="1" smtClean="0">
+                        <a:latin typeface="Cambria Math" panose="02040503050406030204" pitchFamily="18" charset="0"/>
+                      </a:rPr>
+                      <m:t>𝑛</m:t>
+                    </m:r>
+                  </m:oMath>
+                </a14:m>
+                <a:endParaRPr lang="en-IN" dirty="0"/>
+              </a:p>
+              <a:p>
+                <a:pPr lvl="2"/>
+                <a14:m>
+                  <m:oMath xmlns:m="http://schemas.openxmlformats.org/officeDocument/2006/math">
+                    <m:r>
+                      <a:rPr lang="en-IN" b="0" i="1" smtClean="0">
+                        <a:latin typeface="Cambria Math" panose="02040503050406030204" pitchFamily="18" charset="0"/>
+                      </a:rPr>
+                      <m:t>𝑡𝑖𝑚𝑒</m:t>
+                    </m:r>
+                    <m:r>
+                      <a:rPr lang="en-IN" b="0" i="1" smtClean="0">
+                        <a:latin typeface="Cambria Math" panose="02040503050406030204" pitchFamily="18" charset="0"/>
+                      </a:rPr>
+                      <m:t> </m:t>
+                    </m:r>
+                    <m:r>
+                      <a:rPr lang="en-IN" b="0" i="1" smtClean="0">
+                        <a:latin typeface="Cambria Math" panose="02040503050406030204" pitchFamily="18" charset="0"/>
+                      </a:rPr>
+                      <m:t>𝑟𝑎𝑡𝑖𝑜</m:t>
+                    </m:r>
+                    <m:r>
+                      <a:rPr lang="en-IN" b="0" i="1" smtClean="0">
+                        <a:latin typeface="Cambria Math" panose="02040503050406030204" pitchFamily="18" charset="0"/>
+                      </a:rPr>
+                      <m:t>=</m:t>
+                    </m:r>
+                    <m:r>
+                      <a:rPr lang="en-IN" b="0" i="1" smtClean="0">
+                        <a:latin typeface="Cambria Math" panose="02040503050406030204" pitchFamily="18" charset="0"/>
+                      </a:rPr>
+                      <m:t>𝑎𝑣𝑔</m:t>
+                    </m:r>
+                    <m:r>
+                      <a:rPr lang="en-IN" b="0" i="1" smtClean="0">
+                        <a:latin typeface="Cambria Math" panose="02040503050406030204" pitchFamily="18" charset="0"/>
+                      </a:rPr>
+                      <m:t>_</m:t>
+                    </m:r>
+                    <m:r>
+                      <a:rPr lang="en-IN" b="0" i="1" smtClean="0">
+                        <a:latin typeface="Cambria Math" panose="02040503050406030204" pitchFamily="18" charset="0"/>
+                      </a:rPr>
+                      <m:t>𝑡𝑖𝑚𝑒</m:t>
+                    </m:r>
+                    <m:r>
+                      <a:rPr lang="en-IN" b="0" i="1" smtClean="0">
+                        <a:latin typeface="Cambria Math" panose="02040503050406030204" pitchFamily="18" charset="0"/>
+                      </a:rPr>
+                      <m:t>_</m:t>
+                    </m:r>
+                    <m:r>
+                      <a:rPr lang="en-IN" b="0" i="1" smtClean="0">
+                        <a:latin typeface="Cambria Math" panose="02040503050406030204" pitchFamily="18" charset="0"/>
+                      </a:rPr>
+                      <m:t>𝑡𝑎𝑘𝑒𝑛</m:t>
+                    </m:r>
+                  </m:oMath>
+                </a14:m>
+                <a:r>
+                  <a:rPr lang="en-IN" dirty="0"/>
+                  <a:t> vs </a:t>
+                </a:r>
+                <a14:m>
+                  <m:oMath xmlns:m="http://schemas.openxmlformats.org/officeDocument/2006/math">
+                    <m:r>
+                      <a:rPr lang="en-IN" i="1" smtClean="0">
+                        <a:latin typeface="Cambria Math" panose="02040503050406030204" pitchFamily="18" charset="0"/>
+                      </a:rPr>
+                      <m:t>𝑛</m:t>
+                    </m:r>
+                  </m:oMath>
+                </a14:m>
+                <a:endParaRPr lang="en-IN" dirty="0"/>
+              </a:p>
+              <a:p>
+                <a:pPr lvl="1">
+                  <a:buFont typeface="Arial" panose="020B0604020202020204" pitchFamily="34" charset="0"/>
+                  <a:buChar char="•"/>
+                </a:pPr>
+                <a:r>
+                  <a:rPr lang="en-IN" dirty="0"/>
+                  <a:t>Notation regarding the Upcoming Observation</a:t>
+                </a:r>
+              </a:p>
+              <a:p>
+                <a:pPr lvl="2">
+                  <a:buFont typeface="Arial" panose="020B0604020202020204" pitchFamily="34" charset="0"/>
+                  <a:buChar char="•"/>
+                </a:pPr>
+                <a:r>
+                  <a:rPr lang="en-IN" dirty="0"/>
+                  <a:t>Fraction </a:t>
+                </a:r>
+                <a14:m>
+                  <m:oMath xmlns:m="http://schemas.openxmlformats.org/officeDocument/2006/math">
+                    <m:f>
+                      <m:fPr>
+                        <m:ctrlPr>
+                          <a:rPr lang="en-IN" i="1" smtClean="0">
+                            <a:latin typeface="Cambria Math" panose="02040503050406030204" pitchFamily="18" charset="0"/>
+                          </a:rPr>
+                        </m:ctrlPr>
+                      </m:fPr>
+                      <m:num>
+                        <m:r>
+                          <a:rPr lang="en-IN" b="0" i="1" smtClean="0">
+                            <a:latin typeface="Cambria Math" panose="02040503050406030204" pitchFamily="18" charset="0"/>
+                          </a:rPr>
+                          <m:t>1</m:t>
+                        </m:r>
+                      </m:num>
+                      <m:den>
+                        <m:r>
+                          <a:rPr lang="en-IN" i="1" smtClean="0">
+                            <a:latin typeface="Cambria Math" panose="02040503050406030204" pitchFamily="18" charset="0"/>
+                            <a:ea typeface="Cambria Math" panose="02040503050406030204" pitchFamily="18" charset="0"/>
+                          </a:rPr>
+                          <m:t>𝛼</m:t>
+                        </m:r>
+                      </m:den>
+                    </m:f>
+                  </m:oMath>
+                </a14:m>
+                <a:r>
+                  <a:rPr lang="en-IN" dirty="0"/>
+                  <a:t> means that partitions are made as follows</a:t>
+                </a:r>
+              </a:p>
+              <a:p>
+                <a:pPr lvl="3">
+                  <a:buFont typeface="Arial" panose="020B0604020202020204" pitchFamily="34" charset="0"/>
+                  <a:buChar char="•"/>
+                </a:pPr>
+                <a:r>
+                  <a:rPr lang="en-IN" dirty="0"/>
+                  <a:t>One Partition has size </a:t>
+                </a:r>
+                <a14:m>
+                  <m:oMath xmlns:m="http://schemas.openxmlformats.org/officeDocument/2006/math">
+                    <m:r>
+                      <a:rPr lang="en-IN" i="1" smtClean="0">
+                        <a:latin typeface="Cambria Math" panose="02040503050406030204" pitchFamily="18" charset="0"/>
+                        <a:ea typeface="Cambria Math" panose="02040503050406030204" pitchFamily="18" charset="0"/>
+                      </a:rPr>
+                      <m:t>𝛼</m:t>
+                    </m:r>
+                  </m:oMath>
+                </a14:m>
+                <a:endParaRPr lang="en-IN" dirty="0"/>
+              </a:p>
+              <a:p>
+                <a:pPr lvl="3">
+                  <a:buFont typeface="Arial" panose="020B0604020202020204" pitchFamily="34" charset="0"/>
+                  <a:buChar char="•"/>
+                </a:pPr>
+                <a:r>
+                  <a:rPr lang="en-IN" dirty="0"/>
+                  <a:t>The other Partition has size </a:t>
+                </a:r>
+                <a14:m>
+                  <m:oMath xmlns:m="http://schemas.openxmlformats.org/officeDocument/2006/math">
+                    <m:r>
+                      <a:rPr lang="en-IN" b="0" i="0" smtClean="0">
+                        <a:latin typeface="Cambria Math" panose="02040503050406030204" pitchFamily="18" charset="0"/>
+                        <a:ea typeface="Cambria Math" panose="02040503050406030204" pitchFamily="18" charset="0"/>
+                      </a:rPr>
+                      <m:t>(</m:t>
+                    </m:r>
+                    <m:r>
+                      <m:rPr>
+                        <m:sty m:val="p"/>
+                      </m:rPr>
+                      <a:rPr lang="en-IN" b="0" i="0" smtClean="0">
+                        <a:latin typeface="Cambria Math" panose="02040503050406030204" pitchFamily="18" charset="0"/>
+                        <a:ea typeface="Cambria Math" panose="02040503050406030204" pitchFamily="18" charset="0"/>
+                      </a:rPr>
+                      <m:t>arr</m:t>
+                    </m:r>
+                    <m:r>
+                      <a:rPr lang="en-IN" b="0" i="0" smtClean="0">
+                        <a:latin typeface="Cambria Math" panose="02040503050406030204" pitchFamily="18" charset="0"/>
+                        <a:ea typeface="Cambria Math" panose="02040503050406030204" pitchFamily="18" charset="0"/>
+                      </a:rPr>
+                      <m:t>_</m:t>
+                    </m:r>
+                    <m:r>
+                      <m:rPr>
+                        <m:sty m:val="p"/>
+                      </m:rPr>
+                      <a:rPr lang="en-IN" b="0" i="0" smtClean="0">
+                        <a:latin typeface="Cambria Math" panose="02040503050406030204" pitchFamily="18" charset="0"/>
+                        <a:ea typeface="Cambria Math" panose="02040503050406030204" pitchFamily="18" charset="0"/>
+                      </a:rPr>
+                      <m:t>size</m:t>
+                    </m:r>
+                    <m:r>
+                      <a:rPr lang="en-IN" b="0" i="0" smtClean="0">
+                        <a:latin typeface="Cambria Math" panose="02040503050406030204" pitchFamily="18" charset="0"/>
+                        <a:ea typeface="Cambria Math" panose="02040503050406030204" pitchFamily="18" charset="0"/>
+                      </a:rPr>
+                      <m:t>−</m:t>
+                    </m:r>
+                    <m:r>
+                      <a:rPr lang="en-IN" i="1" smtClean="0">
+                        <a:latin typeface="Cambria Math" panose="02040503050406030204" pitchFamily="18" charset="0"/>
+                        <a:ea typeface="Cambria Math" panose="02040503050406030204" pitchFamily="18" charset="0"/>
+                      </a:rPr>
+                      <m:t>𝛼</m:t>
+                    </m:r>
+                    <m:r>
+                      <a:rPr lang="en-IN" b="0" i="1" smtClean="0">
+                        <a:latin typeface="Cambria Math" panose="02040503050406030204" pitchFamily="18" charset="0"/>
+                        <a:ea typeface="Cambria Math" panose="02040503050406030204" pitchFamily="18" charset="0"/>
+                      </a:rPr>
+                      <m:t>)</m:t>
+                    </m:r>
+                  </m:oMath>
+                </a14:m>
+                <a:endParaRPr lang="en-IN" dirty="0"/>
+              </a:p>
+              <a:p>
+                <a:pPr lvl="1">
+                  <a:buFont typeface="Arial" panose="020B0604020202020204" pitchFamily="34" charset="0"/>
+                  <a:buChar char="•"/>
+                </a:pPr>
+                <a:r>
+                  <a:rPr lang="en-IN" dirty="0"/>
+                  <a:t>We recorded partitions size so as to make the partitions as skew as possible</a:t>
+                </a:r>
+              </a:p>
+            </p:txBody>
+          </p:sp>
+        </mc:Choice>
+        <mc:Fallback>
+          <p:sp>
+            <p:nvSpPr>
+              <p:cNvPr id="3" name="Content Placeholder 2">
+                <a:extLst>
+                  <a:ext uri="{FF2B5EF4-FFF2-40B4-BE49-F238E27FC236}">
+                    <a16:creationId xmlns:a16="http://schemas.microsoft.com/office/drawing/2014/main" id="{4B817802-A38C-4038-895E-B8B15F8D564B}"/>
+                  </a:ext>
+                </a:extLst>
+              </p:cNvPr>
+              <p:cNvSpPr>
+                <a:spLocks noGrp="1" noRot="1" noChangeAspect="1" noMove="1" noResize="1" noEditPoints="1" noAdjustHandles="1" noChangeArrowheads="1" noChangeShapeType="1" noTextEdit="1"/>
+              </p:cNvSpPr>
+              <p:nvPr>
+                <p:ph idx="1"/>
+              </p:nvPr>
+            </p:nvSpPr>
+            <p:spPr>
+              <a:xfrm>
+                <a:off x="4742016" y="605896"/>
+                <a:ext cx="6413663" cy="5646208"/>
+              </a:xfrm>
+              <a:blipFill>
+                <a:blip r:embed="rId2"/>
+                <a:stretch>
+                  <a:fillRect r="-1806"/>
+                </a:stretch>
+              </a:blipFill>
+            </p:spPr>
+            <p:txBody>
+              <a:bodyPr/>
+              <a:lstStyle/>
+              <a:p>
+                <a:r>
+                  <a:rPr lang="en-IN">
+                    <a:noFill/>
+                  </a:rPr>
+                  <a:t> </a:t>
+                </a:r>
+              </a:p>
+            </p:txBody>
+          </p:sp>
+        </mc:Fallback>
+      </mc:AlternateContent>
+    </p:spTree>
+    <p:extLst>
+      <p:ext uri="{BB962C8B-B14F-4D97-AF65-F5344CB8AC3E}">
+        <p14:creationId xmlns:p14="http://schemas.microsoft.com/office/powerpoint/2010/main" val="3949680059"/>
+      </p:ext>
+    </p:extLst>
+  </p:cSld>
+  <p:clrMapOvr>
+    <a:masterClrMapping/>
+  </p:clrMapOvr>
+</p:sld>
+</file>
+
+<file path=ppt/slides/slide31.xml><?xml version="1.0" encoding="utf-8"?>
+<p:sld xmlns:a="http://schemas.openxmlformats.org/drawingml/2006/main" xmlns:r="http://schemas.openxmlformats.org/officeDocument/2006/relationships" xmlns:p="http://schemas.openxmlformats.org/presentationml/2006/main">
+  <p:cSld>
+    <p:bg>
+      <p:bgPr>
+        <a:solidFill>
+          <a:schemeClr val="bg1"/>
+        </a:solidFill>
+        <a:effectLst/>
+      </p:bgPr>
+    </p:bg>
+    <p:spTree>
+      <p:nvGrpSpPr>
+        <p:cNvPr id="1" name=""/>
+        <p:cNvGrpSpPr/>
+        <p:nvPr/>
+      </p:nvGrpSpPr>
+      <p:grpSpPr>
+        <a:xfrm>
+          <a:off x="0" y="0"/>
+          <a:ext cx="0" cy="0"/>
+          <a:chOff x="0" y="0"/>
+          <a:chExt cx="0" cy="0"/>
+        </a:xfrm>
+      </p:grpSpPr>
+      <p:sp useBgFill="1">
+        <p:nvSpPr>
+          <p:cNvPr id="84" name="Rectangle 75">
+            <a:extLst>
+              <a:ext uri="{FF2B5EF4-FFF2-40B4-BE49-F238E27FC236}">
+                <a16:creationId xmlns:a16="http://schemas.microsoft.com/office/drawing/2014/main" id="{10162E77-11AD-44A7-84EC-40C59EEFBD2E}"/>
+              </a:ext>
+              <a:ext uri="{C183D7F6-B498-43B3-948B-1728B52AA6E4}">
+                <adec:decorative xmlns:adec="http://schemas.microsoft.com/office/drawing/2017/decorative" val="1"/>
+              </a:ext>
+            </a:extLst>
+          </p:cNvPr>
+          <p:cNvSpPr>
+            <a:spLocks noGrp="1" noRot="1" noChangeAspect="1" noMove="1" noResize="1" noEditPoints="1" noAdjustHandles="1" noChangeArrowheads="1" noChangeShapeType="1" noTextEdit="1"/>
+          </p:cNvSpPr>
+          <p:nvPr>
+            <p:extLst>
+              <p:ext uri="{386F3935-93C4-4BCD-93E2-E3B085C9AB24}">
+                <p16:designElem xmlns:p16="http://schemas.microsoft.com/office/powerpoint/2015/main" val="1"/>
+              </p:ext>
+            </p:extLst>
+          </p:nvPr>
+        </p:nvSpPr>
+        <p:spPr>
+          <a:xfrm>
+            <a:off x="0" y="0"/>
+            <a:ext cx="12192001" cy="6334316"/>
+          </a:xfrm>
+          <a:prstGeom prst="rect">
+            <a:avLst/>
+          </a:prstGeom>
+          <a:ln>
+            <a:noFill/>
+          </a:ln>
+        </p:spPr>
+        <p:style>
+          <a:lnRef idx="2">
+            <a:schemeClr val="accent1">
+              <a:shade val="50000"/>
+            </a:schemeClr>
+          </a:lnRef>
+          <a:fillRef idx="1">
+            <a:schemeClr val="accent1"/>
+          </a:fillRef>
+          <a:effectRef idx="0">
+            <a:schemeClr val="accent1"/>
+          </a:effectRef>
+          <a:fontRef idx="minor">
+            <a:schemeClr val="lt1"/>
+          </a:fontRef>
+        </p:style>
+        <p:txBody>
+          <a:bodyPr rtlCol="0" anchor="ctr"/>
+          <a:lstStyle/>
+          <a:p>
+            <a:pPr algn="ctr"/>
+            <a:endParaRPr lang="en-US"/>
+          </a:p>
+        </p:txBody>
+      </p:sp>
+      <p:sp>
+        <p:nvSpPr>
+          <p:cNvPr id="2" name="Title 1">
+            <a:extLst>
+              <a:ext uri="{FF2B5EF4-FFF2-40B4-BE49-F238E27FC236}">
+                <a16:creationId xmlns:a16="http://schemas.microsoft.com/office/drawing/2014/main" id="{A2E81D72-EC99-4091-AA2C-660CCFAC39B6}"/>
+              </a:ext>
+            </a:extLst>
+          </p:cNvPr>
+          <p:cNvSpPr>
+            <a:spLocks noGrp="1"/>
+          </p:cNvSpPr>
+          <p:nvPr>
+            <p:ph type="title"/>
+          </p:nvPr>
+        </p:nvSpPr>
+        <p:spPr>
+          <a:xfrm>
+            <a:off x="7859485" y="634946"/>
+            <a:ext cx="3690257" cy="1450757"/>
+          </a:xfrm>
+        </p:spPr>
+        <p:txBody>
+          <a:bodyPr>
+            <a:normAutofit/>
+          </a:bodyPr>
+          <a:lstStyle/>
+          <a:p>
+            <a:r>
+              <a:rPr lang="en-IN" b="1" dirty="0"/>
+              <a:t>Normal Observation </a:t>
+            </a:r>
+          </a:p>
+        </p:txBody>
+      </p:sp>
+      <p:pic>
+        <p:nvPicPr>
+          <p:cNvPr id="5" name="Content Placeholder 4">
+            <a:extLst>
+              <a:ext uri="{FF2B5EF4-FFF2-40B4-BE49-F238E27FC236}">
+                <a16:creationId xmlns:a16="http://schemas.microsoft.com/office/drawing/2014/main" id="{99059347-F5D1-41F7-B30A-23EE2BA4D650}"/>
+              </a:ext>
+            </a:extLst>
+          </p:cNvPr>
+          <p:cNvPicPr>
+            <a:picLocks noChangeAspect="1"/>
+          </p:cNvPicPr>
+          <p:nvPr/>
+        </p:nvPicPr>
+        <p:blipFill rotWithShape="1">
+          <a:blip r:embed="rId2">
+            <a:extLst>
+              <a:ext uri="{28A0092B-C50C-407E-A947-70E740481C1C}">
+                <a14:useLocalDpi xmlns:a14="http://schemas.microsoft.com/office/drawing/2010/main" val="0"/>
+              </a:ext>
+            </a:extLst>
+          </a:blip>
+          <a:srcRect l="3409" r="4090"/>
+          <a:stretch/>
+        </p:blipFill>
+        <p:spPr>
+          <a:xfrm>
+            <a:off x="521209" y="640081"/>
+            <a:ext cx="7022592" cy="5314406"/>
+          </a:xfrm>
+          <a:prstGeom prst="rect">
+            <a:avLst/>
+          </a:prstGeom>
+        </p:spPr>
+      </p:pic>
+      <p:cxnSp>
+        <p:nvCxnSpPr>
+          <p:cNvPr id="85" name="Straight Connector 77">
+            <a:extLst>
+              <a:ext uri="{FF2B5EF4-FFF2-40B4-BE49-F238E27FC236}">
+                <a16:creationId xmlns:a16="http://schemas.microsoft.com/office/drawing/2014/main" id="{5AB158E9-1B40-4CD6-95F0-95CA11DF7B7A}"/>
+              </a:ext>
+              <a:ext uri="{C183D7F6-B498-43B3-948B-1728B52AA6E4}">
+                <adec:decorative xmlns:adec="http://schemas.microsoft.com/office/drawing/2017/decorative" val="1"/>
+              </a:ext>
+            </a:extLst>
+          </p:cNvPr>
+          <p:cNvCxnSpPr>
+            <a:cxnSpLocks noGrp="1" noRot="1" noChangeAspect="1" noMove="1" noResize="1" noEditPoints="1" noAdjustHandles="1" noChangeArrowheads="1" noChangeShapeType="1"/>
+          </p:cNvCxnSpPr>
+          <p:nvPr>
+            <p:extLst>
+              <p:ext uri="{386F3935-93C4-4BCD-93E2-E3B085C9AB24}">
+                <p16:designElem xmlns:p16="http://schemas.microsoft.com/office/powerpoint/2015/main" val="1"/>
+              </p:ext>
+            </p:extLst>
+          </p:nvPr>
+        </p:nvCxnSpPr>
+        <p:spPr>
+          <a:xfrm>
+            <a:off x="7892143" y="2085703"/>
+            <a:ext cx="3566160" cy="0"/>
+          </a:xfrm>
+          <a:prstGeom prst="line">
+            <a:avLst/>
+          </a:prstGeom>
+          <a:ln w="6350">
+            <a:solidFill>
+              <a:schemeClr val="tx1">
+                <a:lumMod val="50000"/>
+                <a:lumOff val="50000"/>
+                <a:alpha val="90000"/>
+              </a:schemeClr>
+            </a:solidFill>
+          </a:ln>
+        </p:spPr>
+        <p:style>
+          <a:lnRef idx="1">
+            <a:schemeClr val="accent1"/>
+          </a:lnRef>
+          <a:fillRef idx="0">
+            <a:schemeClr val="accent1"/>
+          </a:fillRef>
+          <a:effectRef idx="0">
+            <a:schemeClr val="accent1"/>
+          </a:effectRef>
+          <a:fontRef idx="minor">
+            <a:schemeClr val="tx1"/>
+          </a:fontRef>
+        </p:style>
+      </p:cxnSp>
+      <mc:AlternateContent xmlns:mc="http://schemas.openxmlformats.org/markup-compatibility/2006">
+        <mc:Choice xmlns:a14="http://schemas.microsoft.com/office/drawing/2010/main" Requires="a14">
+          <p:sp>
+            <p:nvSpPr>
+              <p:cNvPr id="10" name="Content Placeholder 8">
+                <a:extLst>
+                  <a:ext uri="{FF2B5EF4-FFF2-40B4-BE49-F238E27FC236}">
+                    <a16:creationId xmlns:a16="http://schemas.microsoft.com/office/drawing/2014/main" id="{B0DBBD15-5CB7-4758-94C6-9FCA6E3AA552}"/>
+                  </a:ext>
+                </a:extLst>
+              </p:cNvPr>
+              <p:cNvSpPr>
+                <a:spLocks noGrp="1"/>
+              </p:cNvSpPr>
+              <p:nvPr>
+                <p:ph idx="1"/>
+              </p:nvPr>
+            </p:nvSpPr>
+            <p:spPr>
+              <a:xfrm>
+                <a:off x="7859485" y="2198913"/>
+                <a:ext cx="3690257" cy="3755565"/>
+              </a:xfrm>
+            </p:spPr>
+            <p:txBody>
+              <a:bodyPr>
+                <a:normAutofit/>
+              </a:bodyPr>
+              <a:lstStyle/>
+              <a:p>
+                <a:r>
+                  <a:rPr lang="en-IN" dirty="0"/>
+                  <a:t>Here we see that as we deliberately try to make partitions skew, both the time taken and number of comparisons increase drastically and goes towards </a:t>
+                </a:r>
+                <a14:m>
+                  <m:oMath xmlns:m="http://schemas.openxmlformats.org/officeDocument/2006/math">
+                    <m:r>
+                      <a:rPr lang="en-IN" b="0" i="1" smtClean="0">
+                        <a:latin typeface="Cambria Math" panose="02040503050406030204" pitchFamily="18" charset="0"/>
+                      </a:rPr>
+                      <m:t>𝑂</m:t>
+                    </m:r>
+                    <m:r>
+                      <a:rPr lang="en-IN" b="0" i="1" smtClean="0">
+                        <a:latin typeface="Cambria Math" panose="02040503050406030204" pitchFamily="18" charset="0"/>
+                      </a:rPr>
+                      <m:t>(</m:t>
+                    </m:r>
+                    <m:sSup>
+                      <m:sSupPr>
+                        <m:ctrlPr>
+                          <a:rPr lang="en-IN" b="0" i="1" smtClean="0">
+                            <a:latin typeface="Cambria Math" panose="02040503050406030204" pitchFamily="18" charset="0"/>
+                          </a:rPr>
+                        </m:ctrlPr>
+                      </m:sSupPr>
+                      <m:e>
+                        <m:r>
+                          <a:rPr lang="en-IN" b="0" i="1" smtClean="0">
+                            <a:latin typeface="Cambria Math" panose="02040503050406030204" pitchFamily="18" charset="0"/>
+                          </a:rPr>
+                          <m:t>𝑛</m:t>
+                        </m:r>
+                      </m:e>
+                      <m:sup>
+                        <m:r>
+                          <a:rPr lang="en-IN" b="0" i="1" smtClean="0">
+                            <a:latin typeface="Cambria Math" panose="02040503050406030204" pitchFamily="18" charset="0"/>
+                          </a:rPr>
+                          <m:t>2</m:t>
+                        </m:r>
+                      </m:sup>
+                    </m:sSup>
+                    <m:r>
+                      <a:rPr lang="en-IN" b="0" i="1" smtClean="0">
+                        <a:latin typeface="Cambria Math" panose="02040503050406030204" pitchFamily="18" charset="0"/>
+                      </a:rPr>
+                      <m:t>)</m:t>
+                    </m:r>
+                  </m:oMath>
+                </a14:m>
+                <a:r>
+                  <a:rPr lang="en-IN" dirty="0"/>
+                  <a:t> complexity.</a:t>
+                </a:r>
+              </a:p>
+            </p:txBody>
+          </p:sp>
+        </mc:Choice>
+        <mc:Fallback>
+          <p:sp>
+            <p:nvSpPr>
+              <p:cNvPr id="10" name="Content Placeholder 8">
+                <a:extLst>
+                  <a:ext uri="{FF2B5EF4-FFF2-40B4-BE49-F238E27FC236}">
+                    <a16:creationId xmlns:a16="http://schemas.microsoft.com/office/drawing/2014/main" id="{B0DBBD15-5CB7-4758-94C6-9FCA6E3AA552}"/>
+                  </a:ext>
+                </a:extLst>
+              </p:cNvPr>
+              <p:cNvSpPr>
+                <a:spLocks noGrp="1" noRot="1" noChangeAspect="1" noMove="1" noResize="1" noEditPoints="1" noAdjustHandles="1" noChangeArrowheads="1" noChangeShapeType="1" noTextEdit="1"/>
+              </p:cNvSpPr>
+              <p:nvPr>
+                <p:ph idx="1"/>
+              </p:nvPr>
+            </p:nvSpPr>
+            <p:spPr>
+              <a:xfrm>
+                <a:off x="7859485" y="2198913"/>
+                <a:ext cx="3690257" cy="3755565"/>
+              </a:xfrm>
+              <a:blipFill>
+                <a:blip r:embed="rId3"/>
+                <a:stretch>
+                  <a:fillRect l="-1650" t="-1786" r="-3630"/>
+                </a:stretch>
+              </a:blipFill>
+            </p:spPr>
+            <p:txBody>
+              <a:bodyPr/>
+              <a:lstStyle/>
+              <a:p>
+                <a:r>
+                  <a:rPr lang="en-IN">
+                    <a:noFill/>
+                  </a:rPr>
+                  <a:t> </a:t>
+                </a:r>
+              </a:p>
+            </p:txBody>
+          </p:sp>
+        </mc:Fallback>
+      </mc:AlternateContent>
+      <p:sp>
+        <p:nvSpPr>
+          <p:cNvPr id="86" name="Rectangle 79">
+            <a:extLst>
+              <a:ext uri="{FF2B5EF4-FFF2-40B4-BE49-F238E27FC236}">
+                <a16:creationId xmlns:a16="http://schemas.microsoft.com/office/drawing/2014/main" id="{6329CBCE-21AE-419D-AC1F-8ACF510A6670}"/>
+              </a:ext>
+              <a:ext uri="{C183D7F6-B498-43B3-948B-1728B52AA6E4}">
+                <adec:decorative xmlns:adec="http://schemas.microsoft.com/office/drawing/2017/decorative" val="1"/>
+              </a:ext>
+            </a:extLst>
+          </p:cNvPr>
+          <p:cNvSpPr>
+            <a:spLocks noGrp="1" noRot="1" noChangeAspect="1" noMove="1" noResize="1" noEditPoints="1" noAdjustHandles="1" noChangeArrowheads="1" noChangeShapeType="1" noTextEdit="1"/>
+          </p:cNvSpPr>
+          <p:nvPr>
+            <p:extLst>
+              <p:ext uri="{386F3935-93C4-4BCD-93E2-E3B085C9AB24}">
+                <p16:designElem xmlns:p16="http://schemas.microsoft.com/office/powerpoint/2015/main" val="1"/>
+              </p:ext>
+            </p:extLst>
+          </p:nvPr>
+        </p:nvSpPr>
+        <p:spPr>
+          <a:xfrm>
+            <a:off x="15" y="6334316"/>
+            <a:ext cx="12191985" cy="66484"/>
+          </a:xfrm>
+          <a:prstGeom prst="rect">
+            <a:avLst/>
+          </a:prstGeom>
+          <a:solidFill>
+            <a:schemeClr val="accent1"/>
+          </a:solidFill>
+          <a:ln>
+            <a:noFill/>
+          </a:ln>
+        </p:spPr>
+        <p:style>
+          <a:lnRef idx="2">
+            <a:schemeClr val="accent1">
+              <a:shade val="50000"/>
+            </a:schemeClr>
+          </a:lnRef>
+          <a:fillRef idx="1">
+            <a:schemeClr val="accent1"/>
+          </a:fillRef>
+          <a:effectRef idx="0">
+            <a:schemeClr val="accent1"/>
+          </a:effectRef>
+          <a:fontRef idx="minor">
+            <a:schemeClr val="lt1"/>
+          </a:fontRef>
+        </p:style>
+      </p:sp>
+      <p:sp>
+        <p:nvSpPr>
+          <p:cNvPr id="87" name="Rectangle 81">
+            <a:extLst>
+              <a:ext uri="{FF2B5EF4-FFF2-40B4-BE49-F238E27FC236}">
+                <a16:creationId xmlns:a16="http://schemas.microsoft.com/office/drawing/2014/main" id="{FF2DA012-1414-493D-888F-5D99D0BDA322}"/>
+              </a:ext>
+              <a:ext uri="{C183D7F6-B498-43B3-948B-1728B52AA6E4}">
+                <adec:decorative xmlns:adec="http://schemas.microsoft.com/office/drawing/2017/decorative" val="1"/>
+              </a:ext>
+            </a:extLst>
+          </p:cNvPr>
+          <p:cNvSpPr>
+            <a:spLocks noGrp="1" noRot="1" noChangeAspect="1" noMove="1" noResize="1" noEditPoints="1" noAdjustHandles="1" noChangeArrowheads="1" noChangeShapeType="1" noTextEdit="1"/>
+          </p:cNvSpPr>
+          <p:nvPr>
+            <p:extLst>
+              <p:ext uri="{386F3935-93C4-4BCD-93E2-E3B085C9AB24}">
+                <p16:designElem xmlns:p16="http://schemas.microsoft.com/office/powerpoint/2015/main" val="1"/>
+              </p:ext>
+            </p:extLst>
+          </p:nvPr>
+        </p:nvSpPr>
+        <p:spPr>
+          <a:xfrm>
+            <a:off x="1" y="6400800"/>
+            <a:ext cx="12192000" cy="457200"/>
+          </a:xfrm>
+          <a:prstGeom prst="rect">
+            <a:avLst/>
+          </a:prstGeom>
+          <a:solidFill>
+            <a:schemeClr val="accent2"/>
+          </a:solidFill>
+          <a:ln>
+            <a:noFill/>
+          </a:ln>
+        </p:spPr>
+        <p:style>
+          <a:lnRef idx="2">
+            <a:schemeClr val="accent1">
+              <a:shade val="50000"/>
+            </a:schemeClr>
+          </a:lnRef>
+          <a:fillRef idx="1">
+            <a:schemeClr val="accent1"/>
+          </a:fillRef>
+          <a:effectRef idx="0">
+            <a:schemeClr val="accent1"/>
+          </a:effectRef>
+          <a:fontRef idx="minor">
+            <a:schemeClr val="lt1"/>
+          </a:fontRef>
+        </p:style>
+      </p:sp>
+    </p:spTree>
+    <p:extLst>
+      <p:ext uri="{BB962C8B-B14F-4D97-AF65-F5344CB8AC3E}">
+        <p14:creationId xmlns:p14="http://schemas.microsoft.com/office/powerpoint/2010/main" val="2517874540"/>
+      </p:ext>
+    </p:extLst>
+  </p:cSld>
+  <p:clrMapOvr>
+    <a:masterClrMapping/>
+  </p:clrMapOvr>
+</p:sld>
+</file>
+
+<file path=ppt/slides/slide32.xml><?xml version="1.0" encoding="utf-8"?>
+<p:sld xmlns:a="http://schemas.openxmlformats.org/drawingml/2006/main" xmlns:r="http://schemas.openxmlformats.org/officeDocument/2006/relationships" xmlns:p="http://schemas.openxmlformats.org/presentationml/2006/main">
+  <p:cSld>
+    <p:bg>
+      <p:bgPr>
+        <a:solidFill>
+          <a:schemeClr val="bg1"/>
+        </a:solidFill>
+        <a:effectLst/>
+      </p:bgPr>
+    </p:bg>
+    <p:spTree>
+      <p:nvGrpSpPr>
+        <p:cNvPr id="1" name=""/>
+        <p:cNvGrpSpPr/>
+        <p:nvPr/>
+      </p:nvGrpSpPr>
+      <p:grpSpPr>
+        <a:xfrm>
+          <a:off x="0" y="0"/>
+          <a:ext cx="0" cy="0"/>
+          <a:chOff x="0" y="0"/>
+          <a:chExt cx="0" cy="0"/>
+        </a:xfrm>
+      </p:grpSpPr>
+      <p:sp useBgFill="1">
+        <p:nvSpPr>
+          <p:cNvPr id="106" name="Rectangle 91">
+            <a:extLst>
+              <a:ext uri="{FF2B5EF4-FFF2-40B4-BE49-F238E27FC236}">
+                <a16:creationId xmlns:a16="http://schemas.microsoft.com/office/drawing/2014/main" id="{284B70D5-875B-433D-BDBD-1522A85D6C1D}"/>
+              </a:ext>
+              <a:ext uri="{C183D7F6-B498-43B3-948B-1728B52AA6E4}">
+                <adec:decorative xmlns:adec="http://schemas.microsoft.com/office/drawing/2017/decorative" val="1"/>
+              </a:ext>
+            </a:extLst>
+          </p:cNvPr>
+          <p:cNvSpPr>
+            <a:spLocks noGrp="1" noRot="1" noChangeAspect="1" noMove="1" noResize="1" noEditPoints="1" noAdjustHandles="1" noChangeArrowheads="1" noChangeShapeType="1" noTextEdit="1"/>
+          </p:cNvSpPr>
+          <p:nvPr>
+            <p:extLst>
+              <p:ext uri="{386F3935-93C4-4BCD-93E2-E3B085C9AB24}">
+                <p16:designElem xmlns:p16="http://schemas.microsoft.com/office/powerpoint/2015/main" val="1"/>
+              </p:ext>
+            </p:extLst>
+          </p:nvPr>
+        </p:nvSpPr>
+        <p:spPr>
+          <a:xfrm>
+            <a:off x="0" y="0"/>
+            <a:ext cx="12192001" cy="6334316"/>
+          </a:xfrm>
+          <a:prstGeom prst="rect">
+            <a:avLst/>
+          </a:prstGeom>
+          <a:ln>
+            <a:noFill/>
+          </a:ln>
+        </p:spPr>
+        <p:style>
+          <a:lnRef idx="2">
+            <a:schemeClr val="accent1">
+              <a:shade val="50000"/>
+            </a:schemeClr>
+          </a:lnRef>
+          <a:fillRef idx="1">
+            <a:schemeClr val="accent1"/>
+          </a:fillRef>
+          <a:effectRef idx="0">
+            <a:schemeClr val="accent1"/>
+          </a:effectRef>
+          <a:fontRef idx="minor">
+            <a:schemeClr val="lt1"/>
+          </a:fontRef>
+        </p:style>
+        <p:txBody>
+          <a:bodyPr rtlCol="0" anchor="ctr"/>
+          <a:lstStyle/>
+          <a:p>
+            <a:pPr algn="ctr"/>
+            <a:endParaRPr lang="en-US"/>
+          </a:p>
+        </p:txBody>
+      </p:sp>
+      <p:sp>
+        <p:nvSpPr>
+          <p:cNvPr id="2" name="Title 1">
+            <a:extLst>
+              <a:ext uri="{FF2B5EF4-FFF2-40B4-BE49-F238E27FC236}">
+                <a16:creationId xmlns:a16="http://schemas.microsoft.com/office/drawing/2014/main" id="{A2E81D72-EC99-4091-AA2C-660CCFAC39B6}"/>
+              </a:ext>
+            </a:extLst>
+          </p:cNvPr>
+          <p:cNvSpPr>
+            <a:spLocks noGrp="1"/>
+          </p:cNvSpPr>
+          <p:nvPr>
+            <p:ph type="title"/>
+          </p:nvPr>
+        </p:nvSpPr>
+        <p:spPr>
+          <a:xfrm>
+            <a:off x="7859485" y="634946"/>
+            <a:ext cx="3690257" cy="1450757"/>
+          </a:xfrm>
+        </p:spPr>
+        <p:txBody>
+          <a:bodyPr>
+            <a:normAutofit/>
+          </a:bodyPr>
+          <a:lstStyle/>
+          <a:p>
+            <a:r>
+              <a:rPr lang="en-IN" b="1"/>
+              <a:t>Uniform Observation </a:t>
+            </a:r>
+            <a:endParaRPr lang="en-IN" b="1" dirty="0"/>
+          </a:p>
+        </p:txBody>
+      </p:sp>
+      <p:pic>
+        <p:nvPicPr>
+          <p:cNvPr id="5" name="Content Placeholder 4">
+            <a:extLst>
+              <a:ext uri="{FF2B5EF4-FFF2-40B4-BE49-F238E27FC236}">
+                <a16:creationId xmlns:a16="http://schemas.microsoft.com/office/drawing/2014/main" id="{99059347-F5D1-41F7-B30A-23EE2BA4D650}"/>
+              </a:ext>
+            </a:extLst>
+          </p:cNvPr>
+          <p:cNvPicPr>
+            <a:picLocks noChangeAspect="1"/>
+          </p:cNvPicPr>
+          <p:nvPr/>
+        </p:nvPicPr>
+        <p:blipFill>
+          <a:blip r:embed="rId2">
+            <a:extLst>
+              <a:ext uri="{28A0092B-C50C-407E-A947-70E740481C1C}">
+                <a14:useLocalDpi xmlns:a14="http://schemas.microsoft.com/office/drawing/2010/main" val="0"/>
+              </a:ext>
+            </a:extLst>
+          </a:blip>
+          <a:srcRect l="3750" r="3750"/>
+          <a:stretch/>
+        </p:blipFill>
+        <p:spPr>
+          <a:xfrm>
+            <a:off x="633999" y="682764"/>
+            <a:ext cx="6909801" cy="5229039"/>
+          </a:xfrm>
+          <a:prstGeom prst="rect">
+            <a:avLst/>
+          </a:prstGeom>
+        </p:spPr>
+      </p:pic>
+      <p:cxnSp>
+        <p:nvCxnSpPr>
+          <p:cNvPr id="107" name="Straight Connector 93">
+            <a:extLst>
+              <a:ext uri="{FF2B5EF4-FFF2-40B4-BE49-F238E27FC236}">
+                <a16:creationId xmlns:a16="http://schemas.microsoft.com/office/drawing/2014/main" id="{C947DF4A-614C-4B4C-8B80-E5B9D8E8CFED}"/>
+              </a:ext>
+              <a:ext uri="{C183D7F6-B498-43B3-948B-1728B52AA6E4}">
+                <adec:decorative xmlns:adec="http://schemas.microsoft.com/office/drawing/2017/decorative" val="1"/>
+              </a:ext>
+            </a:extLst>
+          </p:cNvPr>
+          <p:cNvCxnSpPr>
+            <a:cxnSpLocks noGrp="1" noRot="1" noChangeAspect="1" noMove="1" noResize="1" noEditPoints="1" noAdjustHandles="1" noChangeArrowheads="1" noChangeShapeType="1"/>
+          </p:cNvCxnSpPr>
+          <p:nvPr>
+            <p:extLst>
+              <p:ext uri="{386F3935-93C4-4BCD-93E2-E3B085C9AB24}">
+                <p16:designElem xmlns:p16="http://schemas.microsoft.com/office/powerpoint/2015/main" val="1"/>
+              </p:ext>
+            </p:extLst>
+          </p:nvPr>
+        </p:nvCxnSpPr>
+        <p:spPr>
+          <a:xfrm>
+            <a:off x="7892143" y="2085703"/>
+            <a:ext cx="3566160" cy="0"/>
+          </a:xfrm>
+          <a:prstGeom prst="line">
+            <a:avLst/>
+          </a:prstGeom>
+          <a:ln w="6350">
+            <a:solidFill>
+              <a:schemeClr val="tx1">
+                <a:lumMod val="50000"/>
+                <a:lumOff val="50000"/>
+                <a:alpha val="90000"/>
+              </a:schemeClr>
+            </a:solidFill>
+          </a:ln>
+        </p:spPr>
+        <p:style>
+          <a:lnRef idx="1">
+            <a:schemeClr val="accent1"/>
+          </a:lnRef>
+          <a:fillRef idx="0">
+            <a:schemeClr val="accent1"/>
+          </a:fillRef>
+          <a:effectRef idx="0">
+            <a:schemeClr val="accent1"/>
+          </a:effectRef>
+          <a:fontRef idx="minor">
+            <a:schemeClr val="tx1"/>
+          </a:fontRef>
+        </p:style>
+      </p:cxnSp>
+      <p:sp>
+        <p:nvSpPr>
+          <p:cNvPr id="10" name="Content Placeholder 8">
+            <a:extLst>
+              <a:ext uri="{FF2B5EF4-FFF2-40B4-BE49-F238E27FC236}">
+                <a16:creationId xmlns:a16="http://schemas.microsoft.com/office/drawing/2014/main" id="{B0DBBD15-5CB7-4758-94C6-9FCA6E3AA552}"/>
+              </a:ext>
+            </a:extLst>
+          </p:cNvPr>
+          <p:cNvSpPr>
+            <a:spLocks noGrp="1"/>
+          </p:cNvSpPr>
+          <p:nvPr>
+            <p:ph idx="1"/>
+          </p:nvPr>
+        </p:nvSpPr>
+        <p:spPr>
+          <a:xfrm>
+            <a:off x="7859485" y="2198914"/>
+            <a:ext cx="3690257" cy="3670180"/>
+          </a:xfrm>
+        </p:spPr>
+        <p:txBody>
+          <a:bodyPr>
+            <a:normAutofit/>
+          </a:bodyPr>
+          <a:lstStyle/>
+          <a:p>
+            <a:r>
+              <a:rPr lang="en-IN"/>
+              <a:t>Here we see same observations as that of Normal Distribution</a:t>
+            </a:r>
+            <a:endParaRPr lang="en-IN" dirty="0"/>
+          </a:p>
+        </p:txBody>
+      </p:sp>
+      <p:sp>
+        <p:nvSpPr>
+          <p:cNvPr id="108" name="Rectangle 95">
+            <a:extLst>
+              <a:ext uri="{FF2B5EF4-FFF2-40B4-BE49-F238E27FC236}">
+                <a16:creationId xmlns:a16="http://schemas.microsoft.com/office/drawing/2014/main" id="{1E299956-A9E7-4FC1-A0B1-D590CA9730E8}"/>
+              </a:ext>
+              <a:ext uri="{C183D7F6-B498-43B3-948B-1728B52AA6E4}">
+                <adec:decorative xmlns:adec="http://schemas.microsoft.com/office/drawing/2017/decorative" val="1"/>
+              </a:ext>
+            </a:extLst>
+          </p:cNvPr>
+          <p:cNvSpPr>
+            <a:spLocks noGrp="1" noRot="1" noChangeAspect="1" noMove="1" noResize="1" noEditPoints="1" noAdjustHandles="1" noChangeArrowheads="1" noChangeShapeType="1" noTextEdit="1"/>
+          </p:cNvSpPr>
+          <p:nvPr>
+            <p:extLst>
+              <p:ext uri="{386F3935-93C4-4BCD-93E2-E3B085C9AB24}">
+                <p16:designElem xmlns:p16="http://schemas.microsoft.com/office/powerpoint/2015/main" val="1"/>
+              </p:ext>
+            </p:extLst>
+          </p:nvPr>
+        </p:nvSpPr>
+        <p:spPr>
+          <a:xfrm>
+            <a:off x="15" y="6334316"/>
+            <a:ext cx="12191985" cy="66484"/>
+          </a:xfrm>
+          <a:prstGeom prst="rect">
+            <a:avLst/>
+          </a:prstGeom>
+          <a:solidFill>
+            <a:schemeClr val="accent1"/>
+          </a:solidFill>
+          <a:ln>
+            <a:noFill/>
+          </a:ln>
+        </p:spPr>
+        <p:style>
+          <a:lnRef idx="2">
+            <a:schemeClr val="accent1">
+              <a:shade val="50000"/>
+            </a:schemeClr>
+          </a:lnRef>
+          <a:fillRef idx="1">
+            <a:schemeClr val="accent1"/>
+          </a:fillRef>
+          <a:effectRef idx="0">
+            <a:schemeClr val="accent1"/>
+          </a:effectRef>
+          <a:fontRef idx="minor">
+            <a:schemeClr val="lt1"/>
+          </a:fontRef>
+        </p:style>
+      </p:sp>
+      <p:sp>
+        <p:nvSpPr>
+          <p:cNvPr id="109" name="Rectangle 97">
+            <a:extLst>
+              <a:ext uri="{FF2B5EF4-FFF2-40B4-BE49-F238E27FC236}">
+                <a16:creationId xmlns:a16="http://schemas.microsoft.com/office/drawing/2014/main" id="{17FC539C-B783-4B03-9F9E-D13430F3F64F}"/>
+              </a:ext>
+              <a:ext uri="{C183D7F6-B498-43B3-948B-1728B52AA6E4}">
+                <adec:decorative xmlns:adec="http://schemas.microsoft.com/office/drawing/2017/decorative" val="1"/>
+              </a:ext>
+            </a:extLst>
+          </p:cNvPr>
+          <p:cNvSpPr>
+            <a:spLocks noGrp="1" noRot="1" noChangeAspect="1" noMove="1" noResize="1" noEditPoints="1" noAdjustHandles="1" noChangeArrowheads="1" noChangeShapeType="1" noTextEdit="1"/>
+          </p:cNvSpPr>
+          <p:nvPr>
+            <p:extLst>
+              <p:ext uri="{386F3935-93C4-4BCD-93E2-E3B085C9AB24}">
+                <p16:designElem xmlns:p16="http://schemas.microsoft.com/office/powerpoint/2015/main" val="1"/>
+              </p:ext>
+            </p:extLst>
+          </p:nvPr>
+        </p:nvSpPr>
+        <p:spPr>
+          <a:xfrm>
+            <a:off x="1" y="6400800"/>
+            <a:ext cx="12192000" cy="457200"/>
+          </a:xfrm>
+          <a:prstGeom prst="rect">
+            <a:avLst/>
+          </a:prstGeom>
+          <a:solidFill>
+            <a:schemeClr val="accent2"/>
+          </a:solidFill>
+          <a:ln>
+            <a:noFill/>
+          </a:ln>
+        </p:spPr>
+        <p:style>
+          <a:lnRef idx="2">
+            <a:schemeClr val="accent1">
+              <a:shade val="50000"/>
+            </a:schemeClr>
+          </a:lnRef>
+          <a:fillRef idx="1">
+            <a:schemeClr val="accent1"/>
+          </a:fillRef>
+          <a:effectRef idx="0">
+            <a:schemeClr val="accent1"/>
+          </a:effectRef>
+          <a:fontRef idx="minor">
+            <a:schemeClr val="lt1"/>
+          </a:fontRef>
+        </p:style>
+      </p:sp>
+    </p:spTree>
+    <p:extLst>
+      <p:ext uri="{BB962C8B-B14F-4D97-AF65-F5344CB8AC3E}">
+        <p14:creationId xmlns:p14="http://schemas.microsoft.com/office/powerpoint/2010/main" val="4103164960"/>
+      </p:ext>
+    </p:extLst>
+  </p:cSld>
+  <p:clrMapOvr>
+    <a:masterClrMapping/>
+  </p:clrMapOvr>
+</p:sld>
+</file>
+
+<file path=ppt/slides/slide33.xml><?xml version="1.0" encoding="utf-8"?>
+<p:sld xmlns:a="http://schemas.openxmlformats.org/drawingml/2006/main" xmlns:r="http://schemas.openxmlformats.org/officeDocument/2006/relationships" xmlns:p="http://schemas.openxmlformats.org/presentationml/2006/main">
+  <p:cSld>
+    <p:bg>
+      <p:bgPr>
+        <a:solidFill>
+          <a:schemeClr val="bg1"/>
+        </a:solidFill>
+        <a:effectLst/>
+      </p:bgPr>
+    </p:bg>
+    <p:spTree>
+      <p:nvGrpSpPr>
+        <p:cNvPr id="1" name=""/>
+        <p:cNvGrpSpPr/>
+        <p:nvPr/>
+      </p:nvGrpSpPr>
+      <p:grpSpPr>
+        <a:xfrm>
+          <a:off x="0" y="0"/>
+          <a:ext cx="0" cy="0"/>
+          <a:chOff x="0" y="0"/>
+          <a:chExt cx="0" cy="0"/>
+        </a:xfrm>
+      </p:grpSpPr>
+      <p:sp useBgFill="1">
+        <p:nvSpPr>
+          <p:cNvPr id="143" name="Rectangle 134">
+            <a:extLst>
+              <a:ext uri="{FF2B5EF4-FFF2-40B4-BE49-F238E27FC236}">
+                <a16:creationId xmlns:a16="http://schemas.microsoft.com/office/drawing/2014/main" id="{284B70D5-875B-433D-BDBD-1522A85D6C1D}"/>
+              </a:ext>
+              <a:ext uri="{C183D7F6-B498-43B3-948B-1728B52AA6E4}">
+                <adec:decorative xmlns:adec="http://schemas.microsoft.com/office/drawing/2017/decorative" val="1"/>
+              </a:ext>
+            </a:extLst>
+          </p:cNvPr>
+          <p:cNvSpPr>
+            <a:spLocks noGrp="1" noRot="1" noChangeAspect="1" noMove="1" noResize="1" noEditPoints="1" noAdjustHandles="1" noChangeArrowheads="1" noChangeShapeType="1" noTextEdit="1"/>
+          </p:cNvSpPr>
+          <p:nvPr>
+            <p:extLst>
+              <p:ext uri="{386F3935-93C4-4BCD-93E2-E3B085C9AB24}">
+                <p16:designElem xmlns:p16="http://schemas.microsoft.com/office/powerpoint/2015/main" val="1"/>
+              </p:ext>
+            </p:extLst>
+          </p:nvPr>
+        </p:nvSpPr>
+        <p:spPr>
+          <a:xfrm>
+            <a:off x="0" y="0"/>
+            <a:ext cx="12192001" cy="6334316"/>
+          </a:xfrm>
+          <a:prstGeom prst="rect">
+            <a:avLst/>
+          </a:prstGeom>
+          <a:ln>
+            <a:noFill/>
+          </a:ln>
+        </p:spPr>
+        <p:style>
+          <a:lnRef idx="2">
+            <a:schemeClr val="accent1">
+              <a:shade val="50000"/>
+            </a:schemeClr>
+          </a:lnRef>
+          <a:fillRef idx="1">
+            <a:schemeClr val="accent1"/>
+          </a:fillRef>
+          <a:effectRef idx="0">
+            <a:schemeClr val="accent1"/>
+          </a:effectRef>
+          <a:fontRef idx="minor">
+            <a:schemeClr val="lt1"/>
+          </a:fontRef>
+        </p:style>
+        <p:txBody>
+          <a:bodyPr rtlCol="0" anchor="ctr"/>
+          <a:lstStyle/>
+          <a:p>
+            <a:pPr algn="ctr"/>
+            <a:endParaRPr lang="en-US"/>
+          </a:p>
+        </p:txBody>
+      </p:sp>
+      <p:sp>
+        <p:nvSpPr>
+          <p:cNvPr id="2" name="Title 1">
+            <a:extLst>
+              <a:ext uri="{FF2B5EF4-FFF2-40B4-BE49-F238E27FC236}">
+                <a16:creationId xmlns:a16="http://schemas.microsoft.com/office/drawing/2014/main" id="{A2E81D72-EC99-4091-AA2C-660CCFAC39B6}"/>
+              </a:ext>
+            </a:extLst>
+          </p:cNvPr>
+          <p:cNvSpPr>
+            <a:spLocks noGrp="1"/>
+          </p:cNvSpPr>
+          <p:nvPr>
+            <p:ph type="title"/>
+          </p:nvPr>
+        </p:nvSpPr>
+        <p:spPr>
+          <a:xfrm>
+            <a:off x="7859485" y="634946"/>
+            <a:ext cx="3690257" cy="1450757"/>
+          </a:xfrm>
+        </p:spPr>
+        <p:txBody>
+          <a:bodyPr>
+            <a:normAutofit/>
+          </a:bodyPr>
+          <a:lstStyle/>
+          <a:p>
+            <a:r>
+              <a:rPr lang="en-IN" b="1" dirty="0"/>
+              <a:t>Normal vs Uniform</a:t>
+            </a:r>
+          </a:p>
+        </p:txBody>
+      </p:sp>
+      <p:pic>
+        <p:nvPicPr>
+          <p:cNvPr id="5" name="Content Placeholder 4">
+            <a:extLst>
+              <a:ext uri="{FF2B5EF4-FFF2-40B4-BE49-F238E27FC236}">
+                <a16:creationId xmlns:a16="http://schemas.microsoft.com/office/drawing/2014/main" id="{99059347-F5D1-41F7-B30A-23EE2BA4D650}"/>
+              </a:ext>
+            </a:extLst>
+          </p:cNvPr>
+          <p:cNvPicPr>
+            <a:picLocks noChangeAspect="1"/>
+          </p:cNvPicPr>
+          <p:nvPr/>
+        </p:nvPicPr>
+        <p:blipFill>
+          <a:blip r:embed="rId2">
+            <a:extLst>
+              <a:ext uri="{28A0092B-C50C-407E-A947-70E740481C1C}">
+                <a14:useLocalDpi xmlns:a14="http://schemas.microsoft.com/office/drawing/2010/main" val="0"/>
+              </a:ext>
+            </a:extLst>
+          </a:blip>
+          <a:srcRect l="3750" r="3750"/>
+          <a:stretch/>
+        </p:blipFill>
+        <p:spPr>
+          <a:xfrm>
+            <a:off x="633999" y="682764"/>
+            <a:ext cx="6909801" cy="5229039"/>
+          </a:xfrm>
+          <a:prstGeom prst="rect">
+            <a:avLst/>
+          </a:prstGeom>
+        </p:spPr>
+      </p:pic>
+      <p:cxnSp>
+        <p:nvCxnSpPr>
+          <p:cNvPr id="144" name="Straight Connector 136">
+            <a:extLst>
+              <a:ext uri="{FF2B5EF4-FFF2-40B4-BE49-F238E27FC236}">
+                <a16:creationId xmlns:a16="http://schemas.microsoft.com/office/drawing/2014/main" id="{C947DF4A-614C-4B4C-8B80-E5B9D8E8CFED}"/>
+              </a:ext>
+              <a:ext uri="{C183D7F6-B498-43B3-948B-1728B52AA6E4}">
+                <adec:decorative xmlns:adec="http://schemas.microsoft.com/office/drawing/2017/decorative" val="1"/>
+              </a:ext>
+            </a:extLst>
+          </p:cNvPr>
+          <p:cNvCxnSpPr>
+            <a:cxnSpLocks noGrp="1" noRot="1" noChangeAspect="1" noMove="1" noResize="1" noEditPoints="1" noAdjustHandles="1" noChangeArrowheads="1" noChangeShapeType="1"/>
+          </p:cNvCxnSpPr>
+          <p:nvPr>
+            <p:extLst>
+              <p:ext uri="{386F3935-93C4-4BCD-93E2-E3B085C9AB24}">
+                <p16:designElem xmlns:p16="http://schemas.microsoft.com/office/powerpoint/2015/main" val="1"/>
+              </p:ext>
+            </p:extLst>
+          </p:nvPr>
+        </p:nvCxnSpPr>
+        <p:spPr>
+          <a:xfrm>
+            <a:off x="7892143" y="2085703"/>
+            <a:ext cx="3566160" cy="0"/>
+          </a:xfrm>
+          <a:prstGeom prst="line">
+            <a:avLst/>
+          </a:prstGeom>
+          <a:ln w="6350">
+            <a:solidFill>
+              <a:schemeClr val="tx1">
+                <a:lumMod val="50000"/>
+                <a:lumOff val="50000"/>
+                <a:alpha val="90000"/>
+              </a:schemeClr>
+            </a:solidFill>
+          </a:ln>
+        </p:spPr>
+        <p:style>
+          <a:lnRef idx="1">
+            <a:schemeClr val="accent1"/>
+          </a:lnRef>
+          <a:fillRef idx="0">
+            <a:schemeClr val="accent1"/>
+          </a:fillRef>
+          <a:effectRef idx="0">
+            <a:schemeClr val="accent1"/>
+          </a:effectRef>
+          <a:fontRef idx="minor">
+            <a:schemeClr val="tx1"/>
+          </a:fontRef>
+        </p:style>
+      </p:cxnSp>
+      <p:sp>
+        <p:nvSpPr>
+          <p:cNvPr id="10" name="Content Placeholder 8">
+            <a:extLst>
+              <a:ext uri="{FF2B5EF4-FFF2-40B4-BE49-F238E27FC236}">
+                <a16:creationId xmlns:a16="http://schemas.microsoft.com/office/drawing/2014/main" id="{B0DBBD15-5CB7-4758-94C6-9FCA6E3AA552}"/>
+              </a:ext>
+            </a:extLst>
+          </p:cNvPr>
+          <p:cNvSpPr>
+            <a:spLocks noGrp="1"/>
+          </p:cNvSpPr>
+          <p:nvPr>
+            <p:ph idx="1"/>
+          </p:nvPr>
+        </p:nvSpPr>
+        <p:spPr>
+          <a:xfrm>
+            <a:off x="7859485" y="2198914"/>
+            <a:ext cx="3690257" cy="3670180"/>
+          </a:xfrm>
+        </p:spPr>
+        <p:txBody>
+          <a:bodyPr>
+            <a:normAutofit/>
+          </a:bodyPr>
+          <a:lstStyle/>
+          <a:p>
+            <a:r>
+              <a:rPr lang="en-IN" dirty="0"/>
+              <a:t>Here we see same observations as the previous quick sort observations, i.e. Comparisons of Normal is lower than Uniform as in Normal Distribution, most of the elements are concentrated towards median.</a:t>
+            </a:r>
+          </a:p>
+          <a:p>
+            <a:r>
+              <a:rPr lang="en-IN" dirty="0"/>
+              <a:t>And same as before, Time taken by Normal is more than Uniform although its Comparison are less than Uniform</a:t>
+            </a:r>
+          </a:p>
+        </p:txBody>
+      </p:sp>
+      <p:sp>
+        <p:nvSpPr>
+          <p:cNvPr id="145" name="Rectangle 138">
+            <a:extLst>
+              <a:ext uri="{FF2B5EF4-FFF2-40B4-BE49-F238E27FC236}">
+                <a16:creationId xmlns:a16="http://schemas.microsoft.com/office/drawing/2014/main" id="{1E299956-A9E7-4FC1-A0B1-D590CA9730E8}"/>
+              </a:ext>
+              <a:ext uri="{C183D7F6-B498-43B3-948B-1728B52AA6E4}">
+                <adec:decorative xmlns:adec="http://schemas.microsoft.com/office/drawing/2017/decorative" val="1"/>
+              </a:ext>
+            </a:extLst>
+          </p:cNvPr>
+          <p:cNvSpPr>
+            <a:spLocks noGrp="1" noRot="1" noChangeAspect="1" noMove="1" noResize="1" noEditPoints="1" noAdjustHandles="1" noChangeArrowheads="1" noChangeShapeType="1" noTextEdit="1"/>
+          </p:cNvSpPr>
+          <p:nvPr>
+            <p:extLst>
+              <p:ext uri="{386F3935-93C4-4BCD-93E2-E3B085C9AB24}">
+                <p16:designElem xmlns:p16="http://schemas.microsoft.com/office/powerpoint/2015/main" val="1"/>
+              </p:ext>
+            </p:extLst>
+          </p:nvPr>
+        </p:nvSpPr>
+        <p:spPr>
+          <a:xfrm>
+            <a:off x="15" y="6334316"/>
+            <a:ext cx="12191985" cy="66484"/>
+          </a:xfrm>
+          <a:prstGeom prst="rect">
+            <a:avLst/>
+          </a:prstGeom>
+          <a:solidFill>
+            <a:schemeClr val="accent1"/>
+          </a:solidFill>
+          <a:ln>
+            <a:noFill/>
+          </a:ln>
+        </p:spPr>
+        <p:style>
+          <a:lnRef idx="2">
+            <a:schemeClr val="accent1">
+              <a:shade val="50000"/>
+            </a:schemeClr>
+          </a:lnRef>
+          <a:fillRef idx="1">
+            <a:schemeClr val="accent1"/>
+          </a:fillRef>
+          <a:effectRef idx="0">
+            <a:schemeClr val="accent1"/>
+          </a:effectRef>
+          <a:fontRef idx="minor">
+            <a:schemeClr val="lt1"/>
+          </a:fontRef>
+        </p:style>
+      </p:sp>
+      <p:sp>
+        <p:nvSpPr>
+          <p:cNvPr id="146" name="Rectangle 140">
+            <a:extLst>
+              <a:ext uri="{FF2B5EF4-FFF2-40B4-BE49-F238E27FC236}">
+                <a16:creationId xmlns:a16="http://schemas.microsoft.com/office/drawing/2014/main" id="{17FC539C-B783-4B03-9F9E-D13430F3F64F}"/>
+              </a:ext>
+              <a:ext uri="{C183D7F6-B498-43B3-948B-1728B52AA6E4}">
+                <adec:decorative xmlns:adec="http://schemas.microsoft.com/office/drawing/2017/decorative" val="1"/>
+              </a:ext>
+            </a:extLst>
+          </p:cNvPr>
+          <p:cNvSpPr>
+            <a:spLocks noGrp="1" noRot="1" noChangeAspect="1" noMove="1" noResize="1" noEditPoints="1" noAdjustHandles="1" noChangeArrowheads="1" noChangeShapeType="1" noTextEdit="1"/>
+          </p:cNvSpPr>
+          <p:nvPr>
+            <p:extLst>
+              <p:ext uri="{386F3935-93C4-4BCD-93E2-E3B085C9AB24}">
+                <p16:designElem xmlns:p16="http://schemas.microsoft.com/office/powerpoint/2015/main" val="1"/>
+              </p:ext>
+            </p:extLst>
+          </p:nvPr>
+        </p:nvSpPr>
+        <p:spPr>
+          <a:xfrm>
+            <a:off x="1" y="6400800"/>
+            <a:ext cx="12192000" cy="457200"/>
+          </a:xfrm>
+          <a:prstGeom prst="rect">
+            <a:avLst/>
+          </a:prstGeom>
+          <a:solidFill>
+            <a:schemeClr val="accent2"/>
+          </a:solidFill>
+          <a:ln>
+            <a:noFill/>
+          </a:ln>
+        </p:spPr>
+        <p:style>
+          <a:lnRef idx="2">
+            <a:schemeClr val="accent1">
+              <a:shade val="50000"/>
+            </a:schemeClr>
+          </a:lnRef>
+          <a:fillRef idx="1">
+            <a:schemeClr val="accent1"/>
+          </a:fillRef>
+          <a:effectRef idx="0">
+            <a:schemeClr val="accent1"/>
+          </a:effectRef>
+          <a:fontRef idx="minor">
+            <a:schemeClr val="lt1"/>
+          </a:fontRef>
+        </p:style>
+      </p:sp>
+    </p:spTree>
+    <p:extLst>
+      <p:ext uri="{BB962C8B-B14F-4D97-AF65-F5344CB8AC3E}">
+        <p14:creationId xmlns:p14="http://schemas.microsoft.com/office/powerpoint/2010/main" val="815679008"/>
+      </p:ext>
+    </p:extLst>
+  </p:cSld>
+  <p:clrMapOvr>
+    <a:masterClrMapping/>
+  </p:clrMapOvr>
+</p:sld>
+</file>
+
+<file path=ppt/slides/slide34.xml><?xml version="1.0" encoding="utf-8"?>
+<p:sld xmlns:a="http://schemas.openxmlformats.org/drawingml/2006/main" xmlns:r="http://schemas.openxmlformats.org/officeDocument/2006/relationships" xmlns:p="http://schemas.openxmlformats.org/presentationml/2006/main">
+  <p:cSld>
+    <p:bg>
+      <p:bgPr>
+        <a:solidFill>
+          <a:schemeClr val="bg1"/>
+        </a:solidFill>
+        <a:effectLst/>
+      </p:bgPr>
+    </p:bg>
+    <p:spTree>
+      <p:nvGrpSpPr>
+        <p:cNvPr id="1" name=""/>
+        <p:cNvGrpSpPr/>
+        <p:nvPr/>
+      </p:nvGrpSpPr>
+      <p:grpSpPr>
+        <a:xfrm>
+          <a:off x="0" y="0"/>
+          <a:ext cx="0" cy="0"/>
+          <a:chOff x="0" y="0"/>
+          <a:chExt cx="0" cy="0"/>
+        </a:xfrm>
+      </p:grpSpPr>
+      <p:pic>
+        <p:nvPicPr>
+          <p:cNvPr id="5" name="Picture 4" descr="Many question marks on black background">
+            <a:extLst>
+              <a:ext uri="{FF2B5EF4-FFF2-40B4-BE49-F238E27FC236}">
+                <a16:creationId xmlns:a16="http://schemas.microsoft.com/office/drawing/2014/main" id="{ADB0B3D9-43BA-44C0-B7D2-B552C20F9567}"/>
+              </a:ext>
+            </a:extLst>
+          </p:cNvPr>
+          <p:cNvPicPr>
+            <a:picLocks noChangeAspect="1"/>
+          </p:cNvPicPr>
+          <p:nvPr/>
+        </p:nvPicPr>
+        <p:blipFill rotWithShape="1">
+          <a:blip r:embed="rId2">
+            <a:duotone>
+              <a:schemeClr val="bg2">
+                <a:shade val="45000"/>
+                <a:satMod val="135000"/>
+              </a:schemeClr>
+              <a:prstClr val="white"/>
+            </a:duotone>
+            <a:alphaModFix amt="35000"/>
+          </a:blip>
+          <a:srcRect t="7787"/>
+          <a:stretch/>
+        </p:blipFill>
+        <p:spPr>
+          <a:xfrm>
+            <a:off x="0" y="0"/>
+            <a:ext cx="12191980" cy="6857990"/>
+          </a:xfrm>
+          <a:prstGeom prst="rect">
+            <a:avLst/>
+          </a:prstGeom>
+        </p:spPr>
+      </p:pic>
+      <p:sp>
+        <p:nvSpPr>
+          <p:cNvPr id="2" name="Title 1">
+            <a:extLst>
+              <a:ext uri="{FF2B5EF4-FFF2-40B4-BE49-F238E27FC236}">
+                <a16:creationId xmlns:a16="http://schemas.microsoft.com/office/drawing/2014/main" id="{4A52C5C3-42CA-4234-833A-76AB208648C9}"/>
+              </a:ext>
+            </a:extLst>
+          </p:cNvPr>
+          <p:cNvSpPr>
+            <a:spLocks noGrp="1"/>
+          </p:cNvSpPr>
+          <p:nvPr>
+            <p:ph type="ctrTitle"/>
+          </p:nvPr>
+        </p:nvSpPr>
+        <p:spPr>
+          <a:xfrm>
+            <a:off x="1097280" y="758952"/>
+            <a:ext cx="10058400" cy="3566160"/>
+          </a:xfrm>
+        </p:spPr>
+        <p:txBody>
+          <a:bodyPr>
+            <a:normAutofit/>
+          </a:bodyPr>
+          <a:lstStyle/>
+          <a:p>
+            <a:r>
+              <a:rPr lang="en-IN" dirty="0"/>
+              <a:t>Question 5</a:t>
+            </a:r>
+          </a:p>
+        </p:txBody>
+      </p:sp>
+      <p:sp>
+        <p:nvSpPr>
+          <p:cNvPr id="3" name="Subtitle 2">
+            <a:extLst>
+              <a:ext uri="{FF2B5EF4-FFF2-40B4-BE49-F238E27FC236}">
+                <a16:creationId xmlns:a16="http://schemas.microsoft.com/office/drawing/2014/main" id="{418B9C51-389E-47E6-B0A9-41747AF0C1BE}"/>
+              </a:ext>
+            </a:extLst>
+          </p:cNvPr>
+          <p:cNvSpPr>
+            <a:spLocks noGrp="1"/>
+          </p:cNvSpPr>
+          <p:nvPr>
+            <p:ph type="subTitle" idx="1"/>
+          </p:nvPr>
+        </p:nvSpPr>
+        <p:spPr>
+          <a:xfrm>
+            <a:off x="1100051" y="4455620"/>
+            <a:ext cx="10058400" cy="1143000"/>
+          </a:xfrm>
+        </p:spPr>
+        <p:txBody>
+          <a:bodyPr>
+            <a:normAutofit/>
+          </a:bodyPr>
+          <a:lstStyle/>
+          <a:p>
+            <a:r>
+              <a:rPr lang="en-US" b="1" dirty="0">
+                <a:solidFill>
+                  <a:schemeClr val="tx1">
+                    <a:lumMod val="85000"/>
+                    <a:lumOff val="15000"/>
+                  </a:schemeClr>
+                </a:solidFill>
+              </a:rPr>
+              <a:t>Now normalize both the datasets in the range from 0 to 1 and implement bucket sort (BS) algorithm and check for correctness</a:t>
+            </a:r>
+            <a:endParaRPr lang="en-IN" b="1" dirty="0">
+              <a:solidFill>
+                <a:schemeClr val="tx1">
+                  <a:lumMod val="85000"/>
+                  <a:lumOff val="15000"/>
+                </a:schemeClr>
+              </a:solidFill>
+            </a:endParaRPr>
+          </a:p>
+        </p:txBody>
+      </p:sp>
+      <p:cxnSp>
+        <p:nvCxnSpPr>
+          <p:cNvPr id="10" name="Straight Connector 9">
+            <a:extLst>
+              <a:ext uri="{FF2B5EF4-FFF2-40B4-BE49-F238E27FC236}">
+                <a16:creationId xmlns:a16="http://schemas.microsoft.com/office/drawing/2014/main" id="{77AB95BF-57D0-4E49-9EF2-408B47C8D40D}"/>
+              </a:ext>
+              <a:ext uri="{C183D7F6-B498-43B3-948B-1728B52AA6E4}">
+                <adec:decorative xmlns:adec="http://schemas.microsoft.com/office/drawing/2017/decorative" val="1"/>
+              </a:ext>
+            </a:extLst>
+          </p:cNvPr>
+          <p:cNvCxnSpPr>
+            <a:cxnSpLocks noGrp="1" noRot="1" noChangeAspect="1" noMove="1" noResize="1" noEditPoints="1" noAdjustHandles="1" noChangeArrowheads="1" noChangeShapeType="1"/>
+          </p:cNvCxnSpPr>
+          <p:nvPr>
+            <p:extLst>
+              <p:ext uri="{386F3935-93C4-4BCD-93E2-E3B085C9AB24}">
+                <p16:designElem xmlns:p16="http://schemas.microsoft.com/office/powerpoint/2015/main" val="1"/>
+              </p:ext>
+            </p:extLst>
+          </p:nvPr>
+        </p:nvCxnSpPr>
+        <p:spPr>
+          <a:xfrm>
+            <a:off x="1207658" y="4343400"/>
+            <a:ext cx="9875520" cy="0"/>
+          </a:xfrm>
+          <a:prstGeom prst="line">
+            <a:avLst/>
+          </a:prstGeom>
+          <a:ln w="6350">
+            <a:solidFill>
+              <a:schemeClr val="tx2">
+                <a:alpha val="90000"/>
+              </a:schemeClr>
+            </a:solidFill>
+          </a:ln>
+        </p:spPr>
+        <p:style>
+          <a:lnRef idx="1">
+            <a:schemeClr val="accent1"/>
+          </a:lnRef>
+          <a:fillRef idx="0">
+            <a:schemeClr val="accent1"/>
+          </a:fillRef>
+          <a:effectRef idx="0">
+            <a:schemeClr val="accent1"/>
+          </a:effectRef>
+          <a:fontRef idx="minor">
+            <a:schemeClr val="tx1"/>
+          </a:fontRef>
+        </p:style>
+      </p:cxnSp>
+      <p:sp>
+        <p:nvSpPr>
+          <p:cNvPr id="12" name="Rectangle 11">
+            <a:extLst>
+              <a:ext uri="{FF2B5EF4-FFF2-40B4-BE49-F238E27FC236}">
+                <a16:creationId xmlns:a16="http://schemas.microsoft.com/office/drawing/2014/main" id="{1C520CBD-F82E-44E4-BDA5-128716AD79C8}"/>
+              </a:ext>
+              <a:ext uri="{C183D7F6-B498-43B3-948B-1728B52AA6E4}">
+                <adec:decorative xmlns:adec="http://schemas.microsoft.com/office/drawing/2017/decorative" val="1"/>
+              </a:ext>
+            </a:extLst>
+          </p:cNvPr>
+          <p:cNvSpPr>
+            <a:spLocks noGrp="1" noRot="1" noChangeAspect="1" noMove="1" noResize="1" noEditPoints="1" noAdjustHandles="1" noChangeArrowheads="1" noChangeShapeType="1" noTextEdit="1"/>
+          </p:cNvSpPr>
+          <p:nvPr>
+            <p:extLst>
+              <p:ext uri="{386F3935-93C4-4BCD-93E2-E3B085C9AB24}">
+                <p16:designElem xmlns:p16="http://schemas.microsoft.com/office/powerpoint/2015/main" val="1"/>
+              </p:ext>
+            </p:extLst>
+          </p:nvPr>
+        </p:nvSpPr>
+        <p:spPr>
+          <a:xfrm>
+            <a:off x="15" y="6334316"/>
+            <a:ext cx="12191985" cy="66484"/>
+          </a:xfrm>
+          <a:prstGeom prst="rect">
+            <a:avLst/>
+          </a:prstGeom>
+          <a:solidFill>
+            <a:schemeClr val="accent1"/>
+          </a:solidFill>
+          <a:ln>
+            <a:noFill/>
+          </a:ln>
+        </p:spPr>
+        <p:style>
+          <a:lnRef idx="2">
+            <a:schemeClr val="accent1">
+              <a:shade val="50000"/>
+            </a:schemeClr>
+          </a:lnRef>
+          <a:fillRef idx="1">
+            <a:schemeClr val="accent1"/>
+          </a:fillRef>
+          <a:effectRef idx="0">
+            <a:schemeClr val="accent1"/>
+          </a:effectRef>
+          <a:fontRef idx="minor">
+            <a:schemeClr val="lt1"/>
+          </a:fontRef>
+        </p:style>
+      </p:sp>
+      <p:sp>
+        <p:nvSpPr>
+          <p:cNvPr id="14" name="Rectangle 13">
+            <a:extLst>
+              <a:ext uri="{FF2B5EF4-FFF2-40B4-BE49-F238E27FC236}">
+                <a16:creationId xmlns:a16="http://schemas.microsoft.com/office/drawing/2014/main" id="{4618AE32-A526-42FC-A854-732740BD38DA}"/>
+              </a:ext>
+              <a:ext uri="{C183D7F6-B498-43B3-948B-1728B52AA6E4}">
+                <adec:decorative xmlns:adec="http://schemas.microsoft.com/office/drawing/2017/decorative" val="1"/>
+              </a:ext>
+            </a:extLst>
+          </p:cNvPr>
+          <p:cNvSpPr>
+            <a:spLocks noGrp="1" noRot="1" noChangeAspect="1" noMove="1" noResize="1" noEditPoints="1" noAdjustHandles="1" noChangeArrowheads="1" noChangeShapeType="1" noTextEdit="1"/>
+          </p:cNvSpPr>
+          <p:nvPr>
+            <p:extLst>
+              <p:ext uri="{386F3935-93C4-4BCD-93E2-E3B085C9AB24}">
+                <p16:designElem xmlns:p16="http://schemas.microsoft.com/office/powerpoint/2015/main" val="1"/>
+              </p:ext>
+            </p:extLst>
+          </p:nvPr>
+        </p:nvSpPr>
+        <p:spPr>
+          <a:xfrm>
+            <a:off x="1" y="6400800"/>
+            <a:ext cx="12192000" cy="457200"/>
+          </a:xfrm>
+          <a:prstGeom prst="rect">
+            <a:avLst/>
+          </a:prstGeom>
+          <a:solidFill>
+            <a:schemeClr val="accent2"/>
+          </a:solidFill>
+          <a:ln>
+            <a:noFill/>
+          </a:ln>
+        </p:spPr>
+        <p:style>
+          <a:lnRef idx="2">
+            <a:schemeClr val="accent1">
+              <a:shade val="50000"/>
+            </a:schemeClr>
+          </a:lnRef>
+          <a:fillRef idx="1">
+            <a:schemeClr val="accent1"/>
+          </a:fillRef>
+          <a:effectRef idx="0">
+            <a:schemeClr val="accent1"/>
+          </a:effectRef>
+          <a:fontRef idx="minor">
+            <a:schemeClr val="lt1"/>
+          </a:fontRef>
+        </p:style>
+      </p:sp>
+    </p:spTree>
+    <p:extLst>
+      <p:ext uri="{BB962C8B-B14F-4D97-AF65-F5344CB8AC3E}">
+        <p14:creationId xmlns:p14="http://schemas.microsoft.com/office/powerpoint/2010/main" val="993646057"/>
+      </p:ext>
+    </p:extLst>
+  </p:cSld>
+  <p:clrMapOvr>
+    <a:masterClrMapping/>
+  </p:clrMapOvr>
+  <p:timing>
+    <p:tnLst>
+      <p:par>
+        <p:cTn id="1" dur="indefinite" restart="never" nodeType="tmRoot">
+          <p:childTnLst>
+            <p:seq concurrent="1" nextAc="seek">
+              <p:cTn id="2" dur="indefinite" nodeType="mainSeq">
+                <p:childTnLst>
+                  <p:par>
+                    <p:cTn id="3" fill="hold">
+                      <p:stCondLst>
+                        <p:cond delay="indefinite"/>
+                        <p:cond evt="onBegin" delay="0">
+                          <p:tn val="2"/>
+                        </p:cond>
+                      </p:stCondLst>
+                      <p:childTnLst>
+                        <p:par>
+                          <p:cTn id="4" fill="hold">
+                            <p:stCondLst>
+                              <p:cond delay="0"/>
+                            </p:stCondLst>
+                            <p:childTnLst>
+                              <p:par>
+                                <p:cTn id="5" presetID="10" presetClass="entr" presetSubtype="0" fill="hold" grpId="0" nodeType="withEffect">
+                                  <p:stCondLst>
+                                    <p:cond delay="1500"/>
+                                  </p:stCondLst>
+                                  <p:iterate>
+                                    <p:tmPct val="10000"/>
+                                  </p:iterate>
+                                  <p:childTnLst>
+                                    <p:set>
+                                      <p:cBhvr>
+                                        <p:cTn id="6" dur="1" fill="hold">
+                                          <p:stCondLst>
+                                            <p:cond delay="0"/>
+                                          </p:stCondLst>
+                                        </p:cTn>
+                                        <p:tgtEl>
+                                          <p:spTgt spid="3">
+                                            <p:txEl>
+                                              <p:pRg st="0" end="0"/>
+                                            </p:txEl>
+                                          </p:spTgt>
+                                        </p:tgtEl>
+                                        <p:attrNameLst>
+                                          <p:attrName>style.visibility</p:attrName>
+                                        </p:attrNameLst>
+                                      </p:cBhvr>
+                                      <p:to>
+                                        <p:strVal val="visible"/>
+                                      </p:to>
+                                    </p:set>
+                                    <p:animEffect transition="in" filter="fade">
+                                      <p:cBhvr>
+                                        <p:cTn id="7" dur="700"/>
+                                        <p:tgtEl>
+                                          <p:spTgt spid="3">
+                                            <p:txEl>
+                                              <p:pRg st="0" end="0"/>
+                                            </p:txEl>
+                                          </p:spTgt>
+                                        </p:tgtEl>
+                                      </p:cBhvr>
+                                    </p:animEffect>
+                                  </p:childTnLst>
+                                </p:cTn>
+                              </p:par>
+                              <p:par>
+                                <p:cTn id="8" presetID="10" presetClass="entr" presetSubtype="0" fill="hold" grpId="0" nodeType="withEffect">
+                                  <p:stCondLst>
+                                    <p:cond delay="1000"/>
+                                  </p:stCondLst>
+                                  <p:iterate>
+                                    <p:tmPct val="10000"/>
+                                  </p:iterate>
+                                  <p:childTnLst>
+                                    <p:set>
+                                      <p:cBhvr>
+                                        <p:cTn id="9" dur="1" fill="hold">
+                                          <p:stCondLst>
+                                            <p:cond delay="0"/>
+                                          </p:stCondLst>
+                                        </p:cTn>
+                                        <p:tgtEl>
+                                          <p:spTgt spid="2"/>
+                                        </p:tgtEl>
+                                        <p:attrNameLst>
+                                          <p:attrName>style.visibility</p:attrName>
+                                        </p:attrNameLst>
+                                      </p:cBhvr>
+                                      <p:to>
+                                        <p:strVal val="visible"/>
+                                      </p:to>
+                                    </p:set>
+                                    <p:animEffect transition="in" filter="fade">
+                                      <p:cBhvr>
+                                        <p:cTn id="10" dur="700"/>
+                                        <p:tgtEl>
+                                          <p:spTgt spid="2"/>
+                                        </p:tgtEl>
+                                      </p:cBhvr>
+                                    </p:animEffect>
+                                  </p:childTnLst>
+                                </p:cTn>
+                              </p:par>
+                            </p:childTnLst>
+                          </p:cTn>
+                        </p:par>
+                      </p:childTnLst>
+                    </p:cTn>
+                  </p:par>
+                </p:childTnLst>
+              </p:cTn>
+              <p:prevCondLst>
+                <p:cond evt="onPrev" delay="0">
+                  <p:tgtEl>
+                    <p:sldTgt/>
+                  </p:tgtEl>
+                </p:cond>
+              </p:prevCondLst>
+              <p:nextCondLst>
+                <p:cond evt="onNext" delay="0">
+                  <p:tgtEl>
+                    <p:sldTgt/>
+                  </p:tgtEl>
+                </p:cond>
+              </p:nextCondLst>
+            </p:seq>
+          </p:childTnLst>
+        </p:cTn>
+      </p:par>
+    </p:tnLst>
+    <p:bldLst>
+      <p:bldP spid="2" grpId="0"/>
+      <p:bldP spid="3" grpId="0" build="p"/>
+    </p:bldLst>
+  </p:timing>
+</p:sld>
+</file>
+
+<file path=ppt/slides/slide35.xml><?xml version="1.0" encoding="utf-8"?>
+<p:sld xmlns:a="http://schemas.openxmlformats.org/drawingml/2006/main" xmlns:r="http://schemas.openxmlformats.org/officeDocument/2006/relationships" xmlns:p="http://schemas.openxmlformats.org/presentationml/2006/main">
+  <p:cSld>
+    <p:bg>
+      <p:bgPr>
+        <a:solidFill>
+          <a:schemeClr val="bg1"/>
+        </a:solidFill>
+        <a:effectLst/>
+      </p:bgPr>
+    </p:bg>
+    <p:spTree>
+      <p:nvGrpSpPr>
+        <p:cNvPr id="1" name=""/>
+        <p:cNvGrpSpPr/>
+        <p:nvPr/>
+      </p:nvGrpSpPr>
+      <p:grpSpPr>
+        <a:xfrm>
+          <a:off x="0" y="0"/>
+          <a:ext cx="0" cy="0"/>
+          <a:chOff x="0" y="0"/>
+          <a:chExt cx="0" cy="0"/>
+        </a:xfrm>
+      </p:grpSpPr>
+      <p:sp useBgFill="1">
+        <p:nvSpPr>
           <p:cNvPr id="8" name="Rectangle 7">
             <a:extLst>
               <a:ext uri="{FF2B5EF4-FFF2-40B4-BE49-F238E27FC236}">
@@ -27894,7 +31284,7 @@
 </p:sld>
 </file>
 
-<file path=ppt/slides/slide31.xml><?xml version="1.0" encoding="utf-8"?>
+<file path=ppt/slides/slide36.xml><?xml version="1.0" encoding="utf-8"?>
 <p:sld xmlns:a="http://schemas.openxmlformats.org/drawingml/2006/main" xmlns:r="http://schemas.openxmlformats.org/officeDocument/2006/relationships" xmlns:p="http://schemas.openxmlformats.org/presentationml/2006/main">
   <p:cSld>
     <p:bg>
@@ -28272,7 +31662,7 @@
 </p:sld>
 </file>
 
-<file path=ppt/slides/slide32.xml><?xml version="1.0" encoding="utf-8"?>
+<file path=ppt/slides/slide37.xml><?xml version="1.0" encoding="utf-8"?>
 <p:sld xmlns:a="http://schemas.openxmlformats.org/drawingml/2006/main" xmlns:r="http://schemas.openxmlformats.org/officeDocument/2006/relationships" xmlns:p="http://schemas.openxmlformats.org/presentationml/2006/main">
   <p:cSld>
     <p:bg>
@@ -28653,7 +32043,7 @@
 </p:sld>
 </file>
 
-<file path=ppt/slides/slide33.xml><?xml version="1.0" encoding="utf-8"?>
+<file path=ppt/slides/slide38.xml><?xml version="1.0" encoding="utf-8"?>
 <p:sld xmlns:a="http://schemas.openxmlformats.org/drawingml/2006/main" xmlns:r="http://schemas.openxmlformats.org/officeDocument/2006/relationships" xmlns:p="http://schemas.openxmlformats.org/presentationml/2006/main">
   <p:cSld>
     <p:bg>
@@ -29117,7 +32507,7 @@
 </p:sld>
 </file>
 
-<file path=ppt/slides/slide34.xml><?xml version="1.0" encoding="utf-8"?>
+<file path=ppt/slides/slide39.xml><?xml version="1.0" encoding="utf-8"?>
 <p:sld xmlns:a="http://schemas.openxmlformats.org/drawingml/2006/main" xmlns:r="http://schemas.openxmlformats.org/officeDocument/2006/relationships" xmlns:p="http://schemas.openxmlformats.org/presentationml/2006/main">
   <p:cSld>
     <p:bg>
@@ -29499,7 +32889,435 @@
 </p:sld>
 </file>
 
-<file path=ppt/slides/slide35.xml><?xml version="1.0" encoding="utf-8"?>
+<file path=ppt/slides/slide4.xml><?xml version="1.0" encoding="utf-8"?>
+<p:sld xmlns:a="http://schemas.openxmlformats.org/drawingml/2006/main" xmlns:r="http://schemas.openxmlformats.org/officeDocument/2006/relationships" xmlns:p="http://schemas.openxmlformats.org/presentationml/2006/main">
+  <p:cSld>
+    <p:bg>
+      <p:bgPr>
+        <a:solidFill>
+          <a:schemeClr val="bg1"/>
+        </a:solidFill>
+        <a:effectLst/>
+      </p:bgPr>
+    </p:bg>
+    <p:spTree>
+      <p:nvGrpSpPr>
+        <p:cNvPr id="1" name=""/>
+        <p:cNvGrpSpPr/>
+        <p:nvPr/>
+      </p:nvGrpSpPr>
+      <p:grpSpPr>
+        <a:xfrm>
+          <a:off x="0" y="0"/>
+          <a:ext cx="0" cy="0"/>
+          <a:chOff x="0" y="0"/>
+          <a:chExt cx="0" cy="0"/>
+        </a:xfrm>
+      </p:grpSpPr>
+      <p:sp useBgFill="1">
+        <p:nvSpPr>
+          <p:cNvPr id="17" name="Rectangle 16">
+            <a:extLst>
+              <a:ext uri="{FF2B5EF4-FFF2-40B4-BE49-F238E27FC236}">
+                <a16:creationId xmlns:a16="http://schemas.microsoft.com/office/drawing/2014/main" id="{3741B58E-3B65-4A01-A276-975AB2CF8A08}"/>
+              </a:ext>
+              <a:ext uri="{C183D7F6-B498-43B3-948B-1728B52AA6E4}">
+                <adec:decorative xmlns:adec="http://schemas.microsoft.com/office/drawing/2017/decorative" val="1"/>
+              </a:ext>
+            </a:extLst>
+          </p:cNvPr>
+          <p:cNvSpPr>
+            <a:spLocks noGrp="1" noRot="1" noChangeAspect="1" noMove="1" noResize="1" noEditPoints="1" noAdjustHandles="1" noChangeArrowheads="1" noChangeShapeType="1" noTextEdit="1"/>
+          </p:cNvSpPr>
+          <p:nvPr>
+            <p:extLst>
+              <p:ext uri="{386F3935-93C4-4BCD-93E2-E3B085C9AB24}">
+                <p16:designElem xmlns:p16="http://schemas.microsoft.com/office/powerpoint/2015/main" val="1"/>
+              </p:ext>
+            </p:extLst>
+          </p:nvPr>
+        </p:nvSpPr>
+        <p:spPr>
+          <a:xfrm>
+            <a:off x="0" y="0"/>
+            <a:ext cx="12186315" cy="6858000"/>
+          </a:xfrm>
+          <a:prstGeom prst="rect">
+            <a:avLst/>
+          </a:prstGeom>
+          <a:ln>
+            <a:noFill/>
+          </a:ln>
+        </p:spPr>
+        <p:style>
+          <a:lnRef idx="2">
+            <a:schemeClr val="accent6">
+              <a:shade val="50000"/>
+            </a:schemeClr>
+          </a:lnRef>
+          <a:fillRef idx="1001">
+            <a:schemeClr val="lt1"/>
+          </a:fillRef>
+          <a:effectRef idx="0">
+            <a:schemeClr val="accent6"/>
+          </a:effectRef>
+          <a:fontRef idx="minor">
+            <a:schemeClr val="lt1"/>
+          </a:fontRef>
+        </p:style>
+        <p:txBody>
+          <a:bodyPr rtlCol="0" anchor="ctr"/>
+          <a:lstStyle/>
+          <a:p>
+            <a:pPr algn="ctr"/>
+            <a:endParaRPr lang="en-US" dirty="0"/>
+          </a:p>
+        </p:txBody>
+      </p:sp>
+      <p:sp>
+        <p:nvSpPr>
+          <p:cNvPr id="19" name="Rectangle 18">
+            <a:extLst>
+              <a:ext uri="{FF2B5EF4-FFF2-40B4-BE49-F238E27FC236}">
+                <a16:creationId xmlns:a16="http://schemas.microsoft.com/office/drawing/2014/main" id="{7AAC67C3-831B-4AB1-A259-DFB839CAFAFC}"/>
+              </a:ext>
+              <a:ext uri="{C183D7F6-B498-43B3-948B-1728B52AA6E4}">
+                <adec:decorative xmlns:adec="http://schemas.microsoft.com/office/drawing/2017/decorative" val="1"/>
+              </a:ext>
+            </a:extLst>
+          </p:cNvPr>
+          <p:cNvSpPr>
+            <a:spLocks noGrp="1" noRot="1" noChangeAspect="1" noMove="1" noResize="1" noEditPoints="1" noAdjustHandles="1" noChangeArrowheads="1" noChangeShapeType="1" noTextEdit="1"/>
+          </p:cNvSpPr>
+          <p:nvPr>
+            <p:extLst>
+              <p:ext uri="{386F3935-93C4-4BCD-93E2-E3B085C9AB24}">
+                <p16:designElem xmlns:p16="http://schemas.microsoft.com/office/powerpoint/2015/main" val="1"/>
+              </p:ext>
+            </p:extLst>
+          </p:nvPr>
+        </p:nvSpPr>
+        <p:spPr>
+          <a:xfrm>
+            <a:off x="16" y="0"/>
+            <a:ext cx="4050791" cy="6858000"/>
+          </a:xfrm>
+          <a:prstGeom prst="rect">
+            <a:avLst/>
+          </a:prstGeom>
+          <a:solidFill>
+            <a:schemeClr val="accent2"/>
+          </a:solidFill>
+          <a:ln>
+            <a:noFill/>
+          </a:ln>
+        </p:spPr>
+        <p:style>
+          <a:lnRef idx="2">
+            <a:schemeClr val="accent1">
+              <a:shade val="50000"/>
+            </a:schemeClr>
+          </a:lnRef>
+          <a:fillRef idx="1">
+            <a:schemeClr val="accent1"/>
+          </a:fillRef>
+          <a:effectRef idx="0">
+            <a:schemeClr val="accent1"/>
+          </a:effectRef>
+          <a:fontRef idx="minor">
+            <a:schemeClr val="lt1"/>
+          </a:fontRef>
+        </p:style>
+      </p:sp>
+      <p:sp>
+        <p:nvSpPr>
+          <p:cNvPr id="2" name="Title 1">
+            <a:extLst>
+              <a:ext uri="{FF2B5EF4-FFF2-40B4-BE49-F238E27FC236}">
+                <a16:creationId xmlns:a16="http://schemas.microsoft.com/office/drawing/2014/main" id="{D595B95A-705A-4D49-A704-0108F2F33E09}"/>
+              </a:ext>
+            </a:extLst>
+          </p:cNvPr>
+          <p:cNvSpPr>
+            <a:spLocks noGrp="1"/>
+          </p:cNvSpPr>
+          <p:nvPr>
+            <p:ph type="title"/>
+          </p:nvPr>
+        </p:nvSpPr>
+        <p:spPr>
+          <a:xfrm>
+            <a:off x="492370" y="605896"/>
+            <a:ext cx="3084844" cy="5646208"/>
+          </a:xfrm>
+        </p:spPr>
+        <p:txBody>
+          <a:bodyPr anchor="ctr">
+            <a:normAutofit/>
+          </a:bodyPr>
+          <a:lstStyle/>
+          <a:p>
+            <a:r>
+              <a:rPr lang="en-IN" sz="3600" b="1" dirty="0">
+                <a:solidFill>
+                  <a:srgbClr val="FFFFFF"/>
+                </a:solidFill>
+              </a:rPr>
+              <a:t>Procedure</a:t>
+            </a:r>
+          </a:p>
+        </p:txBody>
+      </p:sp>
+      <p:sp>
+        <p:nvSpPr>
+          <p:cNvPr id="21" name="Rectangle 20">
+            <a:extLst>
+              <a:ext uri="{FF2B5EF4-FFF2-40B4-BE49-F238E27FC236}">
+                <a16:creationId xmlns:a16="http://schemas.microsoft.com/office/drawing/2014/main" id="{054B3F04-9EAC-45C0-B3CE-0387EEA10A0C}"/>
+              </a:ext>
+              <a:ext uri="{C183D7F6-B498-43B3-948B-1728B52AA6E4}">
+                <adec:decorative xmlns:adec="http://schemas.microsoft.com/office/drawing/2017/decorative" val="1"/>
+              </a:ext>
+            </a:extLst>
+          </p:cNvPr>
+          <p:cNvSpPr>
+            <a:spLocks noGrp="1" noRot="1" noChangeAspect="1" noMove="1" noResize="1" noEditPoints="1" noAdjustHandles="1" noChangeArrowheads="1" noChangeShapeType="1" noTextEdit="1"/>
+          </p:cNvSpPr>
+          <p:nvPr>
+            <p:extLst>
+              <p:ext uri="{386F3935-93C4-4BCD-93E2-E3B085C9AB24}">
+                <p16:designElem xmlns:p16="http://schemas.microsoft.com/office/powerpoint/2015/main" val="1"/>
+              </p:ext>
+            </p:extLst>
+          </p:nvPr>
+        </p:nvSpPr>
+        <p:spPr>
+          <a:xfrm>
+            <a:off x="4040071" y="0"/>
+            <a:ext cx="64008" cy="6858000"/>
+          </a:xfrm>
+          <a:prstGeom prst="rect">
+            <a:avLst/>
+          </a:prstGeom>
+          <a:solidFill>
+            <a:schemeClr val="accent1"/>
+          </a:solidFill>
+          <a:ln>
+            <a:noFill/>
+          </a:ln>
+        </p:spPr>
+        <p:style>
+          <a:lnRef idx="2">
+            <a:schemeClr val="accent1">
+              <a:shade val="50000"/>
+            </a:schemeClr>
+          </a:lnRef>
+          <a:fillRef idx="1">
+            <a:schemeClr val="accent1"/>
+          </a:fillRef>
+          <a:effectRef idx="0">
+            <a:schemeClr val="accent1"/>
+          </a:effectRef>
+          <a:fontRef idx="minor">
+            <a:schemeClr val="lt1"/>
+          </a:fontRef>
+        </p:style>
+      </p:sp>
+      <mc:AlternateContent xmlns:mc="http://schemas.openxmlformats.org/markup-compatibility/2006" xmlns:a14="http://schemas.microsoft.com/office/drawing/2010/main">
+        <mc:Choice Requires="a14">
+          <p:sp>
+            <p:nvSpPr>
+              <p:cNvPr id="3" name="Content Placeholder 2">
+                <a:extLst>
+                  <a:ext uri="{FF2B5EF4-FFF2-40B4-BE49-F238E27FC236}">
+                    <a16:creationId xmlns:a16="http://schemas.microsoft.com/office/drawing/2014/main" id="{4B817802-A38C-4038-895E-B8B15F8D564B}"/>
+                  </a:ext>
+                </a:extLst>
+              </p:cNvPr>
+              <p:cNvSpPr>
+                <a:spLocks noGrp="1"/>
+              </p:cNvSpPr>
+              <p:nvPr>
+                <p:ph idx="1"/>
+              </p:nvPr>
+            </p:nvSpPr>
+            <p:spPr>
+              <a:xfrm>
+                <a:off x="4742016" y="605896"/>
+                <a:ext cx="6413663" cy="5646208"/>
+              </a:xfrm>
+            </p:spPr>
+            <p:txBody>
+              <a:bodyPr anchor="ctr">
+                <a:normAutofit/>
+              </a:bodyPr>
+              <a:lstStyle/>
+              <a:p>
+                <a:pPr lvl="1">
+                  <a:buFont typeface="Arial" panose="020B0604020202020204" pitchFamily="34" charset="0"/>
+                  <a:buChar char="•"/>
+                </a:pPr>
+                <a:r>
+                  <a:rPr lang="en-IN" dirty="0"/>
+                  <a:t>The inbuilt C function </a:t>
+                </a:r>
+                <a:r>
+                  <a:rPr lang="en-IN" dirty="0">
+                    <a:latin typeface="Courier New" panose="02070309020205020404" pitchFamily="49" charset="0"/>
+                    <a:cs typeface="Courier New" panose="02070309020205020404" pitchFamily="49" charset="0"/>
+                  </a:rPr>
+                  <a:t>rand()</a:t>
+                </a:r>
+                <a:r>
+                  <a:rPr lang="en-IN" dirty="0">
+                    <a:cs typeface="Courier New" panose="02070309020205020404" pitchFamily="49" charset="0"/>
+                  </a:rPr>
+                  <a:t>generates random numbers distributed uniformly.</a:t>
+                </a:r>
+              </a:p>
+              <a:p>
+                <a:pPr lvl="1">
+                  <a:buFont typeface="Arial" panose="020B0604020202020204" pitchFamily="34" charset="0"/>
+                  <a:buChar char="•"/>
+                </a:pPr>
+                <a:r>
+                  <a:rPr lang="en-IN" dirty="0">
+                    <a:cs typeface="Courier New" panose="02070309020205020404" pitchFamily="49" charset="0"/>
+                  </a:rPr>
+                  <a:t>Using </a:t>
+                </a:r>
+                <a:r>
+                  <a:rPr lang="en-IN" dirty="0">
+                    <a:latin typeface="Courier New" panose="02070309020205020404" pitchFamily="49" charset="0"/>
+                    <a:cs typeface="Courier New" panose="02070309020205020404" pitchFamily="49" charset="0"/>
+                  </a:rPr>
+                  <a:t>rand()</a:t>
+                </a:r>
+                <a:r>
+                  <a:rPr lang="en-IN" dirty="0">
+                    <a:cs typeface="Courier New" panose="02070309020205020404" pitchFamily="49" charset="0"/>
+                  </a:rPr>
+                  <a:t> we generated </a:t>
+                </a:r>
+                <a14:m>
+                  <m:oMath xmlns:m="http://schemas.openxmlformats.org/officeDocument/2006/math">
+                    <m:sSup>
+                      <m:sSupPr>
+                        <m:ctrlPr>
+                          <a:rPr lang="en-IN" i="1" smtClean="0">
+                            <a:latin typeface="Cambria Math" panose="02040503050406030204" pitchFamily="18" charset="0"/>
+                            <a:cs typeface="Courier New" panose="02070309020205020404" pitchFamily="49" charset="0"/>
+                          </a:rPr>
+                        </m:ctrlPr>
+                      </m:sSupPr>
+                      <m:e>
+                        <m:r>
+                          <a:rPr lang="en-IN" b="0" i="1" smtClean="0">
+                            <a:latin typeface="Cambria Math" panose="02040503050406030204" pitchFamily="18" charset="0"/>
+                            <a:cs typeface="Courier New" panose="02070309020205020404" pitchFamily="49" charset="0"/>
+                          </a:rPr>
+                          <m:t>10</m:t>
+                        </m:r>
+                      </m:e>
+                      <m:sup>
+                        <m:r>
+                          <a:rPr lang="en-IN" b="0" i="1" smtClean="0">
+                            <a:latin typeface="Cambria Math" panose="02040503050406030204" pitchFamily="18" charset="0"/>
+                            <a:cs typeface="Courier New" panose="02070309020205020404" pitchFamily="49" charset="0"/>
+                          </a:rPr>
+                          <m:t>6</m:t>
+                        </m:r>
+                      </m:sup>
+                    </m:sSup>
+                  </m:oMath>
+                </a14:m>
+                <a:r>
+                  <a:rPr lang="en-IN" dirty="0"/>
+                  <a:t> uniformly distributed random numbers between 0 to 100 and stored it in </a:t>
+                </a:r>
+                <a:r>
+                  <a:rPr lang="en-IN" dirty="0">
+                    <a:latin typeface="Courier New" panose="02070309020205020404" pitchFamily="49" charset="0"/>
+                    <a:cs typeface="Courier New" panose="02070309020205020404" pitchFamily="49" charset="0"/>
+                  </a:rPr>
+                  <a:t>uniform_distribution.csv </a:t>
+                </a:r>
+                <a:r>
+                  <a:rPr lang="en-IN" dirty="0"/>
+                  <a:t>which will act as uniformly distributed dataset for further works.</a:t>
+                </a:r>
+              </a:p>
+              <a:p>
+                <a:pPr lvl="1">
+                  <a:buFont typeface="Arial" panose="020B0604020202020204" pitchFamily="34" charset="0"/>
+                  <a:buChar char="•"/>
+                </a:pPr>
+                <a:r>
+                  <a:rPr lang="en-IN" dirty="0"/>
+                  <a:t>We also plotted a histogram of the dataset to make sure that the dataset generation worked well or not…</a:t>
+                </a:r>
+              </a:p>
+            </p:txBody>
+          </p:sp>
+        </mc:Choice>
+        <mc:Fallback xmlns="">
+          <p:sp>
+            <p:nvSpPr>
+              <p:cNvPr id="3" name="Content Placeholder 2">
+                <a:extLst>
+                  <a:ext uri="{FF2B5EF4-FFF2-40B4-BE49-F238E27FC236}">
+                    <a16:creationId xmlns:a16="http://schemas.microsoft.com/office/drawing/2014/main" id="{4B817802-A38C-4038-895E-B8B15F8D564B}"/>
+                  </a:ext>
+                </a:extLst>
+              </p:cNvPr>
+              <p:cNvSpPr>
+                <a:spLocks noGrp="1" noRot="1" noChangeAspect="1" noMove="1" noResize="1" noEditPoints="1" noAdjustHandles="1" noChangeArrowheads="1" noChangeShapeType="1" noTextEdit="1"/>
+              </p:cNvSpPr>
+              <p:nvPr>
+                <p:ph idx="1"/>
+              </p:nvPr>
+            </p:nvSpPr>
+            <p:spPr>
+              <a:xfrm>
+                <a:off x="4742016" y="605896"/>
+                <a:ext cx="6413663" cy="5646208"/>
+              </a:xfrm>
+              <a:blipFill>
+                <a:blip r:embed="rId2"/>
+                <a:stretch>
+                  <a:fillRect r="-2567"/>
+                </a:stretch>
+              </a:blipFill>
+            </p:spPr>
+            <p:txBody>
+              <a:bodyPr/>
+              <a:lstStyle/>
+              <a:p>
+                <a:r>
+                  <a:rPr lang="en-IN">
+                    <a:noFill/>
+                  </a:rPr>
+                  <a:t> </a:t>
+                </a:r>
+              </a:p>
+            </p:txBody>
+          </p:sp>
+        </mc:Fallback>
+      </mc:AlternateContent>
+    </p:spTree>
+    <p:extLst>
+      <p:ext uri="{BB962C8B-B14F-4D97-AF65-F5344CB8AC3E}">
+        <p14:creationId xmlns:p14="http://schemas.microsoft.com/office/powerpoint/2010/main" val="2594329012"/>
+      </p:ext>
+    </p:extLst>
+  </p:cSld>
+  <p:clrMapOvr>
+    <a:masterClrMapping/>
+  </p:clrMapOvr>
+</p:sld>
+</file>
+
+<file path=ppt/slides/slide40.xml><?xml version="1.0" encoding="utf-8"?>
 <p:sld xmlns:a="http://schemas.openxmlformats.org/drawingml/2006/main" xmlns:r="http://schemas.openxmlformats.org/officeDocument/2006/relationships" xmlns:p="http://schemas.openxmlformats.org/presentationml/2006/main">
   <p:cSld>
     <p:bg>
@@ -29781,7 +33599,7 @@
 </p:sld>
 </file>
 
-<file path=ppt/slides/slide36.xml><?xml version="1.0" encoding="utf-8"?>
+<file path=ppt/slides/slide41.xml><?xml version="1.0" encoding="utf-8"?>
 <p:sld xmlns:a="http://schemas.openxmlformats.org/drawingml/2006/main" xmlns:r="http://schemas.openxmlformats.org/officeDocument/2006/relationships" xmlns:p="http://schemas.openxmlformats.org/presentationml/2006/main">
   <p:cSld>
     <p:bg>
@@ -30242,7 +34060,7 @@
 </p:sld>
 </file>
 
-<file path=ppt/slides/slide37.xml><?xml version="1.0" encoding="utf-8"?>
+<file path=ppt/slides/slide42.xml><?xml version="1.0" encoding="utf-8"?>
 <p:sld xmlns:a="http://schemas.openxmlformats.org/drawingml/2006/main" xmlns:r="http://schemas.openxmlformats.org/officeDocument/2006/relationships" xmlns:p="http://schemas.openxmlformats.org/presentationml/2006/main">
   <p:cSld>
     <p:bg>
@@ -30569,7 +34387,7 @@
 </p:sld>
 </file>
 
-<file path=ppt/slides/slide38.xml><?xml version="1.0" encoding="utf-8"?>
+<file path=ppt/slides/slide43.xml><?xml version="1.0" encoding="utf-8"?>
 <p:sld xmlns:a="http://schemas.openxmlformats.org/drawingml/2006/main" xmlns:r="http://schemas.openxmlformats.org/officeDocument/2006/relationships" xmlns:p="http://schemas.openxmlformats.org/presentationml/2006/main">
   <p:cSld>
     <p:bg>
@@ -31195,7 +35013,7 @@
 </p:sld>
 </file>
 
-<file path=ppt/slides/slide39.xml><?xml version="1.0" encoding="utf-8"?>
+<file path=ppt/slides/slide44.xml><?xml version="1.0" encoding="utf-8"?>
 <p:sld xmlns:a="http://schemas.openxmlformats.org/drawingml/2006/main" xmlns:r="http://schemas.openxmlformats.org/officeDocument/2006/relationships" xmlns:p="http://schemas.openxmlformats.org/presentationml/2006/main">
   <p:cSld>
     <p:bg>
@@ -31740,435 +35558,7 @@
 </p:sld>
 </file>
 
-<file path=ppt/slides/slide4.xml><?xml version="1.0" encoding="utf-8"?>
-<p:sld xmlns:a="http://schemas.openxmlformats.org/drawingml/2006/main" xmlns:r="http://schemas.openxmlformats.org/officeDocument/2006/relationships" xmlns:p="http://schemas.openxmlformats.org/presentationml/2006/main">
-  <p:cSld>
-    <p:bg>
-      <p:bgPr>
-        <a:solidFill>
-          <a:schemeClr val="bg1"/>
-        </a:solidFill>
-        <a:effectLst/>
-      </p:bgPr>
-    </p:bg>
-    <p:spTree>
-      <p:nvGrpSpPr>
-        <p:cNvPr id="1" name=""/>
-        <p:cNvGrpSpPr/>
-        <p:nvPr/>
-      </p:nvGrpSpPr>
-      <p:grpSpPr>
-        <a:xfrm>
-          <a:off x="0" y="0"/>
-          <a:ext cx="0" cy="0"/>
-          <a:chOff x="0" y="0"/>
-          <a:chExt cx="0" cy="0"/>
-        </a:xfrm>
-      </p:grpSpPr>
-      <p:sp useBgFill="1">
-        <p:nvSpPr>
-          <p:cNvPr id="17" name="Rectangle 16">
-            <a:extLst>
-              <a:ext uri="{FF2B5EF4-FFF2-40B4-BE49-F238E27FC236}">
-                <a16:creationId xmlns:a16="http://schemas.microsoft.com/office/drawing/2014/main" id="{3741B58E-3B65-4A01-A276-975AB2CF8A08}"/>
-              </a:ext>
-              <a:ext uri="{C183D7F6-B498-43B3-948B-1728B52AA6E4}">
-                <adec:decorative xmlns:adec="http://schemas.microsoft.com/office/drawing/2017/decorative" val="1"/>
-              </a:ext>
-            </a:extLst>
-          </p:cNvPr>
-          <p:cNvSpPr>
-            <a:spLocks noGrp="1" noRot="1" noChangeAspect="1" noMove="1" noResize="1" noEditPoints="1" noAdjustHandles="1" noChangeArrowheads="1" noChangeShapeType="1" noTextEdit="1"/>
-          </p:cNvSpPr>
-          <p:nvPr>
-            <p:extLst>
-              <p:ext uri="{386F3935-93C4-4BCD-93E2-E3B085C9AB24}">
-                <p16:designElem xmlns:p16="http://schemas.microsoft.com/office/powerpoint/2015/main" val="1"/>
-              </p:ext>
-            </p:extLst>
-          </p:nvPr>
-        </p:nvSpPr>
-        <p:spPr>
-          <a:xfrm>
-            <a:off x="0" y="0"/>
-            <a:ext cx="12186315" cy="6858000"/>
-          </a:xfrm>
-          <a:prstGeom prst="rect">
-            <a:avLst/>
-          </a:prstGeom>
-          <a:ln>
-            <a:noFill/>
-          </a:ln>
-        </p:spPr>
-        <p:style>
-          <a:lnRef idx="2">
-            <a:schemeClr val="accent6">
-              <a:shade val="50000"/>
-            </a:schemeClr>
-          </a:lnRef>
-          <a:fillRef idx="1001">
-            <a:schemeClr val="lt1"/>
-          </a:fillRef>
-          <a:effectRef idx="0">
-            <a:schemeClr val="accent6"/>
-          </a:effectRef>
-          <a:fontRef idx="minor">
-            <a:schemeClr val="lt1"/>
-          </a:fontRef>
-        </p:style>
-        <p:txBody>
-          <a:bodyPr rtlCol="0" anchor="ctr"/>
-          <a:lstStyle/>
-          <a:p>
-            <a:pPr algn="ctr"/>
-            <a:endParaRPr lang="en-US" dirty="0"/>
-          </a:p>
-        </p:txBody>
-      </p:sp>
-      <p:sp>
-        <p:nvSpPr>
-          <p:cNvPr id="19" name="Rectangle 18">
-            <a:extLst>
-              <a:ext uri="{FF2B5EF4-FFF2-40B4-BE49-F238E27FC236}">
-                <a16:creationId xmlns:a16="http://schemas.microsoft.com/office/drawing/2014/main" id="{7AAC67C3-831B-4AB1-A259-DFB839CAFAFC}"/>
-              </a:ext>
-              <a:ext uri="{C183D7F6-B498-43B3-948B-1728B52AA6E4}">
-                <adec:decorative xmlns:adec="http://schemas.microsoft.com/office/drawing/2017/decorative" val="1"/>
-              </a:ext>
-            </a:extLst>
-          </p:cNvPr>
-          <p:cNvSpPr>
-            <a:spLocks noGrp="1" noRot="1" noChangeAspect="1" noMove="1" noResize="1" noEditPoints="1" noAdjustHandles="1" noChangeArrowheads="1" noChangeShapeType="1" noTextEdit="1"/>
-          </p:cNvSpPr>
-          <p:nvPr>
-            <p:extLst>
-              <p:ext uri="{386F3935-93C4-4BCD-93E2-E3B085C9AB24}">
-                <p16:designElem xmlns:p16="http://schemas.microsoft.com/office/powerpoint/2015/main" val="1"/>
-              </p:ext>
-            </p:extLst>
-          </p:nvPr>
-        </p:nvSpPr>
-        <p:spPr>
-          <a:xfrm>
-            <a:off x="16" y="0"/>
-            <a:ext cx="4050791" cy="6858000"/>
-          </a:xfrm>
-          <a:prstGeom prst="rect">
-            <a:avLst/>
-          </a:prstGeom>
-          <a:solidFill>
-            <a:schemeClr val="accent2"/>
-          </a:solidFill>
-          <a:ln>
-            <a:noFill/>
-          </a:ln>
-        </p:spPr>
-        <p:style>
-          <a:lnRef idx="2">
-            <a:schemeClr val="accent1">
-              <a:shade val="50000"/>
-            </a:schemeClr>
-          </a:lnRef>
-          <a:fillRef idx="1">
-            <a:schemeClr val="accent1"/>
-          </a:fillRef>
-          <a:effectRef idx="0">
-            <a:schemeClr val="accent1"/>
-          </a:effectRef>
-          <a:fontRef idx="minor">
-            <a:schemeClr val="lt1"/>
-          </a:fontRef>
-        </p:style>
-      </p:sp>
-      <p:sp>
-        <p:nvSpPr>
-          <p:cNvPr id="2" name="Title 1">
-            <a:extLst>
-              <a:ext uri="{FF2B5EF4-FFF2-40B4-BE49-F238E27FC236}">
-                <a16:creationId xmlns:a16="http://schemas.microsoft.com/office/drawing/2014/main" id="{D595B95A-705A-4D49-A704-0108F2F33E09}"/>
-              </a:ext>
-            </a:extLst>
-          </p:cNvPr>
-          <p:cNvSpPr>
-            <a:spLocks noGrp="1"/>
-          </p:cNvSpPr>
-          <p:nvPr>
-            <p:ph type="title"/>
-          </p:nvPr>
-        </p:nvSpPr>
-        <p:spPr>
-          <a:xfrm>
-            <a:off x="492370" y="605896"/>
-            <a:ext cx="3084844" cy="5646208"/>
-          </a:xfrm>
-        </p:spPr>
-        <p:txBody>
-          <a:bodyPr anchor="ctr">
-            <a:normAutofit/>
-          </a:bodyPr>
-          <a:lstStyle/>
-          <a:p>
-            <a:r>
-              <a:rPr lang="en-IN" sz="3600" b="1" dirty="0">
-                <a:solidFill>
-                  <a:srgbClr val="FFFFFF"/>
-                </a:solidFill>
-              </a:rPr>
-              <a:t>Procedure</a:t>
-            </a:r>
-          </a:p>
-        </p:txBody>
-      </p:sp>
-      <p:sp>
-        <p:nvSpPr>
-          <p:cNvPr id="21" name="Rectangle 20">
-            <a:extLst>
-              <a:ext uri="{FF2B5EF4-FFF2-40B4-BE49-F238E27FC236}">
-                <a16:creationId xmlns:a16="http://schemas.microsoft.com/office/drawing/2014/main" id="{054B3F04-9EAC-45C0-B3CE-0387EEA10A0C}"/>
-              </a:ext>
-              <a:ext uri="{C183D7F6-B498-43B3-948B-1728B52AA6E4}">
-                <adec:decorative xmlns:adec="http://schemas.microsoft.com/office/drawing/2017/decorative" val="1"/>
-              </a:ext>
-            </a:extLst>
-          </p:cNvPr>
-          <p:cNvSpPr>
-            <a:spLocks noGrp="1" noRot="1" noChangeAspect="1" noMove="1" noResize="1" noEditPoints="1" noAdjustHandles="1" noChangeArrowheads="1" noChangeShapeType="1" noTextEdit="1"/>
-          </p:cNvSpPr>
-          <p:nvPr>
-            <p:extLst>
-              <p:ext uri="{386F3935-93C4-4BCD-93E2-E3B085C9AB24}">
-                <p16:designElem xmlns:p16="http://schemas.microsoft.com/office/powerpoint/2015/main" val="1"/>
-              </p:ext>
-            </p:extLst>
-          </p:nvPr>
-        </p:nvSpPr>
-        <p:spPr>
-          <a:xfrm>
-            <a:off x="4040071" y="0"/>
-            <a:ext cx="64008" cy="6858000"/>
-          </a:xfrm>
-          <a:prstGeom prst="rect">
-            <a:avLst/>
-          </a:prstGeom>
-          <a:solidFill>
-            <a:schemeClr val="accent1"/>
-          </a:solidFill>
-          <a:ln>
-            <a:noFill/>
-          </a:ln>
-        </p:spPr>
-        <p:style>
-          <a:lnRef idx="2">
-            <a:schemeClr val="accent1">
-              <a:shade val="50000"/>
-            </a:schemeClr>
-          </a:lnRef>
-          <a:fillRef idx="1">
-            <a:schemeClr val="accent1"/>
-          </a:fillRef>
-          <a:effectRef idx="0">
-            <a:schemeClr val="accent1"/>
-          </a:effectRef>
-          <a:fontRef idx="minor">
-            <a:schemeClr val="lt1"/>
-          </a:fontRef>
-        </p:style>
-      </p:sp>
-      <mc:AlternateContent xmlns:mc="http://schemas.openxmlformats.org/markup-compatibility/2006" xmlns:a14="http://schemas.microsoft.com/office/drawing/2010/main">
-        <mc:Choice Requires="a14">
-          <p:sp>
-            <p:nvSpPr>
-              <p:cNvPr id="3" name="Content Placeholder 2">
-                <a:extLst>
-                  <a:ext uri="{FF2B5EF4-FFF2-40B4-BE49-F238E27FC236}">
-                    <a16:creationId xmlns:a16="http://schemas.microsoft.com/office/drawing/2014/main" id="{4B817802-A38C-4038-895E-B8B15F8D564B}"/>
-                  </a:ext>
-                </a:extLst>
-              </p:cNvPr>
-              <p:cNvSpPr>
-                <a:spLocks noGrp="1"/>
-              </p:cNvSpPr>
-              <p:nvPr>
-                <p:ph idx="1"/>
-              </p:nvPr>
-            </p:nvSpPr>
-            <p:spPr>
-              <a:xfrm>
-                <a:off x="4742016" y="605896"/>
-                <a:ext cx="6413663" cy="5646208"/>
-              </a:xfrm>
-            </p:spPr>
-            <p:txBody>
-              <a:bodyPr anchor="ctr">
-                <a:normAutofit/>
-              </a:bodyPr>
-              <a:lstStyle/>
-              <a:p>
-                <a:pPr lvl="1">
-                  <a:buFont typeface="Arial" panose="020B0604020202020204" pitchFamily="34" charset="0"/>
-                  <a:buChar char="•"/>
-                </a:pPr>
-                <a:r>
-                  <a:rPr lang="en-IN" dirty="0"/>
-                  <a:t>The inbuilt C function </a:t>
-                </a:r>
-                <a:r>
-                  <a:rPr lang="en-IN" dirty="0">
-                    <a:latin typeface="Courier New" panose="02070309020205020404" pitchFamily="49" charset="0"/>
-                    <a:cs typeface="Courier New" panose="02070309020205020404" pitchFamily="49" charset="0"/>
-                  </a:rPr>
-                  <a:t>rand()</a:t>
-                </a:r>
-                <a:r>
-                  <a:rPr lang="en-IN" dirty="0">
-                    <a:cs typeface="Courier New" panose="02070309020205020404" pitchFamily="49" charset="0"/>
-                  </a:rPr>
-                  <a:t>generates random numbers distributed uniformly.</a:t>
-                </a:r>
-              </a:p>
-              <a:p>
-                <a:pPr lvl="1">
-                  <a:buFont typeface="Arial" panose="020B0604020202020204" pitchFamily="34" charset="0"/>
-                  <a:buChar char="•"/>
-                </a:pPr>
-                <a:r>
-                  <a:rPr lang="en-IN" dirty="0">
-                    <a:cs typeface="Courier New" panose="02070309020205020404" pitchFamily="49" charset="0"/>
-                  </a:rPr>
-                  <a:t>Using </a:t>
-                </a:r>
-                <a:r>
-                  <a:rPr lang="en-IN" dirty="0">
-                    <a:latin typeface="Courier New" panose="02070309020205020404" pitchFamily="49" charset="0"/>
-                    <a:cs typeface="Courier New" panose="02070309020205020404" pitchFamily="49" charset="0"/>
-                  </a:rPr>
-                  <a:t>rand()</a:t>
-                </a:r>
-                <a:r>
-                  <a:rPr lang="en-IN" dirty="0">
-                    <a:cs typeface="Courier New" panose="02070309020205020404" pitchFamily="49" charset="0"/>
-                  </a:rPr>
-                  <a:t> we generated </a:t>
-                </a:r>
-                <a14:m>
-                  <m:oMath xmlns:m="http://schemas.openxmlformats.org/officeDocument/2006/math">
-                    <m:sSup>
-                      <m:sSupPr>
-                        <m:ctrlPr>
-                          <a:rPr lang="en-IN" i="1" smtClean="0">
-                            <a:latin typeface="Cambria Math" panose="02040503050406030204" pitchFamily="18" charset="0"/>
-                            <a:cs typeface="Courier New" panose="02070309020205020404" pitchFamily="49" charset="0"/>
-                          </a:rPr>
-                        </m:ctrlPr>
-                      </m:sSupPr>
-                      <m:e>
-                        <m:r>
-                          <a:rPr lang="en-IN" b="0" i="1" smtClean="0">
-                            <a:latin typeface="Cambria Math" panose="02040503050406030204" pitchFamily="18" charset="0"/>
-                            <a:cs typeface="Courier New" panose="02070309020205020404" pitchFamily="49" charset="0"/>
-                          </a:rPr>
-                          <m:t>10</m:t>
-                        </m:r>
-                      </m:e>
-                      <m:sup>
-                        <m:r>
-                          <a:rPr lang="en-IN" b="0" i="1" smtClean="0">
-                            <a:latin typeface="Cambria Math" panose="02040503050406030204" pitchFamily="18" charset="0"/>
-                            <a:cs typeface="Courier New" panose="02070309020205020404" pitchFamily="49" charset="0"/>
-                          </a:rPr>
-                          <m:t>6</m:t>
-                        </m:r>
-                      </m:sup>
-                    </m:sSup>
-                  </m:oMath>
-                </a14:m>
-                <a:r>
-                  <a:rPr lang="en-IN" dirty="0"/>
-                  <a:t> uniformly distributed random numbers between 0 to 100 and stored it in </a:t>
-                </a:r>
-                <a:r>
-                  <a:rPr lang="en-IN" dirty="0">
-                    <a:latin typeface="Courier New" panose="02070309020205020404" pitchFamily="49" charset="0"/>
-                    <a:cs typeface="Courier New" panose="02070309020205020404" pitchFamily="49" charset="0"/>
-                  </a:rPr>
-                  <a:t>uniform_distribution.csv </a:t>
-                </a:r>
-                <a:r>
-                  <a:rPr lang="en-IN" dirty="0"/>
-                  <a:t>which will act as uniformly distributed dataset for further works.</a:t>
-                </a:r>
-              </a:p>
-              <a:p>
-                <a:pPr lvl="1">
-                  <a:buFont typeface="Arial" panose="020B0604020202020204" pitchFamily="34" charset="0"/>
-                  <a:buChar char="•"/>
-                </a:pPr>
-                <a:r>
-                  <a:rPr lang="en-IN" dirty="0"/>
-                  <a:t>We also plotted a histogram of the dataset to make sure that the dataset generation worked well or not…</a:t>
-                </a:r>
-              </a:p>
-            </p:txBody>
-          </p:sp>
-        </mc:Choice>
-        <mc:Fallback xmlns="">
-          <p:sp>
-            <p:nvSpPr>
-              <p:cNvPr id="3" name="Content Placeholder 2">
-                <a:extLst>
-                  <a:ext uri="{FF2B5EF4-FFF2-40B4-BE49-F238E27FC236}">
-                    <a16:creationId xmlns:a16="http://schemas.microsoft.com/office/drawing/2014/main" id="{4B817802-A38C-4038-895E-B8B15F8D564B}"/>
-                  </a:ext>
-                </a:extLst>
-              </p:cNvPr>
-              <p:cNvSpPr>
-                <a:spLocks noGrp="1" noRot="1" noChangeAspect="1" noMove="1" noResize="1" noEditPoints="1" noAdjustHandles="1" noChangeArrowheads="1" noChangeShapeType="1" noTextEdit="1"/>
-              </p:cNvSpPr>
-              <p:nvPr>
-                <p:ph idx="1"/>
-              </p:nvPr>
-            </p:nvSpPr>
-            <p:spPr>
-              <a:xfrm>
-                <a:off x="4742016" y="605896"/>
-                <a:ext cx="6413663" cy="5646208"/>
-              </a:xfrm>
-              <a:blipFill>
-                <a:blip r:embed="rId2"/>
-                <a:stretch>
-                  <a:fillRect r="-2567"/>
-                </a:stretch>
-              </a:blipFill>
-            </p:spPr>
-            <p:txBody>
-              <a:bodyPr/>
-              <a:lstStyle/>
-              <a:p>
-                <a:r>
-                  <a:rPr lang="en-IN">
-                    <a:noFill/>
-                  </a:rPr>
-                  <a:t> </a:t>
-                </a:r>
-              </a:p>
-            </p:txBody>
-          </p:sp>
-        </mc:Fallback>
-      </mc:AlternateContent>
-    </p:spTree>
-    <p:extLst>
-      <p:ext uri="{BB962C8B-B14F-4D97-AF65-F5344CB8AC3E}">
-        <p14:creationId xmlns:p14="http://schemas.microsoft.com/office/powerpoint/2010/main" val="2594329012"/>
-      </p:ext>
-    </p:extLst>
-  </p:cSld>
-  <p:clrMapOvr>
-    <a:masterClrMapping/>
-  </p:clrMapOvr>
-</p:sld>
-</file>
-
-<file path=ppt/slides/slide40.xml><?xml version="1.0" encoding="utf-8"?>
+<file path=ppt/slides/slide45.xml><?xml version="1.0" encoding="utf-8"?>
 <p:sld xmlns:a="http://schemas.openxmlformats.org/drawingml/2006/main" xmlns:r="http://schemas.openxmlformats.org/officeDocument/2006/relationships" xmlns:p="http://schemas.openxmlformats.org/presentationml/2006/main">
   <p:cSld>
     <p:bg>
@@ -32632,7 +36022,7 @@
 </p:sld>
 </file>
 
-<file path=ppt/slides/slide41.xml><?xml version="1.0" encoding="utf-8"?>
+<file path=ppt/slides/slide46.xml><?xml version="1.0" encoding="utf-8"?>
 <p:sld xmlns:a="http://schemas.openxmlformats.org/drawingml/2006/main" xmlns:r="http://schemas.openxmlformats.org/officeDocument/2006/relationships" xmlns:p="http://schemas.openxmlformats.org/presentationml/2006/main">
   <p:cSld>
     <p:bg>
@@ -33134,7 +36524,7 @@
 </p:sld>
 </file>
 
-<file path=ppt/slides/slide42.xml><?xml version="1.0" encoding="utf-8"?>
+<file path=ppt/slides/slide47.xml><?xml version="1.0" encoding="utf-8"?>
 <p:sld xmlns:a="http://schemas.openxmlformats.org/drawingml/2006/main" xmlns:r="http://schemas.openxmlformats.org/officeDocument/2006/relationships" xmlns:p="http://schemas.openxmlformats.org/presentationml/2006/main">
   <p:cSld>
     <p:bg>
@@ -33707,7 +37097,7 @@
 </p:sld>
 </file>
 
-<file path=ppt/slides/slide43.xml><?xml version="1.0" encoding="utf-8"?>
+<file path=ppt/slides/slide48.xml><?xml version="1.0" encoding="utf-8"?>
 <p:sld xmlns:a="http://schemas.openxmlformats.org/drawingml/2006/main" xmlns:r="http://schemas.openxmlformats.org/officeDocument/2006/relationships" xmlns:p="http://schemas.openxmlformats.org/presentationml/2006/main">
   <p:cSld>
     <p:bg>
@@ -34034,7 +37424,7 @@
 </p:sld>
 </file>
 
-<file path=ppt/slides/slide44.xml><?xml version="1.0" encoding="utf-8"?>
+<file path=ppt/slides/slide49.xml><?xml version="1.0" encoding="utf-8"?>
 <p:sld xmlns:a="http://schemas.openxmlformats.org/drawingml/2006/main" xmlns:r="http://schemas.openxmlformats.org/officeDocument/2006/relationships" xmlns:p="http://schemas.openxmlformats.org/presentationml/2006/main">
   <p:cSld>
     <p:bg>
@@ -34498,7 +37888,379 @@
 </p:sld>
 </file>
 
-<file path=ppt/slides/slide45.xml><?xml version="1.0" encoding="utf-8"?>
+<file path=ppt/slides/slide5.xml><?xml version="1.0" encoding="utf-8"?>
+<p:sld xmlns:a="http://schemas.openxmlformats.org/drawingml/2006/main" xmlns:r="http://schemas.openxmlformats.org/officeDocument/2006/relationships" xmlns:p="http://schemas.openxmlformats.org/presentationml/2006/main">
+  <p:cSld>
+    <p:bg>
+      <p:bgPr>
+        <a:solidFill>
+          <a:schemeClr val="bg1"/>
+        </a:solidFill>
+        <a:effectLst/>
+      </p:bgPr>
+    </p:bg>
+    <p:spTree>
+      <p:nvGrpSpPr>
+        <p:cNvPr id="1" name=""/>
+        <p:cNvGrpSpPr/>
+        <p:nvPr/>
+      </p:nvGrpSpPr>
+      <p:grpSpPr>
+        <a:xfrm>
+          <a:off x="0" y="0"/>
+          <a:ext cx="0" cy="0"/>
+          <a:chOff x="0" y="0"/>
+          <a:chExt cx="0" cy="0"/>
+        </a:xfrm>
+      </p:grpSpPr>
+      <p:sp useBgFill="1">
+        <p:nvSpPr>
+          <p:cNvPr id="76" name="Rectangle 75">
+            <a:extLst>
+              <a:ext uri="{FF2B5EF4-FFF2-40B4-BE49-F238E27FC236}">
+                <a16:creationId xmlns:a16="http://schemas.microsoft.com/office/drawing/2014/main" id="{284B70D5-875B-433D-BDBD-1522A85D6C1D}"/>
+              </a:ext>
+              <a:ext uri="{C183D7F6-B498-43B3-948B-1728B52AA6E4}">
+                <adec:decorative xmlns:adec="http://schemas.microsoft.com/office/drawing/2017/decorative" val="1"/>
+              </a:ext>
+            </a:extLst>
+          </p:cNvPr>
+          <p:cNvSpPr>
+            <a:spLocks noGrp="1" noRot="1" noChangeAspect="1" noMove="1" noResize="1" noEditPoints="1" noAdjustHandles="1" noChangeArrowheads="1" noChangeShapeType="1" noTextEdit="1"/>
+          </p:cNvSpPr>
+          <p:nvPr>
+            <p:extLst>
+              <p:ext uri="{386F3935-93C4-4BCD-93E2-E3B085C9AB24}">
+                <p16:designElem xmlns:p16="http://schemas.microsoft.com/office/powerpoint/2015/main" val="1"/>
+              </p:ext>
+            </p:extLst>
+          </p:nvPr>
+        </p:nvSpPr>
+        <p:spPr>
+          <a:xfrm>
+            <a:off x="0" y="0"/>
+            <a:ext cx="12192001" cy="6334316"/>
+          </a:xfrm>
+          <a:prstGeom prst="rect">
+            <a:avLst/>
+          </a:prstGeom>
+          <a:ln>
+            <a:noFill/>
+          </a:ln>
+        </p:spPr>
+        <p:style>
+          <a:lnRef idx="2">
+            <a:schemeClr val="accent1">
+              <a:shade val="50000"/>
+            </a:schemeClr>
+          </a:lnRef>
+          <a:fillRef idx="1">
+            <a:schemeClr val="accent1"/>
+          </a:fillRef>
+          <a:effectRef idx="0">
+            <a:schemeClr val="accent1"/>
+          </a:effectRef>
+          <a:fontRef idx="minor">
+            <a:schemeClr val="lt1"/>
+          </a:fontRef>
+        </p:style>
+        <p:txBody>
+          <a:bodyPr rtlCol="0" anchor="ctr"/>
+          <a:lstStyle/>
+          <a:p>
+            <a:pPr algn="ctr"/>
+            <a:endParaRPr lang="en-US" dirty="0"/>
+          </a:p>
+        </p:txBody>
+      </p:sp>
+      <p:sp>
+        <p:nvSpPr>
+          <p:cNvPr id="2" name="Title 1">
+            <a:extLst>
+              <a:ext uri="{FF2B5EF4-FFF2-40B4-BE49-F238E27FC236}">
+                <a16:creationId xmlns:a16="http://schemas.microsoft.com/office/drawing/2014/main" id="{A2E81D72-EC99-4091-AA2C-660CCFAC39B6}"/>
+              </a:ext>
+            </a:extLst>
+          </p:cNvPr>
+          <p:cNvSpPr>
+            <a:spLocks noGrp="1"/>
+          </p:cNvSpPr>
+          <p:nvPr>
+            <p:ph type="title"/>
+          </p:nvPr>
+        </p:nvSpPr>
+        <p:spPr>
+          <a:xfrm>
+            <a:off x="7859485" y="634946"/>
+            <a:ext cx="3690257" cy="1450757"/>
+          </a:xfrm>
+        </p:spPr>
+        <p:txBody>
+          <a:bodyPr>
+            <a:normAutofit/>
+          </a:bodyPr>
+          <a:lstStyle/>
+          <a:p>
+            <a:r>
+              <a:rPr lang="en-IN" b="1" dirty="0"/>
+              <a:t>Observation</a:t>
+            </a:r>
+          </a:p>
+        </p:txBody>
+      </p:sp>
+      <p:pic>
+        <p:nvPicPr>
+          <p:cNvPr id="5" name="Content Placeholder 4">
+            <a:extLst>
+              <a:ext uri="{FF2B5EF4-FFF2-40B4-BE49-F238E27FC236}">
+                <a16:creationId xmlns:a16="http://schemas.microsoft.com/office/drawing/2014/main" id="{99059347-F5D1-41F7-B30A-23EE2BA4D650}"/>
+              </a:ext>
+            </a:extLst>
+          </p:cNvPr>
+          <p:cNvPicPr>
+            <a:picLocks noChangeAspect="1"/>
+          </p:cNvPicPr>
+          <p:nvPr/>
+        </p:nvPicPr>
+        <p:blipFill>
+          <a:blip r:embed="rId2">
+            <a:extLst>
+              <a:ext uri="{28A0092B-C50C-407E-A947-70E740481C1C}">
+                <a14:useLocalDpi xmlns:a14="http://schemas.microsoft.com/office/drawing/2010/main" val="0"/>
+              </a:ext>
+            </a:extLst>
+          </a:blip>
+          <a:stretch/>
+        </p:blipFill>
+        <p:spPr>
+          <a:xfrm>
+            <a:off x="633999" y="706109"/>
+            <a:ext cx="6909801" cy="5182350"/>
+          </a:xfrm>
+          <a:prstGeom prst="rect">
+            <a:avLst/>
+          </a:prstGeom>
+        </p:spPr>
+      </p:pic>
+      <p:cxnSp>
+        <p:nvCxnSpPr>
+          <p:cNvPr id="78" name="Straight Connector 77">
+            <a:extLst>
+              <a:ext uri="{FF2B5EF4-FFF2-40B4-BE49-F238E27FC236}">
+                <a16:creationId xmlns:a16="http://schemas.microsoft.com/office/drawing/2014/main" id="{C947DF4A-614C-4B4C-8B80-E5B9D8E8CFED}"/>
+              </a:ext>
+              <a:ext uri="{C183D7F6-B498-43B3-948B-1728B52AA6E4}">
+                <adec:decorative xmlns:adec="http://schemas.microsoft.com/office/drawing/2017/decorative" val="1"/>
+              </a:ext>
+            </a:extLst>
+          </p:cNvPr>
+          <p:cNvCxnSpPr>
+            <a:cxnSpLocks noGrp="1" noRot="1" noChangeAspect="1" noMove="1" noResize="1" noEditPoints="1" noAdjustHandles="1" noChangeArrowheads="1" noChangeShapeType="1"/>
+          </p:cNvCxnSpPr>
+          <p:nvPr>
+            <p:extLst>
+              <p:ext uri="{386F3935-93C4-4BCD-93E2-E3B085C9AB24}">
+                <p16:designElem xmlns:p16="http://schemas.microsoft.com/office/powerpoint/2015/main" val="1"/>
+              </p:ext>
+            </p:extLst>
+          </p:nvPr>
+        </p:nvCxnSpPr>
+        <p:spPr>
+          <a:xfrm>
+            <a:off x="7892143" y="2085703"/>
+            <a:ext cx="3566160" cy="0"/>
+          </a:xfrm>
+          <a:prstGeom prst="line">
+            <a:avLst/>
+          </a:prstGeom>
+          <a:ln w="6350">
+            <a:solidFill>
+              <a:schemeClr val="tx1">
+                <a:lumMod val="50000"/>
+                <a:lumOff val="50000"/>
+                <a:alpha val="90000"/>
+              </a:schemeClr>
+            </a:solidFill>
+          </a:ln>
+        </p:spPr>
+        <p:style>
+          <a:lnRef idx="1">
+            <a:schemeClr val="accent1"/>
+          </a:lnRef>
+          <a:fillRef idx="0">
+            <a:schemeClr val="accent1"/>
+          </a:fillRef>
+          <a:effectRef idx="0">
+            <a:schemeClr val="accent1"/>
+          </a:effectRef>
+          <a:fontRef idx="minor">
+            <a:schemeClr val="tx1"/>
+          </a:fontRef>
+        </p:style>
+      </p:cxnSp>
+      <p:sp>
+        <p:nvSpPr>
+          <p:cNvPr id="10" name="Content Placeholder 8">
+            <a:extLst>
+              <a:ext uri="{FF2B5EF4-FFF2-40B4-BE49-F238E27FC236}">
+                <a16:creationId xmlns:a16="http://schemas.microsoft.com/office/drawing/2014/main" id="{B0DBBD15-5CB7-4758-94C6-9FCA6E3AA552}"/>
+              </a:ext>
+            </a:extLst>
+          </p:cNvPr>
+          <p:cNvSpPr>
+            <a:spLocks noGrp="1"/>
+          </p:cNvSpPr>
+          <p:nvPr>
+            <p:ph idx="1"/>
+          </p:nvPr>
+        </p:nvSpPr>
+        <p:spPr>
+          <a:xfrm>
+            <a:off x="7859485" y="2198914"/>
+            <a:ext cx="3690257" cy="3670180"/>
+          </a:xfrm>
+        </p:spPr>
+        <p:txBody>
+          <a:bodyPr>
+            <a:normAutofit/>
+          </a:bodyPr>
+          <a:lstStyle/>
+          <a:p>
+            <a:pPr lvl="1">
+              <a:buFont typeface="Arial" panose="020B0604020202020204" pitchFamily="34" charset="0"/>
+              <a:buChar char="•"/>
+            </a:pPr>
+            <a:r>
+              <a:rPr lang="en-US" dirty="0"/>
+              <a:t>We see from the histogram of the dataset that every numbers has almost equal number of occurrence, which shows that the numbers are uniformly distributed.</a:t>
+            </a:r>
+          </a:p>
+        </p:txBody>
+      </p:sp>
+      <p:sp>
+        <p:nvSpPr>
+          <p:cNvPr id="80" name="Rectangle 79">
+            <a:extLst>
+              <a:ext uri="{FF2B5EF4-FFF2-40B4-BE49-F238E27FC236}">
+                <a16:creationId xmlns:a16="http://schemas.microsoft.com/office/drawing/2014/main" id="{1E299956-A9E7-4FC1-A0B1-D590CA9730E8}"/>
+              </a:ext>
+              <a:ext uri="{C183D7F6-B498-43B3-948B-1728B52AA6E4}">
+                <adec:decorative xmlns:adec="http://schemas.microsoft.com/office/drawing/2017/decorative" val="1"/>
+              </a:ext>
+            </a:extLst>
+          </p:cNvPr>
+          <p:cNvSpPr>
+            <a:spLocks noGrp="1" noRot="1" noChangeAspect="1" noMove="1" noResize="1" noEditPoints="1" noAdjustHandles="1" noChangeArrowheads="1" noChangeShapeType="1" noTextEdit="1"/>
+          </p:cNvSpPr>
+          <p:nvPr>
+            <p:extLst>
+              <p:ext uri="{386F3935-93C4-4BCD-93E2-E3B085C9AB24}">
+                <p16:designElem xmlns:p16="http://schemas.microsoft.com/office/powerpoint/2015/main" val="1"/>
+              </p:ext>
+            </p:extLst>
+          </p:nvPr>
+        </p:nvSpPr>
+        <p:spPr>
+          <a:xfrm>
+            <a:off x="15" y="6334316"/>
+            <a:ext cx="12191985" cy="66484"/>
+          </a:xfrm>
+          <a:prstGeom prst="rect">
+            <a:avLst/>
+          </a:prstGeom>
+          <a:solidFill>
+            <a:schemeClr val="accent1"/>
+          </a:solidFill>
+          <a:ln>
+            <a:noFill/>
+          </a:ln>
+        </p:spPr>
+        <p:style>
+          <a:lnRef idx="2">
+            <a:schemeClr val="accent1">
+              <a:shade val="50000"/>
+            </a:schemeClr>
+          </a:lnRef>
+          <a:fillRef idx="1">
+            <a:schemeClr val="accent1"/>
+          </a:fillRef>
+          <a:effectRef idx="0">
+            <a:schemeClr val="accent1"/>
+          </a:effectRef>
+          <a:fontRef idx="minor">
+            <a:schemeClr val="lt1"/>
+          </a:fontRef>
+        </p:style>
+      </p:sp>
+      <p:sp>
+        <p:nvSpPr>
+          <p:cNvPr id="82" name="Rectangle 81">
+            <a:extLst>
+              <a:ext uri="{FF2B5EF4-FFF2-40B4-BE49-F238E27FC236}">
+                <a16:creationId xmlns:a16="http://schemas.microsoft.com/office/drawing/2014/main" id="{17FC539C-B783-4B03-9F9E-D13430F3F64F}"/>
+              </a:ext>
+              <a:ext uri="{C183D7F6-B498-43B3-948B-1728B52AA6E4}">
+                <adec:decorative xmlns:adec="http://schemas.microsoft.com/office/drawing/2017/decorative" val="1"/>
+              </a:ext>
+            </a:extLst>
+          </p:cNvPr>
+          <p:cNvSpPr>
+            <a:spLocks noGrp="1" noRot="1" noChangeAspect="1" noMove="1" noResize="1" noEditPoints="1" noAdjustHandles="1" noChangeArrowheads="1" noChangeShapeType="1" noTextEdit="1"/>
+          </p:cNvSpPr>
+          <p:nvPr>
+            <p:extLst>
+              <p:ext uri="{386F3935-93C4-4BCD-93E2-E3B085C9AB24}">
+                <p16:designElem xmlns:p16="http://schemas.microsoft.com/office/powerpoint/2015/main" val="1"/>
+              </p:ext>
+            </p:extLst>
+          </p:nvPr>
+        </p:nvSpPr>
+        <p:spPr>
+          <a:xfrm>
+            <a:off x="1" y="6400800"/>
+            <a:ext cx="12192000" cy="457200"/>
+          </a:xfrm>
+          <a:prstGeom prst="rect">
+            <a:avLst/>
+          </a:prstGeom>
+          <a:solidFill>
+            <a:schemeClr val="accent2"/>
+          </a:solidFill>
+          <a:ln>
+            <a:noFill/>
+          </a:ln>
+        </p:spPr>
+        <p:style>
+          <a:lnRef idx="2">
+            <a:schemeClr val="accent1">
+              <a:shade val="50000"/>
+            </a:schemeClr>
+          </a:lnRef>
+          <a:fillRef idx="1">
+            <a:schemeClr val="accent1"/>
+          </a:fillRef>
+          <a:effectRef idx="0">
+            <a:schemeClr val="accent1"/>
+          </a:effectRef>
+          <a:fontRef idx="minor">
+            <a:schemeClr val="lt1"/>
+          </a:fontRef>
+        </p:style>
+      </p:sp>
+    </p:spTree>
+    <p:extLst>
+      <p:ext uri="{BB962C8B-B14F-4D97-AF65-F5344CB8AC3E}">
+        <p14:creationId xmlns:p14="http://schemas.microsoft.com/office/powerpoint/2010/main" val="3151025541"/>
+      </p:ext>
+    </p:extLst>
+  </p:cSld>
+  <p:clrMapOvr>
+    <a:masterClrMapping/>
+  </p:clrMapOvr>
+</p:sld>
+</file>
+
+<file path=ppt/slides/slide50.xml><?xml version="1.0" encoding="utf-8"?>
 <p:sld xmlns:a="http://schemas.openxmlformats.org/drawingml/2006/main" xmlns:r="http://schemas.openxmlformats.org/officeDocument/2006/relationships" xmlns:p="http://schemas.openxmlformats.org/presentationml/2006/main">
   <p:cSld>
     <p:bg>
@@ -34913,7 +38675,7 @@
 </p:sld>
 </file>
 
-<file path=ppt/slides/slide46.xml><?xml version="1.0" encoding="utf-8"?>
+<file path=ppt/slides/slide51.xml><?xml version="1.0" encoding="utf-8"?>
 <p:sld xmlns:a="http://schemas.openxmlformats.org/drawingml/2006/main" xmlns:r="http://schemas.openxmlformats.org/officeDocument/2006/relationships" xmlns:p="http://schemas.openxmlformats.org/presentationml/2006/main">
   <p:cSld>
     <p:bg>
@@ -35284,7 +39046,7 @@
 </p:sld>
 </file>
 
-<file path=ppt/slides/slide47.xml><?xml version="1.0" encoding="utf-8"?>
+<file path=ppt/slides/slide52.xml><?xml version="1.0" encoding="utf-8"?>
 <p:sld xmlns:a="http://schemas.openxmlformats.org/drawingml/2006/main" xmlns:r="http://schemas.openxmlformats.org/officeDocument/2006/relationships" xmlns:p="http://schemas.openxmlformats.org/presentationml/2006/main">
   <p:cSld>
     <p:bg>
@@ -35748,7 +39510,7 @@
 </p:sld>
 </file>
 
-<file path=ppt/slides/slide48.xml><?xml version="1.0" encoding="utf-8"?>
+<file path=ppt/slides/slide53.xml><?xml version="1.0" encoding="utf-8"?>
 <p:sld xmlns:a="http://schemas.openxmlformats.org/drawingml/2006/main" xmlns:r="http://schemas.openxmlformats.org/officeDocument/2006/relationships" xmlns:p="http://schemas.openxmlformats.org/presentationml/2006/main">
   <p:cSld>
     <p:bg>
@@ -36206,7 +39968,7 @@
 </p:sld>
 </file>
 
-<file path=ppt/slides/slide49.xml><?xml version="1.0" encoding="utf-8"?>
+<file path=ppt/slides/slide54.xml><?xml version="1.0" encoding="utf-8"?>
 <p:sld xmlns:a="http://schemas.openxmlformats.org/drawingml/2006/main" xmlns:r="http://schemas.openxmlformats.org/officeDocument/2006/relationships" xmlns:p="http://schemas.openxmlformats.org/presentationml/2006/main">
   <p:cSld>
     <p:bg>
@@ -36704,379 +40466,7 @@
 </p:sld>
 </file>
 
-<file path=ppt/slides/slide5.xml><?xml version="1.0" encoding="utf-8"?>
-<p:sld xmlns:a="http://schemas.openxmlformats.org/drawingml/2006/main" xmlns:r="http://schemas.openxmlformats.org/officeDocument/2006/relationships" xmlns:p="http://schemas.openxmlformats.org/presentationml/2006/main">
-  <p:cSld>
-    <p:bg>
-      <p:bgPr>
-        <a:solidFill>
-          <a:schemeClr val="bg1"/>
-        </a:solidFill>
-        <a:effectLst/>
-      </p:bgPr>
-    </p:bg>
-    <p:spTree>
-      <p:nvGrpSpPr>
-        <p:cNvPr id="1" name=""/>
-        <p:cNvGrpSpPr/>
-        <p:nvPr/>
-      </p:nvGrpSpPr>
-      <p:grpSpPr>
-        <a:xfrm>
-          <a:off x="0" y="0"/>
-          <a:ext cx="0" cy="0"/>
-          <a:chOff x="0" y="0"/>
-          <a:chExt cx="0" cy="0"/>
-        </a:xfrm>
-      </p:grpSpPr>
-      <p:sp useBgFill="1">
-        <p:nvSpPr>
-          <p:cNvPr id="76" name="Rectangle 75">
-            <a:extLst>
-              <a:ext uri="{FF2B5EF4-FFF2-40B4-BE49-F238E27FC236}">
-                <a16:creationId xmlns:a16="http://schemas.microsoft.com/office/drawing/2014/main" id="{284B70D5-875B-433D-BDBD-1522A85D6C1D}"/>
-              </a:ext>
-              <a:ext uri="{C183D7F6-B498-43B3-948B-1728B52AA6E4}">
-                <adec:decorative xmlns:adec="http://schemas.microsoft.com/office/drawing/2017/decorative" val="1"/>
-              </a:ext>
-            </a:extLst>
-          </p:cNvPr>
-          <p:cNvSpPr>
-            <a:spLocks noGrp="1" noRot="1" noChangeAspect="1" noMove="1" noResize="1" noEditPoints="1" noAdjustHandles="1" noChangeArrowheads="1" noChangeShapeType="1" noTextEdit="1"/>
-          </p:cNvSpPr>
-          <p:nvPr>
-            <p:extLst>
-              <p:ext uri="{386F3935-93C4-4BCD-93E2-E3B085C9AB24}">
-                <p16:designElem xmlns:p16="http://schemas.microsoft.com/office/powerpoint/2015/main" val="1"/>
-              </p:ext>
-            </p:extLst>
-          </p:nvPr>
-        </p:nvSpPr>
-        <p:spPr>
-          <a:xfrm>
-            <a:off x="0" y="0"/>
-            <a:ext cx="12192001" cy="6334316"/>
-          </a:xfrm>
-          <a:prstGeom prst="rect">
-            <a:avLst/>
-          </a:prstGeom>
-          <a:ln>
-            <a:noFill/>
-          </a:ln>
-        </p:spPr>
-        <p:style>
-          <a:lnRef idx="2">
-            <a:schemeClr val="accent1">
-              <a:shade val="50000"/>
-            </a:schemeClr>
-          </a:lnRef>
-          <a:fillRef idx="1">
-            <a:schemeClr val="accent1"/>
-          </a:fillRef>
-          <a:effectRef idx="0">
-            <a:schemeClr val="accent1"/>
-          </a:effectRef>
-          <a:fontRef idx="minor">
-            <a:schemeClr val="lt1"/>
-          </a:fontRef>
-        </p:style>
-        <p:txBody>
-          <a:bodyPr rtlCol="0" anchor="ctr"/>
-          <a:lstStyle/>
-          <a:p>
-            <a:pPr algn="ctr"/>
-            <a:endParaRPr lang="en-US" dirty="0"/>
-          </a:p>
-        </p:txBody>
-      </p:sp>
-      <p:sp>
-        <p:nvSpPr>
-          <p:cNvPr id="2" name="Title 1">
-            <a:extLst>
-              <a:ext uri="{FF2B5EF4-FFF2-40B4-BE49-F238E27FC236}">
-                <a16:creationId xmlns:a16="http://schemas.microsoft.com/office/drawing/2014/main" id="{A2E81D72-EC99-4091-AA2C-660CCFAC39B6}"/>
-              </a:ext>
-            </a:extLst>
-          </p:cNvPr>
-          <p:cNvSpPr>
-            <a:spLocks noGrp="1"/>
-          </p:cNvSpPr>
-          <p:nvPr>
-            <p:ph type="title"/>
-          </p:nvPr>
-        </p:nvSpPr>
-        <p:spPr>
-          <a:xfrm>
-            <a:off x="7859485" y="634946"/>
-            <a:ext cx="3690257" cy="1450757"/>
-          </a:xfrm>
-        </p:spPr>
-        <p:txBody>
-          <a:bodyPr>
-            <a:normAutofit/>
-          </a:bodyPr>
-          <a:lstStyle/>
-          <a:p>
-            <a:r>
-              <a:rPr lang="en-IN" b="1" dirty="0"/>
-              <a:t>Observation</a:t>
-            </a:r>
-          </a:p>
-        </p:txBody>
-      </p:sp>
-      <p:pic>
-        <p:nvPicPr>
-          <p:cNvPr id="5" name="Content Placeholder 4">
-            <a:extLst>
-              <a:ext uri="{FF2B5EF4-FFF2-40B4-BE49-F238E27FC236}">
-                <a16:creationId xmlns:a16="http://schemas.microsoft.com/office/drawing/2014/main" id="{99059347-F5D1-41F7-B30A-23EE2BA4D650}"/>
-              </a:ext>
-            </a:extLst>
-          </p:cNvPr>
-          <p:cNvPicPr>
-            <a:picLocks noChangeAspect="1"/>
-          </p:cNvPicPr>
-          <p:nvPr/>
-        </p:nvPicPr>
-        <p:blipFill>
-          <a:blip r:embed="rId2">
-            <a:extLst>
-              <a:ext uri="{28A0092B-C50C-407E-A947-70E740481C1C}">
-                <a14:useLocalDpi xmlns:a14="http://schemas.microsoft.com/office/drawing/2010/main" val="0"/>
-              </a:ext>
-            </a:extLst>
-          </a:blip>
-          <a:stretch/>
-        </p:blipFill>
-        <p:spPr>
-          <a:xfrm>
-            <a:off x="633999" y="706109"/>
-            <a:ext cx="6909801" cy="5182350"/>
-          </a:xfrm>
-          <a:prstGeom prst="rect">
-            <a:avLst/>
-          </a:prstGeom>
-        </p:spPr>
-      </p:pic>
-      <p:cxnSp>
-        <p:nvCxnSpPr>
-          <p:cNvPr id="78" name="Straight Connector 77">
-            <a:extLst>
-              <a:ext uri="{FF2B5EF4-FFF2-40B4-BE49-F238E27FC236}">
-                <a16:creationId xmlns:a16="http://schemas.microsoft.com/office/drawing/2014/main" id="{C947DF4A-614C-4B4C-8B80-E5B9D8E8CFED}"/>
-              </a:ext>
-              <a:ext uri="{C183D7F6-B498-43B3-948B-1728B52AA6E4}">
-                <adec:decorative xmlns:adec="http://schemas.microsoft.com/office/drawing/2017/decorative" val="1"/>
-              </a:ext>
-            </a:extLst>
-          </p:cNvPr>
-          <p:cNvCxnSpPr>
-            <a:cxnSpLocks noGrp="1" noRot="1" noChangeAspect="1" noMove="1" noResize="1" noEditPoints="1" noAdjustHandles="1" noChangeArrowheads="1" noChangeShapeType="1"/>
-          </p:cNvCxnSpPr>
-          <p:nvPr>
-            <p:extLst>
-              <p:ext uri="{386F3935-93C4-4BCD-93E2-E3B085C9AB24}">
-                <p16:designElem xmlns:p16="http://schemas.microsoft.com/office/powerpoint/2015/main" val="1"/>
-              </p:ext>
-            </p:extLst>
-          </p:nvPr>
-        </p:nvCxnSpPr>
-        <p:spPr>
-          <a:xfrm>
-            <a:off x="7892143" y="2085703"/>
-            <a:ext cx="3566160" cy="0"/>
-          </a:xfrm>
-          <a:prstGeom prst="line">
-            <a:avLst/>
-          </a:prstGeom>
-          <a:ln w="6350">
-            <a:solidFill>
-              <a:schemeClr val="tx1">
-                <a:lumMod val="50000"/>
-                <a:lumOff val="50000"/>
-                <a:alpha val="90000"/>
-              </a:schemeClr>
-            </a:solidFill>
-          </a:ln>
-        </p:spPr>
-        <p:style>
-          <a:lnRef idx="1">
-            <a:schemeClr val="accent1"/>
-          </a:lnRef>
-          <a:fillRef idx="0">
-            <a:schemeClr val="accent1"/>
-          </a:fillRef>
-          <a:effectRef idx="0">
-            <a:schemeClr val="accent1"/>
-          </a:effectRef>
-          <a:fontRef idx="minor">
-            <a:schemeClr val="tx1"/>
-          </a:fontRef>
-        </p:style>
-      </p:cxnSp>
-      <p:sp>
-        <p:nvSpPr>
-          <p:cNvPr id="10" name="Content Placeholder 8">
-            <a:extLst>
-              <a:ext uri="{FF2B5EF4-FFF2-40B4-BE49-F238E27FC236}">
-                <a16:creationId xmlns:a16="http://schemas.microsoft.com/office/drawing/2014/main" id="{B0DBBD15-5CB7-4758-94C6-9FCA6E3AA552}"/>
-              </a:ext>
-            </a:extLst>
-          </p:cNvPr>
-          <p:cNvSpPr>
-            <a:spLocks noGrp="1"/>
-          </p:cNvSpPr>
-          <p:nvPr>
-            <p:ph idx="1"/>
-          </p:nvPr>
-        </p:nvSpPr>
-        <p:spPr>
-          <a:xfrm>
-            <a:off x="7859485" y="2198914"/>
-            <a:ext cx="3690257" cy="3670180"/>
-          </a:xfrm>
-        </p:spPr>
-        <p:txBody>
-          <a:bodyPr>
-            <a:normAutofit/>
-          </a:bodyPr>
-          <a:lstStyle/>
-          <a:p>
-            <a:pPr lvl="1">
-              <a:buFont typeface="Arial" panose="020B0604020202020204" pitchFamily="34" charset="0"/>
-              <a:buChar char="•"/>
-            </a:pPr>
-            <a:r>
-              <a:rPr lang="en-US" dirty="0"/>
-              <a:t>We see from the histogram of the dataset that every numbers has almost equal number of occurrence, which shows that the numbers are uniformly distributed.</a:t>
-            </a:r>
-          </a:p>
-        </p:txBody>
-      </p:sp>
-      <p:sp>
-        <p:nvSpPr>
-          <p:cNvPr id="80" name="Rectangle 79">
-            <a:extLst>
-              <a:ext uri="{FF2B5EF4-FFF2-40B4-BE49-F238E27FC236}">
-                <a16:creationId xmlns:a16="http://schemas.microsoft.com/office/drawing/2014/main" id="{1E299956-A9E7-4FC1-A0B1-D590CA9730E8}"/>
-              </a:ext>
-              <a:ext uri="{C183D7F6-B498-43B3-948B-1728B52AA6E4}">
-                <adec:decorative xmlns:adec="http://schemas.microsoft.com/office/drawing/2017/decorative" val="1"/>
-              </a:ext>
-            </a:extLst>
-          </p:cNvPr>
-          <p:cNvSpPr>
-            <a:spLocks noGrp="1" noRot="1" noChangeAspect="1" noMove="1" noResize="1" noEditPoints="1" noAdjustHandles="1" noChangeArrowheads="1" noChangeShapeType="1" noTextEdit="1"/>
-          </p:cNvSpPr>
-          <p:nvPr>
-            <p:extLst>
-              <p:ext uri="{386F3935-93C4-4BCD-93E2-E3B085C9AB24}">
-                <p16:designElem xmlns:p16="http://schemas.microsoft.com/office/powerpoint/2015/main" val="1"/>
-              </p:ext>
-            </p:extLst>
-          </p:nvPr>
-        </p:nvSpPr>
-        <p:spPr>
-          <a:xfrm>
-            <a:off x="15" y="6334316"/>
-            <a:ext cx="12191985" cy="66484"/>
-          </a:xfrm>
-          <a:prstGeom prst="rect">
-            <a:avLst/>
-          </a:prstGeom>
-          <a:solidFill>
-            <a:schemeClr val="accent1"/>
-          </a:solidFill>
-          <a:ln>
-            <a:noFill/>
-          </a:ln>
-        </p:spPr>
-        <p:style>
-          <a:lnRef idx="2">
-            <a:schemeClr val="accent1">
-              <a:shade val="50000"/>
-            </a:schemeClr>
-          </a:lnRef>
-          <a:fillRef idx="1">
-            <a:schemeClr val="accent1"/>
-          </a:fillRef>
-          <a:effectRef idx="0">
-            <a:schemeClr val="accent1"/>
-          </a:effectRef>
-          <a:fontRef idx="minor">
-            <a:schemeClr val="lt1"/>
-          </a:fontRef>
-        </p:style>
-      </p:sp>
-      <p:sp>
-        <p:nvSpPr>
-          <p:cNvPr id="82" name="Rectangle 81">
-            <a:extLst>
-              <a:ext uri="{FF2B5EF4-FFF2-40B4-BE49-F238E27FC236}">
-                <a16:creationId xmlns:a16="http://schemas.microsoft.com/office/drawing/2014/main" id="{17FC539C-B783-4B03-9F9E-D13430F3F64F}"/>
-              </a:ext>
-              <a:ext uri="{C183D7F6-B498-43B3-948B-1728B52AA6E4}">
-                <adec:decorative xmlns:adec="http://schemas.microsoft.com/office/drawing/2017/decorative" val="1"/>
-              </a:ext>
-            </a:extLst>
-          </p:cNvPr>
-          <p:cNvSpPr>
-            <a:spLocks noGrp="1" noRot="1" noChangeAspect="1" noMove="1" noResize="1" noEditPoints="1" noAdjustHandles="1" noChangeArrowheads="1" noChangeShapeType="1" noTextEdit="1"/>
-          </p:cNvSpPr>
-          <p:nvPr>
-            <p:extLst>
-              <p:ext uri="{386F3935-93C4-4BCD-93E2-E3B085C9AB24}">
-                <p16:designElem xmlns:p16="http://schemas.microsoft.com/office/powerpoint/2015/main" val="1"/>
-              </p:ext>
-            </p:extLst>
-          </p:nvPr>
-        </p:nvSpPr>
-        <p:spPr>
-          <a:xfrm>
-            <a:off x="1" y="6400800"/>
-            <a:ext cx="12192000" cy="457200"/>
-          </a:xfrm>
-          <a:prstGeom prst="rect">
-            <a:avLst/>
-          </a:prstGeom>
-          <a:solidFill>
-            <a:schemeClr val="accent2"/>
-          </a:solidFill>
-          <a:ln>
-            <a:noFill/>
-          </a:ln>
-        </p:spPr>
-        <p:style>
-          <a:lnRef idx="2">
-            <a:schemeClr val="accent1">
-              <a:shade val="50000"/>
-            </a:schemeClr>
-          </a:lnRef>
-          <a:fillRef idx="1">
-            <a:schemeClr val="accent1"/>
-          </a:fillRef>
-          <a:effectRef idx="0">
-            <a:schemeClr val="accent1"/>
-          </a:effectRef>
-          <a:fontRef idx="minor">
-            <a:schemeClr val="lt1"/>
-          </a:fontRef>
-        </p:style>
-      </p:sp>
-    </p:spTree>
-    <p:extLst>
-      <p:ext uri="{BB962C8B-B14F-4D97-AF65-F5344CB8AC3E}">
-        <p14:creationId xmlns:p14="http://schemas.microsoft.com/office/powerpoint/2010/main" val="3151025541"/>
-      </p:ext>
-    </p:extLst>
-  </p:cSld>
-  <p:clrMapOvr>
-    <a:masterClrMapping/>
-  </p:clrMapOvr>
-</p:sld>
-</file>
-
-<file path=ppt/slides/slide50.xml><?xml version="1.0" encoding="utf-8"?>
+<file path=ppt/slides/slide55.xml><?xml version="1.0" encoding="utf-8"?>
 <p:sld xmlns:a="http://schemas.openxmlformats.org/drawingml/2006/main" xmlns:r="http://schemas.openxmlformats.org/officeDocument/2006/relationships" xmlns:p="http://schemas.openxmlformats.org/presentationml/2006/main">
   <p:cSld>
     <p:bg>

--- a/Assignment 1/Assignment Presentation.pptx
+++ b/Assignment 1/Assignment Presentation.pptx
@@ -170,7 +170,7 @@
 <p1510:revInfo xmlns:a="http://schemas.openxmlformats.org/drawingml/2006/main" xmlns:r="http://schemas.openxmlformats.org/officeDocument/2006/relationships" xmlns:p1510="http://schemas.microsoft.com/office/powerpoint/2015/10/main">
   <p1510:revLst>
     <p1510:client id="{B5950655-B52F-4C4A-8D4C-2CA8B2A214A1}" v="2005" dt="2021-04-06T19:15:56.565"/>
-    <p1510:client id="{BA04AB18-81BA-44F6-8A17-E30D392E2E82}" v="2143" dt="2021-04-07T16:10:53.608"/>
+    <p1510:client id="{BA04AB18-81BA-44F6-8A17-E30D392E2E82}" v="2158" dt="2021-04-07T17:06:23.531"/>
   </p1510:revLst>
 </p1510:revInfo>
 </file>
@@ -1811,7 +1811,7 @@
   <pc:docChgLst>
     <pc:chgData name="Abhiroop Mukherjee" userId="5fbc6062963ca2c0" providerId="LiveId" clId="{BA04AB18-81BA-44F6-8A17-E30D392E2E82}"/>
     <pc:docChg chg="undo redo custSel addSld delSld modSld sldOrd">
-      <pc:chgData name="Abhiroop Mukherjee" userId="5fbc6062963ca2c0" providerId="LiveId" clId="{BA04AB18-81BA-44F6-8A17-E30D392E2E82}" dt="2021-04-07T16:12:55.338" v="4103" actId="26606"/>
+      <pc:chgData name="Abhiroop Mukherjee" userId="5fbc6062963ca2c0" providerId="LiveId" clId="{BA04AB18-81BA-44F6-8A17-E30D392E2E82}" dt="2021-04-07T17:07:06.107" v="4128" actId="732"/>
       <pc:docMkLst>
         <pc:docMk/>
       </pc:docMkLst>
@@ -1965,6 +1965,84 @@
             <ac:cxnSpMk id="77" creationId="{C947DF4A-614C-4B4C-8B80-E5B9D8E8CFED}"/>
           </ac:cxnSpMkLst>
         </pc:cxnChg>
+      </pc:sldChg>
+      <pc:sldChg chg="modSp mod">
+        <pc:chgData name="Abhiroop Mukherjee" userId="5fbc6062963ca2c0" providerId="LiveId" clId="{BA04AB18-81BA-44F6-8A17-E30D392E2E82}" dt="2021-04-07T17:07:06.107" v="4128" actId="732"/>
+        <pc:sldMkLst>
+          <pc:docMk/>
+          <pc:sldMk cId="3066035579" sldId="266"/>
+        </pc:sldMkLst>
+        <pc:picChg chg="mod modCrop">
+          <ac:chgData name="Abhiroop Mukherjee" userId="5fbc6062963ca2c0" providerId="LiveId" clId="{BA04AB18-81BA-44F6-8A17-E30D392E2E82}" dt="2021-04-07T17:07:06.107" v="4128" actId="732"/>
+          <ac:picMkLst>
+            <pc:docMk/>
+            <pc:sldMk cId="3066035579" sldId="266"/>
+            <ac:picMk id="5" creationId="{66ACF5EE-B012-4BDB-A31F-C5EBFB1ECF9F}"/>
+          </ac:picMkLst>
+        </pc:picChg>
+      </pc:sldChg>
+      <pc:sldChg chg="addSp delSp modSp mod">
+        <pc:chgData name="Abhiroop Mukherjee" userId="5fbc6062963ca2c0" providerId="LiveId" clId="{BA04AB18-81BA-44F6-8A17-E30D392E2E82}" dt="2021-04-07T17:03:10.262" v="4126" actId="26606"/>
+        <pc:sldMkLst>
+          <pc:docMk/>
+          <pc:sldMk cId="2940843886" sldId="277"/>
+        </pc:sldMkLst>
+        <pc:spChg chg="mod">
+          <ac:chgData name="Abhiroop Mukherjee" userId="5fbc6062963ca2c0" providerId="LiveId" clId="{BA04AB18-81BA-44F6-8A17-E30D392E2E82}" dt="2021-04-07T17:02:59.508" v="4125" actId="20577"/>
+          <ac:spMkLst>
+            <pc:docMk/>
+            <pc:sldMk cId="2940843886" sldId="277"/>
+            <ac:spMk id="3" creationId="{4B817802-A38C-4038-895E-B8B15F8D564B}"/>
+          </ac:spMkLst>
+        </pc:spChg>
+        <pc:spChg chg="del">
+          <ac:chgData name="Abhiroop Mukherjee" userId="5fbc6062963ca2c0" providerId="LiveId" clId="{BA04AB18-81BA-44F6-8A17-E30D392E2E82}" dt="2021-04-07T17:03:10.262" v="4126" actId="26606"/>
+          <ac:spMkLst>
+            <pc:docMk/>
+            <pc:sldMk cId="2940843886" sldId="277"/>
+            <ac:spMk id="24" creationId="{3741B58E-3B65-4A01-A276-975AB2CF8A08}"/>
+          </ac:spMkLst>
+        </pc:spChg>
+        <pc:spChg chg="del">
+          <ac:chgData name="Abhiroop Mukherjee" userId="5fbc6062963ca2c0" providerId="LiveId" clId="{BA04AB18-81BA-44F6-8A17-E30D392E2E82}" dt="2021-04-07T17:03:10.262" v="4126" actId="26606"/>
+          <ac:spMkLst>
+            <pc:docMk/>
+            <pc:sldMk cId="2940843886" sldId="277"/>
+            <ac:spMk id="25" creationId="{7AAC67C3-831B-4AB1-A259-DFB839CAFAFC}"/>
+          </ac:spMkLst>
+        </pc:spChg>
+        <pc:spChg chg="del">
+          <ac:chgData name="Abhiroop Mukherjee" userId="5fbc6062963ca2c0" providerId="LiveId" clId="{BA04AB18-81BA-44F6-8A17-E30D392E2E82}" dt="2021-04-07T17:03:10.262" v="4126" actId="26606"/>
+          <ac:spMkLst>
+            <pc:docMk/>
+            <pc:sldMk cId="2940843886" sldId="277"/>
+            <ac:spMk id="26" creationId="{054B3F04-9EAC-45C0-B3CE-0387EEA10A0C}"/>
+          </ac:spMkLst>
+        </pc:spChg>
+        <pc:spChg chg="add">
+          <ac:chgData name="Abhiroop Mukherjee" userId="5fbc6062963ca2c0" providerId="LiveId" clId="{BA04AB18-81BA-44F6-8A17-E30D392E2E82}" dt="2021-04-07T17:03:10.262" v="4126" actId="26606"/>
+          <ac:spMkLst>
+            <pc:docMk/>
+            <pc:sldMk cId="2940843886" sldId="277"/>
+            <ac:spMk id="31" creationId="{3741B58E-3B65-4A01-A276-975AB2CF8A08}"/>
+          </ac:spMkLst>
+        </pc:spChg>
+        <pc:spChg chg="add">
+          <ac:chgData name="Abhiroop Mukherjee" userId="5fbc6062963ca2c0" providerId="LiveId" clId="{BA04AB18-81BA-44F6-8A17-E30D392E2E82}" dt="2021-04-07T17:03:10.262" v="4126" actId="26606"/>
+          <ac:spMkLst>
+            <pc:docMk/>
+            <pc:sldMk cId="2940843886" sldId="277"/>
+            <ac:spMk id="33" creationId="{7AAC67C3-831B-4AB1-A259-DFB839CAFAFC}"/>
+          </ac:spMkLst>
+        </pc:spChg>
+        <pc:spChg chg="add">
+          <ac:chgData name="Abhiroop Mukherjee" userId="5fbc6062963ca2c0" providerId="LiveId" clId="{BA04AB18-81BA-44F6-8A17-E30D392E2E82}" dt="2021-04-07T17:03:10.262" v="4126" actId="26606"/>
+          <ac:spMkLst>
+            <pc:docMk/>
+            <pc:sldMk cId="2940843886" sldId="277"/>
+            <ac:spMk id="35" creationId="{054B3F04-9EAC-45C0-B3CE-0387EEA10A0C}"/>
+          </ac:spMkLst>
+        </pc:spChg>
       </pc:sldChg>
       <pc:sldChg chg="addSp modSp new mod ord setBg addAnim">
         <pc:chgData name="Abhiroop Mukherjee" userId="5fbc6062963ca2c0" providerId="LiveId" clId="{BA04AB18-81BA-44F6-8A17-E30D392E2E82}" dt="2021-04-06T19:27:29.745" v="62" actId="20577"/>
@@ -34414,7 +34492,7 @@
       </p:grpSpPr>
       <p:sp useBgFill="1">
         <p:nvSpPr>
-          <p:cNvPr id="24" name="Rectangle 16">
+          <p:cNvPr id="31" name="Rectangle 30">
             <a:extLst>
               <a:ext uri="{FF2B5EF4-FFF2-40B4-BE49-F238E27FC236}">
                 <a16:creationId xmlns:a16="http://schemas.microsoft.com/office/drawing/2014/main" id="{3741B58E-3B65-4A01-A276-975AB2CF8A08}"/>
@@ -34468,13 +34546,13 @@
           <a:lstStyle/>
           <a:p>
             <a:pPr algn="ctr"/>
-            <a:endParaRPr lang="en-US" dirty="0"/>
+            <a:endParaRPr lang="en-US"/>
           </a:p>
         </p:txBody>
       </p:sp>
       <p:sp>
         <p:nvSpPr>
-          <p:cNvPr id="25" name="Rectangle 18">
+          <p:cNvPr id="33" name="Rectangle 32">
             <a:extLst>
               <a:ext uri="{FF2B5EF4-FFF2-40B4-BE49-F238E27FC236}">
                 <a16:creationId xmlns:a16="http://schemas.microsoft.com/office/drawing/2014/main" id="{7AAC67C3-831B-4AB1-A259-DFB839CAFAFC}"/>
@@ -34568,7 +34646,7 @@
       </p:sp>
       <p:sp>
         <p:nvSpPr>
-          <p:cNvPr id="26" name="Rectangle 20">
+          <p:cNvPr id="35" name="Rectangle 34">
             <a:extLst>
               <a:ext uri="{FF2B5EF4-FFF2-40B4-BE49-F238E27FC236}">
                 <a16:creationId xmlns:a16="http://schemas.microsoft.com/office/drawing/2014/main" id="{054B3F04-9EAC-45C0-B3CE-0387EEA10A0C}"/>
@@ -34621,8 +34699,8 @@
           </a:fontRef>
         </p:style>
       </p:sp>
-      <mc:AlternateContent xmlns:mc="http://schemas.openxmlformats.org/markup-compatibility/2006" xmlns:a14="http://schemas.microsoft.com/office/drawing/2010/main">
-        <mc:Choice Requires="a14">
+      <mc:AlternateContent xmlns:mc="http://schemas.openxmlformats.org/markup-compatibility/2006">
+        <mc:Choice xmlns:a14="http://schemas.microsoft.com/office/drawing/2010/main" Requires="a14">
           <p:sp>
             <p:nvSpPr>
               <p:cNvPr id="3" name="Content Placeholder 2">
@@ -34657,31 +34735,7 @@
                 </a:pPr>
                 <a:r>
                   <a:rPr lang="en-IN" dirty="0"/>
-                  <a:t>We did Bucket Sort for different array size, which starts from 2 and increments in powers of 2 till our system gives Error due to Huge Size</a:t>
-                </a:r>
-              </a:p>
-              <a:p>
-                <a:pPr lvl="2">
-                  <a:buFont typeface="Arial" panose="020B0604020202020204" pitchFamily="34" charset="0"/>
-                  <a:buChar char="•"/>
-                </a:pPr>
-                <a:r>
-                  <a:rPr lang="en-IN" dirty="0"/>
-                  <a:t>We were able to record observation from array size </a:t>
-                </a:r>
-                <a14:m>
-                  <m:oMath xmlns:m="http://schemas.openxmlformats.org/officeDocument/2006/math">
-                    <m:r>
-                      <a:rPr lang="en-IN" b="0" i="1" smtClean="0">
-                        <a:latin typeface="Cambria Math" panose="02040503050406030204" pitchFamily="18" charset="0"/>
-                      </a:rPr>
-                      <m:t>2</m:t>
-                    </m:r>
-                  </m:oMath>
-                </a14:m>
-                <a:r>
-                  <a:rPr lang="en-IN" dirty="0"/>
-                  <a:t> to array size </a:t>
+                  <a:t>We did Bucket Sort for different array size, which starts from 2 and increments in powers of 2 till </a:t>
                 </a:r>
                 <a14:m>
                   <m:oMath xmlns:m="http://schemas.openxmlformats.org/officeDocument/2006/math">
@@ -34706,7 +34760,7 @@
                           <a:rPr lang="en-IN" b="0" i="1" smtClean="0">
                             <a:latin typeface="Cambria Math" panose="02040503050406030204" pitchFamily="18" charset="0"/>
                           </a:rPr>
-                          <m:t>19</m:t>
+                          <m:t>15</m:t>
                         </m:r>
                       </m:sup>
                     </m:sSup>
@@ -34739,7 +34793,7 @@
                 </a14:m>
                 <a:r>
                   <a:rPr lang="en-IN" dirty="0"/>
-                  <a:t>, we sorted 100 different arrays of size </a:t>
+                  <a:t>, we sorted 10 different arrays of size </a:t>
                 </a:r>
                 <a14:m>
                   <m:oMath xmlns:m="http://schemas.openxmlformats.org/officeDocument/2006/math">
@@ -34956,7 +35010,7 @@
             </p:txBody>
           </p:sp>
         </mc:Choice>
-        <mc:Fallback xmlns="">
+        <mc:Fallback>
           <p:sp>
             <p:nvSpPr>
               <p:cNvPr id="3" name="Content Placeholder 2">
@@ -35155,12 +35209,12 @@
               </a:ext>
             </a:extLst>
           </a:blip>
-          <a:srcRect l="2293" r="6693"/>
+          <a:srcRect l="2397" t="-97" r="6589" b="97"/>
           <a:stretch/>
         </p:blipFill>
         <p:spPr>
           <a:xfrm>
-            <a:off x="633999" y="640081"/>
+            <a:off x="474842" y="634946"/>
             <a:ext cx="6909801" cy="5314406"/>
           </a:xfrm>
           <a:prstGeom prst="rect">

--- a/Assignment 1/Assignment Presentation.pptx
+++ b/Assignment 1/Assignment Presentation.pptx
@@ -169,8 +169,7 @@
 <file path=ppt/revisionInfo.xml><?xml version="1.0" encoding="utf-8"?>
 <p1510:revInfo xmlns:a="http://schemas.openxmlformats.org/drawingml/2006/main" xmlns:r="http://schemas.openxmlformats.org/officeDocument/2006/relationships" xmlns:p1510="http://schemas.microsoft.com/office/powerpoint/2015/10/main">
   <p1510:revLst>
-    <p1510:client id="{B5950655-B52F-4C4A-8D4C-2CA8B2A214A1}" v="2005" dt="2021-04-06T19:15:56.565"/>
-    <p1510:client id="{BA04AB18-81BA-44F6-8A17-E30D392E2E82}" v="2158" dt="2021-04-07T17:06:23.531"/>
+    <p1510:client id="{BA04AB18-81BA-44F6-8A17-E30D392E2E82}" v="2237" dt="2021-04-07T19:15:32.023"/>
   </p1510:revLst>
 </p1510:revInfo>
 </file>
@@ -1811,7 +1810,7 @@
   <pc:docChgLst>
     <pc:chgData name="Abhiroop Mukherjee" userId="5fbc6062963ca2c0" providerId="LiveId" clId="{BA04AB18-81BA-44F6-8A17-E30D392E2E82}"/>
     <pc:docChg chg="undo redo custSel addSld delSld modSld sldOrd">
-      <pc:chgData name="Abhiroop Mukherjee" userId="5fbc6062963ca2c0" providerId="LiveId" clId="{BA04AB18-81BA-44F6-8A17-E30D392E2E82}" dt="2021-04-07T17:07:06.107" v="4128" actId="732"/>
+      <pc:chgData name="Abhiroop Mukherjee" userId="5fbc6062963ca2c0" providerId="LiveId" clId="{BA04AB18-81BA-44F6-8A17-E30D392E2E82}" dt="2021-04-07T19:15:43.042" v="4653" actId="26606"/>
       <pc:docMkLst>
         <pc:docMk/>
       </pc:docMkLst>
@@ -1966,29 +1965,197 @@
           </ac:cxnSpMkLst>
         </pc:cxnChg>
       </pc:sldChg>
-      <pc:sldChg chg="modSp mod">
-        <pc:chgData name="Abhiroop Mukherjee" userId="5fbc6062963ca2c0" providerId="LiveId" clId="{BA04AB18-81BA-44F6-8A17-E30D392E2E82}" dt="2021-04-07T17:07:06.107" v="4128" actId="732"/>
+      <pc:sldChg chg="addSp delSp modSp mod">
+        <pc:chgData name="Abhiroop Mukherjee" userId="5fbc6062963ca2c0" providerId="LiveId" clId="{BA04AB18-81BA-44F6-8A17-E30D392E2E82}" dt="2021-04-07T19:13:23.377" v="4582" actId="20577"/>
         <pc:sldMkLst>
           <pc:docMk/>
           <pc:sldMk cId="3066035579" sldId="266"/>
         </pc:sldMkLst>
-        <pc:picChg chg="mod modCrop">
-          <ac:chgData name="Abhiroop Mukherjee" userId="5fbc6062963ca2c0" providerId="LiveId" clId="{BA04AB18-81BA-44F6-8A17-E30D392E2E82}" dt="2021-04-07T17:07:06.107" v="4128" actId="732"/>
+        <pc:spChg chg="mod">
+          <ac:chgData name="Abhiroop Mukherjee" userId="5fbc6062963ca2c0" providerId="LiveId" clId="{BA04AB18-81BA-44F6-8A17-E30D392E2E82}" dt="2021-04-07T19:11:57.457" v="4316" actId="26606"/>
+          <ac:spMkLst>
+            <pc:docMk/>
+            <pc:sldMk cId="3066035579" sldId="266"/>
+            <ac:spMk id="2" creationId="{0CF820E1-E514-4B58-98AB-89F302D91E31}"/>
+          </ac:spMkLst>
+        </pc:spChg>
+        <pc:spChg chg="mod">
+          <ac:chgData name="Abhiroop Mukherjee" userId="5fbc6062963ca2c0" providerId="LiveId" clId="{BA04AB18-81BA-44F6-8A17-E30D392E2E82}" dt="2021-04-07T19:13:23.377" v="4582" actId="20577"/>
+          <ac:spMkLst>
+            <pc:docMk/>
+            <pc:sldMk cId="3066035579" sldId="266"/>
+            <ac:spMk id="9" creationId="{FB3ADEF1-B48E-4597-8478-E89F81BA647C}"/>
+          </ac:spMkLst>
+        </pc:spChg>
+        <pc:spChg chg="add del">
+          <ac:chgData name="Abhiroop Mukherjee" userId="5fbc6062963ca2c0" providerId="LiveId" clId="{BA04AB18-81BA-44F6-8A17-E30D392E2E82}" dt="2021-04-07T19:11:57.457" v="4316" actId="26606"/>
+          <ac:spMkLst>
+            <pc:docMk/>
+            <pc:sldMk cId="3066035579" sldId="266"/>
+            <ac:spMk id="41" creationId="{10162E77-11AD-44A7-84EC-40C59EEFBD2E}"/>
+          </ac:spMkLst>
+        </pc:spChg>
+        <pc:spChg chg="add del">
+          <ac:chgData name="Abhiroop Mukherjee" userId="5fbc6062963ca2c0" providerId="LiveId" clId="{BA04AB18-81BA-44F6-8A17-E30D392E2E82}" dt="2021-04-07T19:11:57.457" v="4316" actId="26606"/>
+          <ac:spMkLst>
+            <pc:docMk/>
+            <pc:sldMk cId="3066035579" sldId="266"/>
+            <ac:spMk id="43" creationId="{6329CBCE-21AE-419D-AC1F-8ACF510A6670}"/>
+          </ac:spMkLst>
+        </pc:spChg>
+        <pc:spChg chg="add del">
+          <ac:chgData name="Abhiroop Mukherjee" userId="5fbc6062963ca2c0" providerId="LiveId" clId="{BA04AB18-81BA-44F6-8A17-E30D392E2E82}" dt="2021-04-07T19:11:57.457" v="4316" actId="26606"/>
+          <ac:spMkLst>
+            <pc:docMk/>
+            <pc:sldMk cId="3066035579" sldId="266"/>
+            <ac:spMk id="44" creationId="{FF2DA012-1414-493D-888F-5D99D0BDA322}"/>
+          </ac:spMkLst>
+        </pc:spChg>
+        <pc:spChg chg="add del">
+          <ac:chgData name="Abhiroop Mukherjee" userId="5fbc6062963ca2c0" providerId="LiveId" clId="{BA04AB18-81BA-44F6-8A17-E30D392E2E82}" dt="2021-04-07T19:11:54.603" v="4313" actId="26606"/>
+          <ac:spMkLst>
+            <pc:docMk/>
+            <pc:sldMk cId="3066035579" sldId="266"/>
+            <ac:spMk id="49" creationId="{52ABB703-2B0E-4C3B-B4A2-F3973548E561}"/>
+          </ac:spMkLst>
+        </pc:spChg>
+        <pc:spChg chg="add del">
+          <ac:chgData name="Abhiroop Mukherjee" userId="5fbc6062963ca2c0" providerId="LiveId" clId="{BA04AB18-81BA-44F6-8A17-E30D392E2E82}" dt="2021-04-07T19:11:54.603" v="4313" actId="26606"/>
+          <ac:spMkLst>
+            <pc:docMk/>
+            <pc:sldMk cId="3066035579" sldId="266"/>
+            <ac:spMk id="53" creationId="{E95DA498-D9A2-4DA9-B9DA-B3776E08CF7E}"/>
+          </ac:spMkLst>
+        </pc:spChg>
+        <pc:spChg chg="add del">
+          <ac:chgData name="Abhiroop Mukherjee" userId="5fbc6062963ca2c0" providerId="LiveId" clId="{BA04AB18-81BA-44F6-8A17-E30D392E2E82}" dt="2021-04-07T19:11:54.603" v="4313" actId="26606"/>
+          <ac:spMkLst>
+            <pc:docMk/>
+            <pc:sldMk cId="3066035579" sldId="266"/>
+            <ac:spMk id="55" creationId="{82A73093-4B9D-420D-B17E-52293703A1D4}"/>
+          </ac:spMkLst>
+        </pc:spChg>
+        <pc:spChg chg="add del">
+          <ac:chgData name="Abhiroop Mukherjee" userId="5fbc6062963ca2c0" providerId="LiveId" clId="{BA04AB18-81BA-44F6-8A17-E30D392E2E82}" dt="2021-04-07T19:11:57.457" v="4315" actId="26606"/>
+          <ac:spMkLst>
+            <pc:docMk/>
+            <pc:sldMk cId="3066035579" sldId="266"/>
+            <ac:spMk id="57" creationId="{990D0034-F768-41E7-85D4-F38C4DE85770}"/>
+          </ac:spMkLst>
+        </pc:spChg>
+        <pc:spChg chg="add del">
+          <ac:chgData name="Abhiroop Mukherjee" userId="5fbc6062963ca2c0" providerId="LiveId" clId="{BA04AB18-81BA-44F6-8A17-E30D392E2E82}" dt="2021-04-07T19:11:57.457" v="4315" actId="26606"/>
+          <ac:spMkLst>
+            <pc:docMk/>
+            <pc:sldMk cId="3066035579" sldId="266"/>
+            <ac:spMk id="58" creationId="{C4F7E42D-8B5A-4FC8-81CD-9E60171F7FA8}"/>
+          </ac:spMkLst>
+        </pc:spChg>
+        <pc:spChg chg="add del">
+          <ac:chgData name="Abhiroop Mukherjee" userId="5fbc6062963ca2c0" providerId="LiveId" clId="{BA04AB18-81BA-44F6-8A17-E30D392E2E82}" dt="2021-04-07T19:11:57.457" v="4315" actId="26606"/>
+          <ac:spMkLst>
+            <pc:docMk/>
+            <pc:sldMk cId="3066035579" sldId="266"/>
+            <ac:spMk id="59" creationId="{8C04651D-B9F4-4935-A02D-364153FBDF54}"/>
+          </ac:spMkLst>
+        </pc:spChg>
+        <pc:spChg chg="add del">
+          <ac:chgData name="Abhiroop Mukherjee" userId="5fbc6062963ca2c0" providerId="LiveId" clId="{BA04AB18-81BA-44F6-8A17-E30D392E2E82}" dt="2021-04-07T19:12:04.943" v="4318" actId="26606"/>
+          <ac:spMkLst>
+            <pc:docMk/>
+            <pc:sldMk cId="3066035579" sldId="266"/>
+            <ac:spMk id="61" creationId="{52ABB703-2B0E-4C3B-B4A2-F3973548E561}"/>
+          </ac:spMkLst>
+        </pc:spChg>
+        <pc:spChg chg="add del">
+          <ac:chgData name="Abhiroop Mukherjee" userId="5fbc6062963ca2c0" providerId="LiveId" clId="{BA04AB18-81BA-44F6-8A17-E30D392E2E82}" dt="2021-04-07T19:12:04.943" v="4318" actId="26606"/>
+          <ac:spMkLst>
+            <pc:docMk/>
+            <pc:sldMk cId="3066035579" sldId="266"/>
+            <ac:spMk id="63" creationId="{E95DA498-D9A2-4DA9-B9DA-B3776E08CF7E}"/>
+          </ac:spMkLst>
+        </pc:spChg>
+        <pc:spChg chg="add del">
+          <ac:chgData name="Abhiroop Mukherjee" userId="5fbc6062963ca2c0" providerId="LiveId" clId="{BA04AB18-81BA-44F6-8A17-E30D392E2E82}" dt="2021-04-07T19:12:04.943" v="4318" actId="26606"/>
+          <ac:spMkLst>
+            <pc:docMk/>
+            <pc:sldMk cId="3066035579" sldId="266"/>
+            <ac:spMk id="64" creationId="{82A73093-4B9D-420D-B17E-52293703A1D4}"/>
+          </ac:spMkLst>
+        </pc:spChg>
+        <pc:spChg chg="add">
+          <ac:chgData name="Abhiroop Mukherjee" userId="5fbc6062963ca2c0" providerId="LiveId" clId="{BA04AB18-81BA-44F6-8A17-E30D392E2E82}" dt="2021-04-07T19:12:04.943" v="4318" actId="26606"/>
+          <ac:spMkLst>
+            <pc:docMk/>
+            <pc:sldMk cId="3066035579" sldId="266"/>
+            <ac:spMk id="69" creationId="{52ABB703-2B0E-4C3B-B4A2-F3973548E561}"/>
+          </ac:spMkLst>
+        </pc:spChg>
+        <pc:spChg chg="add">
+          <ac:chgData name="Abhiroop Mukherjee" userId="5fbc6062963ca2c0" providerId="LiveId" clId="{BA04AB18-81BA-44F6-8A17-E30D392E2E82}" dt="2021-04-07T19:12:04.943" v="4318" actId="26606"/>
+          <ac:spMkLst>
+            <pc:docMk/>
+            <pc:sldMk cId="3066035579" sldId="266"/>
+            <ac:spMk id="73" creationId="{E95DA498-D9A2-4DA9-B9DA-B3776E08CF7E}"/>
+          </ac:spMkLst>
+        </pc:spChg>
+        <pc:spChg chg="add">
+          <ac:chgData name="Abhiroop Mukherjee" userId="5fbc6062963ca2c0" providerId="LiveId" clId="{BA04AB18-81BA-44F6-8A17-E30D392E2E82}" dt="2021-04-07T19:12:04.943" v="4318" actId="26606"/>
+          <ac:spMkLst>
+            <pc:docMk/>
+            <pc:sldMk cId="3066035579" sldId="266"/>
+            <ac:spMk id="75" creationId="{82A73093-4B9D-420D-B17E-52293703A1D4}"/>
+          </ac:spMkLst>
+        </pc:spChg>
+        <pc:picChg chg="mod ord modCrop">
+          <ac:chgData name="Abhiroop Mukherjee" userId="5fbc6062963ca2c0" providerId="LiveId" clId="{BA04AB18-81BA-44F6-8A17-E30D392E2E82}" dt="2021-04-07T19:12:04.943" v="4318" actId="26606"/>
           <ac:picMkLst>
             <pc:docMk/>
             <pc:sldMk cId="3066035579" sldId="266"/>
             <ac:picMk id="5" creationId="{66ACF5EE-B012-4BDB-A31F-C5EBFB1ECF9F}"/>
           </ac:picMkLst>
         </pc:picChg>
+        <pc:cxnChg chg="add del">
+          <ac:chgData name="Abhiroop Mukherjee" userId="5fbc6062963ca2c0" providerId="LiveId" clId="{BA04AB18-81BA-44F6-8A17-E30D392E2E82}" dt="2021-04-07T19:11:57.457" v="4316" actId="26606"/>
+          <ac:cxnSpMkLst>
+            <pc:docMk/>
+            <pc:sldMk cId="3066035579" sldId="266"/>
+            <ac:cxnSpMk id="42" creationId="{5AB158E9-1B40-4CD6-95F0-95CA11DF7B7A}"/>
+          </ac:cxnSpMkLst>
+        </pc:cxnChg>
+        <pc:cxnChg chg="add del">
+          <ac:chgData name="Abhiroop Mukherjee" userId="5fbc6062963ca2c0" providerId="LiveId" clId="{BA04AB18-81BA-44F6-8A17-E30D392E2E82}" dt="2021-04-07T19:11:54.603" v="4313" actId="26606"/>
+          <ac:cxnSpMkLst>
+            <pc:docMk/>
+            <pc:sldMk cId="3066035579" sldId="266"/>
+            <ac:cxnSpMk id="51" creationId="{9C21570E-E159-49A6-9891-FA397B7A92D3}"/>
+          </ac:cxnSpMkLst>
+        </pc:cxnChg>
+        <pc:cxnChg chg="add del">
+          <ac:chgData name="Abhiroop Mukherjee" userId="5fbc6062963ca2c0" providerId="LiveId" clId="{BA04AB18-81BA-44F6-8A17-E30D392E2E82}" dt="2021-04-07T19:12:04.943" v="4318" actId="26606"/>
+          <ac:cxnSpMkLst>
+            <pc:docMk/>
+            <pc:sldMk cId="3066035579" sldId="266"/>
+            <ac:cxnSpMk id="62" creationId="{9C21570E-E159-49A6-9891-FA397B7A92D3}"/>
+          </ac:cxnSpMkLst>
+        </pc:cxnChg>
+        <pc:cxnChg chg="add">
+          <ac:chgData name="Abhiroop Mukherjee" userId="5fbc6062963ca2c0" providerId="LiveId" clId="{BA04AB18-81BA-44F6-8A17-E30D392E2E82}" dt="2021-04-07T19:12:04.943" v="4318" actId="26606"/>
+          <ac:cxnSpMkLst>
+            <pc:docMk/>
+            <pc:sldMk cId="3066035579" sldId="266"/>
+            <ac:cxnSpMk id="71" creationId="{9C21570E-E159-49A6-9891-FA397B7A92D3}"/>
+          </ac:cxnSpMkLst>
+        </pc:cxnChg>
       </pc:sldChg>
       <pc:sldChg chg="addSp delSp modSp mod">
-        <pc:chgData name="Abhiroop Mukherjee" userId="5fbc6062963ca2c0" providerId="LiveId" clId="{BA04AB18-81BA-44F6-8A17-E30D392E2E82}" dt="2021-04-07T17:03:10.262" v="4126" actId="26606"/>
+        <pc:chgData name="Abhiroop Mukherjee" userId="5fbc6062963ca2c0" providerId="LiveId" clId="{BA04AB18-81BA-44F6-8A17-E30D392E2E82}" dt="2021-04-07T19:15:43.042" v="4653" actId="26606"/>
         <pc:sldMkLst>
           <pc:docMk/>
           <pc:sldMk cId="2940843886" sldId="277"/>
         </pc:sldMkLst>
         <pc:spChg chg="mod">
-          <ac:chgData name="Abhiroop Mukherjee" userId="5fbc6062963ca2c0" providerId="LiveId" clId="{BA04AB18-81BA-44F6-8A17-E30D392E2E82}" dt="2021-04-07T17:02:59.508" v="4125" actId="20577"/>
+          <ac:chgData name="Abhiroop Mukherjee" userId="5fbc6062963ca2c0" providerId="LiveId" clId="{BA04AB18-81BA-44F6-8A17-E30D392E2E82}" dt="2021-04-07T19:15:32.023" v="4652" actId="15"/>
           <ac:spMkLst>
             <pc:docMk/>
             <pc:sldMk cId="2940843886" sldId="277"/>
@@ -2019,28 +2186,52 @@
             <ac:spMk id="26" creationId="{054B3F04-9EAC-45C0-B3CE-0387EEA10A0C}"/>
           </ac:spMkLst>
         </pc:spChg>
-        <pc:spChg chg="add">
-          <ac:chgData name="Abhiroop Mukherjee" userId="5fbc6062963ca2c0" providerId="LiveId" clId="{BA04AB18-81BA-44F6-8A17-E30D392E2E82}" dt="2021-04-07T17:03:10.262" v="4126" actId="26606"/>
+        <pc:spChg chg="add del">
+          <ac:chgData name="Abhiroop Mukherjee" userId="5fbc6062963ca2c0" providerId="LiveId" clId="{BA04AB18-81BA-44F6-8A17-E30D392E2E82}" dt="2021-04-07T19:15:43.042" v="4653" actId="26606"/>
           <ac:spMkLst>
             <pc:docMk/>
             <pc:sldMk cId="2940843886" sldId="277"/>
             <ac:spMk id="31" creationId="{3741B58E-3B65-4A01-A276-975AB2CF8A08}"/>
           </ac:spMkLst>
         </pc:spChg>
-        <pc:spChg chg="add">
-          <ac:chgData name="Abhiroop Mukherjee" userId="5fbc6062963ca2c0" providerId="LiveId" clId="{BA04AB18-81BA-44F6-8A17-E30D392E2E82}" dt="2021-04-07T17:03:10.262" v="4126" actId="26606"/>
+        <pc:spChg chg="add del">
+          <ac:chgData name="Abhiroop Mukherjee" userId="5fbc6062963ca2c0" providerId="LiveId" clId="{BA04AB18-81BA-44F6-8A17-E30D392E2E82}" dt="2021-04-07T19:15:43.042" v="4653" actId="26606"/>
           <ac:spMkLst>
             <pc:docMk/>
             <pc:sldMk cId="2940843886" sldId="277"/>
             <ac:spMk id="33" creationId="{7AAC67C3-831B-4AB1-A259-DFB839CAFAFC}"/>
           </ac:spMkLst>
         </pc:spChg>
-        <pc:spChg chg="add">
-          <ac:chgData name="Abhiroop Mukherjee" userId="5fbc6062963ca2c0" providerId="LiveId" clId="{BA04AB18-81BA-44F6-8A17-E30D392E2E82}" dt="2021-04-07T17:03:10.262" v="4126" actId="26606"/>
+        <pc:spChg chg="add del">
+          <ac:chgData name="Abhiroop Mukherjee" userId="5fbc6062963ca2c0" providerId="LiveId" clId="{BA04AB18-81BA-44F6-8A17-E30D392E2E82}" dt="2021-04-07T19:15:43.042" v="4653" actId="26606"/>
           <ac:spMkLst>
             <pc:docMk/>
             <pc:sldMk cId="2940843886" sldId="277"/>
             <ac:spMk id="35" creationId="{054B3F04-9EAC-45C0-B3CE-0387EEA10A0C}"/>
+          </ac:spMkLst>
+        </pc:spChg>
+        <pc:spChg chg="add">
+          <ac:chgData name="Abhiroop Mukherjee" userId="5fbc6062963ca2c0" providerId="LiveId" clId="{BA04AB18-81BA-44F6-8A17-E30D392E2E82}" dt="2021-04-07T19:15:43.042" v="4653" actId="26606"/>
+          <ac:spMkLst>
+            <pc:docMk/>
+            <pc:sldMk cId="2940843886" sldId="277"/>
+            <ac:spMk id="40" creationId="{3741B58E-3B65-4A01-A276-975AB2CF8A08}"/>
+          </ac:spMkLst>
+        </pc:spChg>
+        <pc:spChg chg="add">
+          <ac:chgData name="Abhiroop Mukherjee" userId="5fbc6062963ca2c0" providerId="LiveId" clId="{BA04AB18-81BA-44F6-8A17-E30D392E2E82}" dt="2021-04-07T19:15:43.042" v="4653" actId="26606"/>
+          <ac:spMkLst>
+            <pc:docMk/>
+            <pc:sldMk cId="2940843886" sldId="277"/>
+            <ac:spMk id="42" creationId="{7AAC67C3-831B-4AB1-A259-DFB839CAFAFC}"/>
+          </ac:spMkLst>
+        </pc:spChg>
+        <pc:spChg chg="add">
+          <ac:chgData name="Abhiroop Mukherjee" userId="5fbc6062963ca2c0" providerId="LiveId" clId="{BA04AB18-81BA-44F6-8A17-E30D392E2E82}" dt="2021-04-07T19:15:43.042" v="4653" actId="26606"/>
+          <ac:spMkLst>
+            <pc:docMk/>
+            <pc:sldMk cId="2940843886" sldId="277"/>
+            <ac:spMk id="44" creationId="{054B3F04-9EAC-45C0-B3CE-0387EEA10A0C}"/>
           </ac:spMkLst>
         </pc:spChg>
       </pc:sldChg>
@@ -34492,7 +34683,7 @@
       </p:grpSpPr>
       <p:sp useBgFill="1">
         <p:nvSpPr>
-          <p:cNvPr id="31" name="Rectangle 30">
+          <p:cNvPr id="40" name="Rectangle 39">
             <a:extLst>
               <a:ext uri="{FF2B5EF4-FFF2-40B4-BE49-F238E27FC236}">
                 <a16:creationId xmlns:a16="http://schemas.microsoft.com/office/drawing/2014/main" id="{3741B58E-3B65-4A01-A276-975AB2CF8A08}"/>
@@ -34552,7 +34743,7 @@
       </p:sp>
       <p:sp>
         <p:nvSpPr>
-          <p:cNvPr id="33" name="Rectangle 32">
+          <p:cNvPr id="42" name="Rectangle 41">
             <a:extLst>
               <a:ext uri="{FF2B5EF4-FFF2-40B4-BE49-F238E27FC236}">
                 <a16:creationId xmlns:a16="http://schemas.microsoft.com/office/drawing/2014/main" id="{7AAC67C3-831B-4AB1-A259-DFB839CAFAFC}"/>
@@ -34646,7 +34837,7 @@
       </p:sp>
       <p:sp>
         <p:nvSpPr>
-          <p:cNvPr id="35" name="Rectangle 34">
+          <p:cNvPr id="44" name="Rectangle 43">
             <a:extLst>
               <a:ext uri="{FF2B5EF4-FFF2-40B4-BE49-F238E27FC236}">
                 <a16:creationId xmlns:a16="http://schemas.microsoft.com/office/drawing/2014/main" id="{054B3F04-9EAC-45C0-B3CE-0387EEA10A0C}"/>
@@ -34817,91 +35008,8 @@
                 </a:pPr>
                 <a:r>
                   <a:rPr lang="en-IN" dirty="0"/>
-                  <a:t>We then Plotted the following graphs for both datasets</a:t>
+                  <a:t>We then Plotted the following graph</a:t>
                 </a:r>
-              </a:p>
-              <a:p>
-                <a:pPr lvl="2"/>
-                <a14:m>
-                  <m:oMath xmlns:m="http://schemas.openxmlformats.org/officeDocument/2006/math">
-                    <m:r>
-                      <a:rPr lang="en-IN" b="0" i="1" smtClean="0">
-                        <a:latin typeface="Cambria Math" panose="02040503050406030204" pitchFamily="18" charset="0"/>
-                      </a:rPr>
-                      <m:t>𝑐𝑜𝑚𝑝𝑎𝑟𝑖𝑠𝑖𝑜𝑛</m:t>
-                    </m:r>
-                    <m:r>
-                      <a:rPr lang="en-IN" b="0" i="1" smtClean="0">
-                        <a:latin typeface="Cambria Math" panose="02040503050406030204" pitchFamily="18" charset="0"/>
-                      </a:rPr>
-                      <m:t> </m:t>
-                    </m:r>
-                    <m:r>
-                      <a:rPr lang="en-IN" b="0" i="1" smtClean="0">
-                        <a:latin typeface="Cambria Math" panose="02040503050406030204" pitchFamily="18" charset="0"/>
-                      </a:rPr>
-                      <m:t>𝑟𝑎𝑡𝑖𝑜</m:t>
-                    </m:r>
-                    <m:r>
-                      <a:rPr lang="en-IN" b="0" i="1" smtClean="0">
-                        <a:latin typeface="Cambria Math" panose="02040503050406030204" pitchFamily="18" charset="0"/>
-                      </a:rPr>
-                      <m:t>= </m:t>
-                    </m:r>
-                    <m:f>
-                      <m:fPr>
-                        <m:ctrlPr>
-                          <a:rPr lang="en-IN" i="1" smtClean="0">
-                            <a:latin typeface="Cambria Math" panose="02040503050406030204" pitchFamily="18" charset="0"/>
-                          </a:rPr>
-                        </m:ctrlPr>
-                      </m:fPr>
-                      <m:num>
-                        <m:r>
-                          <a:rPr lang="en-IN" b="0" i="1" smtClean="0">
-                            <a:latin typeface="Cambria Math" panose="02040503050406030204" pitchFamily="18" charset="0"/>
-                          </a:rPr>
-                          <m:t>𝑎𝑣𝑔</m:t>
-                        </m:r>
-                        <m:r>
-                          <a:rPr lang="en-IN" b="0" i="1" smtClean="0">
-                            <a:latin typeface="Cambria Math" panose="02040503050406030204" pitchFamily="18" charset="0"/>
-                          </a:rPr>
-                          <m:t>_</m:t>
-                        </m:r>
-                        <m:r>
-                          <a:rPr lang="en-IN" b="0" i="1" smtClean="0">
-                            <a:latin typeface="Cambria Math" panose="02040503050406030204" pitchFamily="18" charset="0"/>
-                          </a:rPr>
-                          <m:t>𝑐𝑜𝑚𝑝</m:t>
-                        </m:r>
-                      </m:num>
-                      <m:den>
-                        <m:r>
-                          <a:rPr lang="en-IN" b="0" i="1" smtClean="0">
-                            <a:latin typeface="Cambria Math" panose="02040503050406030204" pitchFamily="18" charset="0"/>
-                          </a:rPr>
-                          <m:t>𝑛</m:t>
-                        </m:r>
-                      </m:den>
-                    </m:f>
-                  </m:oMath>
-                </a14:m>
-                <a:r>
-                  <a:rPr lang="en-IN" dirty="0"/>
-                  <a:t> vs </a:t>
-                </a:r>
-                <a14:m>
-                  <m:oMath xmlns:m="http://schemas.openxmlformats.org/officeDocument/2006/math">
-                    <m:r>
-                      <a:rPr lang="en-IN" b="0" i="1" smtClean="0">
-                        <a:latin typeface="Cambria Math" panose="02040503050406030204" pitchFamily="18" charset="0"/>
-                      </a:rPr>
-                      <m:t>𝑛</m:t>
-                    </m:r>
-                  </m:oMath>
-                </a14:m>
-                <a:endParaRPr lang="en-IN" dirty="0"/>
               </a:p>
               <a:p>
                 <a:pPr lvl="2">
@@ -35094,10 +35202,10 @@
       </p:grpSpPr>
       <p:sp useBgFill="1">
         <p:nvSpPr>
-          <p:cNvPr id="41" name="Rectangle 22">
+          <p:cNvPr id="69" name="Rectangle 68">
             <a:extLst>
               <a:ext uri="{FF2B5EF4-FFF2-40B4-BE49-F238E27FC236}">
-                <a16:creationId xmlns:a16="http://schemas.microsoft.com/office/drawing/2014/main" id="{10162E77-11AD-44A7-84EC-40C59EEFBD2E}"/>
+                <a16:creationId xmlns:a16="http://schemas.microsoft.com/office/drawing/2014/main" id="{52ABB703-2B0E-4C3B-B4A2-F3973548E561}"/>
               </a:ext>
               <a:ext uri="{C183D7F6-B498-43B3-948B-1728B52AA6E4}">
                 <adec:decorative xmlns:adec="http://schemas.microsoft.com/office/drawing/2017/decorative" val="1"/>
@@ -35148,7 +35256,7 @@
           <a:lstStyle/>
           <a:p>
             <a:pPr algn="ctr"/>
-            <a:endParaRPr lang="en-US" dirty="0"/>
+            <a:endParaRPr lang="en-US"/>
           </a:p>
         </p:txBody>
       </p:sp>
@@ -35170,8 +35278,8 @@
         </p:nvSpPr>
         <p:spPr>
           <a:xfrm>
-            <a:off x="7859485" y="634946"/>
-            <a:ext cx="3690257" cy="1450757"/>
+            <a:off x="6411685" y="634946"/>
+            <a:ext cx="5127171" cy="1450757"/>
           </a:xfrm>
         </p:spPr>
         <p:txBody>
@@ -35181,9 +35289,10 @@
           <a:lstStyle/>
           <a:p>
             <a:r>
-              <a:rPr lang="en-IN" b="1" dirty="0"/>
+              <a:rPr lang="en-IN" b="1"/>
               <a:t>Observation</a:t>
             </a:r>
+            <a:endParaRPr lang="en-IN" b="1" dirty="0"/>
           </a:p>
         </p:txBody>
       </p:sp>
@@ -35209,13 +35318,13 @@
               </a:ext>
             </a:extLst>
           </a:blip>
-          <a:srcRect l="2397" t="-97" r="6589" b="97"/>
+          <a:srcRect t="6737" b="1472"/>
           <a:stretch/>
         </p:blipFill>
         <p:spPr>
           <a:xfrm>
-            <a:off x="474842" y="634946"/>
-            <a:ext cx="6909801" cy="5314406"/>
+            <a:off x="643192" y="1042154"/>
+            <a:ext cx="5451627" cy="4453651"/>
           </a:xfrm>
           <a:prstGeom prst="rect">
             <a:avLst/>
@@ -35224,10 +35333,10 @@
       </p:pic>
       <p:cxnSp>
         <p:nvCxnSpPr>
-          <p:cNvPr id="42" name="Straight Connector 24">
+          <p:cNvPr id="71" name="Straight Connector 70">
             <a:extLst>
               <a:ext uri="{FF2B5EF4-FFF2-40B4-BE49-F238E27FC236}">
-                <a16:creationId xmlns:a16="http://schemas.microsoft.com/office/drawing/2014/main" id="{5AB158E9-1B40-4CD6-95F0-95CA11DF7B7A}"/>
+                <a16:creationId xmlns:a16="http://schemas.microsoft.com/office/drawing/2014/main" id="{9C21570E-E159-49A6-9891-FA397B7A92D3}"/>
               </a:ext>
               <a:ext uri="{C183D7F6-B498-43B3-948B-1728B52AA6E4}">
                 <adec:decorative xmlns:adec="http://schemas.microsoft.com/office/drawing/2017/decorative" val="1"/>
@@ -35247,8 +35356,8 @@
         </p:nvCxnSpPr>
         <p:spPr>
           <a:xfrm>
-            <a:off x="7892143" y="2085703"/>
-            <a:ext cx="3566160" cy="0"/>
+            <a:off x="6411684" y="2086188"/>
+            <a:ext cx="4748808" cy="0"/>
           </a:xfrm>
           <a:prstGeom prst="line">
             <a:avLst/>
@@ -35278,223 +35387,56 @@
           </a:fontRef>
         </p:style>
       </p:cxnSp>
-      <mc:AlternateContent xmlns:mc="http://schemas.openxmlformats.org/markup-compatibility/2006" xmlns:a14="http://schemas.microsoft.com/office/drawing/2010/main">
-        <mc:Choice Requires="a14">
-          <p:sp>
-            <p:nvSpPr>
-              <p:cNvPr id="9" name="Content Placeholder 8">
-                <a:extLst>
-                  <a:ext uri="{FF2B5EF4-FFF2-40B4-BE49-F238E27FC236}">
-                    <a16:creationId xmlns:a16="http://schemas.microsoft.com/office/drawing/2014/main" id="{FB3ADEF1-B48E-4597-8478-E89F81BA647C}"/>
-                  </a:ext>
-                </a:extLst>
-              </p:cNvPr>
-              <p:cNvSpPr>
-                <a:spLocks noGrp="1"/>
-              </p:cNvSpPr>
-              <p:nvPr>
-                <p:ph idx="1"/>
-              </p:nvPr>
-            </p:nvSpPr>
-            <p:spPr>
-              <a:xfrm>
-                <a:off x="7859485" y="2198913"/>
-                <a:ext cx="3690257" cy="3755565"/>
-              </a:xfrm>
-            </p:spPr>
-            <p:txBody>
-              <a:bodyPr>
-                <a:normAutofit/>
-              </a:bodyPr>
-              <a:lstStyle/>
-              <a:p>
-                <a:pPr lvl="1"/>
-                <a:r>
-                  <a:rPr lang="en-US" dirty="0"/>
-                  <a:t>For big array size, the both plots for both datasets converges to a constant, which means that the algorithm implemented is 𝑂</a:t>
-                </a:r>
-                <a14:m>
-                  <m:oMath xmlns:m="http://schemas.openxmlformats.org/officeDocument/2006/math">
-                    <m:d>
-                      <m:dPr>
-                        <m:ctrlPr>
-                          <a:rPr lang="en-IN" b="0" i="1" smtClean="0">
-                            <a:latin typeface="Cambria Math" panose="02040503050406030204" pitchFamily="18" charset="0"/>
-                          </a:rPr>
-                        </m:ctrlPr>
-                      </m:dPr>
-                      <m:e>
-                        <m:r>
-                          <a:rPr lang="en-IN" b="0" i="1" smtClean="0">
-                            <a:latin typeface="Cambria Math" panose="02040503050406030204" pitchFamily="18" charset="0"/>
-                          </a:rPr>
-                          <m:t>𝑛</m:t>
-                        </m:r>
-                      </m:e>
-                    </m:d>
-                    <m:r>
-                      <a:rPr lang="en-IN" b="0" i="0" smtClean="0">
-                        <a:latin typeface="Cambria Math" panose="02040503050406030204" pitchFamily="18" charset="0"/>
-                      </a:rPr>
-                      <m:t>.</m:t>
-                    </m:r>
-                  </m:oMath>
-                </a14:m>
-                <a:endParaRPr lang="en-IN" b="0" dirty="0"/>
-              </a:p>
-              <a:p>
-                <a:pPr lvl="1"/>
-                <a:r>
-                  <a:rPr lang="en-US" dirty="0"/>
-                  <a:t>There are deviations for small n, this could be due to more overhead of file read and write compared to actual sort.</a:t>
-                </a:r>
-              </a:p>
-              <a:p>
-                <a:pPr lvl="1"/>
-                <a:r>
-                  <a:rPr lang="en-US" dirty="0"/>
-                  <a:t>Theoretically for Normal dataset, the complexity should be more towards </a:t>
-                </a:r>
-                <a14:m>
-                  <m:oMath xmlns:m="http://schemas.openxmlformats.org/officeDocument/2006/math">
-                    <m:r>
-                      <m:rPr>
-                        <m:sty m:val="p"/>
-                      </m:rPr>
-                      <a:rPr lang="en-IN">
-                        <a:latin typeface="Cambria Math" panose="02040503050406030204" pitchFamily="18" charset="0"/>
-                      </a:rPr>
-                      <m:t>O</m:t>
-                    </m:r>
-                    <m:r>
-                      <a:rPr lang="en-IN" b="0" i="1" smtClean="0">
-                        <a:latin typeface="Cambria Math" panose="02040503050406030204" pitchFamily="18" charset="0"/>
-                      </a:rPr>
-                      <m:t>(</m:t>
-                    </m:r>
-                    <m:sSup>
-                      <m:sSupPr>
-                        <m:ctrlPr>
-                          <a:rPr lang="en-US" i="1" dirty="0" smtClean="0">
-                            <a:latin typeface="Cambria Math" panose="02040503050406030204" pitchFamily="18" charset="0"/>
-                          </a:rPr>
-                        </m:ctrlPr>
-                      </m:sSupPr>
-                      <m:e>
-                        <m:r>
-                          <a:rPr lang="en-IN" b="0" i="1" dirty="0" smtClean="0">
-                            <a:latin typeface="Cambria Math" panose="02040503050406030204" pitchFamily="18" charset="0"/>
-                          </a:rPr>
-                          <m:t>𝑛</m:t>
-                        </m:r>
-                      </m:e>
-                      <m:sup>
-                        <m:r>
-                          <a:rPr lang="en-IN" b="0" i="1" dirty="0" smtClean="0">
-                            <a:latin typeface="Cambria Math" panose="02040503050406030204" pitchFamily="18" charset="0"/>
-                          </a:rPr>
-                          <m:t>2</m:t>
-                        </m:r>
-                      </m:sup>
-                    </m:sSup>
-                    <m:r>
-                      <a:rPr lang="en-IN" b="0" i="1" smtClean="0">
-                        <a:latin typeface="Cambria Math" panose="02040503050406030204" pitchFamily="18" charset="0"/>
-                      </a:rPr>
-                      <m:t>)</m:t>
-                    </m:r>
-                  </m:oMath>
-                </a14:m>
-                <a:r>
-                  <a:rPr lang="en-US" dirty="0"/>
-                  <a:t>, but as we averaged it out, it became </a:t>
-                </a:r>
-                <a14:m>
-                  <m:oMath xmlns:m="http://schemas.openxmlformats.org/officeDocument/2006/math">
-                    <m:r>
-                      <m:rPr>
-                        <m:sty m:val="p"/>
-                      </m:rPr>
-                      <a:rPr lang="en-IN" b="0" i="0" smtClean="0">
-                        <a:latin typeface="Cambria Math" panose="02040503050406030204" pitchFamily="18" charset="0"/>
-                      </a:rPr>
-                      <m:t>O</m:t>
-                    </m:r>
-                    <m:r>
-                      <a:rPr lang="en-IN" b="0" i="1" smtClean="0">
-                        <a:latin typeface="Cambria Math" panose="02040503050406030204" pitchFamily="18" charset="0"/>
-                      </a:rPr>
-                      <m:t>(</m:t>
-                    </m:r>
-                    <m:r>
-                      <a:rPr lang="en-IN" b="0" i="1" smtClean="0">
-                        <a:latin typeface="Cambria Math" panose="02040503050406030204" pitchFamily="18" charset="0"/>
-                      </a:rPr>
-                      <m:t>𝑛</m:t>
-                    </m:r>
-                    <m:r>
-                      <a:rPr lang="en-IN" b="0" i="1" smtClean="0">
-                        <a:latin typeface="Cambria Math" panose="02040503050406030204" pitchFamily="18" charset="0"/>
-                      </a:rPr>
-                      <m:t>)</m:t>
-                    </m:r>
-                  </m:oMath>
-                </a14:m>
-                <a:endParaRPr lang="en-US" dirty="0"/>
-              </a:p>
-            </p:txBody>
-          </p:sp>
-        </mc:Choice>
-        <mc:Fallback xmlns="">
-          <p:sp>
-            <p:nvSpPr>
-              <p:cNvPr id="9" name="Content Placeholder 8">
-                <a:extLst>
-                  <a:ext uri="{FF2B5EF4-FFF2-40B4-BE49-F238E27FC236}">
-                    <a16:creationId xmlns:a16="http://schemas.microsoft.com/office/drawing/2014/main" id="{FB3ADEF1-B48E-4597-8478-E89F81BA647C}"/>
-                  </a:ext>
-                </a:extLst>
-              </p:cNvPr>
-              <p:cNvSpPr>
-                <a:spLocks noGrp="1" noRot="1" noChangeAspect="1" noMove="1" noResize="1" noEditPoints="1" noAdjustHandles="1" noChangeArrowheads="1" noChangeShapeType="1" noTextEdit="1"/>
-              </p:cNvSpPr>
-              <p:nvPr>
-                <p:ph idx="1"/>
-              </p:nvPr>
-            </p:nvSpPr>
-            <p:spPr>
-              <a:xfrm>
-                <a:off x="7859485" y="2198913"/>
-                <a:ext cx="3690257" cy="3755565"/>
-              </a:xfrm>
-              <a:blipFill>
-                <a:blip r:embed="rId3"/>
-                <a:stretch>
-                  <a:fillRect t="-1623" r="-4950"/>
-                </a:stretch>
-              </a:blipFill>
-            </p:spPr>
-            <p:txBody>
-              <a:bodyPr/>
-              <a:lstStyle/>
-              <a:p>
-                <a:r>
-                  <a:rPr lang="en-IN">
-                    <a:noFill/>
-                  </a:rPr>
-                  <a:t> </a:t>
-                </a:r>
-              </a:p>
-            </p:txBody>
-          </p:sp>
-        </mc:Fallback>
-      </mc:AlternateContent>
       <p:sp>
         <p:nvSpPr>
-          <p:cNvPr id="43" name="Rectangle 26">
+          <p:cNvPr id="9" name="Content Placeholder 8">
             <a:extLst>
               <a:ext uri="{FF2B5EF4-FFF2-40B4-BE49-F238E27FC236}">
-                <a16:creationId xmlns:a16="http://schemas.microsoft.com/office/drawing/2014/main" id="{6329CBCE-21AE-419D-AC1F-8ACF510A6670}"/>
+                <a16:creationId xmlns:a16="http://schemas.microsoft.com/office/drawing/2014/main" id="{FB3ADEF1-B48E-4597-8478-E89F81BA647C}"/>
+              </a:ext>
+            </a:extLst>
+          </p:cNvPr>
+          <p:cNvSpPr>
+            <a:spLocks noGrp="1"/>
+          </p:cNvSpPr>
+          <p:nvPr>
+            <p:ph idx="1"/>
+          </p:nvPr>
+        </p:nvSpPr>
+        <p:spPr>
+          <a:xfrm>
+            <a:off x="6411684" y="2198914"/>
+            <a:ext cx="5127172" cy="3670180"/>
+          </a:xfrm>
+        </p:spPr>
+        <p:txBody>
+          <a:bodyPr>
+            <a:normAutofit/>
+          </a:bodyPr>
+          <a:lstStyle/>
+          <a:p>
+            <a:pPr lvl="1"/>
+            <a:r>
+              <a:rPr lang="en-IN" dirty="0"/>
+              <a:t>Here we see that time taken by the Normal Distribution is way more than that of Uniform Distribution</a:t>
+            </a:r>
+          </a:p>
+          <a:p>
+            <a:pPr lvl="1"/>
+            <a:r>
+              <a:rPr lang="en-IN" dirty="0"/>
+              <a:t>This is happening because  in Normal Distribution more elements are concentrated around mean, due to which a lot of elements gets inserted on a same bin, and sorting that large linked list is very costly with respect to time.</a:t>
+            </a:r>
+            <a:endParaRPr lang="en-US" dirty="0"/>
+          </a:p>
+        </p:txBody>
+      </p:sp>
+      <p:sp>
+        <p:nvSpPr>
+          <p:cNvPr id="73" name="Rectangle 72">
+            <a:extLst>
+              <a:ext uri="{FF2B5EF4-FFF2-40B4-BE49-F238E27FC236}">
+                <a16:creationId xmlns:a16="http://schemas.microsoft.com/office/drawing/2014/main" id="{E95DA498-D9A2-4DA9-B9DA-B3776E08CF7E}"/>
               </a:ext>
               <a:ext uri="{C183D7F6-B498-43B3-948B-1728B52AA6E4}">
                 <adec:decorative xmlns:adec="http://schemas.microsoft.com/office/drawing/2017/decorative" val="1"/>
@@ -35546,10 +35488,10 @@
       </p:sp>
       <p:sp>
         <p:nvSpPr>
-          <p:cNvPr id="44" name="Rectangle 28">
+          <p:cNvPr id="75" name="Rectangle 74">
             <a:extLst>
               <a:ext uri="{FF2B5EF4-FFF2-40B4-BE49-F238E27FC236}">
-                <a16:creationId xmlns:a16="http://schemas.microsoft.com/office/drawing/2014/main" id="{FF2DA012-1414-493D-888F-5D99D0BDA322}"/>
+                <a16:creationId xmlns:a16="http://schemas.microsoft.com/office/drawing/2014/main" id="{82A73093-4B9D-420D-B17E-52293703A1D4}"/>
               </a:ext>
               <a:ext uri="{C183D7F6-B498-43B3-948B-1728B52AA6E4}">
                 <adec:decorative xmlns:adec="http://schemas.microsoft.com/office/drawing/2017/decorative" val="1"/>

--- a/Assignment 1/Assignment Presentation.pptx
+++ b/Assignment 1/Assignment Presentation.pptx
@@ -59,7 +59,11 @@
     <p:sldId id="285" r:id="rId53"/>
     <p:sldId id="286" r:id="rId54"/>
     <p:sldId id="287" r:id="rId55"/>
-    <p:sldId id="288" r:id="rId56"/>
+    <p:sldId id="317" r:id="rId56"/>
+    <p:sldId id="318" r:id="rId57"/>
+    <p:sldId id="319" r:id="rId58"/>
+    <p:sldId id="320" r:id="rId59"/>
+    <p:sldId id="288" r:id="rId60"/>
   </p:sldIdLst>
   <p:sldSz cx="12192000" cy="6858000"/>
   <p:notesSz cx="6858000" cy="9144000"/>
@@ -169,7 +173,7 @@
 <file path=ppt/revisionInfo.xml><?xml version="1.0" encoding="utf-8"?>
 <p1510:revInfo xmlns:a="http://schemas.openxmlformats.org/drawingml/2006/main" xmlns:r="http://schemas.openxmlformats.org/officeDocument/2006/relationships" xmlns:p1510="http://schemas.microsoft.com/office/powerpoint/2015/10/main">
   <p1510:revLst>
-    <p1510:client id="{BA04AB18-81BA-44F6-8A17-E30D392E2E82}" v="2237" dt="2021-04-07T19:15:32.023"/>
+    <p1510:client id="{BA04AB18-81BA-44F6-8A17-E30D392E2E82}" v="2250" dt="2021-04-07T20:26:22.257"/>
   </p1510:revLst>
 </p1510:revInfo>
 </file>
@@ -1810,7 +1814,7 @@
   <pc:docChgLst>
     <pc:chgData name="Abhiroop Mukherjee" userId="5fbc6062963ca2c0" providerId="LiveId" clId="{BA04AB18-81BA-44F6-8A17-E30D392E2E82}"/>
     <pc:docChg chg="undo redo custSel addSld delSld modSld sldOrd">
-      <pc:chgData name="Abhiroop Mukherjee" userId="5fbc6062963ca2c0" providerId="LiveId" clId="{BA04AB18-81BA-44F6-8A17-E30D392E2E82}" dt="2021-04-07T19:15:43.042" v="4653" actId="26606"/>
+      <pc:chgData name="Abhiroop Mukherjee" userId="5fbc6062963ca2c0" providerId="LiveId" clId="{BA04AB18-81BA-44F6-8A17-E30D392E2E82}" dt="2021-04-07T20:29:34.385" v="7101" actId="33524"/>
       <pc:docMkLst>
         <pc:docMk/>
       </pc:docMkLst>
@@ -2234,6 +2238,165 @@
             <ac:spMk id="44" creationId="{054B3F04-9EAC-45C0-B3CE-0387EEA10A0C}"/>
           </ac:spMkLst>
         </pc:spChg>
+      </pc:sldChg>
+      <pc:sldChg chg="addSp delSp modSp mod">
+        <pc:chgData name="Abhiroop Mukherjee" userId="5fbc6062963ca2c0" providerId="LiveId" clId="{BA04AB18-81BA-44F6-8A17-E30D392E2E82}" dt="2021-04-07T20:20:01.164" v="5975" actId="26606"/>
+        <pc:sldMkLst>
+          <pc:docMk/>
+          <pc:sldMk cId="1262432482" sldId="287"/>
+        </pc:sldMkLst>
+        <pc:spChg chg="mod">
+          <ac:chgData name="Abhiroop Mukherjee" userId="5fbc6062963ca2c0" providerId="LiveId" clId="{BA04AB18-81BA-44F6-8A17-E30D392E2E82}" dt="2021-04-07T20:20:01.164" v="5975" actId="26606"/>
+          <ac:spMkLst>
+            <pc:docMk/>
+            <pc:sldMk cId="1262432482" sldId="287"/>
+            <ac:spMk id="2" creationId="{0CF820E1-E514-4B58-98AB-89F302D91E31}"/>
+          </ac:spMkLst>
+        </pc:spChg>
+        <pc:spChg chg="mod">
+          <ac:chgData name="Abhiroop Mukherjee" userId="5fbc6062963ca2c0" providerId="LiveId" clId="{BA04AB18-81BA-44F6-8A17-E30D392E2E82}" dt="2021-04-07T20:20:01.164" v="5975" actId="26606"/>
+          <ac:spMkLst>
+            <pc:docMk/>
+            <pc:sldMk cId="1262432482" sldId="287"/>
+            <ac:spMk id="9" creationId="{FB3ADEF1-B48E-4597-8478-E89F81BA647C}"/>
+          </ac:spMkLst>
+        </pc:spChg>
+        <pc:spChg chg="add del">
+          <ac:chgData name="Abhiroop Mukherjee" userId="5fbc6062963ca2c0" providerId="LiveId" clId="{BA04AB18-81BA-44F6-8A17-E30D392E2E82}" dt="2021-04-07T20:20:01.164" v="5975" actId="26606"/>
+          <ac:spMkLst>
+            <pc:docMk/>
+            <pc:sldMk cId="1262432482" sldId="287"/>
+            <ac:spMk id="185" creationId="{284B70D5-875B-433D-BDBD-1522A85D6C1D}"/>
+          </ac:spMkLst>
+        </pc:spChg>
+        <pc:spChg chg="add del">
+          <ac:chgData name="Abhiroop Mukherjee" userId="5fbc6062963ca2c0" providerId="LiveId" clId="{BA04AB18-81BA-44F6-8A17-E30D392E2E82}" dt="2021-04-07T20:20:01.164" v="5975" actId="26606"/>
+          <ac:spMkLst>
+            <pc:docMk/>
+            <pc:sldMk cId="1262432482" sldId="287"/>
+            <ac:spMk id="187" creationId="{1E299956-A9E7-4FC1-A0B1-D590CA9730E8}"/>
+          </ac:spMkLst>
+        </pc:spChg>
+        <pc:spChg chg="add del">
+          <ac:chgData name="Abhiroop Mukherjee" userId="5fbc6062963ca2c0" providerId="LiveId" clId="{BA04AB18-81BA-44F6-8A17-E30D392E2E82}" dt="2021-04-07T20:20:01.164" v="5975" actId="26606"/>
+          <ac:spMkLst>
+            <pc:docMk/>
+            <pc:sldMk cId="1262432482" sldId="287"/>
+            <ac:spMk id="188" creationId="{17FC539C-B783-4B03-9F9E-D13430F3F64F}"/>
+          </ac:spMkLst>
+        </pc:spChg>
+        <pc:spChg chg="add del">
+          <ac:chgData name="Abhiroop Mukherjee" userId="5fbc6062963ca2c0" providerId="LiveId" clId="{BA04AB18-81BA-44F6-8A17-E30D392E2E82}" dt="2021-04-07T20:19:59.772" v="5972" actId="26606"/>
+          <ac:spMkLst>
+            <pc:docMk/>
+            <pc:sldMk cId="1262432482" sldId="287"/>
+            <ac:spMk id="193" creationId="{52ABB703-2B0E-4C3B-B4A2-F3973548E561}"/>
+          </ac:spMkLst>
+        </pc:spChg>
+        <pc:spChg chg="add del">
+          <ac:chgData name="Abhiroop Mukherjee" userId="5fbc6062963ca2c0" providerId="LiveId" clId="{BA04AB18-81BA-44F6-8A17-E30D392E2E82}" dt="2021-04-07T20:19:59.772" v="5972" actId="26606"/>
+          <ac:spMkLst>
+            <pc:docMk/>
+            <pc:sldMk cId="1262432482" sldId="287"/>
+            <ac:spMk id="197" creationId="{E95DA498-D9A2-4DA9-B9DA-B3776E08CF7E}"/>
+          </ac:spMkLst>
+        </pc:spChg>
+        <pc:spChg chg="add del">
+          <ac:chgData name="Abhiroop Mukherjee" userId="5fbc6062963ca2c0" providerId="LiveId" clId="{BA04AB18-81BA-44F6-8A17-E30D392E2E82}" dt="2021-04-07T20:19:59.772" v="5972" actId="26606"/>
+          <ac:spMkLst>
+            <pc:docMk/>
+            <pc:sldMk cId="1262432482" sldId="287"/>
+            <ac:spMk id="199" creationId="{82A73093-4B9D-420D-B17E-52293703A1D4}"/>
+          </ac:spMkLst>
+        </pc:spChg>
+        <pc:spChg chg="add del">
+          <ac:chgData name="Abhiroop Mukherjee" userId="5fbc6062963ca2c0" providerId="LiveId" clId="{BA04AB18-81BA-44F6-8A17-E30D392E2E82}" dt="2021-04-07T20:20:01.133" v="5974" actId="26606"/>
+          <ac:spMkLst>
+            <pc:docMk/>
+            <pc:sldMk cId="1262432482" sldId="287"/>
+            <ac:spMk id="201" creationId="{284B70D5-875B-433D-BDBD-1522A85D6C1D}"/>
+          </ac:spMkLst>
+        </pc:spChg>
+        <pc:spChg chg="add del">
+          <ac:chgData name="Abhiroop Mukherjee" userId="5fbc6062963ca2c0" providerId="LiveId" clId="{BA04AB18-81BA-44F6-8A17-E30D392E2E82}" dt="2021-04-07T20:20:01.133" v="5974" actId="26606"/>
+          <ac:spMkLst>
+            <pc:docMk/>
+            <pc:sldMk cId="1262432482" sldId="287"/>
+            <ac:spMk id="203" creationId="{1E299956-A9E7-4FC1-A0B1-D590CA9730E8}"/>
+          </ac:spMkLst>
+        </pc:spChg>
+        <pc:spChg chg="add del">
+          <ac:chgData name="Abhiroop Mukherjee" userId="5fbc6062963ca2c0" providerId="LiveId" clId="{BA04AB18-81BA-44F6-8A17-E30D392E2E82}" dt="2021-04-07T20:20:01.133" v="5974" actId="26606"/>
+          <ac:spMkLst>
+            <pc:docMk/>
+            <pc:sldMk cId="1262432482" sldId="287"/>
+            <ac:spMk id="204" creationId="{17FC539C-B783-4B03-9F9E-D13430F3F64F}"/>
+          </ac:spMkLst>
+        </pc:spChg>
+        <pc:spChg chg="add">
+          <ac:chgData name="Abhiroop Mukherjee" userId="5fbc6062963ca2c0" providerId="LiveId" clId="{BA04AB18-81BA-44F6-8A17-E30D392E2E82}" dt="2021-04-07T20:20:01.164" v="5975" actId="26606"/>
+          <ac:spMkLst>
+            <pc:docMk/>
+            <pc:sldMk cId="1262432482" sldId="287"/>
+            <ac:spMk id="206" creationId="{52ABB703-2B0E-4C3B-B4A2-F3973548E561}"/>
+          </ac:spMkLst>
+        </pc:spChg>
+        <pc:spChg chg="add">
+          <ac:chgData name="Abhiroop Mukherjee" userId="5fbc6062963ca2c0" providerId="LiveId" clId="{BA04AB18-81BA-44F6-8A17-E30D392E2E82}" dt="2021-04-07T20:20:01.164" v="5975" actId="26606"/>
+          <ac:spMkLst>
+            <pc:docMk/>
+            <pc:sldMk cId="1262432482" sldId="287"/>
+            <ac:spMk id="208" creationId="{E95DA498-D9A2-4DA9-B9DA-B3776E08CF7E}"/>
+          </ac:spMkLst>
+        </pc:spChg>
+        <pc:spChg chg="add">
+          <ac:chgData name="Abhiroop Mukherjee" userId="5fbc6062963ca2c0" providerId="LiveId" clId="{BA04AB18-81BA-44F6-8A17-E30D392E2E82}" dt="2021-04-07T20:20:01.164" v="5975" actId="26606"/>
+          <ac:spMkLst>
+            <pc:docMk/>
+            <pc:sldMk cId="1262432482" sldId="287"/>
+            <ac:spMk id="209" creationId="{82A73093-4B9D-420D-B17E-52293703A1D4}"/>
+          </ac:spMkLst>
+        </pc:spChg>
+        <pc:picChg chg="mod">
+          <ac:chgData name="Abhiroop Mukherjee" userId="5fbc6062963ca2c0" providerId="LiveId" clId="{BA04AB18-81BA-44F6-8A17-E30D392E2E82}" dt="2021-04-07T20:20:01.164" v="5975" actId="26606"/>
+          <ac:picMkLst>
+            <pc:docMk/>
+            <pc:sldMk cId="1262432482" sldId="287"/>
+            <ac:picMk id="5" creationId="{66ACF5EE-B012-4BDB-A31F-C5EBFB1ECF9F}"/>
+          </ac:picMkLst>
+        </pc:picChg>
+        <pc:cxnChg chg="add del">
+          <ac:chgData name="Abhiroop Mukherjee" userId="5fbc6062963ca2c0" providerId="LiveId" clId="{BA04AB18-81BA-44F6-8A17-E30D392E2E82}" dt="2021-04-07T20:20:01.164" v="5975" actId="26606"/>
+          <ac:cxnSpMkLst>
+            <pc:docMk/>
+            <pc:sldMk cId="1262432482" sldId="287"/>
+            <ac:cxnSpMk id="186" creationId="{C947DF4A-614C-4B4C-8B80-E5B9D8E8CFED}"/>
+          </ac:cxnSpMkLst>
+        </pc:cxnChg>
+        <pc:cxnChg chg="add del">
+          <ac:chgData name="Abhiroop Mukherjee" userId="5fbc6062963ca2c0" providerId="LiveId" clId="{BA04AB18-81BA-44F6-8A17-E30D392E2E82}" dt="2021-04-07T20:19:59.772" v="5972" actId="26606"/>
+          <ac:cxnSpMkLst>
+            <pc:docMk/>
+            <pc:sldMk cId="1262432482" sldId="287"/>
+            <ac:cxnSpMk id="195" creationId="{9C21570E-E159-49A6-9891-FA397B7A92D3}"/>
+          </ac:cxnSpMkLst>
+        </pc:cxnChg>
+        <pc:cxnChg chg="add del">
+          <ac:chgData name="Abhiroop Mukherjee" userId="5fbc6062963ca2c0" providerId="LiveId" clId="{BA04AB18-81BA-44F6-8A17-E30D392E2E82}" dt="2021-04-07T20:20:01.133" v="5974" actId="26606"/>
+          <ac:cxnSpMkLst>
+            <pc:docMk/>
+            <pc:sldMk cId="1262432482" sldId="287"/>
+            <ac:cxnSpMk id="202" creationId="{C947DF4A-614C-4B4C-8B80-E5B9D8E8CFED}"/>
+          </ac:cxnSpMkLst>
+        </pc:cxnChg>
+        <pc:cxnChg chg="add">
+          <ac:chgData name="Abhiroop Mukherjee" userId="5fbc6062963ca2c0" providerId="LiveId" clId="{BA04AB18-81BA-44F6-8A17-E30D392E2E82}" dt="2021-04-07T20:20:01.164" v="5975" actId="26606"/>
+          <ac:cxnSpMkLst>
+            <pc:docMk/>
+            <pc:sldMk cId="1262432482" sldId="287"/>
+            <ac:cxnSpMk id="207" creationId="{9C21570E-E159-49A6-9891-FA397B7A92D3}"/>
+          </ac:cxnSpMkLst>
+        </pc:cxnChg>
       </pc:sldChg>
       <pc:sldChg chg="addSp modSp new mod ord setBg addAnim">
         <pc:chgData name="Abhiroop Mukherjee" userId="5fbc6062963ca2c0" providerId="LiveId" clId="{BA04AB18-81BA-44F6-8A17-E30D392E2E82}" dt="2021-04-06T19:27:29.745" v="62" actId="20577"/>
@@ -3437,6 +3600,936 @@
             <ac:cxnSpMk id="144" creationId="{C947DF4A-614C-4B4C-8B80-E5B9D8E8CFED}"/>
           </ac:cxnSpMkLst>
         </pc:cxnChg>
+      </pc:sldChg>
+      <pc:sldChg chg="addSp delSp modSp add mod">
+        <pc:chgData name="Abhiroop Mukherjee" userId="5fbc6062963ca2c0" providerId="LiveId" clId="{BA04AB18-81BA-44F6-8A17-E30D392E2E82}" dt="2021-04-07T20:20:04.723" v="5976" actId="26606"/>
+        <pc:sldMkLst>
+          <pc:docMk/>
+          <pc:sldMk cId="723312773" sldId="317"/>
+        </pc:sldMkLst>
+        <pc:spChg chg="mod">
+          <ac:chgData name="Abhiroop Mukherjee" userId="5fbc6062963ca2c0" providerId="LiveId" clId="{BA04AB18-81BA-44F6-8A17-E30D392E2E82}" dt="2021-04-07T20:15:05.449" v="5227" actId="26606"/>
+          <ac:spMkLst>
+            <pc:docMk/>
+            <pc:sldMk cId="723312773" sldId="317"/>
+            <ac:spMk id="2" creationId="{0CF820E1-E514-4B58-98AB-89F302D91E31}"/>
+          </ac:spMkLst>
+        </pc:spChg>
+        <pc:spChg chg="mod">
+          <ac:chgData name="Abhiroop Mukherjee" userId="5fbc6062963ca2c0" providerId="LiveId" clId="{BA04AB18-81BA-44F6-8A17-E30D392E2E82}" dt="2021-04-07T20:15:05.449" v="5227" actId="26606"/>
+          <ac:spMkLst>
+            <pc:docMk/>
+            <pc:sldMk cId="723312773" sldId="317"/>
+            <ac:spMk id="9" creationId="{FB3ADEF1-B48E-4597-8478-E89F81BA647C}"/>
+          </ac:spMkLst>
+        </pc:spChg>
+        <pc:spChg chg="add">
+          <ac:chgData name="Abhiroop Mukherjee" userId="5fbc6062963ca2c0" providerId="LiveId" clId="{BA04AB18-81BA-44F6-8A17-E30D392E2E82}" dt="2021-04-07T20:20:04.723" v="5976" actId="26606"/>
+          <ac:spMkLst>
+            <pc:docMk/>
+            <pc:sldMk cId="723312773" sldId="317"/>
+            <ac:spMk id="76" creationId="{52ABB703-2B0E-4C3B-B4A2-F3973548E561}"/>
+          </ac:spMkLst>
+        </pc:spChg>
+        <pc:spChg chg="add">
+          <ac:chgData name="Abhiroop Mukherjee" userId="5fbc6062963ca2c0" providerId="LiveId" clId="{BA04AB18-81BA-44F6-8A17-E30D392E2E82}" dt="2021-04-07T20:20:04.723" v="5976" actId="26606"/>
+          <ac:spMkLst>
+            <pc:docMk/>
+            <pc:sldMk cId="723312773" sldId="317"/>
+            <ac:spMk id="80" creationId="{E95DA498-D9A2-4DA9-B9DA-B3776E08CF7E}"/>
+          </ac:spMkLst>
+        </pc:spChg>
+        <pc:spChg chg="add">
+          <ac:chgData name="Abhiroop Mukherjee" userId="5fbc6062963ca2c0" providerId="LiveId" clId="{BA04AB18-81BA-44F6-8A17-E30D392E2E82}" dt="2021-04-07T20:20:04.723" v="5976" actId="26606"/>
+          <ac:spMkLst>
+            <pc:docMk/>
+            <pc:sldMk cId="723312773" sldId="317"/>
+            <ac:spMk id="82" creationId="{82A73093-4B9D-420D-B17E-52293703A1D4}"/>
+          </ac:spMkLst>
+        </pc:spChg>
+        <pc:spChg chg="del">
+          <ac:chgData name="Abhiroop Mukherjee" userId="5fbc6062963ca2c0" providerId="LiveId" clId="{BA04AB18-81BA-44F6-8A17-E30D392E2E82}" dt="2021-04-07T20:15:05.449" v="5227" actId="26606"/>
+          <ac:spMkLst>
+            <pc:docMk/>
+            <pc:sldMk cId="723312773" sldId="317"/>
+            <ac:spMk id="185" creationId="{284B70D5-875B-433D-BDBD-1522A85D6C1D}"/>
+          </ac:spMkLst>
+        </pc:spChg>
+        <pc:spChg chg="del">
+          <ac:chgData name="Abhiroop Mukherjee" userId="5fbc6062963ca2c0" providerId="LiveId" clId="{BA04AB18-81BA-44F6-8A17-E30D392E2E82}" dt="2021-04-07T20:15:05.449" v="5227" actId="26606"/>
+          <ac:spMkLst>
+            <pc:docMk/>
+            <pc:sldMk cId="723312773" sldId="317"/>
+            <ac:spMk id="187" creationId="{1E299956-A9E7-4FC1-A0B1-D590CA9730E8}"/>
+          </ac:spMkLst>
+        </pc:spChg>
+        <pc:spChg chg="del">
+          <ac:chgData name="Abhiroop Mukherjee" userId="5fbc6062963ca2c0" providerId="LiveId" clId="{BA04AB18-81BA-44F6-8A17-E30D392E2E82}" dt="2021-04-07T20:15:05.449" v="5227" actId="26606"/>
+          <ac:spMkLst>
+            <pc:docMk/>
+            <pc:sldMk cId="723312773" sldId="317"/>
+            <ac:spMk id="188" creationId="{17FC539C-B783-4B03-9F9E-D13430F3F64F}"/>
+          </ac:spMkLst>
+        </pc:spChg>
+        <pc:spChg chg="add del">
+          <ac:chgData name="Abhiroop Mukherjee" userId="5fbc6062963ca2c0" providerId="LiveId" clId="{BA04AB18-81BA-44F6-8A17-E30D392E2E82}" dt="2021-04-07T20:20:04.723" v="5976" actId="26606"/>
+          <ac:spMkLst>
+            <pc:docMk/>
+            <pc:sldMk cId="723312773" sldId="317"/>
+            <ac:spMk id="193" creationId="{52ABB703-2B0E-4C3B-B4A2-F3973548E561}"/>
+          </ac:spMkLst>
+        </pc:spChg>
+        <pc:spChg chg="add del">
+          <ac:chgData name="Abhiroop Mukherjee" userId="5fbc6062963ca2c0" providerId="LiveId" clId="{BA04AB18-81BA-44F6-8A17-E30D392E2E82}" dt="2021-04-07T20:20:04.723" v="5976" actId="26606"/>
+          <ac:spMkLst>
+            <pc:docMk/>
+            <pc:sldMk cId="723312773" sldId="317"/>
+            <ac:spMk id="197" creationId="{E95DA498-D9A2-4DA9-B9DA-B3776E08CF7E}"/>
+          </ac:spMkLst>
+        </pc:spChg>
+        <pc:spChg chg="add del">
+          <ac:chgData name="Abhiroop Mukherjee" userId="5fbc6062963ca2c0" providerId="LiveId" clId="{BA04AB18-81BA-44F6-8A17-E30D392E2E82}" dt="2021-04-07T20:20:04.723" v="5976" actId="26606"/>
+          <ac:spMkLst>
+            <pc:docMk/>
+            <pc:sldMk cId="723312773" sldId="317"/>
+            <ac:spMk id="199" creationId="{82A73093-4B9D-420D-B17E-52293703A1D4}"/>
+          </ac:spMkLst>
+        </pc:spChg>
+        <pc:picChg chg="mod">
+          <ac:chgData name="Abhiroop Mukherjee" userId="5fbc6062963ca2c0" providerId="LiveId" clId="{BA04AB18-81BA-44F6-8A17-E30D392E2E82}" dt="2021-04-07T20:19:49.367" v="5969" actId="14826"/>
+          <ac:picMkLst>
+            <pc:docMk/>
+            <pc:sldMk cId="723312773" sldId="317"/>
+            <ac:picMk id="5" creationId="{66ACF5EE-B012-4BDB-A31F-C5EBFB1ECF9F}"/>
+          </ac:picMkLst>
+        </pc:picChg>
+        <pc:cxnChg chg="add">
+          <ac:chgData name="Abhiroop Mukherjee" userId="5fbc6062963ca2c0" providerId="LiveId" clId="{BA04AB18-81BA-44F6-8A17-E30D392E2E82}" dt="2021-04-07T20:20:04.723" v="5976" actId="26606"/>
+          <ac:cxnSpMkLst>
+            <pc:docMk/>
+            <pc:sldMk cId="723312773" sldId="317"/>
+            <ac:cxnSpMk id="78" creationId="{9C21570E-E159-49A6-9891-FA397B7A92D3}"/>
+          </ac:cxnSpMkLst>
+        </pc:cxnChg>
+        <pc:cxnChg chg="del">
+          <ac:chgData name="Abhiroop Mukherjee" userId="5fbc6062963ca2c0" providerId="LiveId" clId="{BA04AB18-81BA-44F6-8A17-E30D392E2E82}" dt="2021-04-07T20:15:05.449" v="5227" actId="26606"/>
+          <ac:cxnSpMkLst>
+            <pc:docMk/>
+            <pc:sldMk cId="723312773" sldId="317"/>
+            <ac:cxnSpMk id="186" creationId="{C947DF4A-614C-4B4C-8B80-E5B9D8E8CFED}"/>
+          </ac:cxnSpMkLst>
+        </pc:cxnChg>
+        <pc:cxnChg chg="add del">
+          <ac:chgData name="Abhiroop Mukherjee" userId="5fbc6062963ca2c0" providerId="LiveId" clId="{BA04AB18-81BA-44F6-8A17-E30D392E2E82}" dt="2021-04-07T20:20:04.723" v="5976" actId="26606"/>
+          <ac:cxnSpMkLst>
+            <pc:docMk/>
+            <pc:sldMk cId="723312773" sldId="317"/>
+            <ac:cxnSpMk id="195" creationId="{9C21570E-E159-49A6-9891-FA397B7A92D3}"/>
+          </ac:cxnSpMkLst>
+        </pc:cxnChg>
+      </pc:sldChg>
+      <pc:sldChg chg="addSp delSp modSp add mod">
+        <pc:chgData name="Abhiroop Mukherjee" userId="5fbc6062963ca2c0" providerId="LiveId" clId="{BA04AB18-81BA-44F6-8A17-E30D392E2E82}" dt="2021-04-07T20:20:07.680" v="5977" actId="26606"/>
+        <pc:sldMkLst>
+          <pc:docMk/>
+          <pc:sldMk cId="249877674" sldId="318"/>
+        </pc:sldMkLst>
+        <pc:spChg chg="mod">
+          <ac:chgData name="Abhiroop Mukherjee" userId="5fbc6062963ca2c0" providerId="LiveId" clId="{BA04AB18-81BA-44F6-8A17-E30D392E2E82}" dt="2021-04-07T20:15:18.148" v="5245" actId="20577"/>
+          <ac:spMkLst>
+            <pc:docMk/>
+            <pc:sldMk cId="249877674" sldId="318"/>
+            <ac:spMk id="2" creationId="{0CF820E1-E514-4B58-98AB-89F302D91E31}"/>
+          </ac:spMkLst>
+        </pc:spChg>
+        <pc:spChg chg="mod">
+          <ac:chgData name="Abhiroop Mukherjee" userId="5fbc6062963ca2c0" providerId="LiveId" clId="{BA04AB18-81BA-44F6-8A17-E30D392E2E82}" dt="2021-04-07T20:19:12.910" v="5951" actId="33524"/>
+          <ac:spMkLst>
+            <pc:docMk/>
+            <pc:sldMk cId="249877674" sldId="318"/>
+            <ac:spMk id="9" creationId="{FB3ADEF1-B48E-4597-8478-E89F81BA647C}"/>
+          </ac:spMkLst>
+        </pc:spChg>
+        <pc:spChg chg="add del">
+          <ac:chgData name="Abhiroop Mukherjee" userId="5fbc6062963ca2c0" providerId="LiveId" clId="{BA04AB18-81BA-44F6-8A17-E30D392E2E82}" dt="2021-04-07T20:20:07.680" v="5977" actId="26606"/>
+          <ac:spMkLst>
+            <pc:docMk/>
+            <pc:sldMk cId="249877674" sldId="318"/>
+            <ac:spMk id="76" creationId="{52ABB703-2B0E-4C3B-B4A2-F3973548E561}"/>
+          </ac:spMkLst>
+        </pc:spChg>
+        <pc:spChg chg="add del">
+          <ac:chgData name="Abhiroop Mukherjee" userId="5fbc6062963ca2c0" providerId="LiveId" clId="{BA04AB18-81BA-44F6-8A17-E30D392E2E82}" dt="2021-04-07T20:20:07.680" v="5977" actId="26606"/>
+          <ac:spMkLst>
+            <pc:docMk/>
+            <pc:sldMk cId="249877674" sldId="318"/>
+            <ac:spMk id="80" creationId="{E95DA498-D9A2-4DA9-B9DA-B3776E08CF7E}"/>
+          </ac:spMkLst>
+        </pc:spChg>
+        <pc:spChg chg="add del">
+          <ac:chgData name="Abhiroop Mukherjee" userId="5fbc6062963ca2c0" providerId="LiveId" clId="{BA04AB18-81BA-44F6-8A17-E30D392E2E82}" dt="2021-04-07T20:20:07.680" v="5977" actId="26606"/>
+          <ac:spMkLst>
+            <pc:docMk/>
+            <pc:sldMk cId="249877674" sldId="318"/>
+            <ac:spMk id="82" creationId="{82A73093-4B9D-420D-B17E-52293703A1D4}"/>
+          </ac:spMkLst>
+        </pc:spChg>
+        <pc:spChg chg="add">
+          <ac:chgData name="Abhiroop Mukherjee" userId="5fbc6062963ca2c0" providerId="LiveId" clId="{BA04AB18-81BA-44F6-8A17-E30D392E2E82}" dt="2021-04-07T20:20:07.680" v="5977" actId="26606"/>
+          <ac:spMkLst>
+            <pc:docMk/>
+            <pc:sldMk cId="249877674" sldId="318"/>
+            <ac:spMk id="87" creationId="{52ABB703-2B0E-4C3B-B4A2-F3973548E561}"/>
+          </ac:spMkLst>
+        </pc:spChg>
+        <pc:spChg chg="add">
+          <ac:chgData name="Abhiroop Mukherjee" userId="5fbc6062963ca2c0" providerId="LiveId" clId="{BA04AB18-81BA-44F6-8A17-E30D392E2E82}" dt="2021-04-07T20:20:07.680" v="5977" actId="26606"/>
+          <ac:spMkLst>
+            <pc:docMk/>
+            <pc:sldMk cId="249877674" sldId="318"/>
+            <ac:spMk id="91" creationId="{E95DA498-D9A2-4DA9-B9DA-B3776E08CF7E}"/>
+          </ac:spMkLst>
+        </pc:spChg>
+        <pc:spChg chg="add">
+          <ac:chgData name="Abhiroop Mukherjee" userId="5fbc6062963ca2c0" providerId="LiveId" clId="{BA04AB18-81BA-44F6-8A17-E30D392E2E82}" dt="2021-04-07T20:20:07.680" v="5977" actId="26606"/>
+          <ac:spMkLst>
+            <pc:docMk/>
+            <pc:sldMk cId="249877674" sldId="318"/>
+            <ac:spMk id="93" creationId="{82A73093-4B9D-420D-B17E-52293703A1D4}"/>
+          </ac:spMkLst>
+        </pc:spChg>
+        <pc:spChg chg="del">
+          <ac:chgData name="Abhiroop Mukherjee" userId="5fbc6062963ca2c0" providerId="LiveId" clId="{BA04AB18-81BA-44F6-8A17-E30D392E2E82}" dt="2021-04-07T20:19:15.627" v="5952" actId="26606"/>
+          <ac:spMkLst>
+            <pc:docMk/>
+            <pc:sldMk cId="249877674" sldId="318"/>
+            <ac:spMk id="193" creationId="{52ABB703-2B0E-4C3B-B4A2-F3973548E561}"/>
+          </ac:spMkLst>
+        </pc:spChg>
+        <pc:spChg chg="del">
+          <ac:chgData name="Abhiroop Mukherjee" userId="5fbc6062963ca2c0" providerId="LiveId" clId="{BA04AB18-81BA-44F6-8A17-E30D392E2E82}" dt="2021-04-07T20:19:15.627" v="5952" actId="26606"/>
+          <ac:spMkLst>
+            <pc:docMk/>
+            <pc:sldMk cId="249877674" sldId="318"/>
+            <ac:spMk id="197" creationId="{E95DA498-D9A2-4DA9-B9DA-B3776E08CF7E}"/>
+          </ac:spMkLst>
+        </pc:spChg>
+        <pc:spChg chg="del">
+          <ac:chgData name="Abhiroop Mukherjee" userId="5fbc6062963ca2c0" providerId="LiveId" clId="{BA04AB18-81BA-44F6-8A17-E30D392E2E82}" dt="2021-04-07T20:19:15.627" v="5952" actId="26606"/>
+          <ac:spMkLst>
+            <pc:docMk/>
+            <pc:sldMk cId="249877674" sldId="318"/>
+            <ac:spMk id="199" creationId="{82A73093-4B9D-420D-B17E-52293703A1D4}"/>
+          </ac:spMkLst>
+        </pc:spChg>
+        <pc:picChg chg="mod">
+          <ac:chgData name="Abhiroop Mukherjee" userId="5fbc6062963ca2c0" providerId="LiveId" clId="{BA04AB18-81BA-44F6-8A17-E30D392E2E82}" dt="2021-04-07T20:19:44.708" v="5968" actId="14826"/>
+          <ac:picMkLst>
+            <pc:docMk/>
+            <pc:sldMk cId="249877674" sldId="318"/>
+            <ac:picMk id="5" creationId="{66ACF5EE-B012-4BDB-A31F-C5EBFB1ECF9F}"/>
+          </ac:picMkLst>
+        </pc:picChg>
+        <pc:cxnChg chg="add del">
+          <ac:chgData name="Abhiroop Mukherjee" userId="5fbc6062963ca2c0" providerId="LiveId" clId="{BA04AB18-81BA-44F6-8A17-E30D392E2E82}" dt="2021-04-07T20:20:07.680" v="5977" actId="26606"/>
+          <ac:cxnSpMkLst>
+            <pc:docMk/>
+            <pc:sldMk cId="249877674" sldId="318"/>
+            <ac:cxnSpMk id="78" creationId="{9C21570E-E159-49A6-9891-FA397B7A92D3}"/>
+          </ac:cxnSpMkLst>
+        </pc:cxnChg>
+        <pc:cxnChg chg="add">
+          <ac:chgData name="Abhiroop Mukherjee" userId="5fbc6062963ca2c0" providerId="LiveId" clId="{BA04AB18-81BA-44F6-8A17-E30D392E2E82}" dt="2021-04-07T20:20:07.680" v="5977" actId="26606"/>
+          <ac:cxnSpMkLst>
+            <pc:docMk/>
+            <pc:sldMk cId="249877674" sldId="318"/>
+            <ac:cxnSpMk id="89" creationId="{9C21570E-E159-49A6-9891-FA397B7A92D3}"/>
+          </ac:cxnSpMkLst>
+        </pc:cxnChg>
+        <pc:cxnChg chg="del">
+          <ac:chgData name="Abhiroop Mukherjee" userId="5fbc6062963ca2c0" providerId="LiveId" clId="{BA04AB18-81BA-44F6-8A17-E30D392E2E82}" dt="2021-04-07T20:19:15.627" v="5952" actId="26606"/>
+          <ac:cxnSpMkLst>
+            <pc:docMk/>
+            <pc:sldMk cId="249877674" sldId="318"/>
+            <ac:cxnSpMk id="195" creationId="{9C21570E-E159-49A6-9891-FA397B7A92D3}"/>
+          </ac:cxnSpMkLst>
+        </pc:cxnChg>
+      </pc:sldChg>
+      <pc:sldChg chg="addSp delSp modSp add del mod">
+        <pc:chgData name="Abhiroop Mukherjee" userId="5fbc6062963ca2c0" providerId="LiveId" clId="{BA04AB18-81BA-44F6-8A17-E30D392E2E82}" dt="2021-04-07T20:22:08.172" v="6199" actId="47"/>
+        <pc:sldMkLst>
+          <pc:docMk/>
+          <pc:sldMk cId="284166941" sldId="319"/>
+        </pc:sldMkLst>
+        <pc:spChg chg="mod">
+          <ac:chgData name="Abhiroop Mukherjee" userId="5fbc6062963ca2c0" providerId="LiveId" clId="{BA04AB18-81BA-44F6-8A17-E30D392E2E82}" dt="2021-04-07T20:22:00.048" v="6198" actId="20577"/>
+          <ac:spMkLst>
+            <pc:docMk/>
+            <pc:sldMk cId="284166941" sldId="319"/>
+            <ac:spMk id="2" creationId="{0CF820E1-E514-4B58-98AB-89F302D91E31}"/>
+          </ac:spMkLst>
+        </pc:spChg>
+        <pc:spChg chg="del mod">
+          <ac:chgData name="Abhiroop Mukherjee" userId="5fbc6062963ca2c0" providerId="LiveId" clId="{BA04AB18-81BA-44F6-8A17-E30D392E2E82}" dt="2021-04-07T20:21:00.682" v="6175"/>
+          <ac:spMkLst>
+            <pc:docMk/>
+            <pc:sldMk cId="284166941" sldId="319"/>
+            <ac:spMk id="9" creationId="{FB3ADEF1-B48E-4597-8478-E89F81BA647C}"/>
+          </ac:spMkLst>
+        </pc:spChg>
+        <pc:spChg chg="del">
+          <ac:chgData name="Abhiroop Mukherjee" userId="5fbc6062963ca2c0" providerId="LiveId" clId="{BA04AB18-81BA-44F6-8A17-E30D392E2E82}" dt="2021-04-07T20:21:07.406" v="6179" actId="26606"/>
+          <ac:spMkLst>
+            <pc:docMk/>
+            <pc:sldMk cId="284166941" sldId="319"/>
+            <ac:spMk id="76" creationId="{52ABB703-2B0E-4C3B-B4A2-F3973548E561}"/>
+          </ac:spMkLst>
+        </pc:spChg>
+        <pc:spChg chg="add">
+          <ac:chgData name="Abhiroop Mukherjee" userId="5fbc6062963ca2c0" providerId="LiveId" clId="{BA04AB18-81BA-44F6-8A17-E30D392E2E82}" dt="2021-04-07T20:21:57.151" v="6197" actId="26606"/>
+          <ac:spMkLst>
+            <pc:docMk/>
+            <pc:sldMk cId="284166941" sldId="319"/>
+            <ac:spMk id="79" creationId="{3F87243A-F810-42AD-AA74-3FA38B1D8A8F}"/>
+          </ac:spMkLst>
+        </pc:spChg>
+        <pc:spChg chg="del">
+          <ac:chgData name="Abhiroop Mukherjee" userId="5fbc6062963ca2c0" providerId="LiveId" clId="{BA04AB18-81BA-44F6-8A17-E30D392E2E82}" dt="2021-04-07T20:21:07.406" v="6179" actId="26606"/>
+          <ac:spMkLst>
+            <pc:docMk/>
+            <pc:sldMk cId="284166941" sldId="319"/>
+            <ac:spMk id="80" creationId="{E95DA498-D9A2-4DA9-B9DA-B3776E08CF7E}"/>
+          </ac:spMkLst>
+        </pc:spChg>
+        <pc:spChg chg="add">
+          <ac:chgData name="Abhiroop Mukherjee" userId="5fbc6062963ca2c0" providerId="LiveId" clId="{BA04AB18-81BA-44F6-8A17-E30D392E2E82}" dt="2021-04-07T20:21:57.151" v="6197" actId="26606"/>
+          <ac:spMkLst>
+            <pc:docMk/>
+            <pc:sldMk cId="284166941" sldId="319"/>
+            <ac:spMk id="81" creationId="{E4710C0A-057C-4274-BA2D-001F1025E83E}"/>
+          </ac:spMkLst>
+        </pc:spChg>
+        <pc:spChg chg="del">
+          <ac:chgData name="Abhiroop Mukherjee" userId="5fbc6062963ca2c0" providerId="LiveId" clId="{BA04AB18-81BA-44F6-8A17-E30D392E2E82}" dt="2021-04-07T20:21:07.406" v="6179" actId="26606"/>
+          <ac:spMkLst>
+            <pc:docMk/>
+            <pc:sldMk cId="284166941" sldId="319"/>
+            <ac:spMk id="82" creationId="{82A73093-4B9D-420D-B17E-52293703A1D4}"/>
+          </ac:spMkLst>
+        </pc:spChg>
+        <pc:spChg chg="add">
+          <ac:chgData name="Abhiroop Mukherjee" userId="5fbc6062963ca2c0" providerId="LiveId" clId="{BA04AB18-81BA-44F6-8A17-E30D392E2E82}" dt="2021-04-07T20:21:57.151" v="6197" actId="26606"/>
+          <ac:spMkLst>
+            <pc:docMk/>
+            <pc:sldMk cId="284166941" sldId="319"/>
+            <ac:spMk id="85" creationId="{7527CA15-1C7B-4C0C-86EE-385C1D6C98C0}"/>
+          </ac:spMkLst>
+        </pc:spChg>
+        <pc:spChg chg="add del">
+          <ac:chgData name="Abhiroop Mukherjee" userId="5fbc6062963ca2c0" providerId="LiveId" clId="{BA04AB18-81BA-44F6-8A17-E30D392E2E82}" dt="2021-04-07T20:21:40.097" v="6196" actId="26606"/>
+          <ac:spMkLst>
+            <pc:docMk/>
+            <pc:sldMk cId="284166941" sldId="319"/>
+            <ac:spMk id="87" creationId="{3F87243A-F810-42AD-AA74-3FA38B1D8A8F}"/>
+          </ac:spMkLst>
+        </pc:spChg>
+        <pc:spChg chg="add del">
+          <ac:chgData name="Abhiroop Mukherjee" userId="5fbc6062963ca2c0" providerId="LiveId" clId="{BA04AB18-81BA-44F6-8A17-E30D392E2E82}" dt="2021-04-07T20:21:40.097" v="6196" actId="26606"/>
+          <ac:spMkLst>
+            <pc:docMk/>
+            <pc:sldMk cId="284166941" sldId="319"/>
+            <ac:spMk id="89" creationId="{E4710C0A-057C-4274-BA2D-001F1025E83E}"/>
+          </ac:spMkLst>
+        </pc:spChg>
+        <pc:spChg chg="add del">
+          <ac:chgData name="Abhiroop Mukherjee" userId="5fbc6062963ca2c0" providerId="LiveId" clId="{BA04AB18-81BA-44F6-8A17-E30D392E2E82}" dt="2021-04-07T20:21:40.097" v="6196" actId="26606"/>
+          <ac:spMkLst>
+            <pc:docMk/>
+            <pc:sldMk cId="284166941" sldId="319"/>
+            <ac:spMk id="93" creationId="{401AB748-B9E7-4AEC-AAB9-0EABDE63F84B}"/>
+          </ac:spMkLst>
+        </pc:spChg>
+        <pc:spChg chg="add del">
+          <ac:chgData name="Abhiroop Mukherjee" userId="5fbc6062963ca2c0" providerId="LiveId" clId="{BA04AB18-81BA-44F6-8A17-E30D392E2E82}" dt="2021-04-07T20:21:40.097" v="6196" actId="26606"/>
+          <ac:spMkLst>
+            <pc:docMk/>
+            <pc:sldMk cId="284166941" sldId="319"/>
+            <ac:spMk id="95" creationId="{E0954B38-9C23-4C8B-AC5D-0E80CEA3BD48}"/>
+          </ac:spMkLst>
+        </pc:spChg>
+        <pc:spChg chg="add del">
+          <ac:chgData name="Abhiroop Mukherjee" userId="5fbc6062963ca2c0" providerId="LiveId" clId="{BA04AB18-81BA-44F6-8A17-E30D392E2E82}" dt="2021-04-07T20:21:40.097" v="6196" actId="26606"/>
+          <ac:spMkLst>
+            <pc:docMk/>
+            <pc:sldMk cId="284166941" sldId="319"/>
+            <ac:spMk id="97" creationId="{791376A8-6B7C-49D5-B3B0-B1D81BC15C2C}"/>
+          </ac:spMkLst>
+        </pc:spChg>
+        <pc:spChg chg="add del">
+          <ac:chgData name="Abhiroop Mukherjee" userId="5fbc6062963ca2c0" providerId="LiveId" clId="{BA04AB18-81BA-44F6-8A17-E30D392E2E82}" dt="2021-04-07T20:21:40.097" v="6196" actId="26606"/>
+          <ac:spMkLst>
+            <pc:docMk/>
+            <pc:sldMk cId="284166941" sldId="319"/>
+            <ac:spMk id="101" creationId="{3B0D8F16-5F3B-465F-9D06-983E2E8267E5}"/>
+          </ac:spMkLst>
+        </pc:spChg>
+        <pc:spChg chg="add del">
+          <ac:chgData name="Abhiroop Mukherjee" userId="5fbc6062963ca2c0" providerId="LiveId" clId="{BA04AB18-81BA-44F6-8A17-E30D392E2E82}" dt="2021-04-07T20:21:40.097" v="6196" actId="26606"/>
+          <ac:spMkLst>
+            <pc:docMk/>
+            <pc:sldMk cId="284166941" sldId="319"/>
+            <ac:spMk id="103" creationId="{5DED356E-7923-4393-BAEA-0116D9D7635D}"/>
+          </ac:spMkLst>
+        </pc:spChg>
+        <pc:spChg chg="add del">
+          <ac:chgData name="Abhiroop Mukherjee" userId="5fbc6062963ca2c0" providerId="LiveId" clId="{BA04AB18-81BA-44F6-8A17-E30D392E2E82}" dt="2021-04-07T20:21:40.082" v="6195" actId="26606"/>
+          <ac:spMkLst>
+            <pc:docMk/>
+            <pc:sldMk cId="284166941" sldId="319"/>
+            <ac:spMk id="107" creationId="{28B12BE3-B5CE-4459-919E-A3851AA02859}"/>
+          </ac:spMkLst>
+        </pc:spChg>
+        <pc:spChg chg="add del">
+          <ac:chgData name="Abhiroop Mukherjee" userId="5fbc6062963ca2c0" providerId="LiveId" clId="{BA04AB18-81BA-44F6-8A17-E30D392E2E82}" dt="2021-04-07T20:21:34.956" v="6193" actId="26606"/>
+          <ac:spMkLst>
+            <pc:docMk/>
+            <pc:sldMk cId="284166941" sldId="319"/>
+            <ac:spMk id="108" creationId="{3F87243A-F810-42AD-AA74-3FA38B1D8A8F}"/>
+          </ac:spMkLst>
+        </pc:spChg>
+        <pc:spChg chg="add del">
+          <ac:chgData name="Abhiroop Mukherjee" userId="5fbc6062963ca2c0" providerId="LiveId" clId="{BA04AB18-81BA-44F6-8A17-E30D392E2E82}" dt="2021-04-07T20:21:34.956" v="6193" actId="26606"/>
+          <ac:spMkLst>
+            <pc:docMk/>
+            <pc:sldMk cId="284166941" sldId="319"/>
+            <ac:spMk id="110" creationId="{E4710C0A-057C-4274-BA2D-001F1025E83E}"/>
+          </ac:spMkLst>
+        </pc:spChg>
+        <pc:spChg chg="add del">
+          <ac:chgData name="Abhiroop Mukherjee" userId="5fbc6062963ca2c0" providerId="LiveId" clId="{BA04AB18-81BA-44F6-8A17-E30D392E2E82}" dt="2021-04-07T20:21:34.956" v="6193" actId="26606"/>
+          <ac:spMkLst>
+            <pc:docMk/>
+            <pc:sldMk cId="284166941" sldId="319"/>
+            <ac:spMk id="114" creationId="{7527CA15-1C7B-4C0C-86EE-385C1D6C98C0}"/>
+          </ac:spMkLst>
+        </pc:spChg>
+        <pc:spChg chg="add del">
+          <ac:chgData name="Abhiroop Mukherjee" userId="5fbc6062963ca2c0" providerId="LiveId" clId="{BA04AB18-81BA-44F6-8A17-E30D392E2E82}" dt="2021-04-07T20:21:34.956" v="6193" actId="26606"/>
+          <ac:spMkLst>
+            <pc:docMk/>
+            <pc:sldMk cId="284166941" sldId="319"/>
+            <ac:spMk id="116" creationId="{ED643915-9209-40AB-8194-9D9125C0A3F3}"/>
+          </ac:spMkLst>
+        </pc:spChg>
+        <pc:spChg chg="add del">
+          <ac:chgData name="Abhiroop Mukherjee" userId="5fbc6062963ca2c0" providerId="LiveId" clId="{BA04AB18-81BA-44F6-8A17-E30D392E2E82}" dt="2021-04-07T20:21:34.956" v="6193" actId="26606"/>
+          <ac:spMkLst>
+            <pc:docMk/>
+            <pc:sldMk cId="284166941" sldId="319"/>
+            <ac:spMk id="118" creationId="{8A54198A-4950-48AB-BDD3-16D7F9084A50}"/>
+          </ac:spMkLst>
+        </pc:spChg>
+        <pc:spChg chg="add del">
+          <ac:chgData name="Abhiroop Mukherjee" userId="5fbc6062963ca2c0" providerId="LiveId" clId="{BA04AB18-81BA-44F6-8A17-E30D392E2E82}" dt="2021-04-07T20:21:34.956" v="6193" actId="26606"/>
+          <ac:spMkLst>
+            <pc:docMk/>
+            <pc:sldMk cId="284166941" sldId="319"/>
+            <ac:spMk id="120" creationId="{30F05B05-D1D0-4D96-A6C6-E0095E789EF8}"/>
+          </ac:spMkLst>
+        </pc:spChg>
+        <pc:spChg chg="add del">
+          <ac:chgData name="Abhiroop Mukherjee" userId="5fbc6062963ca2c0" providerId="LiveId" clId="{BA04AB18-81BA-44F6-8A17-E30D392E2E82}" dt="2021-04-07T20:21:34.956" v="6193" actId="26606"/>
+          <ac:spMkLst>
+            <pc:docMk/>
+            <pc:sldMk cId="284166941" sldId="319"/>
+            <ac:spMk id="122" creationId="{6561554E-8EEC-420C-93A0-4E77A8A0EB7B}"/>
+          </ac:spMkLst>
+        </pc:spChg>
+        <pc:spChg chg="add del">
+          <ac:chgData name="Abhiroop Mukherjee" userId="5fbc6062963ca2c0" providerId="LiveId" clId="{BA04AB18-81BA-44F6-8A17-E30D392E2E82}" dt="2021-04-07T20:21:40.082" v="6195" actId="26606"/>
+          <ac:spMkLst>
+            <pc:docMk/>
+            <pc:sldMk cId="284166941" sldId="319"/>
+            <ac:spMk id="124" creationId="{2EB56A1A-8685-45C8-A64C-D5045ACB42B0}"/>
+          </ac:spMkLst>
+        </pc:spChg>
+        <pc:spChg chg="add del">
+          <ac:chgData name="Abhiroop Mukherjee" userId="5fbc6062963ca2c0" providerId="LiveId" clId="{BA04AB18-81BA-44F6-8A17-E30D392E2E82}" dt="2021-04-07T20:21:40.082" v="6195" actId="26606"/>
+          <ac:spMkLst>
+            <pc:docMk/>
+            <pc:sldMk cId="284166941" sldId="319"/>
+            <ac:spMk id="125" creationId="{79DF55E6-8C71-4381-81E4-31D3EBC96DFC}"/>
+          </ac:spMkLst>
+        </pc:spChg>
+        <pc:spChg chg="add del">
+          <ac:chgData name="Abhiroop Mukherjee" userId="5fbc6062963ca2c0" providerId="LiveId" clId="{BA04AB18-81BA-44F6-8A17-E30D392E2E82}" dt="2021-04-07T20:21:40.082" v="6195" actId="26606"/>
+          <ac:spMkLst>
+            <pc:docMk/>
+            <pc:sldMk cId="284166941" sldId="319"/>
+            <ac:spMk id="127" creationId="{19DE44C1-A00E-40B3-B723-D1199BD4EB72}"/>
+          </ac:spMkLst>
+        </pc:spChg>
+        <pc:spChg chg="add del">
+          <ac:chgData name="Abhiroop Mukherjee" userId="5fbc6062963ca2c0" providerId="LiveId" clId="{BA04AB18-81BA-44F6-8A17-E30D392E2E82}" dt="2021-04-07T20:21:40.082" v="6195" actId="26606"/>
+          <ac:spMkLst>
+            <pc:docMk/>
+            <pc:sldMk cId="284166941" sldId="319"/>
+            <ac:spMk id="128" creationId="{5DD14EB9-7D82-468B-B45D-876BE90A5EAF}"/>
+          </ac:spMkLst>
+        </pc:spChg>
+        <pc:spChg chg="add del">
+          <ac:chgData name="Abhiroop Mukherjee" userId="5fbc6062963ca2c0" providerId="LiveId" clId="{BA04AB18-81BA-44F6-8A17-E30D392E2E82}" dt="2021-04-07T20:21:40.082" v="6195" actId="26606"/>
+          <ac:spMkLst>
+            <pc:docMk/>
+            <pc:sldMk cId="284166941" sldId="319"/>
+            <ac:spMk id="129" creationId="{88302865-9184-47F8-9D42-09980A3E5D1C}"/>
+          </ac:spMkLst>
+        </pc:spChg>
+        <pc:spChg chg="add del">
+          <ac:chgData name="Abhiroop Mukherjee" userId="5fbc6062963ca2c0" providerId="LiveId" clId="{BA04AB18-81BA-44F6-8A17-E30D392E2E82}" dt="2021-04-07T20:21:57.151" v="6197" actId="26606"/>
+          <ac:spMkLst>
+            <pc:docMk/>
+            <pc:sldMk cId="284166941" sldId="319"/>
+            <ac:spMk id="131" creationId="{3F87243A-F810-42AD-AA74-3FA38B1D8A8F}"/>
+          </ac:spMkLst>
+        </pc:spChg>
+        <pc:spChg chg="add del">
+          <ac:chgData name="Abhiroop Mukherjee" userId="5fbc6062963ca2c0" providerId="LiveId" clId="{BA04AB18-81BA-44F6-8A17-E30D392E2E82}" dt="2021-04-07T20:21:57.151" v="6197" actId="26606"/>
+          <ac:spMkLst>
+            <pc:docMk/>
+            <pc:sldMk cId="284166941" sldId="319"/>
+            <ac:spMk id="132" creationId="{E4710C0A-057C-4274-BA2D-001F1025E83E}"/>
+          </ac:spMkLst>
+        </pc:spChg>
+        <pc:spChg chg="add del">
+          <ac:chgData name="Abhiroop Mukherjee" userId="5fbc6062963ca2c0" providerId="LiveId" clId="{BA04AB18-81BA-44F6-8A17-E30D392E2E82}" dt="2021-04-07T20:21:57.151" v="6197" actId="26606"/>
+          <ac:spMkLst>
+            <pc:docMk/>
+            <pc:sldMk cId="284166941" sldId="319"/>
+            <ac:spMk id="134" creationId="{7527CA15-1C7B-4C0C-86EE-385C1D6C98C0}"/>
+          </ac:spMkLst>
+        </pc:spChg>
+        <pc:spChg chg="add del">
+          <ac:chgData name="Abhiroop Mukherjee" userId="5fbc6062963ca2c0" providerId="LiveId" clId="{BA04AB18-81BA-44F6-8A17-E30D392E2E82}" dt="2021-04-07T20:21:57.151" v="6197" actId="26606"/>
+          <ac:spMkLst>
+            <pc:docMk/>
+            <pc:sldMk cId="284166941" sldId="319"/>
+            <ac:spMk id="135" creationId="{ED643915-9209-40AB-8194-9D9125C0A3F3}"/>
+          </ac:spMkLst>
+        </pc:spChg>
+        <pc:spChg chg="add del">
+          <ac:chgData name="Abhiroop Mukherjee" userId="5fbc6062963ca2c0" providerId="LiveId" clId="{BA04AB18-81BA-44F6-8A17-E30D392E2E82}" dt="2021-04-07T20:21:57.151" v="6197" actId="26606"/>
+          <ac:spMkLst>
+            <pc:docMk/>
+            <pc:sldMk cId="284166941" sldId="319"/>
+            <ac:spMk id="136" creationId="{8A54198A-4950-48AB-BDD3-16D7F9084A50}"/>
+          </ac:spMkLst>
+        </pc:spChg>
+        <pc:spChg chg="add del">
+          <ac:chgData name="Abhiroop Mukherjee" userId="5fbc6062963ca2c0" providerId="LiveId" clId="{BA04AB18-81BA-44F6-8A17-E30D392E2E82}" dt="2021-04-07T20:21:57.151" v="6197" actId="26606"/>
+          <ac:spMkLst>
+            <pc:docMk/>
+            <pc:sldMk cId="284166941" sldId="319"/>
+            <ac:spMk id="137" creationId="{30F05B05-D1D0-4D96-A6C6-E0095E789EF8}"/>
+          </ac:spMkLst>
+        </pc:spChg>
+        <pc:spChg chg="add del">
+          <ac:chgData name="Abhiroop Mukherjee" userId="5fbc6062963ca2c0" providerId="LiveId" clId="{BA04AB18-81BA-44F6-8A17-E30D392E2E82}" dt="2021-04-07T20:21:57.151" v="6197" actId="26606"/>
+          <ac:spMkLst>
+            <pc:docMk/>
+            <pc:sldMk cId="284166941" sldId="319"/>
+            <ac:spMk id="138" creationId="{6561554E-8EEC-420C-93A0-4E77A8A0EB7B}"/>
+          </ac:spMkLst>
+        </pc:spChg>
+        <pc:spChg chg="add">
+          <ac:chgData name="Abhiroop Mukherjee" userId="5fbc6062963ca2c0" providerId="LiveId" clId="{BA04AB18-81BA-44F6-8A17-E30D392E2E82}" dt="2021-04-07T20:21:57.151" v="6197" actId="26606"/>
+          <ac:spMkLst>
+            <pc:docMk/>
+            <pc:sldMk cId="284166941" sldId="319"/>
+            <ac:spMk id="140" creationId="{ED643915-9209-40AB-8194-9D9125C0A3F3}"/>
+          </ac:spMkLst>
+        </pc:spChg>
+        <pc:spChg chg="add">
+          <ac:chgData name="Abhiroop Mukherjee" userId="5fbc6062963ca2c0" providerId="LiveId" clId="{BA04AB18-81BA-44F6-8A17-E30D392E2E82}" dt="2021-04-07T20:21:57.151" v="6197" actId="26606"/>
+          <ac:spMkLst>
+            <pc:docMk/>
+            <pc:sldMk cId="284166941" sldId="319"/>
+            <ac:spMk id="141" creationId="{8A54198A-4950-48AB-BDD3-16D7F9084A50}"/>
+          </ac:spMkLst>
+        </pc:spChg>
+        <pc:spChg chg="add">
+          <ac:chgData name="Abhiroop Mukherjee" userId="5fbc6062963ca2c0" providerId="LiveId" clId="{BA04AB18-81BA-44F6-8A17-E30D392E2E82}" dt="2021-04-07T20:21:57.151" v="6197" actId="26606"/>
+          <ac:spMkLst>
+            <pc:docMk/>
+            <pc:sldMk cId="284166941" sldId="319"/>
+            <ac:spMk id="142" creationId="{30F05B05-D1D0-4D96-A6C6-E0095E789EF8}"/>
+          </ac:spMkLst>
+        </pc:spChg>
+        <pc:spChg chg="add">
+          <ac:chgData name="Abhiroop Mukherjee" userId="5fbc6062963ca2c0" providerId="LiveId" clId="{BA04AB18-81BA-44F6-8A17-E30D392E2E82}" dt="2021-04-07T20:21:57.151" v="6197" actId="26606"/>
+          <ac:spMkLst>
+            <pc:docMk/>
+            <pc:sldMk cId="284166941" sldId="319"/>
+            <ac:spMk id="143" creationId="{6561554E-8EEC-420C-93A0-4E77A8A0EB7B}"/>
+          </ac:spMkLst>
+        </pc:spChg>
+        <pc:picChg chg="add mod ord">
+          <ac:chgData name="Abhiroop Mukherjee" userId="5fbc6062963ca2c0" providerId="LiveId" clId="{BA04AB18-81BA-44F6-8A17-E30D392E2E82}" dt="2021-04-07T20:21:57.151" v="6197" actId="26606"/>
+          <ac:picMkLst>
+            <pc:docMk/>
+            <pc:sldMk cId="284166941" sldId="319"/>
+            <ac:picMk id="4" creationId="{DFC52A24-90EB-4BFE-9E4B-A2F3169F4373}"/>
+          </ac:picMkLst>
+        </pc:picChg>
+        <pc:picChg chg="mod ord">
+          <ac:chgData name="Abhiroop Mukherjee" userId="5fbc6062963ca2c0" providerId="LiveId" clId="{BA04AB18-81BA-44F6-8A17-E30D392E2E82}" dt="2021-04-07T20:21:57.151" v="6197" actId="26606"/>
+          <ac:picMkLst>
+            <pc:docMk/>
+            <pc:sldMk cId="284166941" sldId="319"/>
+            <ac:picMk id="5" creationId="{66ACF5EE-B012-4BDB-A31F-C5EBFB1ECF9F}"/>
+          </ac:picMkLst>
+        </pc:picChg>
+        <pc:picChg chg="add del mod">
+          <ac:chgData name="Abhiroop Mukherjee" userId="5fbc6062963ca2c0" providerId="LiveId" clId="{BA04AB18-81BA-44F6-8A17-E30D392E2E82}" dt="2021-04-07T20:21:24.152" v="6188" actId="478"/>
+          <ac:picMkLst>
+            <pc:docMk/>
+            <pc:sldMk cId="284166941" sldId="319"/>
+            <ac:picMk id="7" creationId="{37826F5E-8226-4303-B9CA-47A9DC2067FA}"/>
+          </ac:picMkLst>
+        </pc:picChg>
+        <pc:picChg chg="add mod">
+          <ac:chgData name="Abhiroop Mukherjee" userId="5fbc6062963ca2c0" providerId="LiveId" clId="{BA04AB18-81BA-44F6-8A17-E30D392E2E82}" dt="2021-04-07T20:21:40.097" v="6196" actId="26606"/>
+          <ac:picMkLst>
+            <pc:docMk/>
+            <pc:sldMk cId="284166941" sldId="319"/>
+            <ac:picMk id="10" creationId="{1616CB35-F1CC-409A-8FEE-5DB5CFDF23E7}"/>
+          </ac:picMkLst>
+        </pc:picChg>
+        <pc:cxnChg chg="del">
+          <ac:chgData name="Abhiroop Mukherjee" userId="5fbc6062963ca2c0" providerId="LiveId" clId="{BA04AB18-81BA-44F6-8A17-E30D392E2E82}" dt="2021-04-07T20:21:07.406" v="6179" actId="26606"/>
+          <ac:cxnSpMkLst>
+            <pc:docMk/>
+            <pc:sldMk cId="284166941" sldId="319"/>
+            <ac:cxnSpMk id="78" creationId="{9C21570E-E159-49A6-9891-FA397B7A92D3}"/>
+          </ac:cxnSpMkLst>
+        </pc:cxnChg>
+        <pc:cxnChg chg="add">
+          <ac:chgData name="Abhiroop Mukherjee" userId="5fbc6062963ca2c0" providerId="LiveId" clId="{BA04AB18-81BA-44F6-8A17-E30D392E2E82}" dt="2021-04-07T20:21:57.151" v="6197" actId="26606"/>
+          <ac:cxnSpMkLst>
+            <pc:docMk/>
+            <pc:sldMk cId="284166941" sldId="319"/>
+            <ac:cxnSpMk id="83" creationId="{BEFAE2A0-B30D-40C7-BB2F-AE3D6D5D001F}"/>
+          </ac:cxnSpMkLst>
+        </pc:cxnChg>
+        <pc:cxnChg chg="add del">
+          <ac:chgData name="Abhiroop Mukherjee" userId="5fbc6062963ca2c0" providerId="LiveId" clId="{BA04AB18-81BA-44F6-8A17-E30D392E2E82}" dt="2021-04-07T20:21:40.097" v="6196" actId="26606"/>
+          <ac:cxnSpMkLst>
+            <pc:docMk/>
+            <pc:sldMk cId="284166941" sldId="319"/>
+            <ac:cxnSpMk id="91" creationId="{BEFAE2A0-B30D-40C7-BB2F-AE3D6D5D001F}"/>
+          </ac:cxnSpMkLst>
+        </pc:cxnChg>
+        <pc:cxnChg chg="add del">
+          <ac:chgData name="Abhiroop Mukherjee" userId="5fbc6062963ca2c0" providerId="LiveId" clId="{BA04AB18-81BA-44F6-8A17-E30D392E2E82}" dt="2021-04-07T20:21:40.097" v="6196" actId="26606"/>
+          <ac:cxnSpMkLst>
+            <pc:docMk/>
+            <pc:sldMk cId="284166941" sldId="319"/>
+            <ac:cxnSpMk id="99" creationId="{73A16B78-E8EF-4C99-BDA5-80142980AE93}"/>
+          </ac:cxnSpMkLst>
+        </pc:cxnChg>
+        <pc:cxnChg chg="add del">
+          <ac:chgData name="Abhiroop Mukherjee" userId="5fbc6062963ca2c0" providerId="LiveId" clId="{BA04AB18-81BA-44F6-8A17-E30D392E2E82}" dt="2021-04-07T20:21:34.956" v="6193" actId="26606"/>
+          <ac:cxnSpMkLst>
+            <pc:docMk/>
+            <pc:sldMk cId="284166941" sldId="319"/>
+            <ac:cxnSpMk id="112" creationId="{BEFAE2A0-B30D-40C7-BB2F-AE3D6D5D001F}"/>
+          </ac:cxnSpMkLst>
+        </pc:cxnChg>
+        <pc:cxnChg chg="add del">
+          <ac:chgData name="Abhiroop Mukherjee" userId="5fbc6062963ca2c0" providerId="LiveId" clId="{BA04AB18-81BA-44F6-8A17-E30D392E2E82}" dt="2021-04-07T20:21:40.082" v="6195" actId="26606"/>
+          <ac:cxnSpMkLst>
+            <pc:docMk/>
+            <pc:sldMk cId="284166941" sldId="319"/>
+            <ac:cxnSpMk id="126" creationId="{D6E0AD8B-255F-4090-B0E4-668B3F32FCDD}"/>
+          </ac:cxnSpMkLst>
+        </pc:cxnChg>
+        <pc:cxnChg chg="add del">
+          <ac:chgData name="Abhiroop Mukherjee" userId="5fbc6062963ca2c0" providerId="LiveId" clId="{BA04AB18-81BA-44F6-8A17-E30D392E2E82}" dt="2021-04-07T20:21:57.151" v="6197" actId="26606"/>
+          <ac:cxnSpMkLst>
+            <pc:docMk/>
+            <pc:sldMk cId="284166941" sldId="319"/>
+            <ac:cxnSpMk id="133" creationId="{BEFAE2A0-B30D-40C7-BB2F-AE3D6D5D001F}"/>
+          </ac:cxnSpMkLst>
+        </pc:cxnChg>
+      </pc:sldChg>
+      <pc:sldChg chg="addSp delSp modSp new del mod ord setBg">
+        <pc:chgData name="Abhiroop Mukherjee" userId="5fbc6062963ca2c0" providerId="LiveId" clId="{BA04AB18-81BA-44F6-8A17-E30D392E2E82}" dt="2021-04-07T20:23:35.273" v="6238" actId="47"/>
+        <pc:sldMkLst>
+          <pc:docMk/>
+          <pc:sldMk cId="1186642355" sldId="319"/>
+        </pc:sldMkLst>
+        <pc:spChg chg="add del">
+          <ac:chgData name="Abhiroop Mukherjee" userId="5fbc6062963ca2c0" providerId="LiveId" clId="{BA04AB18-81BA-44F6-8A17-E30D392E2E82}" dt="2021-04-07T20:22:59.673" v="6227" actId="26606"/>
+          <ac:spMkLst>
+            <pc:docMk/>
+            <pc:sldMk cId="1186642355" sldId="319"/>
+            <ac:spMk id="30" creationId="{D7D9F91F-72C9-4DB9-ABD0-A8180D8262D5}"/>
+          </ac:spMkLst>
+        </pc:spChg>
+        <pc:spChg chg="add del">
+          <ac:chgData name="Abhiroop Mukherjee" userId="5fbc6062963ca2c0" providerId="LiveId" clId="{BA04AB18-81BA-44F6-8A17-E30D392E2E82}" dt="2021-04-07T20:22:59.673" v="6227" actId="26606"/>
+          <ac:spMkLst>
+            <pc:docMk/>
+            <pc:sldMk cId="1186642355" sldId="319"/>
+            <ac:spMk id="31" creationId="{9527FCEA-6143-4C5E-8C45-8AC9237ADE89}"/>
+          </ac:spMkLst>
+        </pc:spChg>
+        <pc:spChg chg="add del">
+          <ac:chgData name="Abhiroop Mukherjee" userId="5fbc6062963ca2c0" providerId="LiveId" clId="{BA04AB18-81BA-44F6-8A17-E30D392E2E82}" dt="2021-04-07T20:22:59.673" v="6227" actId="26606"/>
+          <ac:spMkLst>
+            <pc:docMk/>
+            <pc:sldMk cId="1186642355" sldId="319"/>
+            <ac:spMk id="32" creationId="{BE016956-CE9F-4946-8834-A8BC3529D0F6}"/>
+          </ac:spMkLst>
+        </pc:spChg>
+        <pc:spChg chg="add del">
+          <ac:chgData name="Abhiroop Mukherjee" userId="5fbc6062963ca2c0" providerId="LiveId" clId="{BA04AB18-81BA-44F6-8A17-E30D392E2E82}" dt="2021-04-07T20:22:59.673" v="6227" actId="26606"/>
+          <ac:spMkLst>
+            <pc:docMk/>
+            <pc:sldMk cId="1186642355" sldId="319"/>
+            <ac:spMk id="33" creationId="{1A9F23AD-7A55-49F3-A3EC-743F47F36B0E}"/>
+          </ac:spMkLst>
+        </pc:spChg>
+        <pc:spChg chg="add del">
+          <ac:chgData name="Abhiroop Mukherjee" userId="5fbc6062963ca2c0" providerId="LiveId" clId="{BA04AB18-81BA-44F6-8A17-E30D392E2E82}" dt="2021-04-07T20:23:00.663" v="6231" actId="26606"/>
+          <ac:spMkLst>
+            <pc:docMk/>
+            <pc:sldMk cId="1186642355" sldId="319"/>
+            <ac:spMk id="38" creationId="{9527FCEA-6143-4C5E-8C45-8AC9237ADE89}"/>
+          </ac:spMkLst>
+        </pc:spChg>
+        <pc:spChg chg="add del">
+          <ac:chgData name="Abhiroop Mukherjee" userId="5fbc6062963ca2c0" providerId="LiveId" clId="{BA04AB18-81BA-44F6-8A17-E30D392E2E82}" dt="2021-04-07T20:23:00.663" v="6231" actId="26606"/>
+          <ac:spMkLst>
+            <pc:docMk/>
+            <pc:sldMk cId="1186642355" sldId="319"/>
+            <ac:spMk id="39" creationId="{1A9F23AD-7A55-49F3-A3EC-743F47F36B0E}"/>
+          </ac:spMkLst>
+        </pc:spChg>
+        <pc:spChg chg="add del">
+          <ac:chgData name="Abhiroop Mukherjee" userId="5fbc6062963ca2c0" providerId="LiveId" clId="{BA04AB18-81BA-44F6-8A17-E30D392E2E82}" dt="2021-04-07T20:23:00.663" v="6231" actId="26606"/>
+          <ac:spMkLst>
+            <pc:docMk/>
+            <pc:sldMk cId="1186642355" sldId="319"/>
+            <ac:spMk id="40" creationId="{D7D9F91F-72C9-4DB9-ABD0-A8180D8262D5}"/>
+          </ac:spMkLst>
+        </pc:spChg>
+        <pc:spChg chg="add del">
+          <ac:chgData name="Abhiroop Mukherjee" userId="5fbc6062963ca2c0" providerId="LiveId" clId="{BA04AB18-81BA-44F6-8A17-E30D392E2E82}" dt="2021-04-07T20:23:00.663" v="6231" actId="26606"/>
+          <ac:spMkLst>
+            <pc:docMk/>
+            <pc:sldMk cId="1186642355" sldId="319"/>
+            <ac:spMk id="41" creationId="{BE016956-CE9F-4946-8834-A8BC3529D0F6}"/>
+          </ac:spMkLst>
+        </pc:spChg>
+        <pc:picChg chg="add mod ord">
+          <ac:chgData name="Abhiroop Mukherjee" userId="5fbc6062963ca2c0" providerId="LiveId" clId="{BA04AB18-81BA-44F6-8A17-E30D392E2E82}" dt="2021-04-07T20:23:00.663" v="6231" actId="26606"/>
+          <ac:picMkLst>
+            <pc:docMk/>
+            <pc:sldMk cId="1186642355" sldId="319"/>
+            <ac:picMk id="3" creationId="{D58D5E8A-E674-4D92-A7A5-C184A5419FD4}"/>
+          </ac:picMkLst>
+        </pc:picChg>
+        <pc:picChg chg="add mod ord">
+          <ac:chgData name="Abhiroop Mukherjee" userId="5fbc6062963ca2c0" providerId="LiveId" clId="{BA04AB18-81BA-44F6-8A17-E30D392E2E82}" dt="2021-04-07T20:23:18.512" v="6237" actId="26606"/>
+          <ac:picMkLst>
+            <pc:docMk/>
+            <pc:sldMk cId="1186642355" sldId="319"/>
+            <ac:picMk id="5" creationId="{02830E8C-D795-46AE-BDBC-E2574AE7A5E5}"/>
+          </ac:picMkLst>
+        </pc:picChg>
+        <pc:picChg chg="add del mod ord">
+          <ac:chgData name="Abhiroop Mukherjee" userId="5fbc6062963ca2c0" providerId="LiveId" clId="{BA04AB18-81BA-44F6-8A17-E30D392E2E82}" dt="2021-04-07T20:22:20.209" v="6210" actId="478"/>
+          <ac:picMkLst>
+            <pc:docMk/>
+            <pc:sldMk cId="1186642355" sldId="319"/>
+            <ac:picMk id="7" creationId="{AD88C5EC-EBC1-4551-BAD8-54D8BAE18B54}"/>
+          </ac:picMkLst>
+        </pc:picChg>
+        <pc:picChg chg="add del mod ord">
+          <ac:chgData name="Abhiroop Mukherjee" userId="5fbc6062963ca2c0" providerId="LiveId" clId="{BA04AB18-81BA-44F6-8A17-E30D392E2E82}" dt="2021-04-07T20:22:51.331" v="6220" actId="478"/>
+          <ac:picMkLst>
+            <pc:docMk/>
+            <pc:sldMk cId="1186642355" sldId="319"/>
+            <ac:picMk id="9" creationId="{0B933CA6-5047-4388-BD11-6FB678D2F520}"/>
+          </ac:picMkLst>
+        </pc:picChg>
+        <pc:picChg chg="add mod ord">
+          <ac:chgData name="Abhiroop Mukherjee" userId="5fbc6062963ca2c0" providerId="LiveId" clId="{BA04AB18-81BA-44F6-8A17-E30D392E2E82}" dt="2021-04-07T20:23:18.512" v="6237" actId="26606"/>
+          <ac:picMkLst>
+            <pc:docMk/>
+            <pc:sldMk cId="1186642355" sldId="319"/>
+            <ac:picMk id="11" creationId="{C493A254-EFAF-40CB-AD76-544438920196}"/>
+          </ac:picMkLst>
+        </pc:picChg>
+        <pc:cxnChg chg="add del">
+          <ac:chgData name="Abhiroop Mukherjee" userId="5fbc6062963ca2c0" providerId="LiveId" clId="{BA04AB18-81BA-44F6-8A17-E30D392E2E82}" dt="2021-04-07T20:22:33.710" v="6214" actId="26606"/>
+          <ac:cxnSpMkLst>
+            <pc:docMk/>
+            <pc:sldMk cId="1186642355" sldId="319"/>
+            <ac:cxnSpMk id="12" creationId="{DCD67800-37AC-4E14-89B0-F79DCB3FB86D}"/>
+          </ac:cxnSpMkLst>
+        </pc:cxnChg>
+        <pc:cxnChg chg="add del">
+          <ac:chgData name="Abhiroop Mukherjee" userId="5fbc6062963ca2c0" providerId="LiveId" clId="{BA04AB18-81BA-44F6-8A17-E30D392E2E82}" dt="2021-04-07T20:22:33.710" v="6214" actId="26606"/>
+          <ac:cxnSpMkLst>
+            <pc:docMk/>
+            <pc:sldMk cId="1186642355" sldId="319"/>
+            <ac:cxnSpMk id="14" creationId="{20F1788F-A5AE-4188-8274-F7F2E3833ECD}"/>
+          </ac:cxnSpMkLst>
+        </pc:cxnChg>
+        <pc:cxnChg chg="add del">
+          <ac:chgData name="Abhiroop Mukherjee" userId="5fbc6062963ca2c0" providerId="LiveId" clId="{BA04AB18-81BA-44F6-8A17-E30D392E2E82}" dt="2021-04-07T20:23:00.679" v="6232" actId="26606"/>
+          <ac:cxnSpMkLst>
+            <pc:docMk/>
+            <pc:sldMk cId="1186642355" sldId="319"/>
+            <ac:cxnSpMk id="19" creationId="{DCD67800-37AC-4E14-89B0-F79DCB3FB86D}"/>
+          </ac:cxnSpMkLst>
+        </pc:cxnChg>
+        <pc:cxnChg chg="add del">
+          <ac:chgData name="Abhiroop Mukherjee" userId="5fbc6062963ca2c0" providerId="LiveId" clId="{BA04AB18-81BA-44F6-8A17-E30D392E2E82}" dt="2021-04-07T20:23:00.679" v="6232" actId="26606"/>
+          <ac:cxnSpMkLst>
+            <pc:docMk/>
+            <pc:sldMk cId="1186642355" sldId="319"/>
+            <ac:cxnSpMk id="21" creationId="{20F1788F-A5AE-4188-8274-F7F2E3833ECD}"/>
+          </ac:cxnSpMkLst>
+        </pc:cxnChg>
+        <pc:cxnChg chg="add del">
+          <ac:chgData name="Abhiroop Mukherjee" userId="5fbc6062963ca2c0" providerId="LiveId" clId="{BA04AB18-81BA-44F6-8A17-E30D392E2E82}" dt="2021-04-07T20:22:58.721" v="6225" actId="26606"/>
+          <ac:cxnSpMkLst>
+            <pc:docMk/>
+            <pc:sldMk cId="1186642355" sldId="319"/>
+            <ac:cxnSpMk id="26" creationId="{DCD67800-37AC-4E14-89B0-F79DCB3FB86D}"/>
+          </ac:cxnSpMkLst>
+        </pc:cxnChg>
+        <pc:cxnChg chg="add del">
+          <ac:chgData name="Abhiroop Mukherjee" userId="5fbc6062963ca2c0" providerId="LiveId" clId="{BA04AB18-81BA-44F6-8A17-E30D392E2E82}" dt="2021-04-07T20:22:58.721" v="6225" actId="26606"/>
+          <ac:cxnSpMkLst>
+            <pc:docMk/>
+            <pc:sldMk cId="1186642355" sldId="319"/>
+            <ac:cxnSpMk id="28" creationId="{20F1788F-A5AE-4188-8274-F7F2E3833ECD}"/>
+          </ac:cxnSpMkLst>
+        </pc:cxnChg>
+        <pc:cxnChg chg="add del">
+          <ac:chgData name="Abhiroop Mukherjee" userId="5fbc6062963ca2c0" providerId="LiveId" clId="{BA04AB18-81BA-44F6-8A17-E30D392E2E82}" dt="2021-04-07T20:23:00.261" v="6229" actId="26606"/>
+          <ac:cxnSpMkLst>
+            <pc:docMk/>
+            <pc:sldMk cId="1186642355" sldId="319"/>
+            <ac:cxnSpMk id="35" creationId="{DCD67800-37AC-4E14-89B0-F79DCB3FB86D}"/>
+          </ac:cxnSpMkLst>
+        </pc:cxnChg>
+        <pc:cxnChg chg="add del">
+          <ac:chgData name="Abhiroop Mukherjee" userId="5fbc6062963ca2c0" providerId="LiveId" clId="{BA04AB18-81BA-44F6-8A17-E30D392E2E82}" dt="2021-04-07T20:23:00.261" v="6229" actId="26606"/>
+          <ac:cxnSpMkLst>
+            <pc:docMk/>
+            <pc:sldMk cId="1186642355" sldId="319"/>
+            <ac:cxnSpMk id="36" creationId="{20F1788F-A5AE-4188-8274-F7F2E3833ECD}"/>
+          </ac:cxnSpMkLst>
+        </pc:cxnChg>
+        <pc:cxnChg chg="add del">
+          <ac:chgData name="Abhiroop Mukherjee" userId="5fbc6062963ca2c0" providerId="LiveId" clId="{BA04AB18-81BA-44F6-8A17-E30D392E2E82}" dt="2021-04-07T20:23:18.512" v="6237" actId="26606"/>
+          <ac:cxnSpMkLst>
+            <pc:docMk/>
+            <pc:sldMk cId="1186642355" sldId="319"/>
+            <ac:cxnSpMk id="43" creationId="{DCD67800-37AC-4E14-89B0-F79DCB3FB86D}"/>
+          </ac:cxnSpMkLst>
+        </pc:cxnChg>
+        <pc:cxnChg chg="add del">
+          <ac:chgData name="Abhiroop Mukherjee" userId="5fbc6062963ca2c0" providerId="LiveId" clId="{BA04AB18-81BA-44F6-8A17-E30D392E2E82}" dt="2021-04-07T20:23:18.512" v="6237" actId="26606"/>
+          <ac:cxnSpMkLst>
+            <pc:docMk/>
+            <pc:sldMk cId="1186642355" sldId="319"/>
+            <ac:cxnSpMk id="44" creationId="{20F1788F-A5AE-4188-8274-F7F2E3833ECD}"/>
+          </ac:cxnSpMkLst>
+        </pc:cxnChg>
+        <pc:cxnChg chg="add">
+          <ac:chgData name="Abhiroop Mukherjee" userId="5fbc6062963ca2c0" providerId="LiveId" clId="{BA04AB18-81BA-44F6-8A17-E30D392E2E82}" dt="2021-04-07T20:23:18.512" v="6237" actId="26606"/>
+          <ac:cxnSpMkLst>
+            <pc:docMk/>
+            <pc:sldMk cId="1186642355" sldId="319"/>
+            <ac:cxnSpMk id="49" creationId="{DCD67800-37AC-4E14-89B0-F79DCB3FB86D}"/>
+          </ac:cxnSpMkLst>
+        </pc:cxnChg>
+        <pc:cxnChg chg="add">
+          <ac:chgData name="Abhiroop Mukherjee" userId="5fbc6062963ca2c0" providerId="LiveId" clId="{BA04AB18-81BA-44F6-8A17-E30D392E2E82}" dt="2021-04-07T20:23:18.512" v="6237" actId="26606"/>
+          <ac:cxnSpMkLst>
+            <pc:docMk/>
+            <pc:sldMk cId="1186642355" sldId="319"/>
+            <ac:cxnSpMk id="51" creationId="{20F1788F-A5AE-4188-8274-F7F2E3833ECD}"/>
+          </ac:cxnSpMkLst>
+        </pc:cxnChg>
+      </pc:sldChg>
+      <pc:sldChg chg="modSp add mod">
+        <pc:chgData name="Abhiroop Mukherjee" userId="5fbc6062963ca2c0" providerId="LiveId" clId="{BA04AB18-81BA-44F6-8A17-E30D392E2E82}" dt="2021-04-07T20:26:11.035" v="6656" actId="20577"/>
+        <pc:sldMkLst>
+          <pc:docMk/>
+          <pc:sldMk cId="1997043204" sldId="319"/>
+        </pc:sldMkLst>
+        <pc:spChg chg="mod">
+          <ac:chgData name="Abhiroop Mukherjee" userId="5fbc6062963ca2c0" providerId="LiveId" clId="{BA04AB18-81BA-44F6-8A17-E30D392E2E82}" dt="2021-04-07T20:23:52.447" v="6253" actId="20577"/>
+          <ac:spMkLst>
+            <pc:docMk/>
+            <pc:sldMk cId="1997043204" sldId="319"/>
+            <ac:spMk id="2" creationId="{0CF820E1-E514-4B58-98AB-89F302D91E31}"/>
+          </ac:spMkLst>
+        </pc:spChg>
+        <pc:spChg chg="mod">
+          <ac:chgData name="Abhiroop Mukherjee" userId="5fbc6062963ca2c0" providerId="LiveId" clId="{BA04AB18-81BA-44F6-8A17-E30D392E2E82}" dt="2021-04-07T20:26:11.035" v="6656" actId="20577"/>
+          <ac:spMkLst>
+            <pc:docMk/>
+            <pc:sldMk cId="1997043204" sldId="319"/>
+            <ac:spMk id="9" creationId="{FB3ADEF1-B48E-4597-8478-E89F81BA647C}"/>
+          </ac:spMkLst>
+        </pc:spChg>
+        <pc:picChg chg="mod">
+          <ac:chgData name="Abhiroop Mukherjee" userId="5fbc6062963ca2c0" providerId="LiveId" clId="{BA04AB18-81BA-44F6-8A17-E30D392E2E82}" dt="2021-04-07T20:23:47.541" v="6240" actId="14826"/>
+          <ac:picMkLst>
+            <pc:docMk/>
+            <pc:sldMk cId="1997043204" sldId="319"/>
+            <ac:picMk id="5" creationId="{66ACF5EE-B012-4BDB-A31F-C5EBFB1ECF9F}"/>
+          </ac:picMkLst>
+        </pc:picChg>
+      </pc:sldChg>
+      <pc:sldChg chg="modSp add mod">
+        <pc:chgData name="Abhiroop Mukherjee" userId="5fbc6062963ca2c0" providerId="LiveId" clId="{BA04AB18-81BA-44F6-8A17-E30D392E2E82}" dt="2021-04-07T20:29:34.385" v="7101" actId="33524"/>
+        <pc:sldMkLst>
+          <pc:docMk/>
+          <pc:sldMk cId="3663795224" sldId="320"/>
+        </pc:sldMkLst>
+        <pc:spChg chg="mod">
+          <ac:chgData name="Abhiroop Mukherjee" userId="5fbc6062963ca2c0" providerId="LiveId" clId="{BA04AB18-81BA-44F6-8A17-E30D392E2E82}" dt="2021-04-07T20:26:24.787" v="6660" actId="20577"/>
+          <ac:spMkLst>
+            <pc:docMk/>
+            <pc:sldMk cId="3663795224" sldId="320"/>
+            <ac:spMk id="2" creationId="{0CF820E1-E514-4B58-98AB-89F302D91E31}"/>
+          </ac:spMkLst>
+        </pc:spChg>
+        <pc:spChg chg="mod">
+          <ac:chgData name="Abhiroop Mukherjee" userId="5fbc6062963ca2c0" providerId="LiveId" clId="{BA04AB18-81BA-44F6-8A17-E30D392E2E82}" dt="2021-04-07T20:29:34.385" v="7101" actId="33524"/>
+          <ac:spMkLst>
+            <pc:docMk/>
+            <pc:sldMk cId="3663795224" sldId="320"/>
+            <ac:spMk id="9" creationId="{FB3ADEF1-B48E-4597-8478-E89F81BA647C}"/>
+          </ac:spMkLst>
+        </pc:spChg>
+        <pc:picChg chg="mod">
+          <ac:chgData name="Abhiroop Mukherjee" userId="5fbc6062963ca2c0" providerId="LiveId" clId="{BA04AB18-81BA-44F6-8A17-E30D392E2E82}" dt="2021-04-07T20:26:22.257" v="6658" actId="14826"/>
+          <ac:picMkLst>
+            <pc:docMk/>
+            <pc:sldMk cId="3663795224" sldId="320"/>
+            <ac:picMk id="5" creationId="{66ACF5EE-B012-4BDB-A31F-C5EBFB1ECF9F}"/>
+          </ac:picMkLst>
+        </pc:picChg>
       </pc:sldChg>
     </pc:docChg>
   </pc:docChgLst>
@@ -39991,10 +41084,10 @@
       </p:grpSpPr>
       <p:sp useBgFill="1">
         <p:nvSpPr>
-          <p:cNvPr id="185" name="Rectangle 118">
+          <p:cNvPr id="206" name="Rectangle 192">
             <a:extLst>
               <a:ext uri="{FF2B5EF4-FFF2-40B4-BE49-F238E27FC236}">
-                <a16:creationId xmlns:a16="http://schemas.microsoft.com/office/drawing/2014/main" id="{284B70D5-875B-433D-BDBD-1522A85D6C1D}"/>
+                <a16:creationId xmlns:a16="http://schemas.microsoft.com/office/drawing/2014/main" id="{52ABB703-2B0E-4C3B-B4A2-F3973548E561}"/>
               </a:ext>
               <a:ext uri="{C183D7F6-B498-43B3-948B-1728B52AA6E4}">
                 <adec:decorative xmlns:adec="http://schemas.microsoft.com/office/drawing/2017/decorative" val="1"/>
@@ -40045,7 +41138,7 @@
           <a:lstStyle/>
           <a:p>
             <a:pPr algn="ctr"/>
-            <a:endParaRPr lang="en-US" dirty="0"/>
+            <a:endParaRPr lang="en-US"/>
           </a:p>
         </p:txBody>
       </p:sp>
@@ -40067,8 +41160,8 @@
         </p:nvSpPr>
         <p:spPr>
           <a:xfrm>
-            <a:off x="7859485" y="634946"/>
-            <a:ext cx="3690257" cy="1450757"/>
+            <a:off x="6411685" y="634946"/>
+            <a:ext cx="5127171" cy="1450757"/>
           </a:xfrm>
         </p:spPr>
         <p:txBody>
@@ -40086,7 +41179,7 @@
       </p:sp>
       <p:pic>
         <p:nvPicPr>
-          <p:cNvPr id="5" name="Content Placeholder 4" descr="Chart, scatter chart&#10;&#10;Description automatically generated">
+          <p:cNvPr id="5" name="Content Placeholder 4">
             <a:extLst>
               <a:ext uri="{FF2B5EF4-FFF2-40B4-BE49-F238E27FC236}">
                 <a16:creationId xmlns:a16="http://schemas.microsoft.com/office/drawing/2014/main" id="{66ACF5EE-B012-4BDB-A31F-C5EBFB1ECF9F}"/>
@@ -40111,8 +41204,8 @@
         </p:blipFill>
         <p:spPr>
           <a:xfrm>
-            <a:off x="1271733" y="640081"/>
-            <a:ext cx="5634332" cy="5314406"/>
+            <a:off x="643192" y="697942"/>
+            <a:ext cx="5451627" cy="5142074"/>
           </a:xfrm>
           <a:prstGeom prst="rect">
             <a:avLst/>
@@ -40121,10 +41214,10 @@
       </p:pic>
       <p:cxnSp>
         <p:nvCxnSpPr>
-          <p:cNvPr id="186" name="Straight Connector 120">
+          <p:cNvPr id="207" name="Straight Connector 194">
             <a:extLst>
               <a:ext uri="{FF2B5EF4-FFF2-40B4-BE49-F238E27FC236}">
-                <a16:creationId xmlns:a16="http://schemas.microsoft.com/office/drawing/2014/main" id="{C947DF4A-614C-4B4C-8B80-E5B9D8E8CFED}"/>
+                <a16:creationId xmlns:a16="http://schemas.microsoft.com/office/drawing/2014/main" id="{9C21570E-E159-49A6-9891-FA397B7A92D3}"/>
               </a:ext>
               <a:ext uri="{C183D7F6-B498-43B3-948B-1728B52AA6E4}">
                 <adec:decorative xmlns:adec="http://schemas.microsoft.com/office/drawing/2017/decorative" val="1"/>
@@ -40144,8 +41237,8 @@
         </p:nvCxnSpPr>
         <p:spPr>
           <a:xfrm>
-            <a:off x="7892143" y="2085703"/>
-            <a:ext cx="3566160" cy="0"/>
+            <a:off x="6411684" y="2086188"/>
+            <a:ext cx="4748808" cy="0"/>
           </a:xfrm>
           <a:prstGeom prst="line">
             <a:avLst/>
@@ -40175,8 +41268,8 @@
           </a:fontRef>
         </p:style>
       </p:cxnSp>
-      <mc:AlternateContent xmlns:mc="http://schemas.openxmlformats.org/markup-compatibility/2006" xmlns:a14="http://schemas.microsoft.com/office/drawing/2010/main">
-        <mc:Choice Requires="a14">
+      <mc:AlternateContent xmlns:mc="http://schemas.openxmlformats.org/markup-compatibility/2006">
+        <mc:Choice xmlns:a14="http://schemas.microsoft.com/office/drawing/2010/main" Requires="a14">
           <p:sp>
             <p:nvSpPr>
               <p:cNvPr id="9" name="Content Placeholder 8">
@@ -40195,8 +41288,8 @@
             </p:nvSpPr>
             <p:spPr>
               <a:xfrm>
-                <a:off x="7859485" y="2198914"/>
-                <a:ext cx="3690257" cy="3670180"/>
+                <a:off x="6411684" y="2198914"/>
+                <a:ext cx="5127172" cy="3670180"/>
               </a:xfrm>
             </p:spPr>
             <p:txBody>
@@ -40205,11 +41298,7 @@
               </a:bodyPr>
               <a:lstStyle/>
               <a:p>
-                <a:pPr lvl="1">
-                  <a:lnSpc>
-                    <a:spcPct val="150000"/>
-                  </a:lnSpc>
-                </a:pPr>
+                <a:pPr lvl="1"/>
                 <a:r>
                   <a:rPr lang="en-IN" dirty="0"/>
                   <a:t>As we can see the </a:t>
@@ -40284,6 +41373,7 @@
                   <a:rPr lang="en-US" dirty="0"/>
                   <a:t> with majority of cases around 0.5.</a:t>
                 </a:r>
+                <a:endParaRPr lang="en-US"/>
               </a:p>
               <a:p>
                 <a:pPr lvl="1"/>
@@ -40295,7 +41385,7 @@
             </p:txBody>
           </p:sp>
         </mc:Choice>
-        <mc:Fallback xmlns="">
+        <mc:Fallback>
           <p:sp>
             <p:nvSpPr>
               <p:cNvPr id="9" name="Content Placeholder 8">
@@ -40314,13 +41404,13 @@
             </p:nvSpPr>
             <p:spPr>
               <a:xfrm>
-                <a:off x="7859485" y="2198914"/>
-                <a:ext cx="3690257" cy="3670180"/>
+                <a:off x="6411684" y="2198914"/>
+                <a:ext cx="5127172" cy="3670180"/>
               </a:xfrm>
               <a:blipFill>
                 <a:blip r:embed="rId3"/>
                 <a:stretch>
-                  <a:fillRect r="-2970"/>
+                  <a:fillRect t="-166"/>
                 </a:stretch>
               </a:blipFill>
             </p:spPr>
@@ -40341,10 +41431,10 @@
       </mc:AlternateContent>
       <p:sp>
         <p:nvSpPr>
-          <p:cNvPr id="187" name="Rectangle 122">
+          <p:cNvPr id="208" name="Rectangle 196">
             <a:extLst>
               <a:ext uri="{FF2B5EF4-FFF2-40B4-BE49-F238E27FC236}">
-                <a16:creationId xmlns:a16="http://schemas.microsoft.com/office/drawing/2014/main" id="{1E299956-A9E7-4FC1-A0B1-D590CA9730E8}"/>
+                <a16:creationId xmlns:a16="http://schemas.microsoft.com/office/drawing/2014/main" id="{E95DA498-D9A2-4DA9-B9DA-B3776E08CF7E}"/>
               </a:ext>
               <a:ext uri="{C183D7F6-B498-43B3-948B-1728B52AA6E4}">
                 <adec:decorative xmlns:adec="http://schemas.microsoft.com/office/drawing/2017/decorative" val="1"/>
@@ -40396,10 +41486,10 @@
       </p:sp>
       <p:sp>
         <p:nvSpPr>
-          <p:cNvPr id="188" name="Rectangle 124">
+          <p:cNvPr id="209" name="Rectangle 198">
             <a:extLst>
               <a:ext uri="{FF2B5EF4-FFF2-40B4-BE49-F238E27FC236}">
-                <a16:creationId xmlns:a16="http://schemas.microsoft.com/office/drawing/2014/main" id="{17FC539C-B783-4B03-9F9E-D13430F3F64F}"/>
+                <a16:creationId xmlns:a16="http://schemas.microsoft.com/office/drawing/2014/main" id="{82A73093-4B9D-420D-B17E-52293703A1D4}"/>
               </a:ext>
               <a:ext uri="{C183D7F6-B498-43B3-948B-1728B52AA6E4}">
                 <adec:decorative xmlns:adec="http://schemas.microsoft.com/office/drawing/2017/decorative" val="1"/>
@@ -40463,6 +41553,1528 @@
 </file>
 
 <file path=ppt/slides/slide55.xml><?xml version="1.0" encoding="utf-8"?>
+<p:sld xmlns:a="http://schemas.openxmlformats.org/drawingml/2006/main" xmlns:r="http://schemas.openxmlformats.org/officeDocument/2006/relationships" xmlns:p="http://schemas.openxmlformats.org/presentationml/2006/main">
+  <p:cSld>
+    <p:bg>
+      <p:bgPr>
+        <a:solidFill>
+          <a:schemeClr val="bg1"/>
+        </a:solidFill>
+        <a:effectLst/>
+      </p:bgPr>
+    </p:bg>
+    <p:spTree>
+      <p:nvGrpSpPr>
+        <p:cNvPr id="1" name=""/>
+        <p:cNvGrpSpPr/>
+        <p:nvPr/>
+      </p:nvGrpSpPr>
+      <p:grpSpPr>
+        <a:xfrm>
+          <a:off x="0" y="0"/>
+          <a:ext cx="0" cy="0"/>
+          <a:chOff x="0" y="0"/>
+          <a:chExt cx="0" cy="0"/>
+        </a:xfrm>
+      </p:grpSpPr>
+      <p:sp useBgFill="1">
+        <p:nvSpPr>
+          <p:cNvPr id="76" name="Rectangle 75">
+            <a:extLst>
+              <a:ext uri="{FF2B5EF4-FFF2-40B4-BE49-F238E27FC236}">
+                <a16:creationId xmlns:a16="http://schemas.microsoft.com/office/drawing/2014/main" id="{52ABB703-2B0E-4C3B-B4A2-F3973548E561}"/>
+              </a:ext>
+              <a:ext uri="{C183D7F6-B498-43B3-948B-1728B52AA6E4}">
+                <adec:decorative xmlns:adec="http://schemas.microsoft.com/office/drawing/2017/decorative" val="1"/>
+              </a:ext>
+            </a:extLst>
+          </p:cNvPr>
+          <p:cNvSpPr>
+            <a:spLocks noGrp="1" noRot="1" noChangeAspect="1" noMove="1" noResize="1" noEditPoints="1" noAdjustHandles="1" noChangeArrowheads="1" noChangeShapeType="1" noTextEdit="1"/>
+          </p:cNvSpPr>
+          <p:nvPr>
+            <p:extLst>
+              <p:ext uri="{386F3935-93C4-4BCD-93E2-E3B085C9AB24}">
+                <p16:designElem xmlns:p16="http://schemas.microsoft.com/office/powerpoint/2015/main" val="1"/>
+              </p:ext>
+            </p:extLst>
+          </p:nvPr>
+        </p:nvSpPr>
+        <p:spPr>
+          <a:xfrm>
+            <a:off x="0" y="0"/>
+            <a:ext cx="12192001" cy="6334316"/>
+          </a:xfrm>
+          <a:prstGeom prst="rect">
+            <a:avLst/>
+          </a:prstGeom>
+          <a:ln>
+            <a:noFill/>
+          </a:ln>
+        </p:spPr>
+        <p:style>
+          <a:lnRef idx="2">
+            <a:schemeClr val="accent1">
+              <a:shade val="50000"/>
+            </a:schemeClr>
+          </a:lnRef>
+          <a:fillRef idx="1">
+            <a:schemeClr val="accent1"/>
+          </a:fillRef>
+          <a:effectRef idx="0">
+            <a:schemeClr val="accent1"/>
+          </a:effectRef>
+          <a:fontRef idx="minor">
+            <a:schemeClr val="lt1"/>
+          </a:fontRef>
+        </p:style>
+        <p:txBody>
+          <a:bodyPr rtlCol="0" anchor="ctr"/>
+          <a:lstStyle/>
+          <a:p>
+            <a:pPr algn="ctr"/>
+            <a:endParaRPr lang="en-US"/>
+          </a:p>
+        </p:txBody>
+      </p:sp>
+      <p:sp>
+        <p:nvSpPr>
+          <p:cNvPr id="2" name="Title 1">
+            <a:extLst>
+              <a:ext uri="{FF2B5EF4-FFF2-40B4-BE49-F238E27FC236}">
+                <a16:creationId xmlns:a16="http://schemas.microsoft.com/office/drawing/2014/main" id="{0CF820E1-E514-4B58-98AB-89F302D91E31}"/>
+              </a:ext>
+            </a:extLst>
+          </p:cNvPr>
+          <p:cNvSpPr>
+            <a:spLocks noGrp="1"/>
+          </p:cNvSpPr>
+          <p:nvPr>
+            <p:ph type="title"/>
+          </p:nvPr>
+        </p:nvSpPr>
+        <p:spPr>
+          <a:xfrm>
+            <a:off x="6411685" y="634946"/>
+            <a:ext cx="5127171" cy="1450757"/>
+          </a:xfrm>
+        </p:spPr>
+        <p:txBody>
+          <a:bodyPr>
+            <a:normAutofit/>
+          </a:bodyPr>
+          <a:lstStyle/>
+          <a:p>
+            <a:r>
+              <a:rPr lang="en-IN" b="1" dirty="0"/>
+              <a:t>Peculiar Observation</a:t>
+            </a:r>
+          </a:p>
+        </p:txBody>
+      </p:sp>
+      <p:pic>
+        <p:nvPicPr>
+          <p:cNvPr id="5" name="Content Placeholder 4">
+            <a:extLst>
+              <a:ext uri="{FF2B5EF4-FFF2-40B4-BE49-F238E27FC236}">
+                <a16:creationId xmlns:a16="http://schemas.microsoft.com/office/drawing/2014/main" id="{66ACF5EE-B012-4BDB-A31F-C5EBFB1ECF9F}"/>
+              </a:ext>
+            </a:extLst>
+          </p:cNvPr>
+          <p:cNvPicPr>
+            <a:picLocks noChangeAspect="1"/>
+          </p:cNvPicPr>
+          <p:nvPr/>
+        </p:nvPicPr>
+        <p:blipFill>
+          <a:blip r:embed="rId2">
+            <a:extLst>
+              <a:ext uri="{28A0092B-C50C-407E-A947-70E740481C1C}">
+                <a14:useLocalDpi xmlns:a14="http://schemas.microsoft.com/office/drawing/2010/main" val="0"/>
+              </a:ext>
+            </a:extLst>
+          </a:blip>
+          <a:srcRect l="7592" r="7592"/>
+          <a:stretch/>
+        </p:blipFill>
+        <p:spPr>
+          <a:xfrm>
+            <a:off x="643192" y="697942"/>
+            <a:ext cx="5451627" cy="5142074"/>
+          </a:xfrm>
+          <a:prstGeom prst="rect">
+            <a:avLst/>
+          </a:prstGeom>
+        </p:spPr>
+      </p:pic>
+      <p:cxnSp>
+        <p:nvCxnSpPr>
+          <p:cNvPr id="78" name="Straight Connector 77">
+            <a:extLst>
+              <a:ext uri="{FF2B5EF4-FFF2-40B4-BE49-F238E27FC236}">
+                <a16:creationId xmlns:a16="http://schemas.microsoft.com/office/drawing/2014/main" id="{9C21570E-E159-49A6-9891-FA397B7A92D3}"/>
+              </a:ext>
+              <a:ext uri="{C183D7F6-B498-43B3-948B-1728B52AA6E4}">
+                <adec:decorative xmlns:adec="http://schemas.microsoft.com/office/drawing/2017/decorative" val="1"/>
+              </a:ext>
+            </a:extLst>
+          </p:cNvPr>
+          <p:cNvCxnSpPr>
+            <a:cxnSpLocks noGrp="1" noRot="1" noChangeAspect="1" noMove="1" noResize="1" noEditPoints="1" noAdjustHandles="1" noChangeArrowheads="1" noChangeShapeType="1"/>
+          </p:cNvCxnSpPr>
+          <p:nvPr>
+            <p:extLst>
+              <p:ext uri="{386F3935-93C4-4BCD-93E2-E3B085C9AB24}">
+                <p16:designElem xmlns:p16="http://schemas.microsoft.com/office/powerpoint/2015/main" val="1"/>
+              </p:ext>
+            </p:extLst>
+          </p:nvPr>
+        </p:nvCxnSpPr>
+        <p:spPr>
+          <a:xfrm>
+            <a:off x="6411684" y="2086188"/>
+            <a:ext cx="4748808" cy="0"/>
+          </a:xfrm>
+          <a:prstGeom prst="line">
+            <a:avLst/>
+          </a:prstGeom>
+          <a:ln w="6350">
+            <a:solidFill>
+              <a:schemeClr val="tx1">
+                <a:lumMod val="50000"/>
+                <a:lumOff val="50000"/>
+                <a:alpha val="90000"/>
+              </a:schemeClr>
+            </a:solidFill>
+          </a:ln>
+        </p:spPr>
+        <p:style>
+          <a:lnRef idx="1">
+            <a:schemeClr val="accent1"/>
+          </a:lnRef>
+          <a:fillRef idx="0">
+            <a:schemeClr val="accent1"/>
+          </a:fillRef>
+          <a:effectRef idx="0">
+            <a:schemeClr val="accent1"/>
+          </a:effectRef>
+          <a:fontRef idx="minor">
+            <a:schemeClr val="tx1"/>
+          </a:fontRef>
+        </p:style>
+      </p:cxnSp>
+      <p:sp>
+        <p:nvSpPr>
+          <p:cNvPr id="9" name="Content Placeholder 8">
+            <a:extLst>
+              <a:ext uri="{FF2B5EF4-FFF2-40B4-BE49-F238E27FC236}">
+                <a16:creationId xmlns:a16="http://schemas.microsoft.com/office/drawing/2014/main" id="{FB3ADEF1-B48E-4597-8478-E89F81BA647C}"/>
+              </a:ext>
+            </a:extLst>
+          </p:cNvPr>
+          <p:cNvSpPr>
+            <a:spLocks noGrp="1"/>
+          </p:cNvSpPr>
+          <p:nvPr>
+            <p:ph idx="1"/>
+          </p:nvPr>
+        </p:nvSpPr>
+        <p:spPr>
+          <a:xfrm>
+            <a:off x="6411684" y="2198914"/>
+            <a:ext cx="5127172" cy="3670180"/>
+          </a:xfrm>
+        </p:spPr>
+        <p:txBody>
+          <a:bodyPr>
+            <a:normAutofit/>
+          </a:bodyPr>
+          <a:lstStyle/>
+          <a:p>
+            <a:pPr lvl="1"/>
+            <a:r>
+              <a:rPr lang="en-US" dirty="0"/>
+              <a:t>We observed two peculiar observations</a:t>
+            </a:r>
+          </a:p>
+          <a:p>
+            <a:pPr lvl="2"/>
+            <a:r>
+              <a:rPr lang="en-US" dirty="0"/>
+              <a:t>There is a strange dip in the ratio in some places.</a:t>
+            </a:r>
+          </a:p>
+          <a:p>
+            <a:pPr lvl="2"/>
+            <a:r>
+              <a:rPr lang="en-US" dirty="0"/>
+              <a:t>We also see a stark difference between Uniform and Normal Distribution</a:t>
+            </a:r>
+          </a:p>
+        </p:txBody>
+      </p:sp>
+      <p:sp>
+        <p:nvSpPr>
+          <p:cNvPr id="80" name="Rectangle 79">
+            <a:extLst>
+              <a:ext uri="{FF2B5EF4-FFF2-40B4-BE49-F238E27FC236}">
+                <a16:creationId xmlns:a16="http://schemas.microsoft.com/office/drawing/2014/main" id="{E95DA498-D9A2-4DA9-B9DA-B3776E08CF7E}"/>
+              </a:ext>
+              <a:ext uri="{C183D7F6-B498-43B3-948B-1728B52AA6E4}">
+                <adec:decorative xmlns:adec="http://schemas.microsoft.com/office/drawing/2017/decorative" val="1"/>
+              </a:ext>
+            </a:extLst>
+          </p:cNvPr>
+          <p:cNvSpPr>
+            <a:spLocks noGrp="1" noRot="1" noChangeAspect="1" noMove="1" noResize="1" noEditPoints="1" noAdjustHandles="1" noChangeArrowheads="1" noChangeShapeType="1" noTextEdit="1"/>
+          </p:cNvSpPr>
+          <p:nvPr>
+            <p:extLst>
+              <p:ext uri="{386F3935-93C4-4BCD-93E2-E3B085C9AB24}">
+                <p16:designElem xmlns:p16="http://schemas.microsoft.com/office/powerpoint/2015/main" val="1"/>
+              </p:ext>
+            </p:extLst>
+          </p:nvPr>
+        </p:nvSpPr>
+        <p:spPr>
+          <a:xfrm>
+            <a:off x="15" y="6334316"/>
+            <a:ext cx="12191985" cy="66484"/>
+          </a:xfrm>
+          <a:prstGeom prst="rect">
+            <a:avLst/>
+          </a:prstGeom>
+          <a:solidFill>
+            <a:schemeClr val="accent1"/>
+          </a:solidFill>
+          <a:ln>
+            <a:noFill/>
+          </a:ln>
+        </p:spPr>
+        <p:style>
+          <a:lnRef idx="2">
+            <a:schemeClr val="accent1">
+              <a:shade val="50000"/>
+            </a:schemeClr>
+          </a:lnRef>
+          <a:fillRef idx="1">
+            <a:schemeClr val="accent1"/>
+          </a:fillRef>
+          <a:effectRef idx="0">
+            <a:schemeClr val="accent1"/>
+          </a:effectRef>
+          <a:fontRef idx="minor">
+            <a:schemeClr val="lt1"/>
+          </a:fontRef>
+        </p:style>
+      </p:sp>
+      <p:sp>
+        <p:nvSpPr>
+          <p:cNvPr id="82" name="Rectangle 81">
+            <a:extLst>
+              <a:ext uri="{FF2B5EF4-FFF2-40B4-BE49-F238E27FC236}">
+                <a16:creationId xmlns:a16="http://schemas.microsoft.com/office/drawing/2014/main" id="{82A73093-4B9D-420D-B17E-52293703A1D4}"/>
+              </a:ext>
+              <a:ext uri="{C183D7F6-B498-43B3-948B-1728B52AA6E4}">
+                <adec:decorative xmlns:adec="http://schemas.microsoft.com/office/drawing/2017/decorative" val="1"/>
+              </a:ext>
+            </a:extLst>
+          </p:cNvPr>
+          <p:cNvSpPr>
+            <a:spLocks noGrp="1" noRot="1" noChangeAspect="1" noMove="1" noResize="1" noEditPoints="1" noAdjustHandles="1" noChangeArrowheads="1" noChangeShapeType="1" noTextEdit="1"/>
+          </p:cNvSpPr>
+          <p:nvPr>
+            <p:extLst>
+              <p:ext uri="{386F3935-93C4-4BCD-93E2-E3B085C9AB24}">
+                <p16:designElem xmlns:p16="http://schemas.microsoft.com/office/powerpoint/2015/main" val="1"/>
+              </p:ext>
+            </p:extLst>
+          </p:nvPr>
+        </p:nvSpPr>
+        <p:spPr>
+          <a:xfrm>
+            <a:off x="1" y="6400800"/>
+            <a:ext cx="12192000" cy="457200"/>
+          </a:xfrm>
+          <a:prstGeom prst="rect">
+            <a:avLst/>
+          </a:prstGeom>
+          <a:solidFill>
+            <a:schemeClr val="accent2"/>
+          </a:solidFill>
+          <a:ln>
+            <a:noFill/>
+          </a:ln>
+        </p:spPr>
+        <p:style>
+          <a:lnRef idx="2">
+            <a:schemeClr val="accent1">
+              <a:shade val="50000"/>
+            </a:schemeClr>
+          </a:lnRef>
+          <a:fillRef idx="1">
+            <a:schemeClr val="accent1"/>
+          </a:fillRef>
+          <a:effectRef idx="0">
+            <a:schemeClr val="accent1"/>
+          </a:effectRef>
+          <a:fontRef idx="minor">
+            <a:schemeClr val="lt1"/>
+          </a:fontRef>
+        </p:style>
+      </p:sp>
+    </p:spTree>
+    <p:extLst>
+      <p:ext uri="{BB962C8B-B14F-4D97-AF65-F5344CB8AC3E}">
+        <p14:creationId xmlns:p14="http://schemas.microsoft.com/office/powerpoint/2010/main" val="723312773"/>
+      </p:ext>
+    </p:extLst>
+  </p:cSld>
+  <p:clrMapOvr>
+    <a:masterClrMapping/>
+  </p:clrMapOvr>
+</p:sld>
+</file>
+
+<file path=ppt/slides/slide56.xml><?xml version="1.0" encoding="utf-8"?>
+<p:sld xmlns:a="http://schemas.openxmlformats.org/drawingml/2006/main" xmlns:r="http://schemas.openxmlformats.org/officeDocument/2006/relationships" xmlns:p="http://schemas.openxmlformats.org/presentationml/2006/main">
+  <p:cSld>
+    <p:bg>
+      <p:bgPr>
+        <a:solidFill>
+          <a:schemeClr val="bg1"/>
+        </a:solidFill>
+        <a:effectLst/>
+      </p:bgPr>
+    </p:bg>
+    <p:spTree>
+      <p:nvGrpSpPr>
+        <p:cNvPr id="1" name=""/>
+        <p:cNvGrpSpPr/>
+        <p:nvPr/>
+      </p:nvGrpSpPr>
+      <p:grpSpPr>
+        <a:xfrm>
+          <a:off x="0" y="0"/>
+          <a:ext cx="0" cy="0"/>
+          <a:chOff x="0" y="0"/>
+          <a:chExt cx="0" cy="0"/>
+        </a:xfrm>
+      </p:grpSpPr>
+      <p:sp useBgFill="1">
+        <p:nvSpPr>
+          <p:cNvPr id="87" name="Rectangle 86">
+            <a:extLst>
+              <a:ext uri="{FF2B5EF4-FFF2-40B4-BE49-F238E27FC236}">
+                <a16:creationId xmlns:a16="http://schemas.microsoft.com/office/drawing/2014/main" id="{52ABB703-2B0E-4C3B-B4A2-F3973548E561}"/>
+              </a:ext>
+              <a:ext uri="{C183D7F6-B498-43B3-948B-1728B52AA6E4}">
+                <adec:decorative xmlns:adec="http://schemas.microsoft.com/office/drawing/2017/decorative" val="1"/>
+              </a:ext>
+            </a:extLst>
+          </p:cNvPr>
+          <p:cNvSpPr>
+            <a:spLocks noGrp="1" noRot="1" noChangeAspect="1" noMove="1" noResize="1" noEditPoints="1" noAdjustHandles="1" noChangeArrowheads="1" noChangeShapeType="1" noTextEdit="1"/>
+          </p:cNvSpPr>
+          <p:nvPr>
+            <p:extLst>
+              <p:ext uri="{386F3935-93C4-4BCD-93E2-E3B085C9AB24}">
+                <p16:designElem xmlns:p16="http://schemas.microsoft.com/office/powerpoint/2015/main" val="1"/>
+              </p:ext>
+            </p:extLst>
+          </p:nvPr>
+        </p:nvSpPr>
+        <p:spPr>
+          <a:xfrm>
+            <a:off x="0" y="0"/>
+            <a:ext cx="12192001" cy="6334316"/>
+          </a:xfrm>
+          <a:prstGeom prst="rect">
+            <a:avLst/>
+          </a:prstGeom>
+          <a:ln>
+            <a:noFill/>
+          </a:ln>
+        </p:spPr>
+        <p:style>
+          <a:lnRef idx="2">
+            <a:schemeClr val="accent1">
+              <a:shade val="50000"/>
+            </a:schemeClr>
+          </a:lnRef>
+          <a:fillRef idx="1">
+            <a:schemeClr val="accent1"/>
+          </a:fillRef>
+          <a:effectRef idx="0">
+            <a:schemeClr val="accent1"/>
+          </a:effectRef>
+          <a:fontRef idx="minor">
+            <a:schemeClr val="lt1"/>
+          </a:fontRef>
+        </p:style>
+        <p:txBody>
+          <a:bodyPr rtlCol="0" anchor="ctr"/>
+          <a:lstStyle/>
+          <a:p>
+            <a:pPr algn="ctr"/>
+            <a:endParaRPr lang="en-US"/>
+          </a:p>
+        </p:txBody>
+      </p:sp>
+      <p:sp>
+        <p:nvSpPr>
+          <p:cNvPr id="2" name="Title 1">
+            <a:extLst>
+              <a:ext uri="{FF2B5EF4-FFF2-40B4-BE49-F238E27FC236}">
+                <a16:creationId xmlns:a16="http://schemas.microsoft.com/office/drawing/2014/main" id="{0CF820E1-E514-4B58-98AB-89F302D91E31}"/>
+              </a:ext>
+            </a:extLst>
+          </p:cNvPr>
+          <p:cNvSpPr>
+            <a:spLocks noGrp="1"/>
+          </p:cNvSpPr>
+          <p:nvPr>
+            <p:ph type="title"/>
+          </p:nvPr>
+        </p:nvSpPr>
+        <p:spPr>
+          <a:xfrm>
+            <a:off x="6411685" y="634946"/>
+            <a:ext cx="5127171" cy="1450757"/>
+          </a:xfrm>
+        </p:spPr>
+        <p:txBody>
+          <a:bodyPr>
+            <a:normAutofit/>
+          </a:bodyPr>
+          <a:lstStyle/>
+          <a:p>
+            <a:r>
+              <a:rPr lang="en-IN" b="1" dirty="0"/>
+              <a:t>Uniform vs Normal</a:t>
+            </a:r>
+          </a:p>
+        </p:txBody>
+      </p:sp>
+      <p:pic>
+        <p:nvPicPr>
+          <p:cNvPr id="5" name="Content Placeholder 4">
+            <a:extLst>
+              <a:ext uri="{FF2B5EF4-FFF2-40B4-BE49-F238E27FC236}">
+                <a16:creationId xmlns:a16="http://schemas.microsoft.com/office/drawing/2014/main" id="{66ACF5EE-B012-4BDB-A31F-C5EBFB1ECF9F}"/>
+              </a:ext>
+            </a:extLst>
+          </p:cNvPr>
+          <p:cNvPicPr>
+            <a:picLocks noChangeAspect="1"/>
+          </p:cNvPicPr>
+          <p:nvPr/>
+        </p:nvPicPr>
+        <p:blipFill>
+          <a:blip r:embed="rId2">
+            <a:extLst>
+              <a:ext uri="{28A0092B-C50C-407E-A947-70E740481C1C}">
+                <a14:useLocalDpi xmlns:a14="http://schemas.microsoft.com/office/drawing/2010/main" val="0"/>
+              </a:ext>
+            </a:extLst>
+          </a:blip>
+          <a:srcRect l="7592" r="7592"/>
+          <a:stretch/>
+        </p:blipFill>
+        <p:spPr>
+          <a:xfrm>
+            <a:off x="643192" y="697942"/>
+            <a:ext cx="5451627" cy="5142074"/>
+          </a:xfrm>
+          <a:prstGeom prst="rect">
+            <a:avLst/>
+          </a:prstGeom>
+        </p:spPr>
+      </p:pic>
+      <p:cxnSp>
+        <p:nvCxnSpPr>
+          <p:cNvPr id="89" name="Straight Connector 88">
+            <a:extLst>
+              <a:ext uri="{FF2B5EF4-FFF2-40B4-BE49-F238E27FC236}">
+                <a16:creationId xmlns:a16="http://schemas.microsoft.com/office/drawing/2014/main" id="{9C21570E-E159-49A6-9891-FA397B7A92D3}"/>
+              </a:ext>
+              <a:ext uri="{C183D7F6-B498-43B3-948B-1728B52AA6E4}">
+                <adec:decorative xmlns:adec="http://schemas.microsoft.com/office/drawing/2017/decorative" val="1"/>
+              </a:ext>
+            </a:extLst>
+          </p:cNvPr>
+          <p:cNvCxnSpPr>
+            <a:cxnSpLocks noGrp="1" noRot="1" noChangeAspect="1" noMove="1" noResize="1" noEditPoints="1" noAdjustHandles="1" noChangeArrowheads="1" noChangeShapeType="1"/>
+          </p:cNvCxnSpPr>
+          <p:nvPr>
+            <p:extLst>
+              <p:ext uri="{386F3935-93C4-4BCD-93E2-E3B085C9AB24}">
+                <p16:designElem xmlns:p16="http://schemas.microsoft.com/office/powerpoint/2015/main" val="1"/>
+              </p:ext>
+            </p:extLst>
+          </p:nvPr>
+        </p:nvCxnSpPr>
+        <p:spPr>
+          <a:xfrm>
+            <a:off x="6411684" y="2086188"/>
+            <a:ext cx="4748808" cy="0"/>
+          </a:xfrm>
+          <a:prstGeom prst="line">
+            <a:avLst/>
+          </a:prstGeom>
+          <a:ln w="6350">
+            <a:solidFill>
+              <a:schemeClr val="tx1">
+                <a:lumMod val="50000"/>
+                <a:lumOff val="50000"/>
+                <a:alpha val="90000"/>
+              </a:schemeClr>
+            </a:solidFill>
+          </a:ln>
+        </p:spPr>
+        <p:style>
+          <a:lnRef idx="1">
+            <a:schemeClr val="accent1"/>
+          </a:lnRef>
+          <a:fillRef idx="0">
+            <a:schemeClr val="accent1"/>
+          </a:fillRef>
+          <a:effectRef idx="0">
+            <a:schemeClr val="accent1"/>
+          </a:effectRef>
+          <a:fontRef idx="minor">
+            <a:schemeClr val="tx1"/>
+          </a:fontRef>
+        </p:style>
+      </p:cxnSp>
+      <p:sp>
+        <p:nvSpPr>
+          <p:cNvPr id="9" name="Content Placeholder 8">
+            <a:extLst>
+              <a:ext uri="{FF2B5EF4-FFF2-40B4-BE49-F238E27FC236}">
+                <a16:creationId xmlns:a16="http://schemas.microsoft.com/office/drawing/2014/main" id="{FB3ADEF1-B48E-4597-8478-E89F81BA647C}"/>
+              </a:ext>
+            </a:extLst>
+          </p:cNvPr>
+          <p:cNvSpPr>
+            <a:spLocks noGrp="1"/>
+          </p:cNvSpPr>
+          <p:nvPr>
+            <p:ph idx="1"/>
+          </p:nvPr>
+        </p:nvSpPr>
+        <p:spPr>
+          <a:xfrm>
+            <a:off x="6411684" y="2198914"/>
+            <a:ext cx="5127172" cy="3670180"/>
+          </a:xfrm>
+        </p:spPr>
+        <p:txBody>
+          <a:bodyPr>
+            <a:normAutofit/>
+          </a:bodyPr>
+          <a:lstStyle/>
+          <a:p>
+            <a:pPr lvl="1"/>
+            <a:r>
+              <a:rPr lang="en-US" dirty="0"/>
+              <a:t>The Stark difference between Uniform and Normal could be because MoM doesn’t give exact median but approximates the median. And as Normal Distribution has more elements concentrated in the median; we will have decreased accuracy in case of normal</a:t>
+            </a:r>
+          </a:p>
+          <a:p>
+            <a:pPr lvl="1"/>
+            <a:r>
+              <a:rPr lang="en-US" dirty="0"/>
+              <a:t>To test this hypothesis, we did the same experiment with divide size 3 and 7</a:t>
+            </a:r>
+          </a:p>
+          <a:p>
+            <a:pPr lvl="1"/>
+            <a:r>
+              <a:rPr lang="en-US" dirty="0"/>
+              <a:t>If our hypothesis comes out to be true, the difference between uniform and normal should increase for divide size 7 and should decrease for divide size 3.</a:t>
+            </a:r>
+          </a:p>
+        </p:txBody>
+      </p:sp>
+      <p:sp>
+        <p:nvSpPr>
+          <p:cNvPr id="91" name="Rectangle 90">
+            <a:extLst>
+              <a:ext uri="{FF2B5EF4-FFF2-40B4-BE49-F238E27FC236}">
+                <a16:creationId xmlns:a16="http://schemas.microsoft.com/office/drawing/2014/main" id="{E95DA498-D9A2-4DA9-B9DA-B3776E08CF7E}"/>
+              </a:ext>
+              <a:ext uri="{C183D7F6-B498-43B3-948B-1728B52AA6E4}">
+                <adec:decorative xmlns:adec="http://schemas.microsoft.com/office/drawing/2017/decorative" val="1"/>
+              </a:ext>
+            </a:extLst>
+          </p:cNvPr>
+          <p:cNvSpPr>
+            <a:spLocks noGrp="1" noRot="1" noChangeAspect="1" noMove="1" noResize="1" noEditPoints="1" noAdjustHandles="1" noChangeArrowheads="1" noChangeShapeType="1" noTextEdit="1"/>
+          </p:cNvSpPr>
+          <p:nvPr>
+            <p:extLst>
+              <p:ext uri="{386F3935-93C4-4BCD-93E2-E3B085C9AB24}">
+                <p16:designElem xmlns:p16="http://schemas.microsoft.com/office/powerpoint/2015/main" val="1"/>
+              </p:ext>
+            </p:extLst>
+          </p:nvPr>
+        </p:nvSpPr>
+        <p:spPr>
+          <a:xfrm>
+            <a:off x="15" y="6334316"/>
+            <a:ext cx="12191985" cy="66484"/>
+          </a:xfrm>
+          <a:prstGeom prst="rect">
+            <a:avLst/>
+          </a:prstGeom>
+          <a:solidFill>
+            <a:schemeClr val="accent1"/>
+          </a:solidFill>
+          <a:ln>
+            <a:noFill/>
+          </a:ln>
+        </p:spPr>
+        <p:style>
+          <a:lnRef idx="2">
+            <a:schemeClr val="accent1">
+              <a:shade val="50000"/>
+            </a:schemeClr>
+          </a:lnRef>
+          <a:fillRef idx="1">
+            <a:schemeClr val="accent1"/>
+          </a:fillRef>
+          <a:effectRef idx="0">
+            <a:schemeClr val="accent1"/>
+          </a:effectRef>
+          <a:fontRef idx="minor">
+            <a:schemeClr val="lt1"/>
+          </a:fontRef>
+        </p:style>
+      </p:sp>
+      <p:sp>
+        <p:nvSpPr>
+          <p:cNvPr id="93" name="Rectangle 92">
+            <a:extLst>
+              <a:ext uri="{FF2B5EF4-FFF2-40B4-BE49-F238E27FC236}">
+                <a16:creationId xmlns:a16="http://schemas.microsoft.com/office/drawing/2014/main" id="{82A73093-4B9D-420D-B17E-52293703A1D4}"/>
+              </a:ext>
+              <a:ext uri="{C183D7F6-B498-43B3-948B-1728B52AA6E4}">
+                <adec:decorative xmlns:adec="http://schemas.microsoft.com/office/drawing/2017/decorative" val="1"/>
+              </a:ext>
+            </a:extLst>
+          </p:cNvPr>
+          <p:cNvSpPr>
+            <a:spLocks noGrp="1" noRot="1" noChangeAspect="1" noMove="1" noResize="1" noEditPoints="1" noAdjustHandles="1" noChangeArrowheads="1" noChangeShapeType="1" noTextEdit="1"/>
+          </p:cNvSpPr>
+          <p:nvPr>
+            <p:extLst>
+              <p:ext uri="{386F3935-93C4-4BCD-93E2-E3B085C9AB24}">
+                <p16:designElem xmlns:p16="http://schemas.microsoft.com/office/powerpoint/2015/main" val="1"/>
+              </p:ext>
+            </p:extLst>
+          </p:nvPr>
+        </p:nvSpPr>
+        <p:spPr>
+          <a:xfrm>
+            <a:off x="1" y="6400800"/>
+            <a:ext cx="12192000" cy="457200"/>
+          </a:xfrm>
+          <a:prstGeom prst="rect">
+            <a:avLst/>
+          </a:prstGeom>
+          <a:solidFill>
+            <a:schemeClr val="accent2"/>
+          </a:solidFill>
+          <a:ln>
+            <a:noFill/>
+          </a:ln>
+        </p:spPr>
+        <p:style>
+          <a:lnRef idx="2">
+            <a:schemeClr val="accent1">
+              <a:shade val="50000"/>
+            </a:schemeClr>
+          </a:lnRef>
+          <a:fillRef idx="1">
+            <a:schemeClr val="accent1"/>
+          </a:fillRef>
+          <a:effectRef idx="0">
+            <a:schemeClr val="accent1"/>
+          </a:effectRef>
+          <a:fontRef idx="minor">
+            <a:schemeClr val="lt1"/>
+          </a:fontRef>
+        </p:style>
+      </p:sp>
+    </p:spTree>
+    <p:extLst>
+      <p:ext uri="{BB962C8B-B14F-4D97-AF65-F5344CB8AC3E}">
+        <p14:creationId xmlns:p14="http://schemas.microsoft.com/office/powerpoint/2010/main" val="249877674"/>
+      </p:ext>
+    </p:extLst>
+  </p:cSld>
+  <p:clrMapOvr>
+    <a:masterClrMapping/>
+  </p:clrMapOvr>
+</p:sld>
+</file>
+
+<file path=ppt/slides/slide57.xml><?xml version="1.0" encoding="utf-8"?>
+<p:sld xmlns:a="http://schemas.openxmlformats.org/drawingml/2006/main" xmlns:r="http://schemas.openxmlformats.org/officeDocument/2006/relationships" xmlns:p="http://schemas.openxmlformats.org/presentationml/2006/main">
+  <p:cSld>
+    <p:bg>
+      <p:bgPr>
+        <a:solidFill>
+          <a:schemeClr val="bg1"/>
+        </a:solidFill>
+        <a:effectLst/>
+      </p:bgPr>
+    </p:bg>
+    <p:spTree>
+      <p:nvGrpSpPr>
+        <p:cNvPr id="1" name=""/>
+        <p:cNvGrpSpPr/>
+        <p:nvPr/>
+      </p:nvGrpSpPr>
+      <p:grpSpPr>
+        <a:xfrm>
+          <a:off x="0" y="0"/>
+          <a:ext cx="0" cy="0"/>
+          <a:chOff x="0" y="0"/>
+          <a:chExt cx="0" cy="0"/>
+        </a:xfrm>
+      </p:grpSpPr>
+      <p:sp useBgFill="1">
+        <p:nvSpPr>
+          <p:cNvPr id="87" name="Rectangle 86">
+            <a:extLst>
+              <a:ext uri="{FF2B5EF4-FFF2-40B4-BE49-F238E27FC236}">
+                <a16:creationId xmlns:a16="http://schemas.microsoft.com/office/drawing/2014/main" id="{52ABB703-2B0E-4C3B-B4A2-F3973548E561}"/>
+              </a:ext>
+              <a:ext uri="{C183D7F6-B498-43B3-948B-1728B52AA6E4}">
+                <adec:decorative xmlns:adec="http://schemas.microsoft.com/office/drawing/2017/decorative" val="1"/>
+              </a:ext>
+            </a:extLst>
+          </p:cNvPr>
+          <p:cNvSpPr>
+            <a:spLocks noGrp="1" noRot="1" noChangeAspect="1" noMove="1" noResize="1" noEditPoints="1" noAdjustHandles="1" noChangeArrowheads="1" noChangeShapeType="1" noTextEdit="1"/>
+          </p:cNvSpPr>
+          <p:nvPr>
+            <p:extLst>
+              <p:ext uri="{386F3935-93C4-4BCD-93E2-E3B085C9AB24}">
+                <p16:designElem xmlns:p16="http://schemas.microsoft.com/office/powerpoint/2015/main" val="1"/>
+              </p:ext>
+            </p:extLst>
+          </p:nvPr>
+        </p:nvSpPr>
+        <p:spPr>
+          <a:xfrm>
+            <a:off x="0" y="0"/>
+            <a:ext cx="12192001" cy="6334316"/>
+          </a:xfrm>
+          <a:prstGeom prst="rect">
+            <a:avLst/>
+          </a:prstGeom>
+          <a:ln>
+            <a:noFill/>
+          </a:ln>
+        </p:spPr>
+        <p:style>
+          <a:lnRef idx="2">
+            <a:schemeClr val="accent1">
+              <a:shade val="50000"/>
+            </a:schemeClr>
+          </a:lnRef>
+          <a:fillRef idx="1">
+            <a:schemeClr val="accent1"/>
+          </a:fillRef>
+          <a:effectRef idx="0">
+            <a:schemeClr val="accent1"/>
+          </a:effectRef>
+          <a:fontRef idx="minor">
+            <a:schemeClr val="lt1"/>
+          </a:fontRef>
+        </p:style>
+        <p:txBody>
+          <a:bodyPr rtlCol="0" anchor="ctr"/>
+          <a:lstStyle/>
+          <a:p>
+            <a:pPr algn="ctr"/>
+            <a:endParaRPr lang="en-US"/>
+          </a:p>
+        </p:txBody>
+      </p:sp>
+      <p:sp>
+        <p:nvSpPr>
+          <p:cNvPr id="2" name="Title 1">
+            <a:extLst>
+              <a:ext uri="{FF2B5EF4-FFF2-40B4-BE49-F238E27FC236}">
+                <a16:creationId xmlns:a16="http://schemas.microsoft.com/office/drawing/2014/main" id="{0CF820E1-E514-4B58-98AB-89F302D91E31}"/>
+              </a:ext>
+            </a:extLst>
+          </p:cNvPr>
+          <p:cNvSpPr>
+            <a:spLocks noGrp="1"/>
+          </p:cNvSpPr>
+          <p:nvPr>
+            <p:ph type="title"/>
+          </p:nvPr>
+        </p:nvSpPr>
+        <p:spPr>
+          <a:xfrm>
+            <a:off x="6411685" y="634946"/>
+            <a:ext cx="5127171" cy="1450757"/>
+          </a:xfrm>
+        </p:spPr>
+        <p:txBody>
+          <a:bodyPr>
+            <a:normAutofit/>
+          </a:bodyPr>
+          <a:lstStyle/>
+          <a:p>
+            <a:r>
+              <a:rPr lang="en-IN" b="1" dirty="0"/>
+              <a:t>Divide Size 3</a:t>
+            </a:r>
+          </a:p>
+        </p:txBody>
+      </p:sp>
+      <p:pic>
+        <p:nvPicPr>
+          <p:cNvPr id="5" name="Content Placeholder 4">
+            <a:extLst>
+              <a:ext uri="{FF2B5EF4-FFF2-40B4-BE49-F238E27FC236}">
+                <a16:creationId xmlns:a16="http://schemas.microsoft.com/office/drawing/2014/main" id="{66ACF5EE-B012-4BDB-A31F-C5EBFB1ECF9F}"/>
+              </a:ext>
+            </a:extLst>
+          </p:cNvPr>
+          <p:cNvPicPr>
+            <a:picLocks noChangeAspect="1"/>
+          </p:cNvPicPr>
+          <p:nvPr/>
+        </p:nvPicPr>
+        <p:blipFill>
+          <a:blip r:embed="rId2">
+            <a:extLst>
+              <a:ext uri="{28A0092B-C50C-407E-A947-70E740481C1C}">
+                <a14:useLocalDpi xmlns:a14="http://schemas.microsoft.com/office/drawing/2010/main" val="0"/>
+              </a:ext>
+            </a:extLst>
+          </a:blip>
+          <a:srcRect l="7592" r="7592"/>
+          <a:stretch/>
+        </p:blipFill>
+        <p:spPr>
+          <a:xfrm>
+            <a:off x="643192" y="697942"/>
+            <a:ext cx="5451627" cy="5142074"/>
+          </a:xfrm>
+          <a:prstGeom prst="rect">
+            <a:avLst/>
+          </a:prstGeom>
+        </p:spPr>
+      </p:pic>
+      <p:cxnSp>
+        <p:nvCxnSpPr>
+          <p:cNvPr id="89" name="Straight Connector 88">
+            <a:extLst>
+              <a:ext uri="{FF2B5EF4-FFF2-40B4-BE49-F238E27FC236}">
+                <a16:creationId xmlns:a16="http://schemas.microsoft.com/office/drawing/2014/main" id="{9C21570E-E159-49A6-9891-FA397B7A92D3}"/>
+              </a:ext>
+              <a:ext uri="{C183D7F6-B498-43B3-948B-1728B52AA6E4}">
+                <adec:decorative xmlns:adec="http://schemas.microsoft.com/office/drawing/2017/decorative" val="1"/>
+              </a:ext>
+            </a:extLst>
+          </p:cNvPr>
+          <p:cNvCxnSpPr>
+            <a:cxnSpLocks noGrp="1" noRot="1" noChangeAspect="1" noMove="1" noResize="1" noEditPoints="1" noAdjustHandles="1" noChangeArrowheads="1" noChangeShapeType="1"/>
+          </p:cNvCxnSpPr>
+          <p:nvPr>
+            <p:extLst>
+              <p:ext uri="{386F3935-93C4-4BCD-93E2-E3B085C9AB24}">
+                <p16:designElem xmlns:p16="http://schemas.microsoft.com/office/powerpoint/2015/main" val="1"/>
+              </p:ext>
+            </p:extLst>
+          </p:nvPr>
+        </p:nvCxnSpPr>
+        <p:spPr>
+          <a:xfrm>
+            <a:off x="6411684" y="2086188"/>
+            <a:ext cx="4748808" cy="0"/>
+          </a:xfrm>
+          <a:prstGeom prst="line">
+            <a:avLst/>
+          </a:prstGeom>
+          <a:ln w="6350">
+            <a:solidFill>
+              <a:schemeClr val="tx1">
+                <a:lumMod val="50000"/>
+                <a:lumOff val="50000"/>
+                <a:alpha val="90000"/>
+              </a:schemeClr>
+            </a:solidFill>
+          </a:ln>
+        </p:spPr>
+        <p:style>
+          <a:lnRef idx="1">
+            <a:schemeClr val="accent1"/>
+          </a:lnRef>
+          <a:fillRef idx="0">
+            <a:schemeClr val="accent1"/>
+          </a:fillRef>
+          <a:effectRef idx="0">
+            <a:schemeClr val="accent1"/>
+          </a:effectRef>
+          <a:fontRef idx="minor">
+            <a:schemeClr val="tx1"/>
+          </a:fontRef>
+        </p:style>
+      </p:cxnSp>
+      <p:sp>
+        <p:nvSpPr>
+          <p:cNvPr id="9" name="Content Placeholder 8">
+            <a:extLst>
+              <a:ext uri="{FF2B5EF4-FFF2-40B4-BE49-F238E27FC236}">
+                <a16:creationId xmlns:a16="http://schemas.microsoft.com/office/drawing/2014/main" id="{FB3ADEF1-B48E-4597-8478-E89F81BA647C}"/>
+              </a:ext>
+            </a:extLst>
+          </p:cNvPr>
+          <p:cNvSpPr>
+            <a:spLocks noGrp="1"/>
+          </p:cNvSpPr>
+          <p:nvPr>
+            <p:ph idx="1"/>
+          </p:nvPr>
+        </p:nvSpPr>
+        <p:spPr>
+          <a:xfrm>
+            <a:off x="6411684" y="2198914"/>
+            <a:ext cx="5127172" cy="3670180"/>
+          </a:xfrm>
+        </p:spPr>
+        <p:txBody>
+          <a:bodyPr>
+            <a:normAutofit/>
+          </a:bodyPr>
+          <a:lstStyle/>
+          <a:p>
+            <a:pPr lvl="1"/>
+            <a:r>
+              <a:rPr lang="en-US" dirty="0"/>
+              <a:t>Here we see that if we decrease the divide size to 3, the difference between Uniform and Normal Dataset decreases quite a lot.</a:t>
+            </a:r>
+          </a:p>
+          <a:p>
+            <a:pPr lvl="1"/>
+            <a:r>
+              <a:rPr lang="en-US" dirty="0"/>
+              <a:t>This is happening as the region of approx. median has decreased, giving better accuracy for Normal Distribution.</a:t>
+            </a:r>
+          </a:p>
+        </p:txBody>
+      </p:sp>
+      <p:sp>
+        <p:nvSpPr>
+          <p:cNvPr id="91" name="Rectangle 90">
+            <a:extLst>
+              <a:ext uri="{FF2B5EF4-FFF2-40B4-BE49-F238E27FC236}">
+                <a16:creationId xmlns:a16="http://schemas.microsoft.com/office/drawing/2014/main" id="{E95DA498-D9A2-4DA9-B9DA-B3776E08CF7E}"/>
+              </a:ext>
+              <a:ext uri="{C183D7F6-B498-43B3-948B-1728B52AA6E4}">
+                <adec:decorative xmlns:adec="http://schemas.microsoft.com/office/drawing/2017/decorative" val="1"/>
+              </a:ext>
+            </a:extLst>
+          </p:cNvPr>
+          <p:cNvSpPr>
+            <a:spLocks noGrp="1" noRot="1" noChangeAspect="1" noMove="1" noResize="1" noEditPoints="1" noAdjustHandles="1" noChangeArrowheads="1" noChangeShapeType="1" noTextEdit="1"/>
+          </p:cNvSpPr>
+          <p:nvPr>
+            <p:extLst>
+              <p:ext uri="{386F3935-93C4-4BCD-93E2-E3B085C9AB24}">
+                <p16:designElem xmlns:p16="http://schemas.microsoft.com/office/powerpoint/2015/main" val="1"/>
+              </p:ext>
+            </p:extLst>
+          </p:nvPr>
+        </p:nvSpPr>
+        <p:spPr>
+          <a:xfrm>
+            <a:off x="15" y="6334316"/>
+            <a:ext cx="12191985" cy="66484"/>
+          </a:xfrm>
+          <a:prstGeom prst="rect">
+            <a:avLst/>
+          </a:prstGeom>
+          <a:solidFill>
+            <a:schemeClr val="accent1"/>
+          </a:solidFill>
+          <a:ln>
+            <a:noFill/>
+          </a:ln>
+        </p:spPr>
+        <p:style>
+          <a:lnRef idx="2">
+            <a:schemeClr val="accent1">
+              <a:shade val="50000"/>
+            </a:schemeClr>
+          </a:lnRef>
+          <a:fillRef idx="1">
+            <a:schemeClr val="accent1"/>
+          </a:fillRef>
+          <a:effectRef idx="0">
+            <a:schemeClr val="accent1"/>
+          </a:effectRef>
+          <a:fontRef idx="minor">
+            <a:schemeClr val="lt1"/>
+          </a:fontRef>
+        </p:style>
+      </p:sp>
+      <p:sp>
+        <p:nvSpPr>
+          <p:cNvPr id="93" name="Rectangle 92">
+            <a:extLst>
+              <a:ext uri="{FF2B5EF4-FFF2-40B4-BE49-F238E27FC236}">
+                <a16:creationId xmlns:a16="http://schemas.microsoft.com/office/drawing/2014/main" id="{82A73093-4B9D-420D-B17E-52293703A1D4}"/>
+              </a:ext>
+              <a:ext uri="{C183D7F6-B498-43B3-948B-1728B52AA6E4}">
+                <adec:decorative xmlns:adec="http://schemas.microsoft.com/office/drawing/2017/decorative" val="1"/>
+              </a:ext>
+            </a:extLst>
+          </p:cNvPr>
+          <p:cNvSpPr>
+            <a:spLocks noGrp="1" noRot="1" noChangeAspect="1" noMove="1" noResize="1" noEditPoints="1" noAdjustHandles="1" noChangeArrowheads="1" noChangeShapeType="1" noTextEdit="1"/>
+          </p:cNvSpPr>
+          <p:nvPr>
+            <p:extLst>
+              <p:ext uri="{386F3935-93C4-4BCD-93E2-E3B085C9AB24}">
+                <p16:designElem xmlns:p16="http://schemas.microsoft.com/office/powerpoint/2015/main" val="1"/>
+              </p:ext>
+            </p:extLst>
+          </p:nvPr>
+        </p:nvSpPr>
+        <p:spPr>
+          <a:xfrm>
+            <a:off x="1" y="6400800"/>
+            <a:ext cx="12192000" cy="457200"/>
+          </a:xfrm>
+          <a:prstGeom prst="rect">
+            <a:avLst/>
+          </a:prstGeom>
+          <a:solidFill>
+            <a:schemeClr val="accent2"/>
+          </a:solidFill>
+          <a:ln>
+            <a:noFill/>
+          </a:ln>
+        </p:spPr>
+        <p:style>
+          <a:lnRef idx="2">
+            <a:schemeClr val="accent1">
+              <a:shade val="50000"/>
+            </a:schemeClr>
+          </a:lnRef>
+          <a:fillRef idx="1">
+            <a:schemeClr val="accent1"/>
+          </a:fillRef>
+          <a:effectRef idx="0">
+            <a:schemeClr val="accent1"/>
+          </a:effectRef>
+          <a:fontRef idx="minor">
+            <a:schemeClr val="lt1"/>
+          </a:fontRef>
+        </p:style>
+      </p:sp>
+    </p:spTree>
+    <p:extLst>
+      <p:ext uri="{BB962C8B-B14F-4D97-AF65-F5344CB8AC3E}">
+        <p14:creationId xmlns:p14="http://schemas.microsoft.com/office/powerpoint/2010/main" val="1997043204"/>
+      </p:ext>
+    </p:extLst>
+  </p:cSld>
+  <p:clrMapOvr>
+    <a:masterClrMapping/>
+  </p:clrMapOvr>
+</p:sld>
+</file>
+
+<file path=ppt/slides/slide58.xml><?xml version="1.0" encoding="utf-8"?>
+<p:sld xmlns:a="http://schemas.openxmlformats.org/drawingml/2006/main" xmlns:r="http://schemas.openxmlformats.org/officeDocument/2006/relationships" xmlns:p="http://schemas.openxmlformats.org/presentationml/2006/main">
+  <p:cSld>
+    <p:bg>
+      <p:bgPr>
+        <a:solidFill>
+          <a:schemeClr val="bg1"/>
+        </a:solidFill>
+        <a:effectLst/>
+      </p:bgPr>
+    </p:bg>
+    <p:spTree>
+      <p:nvGrpSpPr>
+        <p:cNvPr id="1" name=""/>
+        <p:cNvGrpSpPr/>
+        <p:nvPr/>
+      </p:nvGrpSpPr>
+      <p:grpSpPr>
+        <a:xfrm>
+          <a:off x="0" y="0"/>
+          <a:ext cx="0" cy="0"/>
+          <a:chOff x="0" y="0"/>
+          <a:chExt cx="0" cy="0"/>
+        </a:xfrm>
+      </p:grpSpPr>
+      <p:sp useBgFill="1">
+        <p:nvSpPr>
+          <p:cNvPr id="87" name="Rectangle 86">
+            <a:extLst>
+              <a:ext uri="{FF2B5EF4-FFF2-40B4-BE49-F238E27FC236}">
+                <a16:creationId xmlns:a16="http://schemas.microsoft.com/office/drawing/2014/main" id="{52ABB703-2B0E-4C3B-B4A2-F3973548E561}"/>
+              </a:ext>
+              <a:ext uri="{C183D7F6-B498-43B3-948B-1728B52AA6E4}">
+                <adec:decorative xmlns:adec="http://schemas.microsoft.com/office/drawing/2017/decorative" val="1"/>
+              </a:ext>
+            </a:extLst>
+          </p:cNvPr>
+          <p:cNvSpPr>
+            <a:spLocks noGrp="1" noRot="1" noChangeAspect="1" noMove="1" noResize="1" noEditPoints="1" noAdjustHandles="1" noChangeArrowheads="1" noChangeShapeType="1" noTextEdit="1"/>
+          </p:cNvSpPr>
+          <p:nvPr>
+            <p:extLst>
+              <p:ext uri="{386F3935-93C4-4BCD-93E2-E3B085C9AB24}">
+                <p16:designElem xmlns:p16="http://schemas.microsoft.com/office/powerpoint/2015/main" val="1"/>
+              </p:ext>
+            </p:extLst>
+          </p:nvPr>
+        </p:nvSpPr>
+        <p:spPr>
+          <a:xfrm>
+            <a:off x="0" y="0"/>
+            <a:ext cx="12192001" cy="6334316"/>
+          </a:xfrm>
+          <a:prstGeom prst="rect">
+            <a:avLst/>
+          </a:prstGeom>
+          <a:ln>
+            <a:noFill/>
+          </a:ln>
+        </p:spPr>
+        <p:style>
+          <a:lnRef idx="2">
+            <a:schemeClr val="accent1">
+              <a:shade val="50000"/>
+            </a:schemeClr>
+          </a:lnRef>
+          <a:fillRef idx="1">
+            <a:schemeClr val="accent1"/>
+          </a:fillRef>
+          <a:effectRef idx="0">
+            <a:schemeClr val="accent1"/>
+          </a:effectRef>
+          <a:fontRef idx="minor">
+            <a:schemeClr val="lt1"/>
+          </a:fontRef>
+        </p:style>
+        <p:txBody>
+          <a:bodyPr rtlCol="0" anchor="ctr"/>
+          <a:lstStyle/>
+          <a:p>
+            <a:pPr algn="ctr"/>
+            <a:endParaRPr lang="en-US"/>
+          </a:p>
+        </p:txBody>
+      </p:sp>
+      <p:sp>
+        <p:nvSpPr>
+          <p:cNvPr id="2" name="Title 1">
+            <a:extLst>
+              <a:ext uri="{FF2B5EF4-FFF2-40B4-BE49-F238E27FC236}">
+                <a16:creationId xmlns:a16="http://schemas.microsoft.com/office/drawing/2014/main" id="{0CF820E1-E514-4B58-98AB-89F302D91E31}"/>
+              </a:ext>
+            </a:extLst>
+          </p:cNvPr>
+          <p:cNvSpPr>
+            <a:spLocks noGrp="1"/>
+          </p:cNvSpPr>
+          <p:nvPr>
+            <p:ph type="title"/>
+          </p:nvPr>
+        </p:nvSpPr>
+        <p:spPr>
+          <a:xfrm>
+            <a:off x="6411685" y="634946"/>
+            <a:ext cx="5127171" cy="1450757"/>
+          </a:xfrm>
+        </p:spPr>
+        <p:txBody>
+          <a:bodyPr>
+            <a:normAutofit/>
+          </a:bodyPr>
+          <a:lstStyle/>
+          <a:p>
+            <a:r>
+              <a:rPr lang="en-IN" b="1" dirty="0"/>
+              <a:t>Divide Size 7</a:t>
+            </a:r>
+          </a:p>
+        </p:txBody>
+      </p:sp>
+      <p:pic>
+        <p:nvPicPr>
+          <p:cNvPr id="5" name="Content Placeholder 4">
+            <a:extLst>
+              <a:ext uri="{FF2B5EF4-FFF2-40B4-BE49-F238E27FC236}">
+                <a16:creationId xmlns:a16="http://schemas.microsoft.com/office/drawing/2014/main" id="{66ACF5EE-B012-4BDB-A31F-C5EBFB1ECF9F}"/>
+              </a:ext>
+            </a:extLst>
+          </p:cNvPr>
+          <p:cNvPicPr>
+            <a:picLocks noChangeAspect="1"/>
+          </p:cNvPicPr>
+          <p:nvPr/>
+        </p:nvPicPr>
+        <p:blipFill>
+          <a:blip r:embed="rId2">
+            <a:extLst>
+              <a:ext uri="{28A0092B-C50C-407E-A947-70E740481C1C}">
+                <a14:useLocalDpi xmlns:a14="http://schemas.microsoft.com/office/drawing/2010/main" val="0"/>
+              </a:ext>
+            </a:extLst>
+          </a:blip>
+          <a:srcRect l="7592" r="7592"/>
+          <a:stretch/>
+        </p:blipFill>
+        <p:spPr>
+          <a:xfrm>
+            <a:off x="643192" y="697942"/>
+            <a:ext cx="5451627" cy="5142074"/>
+          </a:xfrm>
+          <a:prstGeom prst="rect">
+            <a:avLst/>
+          </a:prstGeom>
+        </p:spPr>
+      </p:pic>
+      <p:cxnSp>
+        <p:nvCxnSpPr>
+          <p:cNvPr id="89" name="Straight Connector 88">
+            <a:extLst>
+              <a:ext uri="{FF2B5EF4-FFF2-40B4-BE49-F238E27FC236}">
+                <a16:creationId xmlns:a16="http://schemas.microsoft.com/office/drawing/2014/main" id="{9C21570E-E159-49A6-9891-FA397B7A92D3}"/>
+              </a:ext>
+              <a:ext uri="{C183D7F6-B498-43B3-948B-1728B52AA6E4}">
+                <adec:decorative xmlns:adec="http://schemas.microsoft.com/office/drawing/2017/decorative" val="1"/>
+              </a:ext>
+            </a:extLst>
+          </p:cNvPr>
+          <p:cNvCxnSpPr>
+            <a:cxnSpLocks noGrp="1" noRot="1" noChangeAspect="1" noMove="1" noResize="1" noEditPoints="1" noAdjustHandles="1" noChangeArrowheads="1" noChangeShapeType="1"/>
+          </p:cNvCxnSpPr>
+          <p:nvPr>
+            <p:extLst>
+              <p:ext uri="{386F3935-93C4-4BCD-93E2-E3B085C9AB24}">
+                <p16:designElem xmlns:p16="http://schemas.microsoft.com/office/powerpoint/2015/main" val="1"/>
+              </p:ext>
+            </p:extLst>
+          </p:nvPr>
+        </p:nvCxnSpPr>
+        <p:spPr>
+          <a:xfrm>
+            <a:off x="6411684" y="2086188"/>
+            <a:ext cx="4748808" cy="0"/>
+          </a:xfrm>
+          <a:prstGeom prst="line">
+            <a:avLst/>
+          </a:prstGeom>
+          <a:ln w="6350">
+            <a:solidFill>
+              <a:schemeClr val="tx1">
+                <a:lumMod val="50000"/>
+                <a:lumOff val="50000"/>
+                <a:alpha val="90000"/>
+              </a:schemeClr>
+            </a:solidFill>
+          </a:ln>
+        </p:spPr>
+        <p:style>
+          <a:lnRef idx="1">
+            <a:schemeClr val="accent1"/>
+          </a:lnRef>
+          <a:fillRef idx="0">
+            <a:schemeClr val="accent1"/>
+          </a:fillRef>
+          <a:effectRef idx="0">
+            <a:schemeClr val="accent1"/>
+          </a:effectRef>
+          <a:fontRef idx="minor">
+            <a:schemeClr val="tx1"/>
+          </a:fontRef>
+        </p:style>
+      </p:cxnSp>
+      <p:sp>
+        <p:nvSpPr>
+          <p:cNvPr id="9" name="Content Placeholder 8">
+            <a:extLst>
+              <a:ext uri="{FF2B5EF4-FFF2-40B4-BE49-F238E27FC236}">
+                <a16:creationId xmlns:a16="http://schemas.microsoft.com/office/drawing/2014/main" id="{FB3ADEF1-B48E-4597-8478-E89F81BA647C}"/>
+              </a:ext>
+            </a:extLst>
+          </p:cNvPr>
+          <p:cNvSpPr>
+            <a:spLocks noGrp="1"/>
+          </p:cNvSpPr>
+          <p:nvPr>
+            <p:ph idx="1"/>
+          </p:nvPr>
+        </p:nvSpPr>
+        <p:spPr>
+          <a:xfrm>
+            <a:off x="6411684" y="2198914"/>
+            <a:ext cx="5127172" cy="3670180"/>
+          </a:xfrm>
+        </p:spPr>
+        <p:txBody>
+          <a:bodyPr>
+            <a:normAutofit/>
+          </a:bodyPr>
+          <a:lstStyle/>
+          <a:p>
+            <a:pPr lvl="1"/>
+            <a:r>
+              <a:rPr lang="en-US" dirty="0"/>
+              <a:t>Here we see that the difference between the Uniform and Normal is like divide size 5, but the drop region has gone away.</a:t>
+            </a:r>
+          </a:p>
+          <a:p>
+            <a:pPr lvl="1"/>
+            <a:r>
+              <a:rPr lang="en-US" dirty="0"/>
+              <a:t>By this observation, we could say that we might getting the “drops” as out divide size is very small and increasing the divide size might potentially remove the “drops”.</a:t>
+            </a:r>
+          </a:p>
+        </p:txBody>
+      </p:sp>
+      <p:sp>
+        <p:nvSpPr>
+          <p:cNvPr id="91" name="Rectangle 90">
+            <a:extLst>
+              <a:ext uri="{FF2B5EF4-FFF2-40B4-BE49-F238E27FC236}">
+                <a16:creationId xmlns:a16="http://schemas.microsoft.com/office/drawing/2014/main" id="{E95DA498-D9A2-4DA9-B9DA-B3776E08CF7E}"/>
+              </a:ext>
+              <a:ext uri="{C183D7F6-B498-43B3-948B-1728B52AA6E4}">
+                <adec:decorative xmlns:adec="http://schemas.microsoft.com/office/drawing/2017/decorative" val="1"/>
+              </a:ext>
+            </a:extLst>
+          </p:cNvPr>
+          <p:cNvSpPr>
+            <a:spLocks noGrp="1" noRot="1" noChangeAspect="1" noMove="1" noResize="1" noEditPoints="1" noAdjustHandles="1" noChangeArrowheads="1" noChangeShapeType="1" noTextEdit="1"/>
+          </p:cNvSpPr>
+          <p:nvPr>
+            <p:extLst>
+              <p:ext uri="{386F3935-93C4-4BCD-93E2-E3B085C9AB24}">
+                <p16:designElem xmlns:p16="http://schemas.microsoft.com/office/powerpoint/2015/main" val="1"/>
+              </p:ext>
+            </p:extLst>
+          </p:nvPr>
+        </p:nvSpPr>
+        <p:spPr>
+          <a:xfrm>
+            <a:off x="15" y="6334316"/>
+            <a:ext cx="12191985" cy="66484"/>
+          </a:xfrm>
+          <a:prstGeom prst="rect">
+            <a:avLst/>
+          </a:prstGeom>
+          <a:solidFill>
+            <a:schemeClr val="accent1"/>
+          </a:solidFill>
+          <a:ln>
+            <a:noFill/>
+          </a:ln>
+        </p:spPr>
+        <p:style>
+          <a:lnRef idx="2">
+            <a:schemeClr val="accent1">
+              <a:shade val="50000"/>
+            </a:schemeClr>
+          </a:lnRef>
+          <a:fillRef idx="1">
+            <a:schemeClr val="accent1"/>
+          </a:fillRef>
+          <a:effectRef idx="0">
+            <a:schemeClr val="accent1"/>
+          </a:effectRef>
+          <a:fontRef idx="minor">
+            <a:schemeClr val="lt1"/>
+          </a:fontRef>
+        </p:style>
+      </p:sp>
+      <p:sp>
+        <p:nvSpPr>
+          <p:cNvPr id="93" name="Rectangle 92">
+            <a:extLst>
+              <a:ext uri="{FF2B5EF4-FFF2-40B4-BE49-F238E27FC236}">
+                <a16:creationId xmlns:a16="http://schemas.microsoft.com/office/drawing/2014/main" id="{82A73093-4B9D-420D-B17E-52293703A1D4}"/>
+              </a:ext>
+              <a:ext uri="{C183D7F6-B498-43B3-948B-1728B52AA6E4}">
+                <adec:decorative xmlns:adec="http://schemas.microsoft.com/office/drawing/2017/decorative" val="1"/>
+              </a:ext>
+            </a:extLst>
+          </p:cNvPr>
+          <p:cNvSpPr>
+            <a:spLocks noGrp="1" noRot="1" noChangeAspect="1" noMove="1" noResize="1" noEditPoints="1" noAdjustHandles="1" noChangeArrowheads="1" noChangeShapeType="1" noTextEdit="1"/>
+          </p:cNvSpPr>
+          <p:nvPr>
+            <p:extLst>
+              <p:ext uri="{386F3935-93C4-4BCD-93E2-E3B085C9AB24}">
+                <p16:designElem xmlns:p16="http://schemas.microsoft.com/office/powerpoint/2015/main" val="1"/>
+              </p:ext>
+            </p:extLst>
+          </p:nvPr>
+        </p:nvSpPr>
+        <p:spPr>
+          <a:xfrm>
+            <a:off x="1" y="6400800"/>
+            <a:ext cx="12192000" cy="457200"/>
+          </a:xfrm>
+          <a:prstGeom prst="rect">
+            <a:avLst/>
+          </a:prstGeom>
+          <a:solidFill>
+            <a:schemeClr val="accent2"/>
+          </a:solidFill>
+          <a:ln>
+            <a:noFill/>
+          </a:ln>
+        </p:spPr>
+        <p:style>
+          <a:lnRef idx="2">
+            <a:schemeClr val="accent1">
+              <a:shade val="50000"/>
+            </a:schemeClr>
+          </a:lnRef>
+          <a:fillRef idx="1">
+            <a:schemeClr val="accent1"/>
+          </a:fillRef>
+          <a:effectRef idx="0">
+            <a:schemeClr val="accent1"/>
+          </a:effectRef>
+          <a:fontRef idx="minor">
+            <a:schemeClr val="lt1"/>
+          </a:fontRef>
+        </p:style>
+      </p:sp>
+    </p:spTree>
+    <p:extLst>
+      <p:ext uri="{BB962C8B-B14F-4D97-AF65-F5344CB8AC3E}">
+        <p14:creationId xmlns:p14="http://schemas.microsoft.com/office/powerpoint/2010/main" val="3663795224"/>
+      </p:ext>
+    </p:extLst>
+  </p:cSld>
+  <p:clrMapOvr>
+    <a:masterClrMapping/>
+  </p:clrMapOvr>
+</p:sld>
+</file>
+
+<file path=ppt/slides/slide59.xml><?xml version="1.0" encoding="utf-8"?>
 <p:sld xmlns:a="http://schemas.openxmlformats.org/drawingml/2006/main" xmlns:r="http://schemas.openxmlformats.org/officeDocument/2006/relationships" xmlns:p="http://schemas.openxmlformats.org/presentationml/2006/main">
   <p:cSld>
     <p:bg>
